--- a/doc/versionControl.pptx
+++ b/doc/versionControl.pptx
@@ -5,7 +5,7 @@
     <p:sldMasterId id="2147483660" r:id="rId4"/>
   </p:sldMasterIdLst>
   <p:notesMasterIdLst>
-    <p:notesMasterId r:id="rId16"/>
+    <p:notesMasterId r:id="rId19"/>
   </p:notesMasterIdLst>
   <p:sldIdLst>
     <p:sldId id="459" r:id="rId5"/>
@@ -19,6 +19,9 @@
     <p:sldId id="728" r:id="rId13"/>
     <p:sldId id="727" r:id="rId14"/>
     <p:sldId id="729" r:id="rId15"/>
+    <p:sldId id="730" r:id="rId16"/>
+    <p:sldId id="731" r:id="rId17"/>
+    <p:sldId id="732" r:id="rId18"/>
   </p:sldIdLst>
   <p:sldSz cx="9144000" cy="6858000" type="screen4x3"/>
   <p:notesSz cx="7010400" cy="9296400"/>
@@ -3687,7 +3690,7 @@
             <a:fld id="{2EABF25A-48F1-429C-8CD7-3D994DBD22B5}" type="datetimeFigureOut">
               <a:rPr lang="en-US" smtClean="0"/>
               <a:pPr/>
-              <a:t>7/16/2014</a:t>
+              <a:t>7/21/2014</a:t>
             </a:fld>
             <a:endParaRPr lang="en-US" dirty="0"/>
           </a:p>
@@ -4274,6 +4277,91 @@
     <p:extLst>
       <p:ext uri="{BB962C8B-B14F-4D97-AF65-F5344CB8AC3E}">
         <p14:creationId xmlns:p14="http://schemas.microsoft.com/office/powerpoint/2010/main" val="287537746"/>
+      </p:ext>
+    </p:extLst>
+  </p:cSld>
+  <p:clrMapOvr>
+    <a:masterClrMapping/>
+  </p:clrMapOvr>
+</p:notes>
+</file>
+
+<file path=ppt/notesSlides/notesSlide3.xml><?xml version="1.0" encoding="utf-8"?>
+<p:notes xmlns:a="http://schemas.openxmlformats.org/drawingml/2006/main" xmlns:r="http://schemas.openxmlformats.org/officeDocument/2006/relationships" xmlns:p="http://schemas.openxmlformats.org/presentationml/2006/main">
+  <p:cSld>
+    <p:spTree>
+      <p:nvGrpSpPr>
+        <p:cNvPr id="1" name=""/>
+        <p:cNvGrpSpPr/>
+        <p:nvPr/>
+      </p:nvGrpSpPr>
+      <p:grpSpPr>
+        <a:xfrm>
+          <a:off x="0" y="0"/>
+          <a:ext cx="0" cy="0"/>
+          <a:chOff x="0" y="0"/>
+          <a:chExt cx="0" cy="0"/>
+        </a:xfrm>
+      </p:grpSpPr>
+      <p:sp>
+        <p:nvSpPr>
+          <p:cNvPr id="2" name="Slide Image Placeholder 1"/>
+          <p:cNvSpPr>
+            <a:spLocks noGrp="1" noRot="1" noChangeAspect="1"/>
+          </p:cNvSpPr>
+          <p:nvPr>
+            <p:ph type="sldImg"/>
+          </p:nvPr>
+        </p:nvSpPr>
+        <p:spPr/>
+      </p:sp>
+      <p:sp>
+        <p:nvSpPr>
+          <p:cNvPr id="3" name="Notes Placeholder 2"/>
+          <p:cNvSpPr>
+            <a:spLocks noGrp="1"/>
+          </p:cNvSpPr>
+          <p:nvPr>
+            <p:ph type="body" idx="1"/>
+          </p:nvPr>
+        </p:nvSpPr>
+        <p:spPr/>
+        <p:txBody>
+          <a:bodyPr/>
+          <a:lstStyle/>
+          <a:p>
+            <a:endParaRPr lang="en-US" dirty="0"/>
+          </a:p>
+        </p:txBody>
+      </p:sp>
+      <p:sp>
+        <p:nvSpPr>
+          <p:cNvPr id="4" name="Slide Number Placeholder 3"/>
+          <p:cNvSpPr>
+            <a:spLocks noGrp="1"/>
+          </p:cNvSpPr>
+          <p:nvPr>
+            <p:ph type="sldNum" sz="quarter" idx="10"/>
+          </p:nvPr>
+        </p:nvSpPr>
+        <p:spPr/>
+        <p:txBody>
+          <a:bodyPr/>
+          <a:lstStyle/>
+          <a:p>
+            <a:fld id="{76F0A2C8-C80D-4FA6-9395-33B607B809E4}" type="slidenum">
+              <a:rPr lang="en-US" smtClean="0"/>
+              <a:pPr/>
+              <a:t>12</a:t>
+            </a:fld>
+            <a:endParaRPr lang="en-US" dirty="0"/>
+          </a:p>
+        </p:txBody>
+      </p:sp>
+    </p:spTree>
+    <p:extLst>
+      <p:ext uri="{BB962C8B-B14F-4D97-AF65-F5344CB8AC3E}">
+        <p14:creationId xmlns:p14="http://schemas.microsoft.com/office/powerpoint/2010/main" val="373735524"/>
       </p:ext>
     </p:extLst>
   </p:cSld>
@@ -7878,7 +7966,11 @@
             <a:pPr lvl="1"/>
             <a:r>
               <a:rPr lang="en-US" dirty="0" smtClean="0"/>
-              <a:t>Advanced workflows possible – following software design models</a:t>
+              <a:t>Advanced workflows possible – following software design </a:t>
+            </a:r>
+            <a:r>
+              <a:rPr lang="en-US" dirty="0" smtClean="0"/>
+              <a:t>models</a:t>
             </a:r>
           </a:p>
         </p:txBody>
@@ -8349,6 +8441,418 @@
     <p:extLst>
       <p:ext uri="{BB962C8B-B14F-4D97-AF65-F5344CB8AC3E}">
         <p14:creationId xmlns:p14="http://schemas.microsoft.com/office/powerpoint/2010/main" val="2620924590"/>
+      </p:ext>
+    </p:extLst>
+  </p:cSld>
+  <p:clrMapOvr>
+    <a:masterClrMapping/>
+  </p:clrMapOvr>
+</p:sld>
+</file>
+
+<file path=ppt/slides/slide12.xml><?xml version="1.0" encoding="utf-8"?>
+<p:sld xmlns:a="http://schemas.openxmlformats.org/drawingml/2006/main" xmlns:r="http://schemas.openxmlformats.org/officeDocument/2006/relationships" xmlns:p="http://schemas.openxmlformats.org/presentationml/2006/main">
+  <p:cSld>
+    <p:spTree>
+      <p:nvGrpSpPr>
+        <p:cNvPr id="1" name=""/>
+        <p:cNvGrpSpPr/>
+        <p:nvPr/>
+      </p:nvGrpSpPr>
+      <p:grpSpPr>
+        <a:xfrm>
+          <a:off x="0" y="0"/>
+          <a:ext cx="0" cy="0"/>
+          <a:chOff x="0" y="0"/>
+          <a:chExt cx="0" cy="0"/>
+        </a:xfrm>
+      </p:grpSpPr>
+      <p:sp>
+        <p:nvSpPr>
+          <p:cNvPr id="2" name="Content Placeholder 1"/>
+          <p:cNvSpPr>
+            <a:spLocks noGrp="1"/>
+          </p:cNvSpPr>
+          <p:nvPr>
+            <p:ph idx="1"/>
+          </p:nvPr>
+        </p:nvSpPr>
+        <p:spPr/>
+        <p:txBody>
+          <a:bodyPr/>
+          <a:lstStyle/>
+          <a:p>
+            <a:r>
+              <a:rPr lang="en-US" dirty="0" smtClean="0"/>
+              <a:t>Set up a new project with</a:t>
+            </a:r>
+            <a:r>
+              <a:rPr lang="en-US" baseline="0" dirty="0" smtClean="0"/>
+              <a:t> “</a:t>
+            </a:r>
+            <a:r>
+              <a:rPr lang="en-US" baseline="0" dirty="0" err="1" smtClean="0"/>
+              <a:t>ThreeFlop</a:t>
+            </a:r>
+            <a:r>
+              <a:rPr lang="en-US" baseline="0" dirty="0" smtClean="0"/>
+              <a:t>” RTL and XDC</a:t>
+            </a:r>
+            <a:endParaRPr lang="en-US" dirty="0" smtClean="0"/>
+          </a:p>
+          <a:p>
+            <a:r>
+              <a:rPr lang="en-US" dirty="0" smtClean="0"/>
+              <a:t>Create a </a:t>
+            </a:r>
+            <a:r>
+              <a:rPr lang="en-US" dirty="0" err="1" smtClean="0"/>
+              <a:t>Makefile</a:t>
+            </a:r>
+            <a:r>
+              <a:rPr lang="en-US" dirty="0" smtClean="0"/>
+              <a:t> to call </a:t>
+            </a:r>
+            <a:r>
+              <a:rPr lang="en-US" dirty="0" err="1" smtClean="0"/>
+              <a:t>vivado</a:t>
+            </a:r>
+            <a:r>
+              <a:rPr lang="en-US" baseline="0" dirty="0" smtClean="0"/>
+              <a:t> with 2 targets:</a:t>
+            </a:r>
+          </a:p>
+          <a:p>
+            <a:pPr lvl="1"/>
+            <a:r>
+              <a:rPr lang="en-US" dirty="0" smtClean="0"/>
+              <a:t>Setup creates</a:t>
+            </a:r>
+            <a:r>
+              <a:rPr lang="en-US" baseline="0" dirty="0" smtClean="0"/>
+              <a:t> a project with remote sources</a:t>
+            </a:r>
+          </a:p>
+          <a:p>
+            <a:pPr lvl="1"/>
+            <a:r>
+              <a:rPr lang="en-US" baseline="0" dirty="0" smtClean="0"/>
+              <a:t>Clean – deletes everything except the </a:t>
+            </a:r>
+            <a:r>
+              <a:rPr lang="en-US" baseline="0" dirty="0" err="1" smtClean="0"/>
+              <a:t>Makefile</a:t>
+            </a:r>
+            <a:endParaRPr lang="en-US" baseline="0" dirty="0" smtClean="0"/>
+          </a:p>
+          <a:p>
+            <a:r>
+              <a:rPr lang="en-US" dirty="0" smtClean="0"/>
+              <a:t>Use </a:t>
+            </a:r>
+            <a:r>
+              <a:rPr lang="en-US" dirty="0" err="1" smtClean="0"/>
+              <a:t>Git</a:t>
+            </a:r>
+            <a:r>
+              <a:rPr lang="en-US" dirty="0" smtClean="0"/>
+              <a:t> Commands to check in all sources, the </a:t>
+            </a:r>
+            <a:r>
+              <a:rPr lang="en-US" dirty="0" err="1" smtClean="0"/>
+              <a:t>Makefile</a:t>
+            </a:r>
+            <a:r>
+              <a:rPr lang="en-US" dirty="0" smtClean="0"/>
+              <a:t>, scripts</a:t>
+            </a:r>
+          </a:p>
+          <a:p>
+            <a:pPr lvl="1"/>
+            <a:r>
+              <a:rPr lang="en-US" dirty="0" err="1"/>
+              <a:t>g</a:t>
+            </a:r>
+            <a:r>
+              <a:rPr lang="en-US" baseline="0" dirty="0" err="1" smtClean="0"/>
+              <a:t>it</a:t>
+            </a:r>
+            <a:r>
+              <a:rPr lang="en-US" dirty="0" smtClean="0"/>
+              <a:t> </a:t>
+            </a:r>
+            <a:r>
+              <a:rPr lang="en-US" dirty="0" err="1" smtClean="0"/>
+              <a:t>init</a:t>
+            </a:r>
+            <a:endParaRPr lang="en-US" dirty="0" smtClean="0"/>
+          </a:p>
+          <a:p>
+            <a:pPr lvl="1"/>
+            <a:r>
+              <a:rPr lang="en-US" dirty="0" err="1"/>
+              <a:t>g</a:t>
+            </a:r>
+            <a:r>
+              <a:rPr lang="en-US" baseline="0" dirty="0" err="1" smtClean="0"/>
+              <a:t>it</a:t>
+            </a:r>
+            <a:r>
+              <a:rPr lang="en-US" baseline="0" dirty="0" smtClean="0"/>
+              <a:t> add</a:t>
+            </a:r>
+          </a:p>
+          <a:p>
+            <a:pPr lvl="1"/>
+            <a:r>
+              <a:rPr lang="en-US" dirty="0" err="1"/>
+              <a:t>g</a:t>
+            </a:r>
+            <a:r>
+              <a:rPr lang="en-US" dirty="0" err="1" smtClean="0"/>
+              <a:t>it</a:t>
+            </a:r>
+            <a:r>
+              <a:rPr lang="en-US" dirty="0" smtClean="0"/>
+              <a:t> commit –m “initial project </a:t>
+            </a:r>
+            <a:r>
+              <a:rPr lang="en-US" dirty="0" err="1" smtClean="0"/>
+              <a:t>checkin</a:t>
+            </a:r>
+            <a:r>
+              <a:rPr lang="en-US" dirty="0" smtClean="0"/>
+              <a:t>”</a:t>
+            </a:r>
+          </a:p>
+          <a:p>
+            <a:pPr lvl="1"/>
+            <a:endParaRPr lang="en-US" baseline="0" dirty="0" smtClean="0"/>
+          </a:p>
+        </p:txBody>
+      </p:sp>
+      <p:sp>
+        <p:nvSpPr>
+          <p:cNvPr id="3" name="Title 2"/>
+          <p:cNvSpPr>
+            <a:spLocks noGrp="1"/>
+          </p:cNvSpPr>
+          <p:nvPr>
+            <p:ph type="title"/>
+          </p:nvPr>
+        </p:nvSpPr>
+        <p:spPr/>
+        <p:txBody>
+          <a:bodyPr/>
+          <a:lstStyle/>
+          <a:p>
+            <a:r>
+              <a:rPr lang="en-US" dirty="0" smtClean="0"/>
+              <a:t>Lab 1</a:t>
+            </a:r>
+            <a:endParaRPr lang="en-US" dirty="0"/>
+          </a:p>
+        </p:txBody>
+      </p:sp>
+    </p:spTree>
+    <p:extLst>
+      <p:ext uri="{BB962C8B-B14F-4D97-AF65-F5344CB8AC3E}">
+        <p14:creationId xmlns:p14="http://schemas.microsoft.com/office/powerpoint/2010/main" val="482394257"/>
+      </p:ext>
+    </p:extLst>
+  </p:cSld>
+  <p:clrMapOvr>
+    <a:masterClrMapping/>
+  </p:clrMapOvr>
+</p:sld>
+</file>
+
+<file path=ppt/slides/slide13.xml><?xml version="1.0" encoding="utf-8"?>
+<p:sld xmlns:a="http://schemas.openxmlformats.org/drawingml/2006/main" xmlns:r="http://schemas.openxmlformats.org/officeDocument/2006/relationships" xmlns:p="http://schemas.openxmlformats.org/presentationml/2006/main">
+  <p:cSld>
+    <p:spTree>
+      <p:nvGrpSpPr>
+        <p:cNvPr id="1" name=""/>
+        <p:cNvGrpSpPr/>
+        <p:nvPr/>
+      </p:nvGrpSpPr>
+      <p:grpSpPr>
+        <a:xfrm>
+          <a:off x="0" y="0"/>
+          <a:ext cx="0" cy="0"/>
+          <a:chOff x="0" y="0"/>
+          <a:chExt cx="0" cy="0"/>
+        </a:xfrm>
+      </p:grpSpPr>
+      <p:sp>
+        <p:nvSpPr>
+          <p:cNvPr id="2" name="Content Placeholder 1"/>
+          <p:cNvSpPr>
+            <a:spLocks noGrp="1"/>
+          </p:cNvSpPr>
+          <p:nvPr>
+            <p:ph idx="1"/>
+          </p:nvPr>
+        </p:nvSpPr>
+        <p:spPr/>
+        <p:txBody>
+          <a:bodyPr/>
+          <a:lstStyle/>
+          <a:p>
+            <a:r>
+              <a:rPr lang="en-US" dirty="0" smtClean="0"/>
+              <a:t>Create a Managed</a:t>
+            </a:r>
+            <a:r>
+              <a:rPr lang="en-US" baseline="0" dirty="0" smtClean="0"/>
+              <a:t> IP project for AXI_IIC</a:t>
+            </a:r>
+          </a:p>
+          <a:p>
+            <a:r>
+              <a:rPr lang="en-US" baseline="0" dirty="0" smtClean="0"/>
+              <a:t>Using a script fully generate the IP with OOC flow</a:t>
+            </a:r>
+          </a:p>
+          <a:p>
+            <a:r>
+              <a:rPr lang="en-US" baseline="0" dirty="0" smtClean="0"/>
+              <a:t>Check it into revision control</a:t>
+            </a:r>
+          </a:p>
+          <a:p>
+            <a:r>
+              <a:rPr lang="en-US" baseline="0" dirty="0" smtClean="0"/>
+              <a:t>Iterate and change a customization option</a:t>
+            </a:r>
+          </a:p>
+        </p:txBody>
+      </p:sp>
+      <p:sp>
+        <p:nvSpPr>
+          <p:cNvPr id="3" name="Title 2"/>
+          <p:cNvSpPr>
+            <a:spLocks noGrp="1"/>
+          </p:cNvSpPr>
+          <p:nvPr>
+            <p:ph type="title"/>
+          </p:nvPr>
+        </p:nvSpPr>
+        <p:spPr/>
+        <p:txBody>
+          <a:bodyPr/>
+          <a:lstStyle/>
+          <a:p>
+            <a:r>
+              <a:rPr lang="en-US" dirty="0" smtClean="0"/>
+              <a:t>Lab 2</a:t>
+            </a:r>
+            <a:endParaRPr lang="en-US" dirty="0"/>
+          </a:p>
+        </p:txBody>
+      </p:sp>
+    </p:spTree>
+    <p:extLst>
+      <p:ext uri="{BB962C8B-B14F-4D97-AF65-F5344CB8AC3E}">
+        <p14:creationId xmlns:p14="http://schemas.microsoft.com/office/powerpoint/2010/main" val="1501128478"/>
+      </p:ext>
+    </p:extLst>
+  </p:cSld>
+  <p:clrMapOvr>
+    <a:masterClrMapping/>
+  </p:clrMapOvr>
+</p:sld>
+</file>
+
+<file path=ppt/slides/slide14.xml><?xml version="1.0" encoding="utf-8"?>
+<p:sld xmlns:a="http://schemas.openxmlformats.org/drawingml/2006/main" xmlns:r="http://schemas.openxmlformats.org/officeDocument/2006/relationships" xmlns:p="http://schemas.openxmlformats.org/presentationml/2006/main">
+  <p:cSld>
+    <p:spTree>
+      <p:nvGrpSpPr>
+        <p:cNvPr id="1" name=""/>
+        <p:cNvGrpSpPr/>
+        <p:nvPr/>
+      </p:nvGrpSpPr>
+      <p:grpSpPr>
+        <a:xfrm>
+          <a:off x="0" y="0"/>
+          <a:ext cx="0" cy="0"/>
+          <a:chOff x="0" y="0"/>
+          <a:chExt cx="0" cy="0"/>
+        </a:xfrm>
+      </p:grpSpPr>
+      <p:sp>
+        <p:nvSpPr>
+          <p:cNvPr id="2" name="Content Placeholder 1"/>
+          <p:cNvSpPr>
+            <a:spLocks noGrp="1"/>
+          </p:cNvSpPr>
+          <p:nvPr>
+            <p:ph idx="1"/>
+          </p:nvPr>
+        </p:nvSpPr>
+        <p:spPr/>
+        <p:txBody>
+          <a:bodyPr/>
+          <a:lstStyle/>
+          <a:p>
+            <a:r>
+              <a:rPr lang="en-US" dirty="0" smtClean="0"/>
+              <a:t>Create a Block diagram system with remote</a:t>
+            </a:r>
+            <a:r>
+              <a:rPr lang="en-US" baseline="0" dirty="0" smtClean="0"/>
+              <a:t> BD</a:t>
+            </a:r>
+          </a:p>
+          <a:p>
+            <a:r>
+              <a:rPr lang="en-US" baseline="0" dirty="0" smtClean="0"/>
+              <a:t>Use </a:t>
+            </a:r>
+            <a:r>
+              <a:rPr lang="en-US" baseline="0" dirty="0" err="1" smtClean="0"/>
+              <a:t>write_bd_tcl</a:t>
+            </a:r>
+            <a:r>
+              <a:rPr lang="en-US" baseline="0" dirty="0" smtClean="0"/>
+              <a:t> </a:t>
+            </a:r>
+            <a:endParaRPr lang="en-US" dirty="0"/>
+          </a:p>
+        </p:txBody>
+      </p:sp>
+      <p:sp>
+        <p:nvSpPr>
+          <p:cNvPr id="3" name="Title 2"/>
+          <p:cNvSpPr>
+            <a:spLocks noGrp="1"/>
+          </p:cNvSpPr>
+          <p:nvPr>
+            <p:ph type="title"/>
+          </p:nvPr>
+        </p:nvSpPr>
+        <p:spPr/>
+        <p:txBody>
+          <a:bodyPr/>
+          <a:lstStyle/>
+          <a:p>
+            <a:r>
+              <a:rPr lang="en-US" dirty="0" smtClean="0"/>
+              <a:t>Lab</a:t>
+            </a:r>
+            <a:r>
+              <a:rPr lang="en-US" baseline="0" dirty="0" smtClean="0"/>
+              <a:t> 3</a:t>
+            </a:r>
+            <a:endParaRPr lang="en-US" dirty="0"/>
+          </a:p>
+        </p:txBody>
+      </p:sp>
+    </p:spTree>
+    <p:extLst>
+      <p:ext uri="{BB962C8B-B14F-4D97-AF65-F5344CB8AC3E}">
+        <p14:creationId xmlns:p14="http://schemas.microsoft.com/office/powerpoint/2010/main" val="938986884"/>
       </p:ext>
     </p:extLst>
   </p:cSld>
@@ -11137,21 +11641,8 @@
                     <a:srgbClr val="FFFFFF"/>
                   </a:solidFill>
                 </a:rPr>
-                <a:t>Ignor</a:t>
+                <a:t>Ignored</a:t>
               </a:r>
-              <a:r>
-                <a:rPr lang="en-US" sz="1400" b="1" kern="0" dirty="0" smtClean="0">
-                  <a:solidFill>
-                    <a:srgbClr val="FFFFFF"/>
-                  </a:solidFill>
-                </a:rPr>
-                <a:t>ed</a:t>
-              </a:r>
-              <a:endParaRPr lang="en-US" sz="1400" b="1" kern="0" dirty="0" smtClean="0">
-                <a:solidFill>
-                  <a:srgbClr val="FFFFFF"/>
-                </a:solidFill>
-              </a:endParaRPr>
             </a:p>
             <a:p>
               <a:pPr marL="228600" indent="-228600" algn="ctr" eaLnBrk="0" fontAlgn="base" hangingPunct="0">
@@ -12533,21 +13024,6 @@
 </file>
 
 <file path=customXml/item1.xml><?xml version="1.0" encoding="utf-8"?>
-<?mso-contentType ?>
-<FormTemplates xmlns="http://schemas.microsoft.com/sharepoint/v3/contenttype/forms">
-  <Display>DocumentLibraryForm</Display>
-  <Edit>DocumentLibraryForm</Edit>
-  <New>DocumentLibraryForm</New>
-</FormTemplates>
-</file>
-
-<file path=customXml/item2.xml><?xml version="1.0" encoding="utf-8"?>
-<p:properties xmlns:p="http://schemas.microsoft.com/office/2006/metadata/properties" xmlns:xsi="http://www.w3.org/2001/XMLSchema-instance" xmlns:pc="http://schemas.microsoft.com/office/infopath/2007/PartnerControls">
-  <documentManagement/>
-</p:properties>
-</file>
-
-<file path=customXml/item3.xml><?xml version="1.0" encoding="utf-8"?>
 <ct:contentTypeSchema xmlns:ct="http://schemas.microsoft.com/office/2006/metadata/contentType" xmlns:ma="http://schemas.microsoft.com/office/2006/metadata/properties/metaAttributes" ct:_="" ma:_="" ma:contentTypeName="Document" ma:contentTypeID="0x0101009FF7D9ACD620714D8FBB4D60D145DB4F" ma:contentTypeVersion="0" ma:contentTypeDescription="Create a new document." ma:contentTypeScope="" ma:versionID="4bbc07a174f573dfbe0296acaebf4d5b">
   <xsd:schema xmlns:xsd="http://www.w3.org/2001/XMLSchema" xmlns:xs="http://www.w3.org/2001/XMLSchema" xmlns:p="http://schemas.microsoft.com/office/2006/metadata/properties" targetNamespace="http://schemas.microsoft.com/office/2006/metadata/properties" ma:root="true" ma:fieldsID="c64490b4aec6201516c3a874156f37b2">
     <xsd:element name="properties">
@@ -12661,10 +13137,33 @@
 </ct:contentTypeSchema>
 </file>
 
+<file path=customXml/item2.xml><?xml version="1.0" encoding="utf-8"?>
+<p:properties xmlns:p="http://schemas.microsoft.com/office/2006/metadata/properties" xmlns:xsi="http://www.w3.org/2001/XMLSchema-instance" xmlns:pc="http://schemas.microsoft.com/office/infopath/2007/PartnerControls">
+  <documentManagement/>
+</p:properties>
+</file>
+
+<file path=customXml/item3.xml><?xml version="1.0" encoding="utf-8"?>
+<?mso-contentType ?>
+<FormTemplates xmlns="http://schemas.microsoft.com/sharepoint/v3/contenttype/forms">
+  <Display>DocumentLibraryForm</Display>
+  <Edit>DocumentLibraryForm</Edit>
+  <New>DocumentLibraryForm</New>
+</FormTemplates>
+</file>
+
 <file path=customXml/itemProps1.xml><?xml version="1.0" encoding="utf-8"?>
-<ds:datastoreItem xmlns:ds="http://schemas.openxmlformats.org/officeDocument/2006/customXml" ds:itemID="{56EA677F-09E4-40FC-B998-315C6F85D97B}">
+<ds:datastoreItem xmlns:ds="http://schemas.openxmlformats.org/officeDocument/2006/customXml" ds:itemID="{63A6CF10-4272-4792-86D6-C2A00A3F8DBF}">
   <ds:schemaRefs>
-    <ds:schemaRef ds:uri="http://schemas.microsoft.com/sharepoint/v3/contenttype/forms"/>
+    <ds:schemaRef ds:uri="http://schemas.microsoft.com/office/2006/metadata/contentType"/>
+    <ds:schemaRef ds:uri="http://schemas.microsoft.com/office/2006/metadata/properties/metaAttributes"/>
+    <ds:schemaRef ds:uri="http://www.w3.org/2001/XMLSchema"/>
+    <ds:schemaRef ds:uri="http://schemas.microsoft.com/office/2006/metadata/properties"/>
+    <ds:schemaRef ds:uri="http://schemas.openxmlformats.org/package/2006/metadata/core-properties"/>
+    <ds:schemaRef ds:uri="http://purl.org/dc/elements/1.1/"/>
+    <ds:schemaRef ds:uri="http://purl.org/dc/terms/"/>
+    <ds:schemaRef ds:uri="http://schemas.microsoft.com/internal/obd"/>
+    <ds:schemaRef ds:uri="http://schemas.microsoft.com/office/infopath/2007/PartnerControls"/>
   </ds:schemaRefs>
 </ds:datastoreItem>
 </file>
@@ -12685,17 +13184,9 @@
 </file>
 
 <file path=customXml/itemProps3.xml><?xml version="1.0" encoding="utf-8"?>
-<ds:datastoreItem xmlns:ds="http://schemas.openxmlformats.org/officeDocument/2006/customXml" ds:itemID="{63A6CF10-4272-4792-86D6-C2A00A3F8DBF}">
+<ds:datastoreItem xmlns:ds="http://schemas.openxmlformats.org/officeDocument/2006/customXml" ds:itemID="{56EA677F-09E4-40FC-B998-315C6F85D97B}">
   <ds:schemaRefs>
-    <ds:schemaRef ds:uri="http://schemas.microsoft.com/office/2006/metadata/contentType"/>
-    <ds:schemaRef ds:uri="http://schemas.microsoft.com/office/2006/metadata/properties/metaAttributes"/>
-    <ds:schemaRef ds:uri="http://www.w3.org/2001/XMLSchema"/>
-    <ds:schemaRef ds:uri="http://schemas.microsoft.com/office/2006/metadata/properties"/>
-    <ds:schemaRef ds:uri="http://schemas.openxmlformats.org/package/2006/metadata/core-properties"/>
-    <ds:schemaRef ds:uri="http://purl.org/dc/elements/1.1/"/>
-    <ds:schemaRef ds:uri="http://purl.org/dc/terms/"/>
-    <ds:schemaRef ds:uri="http://schemas.microsoft.com/internal/obd"/>
-    <ds:schemaRef ds:uri="http://schemas.microsoft.com/office/infopath/2007/PartnerControls"/>
+    <ds:schemaRef ds:uri="http://schemas.microsoft.com/sharepoint/v3/contenttype/forms"/>
   </ds:schemaRefs>
 </ds:datastoreItem>
 </file>
--- a/doc/versionControl.pptx
+++ b/doc/versionControl.pptx
@@ -5,7 +5,7 @@
     <p:sldMasterId id="2147483660" r:id="rId4"/>
   </p:sldMasterIdLst>
   <p:notesMasterIdLst>
-    <p:notesMasterId r:id="rId19"/>
+    <p:notesMasterId r:id="rId22"/>
   </p:notesMasterIdLst>
   <p:sldIdLst>
     <p:sldId id="459" r:id="rId5"/>
@@ -22,6 +22,9 @@
     <p:sldId id="730" r:id="rId16"/>
     <p:sldId id="731" r:id="rId17"/>
     <p:sldId id="732" r:id="rId18"/>
+    <p:sldId id="733" r:id="rId19"/>
+    <p:sldId id="734" r:id="rId20"/>
+    <p:sldId id="735" r:id="rId21"/>
   </p:sldIdLst>
   <p:sldSz cx="9144000" cy="6858000" type="screen4x3"/>
   <p:notesSz cx="7010400" cy="9296400"/>
@@ -7966,11 +7969,7 @@
             <a:pPr lvl="1"/>
             <a:r>
               <a:rPr lang="en-US" dirty="0" smtClean="0"/>
-              <a:t>Advanced workflows possible – following software design </a:t>
-            </a:r>
-            <a:r>
-              <a:rPr lang="en-US" dirty="0" smtClean="0"/>
-              <a:t>models</a:t>
+              <a:t>Advanced workflows possible – following software design models</a:t>
             </a:r>
           </a:p>
         </p:txBody>
@@ -8519,7 +8518,15 @@
             </a:r>
             <a:r>
               <a:rPr lang="en-US" baseline="0" dirty="0" smtClean="0"/>
-              <a:t> with 2 targets:</a:t>
+              <a:t> with </a:t>
+            </a:r>
+            <a:r>
+              <a:rPr lang="en-US" baseline="0" dirty="0" smtClean="0"/>
+              <a:t>3 </a:t>
+            </a:r>
+            <a:r>
+              <a:rPr lang="en-US" baseline="0" dirty="0" smtClean="0"/>
+              <a:t>targets:</a:t>
             </a:r>
           </a:p>
           <a:p>
@@ -8530,8 +8537,24 @@
             </a:r>
             <a:r>
               <a:rPr lang="en-US" baseline="0" dirty="0" smtClean="0"/>
-              <a:t> a project with remote sources</a:t>
-            </a:r>
+              <a:t> a project with remote </a:t>
+            </a:r>
+            <a:r>
+              <a:rPr lang="en-US" baseline="0" dirty="0" smtClean="0"/>
+              <a:t>sources</a:t>
+            </a:r>
+          </a:p>
+          <a:p>
+            <a:pPr lvl="1"/>
+            <a:r>
+              <a:rPr lang="en-US" baseline="0" dirty="0" smtClean="0"/>
+              <a:t>Compile opens the project and launches run to </a:t>
+            </a:r>
+            <a:r>
+              <a:rPr lang="en-US" baseline="0" dirty="0" err="1" smtClean="0"/>
+              <a:t>bitstream</a:t>
+            </a:r>
+            <a:endParaRPr lang="en-US" baseline="0" dirty="0" smtClean="0"/>
           </a:p>
           <a:p>
             <a:pPr lvl="1"/>
@@ -8818,7 +8841,75 @@
               <a:rPr lang="en-US" baseline="0" dirty="0" smtClean="0"/>
               <a:t> </a:t>
             </a:r>
-            <a:endParaRPr lang="en-US" dirty="0"/>
+            <a:r>
+              <a:rPr lang="en-US" baseline="0" dirty="0" smtClean="0"/>
+              <a:t>to generate the BD</a:t>
+            </a:r>
+          </a:p>
+          <a:p>
+            <a:pPr lvl="1"/>
+            <a:r>
+              <a:rPr lang="en-US" dirty="0" smtClean="0"/>
+              <a:t>Modify the </a:t>
+            </a:r>
+            <a:r>
+              <a:rPr lang="en-US" dirty="0" err="1" smtClean="0"/>
+              <a:t>tcl</a:t>
+            </a:r>
+            <a:r>
+              <a:rPr lang="en-US" dirty="0" smtClean="0"/>
+              <a:t> to create the </a:t>
+            </a:r>
+            <a:r>
+              <a:rPr lang="en-US" dirty="0" err="1" smtClean="0"/>
+              <a:t>bd</a:t>
+            </a:r>
+            <a:r>
+              <a:rPr lang="en-US" dirty="0" smtClean="0"/>
+              <a:t> “remote” to project</a:t>
+            </a:r>
+          </a:p>
+          <a:p>
+            <a:pPr lvl="0"/>
+            <a:r>
+              <a:rPr lang="en-US" dirty="0" smtClean="0"/>
+              <a:t>Add a </a:t>
+            </a:r>
+            <a:r>
+              <a:rPr lang="en-US" dirty="0" err="1" smtClean="0"/>
+              <a:t>bd</a:t>
+            </a:r>
+            <a:r>
+              <a:rPr lang="en-US" dirty="0" smtClean="0"/>
+              <a:t> generation target in </a:t>
+            </a:r>
+            <a:r>
+              <a:rPr lang="en-US" dirty="0" err="1" smtClean="0"/>
+              <a:t>makefile</a:t>
+            </a:r>
+            <a:endParaRPr lang="en-US" dirty="0" smtClean="0"/>
+          </a:p>
+          <a:p>
+            <a:pPr lvl="0"/>
+            <a:r>
+              <a:rPr lang="en-US" dirty="0" smtClean="0"/>
+              <a:t>Take the output of the generation (the remote </a:t>
+            </a:r>
+            <a:r>
+              <a:rPr lang="en-US" dirty="0" err="1" smtClean="0"/>
+              <a:t>bd</a:t>
+            </a:r>
+            <a:r>
+              <a:rPr lang="en-US" dirty="0" smtClean="0"/>
+              <a:t>) and check in to revision control</a:t>
+            </a:r>
+          </a:p>
+          <a:p>
+            <a:pPr lvl="0"/>
+            <a:r>
+              <a:rPr lang="en-US" dirty="0" smtClean="0"/>
+              <a:t>Iterate on a small change</a:t>
+            </a:r>
           </a:p>
         </p:txBody>
       </p:sp>
@@ -8853,6 +8944,410 @@
     <p:extLst>
       <p:ext uri="{BB962C8B-B14F-4D97-AF65-F5344CB8AC3E}">
         <p14:creationId xmlns:p14="http://schemas.microsoft.com/office/powerpoint/2010/main" val="938986884"/>
+      </p:ext>
+    </p:extLst>
+  </p:cSld>
+  <p:clrMapOvr>
+    <a:masterClrMapping/>
+  </p:clrMapOvr>
+</p:sld>
+</file>
+
+<file path=ppt/slides/slide15.xml><?xml version="1.0" encoding="utf-8"?>
+<p:sld xmlns:a="http://schemas.openxmlformats.org/drawingml/2006/main" xmlns:r="http://schemas.openxmlformats.org/officeDocument/2006/relationships" xmlns:p="http://schemas.openxmlformats.org/presentationml/2006/main">
+  <p:cSld>
+    <p:spTree>
+      <p:nvGrpSpPr>
+        <p:cNvPr id="1" name=""/>
+        <p:cNvGrpSpPr/>
+        <p:nvPr/>
+      </p:nvGrpSpPr>
+      <p:grpSpPr>
+        <a:xfrm>
+          <a:off x="0" y="0"/>
+          <a:ext cx="0" cy="0"/>
+          <a:chOff x="0" y="0"/>
+          <a:chExt cx="0" cy="0"/>
+        </a:xfrm>
+      </p:grpSpPr>
+      <p:sp>
+        <p:nvSpPr>
+          <p:cNvPr id="2" name="Content Placeholder 1"/>
+          <p:cNvSpPr>
+            <a:spLocks noGrp="1"/>
+          </p:cNvSpPr>
+          <p:nvPr>
+            <p:ph idx="1"/>
+          </p:nvPr>
+        </p:nvSpPr>
+        <p:spPr/>
+        <p:txBody>
+          <a:bodyPr/>
+          <a:lstStyle/>
+          <a:p>
+            <a:r>
+              <a:rPr lang="en-US" dirty="0" smtClean="0"/>
+              <a:t>Package up custom IP RTL for IPI</a:t>
+            </a:r>
+          </a:p>
+          <a:p>
+            <a:pPr lvl="1"/>
+            <a:r>
+              <a:rPr lang="en-US" dirty="0" smtClean="0"/>
+              <a:t>Using</a:t>
+            </a:r>
+            <a:r>
+              <a:rPr lang="en-US" baseline="0" dirty="0" smtClean="0"/>
+              <a:t> the </a:t>
+            </a:r>
+            <a:r>
+              <a:rPr lang="en-US" baseline="0" dirty="0" err="1" smtClean="0"/>
+              <a:t>bft</a:t>
+            </a:r>
+            <a:r>
+              <a:rPr lang="en-US" baseline="0" dirty="0" smtClean="0"/>
+              <a:t> RTL</a:t>
+            </a:r>
+          </a:p>
+          <a:p>
+            <a:pPr lvl="0"/>
+            <a:r>
+              <a:rPr lang="en-US" dirty="0" smtClean="0"/>
+              <a:t>Build a script to create a small project</a:t>
+            </a:r>
+          </a:p>
+          <a:p>
+            <a:pPr lvl="1"/>
+            <a:r>
+              <a:rPr lang="en-US" dirty="0" smtClean="0"/>
+              <a:t>For packaging purposes</a:t>
+            </a:r>
+          </a:p>
+          <a:p>
+            <a:pPr lvl="0"/>
+            <a:r>
+              <a:rPr lang="en-US" dirty="0" smtClean="0"/>
+              <a:t>Take the output</a:t>
+            </a:r>
+            <a:r>
+              <a:rPr lang="en-US" baseline="0" dirty="0" smtClean="0"/>
+              <a:t> directory – check into revision control</a:t>
+            </a:r>
+          </a:p>
+          <a:p>
+            <a:pPr lvl="0"/>
+            <a:r>
+              <a:rPr lang="en-US" baseline="0" dirty="0" smtClean="0"/>
+              <a:t>Edit from within BD to change the RTL</a:t>
+            </a:r>
+          </a:p>
+          <a:p>
+            <a:pPr lvl="1"/>
+            <a:r>
+              <a:rPr lang="en-US" dirty="0" smtClean="0"/>
+              <a:t>Check in changes into </a:t>
+            </a:r>
+            <a:r>
+              <a:rPr lang="en-US" dirty="0" err="1" smtClean="0"/>
+              <a:t>git</a:t>
+            </a:r>
+            <a:endParaRPr lang="en-US" dirty="0" smtClean="0"/>
+          </a:p>
+          <a:p>
+            <a:pPr lvl="1"/>
+            <a:r>
+              <a:rPr lang="en-US" dirty="0" smtClean="0"/>
+              <a:t>Make sure and change version so update</a:t>
+            </a:r>
+            <a:r>
+              <a:rPr lang="en-US" baseline="0" dirty="0" smtClean="0"/>
+              <a:t> is automated</a:t>
+            </a:r>
+          </a:p>
+        </p:txBody>
+      </p:sp>
+      <p:sp>
+        <p:nvSpPr>
+          <p:cNvPr id="3" name="Title 2"/>
+          <p:cNvSpPr>
+            <a:spLocks noGrp="1"/>
+          </p:cNvSpPr>
+          <p:nvPr>
+            <p:ph type="title"/>
+          </p:nvPr>
+        </p:nvSpPr>
+        <p:spPr/>
+        <p:txBody>
+          <a:bodyPr/>
+          <a:lstStyle/>
+          <a:p>
+            <a:r>
+              <a:rPr lang="en-US" dirty="0" smtClean="0"/>
+              <a:t>Lab 4</a:t>
+            </a:r>
+            <a:endParaRPr lang="en-US" dirty="0"/>
+          </a:p>
+        </p:txBody>
+      </p:sp>
+    </p:spTree>
+    <p:extLst>
+      <p:ext uri="{BB962C8B-B14F-4D97-AF65-F5344CB8AC3E}">
+        <p14:creationId xmlns:p14="http://schemas.microsoft.com/office/powerpoint/2010/main" val="1366474437"/>
+      </p:ext>
+    </p:extLst>
+  </p:cSld>
+  <p:clrMapOvr>
+    <a:masterClrMapping/>
+  </p:clrMapOvr>
+</p:sld>
+</file>
+
+<file path=ppt/slides/slide16.xml><?xml version="1.0" encoding="utf-8"?>
+<p:sld xmlns:a="http://schemas.openxmlformats.org/drawingml/2006/main" xmlns:r="http://schemas.openxmlformats.org/officeDocument/2006/relationships" xmlns:p="http://schemas.openxmlformats.org/presentationml/2006/main">
+  <p:cSld>
+    <p:spTree>
+      <p:nvGrpSpPr>
+        <p:cNvPr id="1" name=""/>
+        <p:cNvGrpSpPr/>
+        <p:nvPr/>
+      </p:nvGrpSpPr>
+      <p:grpSpPr>
+        <a:xfrm>
+          <a:off x="0" y="0"/>
+          <a:ext cx="0" cy="0"/>
+          <a:chOff x="0" y="0"/>
+          <a:chExt cx="0" cy="0"/>
+        </a:xfrm>
+      </p:grpSpPr>
+      <p:sp>
+        <p:nvSpPr>
+          <p:cNvPr id="2" name="Content Placeholder 1"/>
+          <p:cNvSpPr>
+            <a:spLocks noGrp="1"/>
+          </p:cNvSpPr>
+          <p:nvPr>
+            <p:ph idx="1"/>
+          </p:nvPr>
+        </p:nvSpPr>
+        <p:spPr/>
+        <p:txBody>
+          <a:bodyPr/>
+          <a:lstStyle/>
+          <a:p>
+            <a:r>
+              <a:rPr lang="en-US" dirty="0" smtClean="0"/>
+              <a:t>Build HLS-Based IP from C++ Sources</a:t>
+            </a:r>
+          </a:p>
+          <a:p>
+            <a:r>
+              <a:rPr lang="en-US" dirty="0" smtClean="0"/>
+              <a:t>Build a script and add a make target</a:t>
+            </a:r>
+          </a:p>
+          <a:p>
+            <a:r>
+              <a:rPr lang="en-US" dirty="0" smtClean="0"/>
+              <a:t>Once generated, check in remote</a:t>
+            </a:r>
+            <a:r>
+              <a:rPr lang="en-US" baseline="0" dirty="0" smtClean="0"/>
+              <a:t> IP repository</a:t>
+            </a:r>
+          </a:p>
+        </p:txBody>
+      </p:sp>
+      <p:sp>
+        <p:nvSpPr>
+          <p:cNvPr id="3" name="Title 2"/>
+          <p:cNvSpPr>
+            <a:spLocks noGrp="1"/>
+          </p:cNvSpPr>
+          <p:nvPr>
+            <p:ph type="title"/>
+          </p:nvPr>
+        </p:nvSpPr>
+        <p:spPr/>
+        <p:txBody>
+          <a:bodyPr/>
+          <a:lstStyle/>
+          <a:p>
+            <a:r>
+              <a:rPr lang="en-US" dirty="0" smtClean="0"/>
+              <a:t>Lab 5</a:t>
+            </a:r>
+            <a:endParaRPr lang="en-US" dirty="0"/>
+          </a:p>
+        </p:txBody>
+      </p:sp>
+    </p:spTree>
+    <p:extLst>
+      <p:ext uri="{BB962C8B-B14F-4D97-AF65-F5344CB8AC3E}">
+        <p14:creationId xmlns:p14="http://schemas.microsoft.com/office/powerpoint/2010/main" val="2011301132"/>
+      </p:ext>
+    </p:extLst>
+  </p:cSld>
+  <p:clrMapOvr>
+    <a:masterClrMapping/>
+  </p:clrMapOvr>
+</p:sld>
+</file>
+
+<file path=ppt/slides/slide17.xml><?xml version="1.0" encoding="utf-8"?>
+<p:sld xmlns:a="http://schemas.openxmlformats.org/drawingml/2006/main" xmlns:r="http://schemas.openxmlformats.org/officeDocument/2006/relationships" xmlns:p="http://schemas.openxmlformats.org/presentationml/2006/main">
+  <p:cSld>
+    <p:spTree>
+      <p:nvGrpSpPr>
+        <p:cNvPr id="1" name=""/>
+        <p:cNvGrpSpPr/>
+        <p:nvPr/>
+      </p:nvGrpSpPr>
+      <p:grpSpPr>
+        <a:xfrm>
+          <a:off x="0" y="0"/>
+          <a:ext cx="0" cy="0"/>
+          <a:chOff x="0" y="0"/>
+          <a:chExt cx="0" cy="0"/>
+        </a:xfrm>
+      </p:grpSpPr>
+      <p:sp>
+        <p:nvSpPr>
+          <p:cNvPr id="2" name="Content Placeholder 1"/>
+          <p:cNvSpPr>
+            <a:spLocks noGrp="1"/>
+          </p:cNvSpPr>
+          <p:nvPr>
+            <p:ph idx="1"/>
+          </p:nvPr>
+        </p:nvSpPr>
+        <p:spPr/>
+        <p:txBody>
+          <a:bodyPr/>
+          <a:lstStyle/>
+          <a:p>
+            <a:r>
+              <a:rPr lang="en-US" dirty="0" smtClean="0"/>
+              <a:t>Given a System Generator DSP</a:t>
+            </a:r>
+            <a:r>
+              <a:rPr lang="en-US" baseline="0" dirty="0" smtClean="0"/>
+              <a:t> Subsystem</a:t>
+            </a:r>
+          </a:p>
+          <a:p>
+            <a:pPr lvl="1"/>
+            <a:r>
+              <a:rPr lang="en-US" dirty="0" smtClean="0"/>
+              <a:t>Fully generated – no</a:t>
+            </a:r>
+            <a:r>
+              <a:rPr lang="en-US" baseline="0" dirty="0" smtClean="0"/>
+              <a:t> need to have </a:t>
+            </a:r>
+            <a:r>
+              <a:rPr lang="en-US" baseline="0" dirty="0" err="1" smtClean="0"/>
+              <a:t>Matlab</a:t>
+            </a:r>
+            <a:r>
+              <a:rPr lang="en-US" baseline="0" dirty="0" smtClean="0"/>
+              <a:t> licenses</a:t>
+            </a:r>
+            <a:endParaRPr lang="en-US" dirty="0"/>
+          </a:p>
+          <a:p>
+            <a:r>
+              <a:rPr lang="en-US" baseline="0" dirty="0" smtClean="0"/>
+              <a:t>Check</a:t>
+            </a:r>
+            <a:r>
+              <a:rPr lang="en-US" dirty="0" smtClean="0"/>
+              <a:t> in </a:t>
+            </a:r>
+            <a:r>
+              <a:rPr lang="en-US" dirty="0" err="1" smtClean="0"/>
+              <a:t>SysGen</a:t>
+            </a:r>
+            <a:r>
+              <a:rPr lang="en-US" dirty="0" smtClean="0"/>
+              <a:t> module into revision control</a:t>
+            </a:r>
+            <a:endParaRPr lang="en-US" dirty="0"/>
+          </a:p>
+          <a:p>
+            <a:r>
+              <a:rPr lang="en-US" dirty="0" smtClean="0"/>
+              <a:t>Modify setup script and </a:t>
+            </a:r>
+            <a:r>
+              <a:rPr lang="en-US" dirty="0" err="1" smtClean="0"/>
+              <a:t>Makefile</a:t>
+            </a:r>
+            <a:r>
+              <a:rPr lang="en-US" dirty="0" smtClean="0"/>
+              <a:t> to add in </a:t>
+            </a:r>
+            <a:r>
+              <a:rPr lang="en-US" dirty="0" err="1" smtClean="0"/>
+              <a:t>slx</a:t>
+            </a:r>
+            <a:endParaRPr lang="en-US" dirty="0" smtClean="0"/>
+          </a:p>
+          <a:p>
+            <a:r>
+              <a:rPr lang="en-US" dirty="0" smtClean="0"/>
+              <a:t>Verify compilation takes </a:t>
+            </a:r>
+            <a:r>
+              <a:rPr lang="en-US" dirty="0" err="1" smtClean="0"/>
+              <a:t>sysgen</a:t>
+            </a:r>
+            <a:r>
+              <a:rPr lang="en-US" dirty="0" smtClean="0"/>
+              <a:t> </a:t>
+            </a:r>
+            <a:r>
+              <a:rPr lang="en-US" dirty="0" err="1" smtClean="0"/>
+              <a:t>dcp</a:t>
+            </a:r>
+            <a:r>
+              <a:rPr lang="en-US" dirty="0" smtClean="0"/>
+              <a:t> </a:t>
+            </a:r>
+            <a:r>
+              <a:rPr lang="en-US" smtClean="0"/>
+              <a:t>and links</a:t>
+            </a:r>
+            <a:endParaRPr lang="en-US" dirty="0" smtClean="0"/>
+          </a:p>
+        </p:txBody>
+      </p:sp>
+      <p:sp>
+        <p:nvSpPr>
+          <p:cNvPr id="3" name="Title 2"/>
+          <p:cNvSpPr>
+            <a:spLocks noGrp="1"/>
+          </p:cNvSpPr>
+          <p:nvPr>
+            <p:ph type="title"/>
+          </p:nvPr>
+        </p:nvSpPr>
+        <p:spPr/>
+        <p:txBody>
+          <a:bodyPr/>
+          <a:lstStyle/>
+          <a:p>
+            <a:r>
+              <a:rPr lang="en-US" dirty="0" smtClean="0"/>
+              <a:t>Lab 6</a:t>
+            </a:r>
+            <a:endParaRPr lang="en-US" dirty="0"/>
+          </a:p>
+        </p:txBody>
+      </p:sp>
+    </p:spTree>
+    <p:extLst>
+      <p:ext uri="{BB962C8B-B14F-4D97-AF65-F5344CB8AC3E}">
+        <p14:creationId xmlns:p14="http://schemas.microsoft.com/office/powerpoint/2010/main" val="2412175075"/>
       </p:ext>
     </p:extLst>
   </p:cSld>
@@ -13024,6 +13519,21 @@
 </file>
 
 <file path=customXml/item1.xml><?xml version="1.0" encoding="utf-8"?>
+<?mso-contentType ?>
+<FormTemplates xmlns="http://schemas.microsoft.com/sharepoint/v3/contenttype/forms">
+  <Display>DocumentLibraryForm</Display>
+  <Edit>DocumentLibraryForm</Edit>
+  <New>DocumentLibraryForm</New>
+</FormTemplates>
+</file>
+
+<file path=customXml/item2.xml><?xml version="1.0" encoding="utf-8"?>
+<p:properties xmlns:p="http://schemas.microsoft.com/office/2006/metadata/properties" xmlns:xsi="http://www.w3.org/2001/XMLSchema-instance" xmlns:pc="http://schemas.microsoft.com/office/infopath/2007/PartnerControls">
+  <documentManagement/>
+</p:properties>
+</file>
+
+<file path=customXml/item3.xml><?xml version="1.0" encoding="utf-8"?>
 <ct:contentTypeSchema xmlns:ct="http://schemas.microsoft.com/office/2006/metadata/contentType" xmlns:ma="http://schemas.microsoft.com/office/2006/metadata/properties/metaAttributes" ct:_="" ma:_="" ma:contentTypeName="Document" ma:contentTypeID="0x0101009FF7D9ACD620714D8FBB4D60D145DB4F" ma:contentTypeVersion="0" ma:contentTypeDescription="Create a new document." ma:contentTypeScope="" ma:versionID="4bbc07a174f573dfbe0296acaebf4d5b">
   <xsd:schema xmlns:xsd="http://www.w3.org/2001/XMLSchema" xmlns:xs="http://www.w3.org/2001/XMLSchema" xmlns:p="http://schemas.microsoft.com/office/2006/metadata/properties" targetNamespace="http://schemas.microsoft.com/office/2006/metadata/properties" ma:root="true" ma:fieldsID="c64490b4aec6201516c3a874156f37b2">
     <xsd:element name="properties">
@@ -13137,33 +13647,10 @@
 </ct:contentTypeSchema>
 </file>
 
-<file path=customXml/item2.xml><?xml version="1.0" encoding="utf-8"?>
-<p:properties xmlns:p="http://schemas.microsoft.com/office/2006/metadata/properties" xmlns:xsi="http://www.w3.org/2001/XMLSchema-instance" xmlns:pc="http://schemas.microsoft.com/office/infopath/2007/PartnerControls">
-  <documentManagement/>
-</p:properties>
-</file>
-
-<file path=customXml/item3.xml><?xml version="1.0" encoding="utf-8"?>
-<?mso-contentType ?>
-<FormTemplates xmlns="http://schemas.microsoft.com/sharepoint/v3/contenttype/forms">
-  <Display>DocumentLibraryForm</Display>
-  <Edit>DocumentLibraryForm</Edit>
-  <New>DocumentLibraryForm</New>
-</FormTemplates>
-</file>
-
 <file path=customXml/itemProps1.xml><?xml version="1.0" encoding="utf-8"?>
-<ds:datastoreItem xmlns:ds="http://schemas.openxmlformats.org/officeDocument/2006/customXml" ds:itemID="{63A6CF10-4272-4792-86D6-C2A00A3F8DBF}">
+<ds:datastoreItem xmlns:ds="http://schemas.openxmlformats.org/officeDocument/2006/customXml" ds:itemID="{56EA677F-09E4-40FC-B998-315C6F85D97B}">
   <ds:schemaRefs>
-    <ds:schemaRef ds:uri="http://schemas.microsoft.com/office/2006/metadata/contentType"/>
-    <ds:schemaRef ds:uri="http://schemas.microsoft.com/office/2006/metadata/properties/metaAttributes"/>
-    <ds:schemaRef ds:uri="http://www.w3.org/2001/XMLSchema"/>
-    <ds:schemaRef ds:uri="http://schemas.microsoft.com/office/2006/metadata/properties"/>
-    <ds:schemaRef ds:uri="http://schemas.openxmlformats.org/package/2006/metadata/core-properties"/>
-    <ds:schemaRef ds:uri="http://purl.org/dc/elements/1.1/"/>
-    <ds:schemaRef ds:uri="http://purl.org/dc/terms/"/>
-    <ds:schemaRef ds:uri="http://schemas.microsoft.com/internal/obd"/>
-    <ds:schemaRef ds:uri="http://schemas.microsoft.com/office/infopath/2007/PartnerControls"/>
+    <ds:schemaRef ds:uri="http://schemas.microsoft.com/sharepoint/v3/contenttype/forms"/>
   </ds:schemaRefs>
 </ds:datastoreItem>
 </file>
@@ -13184,9 +13671,17 @@
 </file>
 
 <file path=customXml/itemProps3.xml><?xml version="1.0" encoding="utf-8"?>
-<ds:datastoreItem xmlns:ds="http://schemas.openxmlformats.org/officeDocument/2006/customXml" ds:itemID="{56EA677F-09E4-40FC-B998-315C6F85D97B}">
+<ds:datastoreItem xmlns:ds="http://schemas.openxmlformats.org/officeDocument/2006/customXml" ds:itemID="{63A6CF10-4272-4792-86D6-C2A00A3F8DBF}">
   <ds:schemaRefs>
-    <ds:schemaRef ds:uri="http://schemas.microsoft.com/sharepoint/v3/contenttype/forms"/>
+    <ds:schemaRef ds:uri="http://schemas.microsoft.com/office/2006/metadata/contentType"/>
+    <ds:schemaRef ds:uri="http://schemas.microsoft.com/office/2006/metadata/properties/metaAttributes"/>
+    <ds:schemaRef ds:uri="http://www.w3.org/2001/XMLSchema"/>
+    <ds:schemaRef ds:uri="http://schemas.microsoft.com/office/2006/metadata/properties"/>
+    <ds:schemaRef ds:uri="http://schemas.openxmlformats.org/package/2006/metadata/core-properties"/>
+    <ds:schemaRef ds:uri="http://purl.org/dc/elements/1.1/"/>
+    <ds:schemaRef ds:uri="http://purl.org/dc/terms/"/>
+    <ds:schemaRef ds:uri="http://schemas.microsoft.com/internal/obd"/>
+    <ds:schemaRef ds:uri="http://schemas.microsoft.com/office/infopath/2007/PartnerControls"/>
   </ds:schemaRefs>
 </ds:datastoreItem>
 </file>
--- a/doc/versionControl.pptx
+++ b/doc/versionControl.pptx
@@ -5,31 +5,32 @@
     <p:sldMasterId id="2147483660" r:id="rId4"/>
   </p:sldMasterIdLst>
   <p:notesMasterIdLst>
-    <p:notesMasterId r:id="rId27"/>
+    <p:notesMasterId r:id="rId28"/>
   </p:notesMasterIdLst>
   <p:sldIdLst>
     <p:sldId id="459" r:id="rId5"/>
     <p:sldId id="725" r:id="rId6"/>
-    <p:sldId id="737" r:id="rId7"/>
-    <p:sldId id="726" r:id="rId8"/>
-    <p:sldId id="739" r:id="rId9"/>
-    <p:sldId id="721" r:id="rId10"/>
-    <p:sldId id="722" r:id="rId11"/>
-    <p:sldId id="723" r:id="rId12"/>
-    <p:sldId id="738" r:id="rId13"/>
-    <p:sldId id="724" r:id="rId14"/>
-    <p:sldId id="728" r:id="rId15"/>
-    <p:sldId id="727" r:id="rId16"/>
-    <p:sldId id="729" r:id="rId17"/>
-    <p:sldId id="736" r:id="rId18"/>
-    <p:sldId id="740" r:id="rId19"/>
-    <p:sldId id="730" r:id="rId20"/>
-    <p:sldId id="731" r:id="rId21"/>
-    <p:sldId id="732" r:id="rId22"/>
-    <p:sldId id="733" r:id="rId23"/>
-    <p:sldId id="734" r:id="rId24"/>
-    <p:sldId id="735" r:id="rId25"/>
-    <p:sldId id="741" r:id="rId26"/>
+    <p:sldId id="742" r:id="rId7"/>
+    <p:sldId id="737" r:id="rId8"/>
+    <p:sldId id="726" r:id="rId9"/>
+    <p:sldId id="739" r:id="rId10"/>
+    <p:sldId id="721" r:id="rId11"/>
+    <p:sldId id="722" r:id="rId12"/>
+    <p:sldId id="723" r:id="rId13"/>
+    <p:sldId id="738" r:id="rId14"/>
+    <p:sldId id="724" r:id="rId15"/>
+    <p:sldId id="728" r:id="rId16"/>
+    <p:sldId id="727" r:id="rId17"/>
+    <p:sldId id="729" r:id="rId18"/>
+    <p:sldId id="736" r:id="rId19"/>
+    <p:sldId id="740" r:id="rId20"/>
+    <p:sldId id="730" r:id="rId21"/>
+    <p:sldId id="731" r:id="rId22"/>
+    <p:sldId id="732" r:id="rId23"/>
+    <p:sldId id="733" r:id="rId24"/>
+    <p:sldId id="734" r:id="rId25"/>
+    <p:sldId id="735" r:id="rId26"/>
+    <p:sldId id="741" r:id="rId27"/>
   </p:sldIdLst>
   <p:sldSz cx="9144000" cy="6858000" type="screen4x3"/>
   <p:notesSz cx="7010400" cy="9296400"/>
@@ -9492,7 +9493,7 @@
             <a:fld id="{76F0A2C8-C80D-4FA6-9395-33B607B809E4}" type="slidenum">
               <a:rPr lang="en-US" smtClean="0"/>
               <a:pPr/>
-              <a:t>16</a:t>
+              <a:t>17</a:t>
             </a:fld>
             <a:endParaRPr lang="en-US" dirty="0"/>
           </a:p>
@@ -12374,6 +12375,300 @@
             <p:ph idx="1"/>
           </p:nvPr>
         </p:nvSpPr>
+        <p:spPr/>
+        <p:txBody>
+          <a:bodyPr/>
+          <a:lstStyle/>
+          <a:p>
+            <a:r>
+              <a:rPr lang="en-US" dirty="0" smtClean="0"/>
+              <a:t>Build</a:t>
+            </a:r>
+            <a:r>
+              <a:rPr lang="en-US" baseline="0" dirty="0" smtClean="0"/>
+              <a:t> a small project just for IP</a:t>
+            </a:r>
+          </a:p>
+          <a:p>
+            <a:r>
+              <a:rPr lang="en-US" baseline="0" dirty="0" smtClean="0"/>
+              <a:t>Package it up to a directory</a:t>
+            </a:r>
+          </a:p>
+          <a:p>
+            <a:pPr lvl="1"/>
+            <a:r>
+              <a:rPr lang="en-US" dirty="0" smtClean="0"/>
+              <a:t>Creates component.xml</a:t>
+            </a:r>
+            <a:r>
+              <a:rPr lang="en-US" baseline="0" dirty="0" smtClean="0"/>
+              <a:t> and </a:t>
+            </a:r>
+            <a:r>
+              <a:rPr lang="en-US" baseline="0" dirty="0" err="1" smtClean="0"/>
+              <a:t>xgui</a:t>
+            </a:r>
+            <a:r>
+              <a:rPr lang="en-US" baseline="0" dirty="0" smtClean="0"/>
+              <a:t> </a:t>
+            </a:r>
+            <a:r>
+              <a:rPr lang="en-US" baseline="0" dirty="0" err="1" smtClean="0"/>
+              <a:t>dirs</a:t>
+            </a:r>
+            <a:endParaRPr lang="en-US" baseline="0" dirty="0" smtClean="0"/>
+          </a:p>
+          <a:p>
+            <a:pPr lvl="1"/>
+            <a:r>
+              <a:rPr lang="en-US" dirty="0" smtClean="0"/>
+              <a:t>Revision control this directory</a:t>
+            </a:r>
+          </a:p>
+          <a:p>
+            <a:pPr lvl="0"/>
+            <a:r>
+              <a:rPr lang="en-US" dirty="0" smtClean="0"/>
+              <a:t>To edit/update from an instantiated project:</a:t>
+            </a:r>
+          </a:p>
+          <a:p>
+            <a:pPr lvl="1"/>
+            <a:r>
+              <a:rPr lang="en-US" dirty="0" smtClean="0"/>
+              <a:t>From within IPI BD select IP, choose Edit in IP Packager</a:t>
+            </a:r>
+          </a:p>
+          <a:p>
+            <a:pPr lvl="1"/>
+            <a:r>
+              <a:rPr lang="en-US" dirty="0" smtClean="0"/>
+              <a:t>Creates a small temp directory and allows</a:t>
+            </a:r>
+            <a:r>
+              <a:rPr lang="en-US" baseline="0" dirty="0" smtClean="0"/>
+              <a:t> RTL edits and re-packaging</a:t>
+            </a:r>
+          </a:p>
+          <a:p>
+            <a:pPr lvl="1"/>
+            <a:r>
+              <a:rPr lang="en-US" baseline="0" dirty="0" smtClean="0"/>
+              <a:t>Make sure you up revision each time</a:t>
+            </a:r>
+          </a:p>
+          <a:p>
+            <a:pPr lvl="1"/>
+            <a:r>
+              <a:rPr lang="en-US" baseline="0" dirty="0" err="1" smtClean="0"/>
+              <a:t>Report_ip_status</a:t>
+            </a:r>
+            <a:r>
+              <a:rPr lang="en-US" baseline="0" dirty="0" smtClean="0"/>
+              <a:t> and upgrading should work like Xilinx IP</a:t>
+            </a:r>
+            <a:endParaRPr lang="en-US" dirty="0" smtClean="0"/>
+          </a:p>
+        </p:txBody>
+      </p:sp>
+      <p:sp>
+        <p:nvSpPr>
+          <p:cNvPr id="3" name="Title 2"/>
+          <p:cNvSpPr>
+            <a:spLocks noGrp="1"/>
+          </p:cNvSpPr>
+          <p:nvPr>
+            <p:ph type="title"/>
+          </p:nvPr>
+        </p:nvSpPr>
+        <p:spPr/>
+        <p:txBody>
+          <a:bodyPr/>
+          <a:lstStyle/>
+          <a:p>
+            <a:r>
+              <a:rPr lang="en-US" dirty="0" smtClean="0"/>
+              <a:t>Custom IP with IP Integrator</a:t>
+            </a:r>
+            <a:endParaRPr lang="en-US" dirty="0"/>
+          </a:p>
+        </p:txBody>
+      </p:sp>
+      <p:sp>
+        <p:nvSpPr>
+          <p:cNvPr id="4" name="Rounded Rectangle 3"/>
+          <p:cNvSpPr/>
+          <p:nvPr/>
+        </p:nvSpPr>
+        <p:spPr bwMode="auto">
+          <a:xfrm>
+            <a:off x="633984" y="4059936"/>
+            <a:ext cx="4230624" cy="316992"/>
+          </a:xfrm>
+          <a:prstGeom prst="roundRect">
+            <a:avLst/>
+          </a:prstGeom>
+          <a:noFill/>
+          <a:ln w="76200" cap="flat" cmpd="sng" algn="ctr">
+            <a:solidFill>
+              <a:schemeClr val="bg2"/>
+            </a:solidFill>
+            <a:prstDash val="solid"/>
+            <a:round/>
+            <a:headEnd type="none" w="med" len="med"/>
+            <a:tailEnd type="none" w="med" len="med"/>
+          </a:ln>
+          <a:effectLst/>
+        </p:spPr>
+        <p:txBody>
+          <a:bodyPr vert="horz" wrap="square" lIns="91440" tIns="45720" rIns="91440" bIns="45720" numCol="1" rtlCol="0" anchor="ctr" anchorCtr="0" compatLnSpc="1">
+            <a:prstTxWarp prst="textNoShape">
+              <a:avLst/>
+            </a:prstTxWarp>
+            <a:noAutofit/>
+          </a:bodyPr>
+          <a:lstStyle/>
+          <a:p>
+            <a:pPr algn="ctr"/>
+            <a:endParaRPr lang="en-US" dirty="0" smtClean="0">
+              <a:solidFill>
+                <a:srgbClr val="000000"/>
+              </a:solidFill>
+            </a:endParaRPr>
+          </a:p>
+        </p:txBody>
+      </p:sp>
+      <p:sp>
+        <p:nvSpPr>
+          <p:cNvPr id="5" name="TextBox 4"/>
+          <p:cNvSpPr txBox="1"/>
+          <p:nvPr/>
+        </p:nvSpPr>
+        <p:spPr bwMode="auto">
+          <a:xfrm>
+            <a:off x="7168896" y="5632704"/>
+            <a:ext cx="1487425" cy="404663"/>
+          </a:xfrm>
+          <a:prstGeom prst="rect">
+            <a:avLst/>
+          </a:prstGeom>
+          <a:noFill/>
+          <a:ln w="38100">
+            <a:solidFill>
+              <a:schemeClr val="bg2"/>
+            </a:solidFill>
+            <a:miter lim="800000"/>
+            <a:headEnd/>
+            <a:tailEnd/>
+          </a:ln>
+        </p:spPr>
+        <p:txBody>
+          <a:bodyPr vert="horz" wrap="square" lIns="0" tIns="45720" rIns="91440" bIns="45720" numCol="1" rtlCol="0" anchor="t" anchorCtr="0" compatLnSpc="1">
+            <a:prstTxWarp prst="textNoShape">
+              <a:avLst/>
+            </a:prstTxWarp>
+            <a:spAutoFit/>
+          </a:bodyPr>
+          <a:lstStyle/>
+          <a:p>
+            <a:pPr marL="228600" marR="0" indent="-228600" algn="r" defTabSz="914400" rtl="0" eaLnBrk="0" fontAlgn="base" latinLnBrk="0" hangingPunct="0">
+              <a:lnSpc>
+                <a:spcPct val="110000"/>
+              </a:lnSpc>
+              <a:spcBef>
+                <a:spcPct val="20000"/>
+              </a:spcBef>
+              <a:spcAft>
+                <a:spcPct val="0"/>
+              </a:spcAft>
+              <a:buClr>
+                <a:schemeClr val="tx2"/>
+              </a:buClr>
+              <a:buSzPct val="88000"/>
+              <a:tabLst/>
+            </a:pPr>
+            <a:r>
+              <a:rPr kumimoji="0" lang="en-US" sz="2000" b="1" i="0" u="none" strike="noStrike" kern="0" cap="none" spc="0" normalizeH="0" baseline="0" noProof="0" dirty="0" smtClean="0">
+                <a:ln>
+                  <a:noFill/>
+                </a:ln>
+                <a:solidFill>
+                  <a:srgbClr val="FF0000"/>
+                </a:solidFill>
+                <a:effectLst/>
+                <a:uLnTx/>
+                <a:uFillTx/>
+                <a:latin typeface="+mn-lt"/>
+                <a:ea typeface="+mn-ea"/>
+                <a:cs typeface="+mn-cs"/>
+              </a:rPr>
+              <a:t>Important!</a:t>
+            </a:r>
+            <a:endParaRPr kumimoji="0" lang="en-US" sz="2000" b="1" i="0" u="none" strike="noStrike" kern="0" cap="none" spc="0" normalizeH="0" baseline="0" noProof="0" dirty="0" smtClean="0">
+              <a:ln>
+                <a:noFill/>
+              </a:ln>
+              <a:solidFill>
+                <a:srgbClr val="FF0000"/>
+              </a:solidFill>
+              <a:effectLst/>
+              <a:uLnTx/>
+              <a:uFillTx/>
+              <a:latin typeface="+mn-lt"/>
+              <a:ea typeface="+mn-ea"/>
+              <a:cs typeface="+mn-cs"/>
+            </a:endParaRPr>
+          </a:p>
+        </p:txBody>
+      </p:sp>
+    </p:spTree>
+    <p:extLst>
+      <p:ext uri="{BB962C8B-B14F-4D97-AF65-F5344CB8AC3E}">
+        <p14:creationId xmlns:p14="http://schemas.microsoft.com/office/powerpoint/2010/main" val="4004340499"/>
+      </p:ext>
+    </p:extLst>
+  </p:cSld>
+  <p:clrMapOvr>
+    <a:masterClrMapping/>
+  </p:clrMapOvr>
+  <p:timing>
+    <p:tnLst>
+      <p:par>
+        <p:cTn id="1" dur="indefinite" restart="never" nodeType="tmRoot"/>
+      </p:par>
+    </p:tnLst>
+  </p:timing>
+</p:sld>
+</file>
+
+<file path=ppt/slides/slide11.xml><?xml version="1.0" encoding="utf-8"?>
+<p:sld xmlns:a="http://schemas.openxmlformats.org/drawingml/2006/main" xmlns:r="http://schemas.openxmlformats.org/officeDocument/2006/relationships" xmlns:p="http://schemas.openxmlformats.org/presentationml/2006/main">
+  <p:cSld>
+    <p:spTree>
+      <p:nvGrpSpPr>
+        <p:cNvPr id="1" name=""/>
+        <p:cNvGrpSpPr/>
+        <p:nvPr/>
+      </p:nvGrpSpPr>
+      <p:grpSpPr>
+        <a:xfrm>
+          <a:off x="0" y="0"/>
+          <a:ext cx="0" cy="0"/>
+          <a:chOff x="0" y="0"/>
+          <a:chExt cx="0" cy="0"/>
+        </a:xfrm>
+      </p:grpSpPr>
+      <p:sp>
+        <p:nvSpPr>
+          <p:cNvPr id="2" name="Content Placeholder 1"/>
+          <p:cNvSpPr>
+            <a:spLocks noGrp="1"/>
+          </p:cNvSpPr>
+          <p:nvPr>
+            <p:ph idx="1"/>
+          </p:nvPr>
+        </p:nvSpPr>
         <p:spPr>
           <a:xfrm>
             <a:off x="364599" y="1327150"/>
@@ -12646,7 +12941,7 @@
 </p:sld>
 </file>
 
-<file path=ppt/slides/slide11.xml><?xml version="1.0" encoding="utf-8"?>
+<file path=ppt/slides/slide12.xml><?xml version="1.0" encoding="utf-8"?>
 <p:sld xmlns:a="http://schemas.openxmlformats.org/drawingml/2006/main" xmlns:r="http://schemas.openxmlformats.org/officeDocument/2006/relationships" xmlns:p="http://schemas.openxmlformats.org/presentationml/2006/main">
   <p:cSld>
     <p:spTree>
@@ -13979,7 +14274,7 @@
 </p:sld>
 </file>
 
-<file path=ppt/slides/slide12.xml><?xml version="1.0" encoding="utf-8"?>
+<file path=ppt/slides/slide13.xml><?xml version="1.0" encoding="utf-8"?>
 <p:sld xmlns:a="http://schemas.openxmlformats.org/drawingml/2006/main" xmlns:r="http://schemas.openxmlformats.org/officeDocument/2006/relationships" xmlns:p="http://schemas.openxmlformats.org/presentationml/2006/main">
   <p:cSld>
     <p:spTree>
@@ -14641,7 +14936,7 @@
 </p:sld>
 </file>
 
-<file path=ppt/slides/slide13.xml><?xml version="1.0" encoding="utf-8"?>
+<file path=ppt/slides/slide14.xml><?xml version="1.0" encoding="utf-8"?>
 <p:sld xmlns:a="http://schemas.openxmlformats.org/drawingml/2006/main" xmlns:r="http://schemas.openxmlformats.org/officeDocument/2006/relationships" xmlns:p="http://schemas.openxmlformats.org/presentationml/2006/main">
   <p:cSld>
     <p:spTree>
@@ -15255,7 +15550,7 @@
 </p:sld>
 </file>
 
-<file path=ppt/slides/slide14.xml><?xml version="1.0" encoding="utf-8"?>
+<file path=ppt/slides/slide15.xml><?xml version="1.0" encoding="utf-8"?>
 <p:sld xmlns:a="http://schemas.openxmlformats.org/drawingml/2006/main" xmlns:r="http://schemas.openxmlformats.org/officeDocument/2006/relationships" xmlns:p="http://schemas.openxmlformats.org/presentationml/2006/main">
   <p:cSld>
     <p:spTree>
@@ -16207,185 +16502,6 @@
 </p:sld>
 </file>
 
-<file path=ppt/slides/slide15.xml><?xml version="1.0" encoding="utf-8"?>
-<p:sld xmlns:a="http://schemas.openxmlformats.org/drawingml/2006/main" xmlns:r="http://schemas.openxmlformats.org/officeDocument/2006/relationships" xmlns:p="http://schemas.openxmlformats.org/presentationml/2006/main">
-  <p:cSld>
-    <p:spTree>
-      <p:nvGrpSpPr>
-        <p:cNvPr id="1" name=""/>
-        <p:cNvGrpSpPr/>
-        <p:nvPr/>
-      </p:nvGrpSpPr>
-      <p:grpSpPr>
-        <a:xfrm>
-          <a:off x="0" y="0"/>
-          <a:ext cx="0" cy="0"/>
-          <a:chOff x="0" y="0"/>
-          <a:chExt cx="0" cy="0"/>
-        </a:xfrm>
-      </p:grpSpPr>
-      <p:sp>
-        <p:nvSpPr>
-          <p:cNvPr id="2" name="Content Placeholder 1"/>
-          <p:cNvSpPr>
-            <a:spLocks noGrp="1"/>
-          </p:cNvSpPr>
-          <p:nvPr>
-            <p:ph idx="1"/>
-          </p:nvPr>
-        </p:nvSpPr>
-        <p:spPr/>
-        <p:txBody>
-          <a:bodyPr/>
-          <a:lstStyle/>
-          <a:p>
-            <a:r>
-              <a:rPr lang="en-US" dirty="0" smtClean="0"/>
-              <a:t>Call make with a specific target – generates just that target</a:t>
-            </a:r>
-          </a:p>
-          <a:p>
-            <a:r>
-              <a:rPr lang="en-US" dirty="0" smtClean="0"/>
-              <a:t>Call make with no arguments –</a:t>
-            </a:r>
-            <a:r>
-              <a:rPr lang="en-US" baseline="0" dirty="0" smtClean="0"/>
-              <a:t> run the first target</a:t>
-            </a:r>
-            <a:endParaRPr lang="en-US" dirty="0" smtClean="0"/>
-          </a:p>
-          <a:p>
-            <a:r>
-              <a:rPr lang="en-US" dirty="0" smtClean="0"/>
-              <a:t>First target is “all”</a:t>
-            </a:r>
-          </a:p>
-          <a:p>
-            <a:pPr lvl="1"/>
-            <a:r>
-              <a:rPr lang="en-US" dirty="0" smtClean="0"/>
-              <a:t>Builds</a:t>
-            </a:r>
-            <a:r>
-              <a:rPr lang="en-US" baseline="0" dirty="0" smtClean="0"/>
-              <a:t> everything in the project</a:t>
-            </a:r>
-          </a:p>
-          <a:p>
-            <a:pPr lvl="1"/>
-            <a:r>
-              <a:rPr lang="en-US" dirty="0" smtClean="0"/>
-              <a:t>“All” is a phony target (no file on disk)</a:t>
-            </a:r>
-          </a:p>
-          <a:p>
-            <a:pPr lvl="1"/>
-            <a:r>
-              <a:rPr lang="en-US" baseline="0" dirty="0" smtClean="0"/>
-              <a:t>Dependencies</a:t>
-            </a:r>
-            <a:r>
-              <a:rPr lang="en-US" dirty="0" smtClean="0"/>
-              <a:t> are all the inputs (and outputs of </a:t>
-            </a:r>
-            <a:r>
-              <a:rPr lang="en-US" dirty="0" err="1" smtClean="0"/>
-              <a:t>intermdieate</a:t>
-            </a:r>
-            <a:r>
-              <a:rPr lang="en-US" dirty="0" smtClean="0"/>
-              <a:t> steps)</a:t>
-            </a:r>
-            <a:endParaRPr lang="en-US" baseline="0" dirty="0" smtClean="0"/>
-          </a:p>
-          <a:p>
-            <a:pPr lvl="0"/>
-            <a:r>
-              <a:rPr lang="en-US" dirty="0" smtClean="0"/>
-              <a:t>Last target is “clean”</a:t>
-            </a:r>
-          </a:p>
-          <a:p>
-            <a:pPr lvl="1"/>
-            <a:r>
-              <a:rPr lang="en-US" dirty="0" smtClean="0"/>
-              <a:t>Deletes everything in the project </a:t>
-            </a:r>
-            <a:r>
-              <a:rPr lang="en-US" dirty="0" err="1" smtClean="0"/>
-              <a:t>dir</a:t>
-            </a:r>
-            <a:r>
-              <a:rPr lang="en-US" dirty="0" smtClean="0"/>
-              <a:t> (except </a:t>
-            </a:r>
-            <a:r>
-              <a:rPr lang="en-US" dirty="0" err="1" smtClean="0"/>
-              <a:t>Makefile</a:t>
-            </a:r>
-            <a:r>
-              <a:rPr lang="en-US" dirty="0" smtClean="0"/>
-              <a:t>)</a:t>
-            </a:r>
-          </a:p>
-          <a:p>
-            <a:pPr lvl="1"/>
-            <a:r>
-              <a:rPr lang="en-US" dirty="0" smtClean="0"/>
-              <a:t>Always</a:t>
-            </a:r>
-            <a:r>
-              <a:rPr lang="en-US" baseline="0" dirty="0" smtClean="0"/>
-              <a:t> start clean</a:t>
-            </a:r>
-            <a:endParaRPr lang="en-US" dirty="0"/>
-          </a:p>
-        </p:txBody>
-      </p:sp>
-      <p:sp>
-        <p:nvSpPr>
-          <p:cNvPr id="3" name="Title 2"/>
-          <p:cNvSpPr>
-            <a:spLocks noGrp="1"/>
-          </p:cNvSpPr>
-          <p:nvPr>
-            <p:ph type="title"/>
-          </p:nvPr>
-        </p:nvSpPr>
-        <p:spPr/>
-        <p:txBody>
-          <a:bodyPr/>
-          <a:lstStyle/>
-          <a:p>
-            <a:r>
-              <a:rPr lang="en-US" dirty="0" smtClean="0"/>
-              <a:t>Standard Conventions with Make</a:t>
-            </a:r>
-            <a:endParaRPr lang="en-US" dirty="0"/>
-          </a:p>
-        </p:txBody>
-      </p:sp>
-    </p:spTree>
-    <p:extLst>
-      <p:ext uri="{BB962C8B-B14F-4D97-AF65-F5344CB8AC3E}">
-        <p14:creationId xmlns:p14="http://schemas.microsoft.com/office/powerpoint/2010/main" val="34755038"/>
-      </p:ext>
-    </p:extLst>
-  </p:cSld>
-  <p:clrMapOvr>
-    <a:masterClrMapping/>
-  </p:clrMapOvr>
-  <p:timing>
-    <p:tnLst>
-      <p:par>
-        <p:cTn id="1" dur="indefinite" restart="never" nodeType="tmRoot"/>
-      </p:par>
-    </p:tnLst>
-  </p:timing>
-</p:sld>
-</file>
-
 <file path=ppt/slides/slide16.xml><?xml version="1.0" encoding="utf-8"?>
 <p:sld xmlns:a="http://schemas.openxmlformats.org/drawingml/2006/main" xmlns:r="http://schemas.openxmlformats.org/officeDocument/2006/relationships" xmlns:p="http://schemas.openxmlformats.org/presentationml/2006/main">
   <p:cSld>
@@ -16420,26 +16536,84 @@
           <a:p>
             <a:r>
               <a:rPr lang="en-US" dirty="0" smtClean="0"/>
-              <a:t>Set up a new project with</a:t>
+              <a:t>Call make with a specific target – generates just that target</a:t>
+            </a:r>
+          </a:p>
+          <a:p>
+            <a:r>
+              <a:rPr lang="en-US" dirty="0" smtClean="0"/>
+              <a:t>Call make with no arguments –</a:t>
             </a:r>
             <a:r>
               <a:rPr lang="en-US" baseline="0" dirty="0" smtClean="0"/>
-              <a:t> “</a:t>
-            </a:r>
-            <a:r>
-              <a:rPr lang="en-US" baseline="0" dirty="0" err="1" smtClean="0"/>
-              <a:t>ThreeFlop</a:t>
+              <a:t> run the first target</a:t>
+            </a:r>
+            <a:endParaRPr lang="en-US" dirty="0" smtClean="0"/>
+          </a:p>
+          <a:p>
+            <a:r>
+              <a:rPr lang="en-US" dirty="0" smtClean="0"/>
+              <a:t>First target is “all”</a:t>
+            </a:r>
+          </a:p>
+          <a:p>
+            <a:pPr lvl="1"/>
+            <a:r>
+              <a:rPr lang="en-US" dirty="0" smtClean="0"/>
+              <a:t>Builds</a:t>
             </a:r>
             <a:r>
               <a:rPr lang="en-US" baseline="0" dirty="0" smtClean="0"/>
-              <a:t>” RTL and XDC</a:t>
-            </a:r>
-            <a:endParaRPr lang="en-US" dirty="0" smtClean="0"/>
-          </a:p>
-          <a:p>
-            <a:r>
-              <a:rPr lang="en-US" dirty="0" smtClean="0"/>
-              <a:t>Create a </a:t>
+              <a:t> everything in the project</a:t>
+            </a:r>
+          </a:p>
+          <a:p>
+            <a:pPr lvl="1"/>
+            <a:r>
+              <a:rPr lang="en-US" dirty="0" smtClean="0"/>
+              <a:t>“All” is a phony target (no file on disk)</a:t>
+            </a:r>
+          </a:p>
+          <a:p>
+            <a:pPr lvl="1"/>
+            <a:r>
+              <a:rPr lang="en-US" baseline="0" dirty="0" smtClean="0"/>
+              <a:t>Dependencies</a:t>
+            </a:r>
+            <a:r>
+              <a:rPr lang="en-US" dirty="0" smtClean="0"/>
+              <a:t> are all the inputs (and outputs of </a:t>
+            </a:r>
+            <a:r>
+              <a:rPr lang="en-US" dirty="0" err="1" smtClean="0"/>
+              <a:t>intermdieate</a:t>
+            </a:r>
+            <a:r>
+              <a:rPr lang="en-US" dirty="0" smtClean="0"/>
+              <a:t> steps)</a:t>
+            </a:r>
+            <a:endParaRPr lang="en-US" baseline="0" dirty="0" smtClean="0"/>
+          </a:p>
+          <a:p>
+            <a:pPr lvl="0"/>
+            <a:r>
+              <a:rPr lang="en-US" dirty="0" smtClean="0"/>
+              <a:t>Last target is “clean”</a:t>
+            </a:r>
+          </a:p>
+          <a:p>
+            <a:pPr lvl="1"/>
+            <a:r>
+              <a:rPr lang="en-US" dirty="0" smtClean="0"/>
+              <a:t>Deletes everything in the project </a:t>
+            </a:r>
+            <a:r>
+              <a:rPr lang="en-US" dirty="0" err="1" smtClean="0"/>
+              <a:t>dir</a:t>
+            </a:r>
+            <a:r>
+              <a:rPr lang="en-US" dirty="0" smtClean="0"/>
+              <a:t> (except </a:t>
             </a:r>
             <a:r>
               <a:rPr lang="en-US" dirty="0" err="1" smtClean="0"/>
@@ -16447,135 +16621,20 @@
             </a:r>
             <a:r>
               <a:rPr lang="en-US" dirty="0" smtClean="0"/>
-              <a:t> to call </a:t>
-            </a:r>
-            <a:r>
-              <a:rPr lang="en-US" dirty="0" err="1" smtClean="0"/>
-              <a:t>vivado</a:t>
+              <a:t>)</a:t>
+            </a:r>
+          </a:p>
+          <a:p>
+            <a:pPr lvl="1"/>
+            <a:r>
+              <a:rPr lang="en-US" dirty="0" smtClean="0"/>
+              <a:t>Always</a:t>
             </a:r>
             <a:r>
               <a:rPr lang="en-US" baseline="0" dirty="0" smtClean="0"/>
-              <a:t> with 3 targets:</a:t>
-            </a:r>
-          </a:p>
-          <a:p>
-            <a:pPr lvl="1"/>
-            <a:r>
-              <a:rPr lang="en-US" dirty="0" smtClean="0"/>
-              <a:t>Setup creates</a:t>
-            </a:r>
-            <a:r>
-              <a:rPr lang="en-US" baseline="0" dirty="0" smtClean="0"/>
-              <a:t> a project with remote sources</a:t>
-            </a:r>
-          </a:p>
-          <a:p>
-            <a:pPr lvl="1"/>
-            <a:r>
-              <a:rPr lang="en-US" baseline="0" dirty="0" smtClean="0"/>
-              <a:t>Compile opens the project and launches run to </a:t>
-            </a:r>
-            <a:r>
-              <a:rPr lang="en-US" baseline="0" dirty="0" err="1" smtClean="0"/>
-              <a:t>bitstream</a:t>
-            </a:r>
-            <a:endParaRPr lang="en-US" baseline="0" dirty="0" smtClean="0"/>
-          </a:p>
-          <a:p>
-            <a:pPr lvl="1"/>
-            <a:r>
-              <a:rPr lang="en-US" baseline="0" dirty="0" smtClean="0"/>
-              <a:t>Clean – deletes everything except the </a:t>
-            </a:r>
-            <a:r>
-              <a:rPr lang="en-US" baseline="0" dirty="0" err="1" smtClean="0"/>
-              <a:t>Makefile</a:t>
-            </a:r>
-            <a:endParaRPr lang="en-US" baseline="0" dirty="0" smtClean="0"/>
-          </a:p>
-          <a:p>
-            <a:r>
-              <a:rPr lang="en-US" dirty="0" smtClean="0"/>
-              <a:t>Use </a:t>
-            </a:r>
-            <a:r>
-              <a:rPr lang="en-US" dirty="0" err="1" smtClean="0"/>
-              <a:t>Git</a:t>
-            </a:r>
-            <a:r>
-              <a:rPr lang="en-US" dirty="0" smtClean="0"/>
-              <a:t> Commands to check in all sources, the </a:t>
-            </a:r>
-            <a:r>
-              <a:rPr lang="en-US" dirty="0" err="1" smtClean="0"/>
-              <a:t>Makefile</a:t>
-            </a:r>
-            <a:r>
-              <a:rPr lang="en-US" dirty="0" smtClean="0"/>
-              <a:t>, scripts</a:t>
-            </a:r>
-          </a:p>
-          <a:p>
-            <a:pPr lvl="1"/>
-            <a:r>
-              <a:rPr lang="en-US" dirty="0" err="1"/>
-              <a:t>g</a:t>
-            </a:r>
-            <a:r>
-              <a:rPr lang="en-US" baseline="0" dirty="0" err="1" smtClean="0"/>
-              <a:t>it</a:t>
-            </a:r>
-            <a:r>
-              <a:rPr lang="en-US" dirty="0" smtClean="0"/>
-              <a:t> </a:t>
-            </a:r>
-            <a:r>
-              <a:rPr lang="en-US" dirty="0" err="1" smtClean="0"/>
-              <a:t>init</a:t>
-            </a:r>
-            <a:endParaRPr lang="en-US" dirty="0" smtClean="0"/>
-          </a:p>
-          <a:p>
-            <a:pPr lvl="1"/>
-            <a:r>
-              <a:rPr lang="en-US" dirty="0" err="1"/>
-              <a:t>g</a:t>
-            </a:r>
-            <a:r>
-              <a:rPr lang="en-US" baseline="0" dirty="0" err="1" smtClean="0"/>
-              <a:t>it</a:t>
-            </a:r>
-            <a:r>
-              <a:rPr lang="en-US" baseline="0" dirty="0" smtClean="0"/>
-              <a:t> add</a:t>
-            </a:r>
-          </a:p>
-          <a:p>
-            <a:pPr lvl="1"/>
-            <a:r>
-              <a:rPr lang="en-US" dirty="0" err="1"/>
-              <a:t>g</a:t>
-            </a:r>
-            <a:r>
-              <a:rPr lang="en-US" dirty="0" err="1" smtClean="0"/>
-              <a:t>it</a:t>
-            </a:r>
-            <a:r>
-              <a:rPr lang="en-US" dirty="0" smtClean="0"/>
-              <a:t> commit –m “initial project </a:t>
-            </a:r>
-            <a:r>
-              <a:rPr lang="en-US" dirty="0" err="1" smtClean="0"/>
-              <a:t>checkin</a:t>
-            </a:r>
-            <a:r>
-              <a:rPr lang="en-US" dirty="0" smtClean="0"/>
-              <a:t>”</a:t>
-            </a:r>
-          </a:p>
-          <a:p>
-            <a:pPr lvl="1"/>
-            <a:endParaRPr lang="en-US" baseline="0" dirty="0" smtClean="0"/>
+              <a:t> start clean</a:t>
+            </a:r>
+            <a:endParaRPr lang="en-US" dirty="0"/>
           </a:p>
         </p:txBody>
       </p:sp>
@@ -16596,11 +16655,7 @@
           <a:p>
             <a:r>
               <a:rPr lang="en-US" dirty="0" smtClean="0"/>
-              <a:t>Lab </a:t>
-            </a:r>
-            <a:r>
-              <a:rPr lang="en-US" dirty="0" smtClean="0"/>
-              <a:t>1 – 10 minutes</a:t>
+              <a:t>Standard Conventions with Make</a:t>
             </a:r>
             <a:endParaRPr lang="en-US" dirty="0"/>
           </a:p>
@@ -16609,7 +16664,7 @@
     </p:spTree>
     <p:extLst>
       <p:ext uri="{BB962C8B-B14F-4D97-AF65-F5344CB8AC3E}">
-        <p14:creationId xmlns:p14="http://schemas.microsoft.com/office/powerpoint/2010/main" val="482394257"/>
+        <p14:creationId xmlns:p14="http://schemas.microsoft.com/office/powerpoint/2010/main" val="34755038"/>
       </p:ext>
     </p:extLst>
   </p:cSld>
@@ -16660,30 +16715,162 @@
           <a:p>
             <a:r>
               <a:rPr lang="en-US" dirty="0" smtClean="0"/>
-              <a:t>Create a Managed</a:t>
+              <a:t>Set up a new project with</a:t>
             </a:r>
             <a:r>
               <a:rPr lang="en-US" baseline="0" dirty="0" smtClean="0"/>
-              <a:t> IP project for AXI_IIC</a:t>
-            </a:r>
-          </a:p>
-          <a:p>
+              <a:t> “</a:t>
+            </a:r>
+            <a:r>
+              <a:rPr lang="en-US" baseline="0" dirty="0" err="1" smtClean="0"/>
+              <a:t>ThreeFlop</a:t>
+            </a:r>
             <a:r>
               <a:rPr lang="en-US" baseline="0" dirty="0" smtClean="0"/>
-              <a:t>Using a script fully generate the IP with OOC flow</a:t>
-            </a:r>
-          </a:p>
-          <a:p>
+              <a:t>” RTL and XDC</a:t>
+            </a:r>
+            <a:endParaRPr lang="en-US" dirty="0" smtClean="0"/>
+          </a:p>
+          <a:p>
+            <a:r>
+              <a:rPr lang="en-US" dirty="0" smtClean="0"/>
+              <a:t>Create a </a:t>
+            </a:r>
+            <a:r>
+              <a:rPr lang="en-US" dirty="0" err="1" smtClean="0"/>
+              <a:t>Makefile</a:t>
+            </a:r>
+            <a:r>
+              <a:rPr lang="en-US" dirty="0" smtClean="0"/>
+              <a:t> to call </a:t>
+            </a:r>
+            <a:r>
+              <a:rPr lang="en-US" dirty="0" err="1" smtClean="0"/>
+              <a:t>vivado</a:t>
+            </a:r>
             <a:r>
               <a:rPr lang="en-US" baseline="0" dirty="0" smtClean="0"/>
-              <a:t>Check it into revision control</a:t>
-            </a:r>
-          </a:p>
-          <a:p>
+              <a:t> with 3 targets:</a:t>
+            </a:r>
+          </a:p>
+          <a:p>
+            <a:pPr lvl="1"/>
+            <a:r>
+              <a:rPr lang="en-US" dirty="0" smtClean="0"/>
+              <a:t>Setup creates</a:t>
+            </a:r>
             <a:r>
               <a:rPr lang="en-US" baseline="0" dirty="0" smtClean="0"/>
-              <a:t>Iterate and change a customization option</a:t>
-            </a:r>
+              <a:t> a project with remote sources</a:t>
+            </a:r>
+          </a:p>
+          <a:p>
+            <a:pPr lvl="1"/>
+            <a:r>
+              <a:rPr lang="en-US" baseline="0" dirty="0" smtClean="0"/>
+              <a:t>Compile opens the project and launches run to </a:t>
+            </a:r>
+            <a:r>
+              <a:rPr lang="en-US" baseline="0" dirty="0" err="1" smtClean="0"/>
+              <a:t>bitstream</a:t>
+            </a:r>
+            <a:endParaRPr lang="en-US" baseline="0" dirty="0" smtClean="0"/>
+          </a:p>
+          <a:p>
+            <a:pPr lvl="1"/>
+            <a:r>
+              <a:rPr lang="en-US" baseline="0" dirty="0" smtClean="0"/>
+              <a:t>Clean – deletes everything except the </a:t>
+            </a:r>
+            <a:r>
+              <a:rPr lang="en-US" baseline="0" dirty="0" err="1" smtClean="0"/>
+              <a:t>Makefile</a:t>
+            </a:r>
+            <a:endParaRPr lang="en-US" baseline="0" dirty="0" smtClean="0"/>
+          </a:p>
+          <a:p>
+            <a:r>
+              <a:rPr lang="en-US" dirty="0" smtClean="0"/>
+              <a:t>Use </a:t>
+            </a:r>
+            <a:r>
+              <a:rPr lang="en-US" dirty="0" err="1" smtClean="0"/>
+              <a:t>Git</a:t>
+            </a:r>
+            <a:r>
+              <a:rPr lang="en-US" dirty="0" smtClean="0"/>
+              <a:t> Commands to check in all sources, the </a:t>
+            </a:r>
+            <a:r>
+              <a:rPr lang="en-US" dirty="0" err="1" smtClean="0"/>
+              <a:t>Makefile</a:t>
+            </a:r>
+            <a:r>
+              <a:rPr lang="en-US" dirty="0" smtClean="0"/>
+              <a:t>, scripts</a:t>
+            </a:r>
+          </a:p>
+          <a:p>
+            <a:pPr lvl="1"/>
+            <a:r>
+              <a:rPr lang="en-US" dirty="0" err="1"/>
+              <a:t>g</a:t>
+            </a:r>
+            <a:r>
+              <a:rPr lang="en-US" baseline="0" dirty="0" err="1" smtClean="0"/>
+              <a:t>it</a:t>
+            </a:r>
+            <a:r>
+              <a:rPr lang="en-US" dirty="0" smtClean="0"/>
+              <a:t> </a:t>
+            </a:r>
+            <a:r>
+              <a:rPr lang="en-US" dirty="0" err="1" smtClean="0"/>
+              <a:t>init</a:t>
+            </a:r>
+            <a:endParaRPr lang="en-US" dirty="0" smtClean="0"/>
+          </a:p>
+          <a:p>
+            <a:pPr lvl="1"/>
+            <a:r>
+              <a:rPr lang="en-US" dirty="0" err="1"/>
+              <a:t>g</a:t>
+            </a:r>
+            <a:r>
+              <a:rPr lang="en-US" baseline="0" dirty="0" err="1" smtClean="0"/>
+              <a:t>it</a:t>
+            </a:r>
+            <a:r>
+              <a:rPr lang="en-US" baseline="0" dirty="0" smtClean="0"/>
+              <a:t> add</a:t>
+            </a:r>
+          </a:p>
+          <a:p>
+            <a:pPr lvl="1"/>
+            <a:r>
+              <a:rPr lang="en-US" dirty="0" err="1"/>
+              <a:t>g</a:t>
+            </a:r>
+            <a:r>
+              <a:rPr lang="en-US" dirty="0" err="1" smtClean="0"/>
+              <a:t>it</a:t>
+            </a:r>
+            <a:r>
+              <a:rPr lang="en-US" dirty="0" smtClean="0"/>
+              <a:t> commit –m “initial project </a:t>
+            </a:r>
+            <a:r>
+              <a:rPr lang="en-US" dirty="0" err="1" smtClean="0"/>
+              <a:t>checkin</a:t>
+            </a:r>
+            <a:r>
+              <a:rPr lang="en-US" dirty="0" smtClean="0"/>
+              <a:t>”</a:t>
+            </a:r>
+          </a:p>
+          <a:p>
+            <a:pPr lvl="1"/>
+            <a:endParaRPr lang="en-US" baseline="0" dirty="0" smtClean="0"/>
           </a:p>
         </p:txBody>
       </p:sp>
@@ -16708,7 +16895,7 @@
             </a:r>
             <a:r>
               <a:rPr lang="en-US" dirty="0" smtClean="0"/>
-              <a:t>2 – 15 minutes</a:t>
+              <a:t>1 – 10 minutes</a:t>
             </a:r>
             <a:endParaRPr lang="en-US" dirty="0"/>
           </a:p>
@@ -16717,7 +16904,7 @@
     </p:spTree>
     <p:extLst>
       <p:ext uri="{BB962C8B-B14F-4D97-AF65-F5344CB8AC3E}">
-        <p14:creationId xmlns:p14="http://schemas.microsoft.com/office/powerpoint/2010/main" val="1501128478"/>
+        <p14:creationId xmlns:p14="http://schemas.microsoft.com/office/powerpoint/2010/main" val="482394257"/>
       </p:ext>
     </p:extLst>
   </p:cSld>
@@ -16768,90 +16955,29 @@
           <a:p>
             <a:r>
               <a:rPr lang="en-US" dirty="0" smtClean="0"/>
-              <a:t>Create a Block diagram system with remote</a:t>
+              <a:t>Create a Managed</a:t>
             </a:r>
             <a:r>
               <a:rPr lang="en-US" baseline="0" dirty="0" smtClean="0"/>
-              <a:t> BD</a:t>
+              <a:t> IP project for AXI_IIC</a:t>
             </a:r>
           </a:p>
           <a:p>
             <a:r>
               <a:rPr lang="en-US" baseline="0" dirty="0" smtClean="0"/>
-              <a:t>Use </a:t>
-            </a:r>
-            <a:r>
-              <a:rPr lang="en-US" baseline="0" dirty="0" err="1" smtClean="0"/>
-              <a:t>write_bd_tcl</a:t>
-            </a:r>
+              <a:t>Using a script fully generate the IP with OOC flow</a:t>
+            </a:r>
+          </a:p>
+          <a:p>
             <a:r>
               <a:rPr lang="en-US" baseline="0" dirty="0" smtClean="0"/>
-              <a:t> to generate the BD</a:t>
-            </a:r>
-          </a:p>
-          <a:p>
-            <a:pPr lvl="1"/>
-            <a:r>
-              <a:rPr lang="en-US" dirty="0" smtClean="0"/>
-              <a:t>Modify the </a:t>
-            </a:r>
-            <a:r>
-              <a:rPr lang="en-US" dirty="0" err="1" smtClean="0"/>
-              <a:t>tcl</a:t>
-            </a:r>
-            <a:r>
-              <a:rPr lang="en-US" dirty="0" smtClean="0"/>
-              <a:t> to create the </a:t>
-            </a:r>
-            <a:r>
-              <a:rPr lang="en-US" dirty="0" err="1" smtClean="0"/>
-              <a:t>bd</a:t>
-            </a:r>
-            <a:r>
-              <a:rPr lang="en-US" dirty="0" smtClean="0"/>
-              <a:t> “remote” to project</a:t>
-            </a:r>
-          </a:p>
-          <a:p>
-            <a:pPr lvl="0"/>
-            <a:r>
-              <a:rPr lang="en-US" dirty="0" smtClean="0"/>
-              <a:t>Add a </a:t>
-            </a:r>
-            <a:r>
-              <a:rPr lang="en-US" dirty="0" err="1" smtClean="0"/>
-              <a:t>bd</a:t>
-            </a:r>
-            <a:r>
-              <a:rPr lang="en-US" dirty="0" smtClean="0"/>
-              <a:t> generation target in </a:t>
-            </a:r>
-            <a:r>
-              <a:rPr lang="en-US" dirty="0" err="1" smtClean="0"/>
-              <a:t>makefile</a:t>
-            </a:r>
-            <a:endParaRPr lang="en-US" dirty="0" smtClean="0"/>
-          </a:p>
-          <a:p>
-            <a:pPr lvl="0"/>
-            <a:r>
-              <a:rPr lang="en-US" dirty="0" smtClean="0"/>
-              <a:t>Take the output of the generation (the remote </a:t>
-            </a:r>
-            <a:r>
-              <a:rPr lang="en-US" dirty="0" err="1" smtClean="0"/>
-              <a:t>bd</a:t>
-            </a:r>
-            <a:r>
-              <a:rPr lang="en-US" dirty="0" smtClean="0"/>
-              <a:t>) and check in to revision control</a:t>
-            </a:r>
-          </a:p>
-          <a:p>
-            <a:pPr lvl="0"/>
-            <a:r>
-              <a:rPr lang="en-US" dirty="0" smtClean="0"/>
-              <a:t>Iterate on a small change</a:t>
+              <a:t>Check it into revision control</a:t>
+            </a:r>
+          </a:p>
+          <a:p>
+            <a:r>
+              <a:rPr lang="en-US" baseline="0" dirty="0" smtClean="0"/>
+              <a:t>Iterate and change a customization option</a:t>
             </a:r>
           </a:p>
         </p:txBody>
@@ -16873,15 +16999,11 @@
           <a:p>
             <a:r>
               <a:rPr lang="en-US" dirty="0" smtClean="0"/>
-              <a:t>Lab</a:t>
-            </a:r>
-            <a:r>
-              <a:rPr lang="en-US" baseline="0" dirty="0" smtClean="0"/>
-              <a:t> </a:t>
-            </a:r>
-            <a:r>
-              <a:rPr lang="en-US" baseline="0" dirty="0" smtClean="0"/>
-              <a:t>3 – 15 minutes</a:t>
+              <a:t>Lab </a:t>
+            </a:r>
+            <a:r>
+              <a:rPr lang="en-US" dirty="0" smtClean="0"/>
+              <a:t>2 – 15 minutes</a:t>
             </a:r>
             <a:endParaRPr lang="en-US" dirty="0"/>
           </a:p>
@@ -16890,7 +17012,7 @@
     </p:spTree>
     <p:extLst>
       <p:ext uri="{BB962C8B-B14F-4D97-AF65-F5344CB8AC3E}">
-        <p14:creationId xmlns:p14="http://schemas.microsoft.com/office/powerpoint/2010/main" val="938986884"/>
+        <p14:creationId xmlns:p14="http://schemas.microsoft.com/office/powerpoint/2010/main" val="1501128478"/>
       </p:ext>
     </p:extLst>
   </p:cSld>
@@ -16941,81 +17063,90 @@
           <a:p>
             <a:r>
               <a:rPr lang="en-US" dirty="0" smtClean="0"/>
-              <a:t>Package up custom IP RTL for IPI</a:t>
+              <a:t>Create a Block diagram system with remote</a:t>
+            </a:r>
+            <a:r>
+              <a:rPr lang="en-US" baseline="0" dirty="0" smtClean="0"/>
+              <a:t> BD</a:t>
+            </a:r>
+          </a:p>
+          <a:p>
+            <a:r>
+              <a:rPr lang="en-US" baseline="0" dirty="0" smtClean="0"/>
+              <a:t>Use </a:t>
+            </a:r>
+            <a:r>
+              <a:rPr lang="en-US" baseline="0" dirty="0" err="1" smtClean="0"/>
+              <a:t>write_bd_tcl</a:t>
+            </a:r>
+            <a:r>
+              <a:rPr lang="en-US" baseline="0" dirty="0" smtClean="0"/>
+              <a:t> to generate the BD</a:t>
             </a:r>
           </a:p>
           <a:p>
             <a:pPr lvl="1"/>
             <a:r>
               <a:rPr lang="en-US" dirty="0" smtClean="0"/>
-              <a:t>Using</a:t>
-            </a:r>
-            <a:r>
-              <a:rPr lang="en-US" baseline="0" dirty="0" smtClean="0"/>
-              <a:t> the </a:t>
-            </a:r>
-            <a:r>
-              <a:rPr lang="en-US" baseline="0" dirty="0" err="1" smtClean="0"/>
-              <a:t>bft</a:t>
-            </a:r>
-            <a:r>
-              <a:rPr lang="en-US" baseline="0" dirty="0" smtClean="0"/>
-              <a:t> RTL</a:t>
+              <a:t>Modify the </a:t>
+            </a:r>
+            <a:r>
+              <a:rPr lang="en-US" dirty="0" err="1" smtClean="0"/>
+              <a:t>tcl</a:t>
+            </a:r>
+            <a:r>
+              <a:rPr lang="en-US" dirty="0" smtClean="0"/>
+              <a:t> to create the </a:t>
+            </a:r>
+            <a:r>
+              <a:rPr lang="en-US" dirty="0" err="1" smtClean="0"/>
+              <a:t>bd</a:t>
+            </a:r>
+            <a:r>
+              <a:rPr lang="en-US" dirty="0" smtClean="0"/>
+              <a:t> “remote” to project</a:t>
             </a:r>
           </a:p>
           <a:p>
             <a:pPr lvl="0"/>
             <a:r>
               <a:rPr lang="en-US" dirty="0" smtClean="0"/>
-              <a:t>Build a script to create a small project</a:t>
-            </a:r>
-          </a:p>
-          <a:p>
-            <a:pPr lvl="1"/>
-            <a:r>
-              <a:rPr lang="en-US" dirty="0" smtClean="0"/>
-              <a:t>For packaging purposes</a:t>
-            </a:r>
+              <a:t>Add a </a:t>
+            </a:r>
+            <a:r>
+              <a:rPr lang="en-US" dirty="0" err="1" smtClean="0"/>
+              <a:t>bd</a:t>
+            </a:r>
+            <a:r>
+              <a:rPr lang="en-US" dirty="0" smtClean="0"/>
+              <a:t> generation target in </a:t>
+            </a:r>
+            <a:r>
+              <a:rPr lang="en-US" dirty="0" err="1" smtClean="0"/>
+              <a:t>makefile</a:t>
+            </a:r>
+            <a:endParaRPr lang="en-US" dirty="0" smtClean="0"/>
           </a:p>
           <a:p>
             <a:pPr lvl="0"/>
             <a:r>
               <a:rPr lang="en-US" dirty="0" smtClean="0"/>
-              <a:t>Take the output</a:t>
-            </a:r>
-            <a:r>
-              <a:rPr lang="en-US" baseline="0" dirty="0" smtClean="0"/>
-              <a:t> directory – check into revision control</a:t>
+              <a:t>Take the output of the generation (the remote </a:t>
+            </a:r>
+            <a:r>
+              <a:rPr lang="en-US" dirty="0" err="1" smtClean="0"/>
+              <a:t>bd</a:t>
+            </a:r>
+            <a:r>
+              <a:rPr lang="en-US" dirty="0" smtClean="0"/>
+              <a:t>) and check in to revision control</a:t>
             </a:r>
           </a:p>
           <a:p>
             <a:pPr lvl="0"/>
             <a:r>
-              <a:rPr lang="en-US" baseline="0" dirty="0" smtClean="0"/>
-              <a:t>Edit from within BD to change the RTL</a:t>
-            </a:r>
-          </a:p>
-          <a:p>
-            <a:pPr lvl="1"/>
-            <a:r>
-              <a:rPr lang="en-US" dirty="0" smtClean="0"/>
-              <a:t>Check in changes into </a:t>
-            </a:r>
-            <a:r>
-              <a:rPr lang="en-US" dirty="0" err="1" smtClean="0"/>
-              <a:t>git</a:t>
-            </a:r>
-            <a:endParaRPr lang="en-US" dirty="0" smtClean="0"/>
-          </a:p>
-          <a:p>
-            <a:pPr lvl="1"/>
-            <a:r>
-              <a:rPr lang="en-US" dirty="0" smtClean="0"/>
-              <a:t>Make sure and change version so update</a:t>
-            </a:r>
-            <a:r>
-              <a:rPr lang="en-US" baseline="0" dirty="0" smtClean="0"/>
-              <a:t> is automated</a:t>
+              <a:rPr lang="en-US" dirty="0" smtClean="0"/>
+              <a:t>Iterate on a small change</a:t>
             </a:r>
           </a:p>
         </p:txBody>
@@ -17037,11 +17168,15 @@
           <a:p>
             <a:r>
               <a:rPr lang="en-US" dirty="0" smtClean="0"/>
-              <a:t>Lab </a:t>
-            </a:r>
-            <a:r>
-              <a:rPr lang="en-US" dirty="0" smtClean="0"/>
-              <a:t>4 – 15 minutes</a:t>
+              <a:t>Lab</a:t>
+            </a:r>
+            <a:r>
+              <a:rPr lang="en-US" baseline="0" dirty="0" smtClean="0"/>
+              <a:t> </a:t>
+            </a:r>
+            <a:r>
+              <a:rPr lang="en-US" baseline="0" dirty="0" smtClean="0"/>
+              <a:t>3 – 15 minutes</a:t>
             </a:r>
             <a:endParaRPr lang="en-US" dirty="0"/>
           </a:p>
@@ -17050,7 +17185,7 @@
     </p:spTree>
     <p:extLst>
       <p:ext uri="{BB962C8B-B14F-4D97-AF65-F5344CB8AC3E}">
-        <p14:creationId xmlns:p14="http://schemas.microsoft.com/office/powerpoint/2010/main" val="1366474437"/>
+        <p14:creationId xmlns:p14="http://schemas.microsoft.com/office/powerpoint/2010/main" val="938986884"/>
       </p:ext>
     </p:extLst>
   </p:cSld>
@@ -17218,23 +17353,81 @@
           <a:p>
             <a:r>
               <a:rPr lang="en-US" dirty="0" smtClean="0"/>
-              <a:t>Build HLS-Based IP from C++ Sources</a:t>
-            </a:r>
-          </a:p>
-          <a:p>
-            <a:r>
-              <a:rPr lang="en-US" dirty="0" smtClean="0"/>
-              <a:t>Build a script and add a make target</a:t>
-            </a:r>
-          </a:p>
-          <a:p>
-            <a:r>
-              <a:rPr lang="en-US" dirty="0" smtClean="0"/>
-              <a:t>Once generated, check in remote</a:t>
+              <a:t>Package up custom IP RTL for IPI</a:t>
+            </a:r>
+          </a:p>
+          <a:p>
+            <a:pPr lvl="1"/>
+            <a:r>
+              <a:rPr lang="en-US" dirty="0" smtClean="0"/>
+              <a:t>Using</a:t>
             </a:r>
             <a:r>
               <a:rPr lang="en-US" baseline="0" dirty="0" smtClean="0"/>
-              <a:t> IP repository</a:t>
+              <a:t> the </a:t>
+            </a:r>
+            <a:r>
+              <a:rPr lang="en-US" baseline="0" dirty="0" err="1" smtClean="0"/>
+              <a:t>bft</a:t>
+            </a:r>
+            <a:r>
+              <a:rPr lang="en-US" baseline="0" dirty="0" smtClean="0"/>
+              <a:t> RTL</a:t>
+            </a:r>
+          </a:p>
+          <a:p>
+            <a:pPr lvl="0"/>
+            <a:r>
+              <a:rPr lang="en-US" dirty="0" smtClean="0"/>
+              <a:t>Build a script to create a small project</a:t>
+            </a:r>
+          </a:p>
+          <a:p>
+            <a:pPr lvl="1"/>
+            <a:r>
+              <a:rPr lang="en-US" dirty="0" smtClean="0"/>
+              <a:t>For packaging purposes</a:t>
+            </a:r>
+          </a:p>
+          <a:p>
+            <a:pPr lvl="0"/>
+            <a:r>
+              <a:rPr lang="en-US" dirty="0" smtClean="0"/>
+              <a:t>Take the output</a:t>
+            </a:r>
+            <a:r>
+              <a:rPr lang="en-US" baseline="0" dirty="0" smtClean="0"/>
+              <a:t> directory – check into revision control</a:t>
+            </a:r>
+          </a:p>
+          <a:p>
+            <a:pPr lvl="0"/>
+            <a:r>
+              <a:rPr lang="en-US" baseline="0" dirty="0" smtClean="0"/>
+              <a:t>Edit from within BD to change the RTL</a:t>
+            </a:r>
+          </a:p>
+          <a:p>
+            <a:pPr lvl="1"/>
+            <a:r>
+              <a:rPr lang="en-US" dirty="0" smtClean="0"/>
+              <a:t>Check in changes into </a:t>
+            </a:r>
+            <a:r>
+              <a:rPr lang="en-US" dirty="0" err="1" smtClean="0"/>
+              <a:t>git</a:t>
+            </a:r>
+            <a:endParaRPr lang="en-US" dirty="0" smtClean="0"/>
+          </a:p>
+          <a:p>
+            <a:pPr lvl="1"/>
+            <a:r>
+              <a:rPr lang="en-US" dirty="0" smtClean="0"/>
+              <a:t>Make sure and change version so update</a:t>
+            </a:r>
+            <a:r>
+              <a:rPr lang="en-US" baseline="0" dirty="0" smtClean="0"/>
+              <a:t> is automated</a:t>
             </a:r>
           </a:p>
         </p:txBody>
@@ -17260,7 +17453,7 @@
             </a:r>
             <a:r>
               <a:rPr lang="en-US" dirty="0" smtClean="0"/>
-              <a:t>5 – 15 minutes</a:t>
+              <a:t>4 – 15 minutes</a:t>
             </a:r>
             <a:endParaRPr lang="en-US" dirty="0"/>
           </a:p>
@@ -17269,7 +17462,7 @@
     </p:spTree>
     <p:extLst>
       <p:ext uri="{BB962C8B-B14F-4D97-AF65-F5344CB8AC3E}">
-        <p14:creationId xmlns:p14="http://schemas.microsoft.com/office/powerpoint/2010/main" val="2011301132"/>
+        <p14:creationId xmlns:p14="http://schemas.microsoft.com/office/powerpoint/2010/main" val="1366474437"/>
       </p:ext>
     </p:extLst>
   </p:cSld>
@@ -17320,99 +17513,23 @@
           <a:p>
             <a:r>
               <a:rPr lang="en-US" dirty="0" smtClean="0"/>
-              <a:t>Given a System Generator DSP</a:t>
+              <a:t>Build HLS-Based IP from C++ Sources</a:t>
+            </a:r>
+          </a:p>
+          <a:p>
+            <a:r>
+              <a:rPr lang="en-US" dirty="0" smtClean="0"/>
+              <a:t>Build a script and add a make target</a:t>
+            </a:r>
+          </a:p>
+          <a:p>
+            <a:r>
+              <a:rPr lang="en-US" dirty="0" smtClean="0"/>
+              <a:t>Once generated, check in remote</a:t>
             </a:r>
             <a:r>
               <a:rPr lang="en-US" baseline="0" dirty="0" smtClean="0"/>
-              <a:t> Subsystem</a:t>
-            </a:r>
-          </a:p>
-          <a:p>
-            <a:pPr lvl="1"/>
-            <a:r>
-              <a:rPr lang="en-US" dirty="0" smtClean="0"/>
-              <a:t>Fully generated – no</a:t>
-            </a:r>
-            <a:r>
-              <a:rPr lang="en-US" baseline="0" dirty="0" smtClean="0"/>
-              <a:t> need to have </a:t>
-            </a:r>
-            <a:r>
-              <a:rPr lang="en-US" baseline="0" dirty="0" err="1" smtClean="0"/>
-              <a:t>Matlab</a:t>
-            </a:r>
-            <a:r>
-              <a:rPr lang="en-US" baseline="0" dirty="0" smtClean="0"/>
-              <a:t> licenses</a:t>
-            </a:r>
-            <a:endParaRPr lang="en-US" dirty="0"/>
-          </a:p>
-          <a:p>
-            <a:r>
-              <a:rPr lang="en-US" baseline="0" dirty="0" smtClean="0"/>
-              <a:t>Check</a:t>
-            </a:r>
-            <a:r>
-              <a:rPr lang="en-US" dirty="0" smtClean="0"/>
-              <a:t> in </a:t>
-            </a:r>
-            <a:r>
-              <a:rPr lang="en-US" dirty="0" err="1" smtClean="0"/>
-              <a:t>SysGen</a:t>
-            </a:r>
-            <a:r>
-              <a:rPr lang="en-US" dirty="0" smtClean="0"/>
-              <a:t> module into revision control</a:t>
-            </a:r>
-            <a:endParaRPr lang="en-US" dirty="0"/>
-          </a:p>
-          <a:p>
-            <a:r>
-              <a:rPr lang="en-US" dirty="0" smtClean="0"/>
-              <a:t>Modify setup script and </a:t>
-            </a:r>
-            <a:r>
-              <a:rPr lang="en-US" dirty="0" err="1" smtClean="0"/>
-              <a:t>Makefile</a:t>
-            </a:r>
-            <a:r>
-              <a:rPr lang="en-US" dirty="0" smtClean="0"/>
-              <a:t> to add in </a:t>
-            </a:r>
-            <a:r>
-              <a:rPr lang="en-US" dirty="0" err="1" smtClean="0"/>
-              <a:t>slx</a:t>
-            </a:r>
-            <a:endParaRPr lang="en-US" dirty="0" smtClean="0"/>
-          </a:p>
-          <a:p>
-            <a:r>
-              <a:rPr lang="en-US" dirty="0" smtClean="0"/>
-              <a:t>Verify compilation takes </a:t>
-            </a:r>
-            <a:r>
-              <a:rPr lang="en-US" dirty="0" err="1" smtClean="0"/>
-              <a:t>sysgen</a:t>
-            </a:r>
-            <a:r>
-              <a:rPr lang="en-US" dirty="0" smtClean="0"/>
-              <a:t> </a:t>
-            </a:r>
-            <a:r>
-              <a:rPr lang="en-US" dirty="0" smtClean="0"/>
-              <a:t>HDL</a:t>
-            </a:r>
-            <a:r>
-              <a:rPr lang="en-US" dirty="0" smtClean="0"/>
-              <a:t> </a:t>
-            </a:r>
-            <a:r>
-              <a:rPr lang="en-US" dirty="0" smtClean="0"/>
-              <a:t>and </a:t>
-            </a:r>
-            <a:r>
-              <a:rPr lang="en-US" dirty="0" smtClean="0"/>
-              <a:t>links</a:t>
+              <a:t> IP repository</a:t>
             </a:r>
           </a:p>
         </p:txBody>
@@ -17438,7 +17555,7 @@
             </a:r>
             <a:r>
               <a:rPr lang="en-US" dirty="0" smtClean="0"/>
-              <a:t>6 – 15 minutes</a:t>
+              <a:t>5 – 15 minutes</a:t>
             </a:r>
             <a:endParaRPr lang="en-US" dirty="0"/>
           </a:p>
@@ -17447,7 +17564,7 @@
     </p:spTree>
     <p:extLst>
       <p:ext uri="{BB962C8B-B14F-4D97-AF65-F5344CB8AC3E}">
-        <p14:creationId xmlns:p14="http://schemas.microsoft.com/office/powerpoint/2010/main" val="2412175075"/>
+        <p14:creationId xmlns:p14="http://schemas.microsoft.com/office/powerpoint/2010/main" val="2011301132"/>
       </p:ext>
     </p:extLst>
   </p:cSld>
@@ -17498,6 +17615,184 @@
           <a:p>
             <a:r>
               <a:rPr lang="en-US" dirty="0" smtClean="0"/>
+              <a:t>Given a System Generator DSP</a:t>
+            </a:r>
+            <a:r>
+              <a:rPr lang="en-US" baseline="0" dirty="0" smtClean="0"/>
+              <a:t> Subsystem</a:t>
+            </a:r>
+          </a:p>
+          <a:p>
+            <a:pPr lvl="1"/>
+            <a:r>
+              <a:rPr lang="en-US" dirty="0" smtClean="0"/>
+              <a:t>Fully generated – no</a:t>
+            </a:r>
+            <a:r>
+              <a:rPr lang="en-US" baseline="0" dirty="0" smtClean="0"/>
+              <a:t> need to have </a:t>
+            </a:r>
+            <a:r>
+              <a:rPr lang="en-US" baseline="0" dirty="0" err="1" smtClean="0"/>
+              <a:t>Matlab</a:t>
+            </a:r>
+            <a:r>
+              <a:rPr lang="en-US" baseline="0" dirty="0" smtClean="0"/>
+              <a:t> licenses</a:t>
+            </a:r>
+            <a:endParaRPr lang="en-US" dirty="0"/>
+          </a:p>
+          <a:p>
+            <a:r>
+              <a:rPr lang="en-US" baseline="0" dirty="0" smtClean="0"/>
+              <a:t>Check</a:t>
+            </a:r>
+            <a:r>
+              <a:rPr lang="en-US" dirty="0" smtClean="0"/>
+              <a:t> in </a:t>
+            </a:r>
+            <a:r>
+              <a:rPr lang="en-US" dirty="0" err="1" smtClean="0"/>
+              <a:t>SysGen</a:t>
+            </a:r>
+            <a:r>
+              <a:rPr lang="en-US" dirty="0" smtClean="0"/>
+              <a:t> module into revision control</a:t>
+            </a:r>
+            <a:endParaRPr lang="en-US" dirty="0"/>
+          </a:p>
+          <a:p>
+            <a:r>
+              <a:rPr lang="en-US" dirty="0" smtClean="0"/>
+              <a:t>Modify setup script and </a:t>
+            </a:r>
+            <a:r>
+              <a:rPr lang="en-US" dirty="0" err="1" smtClean="0"/>
+              <a:t>Makefile</a:t>
+            </a:r>
+            <a:r>
+              <a:rPr lang="en-US" dirty="0" smtClean="0"/>
+              <a:t> to add in </a:t>
+            </a:r>
+            <a:r>
+              <a:rPr lang="en-US" dirty="0" err="1" smtClean="0"/>
+              <a:t>slx</a:t>
+            </a:r>
+            <a:endParaRPr lang="en-US" dirty="0" smtClean="0"/>
+          </a:p>
+          <a:p>
+            <a:r>
+              <a:rPr lang="en-US" dirty="0" smtClean="0"/>
+              <a:t>Verify compilation takes </a:t>
+            </a:r>
+            <a:r>
+              <a:rPr lang="en-US" dirty="0" err="1" smtClean="0"/>
+              <a:t>sysgen</a:t>
+            </a:r>
+            <a:r>
+              <a:rPr lang="en-US" dirty="0" smtClean="0"/>
+              <a:t> </a:t>
+            </a:r>
+            <a:r>
+              <a:rPr lang="en-US" dirty="0" smtClean="0"/>
+              <a:t>HDL</a:t>
+            </a:r>
+            <a:r>
+              <a:rPr lang="en-US" dirty="0" smtClean="0"/>
+              <a:t> </a:t>
+            </a:r>
+            <a:r>
+              <a:rPr lang="en-US" dirty="0" smtClean="0"/>
+              <a:t>and </a:t>
+            </a:r>
+            <a:r>
+              <a:rPr lang="en-US" dirty="0" smtClean="0"/>
+              <a:t>links</a:t>
+            </a:r>
+          </a:p>
+        </p:txBody>
+      </p:sp>
+      <p:sp>
+        <p:nvSpPr>
+          <p:cNvPr id="3" name="Title 2"/>
+          <p:cNvSpPr>
+            <a:spLocks noGrp="1"/>
+          </p:cNvSpPr>
+          <p:nvPr>
+            <p:ph type="title"/>
+          </p:nvPr>
+        </p:nvSpPr>
+        <p:spPr/>
+        <p:txBody>
+          <a:bodyPr/>
+          <a:lstStyle/>
+          <a:p>
+            <a:r>
+              <a:rPr lang="en-US" dirty="0" smtClean="0"/>
+              <a:t>Lab </a:t>
+            </a:r>
+            <a:r>
+              <a:rPr lang="en-US" dirty="0" smtClean="0"/>
+              <a:t>6 – 15 minutes</a:t>
+            </a:r>
+            <a:endParaRPr lang="en-US" dirty="0"/>
+          </a:p>
+        </p:txBody>
+      </p:sp>
+    </p:spTree>
+    <p:extLst>
+      <p:ext uri="{BB962C8B-B14F-4D97-AF65-F5344CB8AC3E}">
+        <p14:creationId xmlns:p14="http://schemas.microsoft.com/office/powerpoint/2010/main" val="2412175075"/>
+      </p:ext>
+    </p:extLst>
+  </p:cSld>
+  <p:clrMapOvr>
+    <a:masterClrMapping/>
+  </p:clrMapOvr>
+  <p:timing>
+    <p:tnLst>
+      <p:par>
+        <p:cTn id="1" dur="indefinite" restart="never" nodeType="tmRoot"/>
+      </p:par>
+    </p:tnLst>
+  </p:timing>
+</p:sld>
+</file>
+
+<file path=ppt/slides/slide23.xml><?xml version="1.0" encoding="utf-8"?>
+<p:sld xmlns:a="http://schemas.openxmlformats.org/drawingml/2006/main" xmlns:r="http://schemas.openxmlformats.org/officeDocument/2006/relationships" xmlns:p="http://schemas.openxmlformats.org/presentationml/2006/main">
+  <p:cSld>
+    <p:spTree>
+      <p:nvGrpSpPr>
+        <p:cNvPr id="1" name=""/>
+        <p:cNvGrpSpPr/>
+        <p:nvPr/>
+      </p:nvGrpSpPr>
+      <p:grpSpPr>
+        <a:xfrm>
+          <a:off x="0" y="0"/>
+          <a:ext cx="0" cy="0"/>
+          <a:chOff x="0" y="0"/>
+          <a:chExt cx="0" cy="0"/>
+        </a:xfrm>
+      </p:grpSpPr>
+      <p:sp>
+        <p:nvSpPr>
+          <p:cNvPr id="2" name="Content Placeholder 1"/>
+          <p:cNvSpPr>
+            <a:spLocks noGrp="1"/>
+          </p:cNvSpPr>
+          <p:nvPr>
+            <p:ph idx="1"/>
+          </p:nvPr>
+        </p:nvSpPr>
+        <p:spPr/>
+        <p:txBody>
+          <a:bodyPr/>
+          <a:lstStyle/>
+          <a:p>
+            <a:r>
+              <a:rPr lang="en-US" dirty="0" smtClean="0"/>
               <a:t>Revision Control Basics w/ </a:t>
             </a:r>
             <a:r>
@@ -17624,6 +17919,189 @@
       </p:grpSpPr>
       <p:sp>
         <p:nvSpPr>
+          <p:cNvPr id="2" name="Content Placeholder 1"/>
+          <p:cNvSpPr>
+            <a:spLocks noGrp="1"/>
+          </p:cNvSpPr>
+          <p:nvPr>
+            <p:ph idx="1"/>
+          </p:nvPr>
+        </p:nvSpPr>
+        <p:spPr/>
+        <p:txBody>
+          <a:bodyPr/>
+          <a:lstStyle/>
+          <a:p>
+            <a:r>
+              <a:rPr lang="en-US" dirty="0" smtClean="0"/>
+              <a:t>Automates</a:t>
+            </a:r>
+            <a:r>
+              <a:rPr lang="en-US" baseline="0" dirty="0" smtClean="0"/>
+              <a:t> Critical Management of Development</a:t>
+            </a:r>
+          </a:p>
+          <a:p>
+            <a:pPr lvl="1"/>
+            <a:r>
+              <a:rPr lang="en-US" dirty="0" smtClean="0"/>
+              <a:t>Milestones</a:t>
+            </a:r>
+            <a:r>
+              <a:rPr lang="en-US" baseline="0" dirty="0" smtClean="0"/>
+              <a:t> are “backed up”</a:t>
+            </a:r>
+          </a:p>
+          <a:p>
+            <a:pPr lvl="1"/>
+            <a:r>
+              <a:rPr lang="en-US" baseline="0" dirty="0" smtClean="0"/>
+              <a:t>Mistakes can easily be reverted</a:t>
+            </a:r>
+          </a:p>
+          <a:p>
+            <a:pPr lvl="1"/>
+            <a:r>
+              <a:rPr lang="en-US" baseline="0" dirty="0" smtClean="0"/>
+              <a:t>Changes are logged</a:t>
+            </a:r>
+          </a:p>
+          <a:p>
+            <a:pPr lvl="1"/>
+            <a:endParaRPr lang="en-US" baseline="0" dirty="0" smtClean="0"/>
+          </a:p>
+          <a:p>
+            <a:pPr lvl="0"/>
+            <a:r>
+              <a:rPr lang="en-US" dirty="0" smtClean="0"/>
+              <a:t>Speeds</a:t>
+            </a:r>
+            <a:r>
+              <a:rPr lang="en-US" baseline="0" dirty="0" smtClean="0"/>
+              <a:t> up Compiles </a:t>
+            </a:r>
+          </a:p>
+          <a:p>
+            <a:pPr lvl="1"/>
+            <a:r>
+              <a:rPr lang="en-US" dirty="0" smtClean="0"/>
+              <a:t>Dependency Tracking – only build when inputs change</a:t>
+            </a:r>
+          </a:p>
+          <a:p>
+            <a:pPr lvl="1"/>
+            <a:r>
+              <a:rPr lang="en-US" dirty="0" smtClean="0"/>
+              <a:t>Take advantage of parallelization – independent steps can run in parallel</a:t>
+            </a:r>
+          </a:p>
+          <a:p>
+            <a:pPr lvl="1"/>
+            <a:endParaRPr lang="en-US" dirty="0" smtClean="0"/>
+          </a:p>
+          <a:p>
+            <a:pPr lvl="0"/>
+            <a:r>
+              <a:rPr lang="en-US" dirty="0" smtClean="0"/>
+              <a:t>Most Customers</a:t>
+            </a:r>
+            <a:r>
+              <a:rPr lang="en-US" baseline="0" dirty="0" smtClean="0"/>
+              <a:t> Use Some Form of Rev Control</a:t>
+            </a:r>
+          </a:p>
+          <a:p>
+            <a:pPr lvl="1"/>
+            <a:r>
+              <a:rPr lang="en-US" dirty="0" smtClean="0"/>
+              <a:t>Subversion, Perforce, </a:t>
+            </a:r>
+            <a:r>
+              <a:rPr lang="en-US" dirty="0" err="1" smtClean="0"/>
+              <a:t>ClearCase</a:t>
+            </a:r>
+            <a:r>
+              <a:rPr lang="en-US" dirty="0" smtClean="0"/>
+              <a:t>, </a:t>
+            </a:r>
+            <a:r>
+              <a:rPr lang="en-US" dirty="0" err="1" smtClean="0"/>
+              <a:t>Git</a:t>
+            </a:r>
+            <a:r>
+              <a:rPr lang="en-US" dirty="0" smtClean="0"/>
+              <a:t>, RCS</a:t>
+            </a:r>
+            <a:endParaRPr lang="en-US" dirty="0"/>
+          </a:p>
+        </p:txBody>
+      </p:sp>
+      <p:sp>
+        <p:nvSpPr>
+          <p:cNvPr id="3" name="Title 2"/>
+          <p:cNvSpPr>
+            <a:spLocks noGrp="1"/>
+          </p:cNvSpPr>
+          <p:nvPr>
+            <p:ph type="title"/>
+          </p:nvPr>
+        </p:nvSpPr>
+        <p:spPr/>
+        <p:txBody>
+          <a:bodyPr/>
+          <a:lstStyle/>
+          <a:p>
+            <a:r>
+              <a:rPr lang="en-US" dirty="0" smtClean="0"/>
+              <a:t>Revision</a:t>
+            </a:r>
+            <a:r>
+              <a:rPr lang="en-US" baseline="0" dirty="0" smtClean="0"/>
+              <a:t> Control Benefits</a:t>
+            </a:r>
+            <a:endParaRPr lang="en-US" dirty="0"/>
+          </a:p>
+        </p:txBody>
+      </p:sp>
+    </p:spTree>
+    <p:extLst>
+      <p:ext uri="{BB962C8B-B14F-4D97-AF65-F5344CB8AC3E}">
+        <p14:creationId xmlns:p14="http://schemas.microsoft.com/office/powerpoint/2010/main" val="2206367985"/>
+      </p:ext>
+    </p:extLst>
+  </p:cSld>
+  <p:clrMapOvr>
+    <a:masterClrMapping/>
+  </p:clrMapOvr>
+  <p:timing>
+    <p:tnLst>
+      <p:par>
+        <p:cTn id="1" dur="indefinite" restart="never" nodeType="tmRoot"/>
+      </p:par>
+    </p:tnLst>
+  </p:timing>
+</p:sld>
+</file>
+
+<file path=ppt/slides/slide4.xml><?xml version="1.0" encoding="utf-8"?>
+<p:sld xmlns:a="http://schemas.openxmlformats.org/drawingml/2006/main" xmlns:r="http://schemas.openxmlformats.org/officeDocument/2006/relationships" xmlns:p="http://schemas.openxmlformats.org/presentationml/2006/main">
+  <p:cSld>
+    <p:spTree>
+      <p:nvGrpSpPr>
+        <p:cNvPr id="1" name=""/>
+        <p:cNvGrpSpPr/>
+        <p:nvPr/>
+      </p:nvGrpSpPr>
+      <p:grpSpPr>
+        <a:xfrm>
+          <a:off x="0" y="0"/>
+          <a:ext cx="0" cy="0"/>
+          <a:chOff x="0" y="0"/>
+          <a:chExt cx="0" cy="0"/>
+        </a:xfrm>
+      </p:grpSpPr>
+      <p:sp>
+        <p:nvSpPr>
           <p:cNvPr id="3" name="Content Placeholder 2"/>
           <p:cNvSpPr>
             <a:spLocks noGrp="1"/>
@@ -17666,7 +18144,15 @@
             <a:pPr lvl="1"/>
             <a:r>
               <a:rPr lang="en-US" dirty="0" smtClean="0"/>
-              <a:t>Generally Prefer ASCII-based internal files (xml project files)</a:t>
+              <a:t>Generally </a:t>
+            </a:r>
+            <a:r>
+              <a:rPr lang="en-US" dirty="0" smtClean="0"/>
+              <a:t>prefer </a:t>
+            </a:r>
+            <a:r>
+              <a:rPr lang="en-US" dirty="0" smtClean="0"/>
+              <a:t>ASCII-based internal files (xml project files)</a:t>
             </a:r>
           </a:p>
           <a:p>
@@ -17810,7 +18296,7 @@
 </p:sld>
 </file>
 
-<file path=ppt/slides/slide4.xml><?xml version="1.0" encoding="utf-8"?>
+<file path=ppt/slides/slide5.xml><?xml version="1.0" encoding="utf-8"?>
 <p:sld xmlns:a="http://schemas.openxmlformats.org/drawingml/2006/main" xmlns:r="http://schemas.openxmlformats.org/officeDocument/2006/relationships" xmlns:p="http://schemas.openxmlformats.org/presentationml/2006/main">
   <p:cSld>
     <p:spTree>
@@ -17958,15 +18444,7 @@
             <a:pPr lvl="1"/>
             <a:r>
               <a:rPr lang="en-US" dirty="0" smtClean="0"/>
-              <a:t>“Standalone” </a:t>
-            </a:r>
-            <a:r>
-              <a:rPr lang="en-US" smtClean="0"/>
-              <a:t>project file </a:t>
-            </a:r>
-            <a:r>
-              <a:rPr lang="en-US" dirty="0" smtClean="0"/>
-              <a:t>is an alternative for </a:t>
+              <a:t>“Standalone” project file is an alternative for </a:t>
             </a:r>
             <a:r>
               <a:rPr lang="en-US" dirty="0" err="1" smtClean="0"/>
@@ -18058,7 +18536,7 @@
 </p:sld>
 </file>
 
-<file path=ppt/slides/slide5.xml><?xml version="1.0" encoding="utf-8"?>
+<file path=ppt/slides/slide6.xml><?xml version="1.0" encoding="utf-8"?>
 <p:sld xmlns:a="http://schemas.openxmlformats.org/drawingml/2006/main" xmlns:r="http://schemas.openxmlformats.org/officeDocument/2006/relationships" xmlns:p="http://schemas.openxmlformats.org/presentationml/2006/main">
   <p:cSld>
     <p:spTree>
@@ -18257,7 +18735,7 @@
 </p:sld>
 </file>
 
-<file path=ppt/slides/slide6.xml><?xml version="1.0" encoding="utf-8"?>
+<file path=ppt/slides/slide7.xml><?xml version="1.0" encoding="utf-8"?>
 <p:sld xmlns:a="http://schemas.openxmlformats.org/drawingml/2006/main" xmlns:r="http://schemas.openxmlformats.org/officeDocument/2006/relationships" xmlns:p="http://schemas.openxmlformats.org/presentationml/2006/main">
   <p:cSld>
     <p:spTree>
@@ -18886,7 +19364,7 @@
 </p:sld>
 </file>
 
-<file path=ppt/slides/slide7.xml><?xml version="1.0" encoding="utf-8"?>
+<file path=ppt/slides/slide8.xml><?xml version="1.0" encoding="utf-8"?>
 <p:sld xmlns:a="http://schemas.openxmlformats.org/drawingml/2006/main" xmlns:r="http://schemas.openxmlformats.org/officeDocument/2006/relationships" xmlns:p="http://schemas.openxmlformats.org/presentationml/2006/main">
   <p:cSld>
     <p:spTree>
@@ -19255,7 +19733,7 @@
 </p:sld>
 </file>
 
-<file path=ppt/slides/slide8.xml><?xml version="1.0" encoding="utf-8"?>
+<file path=ppt/slides/slide9.xml><?xml version="1.0" encoding="utf-8"?>
 <p:sld xmlns:a="http://schemas.openxmlformats.org/drawingml/2006/main" xmlns:r="http://schemas.openxmlformats.org/officeDocument/2006/relationships" xmlns:p="http://schemas.openxmlformats.org/presentationml/2006/main">
   <p:cSld>
     <p:spTree>
@@ -19468,300 +19946,6 @@
     <p:extLst>
       <p:ext uri="{BB962C8B-B14F-4D97-AF65-F5344CB8AC3E}">
         <p14:creationId xmlns:p14="http://schemas.microsoft.com/office/powerpoint/2010/main" val="506301004"/>
-      </p:ext>
-    </p:extLst>
-  </p:cSld>
-  <p:clrMapOvr>
-    <a:masterClrMapping/>
-  </p:clrMapOvr>
-  <p:timing>
-    <p:tnLst>
-      <p:par>
-        <p:cTn id="1" dur="indefinite" restart="never" nodeType="tmRoot"/>
-      </p:par>
-    </p:tnLst>
-  </p:timing>
-</p:sld>
-</file>
-
-<file path=ppt/slides/slide9.xml><?xml version="1.0" encoding="utf-8"?>
-<p:sld xmlns:a="http://schemas.openxmlformats.org/drawingml/2006/main" xmlns:r="http://schemas.openxmlformats.org/officeDocument/2006/relationships" xmlns:p="http://schemas.openxmlformats.org/presentationml/2006/main">
-  <p:cSld>
-    <p:spTree>
-      <p:nvGrpSpPr>
-        <p:cNvPr id="1" name=""/>
-        <p:cNvGrpSpPr/>
-        <p:nvPr/>
-      </p:nvGrpSpPr>
-      <p:grpSpPr>
-        <a:xfrm>
-          <a:off x="0" y="0"/>
-          <a:ext cx="0" cy="0"/>
-          <a:chOff x="0" y="0"/>
-          <a:chExt cx="0" cy="0"/>
-        </a:xfrm>
-      </p:grpSpPr>
-      <p:sp>
-        <p:nvSpPr>
-          <p:cNvPr id="2" name="Content Placeholder 1"/>
-          <p:cNvSpPr>
-            <a:spLocks noGrp="1"/>
-          </p:cNvSpPr>
-          <p:nvPr>
-            <p:ph idx="1"/>
-          </p:nvPr>
-        </p:nvSpPr>
-        <p:spPr/>
-        <p:txBody>
-          <a:bodyPr/>
-          <a:lstStyle/>
-          <a:p>
-            <a:r>
-              <a:rPr lang="en-US" dirty="0" smtClean="0"/>
-              <a:t>Build</a:t>
-            </a:r>
-            <a:r>
-              <a:rPr lang="en-US" baseline="0" dirty="0" smtClean="0"/>
-              <a:t> a small project just for IP</a:t>
-            </a:r>
-          </a:p>
-          <a:p>
-            <a:r>
-              <a:rPr lang="en-US" baseline="0" dirty="0" smtClean="0"/>
-              <a:t>Package it up to a directory</a:t>
-            </a:r>
-          </a:p>
-          <a:p>
-            <a:pPr lvl="1"/>
-            <a:r>
-              <a:rPr lang="en-US" dirty="0" smtClean="0"/>
-              <a:t>Creates component.xml</a:t>
-            </a:r>
-            <a:r>
-              <a:rPr lang="en-US" baseline="0" dirty="0" smtClean="0"/>
-              <a:t> and </a:t>
-            </a:r>
-            <a:r>
-              <a:rPr lang="en-US" baseline="0" dirty="0" err="1" smtClean="0"/>
-              <a:t>xgui</a:t>
-            </a:r>
-            <a:r>
-              <a:rPr lang="en-US" baseline="0" dirty="0" smtClean="0"/>
-              <a:t> </a:t>
-            </a:r>
-            <a:r>
-              <a:rPr lang="en-US" baseline="0" dirty="0" err="1" smtClean="0"/>
-              <a:t>dirs</a:t>
-            </a:r>
-            <a:endParaRPr lang="en-US" baseline="0" dirty="0" smtClean="0"/>
-          </a:p>
-          <a:p>
-            <a:pPr lvl="1"/>
-            <a:r>
-              <a:rPr lang="en-US" dirty="0" smtClean="0"/>
-              <a:t>Revision control this directory</a:t>
-            </a:r>
-          </a:p>
-          <a:p>
-            <a:pPr lvl="0"/>
-            <a:r>
-              <a:rPr lang="en-US" dirty="0" smtClean="0"/>
-              <a:t>To edit/update from an instantiated project:</a:t>
-            </a:r>
-          </a:p>
-          <a:p>
-            <a:pPr lvl="1"/>
-            <a:r>
-              <a:rPr lang="en-US" dirty="0" smtClean="0"/>
-              <a:t>From within IPI BD select IP, choose Edit in IP Packager</a:t>
-            </a:r>
-          </a:p>
-          <a:p>
-            <a:pPr lvl="1"/>
-            <a:r>
-              <a:rPr lang="en-US" dirty="0" smtClean="0"/>
-              <a:t>Creates a small temp directory and allows</a:t>
-            </a:r>
-            <a:r>
-              <a:rPr lang="en-US" baseline="0" dirty="0" smtClean="0"/>
-              <a:t> RTL edits and re-packaging</a:t>
-            </a:r>
-          </a:p>
-          <a:p>
-            <a:pPr lvl="1"/>
-            <a:r>
-              <a:rPr lang="en-US" baseline="0" dirty="0" smtClean="0"/>
-              <a:t>Make sure you up revision each time</a:t>
-            </a:r>
-          </a:p>
-          <a:p>
-            <a:pPr lvl="1"/>
-            <a:r>
-              <a:rPr lang="en-US" baseline="0" dirty="0" err="1" smtClean="0"/>
-              <a:t>Report_ip_status</a:t>
-            </a:r>
-            <a:r>
-              <a:rPr lang="en-US" baseline="0" dirty="0" smtClean="0"/>
-              <a:t> and upgrading should work like Xilinx IP</a:t>
-            </a:r>
-            <a:endParaRPr lang="en-US" dirty="0" smtClean="0"/>
-          </a:p>
-        </p:txBody>
-      </p:sp>
-      <p:sp>
-        <p:nvSpPr>
-          <p:cNvPr id="3" name="Title 2"/>
-          <p:cNvSpPr>
-            <a:spLocks noGrp="1"/>
-          </p:cNvSpPr>
-          <p:nvPr>
-            <p:ph type="title"/>
-          </p:nvPr>
-        </p:nvSpPr>
-        <p:spPr/>
-        <p:txBody>
-          <a:bodyPr/>
-          <a:lstStyle/>
-          <a:p>
-            <a:r>
-              <a:rPr lang="en-US" dirty="0" smtClean="0"/>
-              <a:t>Custom IP with IP Integrator</a:t>
-            </a:r>
-            <a:endParaRPr lang="en-US" dirty="0"/>
-          </a:p>
-        </p:txBody>
-      </p:sp>
-      <p:sp>
-        <p:nvSpPr>
-          <p:cNvPr id="4" name="Rounded Rectangle 3"/>
-          <p:cNvSpPr/>
-          <p:nvPr/>
-        </p:nvSpPr>
-        <p:spPr bwMode="auto">
-          <a:xfrm>
-            <a:off x="633984" y="4059936"/>
-            <a:ext cx="4230624" cy="316992"/>
-          </a:xfrm>
-          <a:prstGeom prst="roundRect">
-            <a:avLst/>
-          </a:prstGeom>
-          <a:noFill/>
-          <a:ln w="76200" cap="flat" cmpd="sng" algn="ctr">
-            <a:solidFill>
-              <a:schemeClr val="bg2"/>
-            </a:solidFill>
-            <a:prstDash val="solid"/>
-            <a:round/>
-            <a:headEnd type="none" w="med" len="med"/>
-            <a:tailEnd type="none" w="med" len="med"/>
-          </a:ln>
-          <a:effectLst/>
-        </p:spPr>
-        <p:txBody>
-          <a:bodyPr vert="horz" wrap="square" lIns="91440" tIns="45720" rIns="91440" bIns="45720" numCol="1" rtlCol="0" anchor="ctr" anchorCtr="0" compatLnSpc="1">
-            <a:prstTxWarp prst="textNoShape">
-              <a:avLst/>
-            </a:prstTxWarp>
-            <a:noAutofit/>
-          </a:bodyPr>
-          <a:lstStyle/>
-          <a:p>
-            <a:pPr algn="ctr"/>
-            <a:endParaRPr lang="en-US" dirty="0" smtClean="0">
-              <a:solidFill>
-                <a:srgbClr val="000000"/>
-              </a:solidFill>
-            </a:endParaRPr>
-          </a:p>
-        </p:txBody>
-      </p:sp>
-      <p:sp>
-        <p:nvSpPr>
-          <p:cNvPr id="5" name="TextBox 4"/>
-          <p:cNvSpPr txBox="1"/>
-          <p:nvPr/>
-        </p:nvSpPr>
-        <p:spPr bwMode="auto">
-          <a:xfrm>
-            <a:off x="7168896" y="5632704"/>
-            <a:ext cx="1487425" cy="404663"/>
-          </a:xfrm>
-          <a:prstGeom prst="rect">
-            <a:avLst/>
-          </a:prstGeom>
-          <a:noFill/>
-          <a:ln w="38100">
-            <a:solidFill>
-              <a:schemeClr val="bg2"/>
-            </a:solidFill>
-            <a:miter lim="800000"/>
-            <a:headEnd/>
-            <a:tailEnd/>
-          </a:ln>
-        </p:spPr>
-        <p:txBody>
-          <a:bodyPr vert="horz" wrap="square" lIns="0" tIns="45720" rIns="91440" bIns="45720" numCol="1" rtlCol="0" anchor="t" anchorCtr="0" compatLnSpc="1">
-            <a:prstTxWarp prst="textNoShape">
-              <a:avLst/>
-            </a:prstTxWarp>
-            <a:spAutoFit/>
-          </a:bodyPr>
-          <a:lstStyle/>
-          <a:p>
-            <a:pPr marL="228600" marR="0" indent="-228600" algn="r" defTabSz="914400" rtl="0" eaLnBrk="0" fontAlgn="base" latinLnBrk="0" hangingPunct="0">
-              <a:lnSpc>
-                <a:spcPct val="110000"/>
-              </a:lnSpc>
-              <a:spcBef>
-                <a:spcPct val="20000"/>
-              </a:spcBef>
-              <a:spcAft>
-                <a:spcPct val="0"/>
-              </a:spcAft>
-              <a:buClr>
-                <a:schemeClr val="tx2"/>
-              </a:buClr>
-              <a:buSzPct val="88000"/>
-              <a:tabLst/>
-            </a:pPr>
-            <a:r>
-              <a:rPr kumimoji="0" lang="en-US" sz="2000" b="1" i="0" u="none" strike="noStrike" kern="0" cap="none" spc="0" normalizeH="0" baseline="0" noProof="0" dirty="0" smtClean="0">
-                <a:ln>
-                  <a:noFill/>
-                </a:ln>
-                <a:solidFill>
-                  <a:srgbClr val="FF0000"/>
-                </a:solidFill>
-                <a:effectLst/>
-                <a:uLnTx/>
-                <a:uFillTx/>
-                <a:latin typeface="+mn-lt"/>
-                <a:ea typeface="+mn-ea"/>
-                <a:cs typeface="+mn-cs"/>
-              </a:rPr>
-              <a:t>Important!</a:t>
-            </a:r>
-            <a:endParaRPr kumimoji="0" lang="en-US" sz="2000" b="1" i="0" u="none" strike="noStrike" kern="0" cap="none" spc="0" normalizeH="0" baseline="0" noProof="0" dirty="0" smtClean="0">
-              <a:ln>
-                <a:noFill/>
-              </a:ln>
-              <a:solidFill>
-                <a:srgbClr val="FF0000"/>
-              </a:solidFill>
-              <a:effectLst/>
-              <a:uLnTx/>
-              <a:uFillTx/>
-              <a:latin typeface="+mn-lt"/>
-              <a:ea typeface="+mn-ea"/>
-              <a:cs typeface="+mn-cs"/>
-            </a:endParaRPr>
-          </a:p>
-        </p:txBody>
-      </p:sp>
-    </p:spTree>
-    <p:extLst>
-      <p:ext uri="{BB962C8B-B14F-4D97-AF65-F5344CB8AC3E}">
-        <p14:creationId xmlns:p14="http://schemas.microsoft.com/office/powerpoint/2010/main" val="4004340499"/>
       </p:ext>
     </p:extLst>
   </p:cSld>

--- a/doc/versionControl.pptx
+++ b/doc/versionControl.pptx
@@ -17256,6 +17256,25 @@
           <a:p>
             <a:r>
               <a:rPr lang="en-US" dirty="0" smtClean="0"/>
+              <a:t>Using</a:t>
+            </a:r>
+            <a:r>
+              <a:rPr lang="en-US" baseline="0" dirty="0" smtClean="0"/>
+              <a:t> </a:t>
+            </a:r>
+            <a:r>
+              <a:rPr lang="en-US" baseline="0" dirty="0" err="1" smtClean="0"/>
+              <a:t>Git</a:t>
+            </a:r>
+            <a:r>
+              <a:rPr lang="en-US" baseline="0" dirty="0" smtClean="0"/>
+              <a:t> and Make </a:t>
+            </a:r>
+            <a:endParaRPr lang="en-US" dirty="0" smtClean="0"/>
+          </a:p>
+          <a:p>
+            <a:r>
+              <a:rPr lang="en-US" dirty="0" smtClean="0"/>
               <a:t>6 Labs (1.5hrs)</a:t>
             </a:r>
           </a:p>

--- a/doc/versionControl.pptx
+++ b/doc/versionControl.pptx
@@ -1652,14 +1652,14 @@
         <a:lstStyle/>
         <a:p>
           <a:r>
-            <a:rPr lang="en-US" dirty="0" smtClean="0"/>
+            <a:rPr lang="en-US" b="1" dirty="0" smtClean="0"/>
             <a:t>Project </a:t>
           </a:r>
           <a:r>
-            <a:rPr lang="en-US" dirty="0" err="1" smtClean="0"/>
+            <a:rPr lang="en-US" b="1" dirty="0" err="1" smtClean="0"/>
             <a:t>Dir</a:t>
           </a:r>
-          <a:endParaRPr lang="en-US" dirty="0"/>
+          <a:endParaRPr lang="en-US" b="1" dirty="0"/>
         </a:p>
       </dgm:t>
     </dgm:pt>
@@ -1693,10 +1693,10 @@
         <a:lstStyle/>
         <a:p>
           <a:r>
-            <a:rPr lang="en-US" dirty="0" smtClean="0"/>
+            <a:rPr lang="en-US" b="1" dirty="0" smtClean="0"/>
             <a:t>Work</a:t>
           </a:r>
-          <a:endParaRPr lang="en-US" dirty="0"/>
+          <a:endParaRPr lang="en-US" b="1" dirty="0"/>
         </a:p>
       </dgm:t>
     </dgm:pt>
@@ -1734,10 +1734,10 @@
         <a:lstStyle/>
         <a:p>
           <a:r>
-            <a:rPr lang="en-US" dirty="0" smtClean="0"/>
-            <a:t>HDL</a:t>
+            <a:rPr lang="en-US" b="1" dirty="0" smtClean="0"/>
+            <a:t>HDL/TB</a:t>
           </a:r>
-          <a:endParaRPr lang="en-US" dirty="0"/>
+          <a:endParaRPr lang="en-US" b="1" dirty="0"/>
         </a:p>
       </dgm:t>
     </dgm:pt>
@@ -1763,47 +1763,6 @@
         </a:p>
       </dgm:t>
     </dgm:pt>
-    <dgm:pt modelId="{D3BF04AC-5105-4D6F-8C47-DA1F48F485D3}">
-      <dgm:prSet phldrT="[Text]"/>
-      <dgm:spPr>
-        <a:solidFill>
-          <a:schemeClr val="accent2"/>
-        </a:solidFill>
-      </dgm:spPr>
-      <dgm:t>
-        <a:bodyPr/>
-        <a:lstStyle/>
-        <a:p>
-          <a:r>
-            <a:rPr lang="en-US" dirty="0" smtClean="0"/>
-            <a:t>XDC</a:t>
-          </a:r>
-          <a:endParaRPr lang="en-US" dirty="0"/>
-        </a:p>
-      </dgm:t>
-    </dgm:pt>
-    <dgm:pt modelId="{1BE61CD9-BA2A-42EE-817C-FE7A771BF8CB}" type="parTrans" cxnId="{662014F2-1D8B-4574-A803-67A95655E786}">
-      <dgm:prSet/>
-      <dgm:spPr/>
-      <dgm:t>
-        <a:bodyPr/>
-        <a:lstStyle/>
-        <a:p>
-          <a:endParaRPr lang="en-US"/>
-        </a:p>
-      </dgm:t>
-    </dgm:pt>
-    <dgm:pt modelId="{6D8E3227-EEFC-492B-B035-FF279EA47F04}" type="sibTrans" cxnId="{662014F2-1D8B-4574-A803-67A95655E786}">
-      <dgm:prSet/>
-      <dgm:spPr/>
-      <dgm:t>
-        <a:bodyPr/>
-        <a:lstStyle/>
-        <a:p>
-          <a:endParaRPr lang="en-US"/>
-        </a:p>
-      </dgm:t>
-    </dgm:pt>
     <dgm:pt modelId="{DE9A6DA2-48E4-45CD-BDC3-2AC37AB54603}">
       <dgm:prSet phldrT="[Text]"/>
       <dgm:spPr>
@@ -1816,10 +1775,10 @@
         <a:lstStyle/>
         <a:p>
           <a:r>
-            <a:rPr lang="en-US" dirty="0" smtClean="0"/>
+            <a:rPr lang="en-US" b="1" dirty="0" smtClean="0"/>
             <a:t>HLS</a:t>
           </a:r>
-          <a:endParaRPr lang="en-US" dirty="0"/>
+          <a:endParaRPr lang="en-US" b="1" dirty="0"/>
         </a:p>
       </dgm:t>
     </dgm:pt>
@@ -1857,10 +1816,10 @@
         <a:lstStyle/>
         <a:p>
           <a:r>
-            <a:rPr lang="en-US" dirty="0" smtClean="0"/>
+            <a:rPr lang="en-US" b="1" dirty="0" smtClean="0"/>
             <a:t>BD</a:t>
           </a:r>
-          <a:endParaRPr lang="en-US" dirty="0"/>
+          <a:endParaRPr lang="en-US" b="1" dirty="0"/>
         </a:p>
       </dgm:t>
     </dgm:pt>
@@ -1898,10 +1857,10 @@
         <a:lstStyle/>
         <a:p>
           <a:r>
-            <a:rPr lang="en-US" dirty="0" smtClean="0"/>
-            <a:t>IP</a:t>
+            <a:rPr lang="en-US" b="1" dirty="0" smtClean="0"/>
+            <a:t>IP/CIP</a:t>
           </a:r>
-          <a:endParaRPr lang="en-US" dirty="0"/>
+          <a:endParaRPr lang="en-US" b="1" dirty="0"/>
         </a:p>
       </dgm:t>
     </dgm:pt>
@@ -1939,10 +1898,10 @@
         <a:lstStyle/>
         <a:p>
           <a:r>
-            <a:rPr lang="en-US" dirty="0" smtClean="0"/>
+            <a:rPr lang="en-US" b="1" dirty="0" smtClean="0"/>
             <a:t>Scripts</a:t>
           </a:r>
-          <a:endParaRPr lang="en-US" dirty="0"/>
+          <a:endParaRPr lang="en-US" b="1" dirty="0"/>
         </a:p>
       </dgm:t>
     </dgm:pt>
@@ -1980,10 +1939,10 @@
         <a:lstStyle/>
         <a:p>
           <a:r>
-            <a:rPr lang="en-US" dirty="0" smtClean="0"/>
-            <a:t>TB</a:t>
+            <a:rPr lang="en-US" b="1" dirty="0" smtClean="0"/>
+            <a:t>XDC</a:t>
           </a:r>
-          <a:endParaRPr lang="en-US" dirty="0"/>
+          <a:endParaRPr lang="en-US" b="1" dirty="0"/>
         </a:p>
       </dgm:t>
     </dgm:pt>
@@ -2009,47 +1968,6 @@
         </a:p>
       </dgm:t>
     </dgm:pt>
-    <dgm:pt modelId="{79F3C0E1-5E7C-41F8-9E1F-32CC916D1A0C}">
-      <dgm:prSet phldrT="[Text]"/>
-      <dgm:spPr>
-        <a:solidFill>
-          <a:schemeClr val="accent2"/>
-        </a:solidFill>
-      </dgm:spPr>
-      <dgm:t>
-        <a:bodyPr/>
-        <a:lstStyle/>
-        <a:p>
-          <a:r>
-            <a:rPr lang="en-US" dirty="0" smtClean="0"/>
-            <a:t>CIP</a:t>
-          </a:r>
-          <a:endParaRPr lang="en-US" dirty="0"/>
-        </a:p>
-      </dgm:t>
-    </dgm:pt>
-    <dgm:pt modelId="{17922BE7-7AAA-4DCD-8D3D-A97525B36A86}" type="parTrans" cxnId="{EAB63F86-C86E-4410-B36B-2CD8A5BD8D9F}">
-      <dgm:prSet/>
-      <dgm:spPr/>
-      <dgm:t>
-        <a:bodyPr/>
-        <a:lstStyle/>
-        <a:p>
-          <a:endParaRPr lang="en-US"/>
-        </a:p>
-      </dgm:t>
-    </dgm:pt>
-    <dgm:pt modelId="{6249DA26-385A-40F0-9B7E-D2B42889DE55}" type="sibTrans" cxnId="{EAB63F86-C86E-4410-B36B-2CD8A5BD8D9F}">
-      <dgm:prSet/>
-      <dgm:spPr/>
-      <dgm:t>
-        <a:bodyPr/>
-        <a:lstStyle/>
-        <a:p>
-          <a:endParaRPr lang="en-US"/>
-        </a:p>
-      </dgm:t>
-    </dgm:pt>
     <dgm:pt modelId="{B1890DBD-9269-4E39-A5D8-D46B74618176}">
       <dgm:prSet phldrT="[Text]"/>
       <dgm:spPr>
@@ -2062,10 +1980,10 @@
         <a:lstStyle/>
         <a:p>
           <a:r>
-            <a:rPr lang="en-US" dirty="0" smtClean="0"/>
+            <a:rPr lang="en-US" b="1" dirty="0" smtClean="0"/>
             <a:t>DSP</a:t>
           </a:r>
-          <a:endParaRPr lang="en-US" dirty="0"/>
+          <a:endParaRPr lang="en-US" b="1" dirty="0"/>
         </a:p>
       </dgm:t>
     </dgm:pt>
@@ -2133,7 +2051,7 @@
       <dgm:spPr/>
     </dgm:pt>
     <dgm:pt modelId="{158B7BDB-81BA-421C-8439-08A0B5F689FE}" type="pres">
-      <dgm:prSet presAssocID="{D30938AD-CB50-4663-9E84-6F16F0A37FB4}" presName="Name37" presStyleLbl="parChTrans1D2" presStyleIdx="0" presStyleCnt="10"/>
+      <dgm:prSet presAssocID="{D30938AD-CB50-4663-9E84-6F16F0A37FB4}" presName="Name37" presStyleLbl="parChTrans1D2" presStyleIdx="0" presStyleCnt="8"/>
       <dgm:spPr/>
     </dgm:pt>
     <dgm:pt modelId="{BF0736E9-E263-44A3-9B19-47190CFBA602}" type="pres">
@@ -2149,7 +2067,7 @@
       <dgm:spPr/>
     </dgm:pt>
     <dgm:pt modelId="{92E7D021-B009-4371-BFE2-14E1AD2DC69F}" type="pres">
-      <dgm:prSet presAssocID="{6272F718-0281-4B8E-96CA-9336D1DC1410}" presName="rootText" presStyleLbl="node2" presStyleIdx="0" presStyleCnt="10">
+      <dgm:prSet presAssocID="{6272F718-0281-4B8E-96CA-9336D1DC1410}" presName="rootText" presStyleLbl="node2" presStyleIdx="0" presStyleCnt="8">
         <dgm:presLayoutVars>
           <dgm:chPref val="3"/>
         </dgm:presLayoutVars>
@@ -2164,7 +2082,7 @@
       </dgm:t>
     </dgm:pt>
     <dgm:pt modelId="{7385A498-D524-4331-903E-550C4195C356}" type="pres">
-      <dgm:prSet presAssocID="{6272F718-0281-4B8E-96CA-9336D1DC1410}" presName="rootConnector" presStyleLbl="node2" presStyleIdx="0" presStyleCnt="10"/>
+      <dgm:prSet presAssocID="{6272F718-0281-4B8E-96CA-9336D1DC1410}" presName="rootConnector" presStyleLbl="node2" presStyleIdx="0" presStyleCnt="8"/>
       <dgm:spPr/>
     </dgm:pt>
     <dgm:pt modelId="{603BA146-A534-495B-8B54-FAD14995DD35}" type="pres">
@@ -2176,7 +2094,7 @@
       <dgm:spPr/>
     </dgm:pt>
     <dgm:pt modelId="{D314536C-ACC2-4590-BE51-4E143107E4A8}" type="pres">
-      <dgm:prSet presAssocID="{7CA3D873-A3F7-4257-991B-FB6E57BBECE6}" presName="Name37" presStyleLbl="parChTrans1D2" presStyleIdx="1" presStyleCnt="10"/>
+      <dgm:prSet presAssocID="{7CA3D873-A3F7-4257-991B-FB6E57BBECE6}" presName="Name37" presStyleLbl="parChTrans1D2" presStyleIdx="1" presStyleCnt="8"/>
       <dgm:spPr/>
     </dgm:pt>
     <dgm:pt modelId="{35C8BEA7-D12A-4A5E-9292-56F043596D0F}" type="pres">
@@ -2192,7 +2110,7 @@
       <dgm:spPr/>
     </dgm:pt>
     <dgm:pt modelId="{FE129309-50B7-46C3-8306-87B07F2F963E}" type="pres">
-      <dgm:prSet presAssocID="{FE01D7D5-992C-48F5-94FC-98E66EC1519F}" presName="rootText" presStyleLbl="node2" presStyleIdx="1" presStyleCnt="10">
+      <dgm:prSet presAssocID="{FE01D7D5-992C-48F5-94FC-98E66EC1519F}" presName="rootText" presStyleLbl="node2" presStyleIdx="1" presStyleCnt="8">
         <dgm:presLayoutVars>
           <dgm:chPref val="3"/>
         </dgm:presLayoutVars>
@@ -2207,7 +2125,7 @@
       </dgm:t>
     </dgm:pt>
     <dgm:pt modelId="{7C4E71F4-A14B-4814-8EAE-3BFDAB039162}" type="pres">
-      <dgm:prSet presAssocID="{FE01D7D5-992C-48F5-94FC-98E66EC1519F}" presName="rootConnector" presStyleLbl="node2" presStyleIdx="1" presStyleCnt="10"/>
+      <dgm:prSet presAssocID="{FE01D7D5-992C-48F5-94FC-98E66EC1519F}" presName="rootConnector" presStyleLbl="node2" presStyleIdx="1" presStyleCnt="8"/>
       <dgm:spPr/>
     </dgm:pt>
     <dgm:pt modelId="{74D5B64C-64F1-4C25-BDF7-0D4455003B9E}" type="pres">
@@ -2219,7 +2137,7 @@
       <dgm:spPr/>
     </dgm:pt>
     <dgm:pt modelId="{5CF26A62-4DAE-4DF6-AC2D-AA50C348D246}" type="pres">
-      <dgm:prSet presAssocID="{77A798D0-4E44-4FD7-BD4B-1E07C2A650E4}" presName="Name37" presStyleLbl="parChTrans1D2" presStyleIdx="2" presStyleCnt="10"/>
+      <dgm:prSet presAssocID="{77A798D0-4E44-4FD7-BD4B-1E07C2A650E4}" presName="Name37" presStyleLbl="parChTrans1D2" presStyleIdx="2" presStyleCnt="8"/>
       <dgm:spPr/>
     </dgm:pt>
     <dgm:pt modelId="{C706CEF6-25A6-464C-81EB-1A9D32839C73}" type="pres">
@@ -2235,7 +2153,7 @@
       <dgm:spPr/>
     </dgm:pt>
     <dgm:pt modelId="{0A9458DE-CEF8-4FA3-98D0-60929B6EE9C8}" type="pres">
-      <dgm:prSet presAssocID="{1827938A-4461-4C74-83D4-B8E5FE5790F0}" presName="rootText" presStyleLbl="node2" presStyleIdx="2" presStyleCnt="10">
+      <dgm:prSet presAssocID="{1827938A-4461-4C74-83D4-B8E5FE5790F0}" presName="rootText" presStyleLbl="node2" presStyleIdx="2" presStyleCnt="8">
         <dgm:presLayoutVars>
           <dgm:chPref val="3"/>
         </dgm:presLayoutVars>
@@ -2243,7 +2161,7 @@
       <dgm:spPr/>
     </dgm:pt>
     <dgm:pt modelId="{ABBD46AD-BFA1-4A69-A78E-3C6498564907}" type="pres">
-      <dgm:prSet presAssocID="{1827938A-4461-4C74-83D4-B8E5FE5790F0}" presName="rootConnector" presStyleLbl="node2" presStyleIdx="2" presStyleCnt="10"/>
+      <dgm:prSet presAssocID="{1827938A-4461-4C74-83D4-B8E5FE5790F0}" presName="rootConnector" presStyleLbl="node2" presStyleIdx="2" presStyleCnt="8"/>
       <dgm:spPr/>
     </dgm:pt>
     <dgm:pt modelId="{4B67ABFD-B399-4B88-8CAB-D49359CE5A76}" type="pres">
@@ -2255,7 +2173,7 @@
       <dgm:spPr/>
     </dgm:pt>
     <dgm:pt modelId="{40C180D0-1B00-442F-8BA1-A2996109948C}" type="pres">
-      <dgm:prSet presAssocID="{5678BD54-44B6-4A5A-8BCB-8972579DD724}" presName="Name37" presStyleLbl="parChTrans1D2" presStyleIdx="3" presStyleCnt="10"/>
+      <dgm:prSet presAssocID="{5678BD54-44B6-4A5A-8BCB-8972579DD724}" presName="Name37" presStyleLbl="parChTrans1D2" presStyleIdx="3" presStyleCnt="8"/>
       <dgm:spPr/>
     </dgm:pt>
     <dgm:pt modelId="{D385AE9E-5A9B-45AC-A020-0510D5A9FE54}" type="pres">
@@ -2271,15 +2189,22 @@
       <dgm:spPr/>
     </dgm:pt>
     <dgm:pt modelId="{943019AC-F290-4309-8BBB-DD8C32D2005A}" type="pres">
-      <dgm:prSet presAssocID="{9513878F-857A-47B3-93EC-DC613E0E9FCF}" presName="rootText" presStyleLbl="node2" presStyleIdx="3" presStyleCnt="10">
+      <dgm:prSet presAssocID="{9513878F-857A-47B3-93EC-DC613E0E9FCF}" presName="rootText" presStyleLbl="node2" presStyleIdx="3" presStyleCnt="8">
         <dgm:presLayoutVars>
           <dgm:chPref val="3"/>
         </dgm:presLayoutVars>
       </dgm:prSet>
       <dgm:spPr/>
+      <dgm:t>
+        <a:bodyPr/>
+        <a:lstStyle/>
+        <a:p>
+          <a:endParaRPr lang="en-US"/>
+        </a:p>
+      </dgm:t>
     </dgm:pt>
     <dgm:pt modelId="{B50E2733-0437-4C6E-BD17-21329A79757A}" type="pres">
-      <dgm:prSet presAssocID="{9513878F-857A-47B3-93EC-DC613E0E9FCF}" presName="rootConnector" presStyleLbl="node2" presStyleIdx="3" presStyleCnt="10"/>
+      <dgm:prSet presAssocID="{9513878F-857A-47B3-93EC-DC613E0E9FCF}" presName="rootConnector" presStyleLbl="node2" presStyleIdx="3" presStyleCnt="8"/>
       <dgm:spPr/>
     </dgm:pt>
     <dgm:pt modelId="{36543A45-72D6-4A05-B131-93F0543B5220}" type="pres">
@@ -2290,44 +2215,8 @@
       <dgm:prSet presAssocID="{9513878F-857A-47B3-93EC-DC613E0E9FCF}" presName="hierChild5" presStyleCnt="0"/>
       <dgm:spPr/>
     </dgm:pt>
-    <dgm:pt modelId="{6C39E929-9AA4-4FE4-95C9-4D0C2BF29058}" type="pres">
-      <dgm:prSet presAssocID="{1BE61CD9-BA2A-42EE-817C-FE7A771BF8CB}" presName="Name37" presStyleLbl="parChTrans1D2" presStyleIdx="4" presStyleCnt="10"/>
-      <dgm:spPr/>
-    </dgm:pt>
-    <dgm:pt modelId="{038903A8-B68D-4AAB-AB7B-4FD1869A1AB6}" type="pres">
-      <dgm:prSet presAssocID="{D3BF04AC-5105-4D6F-8C47-DA1F48F485D3}" presName="hierRoot2" presStyleCnt="0">
-        <dgm:presLayoutVars>
-          <dgm:hierBranch val="init"/>
-        </dgm:presLayoutVars>
-      </dgm:prSet>
-      <dgm:spPr/>
-    </dgm:pt>
-    <dgm:pt modelId="{6C6EA405-4DEE-4722-AFD7-1FFFEC2A1C46}" type="pres">
-      <dgm:prSet presAssocID="{D3BF04AC-5105-4D6F-8C47-DA1F48F485D3}" presName="rootComposite" presStyleCnt="0"/>
-      <dgm:spPr/>
-    </dgm:pt>
-    <dgm:pt modelId="{FA8263B6-75EE-4951-8749-B700423F71AE}" type="pres">
-      <dgm:prSet presAssocID="{D3BF04AC-5105-4D6F-8C47-DA1F48F485D3}" presName="rootText" presStyleLbl="node2" presStyleIdx="4" presStyleCnt="10">
-        <dgm:presLayoutVars>
-          <dgm:chPref val="3"/>
-        </dgm:presLayoutVars>
-      </dgm:prSet>
-      <dgm:spPr/>
-    </dgm:pt>
-    <dgm:pt modelId="{C8EC639E-0231-488F-93DB-DFEE2E861098}" type="pres">
-      <dgm:prSet presAssocID="{D3BF04AC-5105-4D6F-8C47-DA1F48F485D3}" presName="rootConnector" presStyleLbl="node2" presStyleIdx="4" presStyleCnt="10"/>
-      <dgm:spPr/>
-    </dgm:pt>
-    <dgm:pt modelId="{7673FA84-608B-441C-BF33-6A8E6E7747E9}" type="pres">
-      <dgm:prSet presAssocID="{D3BF04AC-5105-4D6F-8C47-DA1F48F485D3}" presName="hierChild4" presStyleCnt="0"/>
-      <dgm:spPr/>
-    </dgm:pt>
-    <dgm:pt modelId="{3D860121-7B4E-4AC0-8013-CD49B94457DD}" type="pres">
-      <dgm:prSet presAssocID="{D3BF04AC-5105-4D6F-8C47-DA1F48F485D3}" presName="hierChild5" presStyleCnt="0"/>
-      <dgm:spPr/>
-    </dgm:pt>
     <dgm:pt modelId="{09C1E1B6-0086-4404-B701-5CD9335F3B16}" type="pres">
-      <dgm:prSet presAssocID="{BDFA1744-A5B0-4A1F-8C25-CCF5E20A1147}" presName="Name37" presStyleLbl="parChTrans1D2" presStyleIdx="5" presStyleCnt="10"/>
+      <dgm:prSet presAssocID="{BDFA1744-A5B0-4A1F-8C25-CCF5E20A1147}" presName="Name37" presStyleLbl="parChTrans1D2" presStyleIdx="4" presStyleCnt="8"/>
       <dgm:spPr/>
     </dgm:pt>
     <dgm:pt modelId="{EE569D92-5FB6-4D5F-898F-E3B930BC9FE3}" type="pres">
@@ -2343,7 +2232,7 @@
       <dgm:spPr/>
     </dgm:pt>
     <dgm:pt modelId="{B2626B9F-2EF4-4FE5-9E4C-A8129BA31E89}" type="pres">
-      <dgm:prSet presAssocID="{4B29B0E8-CA69-4FEF-9CC5-F439E6D86762}" presName="rootText" presStyleLbl="node2" presStyleIdx="5" presStyleCnt="10">
+      <dgm:prSet presAssocID="{4B29B0E8-CA69-4FEF-9CC5-F439E6D86762}" presName="rootText" presStyleLbl="node2" presStyleIdx="4" presStyleCnt="8">
         <dgm:presLayoutVars>
           <dgm:chPref val="3"/>
         </dgm:presLayoutVars>
@@ -2351,7 +2240,7 @@
       <dgm:spPr/>
     </dgm:pt>
     <dgm:pt modelId="{3149285B-610F-4810-A59A-580527F6F166}" type="pres">
-      <dgm:prSet presAssocID="{4B29B0E8-CA69-4FEF-9CC5-F439E6D86762}" presName="rootConnector" presStyleLbl="node2" presStyleIdx="5" presStyleCnt="10"/>
+      <dgm:prSet presAssocID="{4B29B0E8-CA69-4FEF-9CC5-F439E6D86762}" presName="rootConnector" presStyleLbl="node2" presStyleIdx="4" presStyleCnt="8"/>
       <dgm:spPr/>
     </dgm:pt>
     <dgm:pt modelId="{86603D32-0B22-4E35-A2C8-4ED0BF4D0598}" type="pres">
@@ -2362,44 +2251,8 @@
       <dgm:prSet presAssocID="{4B29B0E8-CA69-4FEF-9CC5-F439E6D86762}" presName="hierChild5" presStyleCnt="0"/>
       <dgm:spPr/>
     </dgm:pt>
-    <dgm:pt modelId="{B75CF91C-3943-44B8-A75B-C6E5791C1D1A}" type="pres">
-      <dgm:prSet presAssocID="{17922BE7-7AAA-4DCD-8D3D-A97525B36A86}" presName="Name37" presStyleLbl="parChTrans1D2" presStyleIdx="6" presStyleCnt="10"/>
-      <dgm:spPr/>
-    </dgm:pt>
-    <dgm:pt modelId="{904D4FED-BA4C-4CC9-890E-67529C804302}" type="pres">
-      <dgm:prSet presAssocID="{79F3C0E1-5E7C-41F8-9E1F-32CC916D1A0C}" presName="hierRoot2" presStyleCnt="0">
-        <dgm:presLayoutVars>
-          <dgm:hierBranch val="init"/>
-        </dgm:presLayoutVars>
-      </dgm:prSet>
-      <dgm:spPr/>
-    </dgm:pt>
-    <dgm:pt modelId="{964C408D-E492-46AD-99A1-06B2416563B6}" type="pres">
-      <dgm:prSet presAssocID="{79F3C0E1-5E7C-41F8-9E1F-32CC916D1A0C}" presName="rootComposite" presStyleCnt="0"/>
-      <dgm:spPr/>
-    </dgm:pt>
-    <dgm:pt modelId="{B27274AF-4511-4F31-88E4-0C901B0BC674}" type="pres">
-      <dgm:prSet presAssocID="{79F3C0E1-5E7C-41F8-9E1F-32CC916D1A0C}" presName="rootText" presStyleLbl="node2" presStyleIdx="6" presStyleCnt="10">
-        <dgm:presLayoutVars>
-          <dgm:chPref val="3"/>
-        </dgm:presLayoutVars>
-      </dgm:prSet>
-      <dgm:spPr/>
-    </dgm:pt>
-    <dgm:pt modelId="{1E026344-3DC2-409C-8F8C-F500C45D04DB}" type="pres">
-      <dgm:prSet presAssocID="{79F3C0E1-5E7C-41F8-9E1F-32CC916D1A0C}" presName="rootConnector" presStyleLbl="node2" presStyleIdx="6" presStyleCnt="10"/>
-      <dgm:spPr/>
-    </dgm:pt>
-    <dgm:pt modelId="{2CF0E018-F90A-4AE2-8EF4-A9ABC9E7744B}" type="pres">
-      <dgm:prSet presAssocID="{79F3C0E1-5E7C-41F8-9E1F-32CC916D1A0C}" presName="hierChild4" presStyleCnt="0"/>
-      <dgm:spPr/>
-    </dgm:pt>
-    <dgm:pt modelId="{EE098CC4-C214-4BDA-B3D1-661CBE16B8F5}" type="pres">
-      <dgm:prSet presAssocID="{79F3C0E1-5E7C-41F8-9E1F-32CC916D1A0C}" presName="hierChild5" presStyleCnt="0"/>
-      <dgm:spPr/>
-    </dgm:pt>
     <dgm:pt modelId="{F330C14F-5E51-45A3-8BBA-FD6B3CA8B4D5}" type="pres">
-      <dgm:prSet presAssocID="{4B7A7F81-85AE-4C26-9391-DBA667A0C438}" presName="Name37" presStyleLbl="parChTrans1D2" presStyleIdx="7" presStyleCnt="10"/>
+      <dgm:prSet presAssocID="{4B7A7F81-85AE-4C26-9391-DBA667A0C438}" presName="Name37" presStyleLbl="parChTrans1D2" presStyleIdx="5" presStyleCnt="8"/>
       <dgm:spPr/>
     </dgm:pt>
     <dgm:pt modelId="{2FE4A458-1D21-47FB-B204-6F1428D51226}" type="pres">
@@ -2415,7 +2268,7 @@
       <dgm:spPr/>
     </dgm:pt>
     <dgm:pt modelId="{99D6D0B4-FDC2-45F6-BF79-D664AA31EB5C}" type="pres">
-      <dgm:prSet presAssocID="{DE9A6DA2-48E4-45CD-BDC3-2AC37AB54603}" presName="rootText" presStyleLbl="node2" presStyleIdx="7" presStyleCnt="10">
+      <dgm:prSet presAssocID="{DE9A6DA2-48E4-45CD-BDC3-2AC37AB54603}" presName="rootText" presStyleLbl="node2" presStyleIdx="5" presStyleCnt="8">
         <dgm:presLayoutVars>
           <dgm:chPref val="3"/>
         </dgm:presLayoutVars>
@@ -2423,7 +2276,7 @@
       <dgm:spPr/>
     </dgm:pt>
     <dgm:pt modelId="{6DB1CD38-5A46-40A5-A321-A083EFD0A09A}" type="pres">
-      <dgm:prSet presAssocID="{DE9A6DA2-48E4-45CD-BDC3-2AC37AB54603}" presName="rootConnector" presStyleLbl="node2" presStyleIdx="7" presStyleCnt="10"/>
+      <dgm:prSet presAssocID="{DE9A6DA2-48E4-45CD-BDC3-2AC37AB54603}" presName="rootConnector" presStyleLbl="node2" presStyleIdx="5" presStyleCnt="8"/>
       <dgm:spPr/>
     </dgm:pt>
     <dgm:pt modelId="{35D1AF46-BD2E-4D47-BF3F-9EBEC13C6D21}" type="pres">
@@ -2435,7 +2288,7 @@
       <dgm:spPr/>
     </dgm:pt>
     <dgm:pt modelId="{2F72FC64-6020-484E-A27C-11BC33001E45}" type="pres">
-      <dgm:prSet presAssocID="{34BD77E1-5A4B-4BC3-9D05-64D928343E3C}" presName="Name37" presStyleLbl="parChTrans1D2" presStyleIdx="8" presStyleCnt="10"/>
+      <dgm:prSet presAssocID="{34BD77E1-5A4B-4BC3-9D05-64D928343E3C}" presName="Name37" presStyleLbl="parChTrans1D2" presStyleIdx="6" presStyleCnt="8"/>
       <dgm:spPr/>
     </dgm:pt>
     <dgm:pt modelId="{D00FB8F9-D88D-4CAD-B100-AFCAFD61C1F1}" type="pres">
@@ -2451,7 +2304,7 @@
       <dgm:spPr/>
     </dgm:pt>
     <dgm:pt modelId="{4BE55D9B-F2BE-40E0-988E-BDE8EB2B357A}" type="pres">
-      <dgm:prSet presAssocID="{D2497981-03D9-4665-92EB-9542207EE5A0}" presName="rootText" presStyleLbl="node2" presStyleIdx="8" presStyleCnt="10">
+      <dgm:prSet presAssocID="{D2497981-03D9-4665-92EB-9542207EE5A0}" presName="rootText" presStyleLbl="node2" presStyleIdx="6" presStyleCnt="8">
         <dgm:presLayoutVars>
           <dgm:chPref val="3"/>
         </dgm:presLayoutVars>
@@ -2459,7 +2312,7 @@
       <dgm:spPr/>
     </dgm:pt>
     <dgm:pt modelId="{F1B092C9-6C05-4366-9E77-097203F742F5}" type="pres">
-      <dgm:prSet presAssocID="{D2497981-03D9-4665-92EB-9542207EE5A0}" presName="rootConnector" presStyleLbl="node2" presStyleIdx="8" presStyleCnt="10"/>
+      <dgm:prSet presAssocID="{D2497981-03D9-4665-92EB-9542207EE5A0}" presName="rootConnector" presStyleLbl="node2" presStyleIdx="6" presStyleCnt="8"/>
       <dgm:spPr/>
     </dgm:pt>
     <dgm:pt modelId="{2A6937BF-DABA-422F-AEBB-C9414D19D3D8}" type="pres">
@@ -2471,7 +2324,7 @@
       <dgm:spPr/>
     </dgm:pt>
     <dgm:pt modelId="{2935292A-D4D0-48F8-812D-C13E18495739}" type="pres">
-      <dgm:prSet presAssocID="{0ECAC1D1-5B85-45A5-91F8-C84078419220}" presName="Name37" presStyleLbl="parChTrans1D2" presStyleIdx="9" presStyleCnt="10"/>
+      <dgm:prSet presAssocID="{0ECAC1D1-5B85-45A5-91F8-C84078419220}" presName="Name37" presStyleLbl="parChTrans1D2" presStyleIdx="7" presStyleCnt="8"/>
       <dgm:spPr/>
     </dgm:pt>
     <dgm:pt modelId="{0117CEF3-B35B-4544-BAB2-CA7CF3B5ED61}" type="pres">
@@ -2487,7 +2340,7 @@
       <dgm:spPr/>
     </dgm:pt>
     <dgm:pt modelId="{7336B81B-55F5-4E76-89A4-BBBEAB58EA72}" type="pres">
-      <dgm:prSet presAssocID="{B1890DBD-9269-4E39-A5D8-D46B74618176}" presName="rootText" presStyleLbl="node2" presStyleIdx="9" presStyleCnt="10">
+      <dgm:prSet presAssocID="{B1890DBD-9269-4E39-A5D8-D46B74618176}" presName="rootText" presStyleLbl="node2" presStyleIdx="7" presStyleCnt="8">
         <dgm:presLayoutVars>
           <dgm:chPref val="3"/>
         </dgm:presLayoutVars>
@@ -2495,7 +2348,7 @@
       <dgm:spPr/>
     </dgm:pt>
     <dgm:pt modelId="{719E8FA9-5EE4-4E9F-83A1-D76E75B8FD51}" type="pres">
-      <dgm:prSet presAssocID="{B1890DBD-9269-4E39-A5D8-D46B74618176}" presName="rootConnector" presStyleLbl="node2" presStyleIdx="9" presStyleCnt="10"/>
+      <dgm:prSet presAssocID="{B1890DBD-9269-4E39-A5D8-D46B74618176}" presName="rootConnector" presStyleLbl="node2" presStyleIdx="7" presStyleCnt="8"/>
       <dgm:spPr/>
     </dgm:pt>
     <dgm:pt modelId="{DB8F3D63-C2C8-438E-B954-ABFADCF68BA1}" type="pres">
@@ -2512,49 +2365,41 @@
     </dgm:pt>
   </dgm:ptLst>
   <dgm:cxnLst>
-    <dgm:cxn modelId="{84BEFB96-6E61-4C37-8F58-76BB7120557B}" type="presOf" srcId="{D3BF04AC-5105-4D6F-8C47-DA1F48F485D3}" destId="{C8EC639E-0231-488F-93DB-DFEE2E861098}" srcOrd="1" destOrd="0" presId="urn:microsoft.com/office/officeart/2005/8/layout/orgChart1"/>
-    <dgm:cxn modelId="{B557C716-352F-4B83-988B-59D90EF4F887}" type="presOf" srcId="{1BE61CD9-BA2A-42EE-817C-FE7A771BF8CB}" destId="{6C39E929-9AA4-4FE4-95C9-4D0C2BF29058}" srcOrd="0" destOrd="0" presId="urn:microsoft.com/office/officeart/2005/8/layout/orgChart1"/>
     <dgm:cxn modelId="{23D12B47-C6DE-4B25-A071-1DEE3AD876D3}" type="presOf" srcId="{BDFA1744-A5B0-4A1F-8C25-CCF5E20A1147}" destId="{09C1E1B6-0086-4404-B701-5CD9335F3B16}" srcOrd="0" destOrd="0" presId="urn:microsoft.com/office/officeart/2005/8/layout/orgChart1"/>
     <dgm:cxn modelId="{FAAE448F-B6A3-435E-813B-AF9639248698}" srcId="{3BFC2D99-54F2-4F56-ABDC-4D2D1E5A4444}" destId="{9513878F-857A-47B3-93EC-DC613E0E9FCF}" srcOrd="3" destOrd="0" parTransId="{5678BD54-44B6-4A5A-8BCB-8972579DD724}" sibTransId="{02A9338B-0022-4C50-880B-76EE9F45B942}"/>
-    <dgm:cxn modelId="{31FDCAE1-C80B-496F-9053-7EECFB5CF6CB}" srcId="{3BFC2D99-54F2-4F56-ABDC-4D2D1E5A4444}" destId="{B1890DBD-9269-4E39-A5D8-D46B74618176}" srcOrd="9" destOrd="0" parTransId="{0ECAC1D1-5B85-45A5-91F8-C84078419220}" sibTransId="{7A44B534-D55B-4604-9962-304129CFF442}"/>
-    <dgm:cxn modelId="{02B060EA-8ECB-47B1-8D23-7077BD0D6F88}" type="presOf" srcId="{D2497981-03D9-4665-92EB-9542207EE5A0}" destId="{F1B092C9-6C05-4366-9E77-097203F742F5}" srcOrd="1" destOrd="0" presId="urn:microsoft.com/office/officeart/2005/8/layout/orgChart1"/>
-    <dgm:cxn modelId="{AA9C4E09-AC21-4377-ACBF-5977C5DD59C9}" type="presOf" srcId="{79F3C0E1-5E7C-41F8-9E1F-32CC916D1A0C}" destId="{B27274AF-4511-4F31-88E4-0C901B0BC674}" srcOrd="0" destOrd="0" presId="urn:microsoft.com/office/officeart/2005/8/layout/orgChart1"/>
-    <dgm:cxn modelId="{EAB63F86-C86E-4410-B36B-2CD8A5BD8D9F}" srcId="{3BFC2D99-54F2-4F56-ABDC-4D2D1E5A4444}" destId="{79F3C0E1-5E7C-41F8-9E1F-32CC916D1A0C}" srcOrd="6" destOrd="0" parTransId="{17922BE7-7AAA-4DCD-8D3D-A97525B36A86}" sibTransId="{6249DA26-385A-40F0-9B7E-D2B42889DE55}"/>
+    <dgm:cxn modelId="{31FDCAE1-C80B-496F-9053-7EECFB5CF6CB}" srcId="{3BFC2D99-54F2-4F56-ABDC-4D2D1E5A4444}" destId="{B1890DBD-9269-4E39-A5D8-D46B74618176}" srcOrd="7" destOrd="0" parTransId="{0ECAC1D1-5B85-45A5-91F8-C84078419220}" sibTransId="{7A44B534-D55B-4604-9962-304129CFF442}"/>
     <dgm:cxn modelId="{242DAF77-656B-469B-97F7-08463C59BA9A}" type="presOf" srcId="{3BFC2D99-54F2-4F56-ABDC-4D2D1E5A4444}" destId="{028CE1DB-957C-41E7-B9E1-6D9A42F8FB0E}" srcOrd="1" destOrd="0" presId="urn:microsoft.com/office/officeart/2005/8/layout/orgChart1"/>
     <dgm:cxn modelId="{AAB9FDE5-E752-464B-A09D-664C120C9132}" srcId="{574DF99C-4176-499A-B61F-775D3A99A96C}" destId="{3BFC2D99-54F2-4F56-ABDC-4D2D1E5A4444}" srcOrd="0" destOrd="0" parTransId="{A8AD49DD-D239-4CA8-88D0-271653106B2D}" sibTransId="{B9E47118-F99A-4F45-996D-372EC8F72170}"/>
-    <dgm:cxn modelId="{662014F2-1D8B-4574-A803-67A95655E786}" srcId="{3BFC2D99-54F2-4F56-ABDC-4D2D1E5A4444}" destId="{D3BF04AC-5105-4D6F-8C47-DA1F48F485D3}" srcOrd="4" destOrd="0" parTransId="{1BE61CD9-BA2A-42EE-817C-FE7A771BF8CB}" sibTransId="{6D8E3227-EEFC-492B-B035-FF279EA47F04}"/>
+    <dgm:cxn modelId="{14712D3B-CD33-4164-A657-5E7C66CAE92A}" type="presOf" srcId="{D2497981-03D9-4665-92EB-9542207EE5A0}" destId="{4BE55D9B-F2BE-40E0-988E-BDE8EB2B357A}" srcOrd="0" destOrd="0" presId="urn:microsoft.com/office/officeart/2005/8/layout/orgChart1"/>
     <dgm:cxn modelId="{EE611BF4-851B-4C6A-B020-3F9DC6F01811}" type="presOf" srcId="{4B29B0E8-CA69-4FEF-9CC5-F439E6D86762}" destId="{B2626B9F-2EF4-4FE5-9E4C-A8129BA31E89}" srcOrd="0" destOrd="0" presId="urn:microsoft.com/office/officeart/2005/8/layout/orgChart1"/>
-    <dgm:cxn modelId="{1D3DAE03-60F4-43AB-92EF-865748AABA88}" type="presOf" srcId="{79F3C0E1-5E7C-41F8-9E1F-32CC916D1A0C}" destId="{1E026344-3DC2-409C-8F8C-F500C45D04DB}" srcOrd="1" destOrd="0" presId="urn:microsoft.com/office/officeart/2005/8/layout/orgChart1"/>
-    <dgm:cxn modelId="{3E5EA305-03A3-4FC7-A6A9-DD5042C2815B}" type="presOf" srcId="{B1890DBD-9269-4E39-A5D8-D46B74618176}" destId="{719E8FA9-5EE4-4E9F-83A1-D76E75B8FD51}" srcOrd="1" destOrd="0" presId="urn:microsoft.com/office/officeart/2005/8/layout/orgChart1"/>
+    <dgm:cxn modelId="{6F20E24C-B22E-45C1-8BD2-10025C50F363}" type="presOf" srcId="{0ECAC1D1-5B85-45A5-91F8-C84078419220}" destId="{2935292A-D4D0-48F8-812D-C13E18495739}" srcOrd="0" destOrd="0" presId="urn:microsoft.com/office/officeart/2005/8/layout/orgChart1"/>
     <dgm:cxn modelId="{8CFE64AF-4845-40BB-8B76-DE7B76267885}" type="presOf" srcId="{5678BD54-44B6-4A5A-8BCB-8972579DD724}" destId="{40C180D0-1B00-442F-8BA1-A2996109948C}" srcOrd="0" destOrd="0" presId="urn:microsoft.com/office/officeart/2005/8/layout/orgChart1"/>
+    <dgm:cxn modelId="{00D0AF6C-BF0D-414C-94AE-2C657106249D}" type="presOf" srcId="{D2497981-03D9-4665-92EB-9542207EE5A0}" destId="{F1B092C9-6C05-4366-9E77-097203F742F5}" srcOrd="1" destOrd="0" presId="urn:microsoft.com/office/officeart/2005/8/layout/orgChart1"/>
     <dgm:cxn modelId="{E837564D-5E93-43E9-B7A9-D742269CE192}" type="presOf" srcId="{9513878F-857A-47B3-93EC-DC613E0E9FCF}" destId="{B50E2733-0437-4C6E-BD17-21329A79757A}" srcOrd="1" destOrd="0" presId="urn:microsoft.com/office/officeart/2005/8/layout/orgChart1"/>
-    <dgm:cxn modelId="{C300CFD7-5C30-4DEB-8EE2-1CBB72EEDEEB}" type="presOf" srcId="{D3BF04AC-5105-4D6F-8C47-DA1F48F485D3}" destId="{FA8263B6-75EE-4951-8749-B700423F71AE}" srcOrd="0" destOrd="0" presId="urn:microsoft.com/office/officeart/2005/8/layout/orgChart1"/>
-    <dgm:cxn modelId="{F20152F7-AD74-4FF4-A560-53102DC24FE7}" srcId="{3BFC2D99-54F2-4F56-ABDC-4D2D1E5A4444}" destId="{DE9A6DA2-48E4-45CD-BDC3-2AC37AB54603}" srcOrd="7" destOrd="0" parTransId="{4B7A7F81-85AE-4C26-9391-DBA667A0C438}" sibTransId="{ED2CFA24-9B66-4289-912A-0BEDB12C8AF1}"/>
+    <dgm:cxn modelId="{F20152F7-AD74-4FF4-A560-53102DC24FE7}" srcId="{3BFC2D99-54F2-4F56-ABDC-4D2D1E5A4444}" destId="{DE9A6DA2-48E4-45CD-BDC3-2AC37AB54603}" srcOrd="5" destOrd="0" parTransId="{4B7A7F81-85AE-4C26-9391-DBA667A0C438}" sibTransId="{ED2CFA24-9B66-4289-912A-0BEDB12C8AF1}"/>
     <dgm:cxn modelId="{2AB28060-6B46-4447-9DED-0430D902C049}" type="presOf" srcId="{1827938A-4461-4C74-83D4-B8E5FE5790F0}" destId="{ABBD46AD-BFA1-4A69-A78E-3C6498564907}" srcOrd="1" destOrd="0" presId="urn:microsoft.com/office/officeart/2005/8/layout/orgChart1"/>
     <dgm:cxn modelId="{2421CD53-9FF3-4FA7-9CEA-8E3A9714392A}" type="presOf" srcId="{3BFC2D99-54F2-4F56-ABDC-4D2D1E5A4444}" destId="{371D36C4-2300-450B-9352-555F87D138B9}" srcOrd="0" destOrd="0" presId="urn:microsoft.com/office/officeart/2005/8/layout/orgChart1"/>
     <dgm:cxn modelId="{BC430273-C0D1-4048-ADBB-5001ED6B240F}" type="presOf" srcId="{9513878F-857A-47B3-93EC-DC613E0E9FCF}" destId="{943019AC-F290-4309-8BBB-DD8C32D2005A}" srcOrd="0" destOrd="0" presId="urn:microsoft.com/office/officeart/2005/8/layout/orgChart1"/>
-    <dgm:cxn modelId="{BC20AE99-000B-49B9-8751-66715AB4607F}" type="presOf" srcId="{DE9A6DA2-48E4-45CD-BDC3-2AC37AB54603}" destId="{99D6D0B4-FDC2-45F6-BF79-D664AA31EB5C}" srcOrd="0" destOrd="0" presId="urn:microsoft.com/office/officeart/2005/8/layout/orgChart1"/>
     <dgm:cxn modelId="{D777201F-DA12-4FE8-9270-616A7B60F12D}" srcId="{3BFC2D99-54F2-4F56-ABDC-4D2D1E5A4444}" destId="{FE01D7D5-992C-48F5-94FC-98E66EC1519F}" srcOrd="1" destOrd="0" parTransId="{7CA3D873-A3F7-4257-991B-FB6E57BBECE6}" sibTransId="{0777F037-AA3A-4411-9288-81971C482D39}"/>
     <dgm:cxn modelId="{6B930E62-5735-463A-BB60-6AB3DE7FA6A0}" type="presOf" srcId="{4B29B0E8-CA69-4FEF-9CC5-F439E6D86762}" destId="{3149285B-610F-4810-A59A-580527F6F166}" srcOrd="1" destOrd="0" presId="urn:microsoft.com/office/officeart/2005/8/layout/orgChart1"/>
-    <dgm:cxn modelId="{777C82DB-416B-4194-9B62-EE83F167CBC4}" srcId="{3BFC2D99-54F2-4F56-ABDC-4D2D1E5A4444}" destId="{D2497981-03D9-4665-92EB-9542207EE5A0}" srcOrd="8" destOrd="0" parTransId="{34BD77E1-5A4B-4BC3-9D05-64D928343E3C}" sibTransId="{14498747-DA1E-4409-90D0-BF8A48A3483B}"/>
-    <dgm:cxn modelId="{D71B8277-1FA0-49A6-B21D-4A6E181699FB}" type="presOf" srcId="{D2497981-03D9-4665-92EB-9542207EE5A0}" destId="{4BE55D9B-F2BE-40E0-988E-BDE8EB2B357A}" srcOrd="0" destOrd="0" presId="urn:microsoft.com/office/officeart/2005/8/layout/orgChart1"/>
-    <dgm:cxn modelId="{018188E6-7DB3-4AF9-8226-D8124E5CB994}" type="presOf" srcId="{34BD77E1-5A4B-4BC3-9D05-64D928343E3C}" destId="{2F72FC64-6020-484E-A27C-11BC33001E45}" srcOrd="0" destOrd="0" presId="urn:microsoft.com/office/officeart/2005/8/layout/orgChart1"/>
+    <dgm:cxn modelId="{777C82DB-416B-4194-9B62-EE83F167CBC4}" srcId="{3BFC2D99-54F2-4F56-ABDC-4D2D1E5A4444}" destId="{D2497981-03D9-4665-92EB-9542207EE5A0}" srcOrd="6" destOrd="0" parTransId="{34BD77E1-5A4B-4BC3-9D05-64D928343E3C}" sibTransId="{14498747-DA1E-4409-90D0-BF8A48A3483B}"/>
     <dgm:cxn modelId="{AF3FD5F8-0A77-45F2-9FAA-F75C6E59BACA}" type="presOf" srcId="{574DF99C-4176-499A-B61F-775D3A99A96C}" destId="{DAD55322-597F-4ED1-9260-8B14AA1999AE}" srcOrd="0" destOrd="0" presId="urn:microsoft.com/office/officeart/2005/8/layout/orgChart1"/>
-    <dgm:cxn modelId="{CE9ABB2F-844F-416F-B27B-6D0AB53FC5BF}" type="presOf" srcId="{DE9A6DA2-48E4-45CD-BDC3-2AC37AB54603}" destId="{6DB1CD38-5A46-40A5-A321-A083EFD0A09A}" srcOrd="1" destOrd="0" presId="urn:microsoft.com/office/officeart/2005/8/layout/orgChart1"/>
     <dgm:cxn modelId="{41B7EDF7-CCB4-415C-9108-FC1992CB2A40}" type="presOf" srcId="{7CA3D873-A3F7-4257-991B-FB6E57BBECE6}" destId="{D314536C-ACC2-4590-BE51-4E143107E4A8}" srcOrd="0" destOrd="0" presId="urn:microsoft.com/office/officeart/2005/8/layout/orgChart1"/>
+    <dgm:cxn modelId="{D1526B44-3440-42B1-BEB7-FBFEEF2A7C0E}" type="presOf" srcId="{4B7A7F81-85AE-4C26-9391-DBA667A0C438}" destId="{F330C14F-5E51-45A3-8BBA-FD6B3CA8B4D5}" srcOrd="0" destOrd="0" presId="urn:microsoft.com/office/officeart/2005/8/layout/orgChart1"/>
     <dgm:cxn modelId="{3122EEEB-4127-4DCB-9752-0B9405C20019}" srcId="{3BFC2D99-54F2-4F56-ABDC-4D2D1E5A4444}" destId="{6272F718-0281-4B8E-96CA-9336D1DC1410}" srcOrd="0" destOrd="0" parTransId="{D30938AD-CB50-4663-9E84-6F16F0A37FB4}" sibTransId="{9627C3FB-94F7-4A67-9DFC-3FCDA0F271C4}"/>
-    <dgm:cxn modelId="{AF085269-4167-4238-9A1D-8474FC2EF855}" type="presOf" srcId="{0ECAC1D1-5B85-45A5-91F8-C84078419220}" destId="{2935292A-D4D0-48F8-812D-C13E18495739}" srcOrd="0" destOrd="0" presId="urn:microsoft.com/office/officeart/2005/8/layout/orgChart1"/>
+    <dgm:cxn modelId="{FE715640-4328-40A0-9071-DAD76E19762E}" type="presOf" srcId="{B1890DBD-9269-4E39-A5D8-D46B74618176}" destId="{7336B81B-55F5-4E76-89A4-BBBEAB58EA72}" srcOrd="0" destOrd="0" presId="urn:microsoft.com/office/officeart/2005/8/layout/orgChart1"/>
+    <dgm:cxn modelId="{BA4EDF0C-887A-4EB2-B42D-204F34A6C296}" type="presOf" srcId="{34BD77E1-5A4B-4BC3-9D05-64D928343E3C}" destId="{2F72FC64-6020-484E-A27C-11BC33001E45}" srcOrd="0" destOrd="0" presId="urn:microsoft.com/office/officeart/2005/8/layout/orgChart1"/>
     <dgm:cxn modelId="{D8273A52-B759-460B-A936-1989D97F472D}" type="presOf" srcId="{D30938AD-CB50-4663-9E84-6F16F0A37FB4}" destId="{158B7BDB-81BA-421C-8439-08A0B5F689FE}" srcOrd="0" destOrd="0" presId="urn:microsoft.com/office/officeart/2005/8/layout/orgChart1"/>
     <dgm:cxn modelId="{4ADCA160-32C6-4548-927D-07F1CA0DDE57}" type="presOf" srcId="{1827938A-4461-4C74-83D4-B8E5FE5790F0}" destId="{0A9458DE-CEF8-4FA3-98D0-60929B6EE9C8}" srcOrd="0" destOrd="0" presId="urn:microsoft.com/office/officeart/2005/8/layout/orgChart1"/>
+    <dgm:cxn modelId="{8150823D-6615-4E5E-B2DB-042C8B097E69}" type="presOf" srcId="{DE9A6DA2-48E4-45CD-BDC3-2AC37AB54603}" destId="{6DB1CD38-5A46-40A5-A321-A083EFD0A09A}" srcOrd="1" destOrd="0" presId="urn:microsoft.com/office/officeart/2005/8/layout/orgChart1"/>
     <dgm:cxn modelId="{924C0B64-E50E-4868-9CD4-3B2432C7FF88}" type="presOf" srcId="{77A798D0-4E44-4FD7-BD4B-1E07C2A650E4}" destId="{5CF26A62-4DAE-4DF6-AC2D-AA50C348D246}" srcOrd="0" destOrd="0" presId="urn:microsoft.com/office/officeart/2005/8/layout/orgChart1"/>
-    <dgm:cxn modelId="{85E440B9-DA07-4465-AE76-52DD0C3A99C1}" srcId="{3BFC2D99-54F2-4F56-ABDC-4D2D1E5A4444}" destId="{4B29B0E8-CA69-4FEF-9CC5-F439E6D86762}" srcOrd="5" destOrd="0" parTransId="{BDFA1744-A5B0-4A1F-8C25-CCF5E20A1147}" sibTransId="{34FFBDAF-B3C2-4AC7-8C57-86DB83683980}"/>
-    <dgm:cxn modelId="{46B5FC50-C514-40CF-AF9E-4DDD8F9688D9}" type="presOf" srcId="{17922BE7-7AAA-4DCD-8D3D-A97525B36A86}" destId="{B75CF91C-3943-44B8-A75B-C6E5791C1D1A}" srcOrd="0" destOrd="0" presId="urn:microsoft.com/office/officeart/2005/8/layout/orgChart1"/>
+    <dgm:cxn modelId="{CAA1C141-0296-4315-94B2-8A60F2A930B4}" type="presOf" srcId="{B1890DBD-9269-4E39-A5D8-D46B74618176}" destId="{719E8FA9-5EE4-4E9F-83A1-D76E75B8FD51}" srcOrd="1" destOrd="0" presId="urn:microsoft.com/office/officeart/2005/8/layout/orgChart1"/>
+    <dgm:cxn modelId="{FB9EC988-4CC4-4791-9393-435FC311B79F}" type="presOf" srcId="{DE9A6DA2-48E4-45CD-BDC3-2AC37AB54603}" destId="{99D6D0B4-FDC2-45F6-BF79-D664AA31EB5C}" srcOrd="0" destOrd="0" presId="urn:microsoft.com/office/officeart/2005/8/layout/orgChart1"/>
+    <dgm:cxn modelId="{85E440B9-DA07-4465-AE76-52DD0C3A99C1}" srcId="{3BFC2D99-54F2-4F56-ABDC-4D2D1E5A4444}" destId="{4B29B0E8-CA69-4FEF-9CC5-F439E6D86762}" srcOrd="4" destOrd="0" parTransId="{BDFA1744-A5B0-4A1F-8C25-CCF5E20A1147}" sibTransId="{34FFBDAF-B3C2-4AC7-8C57-86DB83683980}"/>
     <dgm:cxn modelId="{765CD9D2-4EB9-46B7-B890-61A36525C9F9}" type="presOf" srcId="{6272F718-0281-4B8E-96CA-9336D1DC1410}" destId="{92E7D021-B009-4371-BFE2-14E1AD2DC69F}" srcOrd="0" destOrd="0" presId="urn:microsoft.com/office/officeart/2005/8/layout/orgChart1"/>
-    <dgm:cxn modelId="{B9E71CDF-5D4B-47A0-81EB-3509EC2CC206}" type="presOf" srcId="{B1890DBD-9269-4E39-A5D8-D46B74618176}" destId="{7336B81B-55F5-4E76-89A4-BBBEAB58EA72}" srcOrd="0" destOrd="0" presId="urn:microsoft.com/office/officeart/2005/8/layout/orgChart1"/>
     <dgm:cxn modelId="{B6688152-F2CE-45BB-AC0E-4C2D4BC8C672}" type="presOf" srcId="{6272F718-0281-4B8E-96CA-9336D1DC1410}" destId="{7385A498-D524-4331-903E-550C4195C356}" srcOrd="1" destOrd="0" presId="urn:microsoft.com/office/officeart/2005/8/layout/orgChart1"/>
     <dgm:cxn modelId="{24F0A3BF-EA9E-4B01-9BF7-819D99DC2587}" type="presOf" srcId="{FE01D7D5-992C-48F5-94FC-98E66EC1519F}" destId="{7C4E71F4-A14B-4814-8EAE-3BFDAB039162}" srcOrd="1" destOrd="0" presId="urn:microsoft.com/office/officeart/2005/8/layout/orgChart1"/>
     <dgm:cxn modelId="{0DA503EE-CD77-416C-93D1-47348DAAAB99}" srcId="{3BFC2D99-54F2-4F56-ABDC-4D2D1E5A4444}" destId="{1827938A-4461-4C74-83D4-B8E5FE5790F0}" srcOrd="2" destOrd="0" parTransId="{77A798D0-4E44-4FD7-BD4B-1E07C2A650E4}" sibTransId="{664A33D9-6050-4D44-93A4-FF169249954C}"/>
-    <dgm:cxn modelId="{7724A1B0-47E1-44D7-B6C2-5F28D4651A6A}" type="presOf" srcId="{4B7A7F81-85AE-4C26-9391-DBA667A0C438}" destId="{F330C14F-5E51-45A3-8BBA-FD6B3CA8B4D5}" srcOrd="0" destOrd="0" presId="urn:microsoft.com/office/officeart/2005/8/layout/orgChart1"/>
     <dgm:cxn modelId="{63F6AEA9-6B01-4371-83E3-DDB5A3D19F28}" type="presOf" srcId="{FE01D7D5-992C-48F5-94FC-98E66EC1519F}" destId="{FE129309-50B7-46C3-8306-87B07F2F963E}" srcOrd="0" destOrd="0" presId="urn:microsoft.com/office/officeart/2005/8/layout/orgChart1"/>
     <dgm:cxn modelId="{5FFAB48C-E36F-4F04-9E0B-44EC61B8E6B6}" type="presParOf" srcId="{DAD55322-597F-4ED1-9260-8B14AA1999AE}" destId="{E0714F84-9967-4121-BCEC-81F104297DC6}" srcOrd="0" destOrd="0" presId="urn:microsoft.com/office/officeart/2005/8/layout/orgChart1"/>
     <dgm:cxn modelId="{4EC2CCCB-BF58-4F51-BA75-5AFA4DB25ADA}" type="presParOf" srcId="{E0714F84-9967-4121-BCEC-81F104297DC6}" destId="{30F32C6A-6D24-4DAD-9562-6DE784464E67}" srcOrd="0" destOrd="0" presId="urn:microsoft.com/office/officeart/2005/8/layout/orgChart1"/>
@@ -2589,48 +2434,34 @@
     <dgm:cxn modelId="{A1E659BF-8F6B-484E-9F97-5A1904F638F7}" type="presParOf" srcId="{20A244A1-E6EC-4AA4-B6B8-707A23F911C0}" destId="{B50E2733-0437-4C6E-BD17-21329A79757A}" srcOrd="1" destOrd="0" presId="urn:microsoft.com/office/officeart/2005/8/layout/orgChart1"/>
     <dgm:cxn modelId="{DF7E8878-C837-4856-8129-4D01CF76A9C0}" type="presParOf" srcId="{D385AE9E-5A9B-45AC-A020-0510D5A9FE54}" destId="{36543A45-72D6-4A05-B131-93F0543B5220}" srcOrd="1" destOrd="0" presId="urn:microsoft.com/office/officeart/2005/8/layout/orgChart1"/>
     <dgm:cxn modelId="{C5F22394-37F3-4CC2-8B5D-F9308D5B813E}" type="presParOf" srcId="{D385AE9E-5A9B-45AC-A020-0510D5A9FE54}" destId="{F1359BF4-B00D-41DB-9E50-A5479922CD6A}" srcOrd="2" destOrd="0" presId="urn:microsoft.com/office/officeart/2005/8/layout/orgChart1"/>
-    <dgm:cxn modelId="{E651D179-94E4-4689-8FB6-CA5AF08A8F18}" type="presParOf" srcId="{5AD44D2D-4D05-461A-9D73-D8F2EDF0E371}" destId="{6C39E929-9AA4-4FE4-95C9-4D0C2BF29058}" srcOrd="8" destOrd="0" presId="urn:microsoft.com/office/officeart/2005/8/layout/orgChart1"/>
-    <dgm:cxn modelId="{62C68BD2-E4AE-425E-AED0-EE47EBEB8766}" type="presParOf" srcId="{5AD44D2D-4D05-461A-9D73-D8F2EDF0E371}" destId="{038903A8-B68D-4AAB-AB7B-4FD1869A1AB6}" srcOrd="9" destOrd="0" presId="urn:microsoft.com/office/officeart/2005/8/layout/orgChart1"/>
-    <dgm:cxn modelId="{289149C9-A394-4FF3-9490-6C61861C83DD}" type="presParOf" srcId="{038903A8-B68D-4AAB-AB7B-4FD1869A1AB6}" destId="{6C6EA405-4DEE-4722-AFD7-1FFFEC2A1C46}" srcOrd="0" destOrd="0" presId="urn:microsoft.com/office/officeart/2005/8/layout/orgChart1"/>
-    <dgm:cxn modelId="{39AE7313-D829-4A8C-BC12-FD3B43590155}" type="presParOf" srcId="{6C6EA405-4DEE-4722-AFD7-1FFFEC2A1C46}" destId="{FA8263B6-75EE-4951-8749-B700423F71AE}" srcOrd="0" destOrd="0" presId="urn:microsoft.com/office/officeart/2005/8/layout/orgChart1"/>
-    <dgm:cxn modelId="{61D1A69E-A72D-49C3-BD88-323239A92D36}" type="presParOf" srcId="{6C6EA405-4DEE-4722-AFD7-1FFFEC2A1C46}" destId="{C8EC639E-0231-488F-93DB-DFEE2E861098}" srcOrd="1" destOrd="0" presId="urn:microsoft.com/office/officeart/2005/8/layout/orgChart1"/>
-    <dgm:cxn modelId="{1C348415-7512-4B32-AF3A-6513E2B206C6}" type="presParOf" srcId="{038903A8-B68D-4AAB-AB7B-4FD1869A1AB6}" destId="{7673FA84-608B-441C-BF33-6A8E6E7747E9}" srcOrd="1" destOrd="0" presId="urn:microsoft.com/office/officeart/2005/8/layout/orgChart1"/>
-    <dgm:cxn modelId="{5B47D495-9455-46FA-8A32-4CAF77C54A3A}" type="presParOf" srcId="{038903A8-B68D-4AAB-AB7B-4FD1869A1AB6}" destId="{3D860121-7B4E-4AC0-8013-CD49B94457DD}" srcOrd="2" destOrd="0" presId="urn:microsoft.com/office/officeart/2005/8/layout/orgChart1"/>
-    <dgm:cxn modelId="{70C5CB4F-5E91-44F0-A5CC-56F978263A5A}" type="presParOf" srcId="{5AD44D2D-4D05-461A-9D73-D8F2EDF0E371}" destId="{09C1E1B6-0086-4404-B701-5CD9335F3B16}" srcOrd="10" destOrd="0" presId="urn:microsoft.com/office/officeart/2005/8/layout/orgChart1"/>
-    <dgm:cxn modelId="{7D39C0E2-7EB8-4D8A-9004-D236E301ECF0}" type="presParOf" srcId="{5AD44D2D-4D05-461A-9D73-D8F2EDF0E371}" destId="{EE569D92-5FB6-4D5F-898F-E3B930BC9FE3}" srcOrd="11" destOrd="0" presId="urn:microsoft.com/office/officeart/2005/8/layout/orgChart1"/>
+    <dgm:cxn modelId="{70C5CB4F-5E91-44F0-A5CC-56F978263A5A}" type="presParOf" srcId="{5AD44D2D-4D05-461A-9D73-D8F2EDF0E371}" destId="{09C1E1B6-0086-4404-B701-5CD9335F3B16}" srcOrd="8" destOrd="0" presId="urn:microsoft.com/office/officeart/2005/8/layout/orgChart1"/>
+    <dgm:cxn modelId="{7D39C0E2-7EB8-4D8A-9004-D236E301ECF0}" type="presParOf" srcId="{5AD44D2D-4D05-461A-9D73-D8F2EDF0E371}" destId="{EE569D92-5FB6-4D5F-898F-E3B930BC9FE3}" srcOrd="9" destOrd="0" presId="urn:microsoft.com/office/officeart/2005/8/layout/orgChart1"/>
     <dgm:cxn modelId="{505E2887-DFEA-4BBB-B462-9096D2CADB12}" type="presParOf" srcId="{EE569D92-5FB6-4D5F-898F-E3B930BC9FE3}" destId="{0E395110-DEB9-4E21-9A99-39B52D9575A2}" srcOrd="0" destOrd="0" presId="urn:microsoft.com/office/officeart/2005/8/layout/orgChart1"/>
     <dgm:cxn modelId="{E7F62365-D88D-4E98-9092-5BA26C8AEE61}" type="presParOf" srcId="{0E395110-DEB9-4E21-9A99-39B52D9575A2}" destId="{B2626B9F-2EF4-4FE5-9E4C-A8129BA31E89}" srcOrd="0" destOrd="0" presId="urn:microsoft.com/office/officeart/2005/8/layout/orgChart1"/>
     <dgm:cxn modelId="{DC13D1E4-C239-46CD-A7F7-1E903028ADB6}" type="presParOf" srcId="{0E395110-DEB9-4E21-9A99-39B52D9575A2}" destId="{3149285B-610F-4810-A59A-580527F6F166}" srcOrd="1" destOrd="0" presId="urn:microsoft.com/office/officeart/2005/8/layout/orgChart1"/>
     <dgm:cxn modelId="{E6D81222-C4D7-4028-9D3C-1BD7FCDC978B}" type="presParOf" srcId="{EE569D92-5FB6-4D5F-898F-E3B930BC9FE3}" destId="{86603D32-0B22-4E35-A2C8-4ED0BF4D0598}" srcOrd="1" destOrd="0" presId="urn:microsoft.com/office/officeart/2005/8/layout/orgChart1"/>
     <dgm:cxn modelId="{44F0577D-2256-4A28-A78F-5DAF7F952BBC}" type="presParOf" srcId="{EE569D92-5FB6-4D5F-898F-E3B930BC9FE3}" destId="{EFD3EF8C-9833-472B-A08F-E16DE52B4BAE}" srcOrd="2" destOrd="0" presId="urn:microsoft.com/office/officeart/2005/8/layout/orgChart1"/>
-    <dgm:cxn modelId="{40AC6F25-0C6D-4405-8589-F26887EDE060}" type="presParOf" srcId="{5AD44D2D-4D05-461A-9D73-D8F2EDF0E371}" destId="{B75CF91C-3943-44B8-A75B-C6E5791C1D1A}" srcOrd="12" destOrd="0" presId="urn:microsoft.com/office/officeart/2005/8/layout/orgChart1"/>
-    <dgm:cxn modelId="{87A770AD-B943-4193-AD36-4375BC2FC99A}" type="presParOf" srcId="{5AD44D2D-4D05-461A-9D73-D8F2EDF0E371}" destId="{904D4FED-BA4C-4CC9-890E-67529C804302}" srcOrd="13" destOrd="0" presId="urn:microsoft.com/office/officeart/2005/8/layout/orgChart1"/>
-    <dgm:cxn modelId="{BDD9280F-73EA-47F5-AD4E-28F89971FC80}" type="presParOf" srcId="{904D4FED-BA4C-4CC9-890E-67529C804302}" destId="{964C408D-E492-46AD-99A1-06B2416563B6}" srcOrd="0" destOrd="0" presId="urn:microsoft.com/office/officeart/2005/8/layout/orgChart1"/>
-    <dgm:cxn modelId="{99774162-ABBE-4420-876A-8BDFCB930301}" type="presParOf" srcId="{964C408D-E492-46AD-99A1-06B2416563B6}" destId="{B27274AF-4511-4F31-88E4-0C901B0BC674}" srcOrd="0" destOrd="0" presId="urn:microsoft.com/office/officeart/2005/8/layout/orgChart1"/>
-    <dgm:cxn modelId="{C10DB970-7EDC-47D2-A19D-65675DBEB2C2}" type="presParOf" srcId="{964C408D-E492-46AD-99A1-06B2416563B6}" destId="{1E026344-3DC2-409C-8F8C-F500C45D04DB}" srcOrd="1" destOrd="0" presId="urn:microsoft.com/office/officeart/2005/8/layout/orgChart1"/>
-    <dgm:cxn modelId="{0447CC0A-DE36-476C-B659-59B499C661C2}" type="presParOf" srcId="{904D4FED-BA4C-4CC9-890E-67529C804302}" destId="{2CF0E018-F90A-4AE2-8EF4-A9ABC9E7744B}" srcOrd="1" destOrd="0" presId="urn:microsoft.com/office/officeart/2005/8/layout/orgChart1"/>
-    <dgm:cxn modelId="{DF74E378-85B1-4D87-A38C-A015F168ECCB}" type="presParOf" srcId="{904D4FED-BA4C-4CC9-890E-67529C804302}" destId="{EE098CC4-C214-4BDA-B3D1-661CBE16B8F5}" srcOrd="2" destOrd="0" presId="urn:microsoft.com/office/officeart/2005/8/layout/orgChart1"/>
-    <dgm:cxn modelId="{3F1DD41A-3CC6-4E3D-956F-FF9E59C86241}" type="presParOf" srcId="{5AD44D2D-4D05-461A-9D73-D8F2EDF0E371}" destId="{F330C14F-5E51-45A3-8BBA-FD6B3CA8B4D5}" srcOrd="14" destOrd="0" presId="urn:microsoft.com/office/officeart/2005/8/layout/orgChart1"/>
-    <dgm:cxn modelId="{4CBD9B36-221F-498E-B5D5-46F1010CD275}" type="presParOf" srcId="{5AD44D2D-4D05-461A-9D73-D8F2EDF0E371}" destId="{2FE4A458-1D21-47FB-B204-6F1428D51226}" srcOrd="15" destOrd="0" presId="urn:microsoft.com/office/officeart/2005/8/layout/orgChart1"/>
-    <dgm:cxn modelId="{02DF2730-CE16-41A5-B2F2-D0B769F47D03}" type="presParOf" srcId="{2FE4A458-1D21-47FB-B204-6F1428D51226}" destId="{47813E2B-0A82-4C13-8545-701048CEC5E4}" srcOrd="0" destOrd="0" presId="urn:microsoft.com/office/officeart/2005/8/layout/orgChart1"/>
-    <dgm:cxn modelId="{EE847DDC-D27C-4F1C-92ED-7E7B43110942}" type="presParOf" srcId="{47813E2B-0A82-4C13-8545-701048CEC5E4}" destId="{99D6D0B4-FDC2-45F6-BF79-D664AA31EB5C}" srcOrd="0" destOrd="0" presId="urn:microsoft.com/office/officeart/2005/8/layout/orgChart1"/>
-    <dgm:cxn modelId="{6A45E2AC-738C-438A-9ECC-9C33A8467CE5}" type="presParOf" srcId="{47813E2B-0A82-4C13-8545-701048CEC5E4}" destId="{6DB1CD38-5A46-40A5-A321-A083EFD0A09A}" srcOrd="1" destOrd="0" presId="urn:microsoft.com/office/officeart/2005/8/layout/orgChart1"/>
-    <dgm:cxn modelId="{32061140-6C17-4940-8B3B-4C36CAA3655D}" type="presParOf" srcId="{2FE4A458-1D21-47FB-B204-6F1428D51226}" destId="{35D1AF46-BD2E-4D47-BF3F-9EBEC13C6D21}" srcOrd="1" destOrd="0" presId="urn:microsoft.com/office/officeart/2005/8/layout/orgChart1"/>
-    <dgm:cxn modelId="{7AB52235-D7D9-4CD2-9037-F34F1BD5997B}" type="presParOf" srcId="{2FE4A458-1D21-47FB-B204-6F1428D51226}" destId="{18A08E0D-580F-4831-8763-2629C97FC19B}" srcOrd="2" destOrd="0" presId="urn:microsoft.com/office/officeart/2005/8/layout/orgChart1"/>
-    <dgm:cxn modelId="{CBC15FC5-B558-4176-8133-DC3AC0AD75C7}" type="presParOf" srcId="{5AD44D2D-4D05-461A-9D73-D8F2EDF0E371}" destId="{2F72FC64-6020-484E-A27C-11BC33001E45}" srcOrd="16" destOrd="0" presId="urn:microsoft.com/office/officeart/2005/8/layout/orgChart1"/>
-    <dgm:cxn modelId="{DB30448D-EC87-412E-A40A-E8DB8DDEF784}" type="presParOf" srcId="{5AD44D2D-4D05-461A-9D73-D8F2EDF0E371}" destId="{D00FB8F9-D88D-4CAD-B100-AFCAFD61C1F1}" srcOrd="17" destOrd="0" presId="urn:microsoft.com/office/officeart/2005/8/layout/orgChart1"/>
-    <dgm:cxn modelId="{D2A9E349-F783-4B79-92DA-76070801F6CC}" type="presParOf" srcId="{D00FB8F9-D88D-4CAD-B100-AFCAFD61C1F1}" destId="{72683538-2F8C-4AF1-8CF3-42C9682F27D4}" srcOrd="0" destOrd="0" presId="urn:microsoft.com/office/officeart/2005/8/layout/orgChart1"/>
-    <dgm:cxn modelId="{A0FB3E80-19EB-4255-BE7B-C34FD707F810}" type="presParOf" srcId="{72683538-2F8C-4AF1-8CF3-42C9682F27D4}" destId="{4BE55D9B-F2BE-40E0-988E-BDE8EB2B357A}" srcOrd="0" destOrd="0" presId="urn:microsoft.com/office/officeart/2005/8/layout/orgChart1"/>
-    <dgm:cxn modelId="{C57BE782-2E18-4790-8D82-06080F709684}" type="presParOf" srcId="{72683538-2F8C-4AF1-8CF3-42C9682F27D4}" destId="{F1B092C9-6C05-4366-9E77-097203F742F5}" srcOrd="1" destOrd="0" presId="urn:microsoft.com/office/officeart/2005/8/layout/orgChart1"/>
-    <dgm:cxn modelId="{214AE1B5-C7E3-4717-B3EF-0DE1CEBE8EA8}" type="presParOf" srcId="{D00FB8F9-D88D-4CAD-B100-AFCAFD61C1F1}" destId="{2A6937BF-DABA-422F-AEBB-C9414D19D3D8}" srcOrd="1" destOrd="0" presId="urn:microsoft.com/office/officeart/2005/8/layout/orgChart1"/>
-    <dgm:cxn modelId="{7D683C72-6CC6-4286-AFA6-80089A86C4E7}" type="presParOf" srcId="{D00FB8F9-D88D-4CAD-B100-AFCAFD61C1F1}" destId="{DB7FA8E2-50E5-49D6-BCFE-7858F69B0CBA}" srcOrd="2" destOrd="0" presId="urn:microsoft.com/office/officeart/2005/8/layout/orgChart1"/>
-    <dgm:cxn modelId="{C68E34BC-6B42-44B5-898A-957602C5D6D2}" type="presParOf" srcId="{5AD44D2D-4D05-461A-9D73-D8F2EDF0E371}" destId="{2935292A-D4D0-48F8-812D-C13E18495739}" srcOrd="18" destOrd="0" presId="urn:microsoft.com/office/officeart/2005/8/layout/orgChart1"/>
-    <dgm:cxn modelId="{EF7BADEE-73CA-4D8A-B8CF-05660B32C531}" type="presParOf" srcId="{5AD44D2D-4D05-461A-9D73-D8F2EDF0E371}" destId="{0117CEF3-B35B-4544-BAB2-CA7CF3B5ED61}" srcOrd="19" destOrd="0" presId="urn:microsoft.com/office/officeart/2005/8/layout/orgChart1"/>
-    <dgm:cxn modelId="{F6896BF1-94FD-4C1E-8E6E-D51ABA85A0E4}" type="presParOf" srcId="{0117CEF3-B35B-4544-BAB2-CA7CF3B5ED61}" destId="{A9F2AFA2-1C48-4C90-8463-E0637245F5A0}" srcOrd="0" destOrd="0" presId="urn:microsoft.com/office/officeart/2005/8/layout/orgChart1"/>
-    <dgm:cxn modelId="{5EF60052-6D44-4C2A-A3B4-23F31CE17B8B}" type="presParOf" srcId="{A9F2AFA2-1C48-4C90-8463-E0637245F5A0}" destId="{7336B81B-55F5-4E76-89A4-BBBEAB58EA72}" srcOrd="0" destOrd="0" presId="urn:microsoft.com/office/officeart/2005/8/layout/orgChart1"/>
-    <dgm:cxn modelId="{FAB627F3-5C8D-475F-8EEF-4357215F1DCE}" type="presParOf" srcId="{A9F2AFA2-1C48-4C90-8463-E0637245F5A0}" destId="{719E8FA9-5EE4-4E9F-83A1-D76E75B8FD51}" srcOrd="1" destOrd="0" presId="urn:microsoft.com/office/officeart/2005/8/layout/orgChart1"/>
-    <dgm:cxn modelId="{95224AC8-0EC3-47F6-B89D-3A0AF13EBD1B}" type="presParOf" srcId="{0117CEF3-B35B-4544-BAB2-CA7CF3B5ED61}" destId="{DB8F3D63-C2C8-438E-B954-ABFADCF68BA1}" srcOrd="1" destOrd="0" presId="urn:microsoft.com/office/officeart/2005/8/layout/orgChart1"/>
-    <dgm:cxn modelId="{B4CF900F-4C05-4D1F-947D-5FE872CB291C}" type="presParOf" srcId="{0117CEF3-B35B-4544-BAB2-CA7CF3B5ED61}" destId="{1B249E0D-569B-4A2B-86B8-20180F546CD1}" srcOrd="2" destOrd="0" presId="urn:microsoft.com/office/officeart/2005/8/layout/orgChart1"/>
+    <dgm:cxn modelId="{ABC6EC43-F97A-4CD0-9A7A-9BD23F4DB5AD}" type="presParOf" srcId="{5AD44D2D-4D05-461A-9D73-D8F2EDF0E371}" destId="{F330C14F-5E51-45A3-8BBA-FD6B3CA8B4D5}" srcOrd="10" destOrd="0" presId="urn:microsoft.com/office/officeart/2005/8/layout/orgChart1"/>
+    <dgm:cxn modelId="{AD62A689-1A60-4388-9D19-5F7EDDBD43C6}" type="presParOf" srcId="{5AD44D2D-4D05-461A-9D73-D8F2EDF0E371}" destId="{2FE4A458-1D21-47FB-B204-6F1428D51226}" srcOrd="11" destOrd="0" presId="urn:microsoft.com/office/officeart/2005/8/layout/orgChart1"/>
+    <dgm:cxn modelId="{44C45B98-C15F-4105-A010-FF698A8E14AB}" type="presParOf" srcId="{2FE4A458-1D21-47FB-B204-6F1428D51226}" destId="{47813E2B-0A82-4C13-8545-701048CEC5E4}" srcOrd="0" destOrd="0" presId="urn:microsoft.com/office/officeart/2005/8/layout/orgChart1"/>
+    <dgm:cxn modelId="{8A0D1D2E-9609-4295-B78F-3C75D21260B4}" type="presParOf" srcId="{47813E2B-0A82-4C13-8545-701048CEC5E4}" destId="{99D6D0B4-FDC2-45F6-BF79-D664AA31EB5C}" srcOrd="0" destOrd="0" presId="urn:microsoft.com/office/officeart/2005/8/layout/orgChart1"/>
+    <dgm:cxn modelId="{7C415DCB-B745-4EBB-A999-952915FBFD41}" type="presParOf" srcId="{47813E2B-0A82-4C13-8545-701048CEC5E4}" destId="{6DB1CD38-5A46-40A5-A321-A083EFD0A09A}" srcOrd="1" destOrd="0" presId="urn:microsoft.com/office/officeart/2005/8/layout/orgChart1"/>
+    <dgm:cxn modelId="{E0D295CA-428D-4AFF-AC48-2053628A6299}" type="presParOf" srcId="{2FE4A458-1D21-47FB-B204-6F1428D51226}" destId="{35D1AF46-BD2E-4D47-BF3F-9EBEC13C6D21}" srcOrd="1" destOrd="0" presId="urn:microsoft.com/office/officeart/2005/8/layout/orgChart1"/>
+    <dgm:cxn modelId="{56AFF216-A8BE-4853-9787-BC5DA837506E}" type="presParOf" srcId="{2FE4A458-1D21-47FB-B204-6F1428D51226}" destId="{18A08E0D-580F-4831-8763-2629C97FC19B}" srcOrd="2" destOrd="0" presId="urn:microsoft.com/office/officeart/2005/8/layout/orgChart1"/>
+    <dgm:cxn modelId="{4C5048E2-5C4C-4268-A85B-4F68B581C3E6}" type="presParOf" srcId="{5AD44D2D-4D05-461A-9D73-D8F2EDF0E371}" destId="{2F72FC64-6020-484E-A27C-11BC33001E45}" srcOrd="12" destOrd="0" presId="urn:microsoft.com/office/officeart/2005/8/layout/orgChart1"/>
+    <dgm:cxn modelId="{156BAF1B-EA5E-4626-AB3A-F83A07A81930}" type="presParOf" srcId="{5AD44D2D-4D05-461A-9D73-D8F2EDF0E371}" destId="{D00FB8F9-D88D-4CAD-B100-AFCAFD61C1F1}" srcOrd="13" destOrd="0" presId="urn:microsoft.com/office/officeart/2005/8/layout/orgChart1"/>
+    <dgm:cxn modelId="{A654A1FA-A6EC-44C4-B2E5-9E7ACDA96DA0}" type="presParOf" srcId="{D00FB8F9-D88D-4CAD-B100-AFCAFD61C1F1}" destId="{72683538-2F8C-4AF1-8CF3-42C9682F27D4}" srcOrd="0" destOrd="0" presId="urn:microsoft.com/office/officeart/2005/8/layout/orgChart1"/>
+    <dgm:cxn modelId="{F26D37CF-37D7-4B4C-8F4E-F274210B49CB}" type="presParOf" srcId="{72683538-2F8C-4AF1-8CF3-42C9682F27D4}" destId="{4BE55D9B-F2BE-40E0-988E-BDE8EB2B357A}" srcOrd="0" destOrd="0" presId="urn:microsoft.com/office/officeart/2005/8/layout/orgChart1"/>
+    <dgm:cxn modelId="{28D7E666-2A19-461F-A1E8-A6DE6AF6A235}" type="presParOf" srcId="{72683538-2F8C-4AF1-8CF3-42C9682F27D4}" destId="{F1B092C9-6C05-4366-9E77-097203F742F5}" srcOrd="1" destOrd="0" presId="urn:microsoft.com/office/officeart/2005/8/layout/orgChart1"/>
+    <dgm:cxn modelId="{F63245DE-0550-4187-B1BD-6D2E925CA523}" type="presParOf" srcId="{D00FB8F9-D88D-4CAD-B100-AFCAFD61C1F1}" destId="{2A6937BF-DABA-422F-AEBB-C9414D19D3D8}" srcOrd="1" destOrd="0" presId="urn:microsoft.com/office/officeart/2005/8/layout/orgChart1"/>
+    <dgm:cxn modelId="{AF8B8622-B0BB-47E3-A65B-D0A82E903B65}" type="presParOf" srcId="{D00FB8F9-D88D-4CAD-B100-AFCAFD61C1F1}" destId="{DB7FA8E2-50E5-49D6-BCFE-7858F69B0CBA}" srcOrd="2" destOrd="0" presId="urn:microsoft.com/office/officeart/2005/8/layout/orgChart1"/>
+    <dgm:cxn modelId="{CC5234D5-CB62-4410-A1F8-DDA9C5CCF6C0}" type="presParOf" srcId="{5AD44D2D-4D05-461A-9D73-D8F2EDF0E371}" destId="{2935292A-D4D0-48F8-812D-C13E18495739}" srcOrd="14" destOrd="0" presId="urn:microsoft.com/office/officeart/2005/8/layout/orgChart1"/>
+    <dgm:cxn modelId="{5F7D632A-62F9-4EB1-9733-CA76DB60811F}" type="presParOf" srcId="{5AD44D2D-4D05-461A-9D73-D8F2EDF0E371}" destId="{0117CEF3-B35B-4544-BAB2-CA7CF3B5ED61}" srcOrd="15" destOrd="0" presId="urn:microsoft.com/office/officeart/2005/8/layout/orgChart1"/>
+    <dgm:cxn modelId="{68FF95EE-F906-496A-A6CB-63059FA7DA8C}" type="presParOf" srcId="{0117CEF3-B35B-4544-BAB2-CA7CF3B5ED61}" destId="{A9F2AFA2-1C48-4C90-8463-E0637245F5A0}" srcOrd="0" destOrd="0" presId="urn:microsoft.com/office/officeart/2005/8/layout/orgChart1"/>
+    <dgm:cxn modelId="{26804569-D019-40C7-85C7-854FCD60D3AA}" type="presParOf" srcId="{A9F2AFA2-1C48-4C90-8463-E0637245F5A0}" destId="{7336B81B-55F5-4E76-89A4-BBBEAB58EA72}" srcOrd="0" destOrd="0" presId="urn:microsoft.com/office/officeart/2005/8/layout/orgChart1"/>
+    <dgm:cxn modelId="{1DF61AC9-2585-47D7-B08F-2D0427C1F39D}" type="presParOf" srcId="{A9F2AFA2-1C48-4C90-8463-E0637245F5A0}" destId="{719E8FA9-5EE4-4E9F-83A1-D76E75B8FD51}" srcOrd="1" destOrd="0" presId="urn:microsoft.com/office/officeart/2005/8/layout/orgChart1"/>
+    <dgm:cxn modelId="{59D0ACD7-7637-4FF8-BD0B-576A5C9CFFA6}" type="presParOf" srcId="{0117CEF3-B35B-4544-BAB2-CA7CF3B5ED61}" destId="{DB8F3D63-C2C8-438E-B954-ABFADCF68BA1}" srcOrd="1" destOrd="0" presId="urn:microsoft.com/office/officeart/2005/8/layout/orgChart1"/>
+    <dgm:cxn modelId="{D375F6CD-293A-45CE-B3D4-6DFA8437AE01}" type="presParOf" srcId="{0117CEF3-B35B-4544-BAB2-CA7CF3B5ED61}" destId="{1B249E0D-569B-4A2B-86B8-20180F546CD1}" srcOrd="2" destOrd="0" presId="urn:microsoft.com/office/officeart/2005/8/layout/orgChart1"/>
     <dgm:cxn modelId="{81EAB69B-25C5-4964-947C-62F44B3E1C05}" type="presParOf" srcId="{E0714F84-9967-4121-BCEC-81F104297DC6}" destId="{0B93220A-6D0F-48DC-BDED-171EE219649F}" srcOrd="2" destOrd="0" presId="urn:microsoft.com/office/officeart/2005/8/layout/orgChart1"/>
   </dgm:cxnLst>
   <dgm:bg/>
@@ -3241,8 +3072,8 @@
       </dsp:nvSpPr>
       <dsp:spPr>
         <a:xfrm>
-          <a:off x="4431792" y="988552"/>
-          <a:ext cx="4057690" cy="156494"/>
+          <a:off x="4431791" y="968529"/>
+          <a:ext cx="3963592" cy="196541"/>
         </a:xfrm>
         <a:custGeom>
           <a:avLst/>
@@ -3256,13 +3087,13 @@
                 <a:pt x="0" y="0"/>
               </a:moveTo>
               <a:lnTo>
-                <a:pt x="0" y="78247"/>
+                <a:pt x="0" y="98270"/>
               </a:lnTo>
               <a:lnTo>
-                <a:pt x="4057690" y="78247"/>
+                <a:pt x="3963592" y="98270"/>
               </a:lnTo>
               <a:lnTo>
-                <a:pt x="4057690" y="156494"/>
+                <a:pt x="3963592" y="196541"/>
               </a:lnTo>
             </a:path>
           </a:pathLst>
@@ -3302,8 +3133,8 @@
       </dsp:nvSpPr>
       <dsp:spPr>
         <a:xfrm>
-          <a:off x="4431792" y="988552"/>
-          <a:ext cx="3155981" cy="156494"/>
+          <a:off x="4431791" y="968529"/>
+          <a:ext cx="2831137" cy="196541"/>
         </a:xfrm>
         <a:custGeom>
           <a:avLst/>
@@ -3317,13 +3148,13 @@
                 <a:pt x="0" y="0"/>
               </a:moveTo>
               <a:lnTo>
-                <a:pt x="0" y="78247"/>
+                <a:pt x="0" y="98270"/>
               </a:lnTo>
               <a:lnTo>
-                <a:pt x="3155981" y="78247"/>
+                <a:pt x="2831137" y="98270"/>
               </a:lnTo>
               <a:lnTo>
-                <a:pt x="3155981" y="156494"/>
+                <a:pt x="2831137" y="196541"/>
               </a:lnTo>
             </a:path>
           </a:pathLst>
@@ -3363,8 +3194,8 @@
       </dsp:nvSpPr>
       <dsp:spPr>
         <a:xfrm>
-          <a:off x="4431792" y="988552"/>
-          <a:ext cx="2254272" cy="156494"/>
+          <a:off x="4431791" y="968529"/>
+          <a:ext cx="1698682" cy="196541"/>
         </a:xfrm>
         <a:custGeom>
           <a:avLst/>
@@ -3378,74 +3209,13 @@
                 <a:pt x="0" y="0"/>
               </a:moveTo>
               <a:lnTo>
-                <a:pt x="0" y="78247"/>
+                <a:pt x="0" y="98270"/>
               </a:lnTo>
               <a:lnTo>
-                <a:pt x="2254272" y="78247"/>
+                <a:pt x="1698682" y="98270"/>
               </a:lnTo>
               <a:lnTo>
-                <a:pt x="2254272" y="156494"/>
-              </a:lnTo>
-            </a:path>
-          </a:pathLst>
-        </a:custGeom>
-        <a:noFill/>
-        <a:ln w="25400" cap="flat" cmpd="sng" algn="ctr">
-          <a:solidFill>
-            <a:schemeClr val="accent1">
-              <a:shade val="60000"/>
-              <a:hueOff val="0"/>
-              <a:satOff val="0"/>
-              <a:lumOff val="0"/>
-              <a:alphaOff val="0"/>
-            </a:schemeClr>
-          </a:solidFill>
-          <a:prstDash val="solid"/>
-        </a:ln>
-        <a:effectLst/>
-      </dsp:spPr>
-      <dsp:style>
-        <a:lnRef idx="2">
-          <a:scrgbClr r="0" g="0" b="0"/>
-        </a:lnRef>
-        <a:fillRef idx="0">
-          <a:scrgbClr r="0" g="0" b="0"/>
-        </a:fillRef>
-        <a:effectRef idx="0">
-          <a:scrgbClr r="0" g="0" b="0"/>
-        </a:effectRef>
-        <a:fontRef idx="minor"/>
-      </dsp:style>
-    </dsp:sp>
-    <dsp:sp modelId="{B75CF91C-3943-44B8-A75B-C6E5791C1D1A}">
-      <dsp:nvSpPr>
-        <dsp:cNvPr id="0" name=""/>
-        <dsp:cNvSpPr/>
-      </dsp:nvSpPr>
-      <dsp:spPr>
-        <a:xfrm>
-          <a:off x="4431792" y="988552"/>
-          <a:ext cx="1352563" cy="156494"/>
-        </a:xfrm>
-        <a:custGeom>
-          <a:avLst/>
-          <a:gdLst/>
-          <a:ahLst/>
-          <a:cxnLst/>
-          <a:rect l="0" t="0" r="0" b="0"/>
-          <a:pathLst>
-            <a:path>
-              <a:moveTo>
-                <a:pt x="0" y="0"/>
-              </a:moveTo>
-              <a:lnTo>
-                <a:pt x="0" y="78247"/>
-              </a:lnTo>
-              <a:lnTo>
-                <a:pt x="1352563" y="78247"/>
-              </a:lnTo>
-              <a:lnTo>
-                <a:pt x="1352563" y="156494"/>
+                <a:pt x="1698682" y="196541"/>
               </a:lnTo>
             </a:path>
           </a:pathLst>
@@ -3485,8 +3255,8 @@
       </dsp:nvSpPr>
       <dsp:spPr>
         <a:xfrm>
-          <a:off x="4431792" y="988552"/>
-          <a:ext cx="450854" cy="156494"/>
+          <a:off x="4431791" y="968529"/>
+          <a:ext cx="566227" cy="196541"/>
         </a:xfrm>
         <a:custGeom>
           <a:avLst/>
@@ -3500,74 +3270,13 @@
                 <a:pt x="0" y="0"/>
               </a:moveTo>
               <a:lnTo>
-                <a:pt x="0" y="78247"/>
+                <a:pt x="0" y="98270"/>
               </a:lnTo>
               <a:lnTo>
-                <a:pt x="450854" y="78247"/>
+                <a:pt x="566227" y="98270"/>
               </a:lnTo>
               <a:lnTo>
-                <a:pt x="450854" y="156494"/>
-              </a:lnTo>
-            </a:path>
-          </a:pathLst>
-        </a:custGeom>
-        <a:noFill/>
-        <a:ln w="25400" cap="flat" cmpd="sng" algn="ctr">
-          <a:solidFill>
-            <a:schemeClr val="accent1">
-              <a:shade val="60000"/>
-              <a:hueOff val="0"/>
-              <a:satOff val="0"/>
-              <a:lumOff val="0"/>
-              <a:alphaOff val="0"/>
-            </a:schemeClr>
-          </a:solidFill>
-          <a:prstDash val="solid"/>
-        </a:ln>
-        <a:effectLst/>
-      </dsp:spPr>
-      <dsp:style>
-        <a:lnRef idx="2">
-          <a:scrgbClr r="0" g="0" b="0"/>
-        </a:lnRef>
-        <a:fillRef idx="0">
-          <a:scrgbClr r="0" g="0" b="0"/>
-        </a:fillRef>
-        <a:effectRef idx="0">
-          <a:scrgbClr r="0" g="0" b="0"/>
-        </a:effectRef>
-        <a:fontRef idx="minor"/>
-      </dsp:style>
-    </dsp:sp>
-    <dsp:sp modelId="{6C39E929-9AA4-4FE4-95C9-4D0C2BF29058}">
-      <dsp:nvSpPr>
-        <dsp:cNvPr id="0" name=""/>
-        <dsp:cNvSpPr/>
-      </dsp:nvSpPr>
-      <dsp:spPr>
-        <a:xfrm>
-          <a:off x="3980937" y="988552"/>
-          <a:ext cx="450854" cy="156494"/>
-        </a:xfrm>
-        <a:custGeom>
-          <a:avLst/>
-          <a:gdLst/>
-          <a:ahLst/>
-          <a:cxnLst/>
-          <a:rect l="0" t="0" r="0" b="0"/>
-          <a:pathLst>
-            <a:path>
-              <a:moveTo>
-                <a:pt x="450854" y="0"/>
-              </a:moveTo>
-              <a:lnTo>
-                <a:pt x="450854" y="78247"/>
-              </a:lnTo>
-              <a:lnTo>
-                <a:pt x="0" y="78247"/>
-              </a:lnTo>
-              <a:lnTo>
-                <a:pt x="0" y="156494"/>
+                <a:pt x="566227" y="196541"/>
               </a:lnTo>
             </a:path>
           </a:pathLst>
@@ -3607,8 +3316,8 @@
       </dsp:nvSpPr>
       <dsp:spPr>
         <a:xfrm>
-          <a:off x="3079228" y="988552"/>
-          <a:ext cx="1352563" cy="156494"/>
+          <a:off x="3865564" y="968529"/>
+          <a:ext cx="566227" cy="196541"/>
         </a:xfrm>
         <a:custGeom>
           <a:avLst/>
@@ -3619,16 +3328,16 @@
           <a:pathLst>
             <a:path>
               <a:moveTo>
-                <a:pt x="1352563" y="0"/>
+                <a:pt x="566227" y="0"/>
               </a:moveTo>
               <a:lnTo>
-                <a:pt x="1352563" y="78247"/>
+                <a:pt x="566227" y="98270"/>
               </a:lnTo>
               <a:lnTo>
-                <a:pt x="0" y="78247"/>
+                <a:pt x="0" y="98270"/>
               </a:lnTo>
               <a:lnTo>
-                <a:pt x="0" y="156494"/>
+                <a:pt x="0" y="196541"/>
               </a:lnTo>
             </a:path>
           </a:pathLst>
@@ -3668,8 +3377,8 @@
       </dsp:nvSpPr>
       <dsp:spPr>
         <a:xfrm>
-          <a:off x="2177519" y="988552"/>
-          <a:ext cx="2254272" cy="156494"/>
+          <a:off x="2733109" y="968529"/>
+          <a:ext cx="1698682" cy="196541"/>
         </a:xfrm>
         <a:custGeom>
           <a:avLst/>
@@ -3680,16 +3389,16 @@
           <a:pathLst>
             <a:path>
               <a:moveTo>
-                <a:pt x="2254272" y="0"/>
+                <a:pt x="1698682" y="0"/>
               </a:moveTo>
               <a:lnTo>
-                <a:pt x="2254272" y="78247"/>
+                <a:pt x="1698682" y="98270"/>
               </a:lnTo>
               <a:lnTo>
-                <a:pt x="0" y="78247"/>
+                <a:pt x="0" y="98270"/>
               </a:lnTo>
               <a:lnTo>
-                <a:pt x="0" y="156494"/>
+                <a:pt x="0" y="196541"/>
               </a:lnTo>
             </a:path>
           </a:pathLst>
@@ -3729,8 +3438,8 @@
       </dsp:nvSpPr>
       <dsp:spPr>
         <a:xfrm>
-          <a:off x="1275810" y="988552"/>
-          <a:ext cx="3155981" cy="156494"/>
+          <a:off x="1600654" y="968529"/>
+          <a:ext cx="2831137" cy="196541"/>
         </a:xfrm>
         <a:custGeom>
           <a:avLst/>
@@ -3741,16 +3450,16 @@
           <a:pathLst>
             <a:path>
               <a:moveTo>
-                <a:pt x="3155981" y="0"/>
+                <a:pt x="2831137" y="0"/>
               </a:moveTo>
               <a:lnTo>
-                <a:pt x="3155981" y="78247"/>
+                <a:pt x="2831137" y="98270"/>
               </a:lnTo>
               <a:lnTo>
-                <a:pt x="0" y="78247"/>
+                <a:pt x="0" y="98270"/>
               </a:lnTo>
               <a:lnTo>
-                <a:pt x="0" y="156494"/>
+                <a:pt x="0" y="196541"/>
               </a:lnTo>
             </a:path>
           </a:pathLst>
@@ -3790,8 +3499,8 @@
       </dsp:nvSpPr>
       <dsp:spPr>
         <a:xfrm>
-          <a:off x="374101" y="988552"/>
-          <a:ext cx="4057690" cy="156494"/>
+          <a:off x="468199" y="968529"/>
+          <a:ext cx="3963592" cy="196541"/>
         </a:xfrm>
         <a:custGeom>
           <a:avLst/>
@@ -3802,16 +3511,16 @@
           <a:pathLst>
             <a:path>
               <a:moveTo>
-                <a:pt x="4057690" y="0"/>
+                <a:pt x="3963592" y="0"/>
               </a:moveTo>
               <a:lnTo>
-                <a:pt x="4057690" y="78247"/>
+                <a:pt x="3963592" y="98270"/>
               </a:lnTo>
               <a:lnTo>
-                <a:pt x="0" y="78247"/>
+                <a:pt x="0" y="98270"/>
               </a:lnTo>
               <a:lnTo>
-                <a:pt x="0" y="156494"/>
+                <a:pt x="0" y="196541"/>
               </a:lnTo>
             </a:path>
           </a:pathLst>
@@ -3851,8 +3560,8 @@
       </dsp:nvSpPr>
       <dsp:spPr>
         <a:xfrm>
-          <a:off x="4059184" y="615945"/>
-          <a:ext cx="745214" cy="372607"/>
+          <a:off x="3963835" y="500572"/>
+          <a:ext cx="935913" cy="467956"/>
         </a:xfrm>
         <a:prstGeom prst="rect">
           <a:avLst/>
@@ -3888,12 +3597,12 @@
         </a:fontRef>
       </dsp:style>
       <dsp:txBody>
-        <a:bodyPr spcFirstLastPara="0" vert="horz" wrap="square" lIns="8255" tIns="8255" rIns="8255" bIns="8255" numCol="1" spcCol="1270" anchor="ctr" anchorCtr="0">
+        <a:bodyPr spcFirstLastPara="0" vert="horz" wrap="square" lIns="10160" tIns="10160" rIns="10160" bIns="10160" numCol="1" spcCol="1270" anchor="ctr" anchorCtr="0">
           <a:noAutofit/>
         </a:bodyPr>
         <a:lstStyle/>
         <a:p>
-          <a:pPr lvl="0" algn="ctr" defTabSz="577850">
+          <a:pPr lvl="0" algn="ctr" defTabSz="711200">
             <a:lnSpc>
               <a:spcPct val="90000"/>
             </a:lnSpc>
@@ -3905,19 +3614,19 @@
             </a:spcAft>
           </a:pPr>
           <a:r>
-            <a:rPr lang="en-US" sz="1300" kern="1200" dirty="0" smtClean="0"/>
+            <a:rPr lang="en-US" sz="1600" b="1" kern="1200" dirty="0" smtClean="0"/>
             <a:t>Project </a:t>
           </a:r>
           <a:r>
-            <a:rPr lang="en-US" sz="1300" kern="1200" dirty="0" err="1" smtClean="0"/>
+            <a:rPr lang="en-US" sz="1600" b="1" kern="1200" dirty="0" err="1" smtClean="0"/>
             <a:t>Dir</a:t>
           </a:r>
-          <a:endParaRPr lang="en-US" sz="1300" kern="1200" dirty="0"/>
+          <a:endParaRPr lang="en-US" sz="1600" b="1" kern="1200" dirty="0"/>
         </a:p>
       </dsp:txBody>
       <dsp:txXfrm>
-        <a:off x="4059184" y="615945"/>
-        <a:ext cx="745214" cy="372607"/>
+        <a:off x="3963835" y="500572"/>
+        <a:ext cx="935913" cy="467956"/>
       </dsp:txXfrm>
     </dsp:sp>
     <dsp:sp modelId="{92E7D021-B009-4371-BFE2-14E1AD2DC69F}">
@@ -3927,8 +3636,8 @@
       </dsp:nvSpPr>
       <dsp:spPr>
         <a:xfrm>
-          <a:off x="1494" y="1145047"/>
-          <a:ext cx="745214" cy="372607"/>
+          <a:off x="243" y="1165070"/>
+          <a:ext cx="935913" cy="467956"/>
         </a:xfrm>
         <a:prstGeom prst="rect">
           <a:avLst/>
@@ -3969,12 +3678,12 @@
         </a:fontRef>
       </dsp:style>
       <dsp:txBody>
-        <a:bodyPr spcFirstLastPara="0" vert="horz" wrap="square" lIns="8255" tIns="8255" rIns="8255" bIns="8255" numCol="1" spcCol="1270" anchor="ctr" anchorCtr="0">
+        <a:bodyPr spcFirstLastPara="0" vert="horz" wrap="square" lIns="10160" tIns="10160" rIns="10160" bIns="10160" numCol="1" spcCol="1270" anchor="ctr" anchorCtr="0">
           <a:noAutofit/>
         </a:bodyPr>
         <a:lstStyle/>
         <a:p>
-          <a:pPr lvl="0" algn="ctr" defTabSz="577850">
+          <a:pPr lvl="0" algn="ctr" defTabSz="711200">
             <a:lnSpc>
               <a:spcPct val="90000"/>
             </a:lnSpc>
@@ -3986,15 +3695,15 @@
             </a:spcAft>
           </a:pPr>
           <a:r>
-            <a:rPr lang="en-US" sz="1300" kern="1200" dirty="0" smtClean="0"/>
+            <a:rPr lang="en-US" sz="1600" b="1" kern="1200" dirty="0" smtClean="0"/>
             <a:t>Work</a:t>
           </a:r>
-          <a:endParaRPr lang="en-US" sz="1300" kern="1200" dirty="0"/>
+          <a:endParaRPr lang="en-US" sz="1600" b="1" kern="1200" dirty="0"/>
         </a:p>
       </dsp:txBody>
       <dsp:txXfrm>
-        <a:off x="1494" y="1145047"/>
-        <a:ext cx="745214" cy="372607"/>
+        <a:off x="243" y="1165070"/>
+        <a:ext cx="935913" cy="467956"/>
       </dsp:txXfrm>
     </dsp:sp>
     <dsp:sp modelId="{FE129309-50B7-46C3-8306-87B07F2F963E}">
@@ -4004,8 +3713,8 @@
       </dsp:nvSpPr>
       <dsp:spPr>
         <a:xfrm>
-          <a:off x="903203" y="1145047"/>
-          <a:ext cx="745214" cy="372607"/>
+          <a:off x="1132698" y="1165070"/>
+          <a:ext cx="935913" cy="467956"/>
         </a:xfrm>
         <a:prstGeom prst="rect">
           <a:avLst/>
@@ -4041,12 +3750,12 @@
         </a:fontRef>
       </dsp:style>
       <dsp:txBody>
-        <a:bodyPr spcFirstLastPara="0" vert="horz" wrap="square" lIns="8255" tIns="8255" rIns="8255" bIns="8255" numCol="1" spcCol="1270" anchor="ctr" anchorCtr="0">
+        <a:bodyPr spcFirstLastPara="0" vert="horz" wrap="square" lIns="10160" tIns="10160" rIns="10160" bIns="10160" numCol="1" spcCol="1270" anchor="ctr" anchorCtr="0">
           <a:noAutofit/>
         </a:bodyPr>
         <a:lstStyle/>
         <a:p>
-          <a:pPr lvl="0" algn="ctr" defTabSz="577850">
+          <a:pPr lvl="0" algn="ctr" defTabSz="711200">
             <a:lnSpc>
               <a:spcPct val="90000"/>
             </a:lnSpc>
@@ -4058,15 +3767,15 @@
             </a:spcAft>
           </a:pPr>
           <a:r>
-            <a:rPr lang="en-US" sz="1300" kern="1200" dirty="0" smtClean="0"/>
+            <a:rPr lang="en-US" sz="1600" b="1" kern="1200" dirty="0" smtClean="0"/>
             <a:t>Scripts</a:t>
           </a:r>
-          <a:endParaRPr lang="en-US" sz="1300" kern="1200" dirty="0"/>
+          <a:endParaRPr lang="en-US" sz="1600" b="1" kern="1200" dirty="0"/>
         </a:p>
       </dsp:txBody>
       <dsp:txXfrm>
-        <a:off x="903203" y="1145047"/>
-        <a:ext cx="745214" cy="372607"/>
+        <a:off x="1132698" y="1165070"/>
+        <a:ext cx="935913" cy="467956"/>
       </dsp:txXfrm>
     </dsp:sp>
     <dsp:sp modelId="{0A9458DE-CEF8-4FA3-98D0-60929B6EE9C8}">
@@ -4076,8 +3785,8 @@
       </dsp:nvSpPr>
       <dsp:spPr>
         <a:xfrm>
-          <a:off x="1804912" y="1145047"/>
-          <a:ext cx="745214" cy="372607"/>
+          <a:off x="2265153" y="1165070"/>
+          <a:ext cx="935913" cy="467956"/>
         </a:xfrm>
         <a:prstGeom prst="rect">
           <a:avLst/>
@@ -4113,12 +3822,12 @@
         </a:fontRef>
       </dsp:style>
       <dsp:txBody>
-        <a:bodyPr spcFirstLastPara="0" vert="horz" wrap="square" lIns="8255" tIns="8255" rIns="8255" bIns="8255" numCol="1" spcCol="1270" anchor="ctr" anchorCtr="0">
+        <a:bodyPr spcFirstLastPara="0" vert="horz" wrap="square" lIns="10160" tIns="10160" rIns="10160" bIns="10160" numCol="1" spcCol="1270" anchor="ctr" anchorCtr="0">
           <a:noAutofit/>
         </a:bodyPr>
         <a:lstStyle/>
         <a:p>
-          <a:pPr lvl="0" algn="ctr" defTabSz="577850">
+          <a:pPr lvl="0" algn="ctr" defTabSz="711200">
             <a:lnSpc>
               <a:spcPct val="90000"/>
             </a:lnSpc>
@@ -4130,15 +3839,15 @@
             </a:spcAft>
           </a:pPr>
           <a:r>
-            <a:rPr lang="en-US" sz="1300" kern="1200" dirty="0" smtClean="0"/>
-            <a:t>HDL</a:t>
+            <a:rPr lang="en-US" sz="1600" b="1" kern="1200" dirty="0" smtClean="0"/>
+            <a:t>HDL/TB</a:t>
           </a:r>
-          <a:endParaRPr lang="en-US" sz="1300" kern="1200" dirty="0"/>
+          <a:endParaRPr lang="en-US" sz="1600" b="1" kern="1200" dirty="0"/>
         </a:p>
       </dsp:txBody>
       <dsp:txXfrm>
-        <a:off x="1804912" y="1145047"/>
-        <a:ext cx="745214" cy="372607"/>
+        <a:off x="2265153" y="1165070"/>
+        <a:ext cx="935913" cy="467956"/>
       </dsp:txXfrm>
     </dsp:sp>
     <dsp:sp modelId="{943019AC-F290-4309-8BBB-DD8C32D2005A}">
@@ -4148,8 +3857,8 @@
       </dsp:nvSpPr>
       <dsp:spPr>
         <a:xfrm>
-          <a:off x="2706621" y="1145047"/>
-          <a:ext cx="745214" cy="372607"/>
+          <a:off x="3397608" y="1165070"/>
+          <a:ext cx="935913" cy="467956"/>
         </a:xfrm>
         <a:prstGeom prst="rect">
           <a:avLst/>
@@ -4185,12 +3894,12 @@
         </a:fontRef>
       </dsp:style>
       <dsp:txBody>
-        <a:bodyPr spcFirstLastPara="0" vert="horz" wrap="square" lIns="8255" tIns="8255" rIns="8255" bIns="8255" numCol="1" spcCol="1270" anchor="ctr" anchorCtr="0">
+        <a:bodyPr spcFirstLastPara="0" vert="horz" wrap="square" lIns="10160" tIns="10160" rIns="10160" bIns="10160" numCol="1" spcCol="1270" anchor="ctr" anchorCtr="0">
           <a:noAutofit/>
         </a:bodyPr>
         <a:lstStyle/>
         <a:p>
-          <a:pPr lvl="0" algn="ctr" defTabSz="577850">
+          <a:pPr lvl="0" algn="ctr" defTabSz="711200">
             <a:lnSpc>
               <a:spcPct val="90000"/>
             </a:lnSpc>
@@ -4202,26 +3911,26 @@
             </a:spcAft>
           </a:pPr>
           <a:r>
-            <a:rPr lang="en-US" sz="1300" kern="1200" dirty="0" smtClean="0"/>
-            <a:t>TB</a:t>
+            <a:rPr lang="en-US" sz="1600" b="1" kern="1200" dirty="0" smtClean="0"/>
+            <a:t>XDC</a:t>
           </a:r>
-          <a:endParaRPr lang="en-US" sz="1300" kern="1200" dirty="0"/>
+          <a:endParaRPr lang="en-US" sz="1600" b="1" kern="1200" dirty="0"/>
         </a:p>
       </dsp:txBody>
       <dsp:txXfrm>
-        <a:off x="2706621" y="1145047"/>
-        <a:ext cx="745214" cy="372607"/>
+        <a:off x="3397608" y="1165070"/>
+        <a:ext cx="935913" cy="467956"/>
       </dsp:txXfrm>
     </dsp:sp>
-    <dsp:sp modelId="{FA8263B6-75EE-4951-8749-B700423F71AE}">
+    <dsp:sp modelId="{B2626B9F-2EF4-4FE5-9E4C-A8129BA31E89}">
       <dsp:nvSpPr>
         <dsp:cNvPr id="0" name=""/>
         <dsp:cNvSpPr/>
       </dsp:nvSpPr>
       <dsp:spPr>
         <a:xfrm>
-          <a:off x="3608330" y="1145047"/>
-          <a:ext cx="745214" cy="372607"/>
+          <a:off x="4530062" y="1165070"/>
+          <a:ext cx="935913" cy="467956"/>
         </a:xfrm>
         <a:prstGeom prst="rect">
           <a:avLst/>
@@ -4257,12 +3966,12 @@
         </a:fontRef>
       </dsp:style>
       <dsp:txBody>
-        <a:bodyPr spcFirstLastPara="0" vert="horz" wrap="square" lIns="8255" tIns="8255" rIns="8255" bIns="8255" numCol="1" spcCol="1270" anchor="ctr" anchorCtr="0">
+        <a:bodyPr spcFirstLastPara="0" vert="horz" wrap="square" lIns="10160" tIns="10160" rIns="10160" bIns="10160" numCol="1" spcCol="1270" anchor="ctr" anchorCtr="0">
           <a:noAutofit/>
         </a:bodyPr>
         <a:lstStyle/>
         <a:p>
-          <a:pPr lvl="0" algn="ctr" defTabSz="577850">
+          <a:pPr lvl="0" algn="ctr" defTabSz="711200">
             <a:lnSpc>
               <a:spcPct val="90000"/>
             </a:lnSpc>
@@ -4274,26 +3983,26 @@
             </a:spcAft>
           </a:pPr>
           <a:r>
-            <a:rPr lang="en-US" sz="1300" kern="1200" dirty="0" smtClean="0"/>
-            <a:t>XDC</a:t>
+            <a:rPr lang="en-US" sz="1600" b="1" kern="1200" dirty="0" smtClean="0"/>
+            <a:t>IP/CIP</a:t>
           </a:r>
-          <a:endParaRPr lang="en-US" sz="1300" kern="1200" dirty="0"/>
+          <a:endParaRPr lang="en-US" sz="1600" b="1" kern="1200" dirty="0"/>
         </a:p>
       </dsp:txBody>
       <dsp:txXfrm>
-        <a:off x="3608330" y="1145047"/>
-        <a:ext cx="745214" cy="372607"/>
+        <a:off x="4530062" y="1165070"/>
+        <a:ext cx="935913" cy="467956"/>
       </dsp:txXfrm>
     </dsp:sp>
-    <dsp:sp modelId="{B2626B9F-2EF4-4FE5-9E4C-A8129BA31E89}">
+    <dsp:sp modelId="{99D6D0B4-FDC2-45F6-BF79-D664AA31EB5C}">
       <dsp:nvSpPr>
         <dsp:cNvPr id="0" name=""/>
         <dsp:cNvSpPr/>
       </dsp:nvSpPr>
       <dsp:spPr>
         <a:xfrm>
-          <a:off x="4510039" y="1145047"/>
-          <a:ext cx="745214" cy="372607"/>
+          <a:off x="5662517" y="1165070"/>
+          <a:ext cx="935913" cy="467956"/>
         </a:xfrm>
         <a:prstGeom prst="rect">
           <a:avLst/>
@@ -4329,12 +4038,12 @@
         </a:fontRef>
       </dsp:style>
       <dsp:txBody>
-        <a:bodyPr spcFirstLastPara="0" vert="horz" wrap="square" lIns="8255" tIns="8255" rIns="8255" bIns="8255" numCol="1" spcCol="1270" anchor="ctr" anchorCtr="0">
+        <a:bodyPr spcFirstLastPara="0" vert="horz" wrap="square" lIns="10160" tIns="10160" rIns="10160" bIns="10160" numCol="1" spcCol="1270" anchor="ctr" anchorCtr="0">
           <a:noAutofit/>
         </a:bodyPr>
         <a:lstStyle/>
         <a:p>
-          <a:pPr lvl="0" algn="ctr" defTabSz="577850">
+          <a:pPr lvl="0" algn="ctr" defTabSz="711200">
             <a:lnSpc>
               <a:spcPct val="90000"/>
             </a:lnSpc>
@@ -4346,26 +4055,26 @@
             </a:spcAft>
           </a:pPr>
           <a:r>
-            <a:rPr lang="en-US" sz="1300" kern="1200" dirty="0" smtClean="0"/>
-            <a:t>IP</a:t>
+            <a:rPr lang="en-US" sz="1600" b="1" kern="1200" dirty="0" smtClean="0"/>
+            <a:t>HLS</a:t>
           </a:r>
-          <a:endParaRPr lang="en-US" sz="1300" kern="1200" dirty="0"/>
+          <a:endParaRPr lang="en-US" sz="1600" b="1" kern="1200" dirty="0"/>
         </a:p>
       </dsp:txBody>
       <dsp:txXfrm>
-        <a:off x="4510039" y="1145047"/>
-        <a:ext cx="745214" cy="372607"/>
+        <a:off x="5662517" y="1165070"/>
+        <a:ext cx="935913" cy="467956"/>
       </dsp:txXfrm>
     </dsp:sp>
-    <dsp:sp modelId="{B27274AF-4511-4F31-88E4-0C901B0BC674}">
+    <dsp:sp modelId="{4BE55D9B-F2BE-40E0-988E-BDE8EB2B357A}">
       <dsp:nvSpPr>
         <dsp:cNvPr id="0" name=""/>
         <dsp:cNvSpPr/>
       </dsp:nvSpPr>
       <dsp:spPr>
         <a:xfrm>
-          <a:off x="5411748" y="1145047"/>
-          <a:ext cx="745214" cy="372607"/>
+          <a:off x="6794972" y="1165070"/>
+          <a:ext cx="935913" cy="467956"/>
         </a:xfrm>
         <a:prstGeom prst="rect">
           <a:avLst/>
@@ -4401,12 +4110,12 @@
         </a:fontRef>
       </dsp:style>
       <dsp:txBody>
-        <a:bodyPr spcFirstLastPara="0" vert="horz" wrap="square" lIns="8255" tIns="8255" rIns="8255" bIns="8255" numCol="1" spcCol="1270" anchor="ctr" anchorCtr="0">
+        <a:bodyPr spcFirstLastPara="0" vert="horz" wrap="square" lIns="10160" tIns="10160" rIns="10160" bIns="10160" numCol="1" spcCol="1270" anchor="ctr" anchorCtr="0">
           <a:noAutofit/>
         </a:bodyPr>
         <a:lstStyle/>
         <a:p>
-          <a:pPr lvl="0" algn="ctr" defTabSz="577850">
+          <a:pPr lvl="0" algn="ctr" defTabSz="711200">
             <a:lnSpc>
               <a:spcPct val="90000"/>
             </a:lnSpc>
@@ -4418,26 +4127,26 @@
             </a:spcAft>
           </a:pPr>
           <a:r>
-            <a:rPr lang="en-US" sz="1300" kern="1200" dirty="0" smtClean="0"/>
-            <a:t>CIP</a:t>
+            <a:rPr lang="en-US" sz="1600" b="1" kern="1200" dirty="0" smtClean="0"/>
+            <a:t>BD</a:t>
           </a:r>
-          <a:endParaRPr lang="en-US" sz="1300" kern="1200" dirty="0"/>
+          <a:endParaRPr lang="en-US" sz="1600" b="1" kern="1200" dirty="0"/>
         </a:p>
       </dsp:txBody>
       <dsp:txXfrm>
-        <a:off x="5411748" y="1145047"/>
-        <a:ext cx="745214" cy="372607"/>
+        <a:off x="6794972" y="1165070"/>
+        <a:ext cx="935913" cy="467956"/>
       </dsp:txXfrm>
     </dsp:sp>
-    <dsp:sp modelId="{99D6D0B4-FDC2-45F6-BF79-D664AA31EB5C}">
+    <dsp:sp modelId="{7336B81B-55F5-4E76-89A4-BBBEAB58EA72}">
       <dsp:nvSpPr>
         <dsp:cNvPr id="0" name=""/>
         <dsp:cNvSpPr/>
       </dsp:nvSpPr>
       <dsp:spPr>
         <a:xfrm>
-          <a:off x="6313457" y="1145047"/>
-          <a:ext cx="745214" cy="372607"/>
+          <a:off x="7927427" y="1165070"/>
+          <a:ext cx="935913" cy="467956"/>
         </a:xfrm>
         <a:prstGeom prst="rect">
           <a:avLst/>
@@ -4473,12 +4182,12 @@
         </a:fontRef>
       </dsp:style>
       <dsp:txBody>
-        <a:bodyPr spcFirstLastPara="0" vert="horz" wrap="square" lIns="8255" tIns="8255" rIns="8255" bIns="8255" numCol="1" spcCol="1270" anchor="ctr" anchorCtr="0">
+        <a:bodyPr spcFirstLastPara="0" vert="horz" wrap="square" lIns="10160" tIns="10160" rIns="10160" bIns="10160" numCol="1" spcCol="1270" anchor="ctr" anchorCtr="0">
           <a:noAutofit/>
         </a:bodyPr>
         <a:lstStyle/>
         <a:p>
-          <a:pPr lvl="0" algn="ctr" defTabSz="577850">
+          <a:pPr lvl="0" algn="ctr" defTabSz="711200">
             <a:lnSpc>
               <a:spcPct val="90000"/>
             </a:lnSpc>
@@ -4490,159 +4199,15 @@
             </a:spcAft>
           </a:pPr>
           <a:r>
-            <a:rPr lang="en-US" sz="1300" kern="1200" dirty="0" smtClean="0"/>
-            <a:t>HLS</a:t>
+            <a:rPr lang="en-US" sz="1600" b="1" kern="1200" dirty="0" smtClean="0"/>
+            <a:t>DSP</a:t>
           </a:r>
-          <a:endParaRPr lang="en-US" sz="1300" kern="1200" dirty="0"/>
+          <a:endParaRPr lang="en-US" sz="1600" b="1" kern="1200" dirty="0"/>
         </a:p>
       </dsp:txBody>
       <dsp:txXfrm>
-        <a:off x="6313457" y="1145047"/>
-        <a:ext cx="745214" cy="372607"/>
-      </dsp:txXfrm>
-    </dsp:sp>
-    <dsp:sp modelId="{4BE55D9B-F2BE-40E0-988E-BDE8EB2B357A}">
-      <dsp:nvSpPr>
-        <dsp:cNvPr id="0" name=""/>
-        <dsp:cNvSpPr/>
-      </dsp:nvSpPr>
-      <dsp:spPr>
-        <a:xfrm>
-          <a:off x="7215166" y="1145047"/>
-          <a:ext cx="745214" cy="372607"/>
-        </a:xfrm>
-        <a:prstGeom prst="rect">
-          <a:avLst/>
-        </a:prstGeom>
-        <a:solidFill>
-          <a:schemeClr val="accent2"/>
-        </a:solidFill>
-        <a:ln w="25400" cap="flat" cmpd="sng" algn="ctr">
-          <a:solidFill>
-            <a:schemeClr val="lt1">
-              <a:hueOff val="0"/>
-              <a:satOff val="0"/>
-              <a:lumOff val="0"/>
-              <a:alphaOff val="0"/>
-            </a:schemeClr>
-          </a:solidFill>
-          <a:prstDash val="solid"/>
-        </a:ln>
-        <a:effectLst/>
-      </dsp:spPr>
-      <dsp:style>
-        <a:lnRef idx="2">
-          <a:scrgbClr r="0" g="0" b="0"/>
-        </a:lnRef>
-        <a:fillRef idx="1">
-          <a:scrgbClr r="0" g="0" b="0"/>
-        </a:fillRef>
-        <a:effectRef idx="0">
-          <a:scrgbClr r="0" g="0" b="0"/>
-        </a:effectRef>
-        <a:fontRef idx="minor">
-          <a:schemeClr val="lt1"/>
-        </a:fontRef>
-      </dsp:style>
-      <dsp:txBody>
-        <a:bodyPr spcFirstLastPara="0" vert="horz" wrap="square" lIns="8255" tIns="8255" rIns="8255" bIns="8255" numCol="1" spcCol="1270" anchor="ctr" anchorCtr="0">
-          <a:noAutofit/>
-        </a:bodyPr>
-        <a:lstStyle/>
-        <a:p>
-          <a:pPr lvl="0" algn="ctr" defTabSz="577850">
-            <a:lnSpc>
-              <a:spcPct val="90000"/>
-            </a:lnSpc>
-            <a:spcBef>
-              <a:spcPct val="0"/>
-            </a:spcBef>
-            <a:spcAft>
-              <a:spcPct val="35000"/>
-            </a:spcAft>
-          </a:pPr>
-          <a:r>
-            <a:rPr lang="en-US" sz="1300" kern="1200" dirty="0" smtClean="0"/>
-            <a:t>BD</a:t>
-          </a:r>
-          <a:endParaRPr lang="en-US" sz="1300" kern="1200" dirty="0"/>
-        </a:p>
-      </dsp:txBody>
-      <dsp:txXfrm>
-        <a:off x="7215166" y="1145047"/>
-        <a:ext cx="745214" cy="372607"/>
-      </dsp:txXfrm>
-    </dsp:sp>
-    <dsp:sp modelId="{7336B81B-55F5-4E76-89A4-BBBEAB58EA72}">
-      <dsp:nvSpPr>
-        <dsp:cNvPr id="0" name=""/>
-        <dsp:cNvSpPr/>
-      </dsp:nvSpPr>
-      <dsp:spPr>
-        <a:xfrm>
-          <a:off x="8116875" y="1145047"/>
-          <a:ext cx="745214" cy="372607"/>
-        </a:xfrm>
-        <a:prstGeom prst="rect">
-          <a:avLst/>
-        </a:prstGeom>
-        <a:solidFill>
-          <a:schemeClr val="accent2"/>
-        </a:solidFill>
-        <a:ln w="25400" cap="flat" cmpd="sng" algn="ctr">
-          <a:solidFill>
-            <a:schemeClr val="lt1">
-              <a:hueOff val="0"/>
-              <a:satOff val="0"/>
-              <a:lumOff val="0"/>
-              <a:alphaOff val="0"/>
-            </a:schemeClr>
-          </a:solidFill>
-          <a:prstDash val="solid"/>
-        </a:ln>
-        <a:effectLst/>
-      </dsp:spPr>
-      <dsp:style>
-        <a:lnRef idx="2">
-          <a:scrgbClr r="0" g="0" b="0"/>
-        </a:lnRef>
-        <a:fillRef idx="1">
-          <a:scrgbClr r="0" g="0" b="0"/>
-        </a:fillRef>
-        <a:effectRef idx="0">
-          <a:scrgbClr r="0" g="0" b="0"/>
-        </a:effectRef>
-        <a:fontRef idx="minor">
-          <a:schemeClr val="lt1"/>
-        </a:fontRef>
-      </dsp:style>
-      <dsp:txBody>
-        <a:bodyPr spcFirstLastPara="0" vert="horz" wrap="square" lIns="8255" tIns="8255" rIns="8255" bIns="8255" numCol="1" spcCol="1270" anchor="ctr" anchorCtr="0">
-          <a:noAutofit/>
-        </a:bodyPr>
-        <a:lstStyle/>
-        <a:p>
-          <a:pPr lvl="0" algn="ctr" defTabSz="577850">
-            <a:lnSpc>
-              <a:spcPct val="90000"/>
-            </a:lnSpc>
-            <a:spcBef>
-              <a:spcPct val="0"/>
-            </a:spcBef>
-            <a:spcAft>
-              <a:spcPct val="35000"/>
-            </a:spcAft>
-          </a:pPr>
-          <a:r>
-            <a:rPr lang="en-US" sz="1300" kern="1200" dirty="0" smtClean="0"/>
-            <a:t>DSP</a:t>
-          </a:r>
-          <a:endParaRPr lang="en-US" sz="1300" kern="1200" dirty="0"/>
-        </a:p>
-      </dsp:txBody>
-      <dsp:txXfrm>
-        <a:off x="8116875" y="1145047"/>
-        <a:ext cx="745214" cy="372607"/>
+        <a:off x="7927427" y="1165070"/>
+        <a:ext cx="935913" cy="467956"/>
       </dsp:txXfrm>
     </dsp:sp>
   </dsp:spTree>
@@ -12223,7 +11788,23 @@
                 <a:ea typeface="+mj-ea"/>
                 <a:cs typeface="Calibri" pitchFamily="34" charset="0"/>
               </a:rPr>
-              <a:t>Version Control Recommendations</a:t>
+              <a:t>Revi</a:t>
+            </a:r>
+            <a:r>
+              <a:rPr lang="en-US" sz="2400" b="1" kern="0" dirty="0" smtClean="0">
+                <a:latin typeface="Calibri" pitchFamily="34" charset="0"/>
+                <a:ea typeface="+mj-ea"/>
+                <a:cs typeface="Calibri" pitchFamily="34" charset="0"/>
+              </a:rPr>
+              <a:t>sion </a:t>
+            </a:r>
+            <a:r>
+              <a:rPr lang="en-US" sz="2400" b="1" kern="0" dirty="0" smtClean="0">
+                <a:latin typeface="Calibri" pitchFamily="34" charset="0"/>
+                <a:ea typeface="+mj-ea"/>
+                <a:cs typeface="Calibri" pitchFamily="34" charset="0"/>
+              </a:rPr>
+              <a:t>Control Recommendations</a:t>
             </a:r>
           </a:p>
           <a:p>
@@ -12242,12 +11823,28 @@
               <a:defRPr/>
             </a:pPr>
             <a:r>
+              <a:rPr lang="en-US" sz="2000" kern="0" smtClean="0">
+                <a:latin typeface="Calibri" pitchFamily="34" charset="0"/>
+                <a:ea typeface="+mj-ea"/>
+                <a:cs typeface="Calibri" pitchFamily="34" charset="0"/>
+              </a:rPr>
+              <a:t>August</a:t>
+            </a:r>
+            <a:r>
+              <a:rPr lang="en-US" sz="2000" kern="0" smtClean="0">
+                <a:latin typeface="Calibri" pitchFamily="34" charset="0"/>
+                <a:ea typeface="+mj-ea"/>
+                <a:cs typeface="Calibri" pitchFamily="34" charset="0"/>
+              </a:rPr>
+              <a:t> </a:t>
+            </a:r>
+            <a:r>
               <a:rPr lang="en-US" sz="2000" kern="0" dirty="0" smtClean="0">
                 <a:latin typeface="Calibri" pitchFamily="34" charset="0"/>
                 <a:ea typeface="+mj-ea"/>
                 <a:cs typeface="Calibri" pitchFamily="34" charset="0"/>
               </a:rPr>
-              <a:t>June 2014</a:t>
+              <a:t>2014</a:t>
             </a:r>
           </a:p>
         </p:txBody>
@@ -12978,16 +12575,12 @@
               <a:t>Git</a:t>
             </a:r>
             <a:r>
-              <a:rPr lang="en-US" dirty="0" smtClean="0"/>
-              <a:t> Version</a:t>
-            </a:r>
-            <a:r>
               <a:rPr lang="en-US" baseline="0" dirty="0" smtClean="0"/>
               <a:t> </a:t>
             </a:r>
             <a:r>
               <a:rPr lang="en-US" baseline="0" dirty="0" smtClean="0"/>
-              <a:t>Control File Life Cycle</a:t>
+              <a:t>File Life Cycle</a:t>
             </a:r>
             <a:endParaRPr lang="en-US" dirty="0"/>
           </a:p>
@@ -16895,7 +16488,7 @@
             </a:r>
             <a:r>
               <a:rPr lang="en-US" dirty="0" smtClean="0"/>
-              <a:t>1 – 10 minutes</a:t>
+              <a:t>1</a:t>
             </a:r>
             <a:endParaRPr lang="en-US" dirty="0"/>
           </a:p>
@@ -17003,7 +16596,7 @@
             </a:r>
             <a:r>
               <a:rPr lang="en-US" dirty="0" smtClean="0"/>
-              <a:t>2 – 15 minutes</a:t>
+              <a:t>2</a:t>
             </a:r>
             <a:endParaRPr lang="en-US" dirty="0"/>
           </a:p>
@@ -17176,7 +16769,7 @@
             </a:r>
             <a:r>
               <a:rPr lang="en-US" baseline="0" dirty="0" smtClean="0"/>
-              <a:t>3 – 15 minutes</a:t>
+              <a:t>3</a:t>
             </a:r>
             <a:endParaRPr lang="en-US" dirty="0"/>
           </a:p>
@@ -17472,7 +17065,7 @@
             </a:r>
             <a:r>
               <a:rPr lang="en-US" dirty="0" smtClean="0"/>
-              <a:t>4 – 15 minutes</a:t>
+              <a:t>4</a:t>
             </a:r>
             <a:endParaRPr lang="en-US" dirty="0"/>
           </a:p>
@@ -17574,7 +17167,7 @@
             </a:r>
             <a:r>
               <a:rPr lang="en-US" dirty="0" smtClean="0"/>
-              <a:t>5 – 15 minutes</a:t>
+              <a:t>5</a:t>
             </a:r>
             <a:endParaRPr lang="en-US" dirty="0"/>
           </a:p>
@@ -17752,7 +17345,7 @@
             </a:r>
             <a:r>
               <a:rPr lang="en-US" dirty="0" smtClean="0"/>
-              <a:t>6 – 15 minutes</a:t>
+              <a:t>6</a:t>
             </a:r>
             <a:endParaRPr lang="en-US" dirty="0"/>
           </a:p>
@@ -17974,9 +17567,10 @@
           <a:p>
             <a:pPr lvl="1"/>
             <a:r>
-              <a:rPr lang="en-US" baseline="0" dirty="0" smtClean="0"/>
-              <a:t>Mistakes can easily be reverted</a:t>
-            </a:r>
+              <a:rPr lang="en-US" dirty="0" smtClean="0"/>
+              <a:t>Revert to previous milestone if necessary</a:t>
+            </a:r>
+            <a:endParaRPr lang="en-US" baseline="0" dirty="0" smtClean="0"/>
           </a:p>
           <a:p>
             <a:pPr lvl="1"/>
@@ -18185,7 +17779,15 @@
             <a:pPr lvl="1"/>
             <a:r>
               <a:rPr lang="en-US" dirty="0" smtClean="0"/>
-              <a:t>Tolerate hidden “dot” files inserted by version control tools</a:t>
+              <a:t>Tolerate hidden “dot” files inserted by </a:t>
+            </a:r>
+            <a:r>
+              <a:rPr lang="en-US" dirty="0" smtClean="0"/>
+              <a:t>revision control </a:t>
+            </a:r>
+            <a:r>
+              <a:rPr lang="en-US" dirty="0" smtClean="0"/>
+              <a:t>tools</a:t>
             </a:r>
           </a:p>
           <a:p>
@@ -18276,12 +17878,20 @@
           <a:lstStyle/>
           <a:p>
             <a:r>
-              <a:rPr lang="en-US" dirty="0" smtClean="0"/>
-              <a:t>General</a:t>
+              <a:rPr lang="en-US" dirty="0" err="1" smtClean="0"/>
+              <a:t>Vivado</a:t>
+            </a:r>
+            <a:r>
+              <a:rPr lang="en-US" dirty="0" smtClean="0"/>
+              <a:t> </a:t>
             </a:r>
             <a:r>
               <a:rPr lang="en-US" baseline="0" dirty="0" smtClean="0"/>
-              <a:t> Revision Control Philosophy</a:t>
+              <a:t>Revision </a:t>
+            </a:r>
+            <a:r>
+              <a:rPr lang="en-US" baseline="0" dirty="0" smtClean="0"/>
+              <a:t>Control Philosophy</a:t>
             </a:r>
             <a:endParaRPr lang="en-US" dirty="0"/>
           </a:p>
@@ -18582,7 +18192,7 @@
             <p:ph idx="1"/>
             <p:extLst>
               <p:ext uri="{D42A27DB-BD31-4B8C-83A1-F6EECF244321}">
-                <p14:modId xmlns:p14="http://schemas.microsoft.com/office/powerpoint/2010/main" val="964991058"/>
+                <p14:modId xmlns:p14="http://schemas.microsoft.com/office/powerpoint/2010/main" val="3429688396"/>
               </p:ext>
             </p:extLst>
           </p:nvPr>
@@ -18714,7 +18324,7 @@
           <a:p>
             <a:r>
               <a:rPr lang="en-US" dirty="0" smtClean="0"/>
-              <a:t>Working directory is “ignored” – not under revision control</a:t>
+              <a:t>Working directory is “ignored” – not under revision control (blue)</a:t>
             </a:r>
           </a:p>
           <a:p>
@@ -19412,8 +19022,8 @@
         </p:nvSpPr>
         <p:spPr>
           <a:xfrm>
-            <a:off x="457200" y="1327150"/>
-            <a:ext cx="5355771" cy="4268337"/>
+            <a:off x="243840" y="1205230"/>
+            <a:ext cx="5027333" cy="4268337"/>
           </a:xfrm>
         </p:spPr>
         <p:txBody>
@@ -19421,109 +19031,140 @@
           <a:lstStyle/>
           <a:p>
             <a:r>
+              <a:rPr lang="en-US" sz="1800" dirty="0" smtClean="0"/>
+              <a:t>Use Standalone Manage IP</a:t>
+            </a:r>
+          </a:p>
+          <a:p>
+            <a:pPr lvl="1"/>
+            <a:r>
               <a:rPr lang="en-US" sz="1600" dirty="0" smtClean="0"/>
-              <a:t>Use Standalone Manage IP</a:t>
+              <a:t>Put the IP outside the project to be checked into revision control</a:t>
             </a:r>
           </a:p>
           <a:p>
             <a:pPr lvl="1"/>
             <a:r>
-              <a:rPr lang="en-US" sz="1400" dirty="0" smtClean="0"/>
-              <a:t>Put the IP outside the project to be checked into revision control</a:t>
+              <a:rPr lang="en-US" sz="1600" dirty="0" smtClean="0"/>
+              <a:t>Choose a directory – normally at same level as working project</a:t>
             </a:r>
           </a:p>
           <a:p>
             <a:pPr lvl="1"/>
-            <a:r>
-              <a:rPr lang="en-US" sz="1400" dirty="0" smtClean="0"/>
-              <a:t>Choose a directory – normally at same level as working project</a:t>
+            <a:endParaRPr lang="en-US" sz="1600" dirty="0" smtClean="0"/>
+          </a:p>
+          <a:p>
+            <a:r>
+              <a:rPr lang="en-US" sz="1800" dirty="0" smtClean="0"/>
+              <a:t>Check in the directory next to the </a:t>
+            </a:r>
+            <a:r>
+              <a:rPr lang="en-US" sz="1800" dirty="0" err="1" smtClean="0"/>
+              <a:t>managed_ip_project</a:t>
+            </a:r>
+            <a:r>
+              <a:rPr lang="en-US" sz="1800" dirty="0" smtClean="0"/>
+              <a:t> folder</a:t>
             </a:r>
           </a:p>
           <a:p>
             <a:pPr lvl="1"/>
-            <a:endParaRPr lang="en-US" sz="1400" dirty="0" smtClean="0"/>
-          </a:p>
-          <a:p>
             <a:r>
               <a:rPr lang="en-US" sz="1600" dirty="0" smtClean="0"/>
-              <a:t>Check in the directory next to the </a:t>
+              <a:t>And everything below it (.xci, .</a:t>
             </a:r>
             <a:r>
               <a:rPr lang="en-US" sz="1600" dirty="0" err="1" smtClean="0"/>
-              <a:t>managed_ip_project</a:t>
+              <a:t>dcp</a:t>
             </a:r>
             <a:r>
               <a:rPr lang="en-US" sz="1600" dirty="0" smtClean="0"/>
-              <a:t> folder</a:t>
+              <a:t>, .</a:t>
+            </a:r>
+            <a:r>
+              <a:rPr lang="en-US" sz="1600" dirty="0" err="1" smtClean="0"/>
+              <a:t>veo</a:t>
+            </a:r>
+            <a:r>
+              <a:rPr lang="en-US" sz="1600" dirty="0" smtClean="0"/>
+              <a:t>, . </a:t>
+            </a:r>
+            <a:r>
+              <a:rPr lang="en-US" sz="1600" dirty="0" smtClean="0"/>
+              <a:t>Xml)</a:t>
             </a:r>
           </a:p>
           <a:p>
             <a:pPr lvl="1"/>
             <a:r>
-              <a:rPr lang="en-US" sz="1400" dirty="0" smtClean="0"/>
-              <a:t>And everything below it (.xci, .</a:t>
-            </a:r>
-            <a:r>
-              <a:rPr lang="en-US" sz="1400" dirty="0" err="1" smtClean="0"/>
+              <a:rPr lang="en-US" sz="1600" dirty="0" smtClean="0"/>
+              <a:t>all </a:t>
+            </a:r>
+            <a:r>
+              <a:rPr lang="en-US" sz="1600" dirty="0" smtClean="0"/>
+              <a:t>subdirectories</a:t>
+            </a:r>
+          </a:p>
+          <a:p>
+            <a:pPr lvl="1"/>
+            <a:endParaRPr lang="en-US" sz="1600" dirty="0"/>
+          </a:p>
+          <a:p>
+            <a:r>
+              <a:rPr lang="en-US" sz="1800" dirty="0" smtClean="0"/>
+              <a:t>Instantiate </a:t>
+            </a:r>
+            <a:r>
+              <a:rPr lang="en-US" sz="1800" dirty="0" smtClean="0"/>
+              <a:t>- </a:t>
+            </a:r>
+            <a:r>
+              <a:rPr lang="en-US" sz="1800" dirty="0"/>
+              <a:t>A</a:t>
+            </a:r>
+            <a:r>
+              <a:rPr lang="en-US" sz="1800" dirty="0" smtClean="0"/>
+              <a:t>dding </a:t>
+            </a:r>
+            <a:r>
+              <a:rPr lang="en-US" sz="1800" dirty="0" smtClean="0"/>
+              <a:t>.xci </a:t>
+            </a:r>
+            <a:r>
+              <a:rPr lang="en-US" sz="1800" dirty="0" smtClean="0"/>
+              <a:t>as </a:t>
+            </a:r>
+            <a:r>
+              <a:rPr lang="en-US" sz="1800" dirty="0" smtClean="0"/>
+              <a:t>remote source</a:t>
+            </a:r>
+          </a:p>
+          <a:p>
+            <a:pPr lvl="1"/>
+            <a:r>
+              <a:rPr lang="en-US" sz="1600" dirty="0" smtClean="0"/>
+              <a:t>Make sure “copy into project” option is not selected</a:t>
+            </a:r>
+          </a:p>
+          <a:p>
+            <a:pPr lvl="1"/>
+            <a:r>
+              <a:rPr lang="en-US" sz="1600" dirty="0" smtClean="0"/>
+              <a:t>Must be fully generated, </a:t>
+            </a:r>
+            <a:r>
+              <a:rPr lang="en-US" sz="1600" dirty="0" smtClean="0"/>
+              <a:t>preferably </a:t>
+            </a:r>
+            <a:r>
+              <a:rPr lang="en-US" sz="1600" dirty="0" smtClean="0"/>
+              <a:t>w/ </a:t>
+            </a:r>
+            <a:r>
+              <a:rPr lang="en-US" sz="1600" dirty="0" err="1" smtClean="0"/>
               <a:t>dcp</a:t>
             </a:r>
-            <a:r>
-              <a:rPr lang="en-US" sz="1400" dirty="0" smtClean="0"/>
-              <a:t>, .</a:t>
-            </a:r>
-            <a:r>
-              <a:rPr lang="en-US" sz="1400" dirty="0" err="1" smtClean="0"/>
-              <a:t>veo</a:t>
-            </a:r>
-            <a:r>
-              <a:rPr lang="en-US" sz="1400" dirty="0" smtClean="0"/>
-              <a:t>, . </a:t>
-            </a:r>
-            <a:r>
-              <a:rPr lang="en-US" sz="1400" dirty="0" err="1" smtClean="0"/>
-              <a:t>xmlall</a:t>
-            </a:r>
-            <a:r>
-              <a:rPr lang="en-US" sz="1400" dirty="0" smtClean="0"/>
-              <a:t> subdirectories</a:t>
-            </a:r>
-          </a:p>
-          <a:p>
-            <a:pPr lvl="1"/>
-            <a:endParaRPr lang="en-US" sz="1400" dirty="0"/>
-          </a:p>
-          <a:p>
-            <a:r>
-              <a:rPr lang="en-US" sz="1600" dirty="0" smtClean="0"/>
-              <a:t>Instantiate by adding .xci file as remote source</a:t>
-            </a:r>
-          </a:p>
-          <a:p>
-            <a:pPr lvl="1"/>
-            <a:r>
-              <a:rPr lang="en-US" sz="1400" dirty="0" smtClean="0"/>
-              <a:t>Make sure “copy into project” option is not selected</a:t>
-            </a:r>
-          </a:p>
-          <a:p>
-            <a:pPr lvl="1"/>
-            <a:r>
-              <a:rPr lang="en-US" sz="1400" dirty="0" smtClean="0"/>
-              <a:t>Must be fully generated, </a:t>
-            </a:r>
-            <a:r>
-              <a:rPr lang="en-US" sz="1400" dirty="0" err="1" smtClean="0"/>
-              <a:t>preferrably</a:t>
-            </a:r>
-            <a:r>
-              <a:rPr lang="en-US" sz="1400" dirty="0" smtClean="0"/>
-              <a:t> w/ </a:t>
-            </a:r>
-            <a:r>
-              <a:rPr lang="en-US" sz="1400" dirty="0" err="1" smtClean="0"/>
-              <a:t>dcp</a:t>
-            </a:r>
-            <a:endParaRPr lang="en-US" sz="1400" dirty="0"/>
+            <a:endParaRPr lang="en-US" sz="1600" dirty="0"/>
           </a:p>
         </p:txBody>
       </p:sp>
@@ -19556,7 +19197,7 @@
       </p:sp>
       <p:pic>
         <p:nvPicPr>
-          <p:cNvPr id="4" name="Picture 3"/>
+          <p:cNvPr id="5" name="Picture 4"/>
           <p:cNvPicPr>
             <a:picLocks noChangeAspect="1"/>
           </p:cNvPicPr>
@@ -19576,8 +19217,8 @@
         </p:blipFill>
         <p:spPr>
           <a:xfrm>
-            <a:off x="6019880" y="272474"/>
-            <a:ext cx="1238423" cy="1305107"/>
+            <a:off x="5308073" y="294520"/>
+            <a:ext cx="3788757" cy="2067681"/>
           </a:xfrm>
           <a:prstGeom prst="rect">
             <a:avLst/>
@@ -19586,7 +19227,7 @@
       </p:pic>
       <p:pic>
         <p:nvPicPr>
-          <p:cNvPr id="5" name="Picture 4"/>
+          <p:cNvPr id="6" name="Picture 5"/>
           <p:cNvPicPr>
             <a:picLocks noChangeAspect="1"/>
           </p:cNvPicPr>
@@ -19606,38 +19247,8 @@
         </p:blipFill>
         <p:spPr>
           <a:xfrm>
-            <a:off x="6019880" y="1623586"/>
-            <a:ext cx="3019847" cy="1648055"/>
-          </a:xfrm>
-          <a:prstGeom prst="rect">
-            <a:avLst/>
-          </a:prstGeom>
-        </p:spPr>
-      </p:pic>
-      <p:pic>
-        <p:nvPicPr>
-          <p:cNvPr id="6" name="Picture 5"/>
-          <p:cNvPicPr>
-            <a:picLocks noChangeAspect="1"/>
-          </p:cNvPicPr>
-          <p:nvPr/>
-        </p:nvPicPr>
-        <p:blipFill>
-          <a:blip r:embed="rId4">
-            <a:extLst>
-              <a:ext uri="{28A0092B-C50C-407E-A947-70E740481C1C}">
-                <a14:useLocalDpi xmlns:a14="http://schemas.microsoft.com/office/drawing/2010/main" val="0"/>
-              </a:ext>
-            </a:extLst>
-          </a:blip>
-          <a:stretch>
-            <a:fillRect/>
-          </a:stretch>
-        </p:blipFill>
-        <p:spPr>
-          <a:xfrm>
-            <a:off x="6019880" y="3303037"/>
-            <a:ext cx="3016219" cy="3247053"/>
+            <a:off x="5308073" y="2420597"/>
+            <a:ext cx="3835927" cy="4129494"/>
           </a:xfrm>
           <a:prstGeom prst="rect">
             <a:avLst/>
@@ -19652,7 +19263,7 @@
         </p:nvSpPr>
         <p:spPr bwMode="auto">
           <a:xfrm>
-            <a:off x="6092890" y="2015412"/>
+            <a:off x="5498530" y="857172"/>
             <a:ext cx="1436913" cy="298580"/>
           </a:xfrm>
           <a:prstGeom prst="roundRect">
@@ -19696,7 +19307,7 @@
         </p:nvSpPr>
         <p:spPr bwMode="auto">
           <a:xfrm>
-            <a:off x="5982556" y="4845698"/>
+            <a:off x="5484533" y="4406226"/>
             <a:ext cx="1436913" cy="298580"/>
           </a:xfrm>
           <a:prstGeom prst="roundRect">

--- a/doc/versionControl.pptx
+++ b/doc/versionControl.pptx
@@ -2021,6 +2021,13 @@
         </dgm:presLayoutVars>
       </dgm:prSet>
       <dgm:spPr/>
+      <dgm:t>
+        <a:bodyPr/>
+        <a:lstStyle/>
+        <a:p>
+          <a:endParaRPr lang="en-US"/>
+        </a:p>
+      </dgm:t>
     </dgm:pt>
     <dgm:pt modelId="{E0714F84-9967-4121-BCEC-81F104297DC6}" type="pres">
       <dgm:prSet presAssocID="{3BFC2D99-54F2-4F56-ABDC-4D2D1E5A4444}" presName="hierRoot1" presStyleCnt="0">
@@ -2041,10 +2048,24 @@
         </dgm:presLayoutVars>
       </dgm:prSet>
       <dgm:spPr/>
+      <dgm:t>
+        <a:bodyPr/>
+        <a:lstStyle/>
+        <a:p>
+          <a:endParaRPr lang="en-US"/>
+        </a:p>
+      </dgm:t>
     </dgm:pt>
     <dgm:pt modelId="{028CE1DB-957C-41E7-B9E1-6D9A42F8FB0E}" type="pres">
       <dgm:prSet presAssocID="{3BFC2D99-54F2-4F56-ABDC-4D2D1E5A4444}" presName="rootConnector1" presStyleLbl="node1" presStyleIdx="0" presStyleCnt="0"/>
       <dgm:spPr/>
+      <dgm:t>
+        <a:bodyPr/>
+        <a:lstStyle/>
+        <a:p>
+          <a:endParaRPr lang="en-US"/>
+        </a:p>
+      </dgm:t>
     </dgm:pt>
     <dgm:pt modelId="{5AD44D2D-4D05-461A-9D73-D8F2EDF0E371}" type="pres">
       <dgm:prSet presAssocID="{3BFC2D99-54F2-4F56-ABDC-4D2D1E5A4444}" presName="hierChild2" presStyleCnt="0"/>
@@ -2053,6 +2074,13 @@
     <dgm:pt modelId="{158B7BDB-81BA-421C-8439-08A0B5F689FE}" type="pres">
       <dgm:prSet presAssocID="{D30938AD-CB50-4663-9E84-6F16F0A37FB4}" presName="Name37" presStyleLbl="parChTrans1D2" presStyleIdx="0" presStyleCnt="8"/>
       <dgm:spPr/>
+      <dgm:t>
+        <a:bodyPr/>
+        <a:lstStyle/>
+        <a:p>
+          <a:endParaRPr lang="en-US"/>
+        </a:p>
+      </dgm:t>
     </dgm:pt>
     <dgm:pt modelId="{BF0736E9-E263-44A3-9B19-47190CFBA602}" type="pres">
       <dgm:prSet presAssocID="{6272F718-0281-4B8E-96CA-9336D1DC1410}" presName="hierRoot2" presStyleCnt="0">
@@ -2084,6 +2112,13 @@
     <dgm:pt modelId="{7385A498-D524-4331-903E-550C4195C356}" type="pres">
       <dgm:prSet presAssocID="{6272F718-0281-4B8E-96CA-9336D1DC1410}" presName="rootConnector" presStyleLbl="node2" presStyleIdx="0" presStyleCnt="8"/>
       <dgm:spPr/>
+      <dgm:t>
+        <a:bodyPr/>
+        <a:lstStyle/>
+        <a:p>
+          <a:endParaRPr lang="en-US"/>
+        </a:p>
+      </dgm:t>
     </dgm:pt>
     <dgm:pt modelId="{603BA146-A534-495B-8B54-FAD14995DD35}" type="pres">
       <dgm:prSet presAssocID="{6272F718-0281-4B8E-96CA-9336D1DC1410}" presName="hierChild4" presStyleCnt="0"/>
@@ -2096,6 +2131,13 @@
     <dgm:pt modelId="{D314536C-ACC2-4590-BE51-4E143107E4A8}" type="pres">
       <dgm:prSet presAssocID="{7CA3D873-A3F7-4257-991B-FB6E57BBECE6}" presName="Name37" presStyleLbl="parChTrans1D2" presStyleIdx="1" presStyleCnt="8"/>
       <dgm:spPr/>
+      <dgm:t>
+        <a:bodyPr/>
+        <a:lstStyle/>
+        <a:p>
+          <a:endParaRPr lang="en-US"/>
+        </a:p>
+      </dgm:t>
     </dgm:pt>
     <dgm:pt modelId="{35C8BEA7-D12A-4A5E-9292-56F043596D0F}" type="pres">
       <dgm:prSet presAssocID="{FE01D7D5-992C-48F5-94FC-98E66EC1519F}" presName="hierRoot2" presStyleCnt="0">
@@ -2127,6 +2169,13 @@
     <dgm:pt modelId="{7C4E71F4-A14B-4814-8EAE-3BFDAB039162}" type="pres">
       <dgm:prSet presAssocID="{FE01D7D5-992C-48F5-94FC-98E66EC1519F}" presName="rootConnector" presStyleLbl="node2" presStyleIdx="1" presStyleCnt="8"/>
       <dgm:spPr/>
+      <dgm:t>
+        <a:bodyPr/>
+        <a:lstStyle/>
+        <a:p>
+          <a:endParaRPr lang="en-US"/>
+        </a:p>
+      </dgm:t>
     </dgm:pt>
     <dgm:pt modelId="{74D5B64C-64F1-4C25-BDF7-0D4455003B9E}" type="pres">
       <dgm:prSet presAssocID="{FE01D7D5-992C-48F5-94FC-98E66EC1519F}" presName="hierChild4" presStyleCnt="0"/>
@@ -2139,6 +2188,13 @@
     <dgm:pt modelId="{5CF26A62-4DAE-4DF6-AC2D-AA50C348D246}" type="pres">
       <dgm:prSet presAssocID="{77A798D0-4E44-4FD7-BD4B-1E07C2A650E4}" presName="Name37" presStyleLbl="parChTrans1D2" presStyleIdx="2" presStyleCnt="8"/>
       <dgm:spPr/>
+      <dgm:t>
+        <a:bodyPr/>
+        <a:lstStyle/>
+        <a:p>
+          <a:endParaRPr lang="en-US"/>
+        </a:p>
+      </dgm:t>
     </dgm:pt>
     <dgm:pt modelId="{C706CEF6-25A6-464C-81EB-1A9D32839C73}" type="pres">
       <dgm:prSet presAssocID="{1827938A-4461-4C74-83D4-B8E5FE5790F0}" presName="hierRoot2" presStyleCnt="0">
@@ -2159,10 +2215,24 @@
         </dgm:presLayoutVars>
       </dgm:prSet>
       <dgm:spPr/>
+      <dgm:t>
+        <a:bodyPr/>
+        <a:lstStyle/>
+        <a:p>
+          <a:endParaRPr lang="en-US"/>
+        </a:p>
+      </dgm:t>
     </dgm:pt>
     <dgm:pt modelId="{ABBD46AD-BFA1-4A69-A78E-3C6498564907}" type="pres">
       <dgm:prSet presAssocID="{1827938A-4461-4C74-83D4-B8E5FE5790F0}" presName="rootConnector" presStyleLbl="node2" presStyleIdx="2" presStyleCnt="8"/>
       <dgm:spPr/>
+      <dgm:t>
+        <a:bodyPr/>
+        <a:lstStyle/>
+        <a:p>
+          <a:endParaRPr lang="en-US"/>
+        </a:p>
+      </dgm:t>
     </dgm:pt>
     <dgm:pt modelId="{4B67ABFD-B399-4B88-8CAB-D49359CE5A76}" type="pres">
       <dgm:prSet presAssocID="{1827938A-4461-4C74-83D4-B8E5FE5790F0}" presName="hierChild4" presStyleCnt="0"/>
@@ -2175,6 +2245,13 @@
     <dgm:pt modelId="{40C180D0-1B00-442F-8BA1-A2996109948C}" type="pres">
       <dgm:prSet presAssocID="{5678BD54-44B6-4A5A-8BCB-8972579DD724}" presName="Name37" presStyleLbl="parChTrans1D2" presStyleIdx="3" presStyleCnt="8"/>
       <dgm:spPr/>
+      <dgm:t>
+        <a:bodyPr/>
+        <a:lstStyle/>
+        <a:p>
+          <a:endParaRPr lang="en-US"/>
+        </a:p>
+      </dgm:t>
     </dgm:pt>
     <dgm:pt modelId="{D385AE9E-5A9B-45AC-A020-0510D5A9FE54}" type="pres">
       <dgm:prSet presAssocID="{9513878F-857A-47B3-93EC-DC613E0E9FCF}" presName="hierRoot2" presStyleCnt="0">
@@ -2206,6 +2283,13 @@
     <dgm:pt modelId="{B50E2733-0437-4C6E-BD17-21329A79757A}" type="pres">
       <dgm:prSet presAssocID="{9513878F-857A-47B3-93EC-DC613E0E9FCF}" presName="rootConnector" presStyleLbl="node2" presStyleIdx="3" presStyleCnt="8"/>
       <dgm:spPr/>
+      <dgm:t>
+        <a:bodyPr/>
+        <a:lstStyle/>
+        <a:p>
+          <a:endParaRPr lang="en-US"/>
+        </a:p>
+      </dgm:t>
     </dgm:pt>
     <dgm:pt modelId="{36543A45-72D6-4A05-B131-93F0543B5220}" type="pres">
       <dgm:prSet presAssocID="{9513878F-857A-47B3-93EC-DC613E0E9FCF}" presName="hierChild4" presStyleCnt="0"/>
@@ -2218,6 +2302,13 @@
     <dgm:pt modelId="{09C1E1B6-0086-4404-B701-5CD9335F3B16}" type="pres">
       <dgm:prSet presAssocID="{BDFA1744-A5B0-4A1F-8C25-CCF5E20A1147}" presName="Name37" presStyleLbl="parChTrans1D2" presStyleIdx="4" presStyleCnt="8"/>
       <dgm:spPr/>
+      <dgm:t>
+        <a:bodyPr/>
+        <a:lstStyle/>
+        <a:p>
+          <a:endParaRPr lang="en-US"/>
+        </a:p>
+      </dgm:t>
     </dgm:pt>
     <dgm:pt modelId="{EE569D92-5FB6-4D5F-898F-E3B930BC9FE3}" type="pres">
       <dgm:prSet presAssocID="{4B29B0E8-CA69-4FEF-9CC5-F439E6D86762}" presName="hierRoot2" presStyleCnt="0">
@@ -2238,10 +2329,24 @@
         </dgm:presLayoutVars>
       </dgm:prSet>
       <dgm:spPr/>
+      <dgm:t>
+        <a:bodyPr/>
+        <a:lstStyle/>
+        <a:p>
+          <a:endParaRPr lang="en-US"/>
+        </a:p>
+      </dgm:t>
     </dgm:pt>
     <dgm:pt modelId="{3149285B-610F-4810-A59A-580527F6F166}" type="pres">
       <dgm:prSet presAssocID="{4B29B0E8-CA69-4FEF-9CC5-F439E6D86762}" presName="rootConnector" presStyleLbl="node2" presStyleIdx="4" presStyleCnt="8"/>
       <dgm:spPr/>
+      <dgm:t>
+        <a:bodyPr/>
+        <a:lstStyle/>
+        <a:p>
+          <a:endParaRPr lang="en-US"/>
+        </a:p>
+      </dgm:t>
     </dgm:pt>
     <dgm:pt modelId="{86603D32-0B22-4E35-A2C8-4ED0BF4D0598}" type="pres">
       <dgm:prSet presAssocID="{4B29B0E8-CA69-4FEF-9CC5-F439E6D86762}" presName="hierChild4" presStyleCnt="0"/>
@@ -2254,6 +2359,13 @@
     <dgm:pt modelId="{F330C14F-5E51-45A3-8BBA-FD6B3CA8B4D5}" type="pres">
       <dgm:prSet presAssocID="{4B7A7F81-85AE-4C26-9391-DBA667A0C438}" presName="Name37" presStyleLbl="parChTrans1D2" presStyleIdx="5" presStyleCnt="8"/>
       <dgm:spPr/>
+      <dgm:t>
+        <a:bodyPr/>
+        <a:lstStyle/>
+        <a:p>
+          <a:endParaRPr lang="en-US"/>
+        </a:p>
+      </dgm:t>
     </dgm:pt>
     <dgm:pt modelId="{2FE4A458-1D21-47FB-B204-6F1428D51226}" type="pres">
       <dgm:prSet presAssocID="{DE9A6DA2-48E4-45CD-BDC3-2AC37AB54603}" presName="hierRoot2" presStyleCnt="0">
@@ -2274,10 +2386,24 @@
         </dgm:presLayoutVars>
       </dgm:prSet>
       <dgm:spPr/>
+      <dgm:t>
+        <a:bodyPr/>
+        <a:lstStyle/>
+        <a:p>
+          <a:endParaRPr lang="en-US"/>
+        </a:p>
+      </dgm:t>
     </dgm:pt>
     <dgm:pt modelId="{6DB1CD38-5A46-40A5-A321-A083EFD0A09A}" type="pres">
       <dgm:prSet presAssocID="{DE9A6DA2-48E4-45CD-BDC3-2AC37AB54603}" presName="rootConnector" presStyleLbl="node2" presStyleIdx="5" presStyleCnt="8"/>
       <dgm:spPr/>
+      <dgm:t>
+        <a:bodyPr/>
+        <a:lstStyle/>
+        <a:p>
+          <a:endParaRPr lang="en-US"/>
+        </a:p>
+      </dgm:t>
     </dgm:pt>
     <dgm:pt modelId="{35D1AF46-BD2E-4D47-BF3F-9EBEC13C6D21}" type="pres">
       <dgm:prSet presAssocID="{DE9A6DA2-48E4-45CD-BDC3-2AC37AB54603}" presName="hierChild4" presStyleCnt="0"/>
@@ -2290,6 +2416,13 @@
     <dgm:pt modelId="{2F72FC64-6020-484E-A27C-11BC33001E45}" type="pres">
       <dgm:prSet presAssocID="{34BD77E1-5A4B-4BC3-9D05-64D928343E3C}" presName="Name37" presStyleLbl="parChTrans1D2" presStyleIdx="6" presStyleCnt="8"/>
       <dgm:spPr/>
+      <dgm:t>
+        <a:bodyPr/>
+        <a:lstStyle/>
+        <a:p>
+          <a:endParaRPr lang="en-US"/>
+        </a:p>
+      </dgm:t>
     </dgm:pt>
     <dgm:pt modelId="{D00FB8F9-D88D-4CAD-B100-AFCAFD61C1F1}" type="pres">
       <dgm:prSet presAssocID="{D2497981-03D9-4665-92EB-9542207EE5A0}" presName="hierRoot2" presStyleCnt="0">
@@ -2310,10 +2443,24 @@
         </dgm:presLayoutVars>
       </dgm:prSet>
       <dgm:spPr/>
+      <dgm:t>
+        <a:bodyPr/>
+        <a:lstStyle/>
+        <a:p>
+          <a:endParaRPr lang="en-US"/>
+        </a:p>
+      </dgm:t>
     </dgm:pt>
     <dgm:pt modelId="{F1B092C9-6C05-4366-9E77-097203F742F5}" type="pres">
       <dgm:prSet presAssocID="{D2497981-03D9-4665-92EB-9542207EE5A0}" presName="rootConnector" presStyleLbl="node2" presStyleIdx="6" presStyleCnt="8"/>
       <dgm:spPr/>
+      <dgm:t>
+        <a:bodyPr/>
+        <a:lstStyle/>
+        <a:p>
+          <a:endParaRPr lang="en-US"/>
+        </a:p>
+      </dgm:t>
     </dgm:pt>
     <dgm:pt modelId="{2A6937BF-DABA-422F-AEBB-C9414D19D3D8}" type="pres">
       <dgm:prSet presAssocID="{D2497981-03D9-4665-92EB-9542207EE5A0}" presName="hierChild4" presStyleCnt="0"/>
@@ -2326,6 +2473,13 @@
     <dgm:pt modelId="{2935292A-D4D0-48F8-812D-C13E18495739}" type="pres">
       <dgm:prSet presAssocID="{0ECAC1D1-5B85-45A5-91F8-C84078419220}" presName="Name37" presStyleLbl="parChTrans1D2" presStyleIdx="7" presStyleCnt="8"/>
       <dgm:spPr/>
+      <dgm:t>
+        <a:bodyPr/>
+        <a:lstStyle/>
+        <a:p>
+          <a:endParaRPr lang="en-US"/>
+        </a:p>
+      </dgm:t>
     </dgm:pt>
     <dgm:pt modelId="{0117CEF3-B35B-4544-BAB2-CA7CF3B5ED61}" type="pres">
       <dgm:prSet presAssocID="{B1890DBD-9269-4E39-A5D8-D46B74618176}" presName="hierRoot2" presStyleCnt="0">
@@ -2346,10 +2500,24 @@
         </dgm:presLayoutVars>
       </dgm:prSet>
       <dgm:spPr/>
+      <dgm:t>
+        <a:bodyPr/>
+        <a:lstStyle/>
+        <a:p>
+          <a:endParaRPr lang="en-US"/>
+        </a:p>
+      </dgm:t>
     </dgm:pt>
     <dgm:pt modelId="{719E8FA9-5EE4-4E9F-83A1-D76E75B8FD51}" type="pres">
       <dgm:prSet presAssocID="{B1890DBD-9269-4E39-A5D8-D46B74618176}" presName="rootConnector" presStyleLbl="node2" presStyleIdx="7" presStyleCnt="8"/>
       <dgm:spPr/>
+      <dgm:t>
+        <a:bodyPr/>
+        <a:lstStyle/>
+        <a:p>
+          <a:endParaRPr lang="en-US"/>
+        </a:p>
+      </dgm:t>
     </dgm:pt>
     <dgm:pt modelId="{DB8F3D63-C2C8-438E-B954-ABFADCF68BA1}" type="pres">
       <dgm:prSet presAssocID="{B1890DBD-9269-4E39-A5D8-D46B74618176}" presName="hierChild4" presStyleCnt="0"/>
@@ -2365,42 +2533,42 @@
     </dgm:pt>
   </dgm:ptLst>
   <dgm:cxnLst>
+    <dgm:cxn modelId="{D777201F-DA12-4FE8-9270-616A7B60F12D}" srcId="{3BFC2D99-54F2-4F56-ABDC-4D2D1E5A4444}" destId="{FE01D7D5-992C-48F5-94FC-98E66EC1519F}" srcOrd="1" destOrd="0" parTransId="{7CA3D873-A3F7-4257-991B-FB6E57BBECE6}" sibTransId="{0777F037-AA3A-4411-9288-81971C482D39}"/>
+    <dgm:cxn modelId="{63F6AEA9-6B01-4371-83E3-DDB5A3D19F28}" type="presOf" srcId="{FE01D7D5-992C-48F5-94FC-98E66EC1519F}" destId="{FE129309-50B7-46C3-8306-87B07F2F963E}" srcOrd="0" destOrd="0" presId="urn:microsoft.com/office/officeart/2005/8/layout/orgChart1"/>
+    <dgm:cxn modelId="{242DAF77-656B-469B-97F7-08463C59BA9A}" type="presOf" srcId="{3BFC2D99-54F2-4F56-ABDC-4D2D1E5A4444}" destId="{028CE1DB-957C-41E7-B9E1-6D9A42F8FB0E}" srcOrd="1" destOrd="0" presId="urn:microsoft.com/office/officeart/2005/8/layout/orgChart1"/>
+    <dgm:cxn modelId="{6B930E62-5735-463A-BB60-6AB3DE7FA6A0}" type="presOf" srcId="{4B29B0E8-CA69-4FEF-9CC5-F439E6D86762}" destId="{3149285B-610F-4810-A59A-580527F6F166}" srcOrd="1" destOrd="0" presId="urn:microsoft.com/office/officeart/2005/8/layout/orgChart1"/>
+    <dgm:cxn modelId="{00D0AF6C-BF0D-414C-94AE-2C657106249D}" type="presOf" srcId="{D2497981-03D9-4665-92EB-9542207EE5A0}" destId="{F1B092C9-6C05-4366-9E77-097203F742F5}" srcOrd="1" destOrd="0" presId="urn:microsoft.com/office/officeart/2005/8/layout/orgChart1"/>
+    <dgm:cxn modelId="{FAAE448F-B6A3-435E-813B-AF9639248698}" srcId="{3BFC2D99-54F2-4F56-ABDC-4D2D1E5A4444}" destId="{9513878F-857A-47B3-93EC-DC613E0E9FCF}" srcOrd="3" destOrd="0" parTransId="{5678BD54-44B6-4A5A-8BCB-8972579DD724}" sibTransId="{02A9338B-0022-4C50-880B-76EE9F45B942}"/>
+    <dgm:cxn modelId="{F20152F7-AD74-4FF4-A560-53102DC24FE7}" srcId="{3BFC2D99-54F2-4F56-ABDC-4D2D1E5A4444}" destId="{DE9A6DA2-48E4-45CD-BDC3-2AC37AB54603}" srcOrd="5" destOrd="0" parTransId="{4B7A7F81-85AE-4C26-9391-DBA667A0C438}" sibTransId="{ED2CFA24-9B66-4289-912A-0BEDB12C8AF1}"/>
+    <dgm:cxn modelId="{41B7EDF7-CCB4-415C-9108-FC1992CB2A40}" type="presOf" srcId="{7CA3D873-A3F7-4257-991B-FB6E57BBECE6}" destId="{D314536C-ACC2-4590-BE51-4E143107E4A8}" srcOrd="0" destOrd="0" presId="urn:microsoft.com/office/officeart/2005/8/layout/orgChart1"/>
+    <dgm:cxn modelId="{8150823D-6615-4E5E-B2DB-042C8B097E69}" type="presOf" srcId="{DE9A6DA2-48E4-45CD-BDC3-2AC37AB54603}" destId="{6DB1CD38-5A46-40A5-A321-A083EFD0A09A}" srcOrd="1" destOrd="0" presId="urn:microsoft.com/office/officeart/2005/8/layout/orgChart1"/>
+    <dgm:cxn modelId="{AAB9FDE5-E752-464B-A09D-664C120C9132}" srcId="{574DF99C-4176-499A-B61F-775D3A99A96C}" destId="{3BFC2D99-54F2-4F56-ABDC-4D2D1E5A4444}" srcOrd="0" destOrd="0" parTransId="{A8AD49DD-D239-4CA8-88D0-271653106B2D}" sibTransId="{B9E47118-F99A-4F45-996D-372EC8F72170}"/>
+    <dgm:cxn modelId="{924C0B64-E50E-4868-9CD4-3B2432C7FF88}" type="presOf" srcId="{77A798D0-4E44-4FD7-BD4B-1E07C2A650E4}" destId="{5CF26A62-4DAE-4DF6-AC2D-AA50C348D246}" srcOrd="0" destOrd="0" presId="urn:microsoft.com/office/officeart/2005/8/layout/orgChart1"/>
+    <dgm:cxn modelId="{2AB28060-6B46-4447-9DED-0430D902C049}" type="presOf" srcId="{1827938A-4461-4C74-83D4-B8E5FE5790F0}" destId="{ABBD46AD-BFA1-4A69-A78E-3C6498564907}" srcOrd="1" destOrd="0" presId="urn:microsoft.com/office/officeart/2005/8/layout/orgChart1"/>
+    <dgm:cxn modelId="{4ADCA160-32C6-4548-927D-07F1CA0DDE57}" type="presOf" srcId="{1827938A-4461-4C74-83D4-B8E5FE5790F0}" destId="{0A9458DE-CEF8-4FA3-98D0-60929B6EE9C8}" srcOrd="0" destOrd="0" presId="urn:microsoft.com/office/officeart/2005/8/layout/orgChart1"/>
+    <dgm:cxn modelId="{6F20E24C-B22E-45C1-8BD2-10025C50F363}" type="presOf" srcId="{0ECAC1D1-5B85-45A5-91F8-C84078419220}" destId="{2935292A-D4D0-48F8-812D-C13E18495739}" srcOrd="0" destOrd="0" presId="urn:microsoft.com/office/officeart/2005/8/layout/orgChart1"/>
+    <dgm:cxn modelId="{31FDCAE1-C80B-496F-9053-7EECFB5CF6CB}" srcId="{3BFC2D99-54F2-4F56-ABDC-4D2D1E5A4444}" destId="{B1890DBD-9269-4E39-A5D8-D46B74618176}" srcOrd="7" destOrd="0" parTransId="{0ECAC1D1-5B85-45A5-91F8-C84078419220}" sibTransId="{7A44B534-D55B-4604-9962-304129CFF442}"/>
+    <dgm:cxn modelId="{BC430273-C0D1-4048-ADBB-5001ED6B240F}" type="presOf" srcId="{9513878F-857A-47B3-93EC-DC613E0E9FCF}" destId="{943019AC-F290-4309-8BBB-DD8C32D2005A}" srcOrd="0" destOrd="0" presId="urn:microsoft.com/office/officeart/2005/8/layout/orgChart1"/>
+    <dgm:cxn modelId="{2421CD53-9FF3-4FA7-9CEA-8E3A9714392A}" type="presOf" srcId="{3BFC2D99-54F2-4F56-ABDC-4D2D1E5A4444}" destId="{371D36C4-2300-450B-9352-555F87D138B9}" srcOrd="0" destOrd="0" presId="urn:microsoft.com/office/officeart/2005/8/layout/orgChart1"/>
+    <dgm:cxn modelId="{D1526B44-3440-42B1-BEB7-FBFEEF2A7C0E}" type="presOf" srcId="{4B7A7F81-85AE-4C26-9391-DBA667A0C438}" destId="{F330C14F-5E51-45A3-8BBA-FD6B3CA8B4D5}" srcOrd="0" destOrd="0" presId="urn:microsoft.com/office/officeart/2005/8/layout/orgChart1"/>
+    <dgm:cxn modelId="{765CD9D2-4EB9-46B7-B890-61A36525C9F9}" type="presOf" srcId="{6272F718-0281-4B8E-96CA-9336D1DC1410}" destId="{92E7D021-B009-4371-BFE2-14E1AD2DC69F}" srcOrd="0" destOrd="0" presId="urn:microsoft.com/office/officeart/2005/8/layout/orgChart1"/>
+    <dgm:cxn modelId="{3122EEEB-4127-4DCB-9752-0B9405C20019}" srcId="{3BFC2D99-54F2-4F56-ABDC-4D2D1E5A4444}" destId="{6272F718-0281-4B8E-96CA-9336D1DC1410}" srcOrd="0" destOrd="0" parTransId="{D30938AD-CB50-4663-9E84-6F16F0A37FB4}" sibTransId="{9627C3FB-94F7-4A67-9DFC-3FCDA0F271C4}"/>
+    <dgm:cxn modelId="{EE611BF4-851B-4C6A-B020-3F9DC6F01811}" type="presOf" srcId="{4B29B0E8-CA69-4FEF-9CC5-F439E6D86762}" destId="{B2626B9F-2EF4-4FE5-9E4C-A8129BA31E89}" srcOrd="0" destOrd="0" presId="urn:microsoft.com/office/officeart/2005/8/layout/orgChart1"/>
+    <dgm:cxn modelId="{E837564D-5E93-43E9-B7A9-D742269CE192}" type="presOf" srcId="{9513878F-857A-47B3-93EC-DC613E0E9FCF}" destId="{B50E2733-0437-4C6E-BD17-21329A79757A}" srcOrd="1" destOrd="0" presId="urn:microsoft.com/office/officeart/2005/8/layout/orgChart1"/>
+    <dgm:cxn modelId="{CAA1C141-0296-4315-94B2-8A60F2A930B4}" type="presOf" srcId="{B1890DBD-9269-4E39-A5D8-D46B74618176}" destId="{719E8FA9-5EE4-4E9F-83A1-D76E75B8FD51}" srcOrd="1" destOrd="0" presId="urn:microsoft.com/office/officeart/2005/8/layout/orgChart1"/>
+    <dgm:cxn modelId="{85E440B9-DA07-4465-AE76-52DD0C3A99C1}" srcId="{3BFC2D99-54F2-4F56-ABDC-4D2D1E5A4444}" destId="{4B29B0E8-CA69-4FEF-9CC5-F439E6D86762}" srcOrd="4" destOrd="0" parTransId="{BDFA1744-A5B0-4A1F-8C25-CCF5E20A1147}" sibTransId="{34FFBDAF-B3C2-4AC7-8C57-86DB83683980}"/>
+    <dgm:cxn modelId="{B6688152-F2CE-45BB-AC0E-4C2D4BC8C672}" type="presOf" srcId="{6272F718-0281-4B8E-96CA-9336D1DC1410}" destId="{7385A498-D524-4331-903E-550C4195C356}" srcOrd="1" destOrd="0" presId="urn:microsoft.com/office/officeart/2005/8/layout/orgChart1"/>
+    <dgm:cxn modelId="{8CFE64AF-4845-40BB-8B76-DE7B76267885}" type="presOf" srcId="{5678BD54-44B6-4A5A-8BCB-8972579DD724}" destId="{40C180D0-1B00-442F-8BA1-A2996109948C}" srcOrd="0" destOrd="0" presId="urn:microsoft.com/office/officeart/2005/8/layout/orgChart1"/>
+    <dgm:cxn modelId="{D8273A52-B759-460B-A936-1989D97F472D}" type="presOf" srcId="{D30938AD-CB50-4663-9E84-6F16F0A37FB4}" destId="{158B7BDB-81BA-421C-8439-08A0B5F689FE}" srcOrd="0" destOrd="0" presId="urn:microsoft.com/office/officeart/2005/8/layout/orgChart1"/>
     <dgm:cxn modelId="{23D12B47-C6DE-4B25-A071-1DEE3AD876D3}" type="presOf" srcId="{BDFA1744-A5B0-4A1F-8C25-CCF5E20A1147}" destId="{09C1E1B6-0086-4404-B701-5CD9335F3B16}" srcOrd="0" destOrd="0" presId="urn:microsoft.com/office/officeart/2005/8/layout/orgChart1"/>
-    <dgm:cxn modelId="{FAAE448F-B6A3-435E-813B-AF9639248698}" srcId="{3BFC2D99-54F2-4F56-ABDC-4D2D1E5A4444}" destId="{9513878F-857A-47B3-93EC-DC613E0E9FCF}" srcOrd="3" destOrd="0" parTransId="{5678BD54-44B6-4A5A-8BCB-8972579DD724}" sibTransId="{02A9338B-0022-4C50-880B-76EE9F45B942}"/>
-    <dgm:cxn modelId="{31FDCAE1-C80B-496F-9053-7EECFB5CF6CB}" srcId="{3BFC2D99-54F2-4F56-ABDC-4D2D1E5A4444}" destId="{B1890DBD-9269-4E39-A5D8-D46B74618176}" srcOrd="7" destOrd="0" parTransId="{0ECAC1D1-5B85-45A5-91F8-C84078419220}" sibTransId="{7A44B534-D55B-4604-9962-304129CFF442}"/>
-    <dgm:cxn modelId="{242DAF77-656B-469B-97F7-08463C59BA9A}" type="presOf" srcId="{3BFC2D99-54F2-4F56-ABDC-4D2D1E5A4444}" destId="{028CE1DB-957C-41E7-B9E1-6D9A42F8FB0E}" srcOrd="1" destOrd="0" presId="urn:microsoft.com/office/officeart/2005/8/layout/orgChart1"/>
-    <dgm:cxn modelId="{AAB9FDE5-E752-464B-A09D-664C120C9132}" srcId="{574DF99C-4176-499A-B61F-775D3A99A96C}" destId="{3BFC2D99-54F2-4F56-ABDC-4D2D1E5A4444}" srcOrd="0" destOrd="0" parTransId="{A8AD49DD-D239-4CA8-88D0-271653106B2D}" sibTransId="{B9E47118-F99A-4F45-996D-372EC8F72170}"/>
-    <dgm:cxn modelId="{14712D3B-CD33-4164-A657-5E7C66CAE92A}" type="presOf" srcId="{D2497981-03D9-4665-92EB-9542207EE5A0}" destId="{4BE55D9B-F2BE-40E0-988E-BDE8EB2B357A}" srcOrd="0" destOrd="0" presId="urn:microsoft.com/office/officeart/2005/8/layout/orgChart1"/>
-    <dgm:cxn modelId="{EE611BF4-851B-4C6A-B020-3F9DC6F01811}" type="presOf" srcId="{4B29B0E8-CA69-4FEF-9CC5-F439E6D86762}" destId="{B2626B9F-2EF4-4FE5-9E4C-A8129BA31E89}" srcOrd="0" destOrd="0" presId="urn:microsoft.com/office/officeart/2005/8/layout/orgChart1"/>
-    <dgm:cxn modelId="{6F20E24C-B22E-45C1-8BD2-10025C50F363}" type="presOf" srcId="{0ECAC1D1-5B85-45A5-91F8-C84078419220}" destId="{2935292A-D4D0-48F8-812D-C13E18495739}" srcOrd="0" destOrd="0" presId="urn:microsoft.com/office/officeart/2005/8/layout/orgChart1"/>
-    <dgm:cxn modelId="{8CFE64AF-4845-40BB-8B76-DE7B76267885}" type="presOf" srcId="{5678BD54-44B6-4A5A-8BCB-8972579DD724}" destId="{40C180D0-1B00-442F-8BA1-A2996109948C}" srcOrd="0" destOrd="0" presId="urn:microsoft.com/office/officeart/2005/8/layout/orgChart1"/>
-    <dgm:cxn modelId="{00D0AF6C-BF0D-414C-94AE-2C657106249D}" type="presOf" srcId="{D2497981-03D9-4665-92EB-9542207EE5A0}" destId="{F1B092C9-6C05-4366-9E77-097203F742F5}" srcOrd="1" destOrd="0" presId="urn:microsoft.com/office/officeart/2005/8/layout/orgChart1"/>
-    <dgm:cxn modelId="{E837564D-5E93-43E9-B7A9-D742269CE192}" type="presOf" srcId="{9513878F-857A-47B3-93EC-DC613E0E9FCF}" destId="{B50E2733-0437-4C6E-BD17-21329A79757A}" srcOrd="1" destOrd="0" presId="urn:microsoft.com/office/officeart/2005/8/layout/orgChart1"/>
-    <dgm:cxn modelId="{F20152F7-AD74-4FF4-A560-53102DC24FE7}" srcId="{3BFC2D99-54F2-4F56-ABDC-4D2D1E5A4444}" destId="{DE9A6DA2-48E4-45CD-BDC3-2AC37AB54603}" srcOrd="5" destOrd="0" parTransId="{4B7A7F81-85AE-4C26-9391-DBA667A0C438}" sibTransId="{ED2CFA24-9B66-4289-912A-0BEDB12C8AF1}"/>
-    <dgm:cxn modelId="{2AB28060-6B46-4447-9DED-0430D902C049}" type="presOf" srcId="{1827938A-4461-4C74-83D4-B8E5FE5790F0}" destId="{ABBD46AD-BFA1-4A69-A78E-3C6498564907}" srcOrd="1" destOrd="0" presId="urn:microsoft.com/office/officeart/2005/8/layout/orgChart1"/>
-    <dgm:cxn modelId="{2421CD53-9FF3-4FA7-9CEA-8E3A9714392A}" type="presOf" srcId="{3BFC2D99-54F2-4F56-ABDC-4D2D1E5A4444}" destId="{371D36C4-2300-450B-9352-555F87D138B9}" srcOrd="0" destOrd="0" presId="urn:microsoft.com/office/officeart/2005/8/layout/orgChart1"/>
-    <dgm:cxn modelId="{BC430273-C0D1-4048-ADBB-5001ED6B240F}" type="presOf" srcId="{9513878F-857A-47B3-93EC-DC613E0E9FCF}" destId="{943019AC-F290-4309-8BBB-DD8C32D2005A}" srcOrd="0" destOrd="0" presId="urn:microsoft.com/office/officeart/2005/8/layout/orgChart1"/>
-    <dgm:cxn modelId="{D777201F-DA12-4FE8-9270-616A7B60F12D}" srcId="{3BFC2D99-54F2-4F56-ABDC-4D2D1E5A4444}" destId="{FE01D7D5-992C-48F5-94FC-98E66EC1519F}" srcOrd="1" destOrd="0" parTransId="{7CA3D873-A3F7-4257-991B-FB6E57BBECE6}" sibTransId="{0777F037-AA3A-4411-9288-81971C482D39}"/>
-    <dgm:cxn modelId="{6B930E62-5735-463A-BB60-6AB3DE7FA6A0}" type="presOf" srcId="{4B29B0E8-CA69-4FEF-9CC5-F439E6D86762}" destId="{3149285B-610F-4810-A59A-580527F6F166}" srcOrd="1" destOrd="0" presId="urn:microsoft.com/office/officeart/2005/8/layout/orgChart1"/>
-    <dgm:cxn modelId="{777C82DB-416B-4194-9B62-EE83F167CBC4}" srcId="{3BFC2D99-54F2-4F56-ABDC-4D2D1E5A4444}" destId="{D2497981-03D9-4665-92EB-9542207EE5A0}" srcOrd="6" destOrd="0" parTransId="{34BD77E1-5A4B-4BC3-9D05-64D928343E3C}" sibTransId="{14498747-DA1E-4409-90D0-BF8A48A3483B}"/>
-    <dgm:cxn modelId="{AF3FD5F8-0A77-45F2-9FAA-F75C6E59BACA}" type="presOf" srcId="{574DF99C-4176-499A-B61F-775D3A99A96C}" destId="{DAD55322-597F-4ED1-9260-8B14AA1999AE}" srcOrd="0" destOrd="0" presId="urn:microsoft.com/office/officeart/2005/8/layout/orgChart1"/>
-    <dgm:cxn modelId="{41B7EDF7-CCB4-415C-9108-FC1992CB2A40}" type="presOf" srcId="{7CA3D873-A3F7-4257-991B-FB6E57BBECE6}" destId="{D314536C-ACC2-4590-BE51-4E143107E4A8}" srcOrd="0" destOrd="0" presId="urn:microsoft.com/office/officeart/2005/8/layout/orgChart1"/>
-    <dgm:cxn modelId="{D1526B44-3440-42B1-BEB7-FBFEEF2A7C0E}" type="presOf" srcId="{4B7A7F81-85AE-4C26-9391-DBA667A0C438}" destId="{F330C14F-5E51-45A3-8BBA-FD6B3CA8B4D5}" srcOrd="0" destOrd="0" presId="urn:microsoft.com/office/officeart/2005/8/layout/orgChart1"/>
-    <dgm:cxn modelId="{3122EEEB-4127-4DCB-9752-0B9405C20019}" srcId="{3BFC2D99-54F2-4F56-ABDC-4D2D1E5A4444}" destId="{6272F718-0281-4B8E-96CA-9336D1DC1410}" srcOrd="0" destOrd="0" parTransId="{D30938AD-CB50-4663-9E84-6F16F0A37FB4}" sibTransId="{9627C3FB-94F7-4A67-9DFC-3FCDA0F271C4}"/>
-    <dgm:cxn modelId="{FE715640-4328-40A0-9071-DAD76E19762E}" type="presOf" srcId="{B1890DBD-9269-4E39-A5D8-D46B74618176}" destId="{7336B81B-55F5-4E76-89A4-BBBEAB58EA72}" srcOrd="0" destOrd="0" presId="urn:microsoft.com/office/officeart/2005/8/layout/orgChart1"/>
+    <dgm:cxn modelId="{FB9EC988-4CC4-4791-9393-435FC311B79F}" type="presOf" srcId="{DE9A6DA2-48E4-45CD-BDC3-2AC37AB54603}" destId="{99D6D0B4-FDC2-45F6-BF79-D664AA31EB5C}" srcOrd="0" destOrd="0" presId="urn:microsoft.com/office/officeart/2005/8/layout/orgChart1"/>
     <dgm:cxn modelId="{BA4EDF0C-887A-4EB2-B42D-204F34A6C296}" type="presOf" srcId="{34BD77E1-5A4B-4BC3-9D05-64D928343E3C}" destId="{2F72FC64-6020-484E-A27C-11BC33001E45}" srcOrd="0" destOrd="0" presId="urn:microsoft.com/office/officeart/2005/8/layout/orgChart1"/>
-    <dgm:cxn modelId="{D8273A52-B759-460B-A936-1989D97F472D}" type="presOf" srcId="{D30938AD-CB50-4663-9E84-6F16F0A37FB4}" destId="{158B7BDB-81BA-421C-8439-08A0B5F689FE}" srcOrd="0" destOrd="0" presId="urn:microsoft.com/office/officeart/2005/8/layout/orgChart1"/>
-    <dgm:cxn modelId="{4ADCA160-32C6-4548-927D-07F1CA0DDE57}" type="presOf" srcId="{1827938A-4461-4C74-83D4-B8E5FE5790F0}" destId="{0A9458DE-CEF8-4FA3-98D0-60929B6EE9C8}" srcOrd="0" destOrd="0" presId="urn:microsoft.com/office/officeart/2005/8/layout/orgChart1"/>
-    <dgm:cxn modelId="{8150823D-6615-4E5E-B2DB-042C8B097E69}" type="presOf" srcId="{DE9A6DA2-48E4-45CD-BDC3-2AC37AB54603}" destId="{6DB1CD38-5A46-40A5-A321-A083EFD0A09A}" srcOrd="1" destOrd="0" presId="urn:microsoft.com/office/officeart/2005/8/layout/orgChart1"/>
-    <dgm:cxn modelId="{924C0B64-E50E-4868-9CD4-3B2432C7FF88}" type="presOf" srcId="{77A798D0-4E44-4FD7-BD4B-1E07C2A650E4}" destId="{5CF26A62-4DAE-4DF6-AC2D-AA50C348D246}" srcOrd="0" destOrd="0" presId="urn:microsoft.com/office/officeart/2005/8/layout/orgChart1"/>
-    <dgm:cxn modelId="{CAA1C141-0296-4315-94B2-8A60F2A930B4}" type="presOf" srcId="{B1890DBD-9269-4E39-A5D8-D46B74618176}" destId="{719E8FA9-5EE4-4E9F-83A1-D76E75B8FD51}" srcOrd="1" destOrd="0" presId="urn:microsoft.com/office/officeart/2005/8/layout/orgChart1"/>
-    <dgm:cxn modelId="{FB9EC988-4CC4-4791-9393-435FC311B79F}" type="presOf" srcId="{DE9A6DA2-48E4-45CD-BDC3-2AC37AB54603}" destId="{99D6D0B4-FDC2-45F6-BF79-D664AA31EB5C}" srcOrd="0" destOrd="0" presId="urn:microsoft.com/office/officeart/2005/8/layout/orgChart1"/>
-    <dgm:cxn modelId="{85E440B9-DA07-4465-AE76-52DD0C3A99C1}" srcId="{3BFC2D99-54F2-4F56-ABDC-4D2D1E5A4444}" destId="{4B29B0E8-CA69-4FEF-9CC5-F439E6D86762}" srcOrd="4" destOrd="0" parTransId="{BDFA1744-A5B0-4A1F-8C25-CCF5E20A1147}" sibTransId="{34FFBDAF-B3C2-4AC7-8C57-86DB83683980}"/>
-    <dgm:cxn modelId="{765CD9D2-4EB9-46B7-B890-61A36525C9F9}" type="presOf" srcId="{6272F718-0281-4B8E-96CA-9336D1DC1410}" destId="{92E7D021-B009-4371-BFE2-14E1AD2DC69F}" srcOrd="0" destOrd="0" presId="urn:microsoft.com/office/officeart/2005/8/layout/orgChart1"/>
-    <dgm:cxn modelId="{B6688152-F2CE-45BB-AC0E-4C2D4BC8C672}" type="presOf" srcId="{6272F718-0281-4B8E-96CA-9336D1DC1410}" destId="{7385A498-D524-4331-903E-550C4195C356}" srcOrd="1" destOrd="0" presId="urn:microsoft.com/office/officeart/2005/8/layout/orgChart1"/>
     <dgm:cxn modelId="{24F0A3BF-EA9E-4B01-9BF7-819D99DC2587}" type="presOf" srcId="{FE01D7D5-992C-48F5-94FC-98E66EC1519F}" destId="{7C4E71F4-A14B-4814-8EAE-3BFDAB039162}" srcOrd="1" destOrd="0" presId="urn:microsoft.com/office/officeart/2005/8/layout/orgChart1"/>
     <dgm:cxn modelId="{0DA503EE-CD77-416C-93D1-47348DAAAB99}" srcId="{3BFC2D99-54F2-4F56-ABDC-4D2D1E5A4444}" destId="{1827938A-4461-4C74-83D4-B8E5FE5790F0}" srcOrd="2" destOrd="0" parTransId="{77A798D0-4E44-4FD7-BD4B-1E07C2A650E4}" sibTransId="{664A33D9-6050-4D44-93A4-FF169249954C}"/>
-    <dgm:cxn modelId="{63F6AEA9-6B01-4371-83E3-DDB5A3D19F28}" type="presOf" srcId="{FE01D7D5-992C-48F5-94FC-98E66EC1519F}" destId="{FE129309-50B7-46C3-8306-87B07F2F963E}" srcOrd="0" destOrd="0" presId="urn:microsoft.com/office/officeart/2005/8/layout/orgChart1"/>
+    <dgm:cxn modelId="{AF3FD5F8-0A77-45F2-9FAA-F75C6E59BACA}" type="presOf" srcId="{574DF99C-4176-499A-B61F-775D3A99A96C}" destId="{DAD55322-597F-4ED1-9260-8B14AA1999AE}" srcOrd="0" destOrd="0" presId="urn:microsoft.com/office/officeart/2005/8/layout/orgChart1"/>
+    <dgm:cxn modelId="{FE715640-4328-40A0-9071-DAD76E19762E}" type="presOf" srcId="{B1890DBD-9269-4E39-A5D8-D46B74618176}" destId="{7336B81B-55F5-4E76-89A4-BBBEAB58EA72}" srcOrd="0" destOrd="0" presId="urn:microsoft.com/office/officeart/2005/8/layout/orgChart1"/>
+    <dgm:cxn modelId="{777C82DB-416B-4194-9B62-EE83F167CBC4}" srcId="{3BFC2D99-54F2-4F56-ABDC-4D2D1E5A4444}" destId="{D2497981-03D9-4665-92EB-9542207EE5A0}" srcOrd="6" destOrd="0" parTransId="{34BD77E1-5A4B-4BC3-9D05-64D928343E3C}" sibTransId="{14498747-DA1E-4409-90D0-BF8A48A3483B}"/>
+    <dgm:cxn modelId="{14712D3B-CD33-4164-A657-5E7C66CAE92A}" type="presOf" srcId="{D2497981-03D9-4665-92EB-9542207EE5A0}" destId="{4BE55D9B-F2BE-40E0-988E-BDE8EB2B357A}" srcOrd="0" destOrd="0" presId="urn:microsoft.com/office/officeart/2005/8/layout/orgChart1"/>
     <dgm:cxn modelId="{5FFAB48C-E36F-4F04-9E0B-44EC61B8E6B6}" type="presParOf" srcId="{DAD55322-597F-4ED1-9260-8B14AA1999AE}" destId="{E0714F84-9967-4121-BCEC-81F104297DC6}" srcOrd="0" destOrd="0" presId="urn:microsoft.com/office/officeart/2005/8/layout/orgChart1"/>
     <dgm:cxn modelId="{4EC2CCCB-BF58-4F51-BA75-5AFA4DB25ADA}" type="presParOf" srcId="{E0714F84-9967-4121-BCEC-81F104297DC6}" destId="{30F32C6A-6D24-4DAD-9562-6DE784464E67}" srcOrd="0" destOrd="0" presId="urn:microsoft.com/office/officeart/2005/8/layout/orgChart1"/>
     <dgm:cxn modelId="{E3C16E2E-E2F3-47C0-9F1D-4835B0CB811C}" type="presParOf" srcId="{30F32C6A-6D24-4DAD-9562-6DE784464E67}" destId="{371D36C4-2300-450B-9352-555F87D138B9}" srcOrd="0" destOrd="0" presId="urn:microsoft.com/office/officeart/2005/8/layout/orgChart1"/>
@@ -8631,7 +8799,7 @@
             <a:fld id="{2EABF25A-48F1-429C-8CD7-3D994DBD22B5}" type="datetimeFigureOut">
               <a:rPr lang="en-US" smtClean="0"/>
               <a:pPr/>
-              <a:t>8/11/2014</a:t>
+              <a:t>2/11/2015</a:t>
             </a:fld>
             <a:endParaRPr lang="en-US" dirty="0"/>
           </a:p>
@@ -11788,23 +11956,7 @@
                 <a:ea typeface="+mj-ea"/>
                 <a:cs typeface="Calibri" pitchFamily="34" charset="0"/>
               </a:rPr>
-              <a:t>Revi</a:t>
-            </a:r>
-            <a:r>
-              <a:rPr lang="en-US" sz="2400" b="1" kern="0" dirty="0" smtClean="0">
-                <a:latin typeface="Calibri" pitchFamily="34" charset="0"/>
-                <a:ea typeface="+mj-ea"/>
-                <a:cs typeface="Calibri" pitchFamily="34" charset="0"/>
-              </a:rPr>
-              <a:t>sion </a:t>
-            </a:r>
-            <a:r>
-              <a:rPr lang="en-US" sz="2400" b="1" kern="0" dirty="0" smtClean="0">
-                <a:latin typeface="Calibri" pitchFamily="34" charset="0"/>
-                <a:ea typeface="+mj-ea"/>
-                <a:cs typeface="Calibri" pitchFamily="34" charset="0"/>
-              </a:rPr>
-              <a:t>Control Recommendations</a:t>
+              <a:t>Revision Control Recommendations</a:t>
             </a:r>
           </a:p>
           <a:p>
@@ -11823,29 +11975,18 @@
               <a:defRPr/>
             </a:pPr>
             <a:r>
-              <a:rPr lang="en-US" sz="2000" kern="0" smtClean="0">
-                <a:latin typeface="Calibri" pitchFamily="34" charset="0"/>
-                <a:ea typeface="+mj-ea"/>
-                <a:cs typeface="Calibri" pitchFamily="34" charset="0"/>
-              </a:rPr>
-              <a:t>August</a:t>
-            </a:r>
-            <a:r>
-              <a:rPr lang="en-US" sz="2000" kern="0" smtClean="0">
-                <a:latin typeface="Calibri" pitchFamily="34" charset="0"/>
-                <a:ea typeface="+mj-ea"/>
-                <a:cs typeface="Calibri" pitchFamily="34" charset="0"/>
-              </a:rPr>
-              <a:t> </a:t>
-            </a:r>
-            <a:r>
               <a:rPr lang="en-US" sz="2000" kern="0" dirty="0" smtClean="0">
                 <a:latin typeface="Calibri" pitchFamily="34" charset="0"/>
                 <a:ea typeface="+mj-ea"/>
                 <a:cs typeface="Calibri" pitchFamily="34" charset="0"/>
               </a:rPr>
-              <a:t>2014</a:t>
-            </a:r>
+              <a:t>February 2015</a:t>
+            </a:r>
+            <a:endParaRPr lang="en-US" sz="2000" kern="0" dirty="0" smtClean="0">
+              <a:latin typeface="Calibri" pitchFamily="34" charset="0"/>
+              <a:ea typeface="+mj-ea"/>
+              <a:cs typeface="Calibri" pitchFamily="34" charset="0"/>
+            </a:endParaRPr>
           </a:p>
         </p:txBody>
       </p:sp>
@@ -11983,7 +12124,23 @@
             </a:r>
             <a:r>
               <a:rPr lang="en-US" baseline="0" dirty="0" smtClean="0"/>
-              <a:t> a small project just for IP</a:t>
+              <a:t> a small </a:t>
+            </a:r>
+            <a:r>
+              <a:rPr lang="en-US" baseline="0" dirty="0" smtClean="0"/>
+              <a:t>“managed </a:t>
+            </a:r>
+            <a:r>
+              <a:rPr lang="en-US" baseline="0" dirty="0" err="1" smtClean="0"/>
+              <a:t>ip</a:t>
+            </a:r>
+            <a:r>
+              <a:rPr lang="en-US" baseline="0" dirty="0" smtClean="0"/>
+              <a:t>” project </a:t>
+            </a:r>
+            <a:r>
+              <a:rPr lang="en-US" baseline="0" dirty="0" smtClean="0"/>
+              <a:t>for IP</a:t>
             </a:r>
           </a:p>
           <a:p>
@@ -12202,20 +12359,6 @@
               </a:rPr>
               <a:t>Important!</a:t>
             </a:r>
-            <a:endParaRPr kumimoji="0" lang="en-US" sz="2000" b="1" i="0" u="none" strike="noStrike" kern="0" cap="none" spc="0" normalizeH="0" baseline="0" noProof="0" dirty="0" smtClean="0">
-              <a:ln>
-                <a:noFill/>
-              </a:ln>
-              <a:solidFill>
-                <a:srgbClr val="FF0000"/>
-              </a:solidFill>
-              <a:effectLst/>
-              <a:uLnTx/>
-              <a:uFillTx/>
-              <a:latin typeface="+mn-lt"/>
-              <a:ea typeface="+mn-ea"/>
-              <a:cs typeface="+mn-cs"/>
-            </a:endParaRPr>
           </a:p>
         </p:txBody>
       </p:sp>
@@ -12269,7 +12412,7 @@
         <p:spPr>
           <a:xfrm>
             <a:off x="364599" y="1327150"/>
-            <a:ext cx="6418163" cy="4268337"/>
+            <a:ext cx="6047775" cy="4268337"/>
           </a:xfrm>
         </p:spPr>
         <p:txBody>
@@ -12278,36 +12421,82 @@
           <a:p>
             <a:r>
               <a:rPr lang="en-US" dirty="0" smtClean="0"/>
-              <a:t>Build System Generator in a Standalone directory</a:t>
-            </a:r>
+              <a:t>Build System </a:t>
+            </a:r>
+            <a:r>
+              <a:rPr lang="en-US" dirty="0" smtClean="0"/>
+              <a:t>Generator </a:t>
+            </a:r>
+            <a:r>
+              <a:rPr lang="en-US" dirty="0" smtClean="0"/>
+              <a:t>“</a:t>
+            </a:r>
+            <a:r>
+              <a:rPr lang="en-US" dirty="0" smtClean="0"/>
+              <a:t>Standalone”</a:t>
+            </a:r>
+            <a:endParaRPr lang="en-US" dirty="0" smtClean="0"/>
           </a:p>
           <a:p>
             <a:pPr lvl="1"/>
             <a:r>
               <a:rPr lang="en-US" dirty="0" smtClean="0"/>
-              <a:t>Like IP – separated from project</a:t>
-            </a:r>
+              <a:t>vs</a:t>
+            </a:r>
+            <a:r>
+              <a:rPr lang="en-US" dirty="0" smtClean="0"/>
+              <a:t> “composite” integration mode with </a:t>
+            </a:r>
+            <a:r>
+              <a:rPr lang="en-US" dirty="0" err="1" smtClean="0"/>
+              <a:t>Vivado</a:t>
+            </a:r>
+            <a:endParaRPr lang="en-US" dirty="0" smtClean="0"/>
           </a:p>
           <a:p>
             <a:pPr lvl="1"/>
             <a:r>
-              <a:rPr lang="en-US" dirty="0"/>
-              <a:t>C</a:t>
-            </a:r>
-            <a:r>
-              <a:rPr lang="en-US" dirty="0" smtClean="0"/>
-              <a:t>urrently doesn’t support </a:t>
-            </a:r>
-            <a:r>
-              <a:rPr lang="en-US" dirty="0" smtClean="0"/>
-              <a:t>OOC</a:t>
+              <a:rPr lang="en-US" dirty="0" smtClean="0"/>
+              <a:t>Package </a:t>
+            </a:r>
+            <a:r>
+              <a:rPr lang="en-US" dirty="0" err="1" smtClean="0"/>
+              <a:t>S</a:t>
+            </a:r>
+            <a:r>
+              <a:rPr lang="en-US" dirty="0" err="1" smtClean="0"/>
+              <a:t>ysGen</a:t>
+            </a:r>
+            <a:r>
+              <a:rPr lang="en-US" smtClean="0"/>
+              <a:t> Block </a:t>
+            </a:r>
+            <a:r>
+              <a:rPr lang="en-US" dirty="0" smtClean="0"/>
+              <a:t>like any other custom </a:t>
+            </a:r>
+            <a:r>
+              <a:rPr lang="en-US" dirty="0" smtClean="0"/>
+              <a:t>IP </a:t>
             </a:r>
           </a:p>
           <a:p>
             <a:pPr lvl="1"/>
             <a:r>
               <a:rPr lang="en-US" dirty="0" smtClean="0"/>
-              <a:t>Make sure it is fully generated (RTL)</a:t>
+              <a:t>IP repo used in IPI or Managed IP project for RTL</a:t>
+            </a:r>
+            <a:endParaRPr lang="en-US" dirty="0" smtClean="0"/>
+          </a:p>
+          <a:p>
+            <a:pPr lvl="1"/>
+            <a:r>
+              <a:rPr lang="en-US" dirty="0" smtClean="0"/>
+              <a:t>Make sure it is fully generated (RTL</a:t>
+            </a:r>
+            <a:r>
+              <a:rPr lang="en-US" dirty="0" smtClean="0"/>
+              <a:t>) with DCP (OOC)</a:t>
             </a:r>
             <a:endParaRPr lang="en-US" dirty="0" smtClean="0"/>
           </a:p>
@@ -12328,6 +12517,10 @@
               <a:t>Entire directory, including </a:t>
             </a:r>
             <a:r>
+              <a:rPr lang="en-US" dirty="0" smtClean="0"/>
+              <a:t>all </a:t>
+            </a:r>
+            <a:r>
               <a:rPr lang="en-US" dirty="0" err="1" smtClean="0"/>
               <a:t>subdirs</a:t>
             </a:r>
@@ -12340,21 +12533,24 @@
           <a:p>
             <a:r>
               <a:rPr lang="en-US" dirty="0" smtClean="0"/>
-              <a:t>Add .</a:t>
-            </a:r>
-            <a:r>
-              <a:rPr lang="en-US" dirty="0" err="1" smtClean="0"/>
-              <a:t>slx</a:t>
-            </a:r>
-            <a:r>
-              <a:rPr lang="en-US" dirty="0" smtClean="0"/>
-              <a:t> to top </a:t>
-            </a:r>
-            <a:r>
-              <a:rPr lang="en-US" dirty="0" smtClean="0"/>
-              <a:t>project as a remote source</a:t>
-            </a:r>
-            <a:endParaRPr lang="en-US" dirty="0" smtClean="0"/>
+              <a:t>Add </a:t>
+            </a:r>
+            <a:r>
+              <a:rPr lang="en-US" dirty="0" smtClean="0"/>
+              <a:t>.</a:t>
+            </a:r>
+            <a:r>
+              <a:rPr lang="en-US" dirty="0" smtClean="0"/>
+              <a:t>xci</a:t>
+            </a:r>
+            <a:r>
+              <a:rPr lang="en-US" dirty="0" smtClean="0"/>
+              <a:t> </a:t>
+            </a:r>
+            <a:r>
+              <a:rPr lang="en-US" dirty="0" smtClean="0"/>
+              <a:t>to top project as a remote source</a:t>
+            </a:r>
           </a:p>
           <a:p>
             <a:pPr lvl="1"/>
@@ -12376,48 +12572,13 @@
             </a:r>
             <a:r>
               <a:rPr lang="en-US" dirty="0" smtClean="0"/>
-              <a:t> command, relative file path</a:t>
+              <a:t> command, relative file </a:t>
+            </a:r>
+            <a:r>
+              <a:rPr lang="en-US" dirty="0" smtClean="0"/>
+              <a:t>path</a:t>
             </a:r>
             <a:endParaRPr lang="en-US" dirty="0"/>
-          </a:p>
-          <a:p>
-            <a:pPr lvl="1"/>
-            <a:r>
-              <a:rPr lang="en-US" dirty="0" smtClean="0"/>
-              <a:t>No </a:t>
-            </a:r>
-            <a:r>
-              <a:rPr lang="en-US" dirty="0" err="1" smtClean="0"/>
-              <a:t>Matlab</a:t>
-            </a:r>
-            <a:r>
-              <a:rPr lang="en-US" dirty="0" smtClean="0"/>
-              <a:t> </a:t>
-            </a:r>
-            <a:r>
-              <a:rPr lang="en-US" dirty="0" smtClean="0"/>
-              <a:t>license </a:t>
-            </a:r>
-            <a:r>
-              <a:rPr lang="en-US" dirty="0" smtClean="0"/>
-              <a:t>required</a:t>
-            </a:r>
-          </a:p>
-          <a:p>
-            <a:pPr lvl="1"/>
-            <a:r>
-              <a:rPr lang="en-US" dirty="0" smtClean="0"/>
-              <a:t>If you add via GUI, it will require a </a:t>
-            </a:r>
-            <a:r>
-              <a:rPr lang="en-US" dirty="0" err="1" smtClean="0"/>
-              <a:t>Matlab</a:t>
-            </a:r>
-            <a:r>
-              <a:rPr lang="en-US" dirty="0" smtClean="0"/>
-              <a:t> license and copy it locally</a:t>
-            </a:r>
-            <a:endParaRPr lang="en-US" dirty="0" smtClean="0"/>
           </a:p>
         </p:txBody>
       </p:sp>
@@ -12446,7 +12607,7 @@
       </p:sp>
       <p:pic>
         <p:nvPicPr>
-          <p:cNvPr id="4" name="Picture 3"/>
+          <p:cNvPr id="8" name="Picture 7"/>
           <p:cNvPicPr>
             <a:picLocks noChangeAspect="1"/>
           </p:cNvPicPr>
@@ -12466,8 +12627,8 @@
         </p:blipFill>
         <p:spPr>
           <a:xfrm>
-            <a:off x="6676680" y="1333529"/>
-            <a:ext cx="2467320" cy="2343477"/>
+            <a:off x="6524259" y="1112469"/>
+            <a:ext cx="2619741" cy="3515216"/>
           </a:xfrm>
           <a:prstGeom prst="rect">
             <a:avLst/>
@@ -12482,7 +12643,7 @@
         </p:nvSpPr>
         <p:spPr bwMode="auto">
           <a:xfrm>
-            <a:off x="6681622" y="2006081"/>
+            <a:off x="6524259" y="3128826"/>
             <a:ext cx="1436913" cy="298580"/>
           </a:xfrm>
           <a:prstGeom prst="roundRect">
@@ -12576,11 +12737,7 @@
             </a:r>
             <a:r>
               <a:rPr lang="en-US" baseline="0" dirty="0" smtClean="0"/>
-              <a:t> </a:t>
-            </a:r>
-            <a:r>
-              <a:rPr lang="en-US" baseline="0" dirty="0" smtClean="0"/>
-              <a:t>File Life Cycle</a:t>
+              <a:t> File Life Cycle</a:t>
             </a:r>
             <a:endParaRPr lang="en-US" dirty="0"/>
           </a:p>
@@ -14030,11 +14187,7 @@
             </a:r>
             <a:r>
               <a:rPr lang="en-US" sz="2000" dirty="0" smtClean="0"/>
-              <a:t>) </a:t>
-            </a:r>
-            <a:r>
-              <a:rPr lang="en-US" sz="2000" dirty="0" smtClean="0"/>
-              <a:t>– 1/2</a:t>
+              <a:t>) – 1/2</a:t>
             </a:r>
             <a:endParaRPr lang="en-US" sz="2000" dirty="0"/>
           </a:p>
@@ -15430,11 +15583,6 @@
               </a:rPr>
               <a:t>This is a Tab Character – don’t forget it!</a:t>
             </a:r>
-            <a:endParaRPr lang="en-US" dirty="0" smtClean="0">
-              <a:solidFill>
-                <a:srgbClr val="000000"/>
-              </a:solidFill>
-            </a:endParaRPr>
           </a:p>
         </p:txBody>
       </p:sp>
@@ -16484,11 +16632,7 @@
           <a:p>
             <a:r>
               <a:rPr lang="en-US" dirty="0" smtClean="0"/>
-              <a:t>Lab </a:t>
-            </a:r>
-            <a:r>
-              <a:rPr lang="en-US" dirty="0" smtClean="0"/>
-              <a:t>1</a:t>
+              <a:t>Lab 1</a:t>
             </a:r>
             <a:endParaRPr lang="en-US" dirty="0"/>
           </a:p>
@@ -16592,11 +16736,7 @@
           <a:p>
             <a:r>
               <a:rPr lang="en-US" dirty="0" smtClean="0"/>
-              <a:t>Lab </a:t>
-            </a:r>
-            <a:r>
-              <a:rPr lang="en-US" dirty="0" smtClean="0"/>
-              <a:t>2</a:t>
+              <a:t>Lab 2</a:t>
             </a:r>
             <a:endParaRPr lang="en-US" dirty="0"/>
           </a:p>
@@ -16765,11 +16905,7 @@
             </a:r>
             <a:r>
               <a:rPr lang="en-US" baseline="0" dirty="0" smtClean="0"/>
-              <a:t> </a:t>
-            </a:r>
-            <a:r>
-              <a:rPr lang="en-US" baseline="0" dirty="0" smtClean="0"/>
-              <a:t>3</a:t>
+              <a:t> 3</a:t>
             </a:r>
             <a:endParaRPr lang="en-US" dirty="0"/>
           </a:p>
@@ -17061,11 +17197,7 @@
           <a:p>
             <a:r>
               <a:rPr lang="en-US" dirty="0" smtClean="0"/>
-              <a:t>Lab </a:t>
-            </a:r>
-            <a:r>
-              <a:rPr lang="en-US" dirty="0" smtClean="0"/>
-              <a:t>4</a:t>
+              <a:t>Lab 4</a:t>
             </a:r>
             <a:endParaRPr lang="en-US" dirty="0"/>
           </a:p>
@@ -17163,11 +17295,7 @@
           <a:p>
             <a:r>
               <a:rPr lang="en-US" dirty="0" smtClean="0"/>
-              <a:t>Lab </a:t>
-            </a:r>
-            <a:r>
-              <a:rPr lang="en-US" dirty="0" smtClean="0"/>
-              <a:t>5</a:t>
+              <a:t>Lab 5</a:t>
             </a:r>
             <a:endParaRPr lang="en-US" dirty="0"/>
           </a:p>
@@ -17303,23 +17431,7 @@
             </a:r>
             <a:r>
               <a:rPr lang="en-US" dirty="0" smtClean="0"/>
-              <a:t> </a:t>
-            </a:r>
-            <a:r>
-              <a:rPr lang="en-US" dirty="0" smtClean="0"/>
-              <a:t>HDL</a:t>
-            </a:r>
-            <a:r>
-              <a:rPr lang="en-US" dirty="0" smtClean="0"/>
-              <a:t> </a:t>
-            </a:r>
-            <a:r>
-              <a:rPr lang="en-US" dirty="0" smtClean="0"/>
-              <a:t>and </a:t>
-            </a:r>
-            <a:r>
-              <a:rPr lang="en-US" dirty="0" smtClean="0"/>
-              <a:t>links</a:t>
+              <a:t> HDL and links</a:t>
             </a:r>
           </a:p>
         </p:txBody>
@@ -17341,11 +17453,7 @@
           <a:p>
             <a:r>
               <a:rPr lang="en-US" dirty="0" smtClean="0"/>
-              <a:t>Lab </a:t>
-            </a:r>
-            <a:r>
-              <a:rPr lang="en-US" dirty="0" smtClean="0"/>
-              <a:t>6</a:t>
+              <a:t>Lab 6</a:t>
             </a:r>
             <a:endParaRPr lang="en-US" dirty="0"/>
           </a:p>
@@ -17757,15 +17865,7 @@
             <a:pPr lvl="1"/>
             <a:r>
               <a:rPr lang="en-US" dirty="0" smtClean="0"/>
-              <a:t>Generally </a:t>
-            </a:r>
-            <a:r>
-              <a:rPr lang="en-US" dirty="0" smtClean="0"/>
-              <a:t>prefer </a:t>
-            </a:r>
-            <a:r>
-              <a:rPr lang="en-US" dirty="0" smtClean="0"/>
-              <a:t>ASCII-based internal files (xml project files)</a:t>
+              <a:t>Generally prefer ASCII-based internal files (xml project files)</a:t>
             </a:r>
           </a:p>
           <a:p>
@@ -17779,15 +17879,7 @@
             <a:pPr lvl="1"/>
             <a:r>
               <a:rPr lang="en-US" dirty="0" smtClean="0"/>
-              <a:t>Tolerate hidden “dot” files inserted by </a:t>
-            </a:r>
-            <a:r>
-              <a:rPr lang="en-US" dirty="0" smtClean="0"/>
-              <a:t>revision control </a:t>
-            </a:r>
-            <a:r>
-              <a:rPr lang="en-US" dirty="0" smtClean="0"/>
-              <a:t>tools</a:t>
+              <a:t>Tolerate hidden “dot” files inserted by revision control tools</a:t>
             </a:r>
           </a:p>
           <a:p>
@@ -17887,11 +17979,7 @@
             </a:r>
             <a:r>
               <a:rPr lang="en-US" baseline="0" dirty="0" smtClean="0"/>
-              <a:t>Revision </a:t>
-            </a:r>
-            <a:r>
-              <a:rPr lang="en-US" baseline="0" dirty="0" smtClean="0"/>
-              <a:t>Control Philosophy</a:t>
+              <a:t>Revision Control Philosophy</a:t>
             </a:r>
             <a:endParaRPr lang="en-US" dirty="0"/>
           </a:p>
@@ -18037,8 +18125,13 @@
             <a:pPr lvl="1"/>
             <a:r>
               <a:rPr lang="en-US" dirty="0" smtClean="0"/>
-              <a:t>Doesn’t currently work w/ remote sources</a:t>
-            </a:r>
+              <a:t>R</a:t>
+            </a:r>
+            <a:r>
+              <a:rPr lang="en-US" dirty="0" smtClean="0"/>
+              <a:t>emote sources beginning in 2015.1 (until then easy workaround)</a:t>
+            </a:r>
+            <a:endParaRPr lang="en-US" dirty="0" smtClean="0"/>
           </a:p>
           <a:p>
             <a:r>
@@ -18062,11 +18155,7 @@
             </a:r>
             <a:r>
               <a:rPr lang="en-US" dirty="0" smtClean="0"/>
-              <a:t>eproduce the project given input </a:t>
-            </a:r>
-            <a:r>
-              <a:rPr lang="en-US" dirty="0" smtClean="0"/>
-              <a:t>sources</a:t>
+              <a:t>eproduce the project given input sources</a:t>
             </a:r>
           </a:p>
           <a:p>
@@ -18083,7 +18172,6 @@
               <a:rPr lang="en-US" dirty="0" smtClean="0"/>
               <a:t> sources</a:t>
             </a:r>
-            <a:endParaRPr lang="en-US" dirty="0" smtClean="0"/>
           </a:p>
           <a:p>
             <a:r>
@@ -18508,7 +18596,7 @@
           <p:nvPr>
             <p:extLst>
               <p:ext uri="{D42A27DB-BD31-4B8C-83A1-F6EECF244321}">
-                <p14:modId xmlns:p14="http://schemas.microsoft.com/office/powerpoint/2010/main" val="2771031266"/>
+                <p14:modId xmlns:p14="http://schemas.microsoft.com/office/powerpoint/2010/main" val="3601516451"/>
               </p:ext>
             </p:extLst>
           </p:nvPr>
@@ -18744,7 +18832,15 @@
                             <a:srgbClr val="000000"/>
                           </a:solidFill>
                         </a:rPr>
-                        <a:t>Sys Gen SLX (entire </a:t>
+                        <a:t>Sys Gen </a:t>
+                      </a:r>
+                      <a:r>
+                        <a:rPr lang="en-US" dirty="0" smtClean="0">
+                          <a:solidFill>
+                            <a:srgbClr val="000000"/>
+                          </a:solidFill>
+                        </a:rPr>
+                        <a:t>IP XCI (entire </a:t>
                       </a:r>
                       <a:r>
                         <a:rPr lang="en-US" dirty="0" err="1" smtClean="0">
@@ -19087,22 +19183,14 @@
             </a:r>
             <a:r>
               <a:rPr lang="en-US" sz="1600" dirty="0" smtClean="0"/>
-              <a:t>, . </a:t>
-            </a:r>
+              <a:t>, . Xml)</a:t>
+            </a:r>
+          </a:p>
+          <a:p>
+            <a:pPr lvl="1"/>
             <a:r>
               <a:rPr lang="en-US" sz="1600" dirty="0" smtClean="0"/>
-              <a:t>Xml)</a:t>
-            </a:r>
-          </a:p>
-          <a:p>
-            <a:pPr lvl="1"/>
-            <a:r>
-              <a:rPr lang="en-US" sz="1600" dirty="0" smtClean="0"/>
-              <a:t>all </a:t>
-            </a:r>
-            <a:r>
-              <a:rPr lang="en-US" sz="1600" dirty="0" smtClean="0"/>
-              <a:t>subdirectories</a:t>
+              <a:t>all subdirectories</a:t>
             </a:r>
           </a:p>
           <a:p>
@@ -19112,11 +19200,7 @@
           <a:p>
             <a:r>
               <a:rPr lang="en-US" sz="1800" dirty="0" smtClean="0"/>
-              <a:t>Instantiate </a:t>
-            </a:r>
-            <a:r>
-              <a:rPr lang="en-US" sz="1800" dirty="0" smtClean="0"/>
-              <a:t>- </a:t>
+              <a:t>Instantiate - </a:t>
             </a:r>
             <a:r>
               <a:rPr lang="en-US" sz="1800" dirty="0"/>
@@ -19124,19 +19208,7 @@
             </a:r>
             <a:r>
               <a:rPr lang="en-US" sz="1800" dirty="0" smtClean="0"/>
-              <a:t>dding </a:t>
-            </a:r>
-            <a:r>
-              <a:rPr lang="en-US" sz="1800" dirty="0" smtClean="0"/>
-              <a:t>.xci </a:t>
-            </a:r>
-            <a:r>
-              <a:rPr lang="en-US" sz="1800" dirty="0" smtClean="0"/>
-              <a:t>as </a:t>
-            </a:r>
-            <a:r>
-              <a:rPr lang="en-US" sz="1800" dirty="0" smtClean="0"/>
-              <a:t>remote source</a:t>
+              <a:t>dding .xci as remote source</a:t>
             </a:r>
           </a:p>
           <a:p>
@@ -19150,15 +19222,7 @@
             <a:pPr lvl="1"/>
             <a:r>
               <a:rPr lang="en-US" sz="1600" dirty="0" smtClean="0"/>
-              <a:t>Must be fully generated, </a:t>
-            </a:r>
-            <a:r>
-              <a:rPr lang="en-US" sz="1600" dirty="0" smtClean="0"/>
-              <a:t>preferably </a:t>
-            </a:r>
-            <a:r>
-              <a:rPr lang="en-US" sz="1600" dirty="0" smtClean="0"/>
-              <a:t>w/ </a:t>
+              <a:t>Must be fully generated, preferably w/ </a:t>
             </a:r>
             <a:r>
               <a:rPr lang="en-US" sz="1600" dirty="0" err="1" smtClean="0"/>
@@ -19402,14 +19466,22 @@
           <a:p>
             <a:r>
               <a:rPr lang="en-US" dirty="0" smtClean="0"/>
-              <a:t>Create the block diagram in a remote directory</a:t>
+              <a:t>Create the block diagram in a remote </a:t>
+            </a:r>
+            <a:r>
+              <a:rPr lang="en-US" dirty="0" smtClean="0"/>
+              <a:t>directory</a:t>
             </a:r>
           </a:p>
           <a:p>
             <a:pPr lvl="1"/>
             <a:r>
               <a:rPr lang="en-US" dirty="0" smtClean="0"/>
-              <a:t>Just like IP, and make sure it is fully generated</a:t>
+              <a:t>Just </a:t>
+            </a:r>
+            <a:r>
+              <a:rPr lang="en-US" dirty="0" smtClean="0"/>
+              <a:t>like IP, and make sure it is fully generated</a:t>
             </a:r>
           </a:p>
           <a:p>
@@ -20368,6 +20440,21 @@
 </file>
 
 <file path=customXml/item1.xml><?xml version="1.0" encoding="utf-8"?>
+<?mso-contentType ?>
+<FormTemplates xmlns="http://schemas.microsoft.com/sharepoint/v3/contenttype/forms">
+  <Display>DocumentLibraryForm</Display>
+  <Edit>DocumentLibraryForm</Edit>
+  <New>DocumentLibraryForm</New>
+</FormTemplates>
+</file>
+
+<file path=customXml/item2.xml><?xml version="1.0" encoding="utf-8"?>
+<p:properties xmlns:p="http://schemas.microsoft.com/office/2006/metadata/properties" xmlns:xsi="http://www.w3.org/2001/XMLSchema-instance" xmlns:pc="http://schemas.microsoft.com/office/infopath/2007/PartnerControls">
+  <documentManagement/>
+</p:properties>
+</file>
+
+<file path=customXml/item3.xml><?xml version="1.0" encoding="utf-8"?>
 <ct:contentTypeSchema xmlns:ct="http://schemas.microsoft.com/office/2006/metadata/contentType" xmlns:ma="http://schemas.microsoft.com/office/2006/metadata/properties/metaAttributes" ct:_="" ma:_="" ma:contentTypeName="Document" ma:contentTypeID="0x0101009FF7D9ACD620714D8FBB4D60D145DB4F" ma:contentTypeVersion="0" ma:contentTypeDescription="Create a new document." ma:contentTypeScope="" ma:versionID="4bbc07a174f573dfbe0296acaebf4d5b">
   <xsd:schema xmlns:xsd="http://www.w3.org/2001/XMLSchema" xmlns:xs="http://www.w3.org/2001/XMLSchema" xmlns:p="http://schemas.microsoft.com/office/2006/metadata/properties" targetNamespace="http://schemas.microsoft.com/office/2006/metadata/properties" ma:root="true" ma:fieldsID="c64490b4aec6201516c3a874156f37b2">
     <xsd:element name="properties">
@@ -20481,22 +20568,30 @@
 </ct:contentTypeSchema>
 </file>
 
-<file path=customXml/item2.xml><?xml version="1.0" encoding="utf-8"?>
-<p:properties xmlns:p="http://schemas.microsoft.com/office/2006/metadata/properties" xmlns:xsi="http://www.w3.org/2001/XMLSchema-instance" xmlns:pc="http://schemas.microsoft.com/office/infopath/2007/PartnerControls">
-  <documentManagement/>
-</p:properties>
+<file path=customXml/itemProps1.xml><?xml version="1.0" encoding="utf-8"?>
+<ds:datastoreItem xmlns:ds="http://schemas.openxmlformats.org/officeDocument/2006/customXml" ds:itemID="{56EA677F-09E4-40FC-B998-315C6F85D97B}">
+  <ds:schemaRefs>
+    <ds:schemaRef ds:uri="http://schemas.microsoft.com/sharepoint/v3/contenttype/forms"/>
+  </ds:schemaRefs>
+</ds:datastoreItem>
 </file>
 
-<file path=customXml/item3.xml><?xml version="1.0" encoding="utf-8"?>
-<?mso-contentType ?>
-<FormTemplates xmlns="http://schemas.microsoft.com/sharepoint/v3/contenttype/forms">
-  <Display>DocumentLibraryForm</Display>
-  <Edit>DocumentLibraryForm</Edit>
-  <New>DocumentLibraryForm</New>
-</FormTemplates>
+<file path=customXml/itemProps2.xml><?xml version="1.0" encoding="utf-8"?>
+<ds:datastoreItem xmlns:ds="http://schemas.openxmlformats.org/officeDocument/2006/customXml" ds:itemID="{93D979BB-29AC-43F0-A6B8-B619DB8E98DE}">
+  <ds:schemaRefs>
+    <ds:schemaRef ds:uri="http://purl.org/dc/dcmitype/"/>
+    <ds:schemaRef ds:uri="http://purl.org/dc/terms/"/>
+    <ds:schemaRef ds:uri="http://purl.org/dc/elements/1.1/"/>
+    <ds:schemaRef ds:uri="http://www.w3.org/XML/1998/namespace"/>
+    <ds:schemaRef ds:uri="http://schemas.openxmlformats.org/package/2006/metadata/core-properties"/>
+    <ds:schemaRef ds:uri="http://schemas.microsoft.com/office/2006/documentManagement/types"/>
+    <ds:schemaRef ds:uri="http://schemas.microsoft.com/office/infopath/2007/PartnerControls"/>
+    <ds:schemaRef ds:uri="http://schemas.microsoft.com/office/2006/metadata/properties"/>
+  </ds:schemaRefs>
+</ds:datastoreItem>
 </file>
 
-<file path=customXml/itemProps1.xml><?xml version="1.0" encoding="utf-8"?>
+<file path=customXml/itemProps3.xml><?xml version="1.0" encoding="utf-8"?>
 <ds:datastoreItem xmlns:ds="http://schemas.openxmlformats.org/officeDocument/2006/customXml" ds:itemID="{63A6CF10-4272-4792-86D6-C2A00A3F8DBF}">
   <ds:schemaRefs>
     <ds:schemaRef ds:uri="http://schemas.microsoft.com/office/2006/metadata/contentType"/>
@@ -20510,27 +20605,4 @@
     <ds:schemaRef ds:uri="http://schemas.microsoft.com/office/infopath/2007/PartnerControls"/>
   </ds:schemaRefs>
 </ds:datastoreItem>
-</file>
-
-<file path=customXml/itemProps2.xml><?xml version="1.0" encoding="utf-8"?>
-<ds:datastoreItem xmlns:ds="http://schemas.openxmlformats.org/officeDocument/2006/customXml" ds:itemID="{93D979BB-29AC-43F0-A6B8-B619DB8E98DE}">
-  <ds:schemaRefs>
-    <ds:schemaRef ds:uri="http://purl.org/dc/dcmitype/"/>
-    <ds:schemaRef ds:uri="http://schemas.microsoft.com/office/infopath/2007/PartnerControls"/>
-    <ds:schemaRef ds:uri="http://purl.org/dc/elements/1.1/"/>
-    <ds:schemaRef ds:uri="http://schemas.microsoft.com/office/2006/documentManagement/types"/>
-    <ds:schemaRef ds:uri="http://purl.org/dc/terms/"/>
-    <ds:schemaRef ds:uri="http://schemas.microsoft.com/office/2006/metadata/properties"/>
-    <ds:schemaRef ds:uri="http://www.w3.org/XML/1998/namespace"/>
-    <ds:schemaRef ds:uri="http://schemas.openxmlformats.org/package/2006/metadata/core-properties"/>
-  </ds:schemaRefs>
-</ds:datastoreItem>
-</file>
-
-<file path=customXml/itemProps3.xml><?xml version="1.0" encoding="utf-8"?>
-<ds:datastoreItem xmlns:ds="http://schemas.openxmlformats.org/officeDocument/2006/customXml" ds:itemID="{56EA677F-09E4-40FC-B998-315C6F85D97B}">
-  <ds:schemaRefs>
-    <ds:schemaRef ds:uri="http://schemas.microsoft.com/sharepoint/v3/contenttype/forms"/>
-  </ds:schemaRefs>
-</ds:datastoreItem>
 </file>
--- a/doc/versionControl.pptx
+++ b/doc/versionControl.pptx
@@ -5,10 +5,10 @@
     <p:sldMasterId id="2147483951" r:id="rId4"/>
   </p:sldMasterIdLst>
   <p:notesMasterIdLst>
-    <p:notesMasterId r:id="rId45"/>
+    <p:notesMasterId r:id="rId44"/>
   </p:notesMasterIdLst>
   <p:handoutMasterIdLst>
-    <p:handoutMasterId r:id="rId46"/>
+    <p:handoutMasterId r:id="rId45"/>
   </p:handoutMasterIdLst>
   <p:sldIdLst>
     <p:sldId id="1015" r:id="rId5"/>
@@ -42,15 +42,14 @@
     <p:sldId id="1073" r:id="rId33"/>
     <p:sldId id="1055" r:id="rId34"/>
     <p:sldId id="1056" r:id="rId35"/>
-    <p:sldId id="1057" r:id="rId36"/>
-    <p:sldId id="1074" r:id="rId37"/>
-    <p:sldId id="1076" r:id="rId38"/>
-    <p:sldId id="1075" r:id="rId39"/>
-    <p:sldId id="1061" r:id="rId40"/>
-    <p:sldId id="1062" r:id="rId41"/>
-    <p:sldId id="1063" r:id="rId42"/>
-    <p:sldId id="1064" r:id="rId43"/>
-    <p:sldId id="1065" r:id="rId44"/>
+    <p:sldId id="1074" r:id="rId36"/>
+    <p:sldId id="1076" r:id="rId37"/>
+    <p:sldId id="1075" r:id="rId38"/>
+    <p:sldId id="1061" r:id="rId39"/>
+    <p:sldId id="1062" r:id="rId40"/>
+    <p:sldId id="1063" r:id="rId41"/>
+    <p:sldId id="1064" r:id="rId42"/>
+    <p:sldId id="1065" r:id="rId43"/>
   </p:sldIdLst>
   <p:sldSz cx="9144000" cy="6858000" type="screen4x3"/>
   <p:notesSz cx="9305925" cy="7019925"/>
@@ -275,7 +274,6 @@
           </a:p>
         </c:rich>
       </c:tx>
-      <c:layout/>
       <c:overlay val="0"/>
       <c:spPr>
         <a:noFill/>
@@ -393,11 +391,11 @@
         </c:dLbls>
         <c:bubbleScale val="100"/>
         <c:showNegBubbles val="0"/>
-        <c:axId val="180707728"/>
-        <c:axId val="180708120"/>
+        <c:axId val="335255456"/>
+        <c:axId val="335255848"/>
       </c:bubbleChart>
       <c:valAx>
-        <c:axId val="180707728"/>
+        <c:axId val="335255456"/>
         <c:scaling>
           <c:orientation val="minMax"/>
         </c:scaling>
@@ -439,7 +437,6 @@
               </a:p>
             </c:rich>
           </c:tx>
-          <c:layout/>
           <c:overlay val="0"/>
           <c:spPr>
             <a:noFill/>
@@ -506,12 +503,12 @@
             <a:endParaRPr lang="en-US"/>
           </a:p>
         </c:txPr>
-        <c:crossAx val="180708120"/>
+        <c:crossAx val="335255848"/>
         <c:crosses val="autoZero"/>
         <c:crossBetween val="midCat"/>
       </c:valAx>
       <c:valAx>
-        <c:axId val="180708120"/>
+        <c:axId val="335255848"/>
         <c:scaling>
           <c:orientation val="minMax"/>
         </c:scaling>
@@ -553,7 +550,6 @@
               </a:p>
             </c:rich>
           </c:tx>
-          <c:layout/>
           <c:overlay val="0"/>
           <c:spPr>
             <a:noFill/>
@@ -620,7 +616,7 @@
             <a:endParaRPr lang="en-US"/>
           </a:p>
         </c:txPr>
-        <c:crossAx val="180707728"/>
+        <c:crossAx val="335255456"/>
         <c:crosses val="autoZero"/>
         <c:crossBetween val="midCat"/>
       </c:valAx>
@@ -4267,686 +4263,6 @@
       <dsp:cNvGrpSpPr/>
     </dsp:nvGrpSpPr>
     <dsp:grpSpPr/>
-    <dsp:sp modelId="{F0B4302C-D685-4A20-9D41-95B65B193458}">
-      <dsp:nvSpPr>
-        <dsp:cNvPr id="0" name=""/>
-        <dsp:cNvSpPr/>
-      </dsp:nvSpPr>
-      <dsp:spPr>
-        <a:xfrm>
-          <a:off x="993823" y="2612"/>
-          <a:ext cx="1856264" cy="928132"/>
-        </a:xfrm>
-        <a:prstGeom prst="roundRect">
-          <a:avLst>
-            <a:gd name="adj" fmla="val 10000"/>
-          </a:avLst>
-        </a:prstGeom>
-        <a:solidFill>
-          <a:schemeClr val="accent1">
-            <a:hueOff val="0"/>
-            <a:satOff val="0"/>
-            <a:lumOff val="0"/>
-            <a:alphaOff val="0"/>
-          </a:schemeClr>
-        </a:solidFill>
-        <a:ln w="25400" cap="flat" cmpd="sng" algn="ctr">
-          <a:solidFill>
-            <a:schemeClr val="lt1">
-              <a:hueOff val="0"/>
-              <a:satOff val="0"/>
-              <a:lumOff val="0"/>
-              <a:alphaOff val="0"/>
-            </a:schemeClr>
-          </a:solidFill>
-          <a:prstDash val="solid"/>
-        </a:ln>
-        <a:effectLst/>
-      </dsp:spPr>
-      <dsp:style>
-        <a:lnRef idx="2">
-          <a:scrgbClr r="0" g="0" b="0"/>
-        </a:lnRef>
-        <a:fillRef idx="1">
-          <a:scrgbClr r="0" g="0" b="0"/>
-        </a:fillRef>
-        <a:effectRef idx="0">
-          <a:scrgbClr r="0" g="0" b="0"/>
-        </a:effectRef>
-        <a:fontRef idx="minor">
-          <a:schemeClr val="lt1"/>
-        </a:fontRef>
-      </dsp:style>
-      <dsp:txBody>
-        <a:bodyPr spcFirstLastPara="0" vert="horz" wrap="square" lIns="43815" tIns="29210" rIns="43815" bIns="29210" numCol="1" spcCol="1270" anchor="ctr" anchorCtr="0">
-          <a:noAutofit/>
-        </a:bodyPr>
-        <a:lstStyle/>
-        <a:p>
-          <a:pPr lvl="0" algn="ctr" defTabSz="1022350">
-            <a:lnSpc>
-              <a:spcPct val="90000"/>
-            </a:lnSpc>
-            <a:spcBef>
-              <a:spcPct val="0"/>
-            </a:spcBef>
-            <a:spcAft>
-              <a:spcPct val="35000"/>
-            </a:spcAft>
-          </a:pPr>
-          <a:r>
-            <a:rPr lang="en-US" sz="2300" kern="1200" dirty="0" smtClean="0"/>
-            <a:t>project_1.xpr</a:t>
-          </a:r>
-          <a:endParaRPr lang="en-US" sz="2300" kern="1200" dirty="0"/>
-        </a:p>
-      </dsp:txBody>
-      <dsp:txXfrm>
-        <a:off x="1021007" y="29796"/>
-        <a:ext cx="1801896" cy="873764"/>
-      </dsp:txXfrm>
-    </dsp:sp>
-    <dsp:sp modelId="{3EBE1A95-4BA2-4B24-90BA-39F529FBCE76}">
-      <dsp:nvSpPr>
-        <dsp:cNvPr id="0" name=""/>
-        <dsp:cNvSpPr/>
-      </dsp:nvSpPr>
-      <dsp:spPr>
-        <a:xfrm>
-          <a:off x="1179450" y="930744"/>
-          <a:ext cx="185626" cy="696099"/>
-        </a:xfrm>
-        <a:custGeom>
-          <a:avLst/>
-          <a:gdLst/>
-          <a:ahLst/>
-          <a:cxnLst/>
-          <a:rect l="0" t="0" r="0" b="0"/>
-          <a:pathLst>
-            <a:path>
-              <a:moveTo>
-                <a:pt x="0" y="0"/>
-              </a:moveTo>
-              <a:lnTo>
-                <a:pt x="0" y="696099"/>
-              </a:lnTo>
-              <a:lnTo>
-                <a:pt x="185626" y="696099"/>
-              </a:lnTo>
-            </a:path>
-          </a:pathLst>
-        </a:custGeom>
-        <a:noFill/>
-        <a:ln w="25400" cap="flat" cmpd="sng" algn="ctr">
-          <a:solidFill>
-            <a:schemeClr val="accent1">
-              <a:shade val="60000"/>
-              <a:hueOff val="0"/>
-              <a:satOff val="0"/>
-              <a:lumOff val="0"/>
-              <a:alphaOff val="0"/>
-            </a:schemeClr>
-          </a:solidFill>
-          <a:prstDash val="solid"/>
-        </a:ln>
-        <a:effectLst/>
-      </dsp:spPr>
-      <dsp:style>
-        <a:lnRef idx="2">
-          <a:scrgbClr r="0" g="0" b="0"/>
-        </a:lnRef>
-        <a:fillRef idx="0">
-          <a:scrgbClr r="0" g="0" b="0"/>
-        </a:fillRef>
-        <a:effectRef idx="0">
-          <a:scrgbClr r="0" g="0" b="0"/>
-        </a:effectRef>
-        <a:fontRef idx="minor"/>
-      </dsp:style>
-    </dsp:sp>
-    <dsp:sp modelId="{BA53C1C9-72CF-4011-9C2E-965115138EE8}">
-      <dsp:nvSpPr>
-        <dsp:cNvPr id="0" name=""/>
-        <dsp:cNvSpPr/>
-      </dsp:nvSpPr>
-      <dsp:spPr>
-        <a:xfrm>
-          <a:off x="1365076" y="1162777"/>
-          <a:ext cx="1485011" cy="928132"/>
-        </a:xfrm>
-        <a:prstGeom prst="roundRect">
-          <a:avLst>
-            <a:gd name="adj" fmla="val 10000"/>
-          </a:avLst>
-        </a:prstGeom>
-        <a:solidFill>
-          <a:schemeClr val="lt1">
-            <a:alpha val="90000"/>
-            <a:hueOff val="0"/>
-            <a:satOff val="0"/>
-            <a:lumOff val="0"/>
-            <a:alphaOff val="0"/>
-          </a:schemeClr>
-        </a:solidFill>
-        <a:ln w="25400" cap="flat" cmpd="sng" algn="ctr">
-          <a:solidFill>
-            <a:schemeClr val="accent1">
-              <a:hueOff val="0"/>
-              <a:satOff val="0"/>
-              <a:lumOff val="0"/>
-              <a:alphaOff val="0"/>
-            </a:schemeClr>
-          </a:solidFill>
-          <a:prstDash val="solid"/>
-        </a:ln>
-        <a:effectLst/>
-      </dsp:spPr>
-      <dsp:style>
-        <a:lnRef idx="2">
-          <a:scrgbClr r="0" g="0" b="0"/>
-        </a:lnRef>
-        <a:fillRef idx="1">
-          <a:scrgbClr r="0" g="0" b="0"/>
-        </a:fillRef>
-        <a:effectRef idx="0">
-          <a:scrgbClr r="0" g="0" b="0"/>
-        </a:effectRef>
-        <a:fontRef idx="minor"/>
-      </dsp:style>
-      <dsp:txBody>
-        <a:bodyPr spcFirstLastPara="0" vert="horz" wrap="square" lIns="28575" tIns="19050" rIns="28575" bIns="19050" numCol="1" spcCol="1270" anchor="t" anchorCtr="0">
-          <a:noAutofit/>
-        </a:bodyPr>
-        <a:lstStyle/>
-        <a:p>
-          <a:pPr lvl="0" algn="l" defTabSz="666750">
-            <a:lnSpc>
-              <a:spcPct val="90000"/>
-            </a:lnSpc>
-            <a:spcBef>
-              <a:spcPct val="0"/>
-            </a:spcBef>
-            <a:spcAft>
-              <a:spcPct val="35000"/>
-            </a:spcAft>
-          </a:pPr>
-          <a:r>
-            <a:rPr lang="en-US" sz="1500" kern="1200" dirty="0" smtClean="0"/>
-            <a:t>project_1.srcs</a:t>
-          </a:r>
-          <a:endParaRPr lang="en-US" sz="1500" kern="1200" dirty="0"/>
-        </a:p>
-        <a:p>
-          <a:pPr marL="114300" lvl="1" indent="-114300" algn="l" defTabSz="533400">
-            <a:lnSpc>
-              <a:spcPct val="90000"/>
-            </a:lnSpc>
-            <a:spcBef>
-              <a:spcPct val="0"/>
-            </a:spcBef>
-            <a:spcAft>
-              <a:spcPct val="15000"/>
-            </a:spcAft>
-            <a:buChar char="••"/>
-          </a:pPr>
-          <a:r>
-            <a:rPr lang="en-US" sz="1200" kern="1200" dirty="0" smtClean="0"/>
-            <a:t>constrs_1</a:t>
-          </a:r>
-          <a:endParaRPr lang="en-US" sz="1200" kern="1200" dirty="0"/>
-        </a:p>
-        <a:p>
-          <a:pPr marL="114300" lvl="1" indent="-114300" algn="l" defTabSz="533400">
-            <a:lnSpc>
-              <a:spcPct val="90000"/>
-            </a:lnSpc>
-            <a:spcBef>
-              <a:spcPct val="0"/>
-            </a:spcBef>
-            <a:spcAft>
-              <a:spcPct val="15000"/>
-            </a:spcAft>
-            <a:buChar char="••"/>
-          </a:pPr>
-          <a:r>
-            <a:rPr lang="en-US" sz="1200" kern="1200" dirty="0" smtClean="0"/>
-            <a:t>sources_1</a:t>
-          </a:r>
-          <a:endParaRPr lang="en-US" sz="1200" kern="1200" dirty="0"/>
-        </a:p>
-        <a:p>
-          <a:pPr marL="114300" lvl="1" indent="-114300" algn="l" defTabSz="533400">
-            <a:lnSpc>
-              <a:spcPct val="90000"/>
-            </a:lnSpc>
-            <a:spcBef>
-              <a:spcPct val="0"/>
-            </a:spcBef>
-            <a:spcAft>
-              <a:spcPct val="15000"/>
-            </a:spcAft>
-            <a:buChar char="••"/>
-          </a:pPr>
-          <a:r>
-            <a:rPr lang="en-US" sz="1200" kern="1200" dirty="0" smtClean="0"/>
-            <a:t>sim_1</a:t>
-          </a:r>
-          <a:endParaRPr lang="en-US" sz="1200" kern="1200" dirty="0"/>
-        </a:p>
-      </dsp:txBody>
-      <dsp:txXfrm>
-        <a:off x="1392260" y="1189961"/>
-        <a:ext cx="1430643" cy="873764"/>
-      </dsp:txXfrm>
-    </dsp:sp>
-    <dsp:sp modelId="{25CF5C9A-20BD-4977-9BD0-7A4F774EC6C9}">
-      <dsp:nvSpPr>
-        <dsp:cNvPr id="0" name=""/>
-        <dsp:cNvSpPr/>
-      </dsp:nvSpPr>
-      <dsp:spPr>
-        <a:xfrm>
-          <a:off x="1179450" y="930744"/>
-          <a:ext cx="185626" cy="1856264"/>
-        </a:xfrm>
-        <a:custGeom>
-          <a:avLst/>
-          <a:gdLst/>
-          <a:ahLst/>
-          <a:cxnLst/>
-          <a:rect l="0" t="0" r="0" b="0"/>
-          <a:pathLst>
-            <a:path>
-              <a:moveTo>
-                <a:pt x="0" y="0"/>
-              </a:moveTo>
-              <a:lnTo>
-                <a:pt x="0" y="1856264"/>
-              </a:lnTo>
-              <a:lnTo>
-                <a:pt x="185626" y="1856264"/>
-              </a:lnTo>
-            </a:path>
-          </a:pathLst>
-        </a:custGeom>
-        <a:noFill/>
-        <a:ln w="25400" cap="flat" cmpd="sng" algn="ctr">
-          <a:solidFill>
-            <a:schemeClr val="accent1">
-              <a:shade val="60000"/>
-              <a:hueOff val="0"/>
-              <a:satOff val="0"/>
-              <a:lumOff val="0"/>
-              <a:alphaOff val="0"/>
-            </a:schemeClr>
-          </a:solidFill>
-          <a:prstDash val="solid"/>
-        </a:ln>
-        <a:effectLst/>
-      </dsp:spPr>
-      <dsp:style>
-        <a:lnRef idx="2">
-          <a:scrgbClr r="0" g="0" b="0"/>
-        </a:lnRef>
-        <a:fillRef idx="0">
-          <a:scrgbClr r="0" g="0" b="0"/>
-        </a:fillRef>
-        <a:effectRef idx="0">
-          <a:scrgbClr r="0" g="0" b="0"/>
-        </a:effectRef>
-        <a:fontRef idx="minor"/>
-      </dsp:style>
-    </dsp:sp>
-    <dsp:sp modelId="{6B6D62D3-3CFD-452A-8975-747C0D5CA19D}">
-      <dsp:nvSpPr>
-        <dsp:cNvPr id="0" name=""/>
-        <dsp:cNvSpPr/>
-      </dsp:nvSpPr>
-      <dsp:spPr>
-        <a:xfrm>
-          <a:off x="1365076" y="2322942"/>
-          <a:ext cx="1485011" cy="928132"/>
-        </a:xfrm>
-        <a:prstGeom prst="roundRect">
-          <a:avLst>
-            <a:gd name="adj" fmla="val 10000"/>
-          </a:avLst>
-        </a:prstGeom>
-        <a:solidFill>
-          <a:schemeClr val="lt1">
-            <a:alpha val="90000"/>
-            <a:hueOff val="0"/>
-            <a:satOff val="0"/>
-            <a:lumOff val="0"/>
-            <a:alphaOff val="0"/>
-          </a:schemeClr>
-        </a:solidFill>
-        <a:ln w="25400" cap="flat" cmpd="sng" algn="ctr">
-          <a:solidFill>
-            <a:schemeClr val="accent1">
-              <a:hueOff val="0"/>
-              <a:satOff val="0"/>
-              <a:lumOff val="0"/>
-              <a:alphaOff val="0"/>
-            </a:schemeClr>
-          </a:solidFill>
-          <a:prstDash val="solid"/>
-        </a:ln>
-        <a:effectLst/>
-      </dsp:spPr>
-      <dsp:style>
-        <a:lnRef idx="2">
-          <a:scrgbClr r="0" g="0" b="0"/>
-        </a:lnRef>
-        <a:fillRef idx="1">
-          <a:scrgbClr r="0" g="0" b="0"/>
-        </a:fillRef>
-        <a:effectRef idx="0">
-          <a:scrgbClr r="0" g="0" b="0"/>
-        </a:effectRef>
-        <a:fontRef idx="minor"/>
-      </dsp:style>
-      <dsp:txBody>
-        <a:bodyPr spcFirstLastPara="0" vert="horz" wrap="square" lIns="28575" tIns="19050" rIns="28575" bIns="19050" numCol="1" spcCol="1270" anchor="ctr" anchorCtr="0">
-          <a:noAutofit/>
-        </a:bodyPr>
-        <a:lstStyle/>
-        <a:p>
-          <a:pPr lvl="0" algn="ctr" defTabSz="666750">
-            <a:lnSpc>
-              <a:spcPct val="90000"/>
-            </a:lnSpc>
-            <a:spcBef>
-              <a:spcPct val="0"/>
-            </a:spcBef>
-            <a:spcAft>
-              <a:spcPct val="35000"/>
-            </a:spcAft>
-          </a:pPr>
-          <a:r>
-            <a:rPr lang="en-US" sz="1500" kern="1200" dirty="0" smtClean="0"/>
-            <a:t>project_1.data</a:t>
-          </a:r>
-          <a:endParaRPr lang="en-US" sz="1500" kern="1200" dirty="0"/>
-        </a:p>
-      </dsp:txBody>
-      <dsp:txXfrm>
-        <a:off x="1392260" y="2350126"/>
-        <a:ext cx="1430643" cy="873764"/>
-      </dsp:txXfrm>
-    </dsp:sp>
-    <dsp:sp modelId="{C762C766-8B21-4D41-8BB8-B6CFEAC57841}">
-      <dsp:nvSpPr>
-        <dsp:cNvPr id="0" name=""/>
-        <dsp:cNvSpPr/>
-      </dsp:nvSpPr>
-      <dsp:spPr>
-        <a:xfrm>
-          <a:off x="1179450" y="930744"/>
-          <a:ext cx="185626" cy="3016429"/>
-        </a:xfrm>
-        <a:custGeom>
-          <a:avLst/>
-          <a:gdLst/>
-          <a:ahLst/>
-          <a:cxnLst/>
-          <a:rect l="0" t="0" r="0" b="0"/>
-          <a:pathLst>
-            <a:path>
-              <a:moveTo>
-                <a:pt x="0" y="0"/>
-              </a:moveTo>
-              <a:lnTo>
-                <a:pt x="0" y="3016429"/>
-              </a:lnTo>
-              <a:lnTo>
-                <a:pt x="185626" y="3016429"/>
-              </a:lnTo>
-            </a:path>
-          </a:pathLst>
-        </a:custGeom>
-        <a:noFill/>
-        <a:ln w="25400" cap="flat" cmpd="sng" algn="ctr">
-          <a:solidFill>
-            <a:schemeClr val="accent1">
-              <a:shade val="60000"/>
-              <a:hueOff val="0"/>
-              <a:satOff val="0"/>
-              <a:lumOff val="0"/>
-              <a:alphaOff val="0"/>
-            </a:schemeClr>
-          </a:solidFill>
-          <a:prstDash val="solid"/>
-        </a:ln>
-        <a:effectLst/>
-      </dsp:spPr>
-      <dsp:style>
-        <a:lnRef idx="2">
-          <a:scrgbClr r="0" g="0" b="0"/>
-        </a:lnRef>
-        <a:fillRef idx="0">
-          <a:scrgbClr r="0" g="0" b="0"/>
-        </a:fillRef>
-        <a:effectRef idx="0">
-          <a:scrgbClr r="0" g="0" b="0"/>
-        </a:effectRef>
-        <a:fontRef idx="minor"/>
-      </dsp:style>
-    </dsp:sp>
-    <dsp:sp modelId="{03A383A5-B769-428D-BF7D-3FB4F7A6EEB3}">
-      <dsp:nvSpPr>
-        <dsp:cNvPr id="0" name=""/>
-        <dsp:cNvSpPr/>
-      </dsp:nvSpPr>
-      <dsp:spPr>
-        <a:xfrm>
-          <a:off x="1365076" y="3483107"/>
-          <a:ext cx="1485011" cy="928132"/>
-        </a:xfrm>
-        <a:prstGeom prst="roundRect">
-          <a:avLst>
-            <a:gd name="adj" fmla="val 10000"/>
-          </a:avLst>
-        </a:prstGeom>
-        <a:solidFill>
-          <a:schemeClr val="lt1">
-            <a:alpha val="90000"/>
-            <a:hueOff val="0"/>
-            <a:satOff val="0"/>
-            <a:lumOff val="0"/>
-            <a:alphaOff val="0"/>
-          </a:schemeClr>
-        </a:solidFill>
-        <a:ln w="25400" cap="flat" cmpd="sng" algn="ctr">
-          <a:solidFill>
-            <a:schemeClr val="accent1">
-              <a:hueOff val="0"/>
-              <a:satOff val="0"/>
-              <a:lumOff val="0"/>
-              <a:alphaOff val="0"/>
-            </a:schemeClr>
-          </a:solidFill>
-          <a:prstDash val="solid"/>
-        </a:ln>
-        <a:effectLst/>
-      </dsp:spPr>
-      <dsp:style>
-        <a:lnRef idx="2">
-          <a:scrgbClr r="0" g="0" b="0"/>
-        </a:lnRef>
-        <a:fillRef idx="1">
-          <a:scrgbClr r="0" g="0" b="0"/>
-        </a:fillRef>
-        <a:effectRef idx="0">
-          <a:scrgbClr r="0" g="0" b="0"/>
-        </a:effectRef>
-        <a:fontRef idx="minor"/>
-      </dsp:style>
-      <dsp:txBody>
-        <a:bodyPr spcFirstLastPara="0" vert="horz" wrap="square" lIns="28575" tIns="19050" rIns="28575" bIns="19050" numCol="1" spcCol="1270" anchor="ctr" anchorCtr="0">
-          <a:noAutofit/>
-        </a:bodyPr>
-        <a:lstStyle/>
-        <a:p>
-          <a:pPr lvl="0" algn="ctr" defTabSz="666750">
-            <a:lnSpc>
-              <a:spcPct val="90000"/>
-            </a:lnSpc>
-            <a:spcBef>
-              <a:spcPct val="0"/>
-            </a:spcBef>
-            <a:spcAft>
-              <a:spcPct val="35000"/>
-            </a:spcAft>
-          </a:pPr>
-          <a:r>
-            <a:rPr lang="en-US" sz="1500" kern="1200" smtClean="0"/>
-            <a:t>project_1.cache</a:t>
-          </a:r>
-          <a:endParaRPr lang="en-US" sz="1500" kern="1200" dirty="0"/>
-        </a:p>
-      </dsp:txBody>
-      <dsp:txXfrm>
-        <a:off x="1392260" y="3510291"/>
-        <a:ext cx="1430643" cy="873764"/>
-      </dsp:txXfrm>
-    </dsp:sp>
-    <dsp:sp modelId="{51C1A5F7-538A-4C85-96A3-2DAF0EBFDB7F}">
-      <dsp:nvSpPr>
-        <dsp:cNvPr id="0" name=""/>
-        <dsp:cNvSpPr/>
-      </dsp:nvSpPr>
-      <dsp:spPr>
-        <a:xfrm>
-          <a:off x="1179450" y="930744"/>
-          <a:ext cx="185626" cy="4176594"/>
-        </a:xfrm>
-        <a:custGeom>
-          <a:avLst/>
-          <a:gdLst/>
-          <a:ahLst/>
-          <a:cxnLst/>
-          <a:rect l="0" t="0" r="0" b="0"/>
-          <a:pathLst>
-            <a:path>
-              <a:moveTo>
-                <a:pt x="0" y="0"/>
-              </a:moveTo>
-              <a:lnTo>
-                <a:pt x="0" y="4176594"/>
-              </a:lnTo>
-              <a:lnTo>
-                <a:pt x="185626" y="4176594"/>
-              </a:lnTo>
-            </a:path>
-          </a:pathLst>
-        </a:custGeom>
-        <a:noFill/>
-        <a:ln w="25400" cap="flat" cmpd="sng" algn="ctr">
-          <a:solidFill>
-            <a:schemeClr val="accent1">
-              <a:shade val="60000"/>
-              <a:hueOff val="0"/>
-              <a:satOff val="0"/>
-              <a:lumOff val="0"/>
-              <a:alphaOff val="0"/>
-            </a:schemeClr>
-          </a:solidFill>
-          <a:prstDash val="solid"/>
-        </a:ln>
-        <a:effectLst/>
-      </dsp:spPr>
-      <dsp:style>
-        <a:lnRef idx="2">
-          <a:scrgbClr r="0" g="0" b="0"/>
-        </a:lnRef>
-        <a:fillRef idx="0">
-          <a:scrgbClr r="0" g="0" b="0"/>
-        </a:fillRef>
-        <a:effectRef idx="0">
-          <a:scrgbClr r="0" g="0" b="0"/>
-        </a:effectRef>
-        <a:fontRef idx="minor"/>
-      </dsp:style>
-    </dsp:sp>
-    <dsp:sp modelId="{03B3F701-9536-4AEA-BF48-5D647EE112C2}">
-      <dsp:nvSpPr>
-        <dsp:cNvPr id="0" name=""/>
-        <dsp:cNvSpPr/>
-      </dsp:nvSpPr>
-      <dsp:spPr>
-        <a:xfrm>
-          <a:off x="1365076" y="4643272"/>
-          <a:ext cx="1485011" cy="928132"/>
-        </a:xfrm>
-        <a:prstGeom prst="roundRect">
-          <a:avLst>
-            <a:gd name="adj" fmla="val 10000"/>
-          </a:avLst>
-        </a:prstGeom>
-        <a:solidFill>
-          <a:schemeClr val="lt1">
-            <a:alpha val="90000"/>
-            <a:hueOff val="0"/>
-            <a:satOff val="0"/>
-            <a:lumOff val="0"/>
-            <a:alphaOff val="0"/>
-          </a:schemeClr>
-        </a:solidFill>
-        <a:ln w="25400" cap="flat" cmpd="sng" algn="ctr">
-          <a:solidFill>
-            <a:schemeClr val="accent1">
-              <a:hueOff val="0"/>
-              <a:satOff val="0"/>
-              <a:lumOff val="0"/>
-              <a:alphaOff val="0"/>
-            </a:schemeClr>
-          </a:solidFill>
-          <a:prstDash val="solid"/>
-        </a:ln>
-        <a:effectLst/>
-      </dsp:spPr>
-      <dsp:style>
-        <a:lnRef idx="2">
-          <a:scrgbClr r="0" g="0" b="0"/>
-        </a:lnRef>
-        <a:fillRef idx="1">
-          <a:scrgbClr r="0" g="0" b="0"/>
-        </a:fillRef>
-        <a:effectRef idx="0">
-          <a:scrgbClr r="0" g="0" b="0"/>
-        </a:effectRef>
-        <a:fontRef idx="minor"/>
-      </dsp:style>
-      <dsp:txBody>
-        <a:bodyPr spcFirstLastPara="0" vert="horz" wrap="square" lIns="28575" tIns="19050" rIns="28575" bIns="19050" numCol="1" spcCol="1270" anchor="ctr" anchorCtr="0">
-          <a:noAutofit/>
-        </a:bodyPr>
-        <a:lstStyle/>
-        <a:p>
-          <a:pPr lvl="0" algn="ctr" defTabSz="666750">
-            <a:lnSpc>
-              <a:spcPct val="90000"/>
-            </a:lnSpc>
-            <a:spcBef>
-              <a:spcPct val="0"/>
-            </a:spcBef>
-            <a:spcAft>
-              <a:spcPct val="35000"/>
-            </a:spcAft>
-          </a:pPr>
-          <a:r>
-            <a:rPr lang="en-US" sz="1500" kern="1200" dirty="0" smtClean="0"/>
-            <a:t>project_1.runs</a:t>
-          </a:r>
-          <a:endParaRPr lang="en-US" sz="1500" kern="1200" dirty="0"/>
-        </a:p>
-      </dsp:txBody>
-      <dsp:txXfrm>
-        <a:off x="1392260" y="4670456"/>
-        <a:ext cx="1430643" cy="873764"/>
-      </dsp:txXfrm>
-    </dsp:sp>
   </dsp:spTree>
 </dsp:drawing>
 </file>
@@ -8552,7 +7868,7 @@
             <a:fld id="{3603A3DC-285A-48EF-A6A9-13284B292DDB}" type="datetimeFigureOut">
               <a:rPr lang="en-US" smtClean="0"/>
               <a:pPr/>
-              <a:t>5/29/2015</a:t>
+              <a:t>6/2/2015</a:t>
             </a:fld>
             <a:endParaRPr lang="en-US" dirty="0"/>
           </a:p>
@@ -17921,7 +17237,7 @@
                   <a:srgbClr val="000000"/>
                 </a:solidFill>
               </a:rPr>
-              <a:t>18</a:t>
+              <a:t>17</a:t>
             </a:r>
             <a:endParaRPr dirty="0">
               <a:solidFill>
@@ -18623,7 +17939,7 @@
                   <a:srgbClr val="000000"/>
                 </a:solidFill>
               </a:rPr>
-              <a:t>19</a:t>
+              <a:t>18</a:t>
             </a:r>
             <a:endParaRPr dirty="0">
               <a:solidFill>
@@ -19273,7 +18589,7 @@
                   <a:srgbClr val="000000"/>
                 </a:solidFill>
               </a:rPr>
-              <a:t>20</a:t>
+              <a:t>19</a:t>
             </a:r>
             <a:endParaRPr dirty="0">
               <a:solidFill>
@@ -20068,24 +19384,13 @@
               </a:rPr>
               <a:t>Page </a:t>
             </a:r>
-            <a:fld id="{060BD193-E118-4B16-863C-C8C12C675E3E}" type="slidenum">
-              <a:rPr smtClean="0">
+            <a:r>
+              <a:rPr dirty="0" smtClean="0">
                 <a:solidFill>
                   <a:srgbClr val="000000"/>
                 </a:solidFill>
               </a:rPr>
-              <a:pPr>
-                <a:defRPr/>
-              </a:pPr>
               <a:t>20</a:t>
-            </a:fld>
-            <a:r>
-              <a:rPr dirty="0" smtClean="0">
-                <a:solidFill>
-                  <a:srgbClr val="000000"/>
-                </a:solidFill>
-              </a:rPr>
-              <a:t>1</a:t>
             </a:r>
             <a:endParaRPr dirty="0">
               <a:solidFill>
@@ -20447,25 +19752,19 @@
               </a:rPr>
               <a:t>Page </a:t>
             </a:r>
-            <a:fld id="{060BD193-E118-4B16-863C-C8C12C675E3E}" type="slidenum">
-              <a:rPr smtClean="0">
+            <a:r>
+              <a:rPr dirty="0" smtClean="0">
                 <a:solidFill>
                   <a:srgbClr val="000000"/>
                 </a:solidFill>
               </a:rPr>
-              <a:pPr>
-                <a:defRPr/>
-              </a:pPr>
               <a:t>21</a:t>
-            </a:fld>
-            <a:r>
-              <a:rPr dirty="0">
-                <a:solidFill>
-                  <a:srgbClr val="000000"/>
-                </a:solidFill>
-              </a:rPr>
-              <a:t>2</a:t>
-            </a:r>
+            </a:r>
+            <a:endParaRPr dirty="0">
+              <a:solidFill>
+                <a:srgbClr val="000000"/>
+              </a:solidFill>
+            </a:endParaRPr>
           </a:p>
         </p:txBody>
       </p:sp>
@@ -21237,14 +20536,6 @@
               </a:pPr>
               <a:t>23</a:t>
             </a:fld>
-            <a:r>
-              <a:rPr dirty="0" smtClean="0">
-                <a:solidFill>
-                  <a:srgbClr val="000000"/>
-                </a:solidFill>
-              </a:rPr>
-              <a:t>4</a:t>
-            </a:r>
             <a:endParaRPr dirty="0">
               <a:solidFill>
                 <a:srgbClr val="000000"/>
@@ -25311,122 +24602,210 @@
       </p:grpSpPr>
       <p:sp>
         <p:nvSpPr>
-          <p:cNvPr id="2" name="Content Placeholder 1"/>
-          <p:cNvSpPr>
-            <a:spLocks noGrp="1"/>
+          <p:cNvPr id="9" name="Title 6"/>
+          <p:cNvSpPr txBox="1">
+            <a:spLocks/>
           </p:cNvSpPr>
-          <p:nvPr>
-            <p:ph idx="1"/>
-          </p:nvPr>
-        </p:nvSpPr>
-        <p:spPr/>
-        <p:txBody>
-          <a:bodyPr/>
-          <a:lstStyle/>
-          <a:p>
-            <a:r>
-              <a:rPr lang="en-US" dirty="0" smtClean="0"/>
-              <a:t>If you ran out of time today, finish this lab.  Ask questions if you get stuck.</a:t>
-            </a:r>
-          </a:p>
-          <a:p>
-            <a:endParaRPr lang="en-US" dirty="0"/>
-          </a:p>
-          <a:p>
-            <a:r>
-              <a:rPr lang="en-US" dirty="0" smtClean="0"/>
-              <a:t>Take the TSC content and deliver it as a Lunch and Learn to your customers</a:t>
-            </a:r>
-          </a:p>
-          <a:p>
-            <a:endParaRPr lang="en-US" dirty="0"/>
-          </a:p>
-          <a:p>
-            <a:r>
-              <a:rPr lang="en-US" dirty="0" smtClean="0"/>
-              <a:t>Fill out the TSC survey</a:t>
-            </a:r>
-          </a:p>
-          <a:p>
-            <a:endParaRPr lang="en-US" dirty="0" smtClean="0"/>
-          </a:p>
-          <a:p>
-            <a:endParaRPr lang="en-US" dirty="0"/>
-          </a:p>
-          <a:p>
-            <a:pPr marL="0" indent="0">
-              <a:buNone/>
-            </a:pPr>
-            <a:endParaRPr lang="en-US" dirty="0" smtClean="0"/>
-          </a:p>
-        </p:txBody>
-      </p:sp>
-      <p:sp>
-        <p:nvSpPr>
-          <p:cNvPr id="3" name="Title 2"/>
-          <p:cNvSpPr>
-            <a:spLocks noGrp="1"/>
-          </p:cNvSpPr>
-          <p:nvPr>
-            <p:ph type="title"/>
-          </p:nvPr>
-        </p:nvSpPr>
-        <p:spPr/>
-        <p:txBody>
-          <a:bodyPr/>
-          <a:lstStyle/>
-          <a:p>
-            <a:r>
-              <a:rPr lang="en-US" dirty="0" smtClean="0"/>
-              <a:t>Next steps</a:t>
-            </a:r>
-            <a:endParaRPr lang="en-US" dirty="0"/>
-          </a:p>
-        </p:txBody>
-      </p:sp>
-      <p:sp>
-        <p:nvSpPr>
-          <p:cNvPr id="4" name="Slide Number Placeholder 2"/>
-          <p:cNvSpPr>
-            <a:spLocks noGrp="1"/>
-          </p:cNvSpPr>
-          <p:nvPr>
-            <p:ph type="sldNum" sz="quarter" idx="10"/>
-          </p:nvPr>
+          <p:nvPr/>
         </p:nvSpPr>
         <p:spPr>
           <a:xfrm>
-            <a:off x="457200" y="6577013"/>
-            <a:ext cx="838200" cy="244475"/>
+            <a:off x="425114" y="3539041"/>
+            <a:ext cx="8718885" cy="636098"/>
           </a:xfrm>
+          <a:prstGeom prst="rect">
+            <a:avLst/>
+          </a:prstGeom>
         </p:spPr>
         <p:txBody>
           <a:bodyPr/>
-          <a:lstStyle/>
-          <a:p>
-            <a:pPr>
-              <a:defRPr/>
-            </a:pPr>
-            <a:r>
-              <a:rPr dirty="0">
-                <a:solidFill>
-                  <a:srgbClr val="000000"/>
-                </a:solidFill>
+          <a:lstStyle>
+            <a:lvl1pPr algn="l" rtl="0" eaLnBrk="1" fontAlgn="base" hangingPunct="1">
+              <a:lnSpc>
+                <a:spcPct val="98000"/>
+              </a:lnSpc>
+              <a:spcBef>
+                <a:spcPct val="0"/>
+              </a:spcBef>
+              <a:spcAft>
+                <a:spcPct val="0"/>
+              </a:spcAft>
+              <a:defRPr lang="en-US" sz="3200" b="0" baseline="0" dirty="0" smtClean="0">
+                <a:solidFill>
+                  <a:schemeClr val="tx1">
+                    <a:lumMod val="75000"/>
+                    <a:lumOff val="25000"/>
+                  </a:schemeClr>
+                </a:solidFill>
+                <a:latin typeface="Calibri" panose="020F0502020204030204" pitchFamily="34" charset="0"/>
+                <a:ea typeface="+mj-ea"/>
+                <a:cs typeface="Calibri" panose="020F0502020204030204" pitchFamily="34" charset="0"/>
+              </a:defRPr>
+            </a:lvl1pPr>
+            <a:lvl2pPr algn="l" rtl="0" eaLnBrk="1" fontAlgn="base" hangingPunct="1">
+              <a:lnSpc>
+                <a:spcPct val="115000"/>
+              </a:lnSpc>
+              <a:spcBef>
+                <a:spcPct val="0"/>
+              </a:spcBef>
+              <a:spcAft>
+                <a:spcPct val="0"/>
+              </a:spcAft>
+              <a:defRPr sz="2800" b="1">
+                <a:solidFill>
+                  <a:schemeClr val="bg1"/>
+                </a:solidFill>
+                <a:latin typeface="Arial" charset="0"/>
+              </a:defRPr>
+            </a:lvl2pPr>
+            <a:lvl3pPr algn="l" rtl="0" eaLnBrk="1" fontAlgn="base" hangingPunct="1">
+              <a:lnSpc>
+                <a:spcPct val="115000"/>
+              </a:lnSpc>
+              <a:spcBef>
+                <a:spcPct val="0"/>
+              </a:spcBef>
+              <a:spcAft>
+                <a:spcPct val="0"/>
+              </a:spcAft>
+              <a:defRPr sz="2800" b="1">
+                <a:solidFill>
+                  <a:schemeClr val="bg1"/>
+                </a:solidFill>
+                <a:latin typeface="Arial" charset="0"/>
+              </a:defRPr>
+            </a:lvl3pPr>
+            <a:lvl4pPr algn="l" rtl="0" eaLnBrk="1" fontAlgn="base" hangingPunct="1">
+              <a:lnSpc>
+                <a:spcPct val="115000"/>
+              </a:lnSpc>
+              <a:spcBef>
+                <a:spcPct val="0"/>
+              </a:spcBef>
+              <a:spcAft>
+                <a:spcPct val="0"/>
+              </a:spcAft>
+              <a:defRPr sz="2800" b="1">
+                <a:solidFill>
+                  <a:schemeClr val="bg1"/>
+                </a:solidFill>
+                <a:latin typeface="Arial" charset="0"/>
+              </a:defRPr>
+            </a:lvl4pPr>
+            <a:lvl5pPr algn="l" rtl="0" eaLnBrk="1" fontAlgn="base" hangingPunct="1">
+              <a:lnSpc>
+                <a:spcPct val="115000"/>
+              </a:lnSpc>
+              <a:spcBef>
+                <a:spcPct val="0"/>
+              </a:spcBef>
+              <a:spcAft>
+                <a:spcPct val="0"/>
+              </a:spcAft>
+              <a:defRPr sz="2800" b="1">
+                <a:solidFill>
+                  <a:schemeClr val="bg1"/>
+                </a:solidFill>
+                <a:latin typeface="Arial" charset="0"/>
+              </a:defRPr>
+            </a:lvl5pPr>
+            <a:lvl6pPr marL="457200" algn="l" rtl="0" eaLnBrk="1" fontAlgn="base" hangingPunct="1">
+              <a:lnSpc>
+                <a:spcPct val="115000"/>
+              </a:lnSpc>
+              <a:spcBef>
+                <a:spcPct val="0"/>
+              </a:spcBef>
+              <a:spcAft>
+                <a:spcPct val="0"/>
+              </a:spcAft>
+              <a:defRPr sz="2800" b="1">
+                <a:solidFill>
+                  <a:schemeClr val="bg1"/>
+                </a:solidFill>
+                <a:latin typeface="Arial" charset="0"/>
+              </a:defRPr>
+            </a:lvl6pPr>
+            <a:lvl7pPr marL="914400" algn="l" rtl="0" eaLnBrk="1" fontAlgn="base" hangingPunct="1">
+              <a:lnSpc>
+                <a:spcPct val="115000"/>
+              </a:lnSpc>
+              <a:spcBef>
+                <a:spcPct val="0"/>
+              </a:spcBef>
+              <a:spcAft>
+                <a:spcPct val="0"/>
+              </a:spcAft>
+              <a:defRPr sz="2800" b="1">
+                <a:solidFill>
+                  <a:schemeClr val="bg1"/>
+                </a:solidFill>
+                <a:latin typeface="Arial" charset="0"/>
+              </a:defRPr>
+            </a:lvl7pPr>
+            <a:lvl8pPr marL="1371600" algn="l" rtl="0" eaLnBrk="1" fontAlgn="base" hangingPunct="1">
+              <a:lnSpc>
+                <a:spcPct val="115000"/>
+              </a:lnSpc>
+              <a:spcBef>
+                <a:spcPct val="0"/>
+              </a:spcBef>
+              <a:spcAft>
+                <a:spcPct val="0"/>
+              </a:spcAft>
+              <a:defRPr sz="2800" b="1">
+                <a:solidFill>
+                  <a:schemeClr val="bg1"/>
+                </a:solidFill>
+                <a:latin typeface="Arial" charset="0"/>
+              </a:defRPr>
+            </a:lvl8pPr>
+            <a:lvl9pPr marL="1828800" algn="l" rtl="0" eaLnBrk="1" fontAlgn="base" hangingPunct="1">
+              <a:lnSpc>
+                <a:spcPct val="115000"/>
+              </a:lnSpc>
+              <a:spcBef>
+                <a:spcPct val="0"/>
+              </a:spcBef>
+              <a:spcAft>
+                <a:spcPct val="0"/>
+              </a:spcAft>
+              <a:defRPr sz="2800" b="1">
+                <a:solidFill>
+                  <a:schemeClr val="bg1"/>
+                </a:solidFill>
+                <a:latin typeface="Arial" charset="0"/>
+              </a:defRPr>
+            </a:lvl9pPr>
+          </a:lstStyle>
+          <a:p>
+            <a:r>
+              <a:rPr lang="en-US" sz="4000" kern="0" dirty="0" smtClean="0">
+                <a:solidFill>
+                  <a:srgbClr val="FFFFFF"/>
+                </a:solidFill>
+                <a:effectLst>
+                  <a:outerShdw blurRad="38100" dist="38100" dir="2700000" algn="tl">
+                    <a:srgbClr val="000000">
+                      <a:alpha val="43137"/>
+                    </a:srgbClr>
+                  </a:outerShdw>
+                </a:effectLst>
               </a:rPr>
-              <a:t>Page </a:t>
-            </a:r>
-            <a:r>
-              <a:rPr dirty="0" smtClean="0">
-                <a:solidFill>
-                  <a:srgbClr val="000000"/>
-                </a:solidFill>
-              </a:rPr>
-              <a:t>33</a:t>
-            </a:r>
-            <a:endParaRPr dirty="0">
+              <a:t>Q &amp; A</a:t>
+            </a:r>
+            <a:endParaRPr sz="4000" kern="0" dirty="0" smtClean="0">
               <a:solidFill>
-                <a:srgbClr val="000000"/>
+                <a:srgbClr val="FFFFFF"/>
               </a:solidFill>
+              <a:effectLst>
+                <a:outerShdw blurRad="38100" dist="38100" dir="2700000" algn="tl">
+                  <a:srgbClr val="000000">
+                    <a:alpha val="43137"/>
+                  </a:srgbClr>
+                </a:outerShdw>
+              </a:effectLst>
             </a:endParaRPr>
           </a:p>
         </p:txBody>
@@ -25434,13 +24813,16 @@
     </p:spTree>
     <p:extLst>
       <p:ext uri="{BB962C8B-B14F-4D97-AF65-F5344CB8AC3E}">
-        <p14:creationId xmlns:p14="http://schemas.microsoft.com/office/powerpoint/2010/main" val="579530383"/>
+        <p14:creationId xmlns:p14="http://schemas.microsoft.com/office/powerpoint/2010/main" val="1597633556"/>
       </p:ext>
     </p:extLst>
   </p:cSld>
   <p:clrMapOvr>
     <a:masterClrMapping/>
   </p:clrMapOvr>
+  <p:transition>
+    <p:fade/>
+  </p:transition>
   <p:timing>
     <p:tnLst>
       <p:par>
@@ -25661,7 +25043,7 @@
                   </a:outerShdw>
                 </a:effectLst>
               </a:rPr>
-              <a:t>Q &amp; A</a:t>
+              <a:t>Thank You</a:t>
             </a:r>
             <a:endParaRPr sz="4000" kern="0" dirty="0" smtClean="0">
               <a:solidFill>
@@ -25681,7 +25063,7 @@
     </p:spTree>
     <p:extLst>
       <p:ext uri="{BB962C8B-B14F-4D97-AF65-F5344CB8AC3E}">
-        <p14:creationId xmlns:p14="http://schemas.microsoft.com/office/powerpoint/2010/main" val="1597633556"/>
+        <p14:creationId xmlns:p14="http://schemas.microsoft.com/office/powerpoint/2010/main" val="1062025340"/>
       </p:ext>
     </p:extLst>
   </p:cSld>
@@ -25911,256 +25293,6 @@
                   </a:outerShdw>
                 </a:effectLst>
               </a:rPr>
-              <a:t>Thank You</a:t>
-            </a:r>
-            <a:endParaRPr sz="4000" kern="0" dirty="0" smtClean="0">
-              <a:solidFill>
-                <a:srgbClr val="FFFFFF"/>
-              </a:solidFill>
-              <a:effectLst>
-                <a:outerShdw blurRad="38100" dist="38100" dir="2700000" algn="tl">
-                  <a:srgbClr val="000000">
-                    <a:alpha val="43137"/>
-                  </a:srgbClr>
-                </a:outerShdw>
-              </a:effectLst>
-            </a:endParaRPr>
-          </a:p>
-        </p:txBody>
-      </p:sp>
-    </p:spTree>
-    <p:extLst>
-      <p:ext uri="{BB962C8B-B14F-4D97-AF65-F5344CB8AC3E}">
-        <p14:creationId xmlns:p14="http://schemas.microsoft.com/office/powerpoint/2010/main" val="1062025340"/>
-      </p:ext>
-    </p:extLst>
-  </p:cSld>
-  <p:clrMapOvr>
-    <a:masterClrMapping/>
-  </p:clrMapOvr>
-  <p:transition>
-    <p:fade/>
-  </p:transition>
-  <p:timing>
-    <p:tnLst>
-      <p:par>
-        <p:cTn id="1" dur="indefinite" restart="never" nodeType="tmRoot"/>
-      </p:par>
-    </p:tnLst>
-  </p:timing>
-</p:sld>
-</file>
-
-<file path=ppt/slides/slide35.xml><?xml version="1.0" encoding="utf-8"?>
-<p:sld xmlns:a="http://schemas.openxmlformats.org/drawingml/2006/main" xmlns:r="http://schemas.openxmlformats.org/officeDocument/2006/relationships" xmlns:p="http://schemas.openxmlformats.org/presentationml/2006/main">
-  <p:cSld>
-    <p:spTree>
-      <p:nvGrpSpPr>
-        <p:cNvPr id="1" name=""/>
-        <p:cNvGrpSpPr/>
-        <p:nvPr/>
-      </p:nvGrpSpPr>
-      <p:grpSpPr>
-        <a:xfrm>
-          <a:off x="0" y="0"/>
-          <a:ext cx="0" cy="0"/>
-          <a:chOff x="0" y="0"/>
-          <a:chExt cx="0" cy="0"/>
-        </a:xfrm>
-      </p:grpSpPr>
-      <p:sp>
-        <p:nvSpPr>
-          <p:cNvPr id="9" name="Title 6"/>
-          <p:cNvSpPr txBox="1">
-            <a:spLocks/>
-          </p:cNvSpPr>
-          <p:nvPr/>
-        </p:nvSpPr>
-        <p:spPr>
-          <a:xfrm>
-            <a:off x="425114" y="3539041"/>
-            <a:ext cx="8718885" cy="636098"/>
-          </a:xfrm>
-          <a:prstGeom prst="rect">
-            <a:avLst/>
-          </a:prstGeom>
-        </p:spPr>
-        <p:txBody>
-          <a:bodyPr/>
-          <a:lstStyle>
-            <a:lvl1pPr algn="l" rtl="0" eaLnBrk="1" fontAlgn="base" hangingPunct="1">
-              <a:lnSpc>
-                <a:spcPct val="98000"/>
-              </a:lnSpc>
-              <a:spcBef>
-                <a:spcPct val="0"/>
-              </a:spcBef>
-              <a:spcAft>
-                <a:spcPct val="0"/>
-              </a:spcAft>
-              <a:defRPr lang="en-US" sz="3200" b="0" baseline="0" dirty="0" smtClean="0">
-                <a:solidFill>
-                  <a:schemeClr val="tx1">
-                    <a:lumMod val="75000"/>
-                    <a:lumOff val="25000"/>
-                  </a:schemeClr>
-                </a:solidFill>
-                <a:latin typeface="Calibri" panose="020F0502020204030204" pitchFamily="34" charset="0"/>
-                <a:ea typeface="+mj-ea"/>
-                <a:cs typeface="Calibri" panose="020F0502020204030204" pitchFamily="34" charset="0"/>
-              </a:defRPr>
-            </a:lvl1pPr>
-            <a:lvl2pPr algn="l" rtl="0" eaLnBrk="1" fontAlgn="base" hangingPunct="1">
-              <a:lnSpc>
-                <a:spcPct val="115000"/>
-              </a:lnSpc>
-              <a:spcBef>
-                <a:spcPct val="0"/>
-              </a:spcBef>
-              <a:spcAft>
-                <a:spcPct val="0"/>
-              </a:spcAft>
-              <a:defRPr sz="2800" b="1">
-                <a:solidFill>
-                  <a:schemeClr val="bg1"/>
-                </a:solidFill>
-                <a:latin typeface="Arial" charset="0"/>
-              </a:defRPr>
-            </a:lvl2pPr>
-            <a:lvl3pPr algn="l" rtl="0" eaLnBrk="1" fontAlgn="base" hangingPunct="1">
-              <a:lnSpc>
-                <a:spcPct val="115000"/>
-              </a:lnSpc>
-              <a:spcBef>
-                <a:spcPct val="0"/>
-              </a:spcBef>
-              <a:spcAft>
-                <a:spcPct val="0"/>
-              </a:spcAft>
-              <a:defRPr sz="2800" b="1">
-                <a:solidFill>
-                  <a:schemeClr val="bg1"/>
-                </a:solidFill>
-                <a:latin typeface="Arial" charset="0"/>
-              </a:defRPr>
-            </a:lvl3pPr>
-            <a:lvl4pPr algn="l" rtl="0" eaLnBrk="1" fontAlgn="base" hangingPunct="1">
-              <a:lnSpc>
-                <a:spcPct val="115000"/>
-              </a:lnSpc>
-              <a:spcBef>
-                <a:spcPct val="0"/>
-              </a:spcBef>
-              <a:spcAft>
-                <a:spcPct val="0"/>
-              </a:spcAft>
-              <a:defRPr sz="2800" b="1">
-                <a:solidFill>
-                  <a:schemeClr val="bg1"/>
-                </a:solidFill>
-                <a:latin typeface="Arial" charset="0"/>
-              </a:defRPr>
-            </a:lvl4pPr>
-            <a:lvl5pPr algn="l" rtl="0" eaLnBrk="1" fontAlgn="base" hangingPunct="1">
-              <a:lnSpc>
-                <a:spcPct val="115000"/>
-              </a:lnSpc>
-              <a:spcBef>
-                <a:spcPct val="0"/>
-              </a:spcBef>
-              <a:spcAft>
-                <a:spcPct val="0"/>
-              </a:spcAft>
-              <a:defRPr sz="2800" b="1">
-                <a:solidFill>
-                  <a:schemeClr val="bg1"/>
-                </a:solidFill>
-                <a:latin typeface="Arial" charset="0"/>
-              </a:defRPr>
-            </a:lvl5pPr>
-            <a:lvl6pPr marL="457200" algn="l" rtl="0" eaLnBrk="1" fontAlgn="base" hangingPunct="1">
-              <a:lnSpc>
-                <a:spcPct val="115000"/>
-              </a:lnSpc>
-              <a:spcBef>
-                <a:spcPct val="0"/>
-              </a:spcBef>
-              <a:spcAft>
-                <a:spcPct val="0"/>
-              </a:spcAft>
-              <a:defRPr sz="2800" b="1">
-                <a:solidFill>
-                  <a:schemeClr val="bg1"/>
-                </a:solidFill>
-                <a:latin typeface="Arial" charset="0"/>
-              </a:defRPr>
-            </a:lvl6pPr>
-            <a:lvl7pPr marL="914400" algn="l" rtl="0" eaLnBrk="1" fontAlgn="base" hangingPunct="1">
-              <a:lnSpc>
-                <a:spcPct val="115000"/>
-              </a:lnSpc>
-              <a:spcBef>
-                <a:spcPct val="0"/>
-              </a:spcBef>
-              <a:spcAft>
-                <a:spcPct val="0"/>
-              </a:spcAft>
-              <a:defRPr sz="2800" b="1">
-                <a:solidFill>
-                  <a:schemeClr val="bg1"/>
-                </a:solidFill>
-                <a:latin typeface="Arial" charset="0"/>
-              </a:defRPr>
-            </a:lvl7pPr>
-            <a:lvl8pPr marL="1371600" algn="l" rtl="0" eaLnBrk="1" fontAlgn="base" hangingPunct="1">
-              <a:lnSpc>
-                <a:spcPct val="115000"/>
-              </a:lnSpc>
-              <a:spcBef>
-                <a:spcPct val="0"/>
-              </a:spcBef>
-              <a:spcAft>
-                <a:spcPct val="0"/>
-              </a:spcAft>
-              <a:defRPr sz="2800" b="1">
-                <a:solidFill>
-                  <a:schemeClr val="bg1"/>
-                </a:solidFill>
-                <a:latin typeface="Arial" charset="0"/>
-              </a:defRPr>
-            </a:lvl8pPr>
-            <a:lvl9pPr marL="1828800" algn="l" rtl="0" eaLnBrk="1" fontAlgn="base" hangingPunct="1">
-              <a:lnSpc>
-                <a:spcPct val="115000"/>
-              </a:lnSpc>
-              <a:spcBef>
-                <a:spcPct val="0"/>
-              </a:spcBef>
-              <a:spcAft>
-                <a:spcPct val="0"/>
-              </a:spcAft>
-              <a:defRPr sz="2800" b="1">
-                <a:solidFill>
-                  <a:schemeClr val="bg1"/>
-                </a:solidFill>
-                <a:latin typeface="Arial" charset="0"/>
-              </a:defRPr>
-            </a:lvl9pPr>
-          </a:lstStyle>
-          <a:p>
-            <a:r>
-              <a:rPr lang="en-US" sz="4000" kern="0" dirty="0" smtClean="0">
-                <a:solidFill>
-                  <a:srgbClr val="FFFFFF"/>
-                </a:solidFill>
-                <a:effectLst>
-                  <a:outerShdw blurRad="38100" dist="38100" dir="2700000" algn="tl">
-                    <a:srgbClr val="000000">
-                      <a:alpha val="43137"/>
-                    </a:srgbClr>
-                  </a:outerShdw>
-                </a:effectLst>
-              </a:rPr>
               <a:t>Backup</a:t>
             </a:r>
             <a:endParaRPr sz="4000" kern="0" dirty="0" smtClean="0">
@@ -26201,7 +25333,7 @@
 </p:sld>
 </file>
 
-<file path=ppt/slides/slide36.xml><?xml version="1.0" encoding="utf-8"?>
+<file path=ppt/slides/slide35.xml><?xml version="1.0" encoding="utf-8"?>
 <p:sld xmlns:a="http://schemas.openxmlformats.org/drawingml/2006/main" xmlns:r="http://schemas.openxmlformats.org/officeDocument/2006/relationships" xmlns:p="http://schemas.openxmlformats.org/presentationml/2006/main">
   <p:cSld>
     <p:spTree>
@@ -26413,7 +25545,7 @@
                   <a:srgbClr val="000000"/>
                 </a:solidFill>
               </a:rPr>
-              <a:t>37</a:t>
+              <a:t>35</a:t>
             </a:r>
             <a:endParaRPr dirty="0">
               <a:solidFill>
@@ -26443,7 +25575,7 @@
 </p:sld>
 </file>
 
-<file path=ppt/slides/slide37.xml><?xml version="1.0" encoding="utf-8"?>
+<file path=ppt/slides/slide36.xml><?xml version="1.0" encoding="utf-8"?>
 <p:sld xmlns:a="http://schemas.openxmlformats.org/drawingml/2006/main" xmlns:r="http://schemas.openxmlformats.org/officeDocument/2006/relationships" xmlns:p="http://schemas.openxmlformats.org/presentationml/2006/main">
   <p:cSld>
     <p:spTree>
@@ -26798,7 +25930,7 @@
                   <a:srgbClr val="000000"/>
                 </a:solidFill>
               </a:rPr>
-              <a:t>38</a:t>
+              <a:t>36</a:t>
             </a:r>
             <a:endParaRPr dirty="0">
               <a:solidFill>
@@ -26828,7 +25960,7 @@
 </p:sld>
 </file>
 
-<file path=ppt/slides/slide38.xml><?xml version="1.0" encoding="utf-8"?>
+<file path=ppt/slides/slide37.xml><?xml version="1.0" encoding="utf-8"?>
 <p:sld xmlns:a="http://schemas.openxmlformats.org/drawingml/2006/main" xmlns:r="http://schemas.openxmlformats.org/officeDocument/2006/relationships" xmlns:p="http://schemas.openxmlformats.org/presentationml/2006/main">
   <p:cSld>
     <p:spTree>
@@ -27074,7 +26206,7 @@
                   <a:srgbClr val="000000"/>
                 </a:solidFill>
               </a:rPr>
-              <a:t>39</a:t>
+              <a:t>37</a:t>
             </a:r>
             <a:endParaRPr dirty="0">
               <a:solidFill>
@@ -27088,6 +26220,341 @@
     <p:extLst>
       <p:ext uri="{BB962C8B-B14F-4D97-AF65-F5344CB8AC3E}">
         <p14:creationId xmlns:p14="http://schemas.microsoft.com/office/powerpoint/2010/main" val="2788252931"/>
+      </p:ext>
+    </p:extLst>
+  </p:cSld>
+  <p:clrMapOvr>
+    <a:masterClrMapping/>
+  </p:clrMapOvr>
+  <p:timing>
+    <p:tnLst>
+      <p:par>
+        <p:cTn id="1" dur="indefinite" restart="never" nodeType="tmRoot"/>
+      </p:par>
+    </p:tnLst>
+  </p:timing>
+</p:sld>
+</file>
+
+<file path=ppt/slides/slide38.xml><?xml version="1.0" encoding="utf-8"?>
+<p:sld xmlns:a="http://schemas.openxmlformats.org/drawingml/2006/main" xmlns:r="http://schemas.openxmlformats.org/officeDocument/2006/relationships" xmlns:p="http://schemas.openxmlformats.org/presentationml/2006/main">
+  <p:cSld>
+    <p:spTree>
+      <p:nvGrpSpPr>
+        <p:cNvPr id="1" name=""/>
+        <p:cNvGrpSpPr/>
+        <p:nvPr/>
+      </p:nvGrpSpPr>
+      <p:grpSpPr>
+        <a:xfrm>
+          <a:off x="0" y="0"/>
+          <a:ext cx="0" cy="0"/>
+          <a:chOff x="0" y="0"/>
+          <a:chExt cx="0" cy="0"/>
+        </a:xfrm>
+      </p:grpSpPr>
+      <p:sp>
+        <p:nvSpPr>
+          <p:cNvPr id="2" name="Content Placeholder 1"/>
+          <p:cNvSpPr>
+            <a:spLocks noGrp="1"/>
+          </p:cNvSpPr>
+          <p:nvPr>
+            <p:ph idx="1"/>
+          </p:nvPr>
+        </p:nvSpPr>
+        <p:spPr/>
+        <p:txBody>
+          <a:bodyPr/>
+          <a:lstStyle/>
+          <a:p>
+            <a:r>
+              <a:rPr lang="en-US" dirty="0" smtClean="0"/>
+              <a:t>Build</a:t>
+            </a:r>
+            <a:r>
+              <a:rPr lang="en-US" baseline="0" dirty="0" smtClean="0"/>
+              <a:t> a small “managed </a:t>
+            </a:r>
+            <a:r>
+              <a:rPr lang="en-US" baseline="0" dirty="0" err="1" smtClean="0"/>
+              <a:t>ip</a:t>
+            </a:r>
+            <a:r>
+              <a:rPr lang="en-US" baseline="0" dirty="0" smtClean="0"/>
+              <a:t>” project for IP</a:t>
+            </a:r>
+          </a:p>
+          <a:p>
+            <a:r>
+              <a:rPr lang="en-US" baseline="0" dirty="0" smtClean="0"/>
+              <a:t>Package it up to a directory</a:t>
+            </a:r>
+          </a:p>
+          <a:p>
+            <a:pPr lvl="1"/>
+            <a:r>
+              <a:rPr lang="en-US" dirty="0" smtClean="0"/>
+              <a:t>Creates component.xml</a:t>
+            </a:r>
+            <a:r>
+              <a:rPr lang="en-US" baseline="0" dirty="0" smtClean="0"/>
+              <a:t> and </a:t>
+            </a:r>
+            <a:r>
+              <a:rPr lang="en-US" baseline="0" dirty="0" err="1" smtClean="0"/>
+              <a:t>xgui</a:t>
+            </a:r>
+            <a:r>
+              <a:rPr lang="en-US" baseline="0" dirty="0" smtClean="0"/>
+              <a:t> </a:t>
+            </a:r>
+            <a:r>
+              <a:rPr lang="en-US" baseline="0" dirty="0" err="1" smtClean="0"/>
+              <a:t>dirs</a:t>
+            </a:r>
+            <a:endParaRPr lang="en-US" baseline="0" dirty="0" smtClean="0"/>
+          </a:p>
+          <a:p>
+            <a:pPr lvl="1"/>
+            <a:r>
+              <a:rPr lang="en-US" dirty="0" smtClean="0"/>
+              <a:t>Revision control this directory</a:t>
+            </a:r>
+          </a:p>
+          <a:p>
+            <a:pPr lvl="0"/>
+            <a:r>
+              <a:rPr lang="en-US" dirty="0" smtClean="0"/>
+              <a:t>To edit/update from an instantiated project:</a:t>
+            </a:r>
+          </a:p>
+          <a:p>
+            <a:pPr lvl="1"/>
+            <a:r>
+              <a:rPr lang="en-US" dirty="0" smtClean="0"/>
+              <a:t>From within IPI BD select IP, choose Edit in IP Packager</a:t>
+            </a:r>
+          </a:p>
+          <a:p>
+            <a:pPr lvl="1"/>
+            <a:r>
+              <a:rPr lang="en-US" dirty="0" smtClean="0"/>
+              <a:t>Creates a small temp directory and allows</a:t>
+            </a:r>
+            <a:r>
+              <a:rPr lang="en-US" baseline="0" dirty="0" smtClean="0"/>
+              <a:t> RTL edits and re-packaging</a:t>
+            </a:r>
+          </a:p>
+          <a:p>
+            <a:pPr lvl="1"/>
+            <a:r>
+              <a:rPr lang="en-US" baseline="0" dirty="0" smtClean="0"/>
+              <a:t>Make sure you up revision each time</a:t>
+            </a:r>
+          </a:p>
+          <a:p>
+            <a:pPr lvl="1"/>
+            <a:r>
+              <a:rPr lang="en-US" baseline="0" dirty="0" err="1" smtClean="0"/>
+              <a:t>Report_ip_status</a:t>
+            </a:r>
+            <a:r>
+              <a:rPr lang="en-US" baseline="0" dirty="0" smtClean="0"/>
+              <a:t> and upgrading should work like Xilinx IP</a:t>
+            </a:r>
+            <a:endParaRPr lang="en-US" dirty="0" smtClean="0"/>
+          </a:p>
+        </p:txBody>
+      </p:sp>
+      <p:sp>
+        <p:nvSpPr>
+          <p:cNvPr id="3" name="Title 2"/>
+          <p:cNvSpPr>
+            <a:spLocks noGrp="1"/>
+          </p:cNvSpPr>
+          <p:nvPr>
+            <p:ph type="title"/>
+          </p:nvPr>
+        </p:nvSpPr>
+        <p:spPr/>
+        <p:txBody>
+          <a:bodyPr/>
+          <a:lstStyle/>
+          <a:p>
+            <a:r>
+              <a:rPr lang="en-US" dirty="0" smtClean="0"/>
+              <a:t>Custom IP with IP Integrator</a:t>
+            </a:r>
+            <a:endParaRPr lang="en-US" dirty="0"/>
+          </a:p>
+        </p:txBody>
+      </p:sp>
+      <p:sp>
+        <p:nvSpPr>
+          <p:cNvPr id="4" name="Rounded Rectangle 3"/>
+          <p:cNvSpPr/>
+          <p:nvPr/>
+        </p:nvSpPr>
+        <p:spPr bwMode="auto">
+          <a:xfrm>
+            <a:off x="633984" y="4059936"/>
+            <a:ext cx="4230624" cy="316992"/>
+          </a:xfrm>
+          <a:prstGeom prst="roundRect">
+            <a:avLst/>
+          </a:prstGeom>
+          <a:noFill/>
+          <a:ln w="76200" cap="flat" cmpd="sng" algn="ctr">
+            <a:solidFill>
+              <a:schemeClr val="bg2"/>
+            </a:solidFill>
+            <a:prstDash val="solid"/>
+            <a:round/>
+            <a:headEnd type="none" w="med" len="med"/>
+            <a:tailEnd type="none" w="med" len="med"/>
+          </a:ln>
+          <a:effectLst/>
+        </p:spPr>
+        <p:txBody>
+          <a:bodyPr vert="horz" wrap="square" lIns="91440" tIns="45720" rIns="91440" bIns="45720" numCol="1" rtlCol="0" anchor="ctr" anchorCtr="0" compatLnSpc="1">
+            <a:prstTxWarp prst="textNoShape">
+              <a:avLst/>
+            </a:prstTxWarp>
+            <a:noAutofit/>
+          </a:bodyPr>
+          <a:lstStyle/>
+          <a:p>
+            <a:pPr algn="ctr"/>
+            <a:endParaRPr lang="en-US" dirty="0" smtClean="0">
+              <a:solidFill>
+                <a:srgbClr val="000000"/>
+              </a:solidFill>
+            </a:endParaRPr>
+          </a:p>
+        </p:txBody>
+      </p:sp>
+      <p:sp>
+        <p:nvSpPr>
+          <p:cNvPr id="5" name="TextBox 4"/>
+          <p:cNvSpPr txBox="1"/>
+          <p:nvPr/>
+        </p:nvSpPr>
+        <p:spPr bwMode="auto">
+          <a:xfrm>
+            <a:off x="7168896" y="5632704"/>
+            <a:ext cx="1487425" cy="404663"/>
+          </a:xfrm>
+          <a:prstGeom prst="rect">
+            <a:avLst/>
+          </a:prstGeom>
+          <a:noFill/>
+          <a:ln w="38100">
+            <a:solidFill>
+              <a:schemeClr val="bg2"/>
+            </a:solidFill>
+            <a:miter lim="800000"/>
+            <a:headEnd/>
+            <a:tailEnd/>
+          </a:ln>
+        </p:spPr>
+        <p:txBody>
+          <a:bodyPr vert="horz" wrap="square" lIns="0" tIns="45720" rIns="91440" bIns="45720" numCol="1" rtlCol="0" anchor="t" anchorCtr="0" compatLnSpc="1">
+            <a:prstTxWarp prst="textNoShape">
+              <a:avLst/>
+            </a:prstTxWarp>
+            <a:spAutoFit/>
+          </a:bodyPr>
+          <a:lstStyle/>
+          <a:p>
+            <a:pPr marL="228600" marR="0" indent="-228600" algn="r" defTabSz="914400" rtl="0" eaLnBrk="0" fontAlgn="base" latinLnBrk="0" hangingPunct="0">
+              <a:lnSpc>
+                <a:spcPct val="110000"/>
+              </a:lnSpc>
+              <a:spcBef>
+                <a:spcPct val="20000"/>
+              </a:spcBef>
+              <a:spcAft>
+                <a:spcPct val="0"/>
+              </a:spcAft>
+              <a:buClr>
+                <a:schemeClr val="tx2"/>
+              </a:buClr>
+              <a:buSzPct val="88000"/>
+              <a:tabLst/>
+            </a:pPr>
+            <a:r>
+              <a:rPr kumimoji="0" lang="en-US" sz="2000" b="1" i="0" u="none" strike="noStrike" kern="0" cap="none" spc="0" normalizeH="0" baseline="0" noProof="0" dirty="0" smtClean="0">
+                <a:ln>
+                  <a:noFill/>
+                </a:ln>
+                <a:solidFill>
+                  <a:srgbClr val="FF0000"/>
+                </a:solidFill>
+                <a:effectLst/>
+                <a:uLnTx/>
+                <a:uFillTx/>
+                <a:latin typeface="+mn-lt"/>
+                <a:ea typeface="+mn-ea"/>
+                <a:cs typeface="+mn-cs"/>
+              </a:rPr>
+              <a:t>Important!</a:t>
+            </a:r>
+          </a:p>
+        </p:txBody>
+      </p:sp>
+      <p:sp>
+        <p:nvSpPr>
+          <p:cNvPr id="6" name="Slide Number Placeholder 2"/>
+          <p:cNvSpPr>
+            <a:spLocks noGrp="1"/>
+          </p:cNvSpPr>
+          <p:nvPr>
+            <p:ph type="sldNum" sz="quarter" idx="10"/>
+          </p:nvPr>
+        </p:nvSpPr>
+        <p:spPr>
+          <a:xfrm>
+            <a:off x="457200" y="6577013"/>
+            <a:ext cx="838200" cy="244475"/>
+          </a:xfrm>
+        </p:spPr>
+        <p:txBody>
+          <a:bodyPr/>
+          <a:lstStyle/>
+          <a:p>
+            <a:pPr>
+              <a:defRPr/>
+            </a:pPr>
+            <a:r>
+              <a:rPr dirty="0">
+                <a:solidFill>
+                  <a:srgbClr val="000000"/>
+                </a:solidFill>
+              </a:rPr>
+              <a:t>Page </a:t>
+            </a:r>
+            <a:r>
+              <a:rPr dirty="0" smtClean="0">
+                <a:solidFill>
+                  <a:srgbClr val="000000"/>
+                </a:solidFill>
+              </a:rPr>
+              <a:t>38</a:t>
+            </a:r>
+            <a:endParaRPr dirty="0">
+              <a:solidFill>
+                <a:srgbClr val="000000"/>
+              </a:solidFill>
+            </a:endParaRPr>
+          </a:p>
+        </p:txBody>
+      </p:sp>
+    </p:spTree>
+    <p:extLst>
+      <p:ext uri="{BB962C8B-B14F-4D97-AF65-F5344CB8AC3E}">
+        <p14:creationId xmlns:p14="http://schemas.microsoft.com/office/powerpoint/2010/main" val="2920121908"/>
       </p:ext>
     </p:extLst>
   </p:cSld>
@@ -27131,108 +26598,121 @@
             <p:ph idx="1"/>
           </p:nvPr>
         </p:nvSpPr>
-        <p:spPr/>
+        <p:spPr>
+          <a:xfrm>
+            <a:off x="364599" y="1327150"/>
+            <a:ext cx="6047775" cy="4268337"/>
+          </a:xfrm>
+        </p:spPr>
         <p:txBody>
           <a:bodyPr/>
           <a:lstStyle/>
           <a:p>
             <a:r>
               <a:rPr lang="en-US" dirty="0" smtClean="0"/>
-              <a:t>Build</a:t>
-            </a:r>
-            <a:r>
-              <a:rPr lang="en-US" baseline="0" dirty="0" smtClean="0"/>
-              <a:t> a small “managed </a:t>
-            </a:r>
-            <a:r>
-              <a:rPr lang="en-US" baseline="0" dirty="0" err="1" smtClean="0"/>
-              <a:t>ip</a:t>
-            </a:r>
-            <a:r>
-              <a:rPr lang="en-US" baseline="0" dirty="0" smtClean="0"/>
-              <a:t>” project for IP</a:t>
-            </a:r>
-          </a:p>
-          <a:p>
-            <a:r>
-              <a:rPr lang="en-US" baseline="0" dirty="0" smtClean="0"/>
-              <a:t>Package it up to a directory</a:t>
+              <a:t>Build System Generator “Standalone”</a:t>
             </a:r>
           </a:p>
           <a:p>
             <a:pPr lvl="1"/>
             <a:r>
               <a:rPr lang="en-US" dirty="0" smtClean="0"/>
-              <a:t>Creates component.xml</a:t>
-            </a:r>
-            <a:r>
-              <a:rPr lang="en-US" baseline="0" dirty="0" smtClean="0"/>
-              <a:t> and </a:t>
-            </a:r>
-            <a:r>
-              <a:rPr lang="en-US" baseline="0" dirty="0" err="1" smtClean="0"/>
-              <a:t>xgui</a:t>
-            </a:r>
-            <a:r>
-              <a:rPr lang="en-US" baseline="0" dirty="0" smtClean="0"/>
+              <a:t>vs “composite” integration mode with </a:t>
+            </a:r>
+            <a:r>
+              <a:rPr lang="en-US" dirty="0" err="1" smtClean="0"/>
+              <a:t>Vivado</a:t>
+            </a:r>
+            <a:endParaRPr lang="en-US" dirty="0" smtClean="0"/>
+          </a:p>
+          <a:p>
+            <a:pPr lvl="1"/>
+            <a:r>
+              <a:rPr lang="en-US" dirty="0" smtClean="0"/>
+              <a:t>Package </a:t>
+            </a:r>
+            <a:r>
+              <a:rPr lang="en-US" dirty="0" err="1" smtClean="0"/>
+              <a:t>SysGen</a:t>
+            </a:r>
+            <a:r>
+              <a:rPr lang="en-US" smtClean="0"/>
+              <a:t> Block </a:t>
+            </a:r>
+            <a:r>
+              <a:rPr lang="en-US" dirty="0" smtClean="0"/>
+              <a:t>like any other custom IP </a:t>
+            </a:r>
+          </a:p>
+          <a:p>
+            <a:pPr lvl="1"/>
+            <a:r>
+              <a:rPr lang="en-US" dirty="0" smtClean="0"/>
+              <a:t>IP repo used in IPI or Managed IP project for RTL</a:t>
+            </a:r>
+          </a:p>
+          <a:p>
+            <a:pPr lvl="1"/>
+            <a:r>
+              <a:rPr lang="en-US" dirty="0" smtClean="0"/>
+              <a:t>Make sure it is fully generated (RTL) with DCP (OOC)</a:t>
+            </a:r>
+          </a:p>
+          <a:p>
+            <a:pPr lvl="1"/>
+            <a:endParaRPr lang="en-US" dirty="0" smtClean="0"/>
+          </a:p>
+          <a:p>
+            <a:r>
+              <a:rPr lang="en-US" dirty="0" smtClean="0"/>
+              <a:t>Check it into revision control, like IP</a:t>
+            </a:r>
+          </a:p>
+          <a:p>
+            <a:pPr lvl="1"/>
+            <a:r>
+              <a:rPr lang="en-US" dirty="0" smtClean="0"/>
+              <a:t>Entire directory, including all </a:t>
+            </a:r>
+            <a:r>
+              <a:rPr lang="en-US" dirty="0" err="1" smtClean="0"/>
+              <a:t>subdirs</a:t>
+            </a:r>
+            <a:endParaRPr lang="en-US" dirty="0" smtClean="0"/>
+          </a:p>
+          <a:p>
+            <a:pPr lvl="1"/>
+            <a:endParaRPr lang="en-US" dirty="0" smtClean="0"/>
+          </a:p>
+          <a:p>
+            <a:r>
+              <a:rPr lang="en-US" dirty="0" smtClean="0"/>
+              <a:t>Add .xci to top project as a remote source</a:t>
+            </a:r>
+          </a:p>
+          <a:p>
+            <a:pPr lvl="1"/>
+            <a:r>
+              <a:rPr lang="en-US" dirty="0" err="1"/>
+              <a:t>a</a:t>
+            </a:r>
+            <a:r>
+              <a:rPr lang="en-US" dirty="0" err="1" smtClean="0"/>
+              <a:t>dd_sources</a:t>
+            </a:r>
+            <a:r>
+              <a:rPr lang="en-US" dirty="0" smtClean="0"/>
               <a:t> </a:t>
             </a:r>
             <a:r>
-              <a:rPr lang="en-US" baseline="0" dirty="0" err="1" smtClean="0"/>
-              <a:t>dirs</a:t>
-            </a:r>
-            <a:endParaRPr lang="en-US" baseline="0" dirty="0" smtClean="0"/>
-          </a:p>
-          <a:p>
-            <a:pPr lvl="1"/>
+              <a:rPr lang="en-US" dirty="0" err="1" smtClean="0"/>
+              <a:t>Tcl</a:t>
+            </a:r>
             <a:r>
               <a:rPr lang="en-US" dirty="0" smtClean="0"/>
-              <a:t>Revision control this directory</a:t>
-            </a:r>
-          </a:p>
-          <a:p>
-            <a:pPr lvl="0"/>
-            <a:r>
-              <a:rPr lang="en-US" dirty="0" smtClean="0"/>
-              <a:t>To edit/update from an instantiated project:</a:t>
-            </a:r>
-          </a:p>
-          <a:p>
-            <a:pPr lvl="1"/>
-            <a:r>
-              <a:rPr lang="en-US" dirty="0" smtClean="0"/>
-              <a:t>From within IPI BD select IP, choose Edit in IP Packager</a:t>
-            </a:r>
-          </a:p>
-          <a:p>
-            <a:pPr lvl="1"/>
-            <a:r>
-              <a:rPr lang="en-US" dirty="0" smtClean="0"/>
-              <a:t>Creates a small temp directory and allows</a:t>
-            </a:r>
-            <a:r>
-              <a:rPr lang="en-US" baseline="0" dirty="0" smtClean="0"/>
-              <a:t> RTL edits and re-packaging</a:t>
-            </a:r>
-          </a:p>
-          <a:p>
-            <a:pPr lvl="1"/>
-            <a:r>
-              <a:rPr lang="en-US" baseline="0" dirty="0" smtClean="0"/>
-              <a:t>Make sure you up revision each time</a:t>
-            </a:r>
-          </a:p>
-          <a:p>
-            <a:pPr lvl="1"/>
-            <a:r>
-              <a:rPr lang="en-US" baseline="0" dirty="0" err="1" smtClean="0"/>
-              <a:t>Report_ip_status</a:t>
-            </a:r>
-            <a:r>
-              <a:rPr lang="en-US" baseline="0" dirty="0" smtClean="0"/>
-              <a:t> and upgrading should work like Xilinx IP</a:t>
-            </a:r>
-            <a:endParaRPr lang="en-US" dirty="0" smtClean="0"/>
+              <a:t> command, relative file path</a:t>
+            </a:r>
+            <a:endParaRPr lang="en-US" dirty="0"/>
           </a:p>
         </p:txBody>
       </p:sp>
@@ -27253,22 +26733,52 @@
           <a:p>
             <a:r>
               <a:rPr lang="en-US" dirty="0" smtClean="0"/>
-              <a:t>Custom IP with IP Integrator</a:t>
+              <a:t>System Generator under revision control</a:t>
             </a:r>
             <a:endParaRPr lang="en-US" dirty="0"/>
           </a:p>
         </p:txBody>
       </p:sp>
+      <p:pic>
+        <p:nvPicPr>
+          <p:cNvPr id="8" name="Picture 7"/>
+          <p:cNvPicPr>
+            <a:picLocks noChangeAspect="1"/>
+          </p:cNvPicPr>
+          <p:nvPr/>
+        </p:nvPicPr>
+        <p:blipFill>
+          <a:blip r:embed="rId2">
+            <a:extLst>
+              <a:ext uri="{28A0092B-C50C-407E-A947-70E740481C1C}">
+                <a14:useLocalDpi xmlns:a14="http://schemas.microsoft.com/office/drawing/2010/main" val="0"/>
+              </a:ext>
+            </a:extLst>
+          </a:blip>
+          <a:stretch>
+            <a:fillRect/>
+          </a:stretch>
+        </p:blipFill>
+        <p:spPr>
+          <a:xfrm>
+            <a:off x="6524259" y="1112469"/>
+            <a:ext cx="2619741" cy="3515216"/>
+          </a:xfrm>
+          <a:prstGeom prst="rect">
+            <a:avLst/>
+          </a:prstGeom>
+        </p:spPr>
+      </p:pic>
       <p:sp>
         <p:nvSpPr>
-          <p:cNvPr id="4" name="Rounded Rectangle 3"/>
+          <p:cNvPr id="5" name="Rounded Rectangle 4"/>
           <p:cNvSpPr/>
           <p:nvPr/>
         </p:nvSpPr>
         <p:spPr bwMode="auto">
           <a:xfrm>
-            <a:off x="633984" y="4059936"/>
-            <a:ext cx="4230624" cy="316992"/>
+            <a:off x="6524259" y="3128826"/>
+            <a:ext cx="1436913" cy="298580"/>
           </a:xfrm>
           <a:prstGeom prst="roundRect">
             <a:avLst/>
@@ -27305,76 +26815,7 @@
       </p:sp>
       <p:sp>
         <p:nvSpPr>
-          <p:cNvPr id="5" name="TextBox 4"/>
-          <p:cNvSpPr txBox="1"/>
-          <p:nvPr/>
-        </p:nvSpPr>
-        <p:spPr bwMode="auto">
-          <a:xfrm>
-            <a:off x="7168896" y="5632704"/>
-            <a:ext cx="1487425" cy="404663"/>
-          </a:xfrm>
-          <a:prstGeom prst="rect">
-            <a:avLst/>
-          </a:prstGeom>
-          <a:noFill/>
-          <a:ln w="38100">
-            <a:solidFill>
-              <a:schemeClr val="bg2"/>
-            </a:solidFill>
-            <a:miter lim="800000"/>
-            <a:headEnd/>
-            <a:tailEnd/>
-          </a:ln>
-        </p:spPr>
-        <p:txBody>
-          <a:bodyPr vert="horz" wrap="square" lIns="0" tIns="45720" rIns="91440" bIns="45720" numCol="1" rtlCol="0" anchor="t" anchorCtr="0" compatLnSpc="1">
-            <a:prstTxWarp prst="textNoShape">
-              <a:avLst/>
-            </a:prstTxWarp>
-            <a:spAutoFit/>
-          </a:bodyPr>
-          <a:lstStyle/>
-          <a:p>
-            <a:pPr marL="228600" marR="0" indent="-228600" algn="r" defTabSz="914400" rtl="0" eaLnBrk="0" fontAlgn="base" latinLnBrk="0" hangingPunct="0">
-              <a:lnSpc>
-                <a:spcPct val="110000"/>
-              </a:lnSpc>
-              <a:spcBef>
-                <a:spcPct val="20000"/>
-              </a:spcBef>
-              <a:spcAft>
-                <a:spcPct val="0"/>
-              </a:spcAft>
-              <a:buClr>
-                <a:schemeClr val="tx2"/>
-              </a:buClr>
-              <a:buSzPct val="88000"/>
-              <a:tabLst/>
-            </a:pPr>
-            <a:r>
-              <a:rPr kumimoji="0" lang="en-US" sz="2000" b="1" i="0" u="none" strike="noStrike" kern="0" cap="none" spc="0" normalizeH="0" baseline="0" noProof="0" dirty="0" smtClean="0">
-                <a:ln>
-                  <a:noFill/>
-                </a:ln>
-                <a:solidFill>
-                  <a:srgbClr val="FF0000"/>
-                </a:solidFill>
-                <a:effectLst/>
-                <a:uLnTx/>
-                <a:uFillTx/>
-                <a:latin typeface="+mn-lt"/>
-                <a:ea typeface="+mn-ea"/>
-                <a:cs typeface="+mn-cs"/>
-              </a:rPr>
-              <a:t>Important!</a:t>
-            </a:r>
-          </a:p>
-        </p:txBody>
-      </p:sp>
-      <p:sp>
-        <p:nvSpPr>
-          <p:cNvPr id="6" name="Slide Number Placeholder 2"/>
+          <p:cNvPr id="9" name="Slide Number Placeholder 2"/>
           <p:cNvSpPr>
             <a:spLocks noGrp="1"/>
           </p:cNvSpPr>
@@ -27409,7 +26850,7 @@
                   <a:srgbClr val="000000"/>
                 </a:solidFill>
               </a:rPr>
-              <a:t>40</a:t>
+              <a:t>39</a:t>
             </a:r>
             <a:endParaRPr dirty="0">
               <a:solidFill>
@@ -27422,7 +26863,7 @@
     </p:spTree>
     <p:extLst>
       <p:ext uri="{BB962C8B-B14F-4D97-AF65-F5344CB8AC3E}">
-        <p14:creationId xmlns:p14="http://schemas.microsoft.com/office/powerpoint/2010/main" val="2920121908"/>
+        <p14:creationId xmlns:p14="http://schemas.microsoft.com/office/powerpoint/2010/main" val="3128218916"/>
       </p:ext>
     </p:extLst>
   </p:cSld>
@@ -27537,15 +26978,7 @@
           <a:p>
             <a:r>
               <a:rPr lang="en-US" dirty="0" smtClean="0"/>
-              <a:t>Which </a:t>
-            </a:r>
-            <a:r>
-              <a:rPr lang="en-US" dirty="0" smtClean="0"/>
-              <a:t>revision control systems do you </a:t>
-            </a:r>
-            <a:r>
-              <a:rPr lang="en-US" dirty="0" smtClean="0"/>
-              <a:t>use?</a:t>
+              <a:t>Which revision control systems do you use?</a:t>
             </a:r>
             <a:endParaRPr lang="en-US" dirty="0"/>
           </a:p>
@@ -28475,315 +27908,6 @@
             </p:seq>
           </p:childTnLst>
         </p:cTn>
-      </p:par>
-    </p:tnLst>
-  </p:timing>
-</p:sld>
-</file>
-
-<file path=ppt/slides/slide40.xml><?xml version="1.0" encoding="utf-8"?>
-<p:sld xmlns:a="http://schemas.openxmlformats.org/drawingml/2006/main" xmlns:r="http://schemas.openxmlformats.org/officeDocument/2006/relationships" xmlns:p="http://schemas.openxmlformats.org/presentationml/2006/main">
-  <p:cSld>
-    <p:spTree>
-      <p:nvGrpSpPr>
-        <p:cNvPr id="1" name=""/>
-        <p:cNvGrpSpPr/>
-        <p:nvPr/>
-      </p:nvGrpSpPr>
-      <p:grpSpPr>
-        <a:xfrm>
-          <a:off x="0" y="0"/>
-          <a:ext cx="0" cy="0"/>
-          <a:chOff x="0" y="0"/>
-          <a:chExt cx="0" cy="0"/>
-        </a:xfrm>
-      </p:grpSpPr>
-      <p:sp>
-        <p:nvSpPr>
-          <p:cNvPr id="2" name="Content Placeholder 1"/>
-          <p:cNvSpPr>
-            <a:spLocks noGrp="1"/>
-          </p:cNvSpPr>
-          <p:nvPr>
-            <p:ph idx="1"/>
-          </p:nvPr>
-        </p:nvSpPr>
-        <p:spPr>
-          <a:xfrm>
-            <a:off x="364599" y="1327150"/>
-            <a:ext cx="6047775" cy="4268337"/>
-          </a:xfrm>
-        </p:spPr>
-        <p:txBody>
-          <a:bodyPr/>
-          <a:lstStyle/>
-          <a:p>
-            <a:r>
-              <a:rPr lang="en-US" dirty="0" smtClean="0"/>
-              <a:t>Build System Generator “Standalone”</a:t>
-            </a:r>
-          </a:p>
-          <a:p>
-            <a:pPr lvl="1"/>
-            <a:r>
-              <a:rPr lang="en-US" dirty="0" smtClean="0"/>
-              <a:t>vs “composite” integration mode with </a:t>
-            </a:r>
-            <a:r>
-              <a:rPr lang="en-US" dirty="0" err="1" smtClean="0"/>
-              <a:t>Vivado</a:t>
-            </a:r>
-            <a:endParaRPr lang="en-US" dirty="0" smtClean="0"/>
-          </a:p>
-          <a:p>
-            <a:pPr lvl="1"/>
-            <a:r>
-              <a:rPr lang="en-US" dirty="0" smtClean="0"/>
-              <a:t>Package </a:t>
-            </a:r>
-            <a:r>
-              <a:rPr lang="en-US" dirty="0" err="1" smtClean="0"/>
-              <a:t>SysGen</a:t>
-            </a:r>
-            <a:r>
-              <a:rPr lang="en-US" smtClean="0"/>
-              <a:t> Block </a:t>
-            </a:r>
-            <a:r>
-              <a:rPr lang="en-US" dirty="0" smtClean="0"/>
-              <a:t>like any other custom IP </a:t>
-            </a:r>
-          </a:p>
-          <a:p>
-            <a:pPr lvl="1"/>
-            <a:r>
-              <a:rPr lang="en-US" dirty="0" smtClean="0"/>
-              <a:t>IP repo used in IPI or Managed IP project for RTL</a:t>
-            </a:r>
-          </a:p>
-          <a:p>
-            <a:pPr lvl="1"/>
-            <a:r>
-              <a:rPr lang="en-US" dirty="0" smtClean="0"/>
-              <a:t>Make sure it is fully generated (RTL) with DCP (OOC)</a:t>
-            </a:r>
-          </a:p>
-          <a:p>
-            <a:pPr lvl="1"/>
-            <a:endParaRPr lang="en-US" dirty="0" smtClean="0"/>
-          </a:p>
-          <a:p>
-            <a:r>
-              <a:rPr lang="en-US" dirty="0" smtClean="0"/>
-              <a:t>Check it into revision control, like IP</a:t>
-            </a:r>
-          </a:p>
-          <a:p>
-            <a:pPr lvl="1"/>
-            <a:r>
-              <a:rPr lang="en-US" dirty="0" smtClean="0"/>
-              <a:t>Entire directory, including all </a:t>
-            </a:r>
-            <a:r>
-              <a:rPr lang="en-US" dirty="0" err="1" smtClean="0"/>
-              <a:t>subdirs</a:t>
-            </a:r>
-            <a:endParaRPr lang="en-US" dirty="0" smtClean="0"/>
-          </a:p>
-          <a:p>
-            <a:pPr lvl="1"/>
-            <a:endParaRPr lang="en-US" dirty="0" smtClean="0"/>
-          </a:p>
-          <a:p>
-            <a:r>
-              <a:rPr lang="en-US" dirty="0" smtClean="0"/>
-              <a:t>Add .xci to top project as a remote source</a:t>
-            </a:r>
-          </a:p>
-          <a:p>
-            <a:pPr lvl="1"/>
-            <a:r>
-              <a:rPr lang="en-US" dirty="0" err="1"/>
-              <a:t>a</a:t>
-            </a:r>
-            <a:r>
-              <a:rPr lang="en-US" dirty="0" err="1" smtClean="0"/>
-              <a:t>dd_sources</a:t>
-            </a:r>
-            <a:r>
-              <a:rPr lang="en-US" dirty="0" smtClean="0"/>
-              <a:t> </a:t>
-            </a:r>
-            <a:r>
-              <a:rPr lang="en-US" dirty="0" err="1" smtClean="0"/>
-              <a:t>Tcl</a:t>
-            </a:r>
-            <a:r>
-              <a:rPr lang="en-US" dirty="0" smtClean="0"/>
-              <a:t> command, relative file path</a:t>
-            </a:r>
-            <a:endParaRPr lang="en-US" dirty="0"/>
-          </a:p>
-        </p:txBody>
-      </p:sp>
-      <p:sp>
-        <p:nvSpPr>
-          <p:cNvPr id="3" name="Title 2"/>
-          <p:cNvSpPr>
-            <a:spLocks noGrp="1"/>
-          </p:cNvSpPr>
-          <p:nvPr>
-            <p:ph type="title"/>
-          </p:nvPr>
-        </p:nvSpPr>
-        <p:spPr/>
-        <p:txBody>
-          <a:bodyPr/>
-          <a:lstStyle/>
-          <a:p>
-            <a:r>
-              <a:rPr lang="en-US" dirty="0" smtClean="0"/>
-              <a:t>System Generator under revision control</a:t>
-            </a:r>
-            <a:endParaRPr lang="en-US" dirty="0"/>
-          </a:p>
-        </p:txBody>
-      </p:sp>
-      <p:pic>
-        <p:nvPicPr>
-          <p:cNvPr id="8" name="Picture 7"/>
-          <p:cNvPicPr>
-            <a:picLocks noChangeAspect="1"/>
-          </p:cNvPicPr>
-          <p:nvPr/>
-        </p:nvPicPr>
-        <p:blipFill>
-          <a:blip r:embed="rId2">
-            <a:extLst>
-              <a:ext uri="{28A0092B-C50C-407E-A947-70E740481C1C}">
-                <a14:useLocalDpi xmlns:a14="http://schemas.microsoft.com/office/drawing/2010/main" val="0"/>
-              </a:ext>
-            </a:extLst>
-          </a:blip>
-          <a:stretch>
-            <a:fillRect/>
-          </a:stretch>
-        </p:blipFill>
-        <p:spPr>
-          <a:xfrm>
-            <a:off x="6524259" y="1112469"/>
-            <a:ext cx="2619741" cy="3515216"/>
-          </a:xfrm>
-          <a:prstGeom prst="rect">
-            <a:avLst/>
-          </a:prstGeom>
-        </p:spPr>
-      </p:pic>
-      <p:sp>
-        <p:nvSpPr>
-          <p:cNvPr id="5" name="Rounded Rectangle 4"/>
-          <p:cNvSpPr/>
-          <p:nvPr/>
-        </p:nvSpPr>
-        <p:spPr bwMode="auto">
-          <a:xfrm>
-            <a:off x="6524259" y="3128826"/>
-            <a:ext cx="1436913" cy="298580"/>
-          </a:xfrm>
-          <a:prstGeom prst="roundRect">
-            <a:avLst/>
-          </a:prstGeom>
-          <a:noFill/>
-          <a:ln w="76200" cap="flat" cmpd="sng" algn="ctr">
-            <a:solidFill>
-              <a:schemeClr val="bg2"/>
-            </a:solidFill>
-            <a:prstDash val="solid"/>
-            <a:round/>
-            <a:headEnd type="none" w="med" len="med"/>
-            <a:tailEnd type="none" w="med" len="med"/>
-          </a:ln>
-          <a:effectLst/>
-        </p:spPr>
-        <p:txBody>
-          <a:bodyPr vert="horz" wrap="square" lIns="91440" tIns="45720" rIns="91440" bIns="45720" numCol="1" rtlCol="0" anchor="ctr" anchorCtr="0" compatLnSpc="1">
-            <a:prstTxWarp prst="textNoShape">
-              <a:avLst/>
-            </a:prstTxWarp>
-            <a:noAutofit/>
-          </a:bodyPr>
-          <a:lstStyle/>
-          <a:p>
-            <a:pPr algn="ctr"/>
-            <a:endParaRPr lang="en-US" dirty="0" smtClean="0">
-              <a:solidFill>
-                <a:srgbClr val="000000"/>
-              </a:solidFill>
-            </a:endParaRPr>
-          </a:p>
-        </p:txBody>
-      </p:sp>
-      <p:sp>
-        <p:nvSpPr>
-          <p:cNvPr id="9" name="Slide Number Placeholder 2"/>
-          <p:cNvSpPr>
-            <a:spLocks noGrp="1"/>
-          </p:cNvSpPr>
-          <p:nvPr>
-            <p:ph type="sldNum" sz="quarter" idx="10"/>
-          </p:nvPr>
-        </p:nvSpPr>
-        <p:spPr>
-          <a:xfrm>
-            <a:off x="457200" y="6577013"/>
-            <a:ext cx="838200" cy="244475"/>
-          </a:xfrm>
-        </p:spPr>
-        <p:txBody>
-          <a:bodyPr/>
-          <a:lstStyle/>
-          <a:p>
-            <a:pPr>
-              <a:defRPr/>
-            </a:pPr>
-            <a:r>
-              <a:rPr dirty="0">
-                <a:solidFill>
-                  <a:srgbClr val="000000"/>
-                </a:solidFill>
-              </a:rPr>
-              <a:t>Page </a:t>
-            </a:r>
-            <a:r>
-              <a:rPr dirty="0" smtClean="0">
-                <a:solidFill>
-                  <a:srgbClr val="000000"/>
-                </a:solidFill>
-              </a:rPr>
-              <a:t>41</a:t>
-            </a:r>
-            <a:endParaRPr dirty="0">
-              <a:solidFill>
-                <a:srgbClr val="000000"/>
-              </a:solidFill>
-            </a:endParaRPr>
-          </a:p>
-        </p:txBody>
-      </p:sp>
-    </p:spTree>
-    <p:extLst>
-      <p:ext uri="{BB962C8B-B14F-4D97-AF65-F5344CB8AC3E}">
-        <p14:creationId xmlns:p14="http://schemas.microsoft.com/office/powerpoint/2010/main" val="3128218916"/>
-      </p:ext>
-    </p:extLst>
-  </p:cSld>
-  <p:clrMapOvr>
-    <a:masterClrMapping/>
-  </p:clrMapOvr>
-  <p:timing>
-    <p:tnLst>
-      <p:par>
-        <p:cTn id="1" dur="indefinite" restart="never" nodeType="tmRoot"/>
       </p:par>
     </p:tnLst>
   </p:timing>
@@ -32185,13 +31309,13 @@
 <file path=customXml/itemProps3.xml><?xml version="1.0" encoding="utf-8"?>
 <ds:datastoreItem xmlns:ds="http://schemas.openxmlformats.org/officeDocument/2006/customXml" ds:itemID="{0A886E37-D8EC-4D3B-9AA4-97C26A5CAE7C}">
   <ds:schemaRefs>
+    <ds:schemaRef ds:uri="http://schemas.microsoft.com/office/2006/metadata/properties"/>
+    <ds:schemaRef ds:uri="http://purl.org/dc/elements/1.1/"/>
     <ds:schemaRef ds:uri="http://www.w3.org/XML/1998/namespace"/>
-    <ds:schemaRef ds:uri="http://schemas.microsoft.com/office/2006/metadata/properties"/>
+    <ds:schemaRef ds:uri="http://schemas.microsoft.com/office/2006/documentManagement/types"/>
+    <ds:schemaRef ds:uri="http://purl.org/dc/dcmitype/"/>
+    <ds:schemaRef ds:uri="http://schemas.microsoft.com/office/infopath/2007/PartnerControls"/>
     <ds:schemaRef ds:uri="http://schemas.openxmlformats.org/package/2006/metadata/core-properties"/>
-    <ds:schemaRef ds:uri="http://schemas.microsoft.com/office/2006/documentManagement/types"/>
-    <ds:schemaRef ds:uri="http://schemas.microsoft.com/office/infopath/2007/PartnerControls"/>
-    <ds:schemaRef ds:uri="http://purl.org/dc/elements/1.1/"/>
-    <ds:schemaRef ds:uri="http://purl.org/dc/dcmitype/"/>
     <ds:schemaRef ds:uri="http://purl.org/dc/terms/"/>
   </ds:schemaRefs>
 </ds:datastoreItem>

--- a/doc/versionControl.pptx
+++ b/doc/versionControl.pptx
@@ -5,10 +5,10 @@
     <p:sldMasterId id="2147483951" r:id="rId4"/>
   </p:sldMasterIdLst>
   <p:notesMasterIdLst>
-    <p:notesMasterId r:id="rId44"/>
+    <p:notesMasterId r:id="rId38"/>
   </p:notesMasterIdLst>
   <p:handoutMasterIdLst>
-    <p:handoutMasterId r:id="rId45"/>
+    <p:handoutMasterId r:id="rId39"/>
   </p:handoutMasterIdLst>
   <p:sldIdLst>
     <p:sldId id="1015" r:id="rId5"/>
@@ -44,12 +44,6 @@
     <p:sldId id="1056" r:id="rId35"/>
     <p:sldId id="1074" r:id="rId36"/>
     <p:sldId id="1076" r:id="rId37"/>
-    <p:sldId id="1075" r:id="rId38"/>
-    <p:sldId id="1061" r:id="rId39"/>
-    <p:sldId id="1062" r:id="rId40"/>
-    <p:sldId id="1063" r:id="rId41"/>
-    <p:sldId id="1064" r:id="rId42"/>
-    <p:sldId id="1065" r:id="rId43"/>
   </p:sldIdLst>
   <p:sldSz cx="9144000" cy="6858000" type="screen4x3"/>
   <p:notesSz cx="9305925" cy="7019925"/>
@@ -274,6 +268,7 @@
           </a:p>
         </c:rich>
       </c:tx>
+      <c:layout/>
       <c:overlay val="0"/>
       <c:spPr>
         <a:noFill/>
@@ -391,11 +386,11 @@
         </c:dLbls>
         <c:bubbleScale val="100"/>
         <c:showNegBubbles val="0"/>
-        <c:axId val="335255456"/>
-        <c:axId val="335255848"/>
+        <c:axId val="481357528"/>
+        <c:axId val="262568192"/>
       </c:bubbleChart>
       <c:valAx>
-        <c:axId val="335255456"/>
+        <c:axId val="481357528"/>
         <c:scaling>
           <c:orientation val="minMax"/>
         </c:scaling>
@@ -437,6 +432,7 @@
               </a:p>
             </c:rich>
           </c:tx>
+          <c:layout/>
           <c:overlay val="0"/>
           <c:spPr>
             <a:noFill/>
@@ -503,12 +499,12 @@
             <a:endParaRPr lang="en-US"/>
           </a:p>
         </c:txPr>
-        <c:crossAx val="335255848"/>
+        <c:crossAx val="262568192"/>
         <c:crosses val="autoZero"/>
         <c:crossBetween val="midCat"/>
       </c:valAx>
       <c:valAx>
-        <c:axId val="335255848"/>
+        <c:axId val="262568192"/>
         <c:scaling>
           <c:orientation val="minMax"/>
         </c:scaling>
@@ -550,6 +546,7 @@
               </a:p>
             </c:rich>
           </c:tx>
+          <c:layout/>
           <c:overlay val="0"/>
           <c:spPr>
             <a:noFill/>
@@ -616,7 +613,7 @@
             <a:endParaRPr lang="en-US"/>
           </a:p>
         </c:txPr>
-        <c:crossAx val="335255456"/>
+        <c:crossAx val="481357528"/>
         <c:crosses val="autoZero"/>
         <c:crossBetween val="midCat"/>
       </c:valAx>
@@ -1977,753 +1974,6 @@
 </dgm:colorsDef>
 </file>
 
-<file path=ppt/diagrams/colors2.xml><?xml version="1.0" encoding="utf-8"?>
-<dgm:colorsDef xmlns:dgm="http://schemas.openxmlformats.org/drawingml/2006/diagram" xmlns:a="http://schemas.openxmlformats.org/drawingml/2006/main" uniqueId="urn:microsoft.com/office/officeart/2005/8/colors/accent1_2">
-  <dgm:title val=""/>
-  <dgm:desc val=""/>
-  <dgm:catLst>
-    <dgm:cat type="accent1" pri="11200"/>
-  </dgm:catLst>
-  <dgm:styleLbl name="node0">
-    <dgm:fillClrLst meth="repeat">
-      <a:schemeClr val="accent1"/>
-    </dgm:fillClrLst>
-    <dgm:linClrLst meth="repeat">
-      <a:schemeClr val="lt1"/>
-    </dgm:linClrLst>
-    <dgm:effectClrLst/>
-    <dgm:txLinClrLst/>
-    <dgm:txFillClrLst/>
-    <dgm:txEffectClrLst/>
-  </dgm:styleLbl>
-  <dgm:styleLbl name="alignNode1">
-    <dgm:fillClrLst meth="repeat">
-      <a:schemeClr val="accent1"/>
-    </dgm:fillClrLst>
-    <dgm:linClrLst meth="repeat">
-      <a:schemeClr val="accent1"/>
-    </dgm:linClrLst>
-    <dgm:effectClrLst/>
-    <dgm:txLinClrLst/>
-    <dgm:txFillClrLst/>
-    <dgm:txEffectClrLst/>
-  </dgm:styleLbl>
-  <dgm:styleLbl name="node1">
-    <dgm:fillClrLst meth="repeat">
-      <a:schemeClr val="accent1"/>
-    </dgm:fillClrLst>
-    <dgm:linClrLst meth="repeat">
-      <a:schemeClr val="lt1"/>
-    </dgm:linClrLst>
-    <dgm:effectClrLst/>
-    <dgm:txLinClrLst/>
-    <dgm:txFillClrLst/>
-    <dgm:txEffectClrLst/>
-  </dgm:styleLbl>
-  <dgm:styleLbl name="lnNode1">
-    <dgm:fillClrLst meth="repeat">
-      <a:schemeClr val="accent1"/>
-    </dgm:fillClrLst>
-    <dgm:linClrLst meth="repeat">
-      <a:schemeClr val="lt1"/>
-    </dgm:linClrLst>
-    <dgm:effectClrLst/>
-    <dgm:txLinClrLst/>
-    <dgm:txFillClrLst/>
-    <dgm:txEffectClrLst/>
-  </dgm:styleLbl>
-  <dgm:styleLbl name="vennNode1">
-    <dgm:fillClrLst meth="repeat">
-      <a:schemeClr val="accent1">
-        <a:alpha val="50000"/>
-      </a:schemeClr>
-    </dgm:fillClrLst>
-    <dgm:linClrLst meth="repeat">
-      <a:schemeClr val="lt1"/>
-    </dgm:linClrLst>
-    <dgm:effectClrLst/>
-    <dgm:txLinClrLst/>
-    <dgm:txFillClrLst/>
-    <dgm:txEffectClrLst/>
-  </dgm:styleLbl>
-  <dgm:styleLbl name="node2">
-    <dgm:fillClrLst meth="repeat">
-      <a:schemeClr val="accent1"/>
-    </dgm:fillClrLst>
-    <dgm:linClrLst meth="repeat">
-      <a:schemeClr val="lt1"/>
-    </dgm:linClrLst>
-    <dgm:effectClrLst/>
-    <dgm:txLinClrLst/>
-    <dgm:txFillClrLst/>
-    <dgm:txEffectClrLst/>
-  </dgm:styleLbl>
-  <dgm:styleLbl name="node3">
-    <dgm:fillClrLst meth="repeat">
-      <a:schemeClr val="accent1"/>
-    </dgm:fillClrLst>
-    <dgm:linClrLst meth="repeat">
-      <a:schemeClr val="lt1"/>
-    </dgm:linClrLst>
-    <dgm:effectClrLst/>
-    <dgm:txLinClrLst/>
-    <dgm:txFillClrLst/>
-    <dgm:txEffectClrLst/>
-  </dgm:styleLbl>
-  <dgm:styleLbl name="node4">
-    <dgm:fillClrLst meth="repeat">
-      <a:schemeClr val="accent1"/>
-    </dgm:fillClrLst>
-    <dgm:linClrLst meth="repeat">
-      <a:schemeClr val="lt1"/>
-    </dgm:linClrLst>
-    <dgm:effectClrLst/>
-    <dgm:txLinClrLst/>
-    <dgm:txFillClrLst/>
-    <dgm:txEffectClrLst/>
-  </dgm:styleLbl>
-  <dgm:styleLbl name="fgImgPlace1">
-    <dgm:fillClrLst meth="repeat">
-      <a:schemeClr val="accent1">
-        <a:tint val="50000"/>
-      </a:schemeClr>
-    </dgm:fillClrLst>
-    <dgm:linClrLst meth="repeat">
-      <a:schemeClr val="lt1"/>
-    </dgm:linClrLst>
-    <dgm:effectClrLst/>
-    <dgm:txLinClrLst/>
-    <dgm:txFillClrLst meth="repeat">
-      <a:schemeClr val="lt1"/>
-    </dgm:txFillClrLst>
-    <dgm:txEffectClrLst/>
-  </dgm:styleLbl>
-  <dgm:styleLbl name="alignImgPlace1">
-    <dgm:fillClrLst meth="repeat">
-      <a:schemeClr val="accent1">
-        <a:tint val="50000"/>
-      </a:schemeClr>
-    </dgm:fillClrLst>
-    <dgm:linClrLst meth="repeat">
-      <a:schemeClr val="lt1"/>
-    </dgm:linClrLst>
-    <dgm:effectClrLst/>
-    <dgm:txLinClrLst/>
-    <dgm:txFillClrLst meth="repeat">
-      <a:schemeClr val="lt1"/>
-    </dgm:txFillClrLst>
-    <dgm:txEffectClrLst/>
-  </dgm:styleLbl>
-  <dgm:styleLbl name="bgImgPlace1">
-    <dgm:fillClrLst meth="repeat">
-      <a:schemeClr val="accent1">
-        <a:tint val="50000"/>
-      </a:schemeClr>
-    </dgm:fillClrLst>
-    <dgm:linClrLst meth="repeat">
-      <a:schemeClr val="lt1"/>
-    </dgm:linClrLst>
-    <dgm:effectClrLst/>
-    <dgm:txLinClrLst/>
-    <dgm:txFillClrLst meth="repeat">
-      <a:schemeClr val="lt1"/>
-    </dgm:txFillClrLst>
-    <dgm:txEffectClrLst/>
-  </dgm:styleLbl>
-  <dgm:styleLbl name="sibTrans2D1">
-    <dgm:fillClrLst meth="repeat">
-      <a:schemeClr val="accent1">
-        <a:tint val="60000"/>
-      </a:schemeClr>
-    </dgm:fillClrLst>
-    <dgm:linClrLst meth="repeat">
-      <a:schemeClr val="accent1">
-        <a:tint val="60000"/>
-      </a:schemeClr>
-    </dgm:linClrLst>
-    <dgm:effectClrLst/>
-    <dgm:txLinClrLst/>
-    <dgm:txFillClrLst/>
-    <dgm:txEffectClrLst/>
-  </dgm:styleLbl>
-  <dgm:styleLbl name="fgSibTrans2D1">
-    <dgm:fillClrLst meth="repeat">
-      <a:schemeClr val="accent1">
-        <a:tint val="60000"/>
-      </a:schemeClr>
-    </dgm:fillClrLst>
-    <dgm:linClrLst meth="repeat">
-      <a:schemeClr val="accent1">
-        <a:tint val="60000"/>
-      </a:schemeClr>
-    </dgm:linClrLst>
-    <dgm:effectClrLst/>
-    <dgm:txLinClrLst/>
-    <dgm:txFillClrLst/>
-    <dgm:txEffectClrLst/>
-  </dgm:styleLbl>
-  <dgm:styleLbl name="bgSibTrans2D1">
-    <dgm:fillClrLst meth="repeat">
-      <a:schemeClr val="accent1">
-        <a:tint val="60000"/>
-      </a:schemeClr>
-    </dgm:fillClrLst>
-    <dgm:linClrLst meth="repeat">
-      <a:schemeClr val="accent1">
-        <a:tint val="60000"/>
-      </a:schemeClr>
-    </dgm:linClrLst>
-    <dgm:effectClrLst/>
-    <dgm:txLinClrLst/>
-    <dgm:txFillClrLst/>
-    <dgm:txEffectClrLst/>
-  </dgm:styleLbl>
-  <dgm:styleLbl name="sibTrans1D1">
-    <dgm:fillClrLst meth="repeat">
-      <a:schemeClr val="accent1"/>
-    </dgm:fillClrLst>
-    <dgm:linClrLst meth="repeat">
-      <a:schemeClr val="accent1"/>
-    </dgm:linClrLst>
-    <dgm:effectClrLst/>
-    <dgm:txLinClrLst/>
-    <dgm:txFillClrLst meth="repeat">
-      <a:schemeClr val="tx1"/>
-    </dgm:txFillClrLst>
-    <dgm:txEffectClrLst/>
-  </dgm:styleLbl>
-  <dgm:styleLbl name="callout">
-    <dgm:fillClrLst meth="repeat">
-      <a:schemeClr val="accent1"/>
-    </dgm:fillClrLst>
-    <dgm:linClrLst meth="repeat">
-      <a:schemeClr val="accent1">
-        <a:tint val="50000"/>
-      </a:schemeClr>
-    </dgm:linClrLst>
-    <dgm:effectClrLst/>
-    <dgm:txLinClrLst/>
-    <dgm:txFillClrLst meth="repeat">
-      <a:schemeClr val="tx1"/>
-    </dgm:txFillClrLst>
-    <dgm:txEffectClrLst/>
-  </dgm:styleLbl>
-  <dgm:styleLbl name="asst0">
-    <dgm:fillClrLst meth="repeat">
-      <a:schemeClr val="accent1"/>
-    </dgm:fillClrLst>
-    <dgm:linClrLst meth="repeat">
-      <a:schemeClr val="lt1"/>
-    </dgm:linClrLst>
-    <dgm:effectClrLst/>
-    <dgm:txLinClrLst/>
-    <dgm:txFillClrLst/>
-    <dgm:txEffectClrLst/>
-  </dgm:styleLbl>
-  <dgm:styleLbl name="asst1">
-    <dgm:fillClrLst meth="repeat">
-      <a:schemeClr val="accent1"/>
-    </dgm:fillClrLst>
-    <dgm:linClrLst meth="repeat">
-      <a:schemeClr val="lt1"/>
-    </dgm:linClrLst>
-    <dgm:effectClrLst/>
-    <dgm:txLinClrLst/>
-    <dgm:txFillClrLst/>
-    <dgm:txEffectClrLst/>
-  </dgm:styleLbl>
-  <dgm:styleLbl name="asst2">
-    <dgm:fillClrLst meth="repeat">
-      <a:schemeClr val="accent1"/>
-    </dgm:fillClrLst>
-    <dgm:linClrLst meth="repeat">
-      <a:schemeClr val="lt1"/>
-    </dgm:linClrLst>
-    <dgm:effectClrLst/>
-    <dgm:txLinClrLst/>
-    <dgm:txFillClrLst/>
-    <dgm:txEffectClrLst/>
-  </dgm:styleLbl>
-  <dgm:styleLbl name="asst3">
-    <dgm:fillClrLst meth="repeat">
-      <a:schemeClr val="accent1"/>
-    </dgm:fillClrLst>
-    <dgm:linClrLst meth="repeat">
-      <a:schemeClr val="lt1"/>
-    </dgm:linClrLst>
-    <dgm:effectClrLst/>
-    <dgm:txLinClrLst/>
-    <dgm:txFillClrLst/>
-    <dgm:txEffectClrLst/>
-  </dgm:styleLbl>
-  <dgm:styleLbl name="asst4">
-    <dgm:fillClrLst meth="repeat">
-      <a:schemeClr val="accent1"/>
-    </dgm:fillClrLst>
-    <dgm:linClrLst meth="repeat">
-      <a:schemeClr val="lt1"/>
-    </dgm:linClrLst>
-    <dgm:effectClrLst/>
-    <dgm:txLinClrLst/>
-    <dgm:txFillClrLst/>
-    <dgm:txEffectClrLst/>
-  </dgm:styleLbl>
-  <dgm:styleLbl name="parChTrans2D1">
-    <dgm:fillClrLst meth="repeat">
-      <a:schemeClr val="accent1">
-        <a:tint val="60000"/>
-      </a:schemeClr>
-    </dgm:fillClrLst>
-    <dgm:linClrLst meth="repeat">
-      <a:schemeClr val="accent1">
-        <a:tint val="60000"/>
-      </a:schemeClr>
-    </dgm:linClrLst>
-    <dgm:effectClrLst/>
-    <dgm:txLinClrLst/>
-    <dgm:txFillClrLst meth="repeat">
-      <a:schemeClr val="lt1"/>
-    </dgm:txFillClrLst>
-    <dgm:txEffectClrLst/>
-  </dgm:styleLbl>
-  <dgm:styleLbl name="parChTrans2D2">
-    <dgm:fillClrLst meth="repeat">
-      <a:schemeClr val="accent1"/>
-    </dgm:fillClrLst>
-    <dgm:linClrLst meth="repeat">
-      <a:schemeClr val="accent1"/>
-    </dgm:linClrLst>
-    <dgm:effectClrLst/>
-    <dgm:txLinClrLst/>
-    <dgm:txFillClrLst meth="repeat">
-      <a:schemeClr val="lt1"/>
-    </dgm:txFillClrLst>
-    <dgm:txEffectClrLst/>
-  </dgm:styleLbl>
-  <dgm:styleLbl name="parChTrans2D3">
-    <dgm:fillClrLst meth="repeat">
-      <a:schemeClr val="accent1"/>
-    </dgm:fillClrLst>
-    <dgm:linClrLst meth="repeat">
-      <a:schemeClr val="accent1"/>
-    </dgm:linClrLst>
-    <dgm:effectClrLst/>
-    <dgm:txLinClrLst/>
-    <dgm:txFillClrLst meth="repeat">
-      <a:schemeClr val="lt1"/>
-    </dgm:txFillClrLst>
-    <dgm:txEffectClrLst/>
-  </dgm:styleLbl>
-  <dgm:styleLbl name="parChTrans2D4">
-    <dgm:fillClrLst meth="repeat">
-      <a:schemeClr val="accent1"/>
-    </dgm:fillClrLst>
-    <dgm:linClrLst meth="repeat">
-      <a:schemeClr val="accent1"/>
-    </dgm:linClrLst>
-    <dgm:effectClrLst/>
-    <dgm:txLinClrLst/>
-    <dgm:txFillClrLst meth="repeat">
-      <a:schemeClr val="lt1"/>
-    </dgm:txFillClrLst>
-    <dgm:txEffectClrLst/>
-  </dgm:styleLbl>
-  <dgm:styleLbl name="parChTrans1D1">
-    <dgm:fillClrLst meth="repeat">
-      <a:schemeClr val="accent1"/>
-    </dgm:fillClrLst>
-    <dgm:linClrLst meth="repeat">
-      <a:schemeClr val="accent1">
-        <a:shade val="60000"/>
-      </a:schemeClr>
-    </dgm:linClrLst>
-    <dgm:effectClrLst/>
-    <dgm:txLinClrLst/>
-    <dgm:txFillClrLst meth="repeat">
-      <a:schemeClr val="tx1"/>
-    </dgm:txFillClrLst>
-    <dgm:txEffectClrLst/>
-  </dgm:styleLbl>
-  <dgm:styleLbl name="parChTrans1D2">
-    <dgm:fillClrLst meth="repeat">
-      <a:schemeClr val="accent1"/>
-    </dgm:fillClrLst>
-    <dgm:linClrLst meth="repeat">
-      <a:schemeClr val="accent1">
-        <a:shade val="60000"/>
-      </a:schemeClr>
-    </dgm:linClrLst>
-    <dgm:effectClrLst/>
-    <dgm:txLinClrLst/>
-    <dgm:txFillClrLst meth="repeat">
-      <a:schemeClr val="tx1"/>
-    </dgm:txFillClrLst>
-    <dgm:txEffectClrLst/>
-  </dgm:styleLbl>
-  <dgm:styleLbl name="parChTrans1D3">
-    <dgm:fillClrLst meth="repeat">
-      <a:schemeClr val="accent1"/>
-    </dgm:fillClrLst>
-    <dgm:linClrLst meth="repeat">
-      <a:schemeClr val="accent1">
-        <a:shade val="80000"/>
-      </a:schemeClr>
-    </dgm:linClrLst>
-    <dgm:effectClrLst/>
-    <dgm:txLinClrLst/>
-    <dgm:txFillClrLst meth="repeat">
-      <a:schemeClr val="tx1"/>
-    </dgm:txFillClrLst>
-    <dgm:txEffectClrLst/>
-  </dgm:styleLbl>
-  <dgm:styleLbl name="parChTrans1D4">
-    <dgm:fillClrLst meth="repeat">
-      <a:schemeClr val="accent1"/>
-    </dgm:fillClrLst>
-    <dgm:linClrLst meth="repeat">
-      <a:schemeClr val="accent1">
-        <a:shade val="80000"/>
-      </a:schemeClr>
-    </dgm:linClrLst>
-    <dgm:effectClrLst/>
-    <dgm:txLinClrLst/>
-    <dgm:txFillClrLst meth="repeat">
-      <a:schemeClr val="tx1"/>
-    </dgm:txFillClrLst>
-    <dgm:txEffectClrLst/>
-  </dgm:styleLbl>
-  <dgm:styleLbl name="fgAcc1">
-    <dgm:fillClrLst meth="repeat">
-      <a:schemeClr val="lt1">
-        <a:alpha val="90000"/>
-      </a:schemeClr>
-    </dgm:fillClrLst>
-    <dgm:linClrLst meth="repeat">
-      <a:schemeClr val="accent1"/>
-    </dgm:linClrLst>
-    <dgm:effectClrLst/>
-    <dgm:txLinClrLst/>
-    <dgm:txFillClrLst meth="repeat">
-      <a:schemeClr val="dk1"/>
-    </dgm:txFillClrLst>
-    <dgm:txEffectClrLst/>
-  </dgm:styleLbl>
-  <dgm:styleLbl name="conFgAcc1">
-    <dgm:fillClrLst meth="repeat">
-      <a:schemeClr val="lt1">
-        <a:alpha val="90000"/>
-      </a:schemeClr>
-    </dgm:fillClrLst>
-    <dgm:linClrLst meth="repeat">
-      <a:schemeClr val="accent1"/>
-    </dgm:linClrLst>
-    <dgm:effectClrLst/>
-    <dgm:txLinClrLst/>
-    <dgm:txFillClrLst meth="repeat">
-      <a:schemeClr val="dk1"/>
-    </dgm:txFillClrLst>
-    <dgm:txEffectClrLst/>
-  </dgm:styleLbl>
-  <dgm:styleLbl name="alignAcc1">
-    <dgm:fillClrLst meth="repeat">
-      <a:schemeClr val="lt1">
-        <a:alpha val="90000"/>
-      </a:schemeClr>
-    </dgm:fillClrLst>
-    <dgm:linClrLst meth="repeat">
-      <a:schemeClr val="accent1"/>
-    </dgm:linClrLst>
-    <dgm:effectClrLst/>
-    <dgm:txLinClrLst/>
-    <dgm:txFillClrLst meth="repeat">
-      <a:schemeClr val="dk1"/>
-    </dgm:txFillClrLst>
-    <dgm:txEffectClrLst/>
-  </dgm:styleLbl>
-  <dgm:styleLbl name="trAlignAcc1">
-    <dgm:fillClrLst meth="repeat">
-      <a:schemeClr val="lt1">
-        <a:alpha val="40000"/>
-      </a:schemeClr>
-    </dgm:fillClrLst>
-    <dgm:linClrLst meth="repeat">
-      <a:schemeClr val="accent1"/>
-    </dgm:linClrLst>
-    <dgm:effectClrLst/>
-    <dgm:txLinClrLst/>
-    <dgm:txFillClrLst meth="repeat">
-      <a:schemeClr val="dk1"/>
-    </dgm:txFillClrLst>
-    <dgm:txEffectClrLst/>
-  </dgm:styleLbl>
-  <dgm:styleLbl name="bgAcc1">
-    <dgm:fillClrLst meth="repeat">
-      <a:schemeClr val="lt1">
-        <a:alpha val="90000"/>
-      </a:schemeClr>
-    </dgm:fillClrLst>
-    <dgm:linClrLst meth="repeat">
-      <a:schemeClr val="accent1"/>
-    </dgm:linClrLst>
-    <dgm:effectClrLst/>
-    <dgm:txLinClrLst/>
-    <dgm:txFillClrLst meth="repeat">
-      <a:schemeClr val="dk1"/>
-    </dgm:txFillClrLst>
-    <dgm:txEffectClrLst/>
-  </dgm:styleLbl>
-  <dgm:styleLbl name="solidFgAcc1">
-    <dgm:fillClrLst meth="repeat">
-      <a:schemeClr val="lt1"/>
-    </dgm:fillClrLst>
-    <dgm:linClrLst meth="repeat">
-      <a:schemeClr val="accent1"/>
-    </dgm:linClrLst>
-    <dgm:effectClrLst/>
-    <dgm:txLinClrLst/>
-    <dgm:txFillClrLst meth="repeat">
-      <a:schemeClr val="dk1"/>
-    </dgm:txFillClrLst>
-    <dgm:txEffectClrLst/>
-  </dgm:styleLbl>
-  <dgm:styleLbl name="solidAlignAcc1">
-    <dgm:fillClrLst meth="repeat">
-      <a:schemeClr val="lt1"/>
-    </dgm:fillClrLst>
-    <dgm:linClrLst meth="repeat">
-      <a:schemeClr val="accent1"/>
-    </dgm:linClrLst>
-    <dgm:effectClrLst/>
-    <dgm:txLinClrLst/>
-    <dgm:txFillClrLst meth="repeat">
-      <a:schemeClr val="dk1"/>
-    </dgm:txFillClrLst>
-    <dgm:txEffectClrLst/>
-  </dgm:styleLbl>
-  <dgm:styleLbl name="solidBgAcc1">
-    <dgm:fillClrLst meth="repeat">
-      <a:schemeClr val="lt1"/>
-    </dgm:fillClrLst>
-    <dgm:linClrLst meth="repeat">
-      <a:schemeClr val="accent1"/>
-    </dgm:linClrLst>
-    <dgm:effectClrLst/>
-    <dgm:txLinClrLst/>
-    <dgm:txFillClrLst meth="repeat">
-      <a:schemeClr val="dk1"/>
-    </dgm:txFillClrLst>
-    <dgm:txEffectClrLst/>
-  </dgm:styleLbl>
-  <dgm:styleLbl name="fgAccFollowNode1">
-    <dgm:fillClrLst meth="repeat">
-      <a:schemeClr val="accent1">
-        <a:alpha val="90000"/>
-        <a:tint val="40000"/>
-      </a:schemeClr>
-    </dgm:fillClrLst>
-    <dgm:linClrLst meth="repeat">
-      <a:schemeClr val="accent1">
-        <a:alpha val="90000"/>
-        <a:tint val="40000"/>
-      </a:schemeClr>
-    </dgm:linClrLst>
-    <dgm:effectClrLst/>
-    <dgm:txLinClrLst/>
-    <dgm:txFillClrLst meth="repeat">
-      <a:schemeClr val="dk1"/>
-    </dgm:txFillClrLst>
-    <dgm:txEffectClrLst/>
-  </dgm:styleLbl>
-  <dgm:styleLbl name="alignAccFollowNode1">
-    <dgm:fillClrLst meth="repeat">
-      <a:schemeClr val="accent1">
-        <a:alpha val="90000"/>
-        <a:tint val="40000"/>
-      </a:schemeClr>
-    </dgm:fillClrLst>
-    <dgm:linClrLst meth="repeat">
-      <a:schemeClr val="accent1">
-        <a:alpha val="90000"/>
-        <a:tint val="40000"/>
-      </a:schemeClr>
-    </dgm:linClrLst>
-    <dgm:effectClrLst/>
-    <dgm:txLinClrLst/>
-    <dgm:txFillClrLst meth="repeat">
-      <a:schemeClr val="dk1"/>
-    </dgm:txFillClrLst>
-    <dgm:txEffectClrLst/>
-  </dgm:styleLbl>
-  <dgm:styleLbl name="bgAccFollowNode1">
-    <dgm:fillClrLst meth="repeat">
-      <a:schemeClr val="accent1">
-        <a:alpha val="90000"/>
-        <a:tint val="40000"/>
-      </a:schemeClr>
-    </dgm:fillClrLst>
-    <dgm:linClrLst meth="repeat">
-      <a:schemeClr val="accent1">
-        <a:alpha val="90000"/>
-        <a:tint val="40000"/>
-      </a:schemeClr>
-    </dgm:linClrLst>
-    <dgm:effectClrLst/>
-    <dgm:txLinClrLst/>
-    <dgm:txFillClrLst meth="repeat">
-      <a:schemeClr val="dk1"/>
-    </dgm:txFillClrLst>
-    <dgm:txEffectClrLst/>
-  </dgm:styleLbl>
-  <dgm:styleLbl name="fgAcc0">
-    <dgm:fillClrLst meth="repeat">
-      <a:schemeClr val="lt1">
-        <a:alpha val="90000"/>
-      </a:schemeClr>
-    </dgm:fillClrLst>
-    <dgm:linClrLst meth="repeat">
-      <a:schemeClr val="accent1"/>
-    </dgm:linClrLst>
-    <dgm:effectClrLst/>
-    <dgm:txLinClrLst/>
-    <dgm:txFillClrLst meth="repeat">
-      <a:schemeClr val="dk1"/>
-    </dgm:txFillClrLst>
-    <dgm:txEffectClrLst/>
-  </dgm:styleLbl>
-  <dgm:styleLbl name="fgAcc2">
-    <dgm:fillClrLst meth="repeat">
-      <a:schemeClr val="lt1">
-        <a:alpha val="90000"/>
-      </a:schemeClr>
-    </dgm:fillClrLst>
-    <dgm:linClrLst meth="repeat">
-      <a:schemeClr val="accent1"/>
-    </dgm:linClrLst>
-    <dgm:effectClrLst/>
-    <dgm:txLinClrLst/>
-    <dgm:txFillClrLst meth="repeat">
-      <a:schemeClr val="dk1"/>
-    </dgm:txFillClrLst>
-    <dgm:txEffectClrLst/>
-  </dgm:styleLbl>
-  <dgm:styleLbl name="fgAcc3">
-    <dgm:fillClrLst meth="repeat">
-      <a:schemeClr val="lt1">
-        <a:alpha val="90000"/>
-      </a:schemeClr>
-    </dgm:fillClrLst>
-    <dgm:linClrLst meth="repeat">
-      <a:schemeClr val="accent1"/>
-    </dgm:linClrLst>
-    <dgm:effectClrLst/>
-    <dgm:txLinClrLst/>
-    <dgm:txFillClrLst meth="repeat">
-      <a:schemeClr val="dk1"/>
-    </dgm:txFillClrLst>
-    <dgm:txEffectClrLst/>
-  </dgm:styleLbl>
-  <dgm:styleLbl name="fgAcc4">
-    <dgm:fillClrLst meth="repeat">
-      <a:schemeClr val="lt1">
-        <a:alpha val="90000"/>
-      </a:schemeClr>
-    </dgm:fillClrLst>
-    <dgm:linClrLst meth="repeat">
-      <a:schemeClr val="accent1"/>
-    </dgm:linClrLst>
-    <dgm:effectClrLst/>
-    <dgm:txLinClrLst/>
-    <dgm:txFillClrLst meth="repeat">
-      <a:schemeClr val="dk1"/>
-    </dgm:txFillClrLst>
-    <dgm:txEffectClrLst/>
-  </dgm:styleLbl>
-  <dgm:styleLbl name="bgShp">
-    <dgm:fillClrLst meth="repeat">
-      <a:schemeClr val="accent1">
-        <a:tint val="40000"/>
-      </a:schemeClr>
-    </dgm:fillClrLst>
-    <dgm:linClrLst meth="repeat">
-      <a:schemeClr val="accent1"/>
-    </dgm:linClrLst>
-    <dgm:effectClrLst/>
-    <dgm:txLinClrLst/>
-    <dgm:txFillClrLst meth="repeat">
-      <a:schemeClr val="dk1"/>
-    </dgm:txFillClrLst>
-    <dgm:txEffectClrLst/>
-  </dgm:styleLbl>
-  <dgm:styleLbl name="dkBgShp">
-    <dgm:fillClrLst meth="repeat">
-      <a:schemeClr val="accent1">
-        <a:shade val="80000"/>
-      </a:schemeClr>
-    </dgm:fillClrLst>
-    <dgm:linClrLst meth="repeat">
-      <a:schemeClr val="accent1"/>
-    </dgm:linClrLst>
-    <dgm:effectClrLst/>
-    <dgm:txLinClrLst/>
-    <dgm:txFillClrLst meth="repeat">
-      <a:schemeClr val="lt1"/>
-    </dgm:txFillClrLst>
-    <dgm:txEffectClrLst/>
-  </dgm:styleLbl>
-  <dgm:styleLbl name="trBgShp">
-    <dgm:fillClrLst meth="repeat">
-      <a:schemeClr val="accent1">
-        <a:tint val="50000"/>
-        <a:alpha val="40000"/>
-      </a:schemeClr>
-    </dgm:fillClrLst>
-    <dgm:linClrLst meth="repeat">
-      <a:schemeClr val="accent1"/>
-    </dgm:linClrLst>
-    <dgm:effectClrLst/>
-    <dgm:txLinClrLst/>
-    <dgm:txFillClrLst meth="repeat">
-      <a:schemeClr val="lt1"/>
-    </dgm:txFillClrLst>
-    <dgm:txEffectClrLst/>
-  </dgm:styleLbl>
-  <dgm:styleLbl name="fgShp">
-    <dgm:fillClrLst meth="repeat">
-      <a:schemeClr val="accent1">
-        <a:tint val="60000"/>
-      </a:schemeClr>
-    </dgm:fillClrLst>
-    <dgm:linClrLst meth="repeat">
-      <a:schemeClr val="lt1"/>
-    </dgm:linClrLst>
-    <dgm:effectClrLst/>
-    <dgm:txLinClrLst/>
-    <dgm:txFillClrLst meth="repeat">
-      <a:schemeClr val="dk1"/>
-    </dgm:txFillClrLst>
-    <dgm:txEffectClrLst/>
-  </dgm:styleLbl>
-  <dgm:styleLbl name="revTx">
-    <dgm:fillClrLst meth="repeat">
-      <a:schemeClr val="lt1">
-        <a:alpha val="0"/>
-      </a:schemeClr>
-    </dgm:fillClrLst>
-    <dgm:linClrLst meth="repeat">
-      <a:schemeClr val="dk1">
-        <a:alpha val="0"/>
-      </a:schemeClr>
-    </dgm:linClrLst>
-    <dgm:effectClrLst/>
-    <dgm:txLinClrLst/>
-    <dgm:txFillClrLst meth="repeat">
-      <a:schemeClr val="tx1"/>
-    </dgm:txFillClrLst>
-    <dgm:txEffectClrLst/>
-  </dgm:styleLbl>
-</dgm:colorsDef>
-</file>
-
 <file path=ppt/diagrams/data1.xml><?xml version="1.0" encoding="utf-8"?>
 <dgm:dataModel xmlns:dgm="http://schemas.openxmlformats.org/drawingml/2006/diagram" xmlns:a="http://schemas.openxmlformats.org/drawingml/2006/main">
   <dgm:ptLst>
@@ -3239,1022 +2489,6 @@
 </dgm:dataModel>
 </file>
 
-<file path=ppt/diagrams/data2.xml><?xml version="1.0" encoding="utf-8"?>
-<dgm:dataModel xmlns:dgm="http://schemas.openxmlformats.org/drawingml/2006/diagram" xmlns:a="http://schemas.openxmlformats.org/drawingml/2006/main">
-  <dgm:ptLst>
-    <dgm:pt modelId="{574DF99C-4176-499A-B61F-775D3A99A96C}" type="doc">
-      <dgm:prSet loTypeId="urn:microsoft.com/office/officeart/2005/8/layout/orgChart1" loCatId="hierarchy" qsTypeId="urn:microsoft.com/office/officeart/2005/8/quickstyle/simple1" qsCatId="simple" csTypeId="urn:microsoft.com/office/officeart/2005/8/colors/accent1_2" csCatId="accent1" phldr="1"/>
-      <dgm:spPr/>
-      <dgm:t>
-        <a:bodyPr/>
-        <a:lstStyle/>
-        <a:p>
-          <a:endParaRPr lang="en-US"/>
-        </a:p>
-      </dgm:t>
-    </dgm:pt>
-    <dgm:pt modelId="{3BFC2D99-54F2-4F56-ABDC-4D2D1E5A4444}">
-      <dgm:prSet phldrT="[Text]"/>
-      <dgm:spPr>
-        <a:solidFill>
-          <a:schemeClr val="accent2"/>
-        </a:solidFill>
-      </dgm:spPr>
-      <dgm:t>
-        <a:bodyPr/>
-        <a:lstStyle/>
-        <a:p>
-          <a:r>
-            <a:rPr lang="en-US" b="1" dirty="0" smtClean="0"/>
-            <a:t>Root </a:t>
-          </a:r>
-          <a:r>
-            <a:rPr lang="en-US" b="1" dirty="0" err="1" smtClean="0"/>
-            <a:t>Dir</a:t>
-          </a:r>
-          <a:endParaRPr lang="en-US" b="1" dirty="0"/>
-        </a:p>
-      </dgm:t>
-    </dgm:pt>
-    <dgm:pt modelId="{A8AD49DD-D239-4CA8-88D0-271653106B2D}" type="parTrans" cxnId="{AAB9FDE5-E752-464B-A09D-664C120C9132}">
-      <dgm:prSet/>
-      <dgm:spPr/>
-      <dgm:t>
-        <a:bodyPr/>
-        <a:lstStyle/>
-        <a:p>
-          <a:endParaRPr lang="en-US"/>
-        </a:p>
-      </dgm:t>
-    </dgm:pt>
-    <dgm:pt modelId="{B9E47118-F99A-4F45-996D-372EC8F72170}" type="sibTrans" cxnId="{AAB9FDE5-E752-464B-A09D-664C120C9132}">
-      <dgm:prSet/>
-      <dgm:spPr/>
-      <dgm:t>
-        <a:bodyPr/>
-        <a:lstStyle/>
-        <a:p>
-          <a:endParaRPr lang="en-US"/>
-        </a:p>
-      </dgm:t>
-    </dgm:pt>
-    <dgm:pt modelId="{6272F718-0281-4B8E-96CA-9336D1DC1410}">
-      <dgm:prSet phldrT="[Text]"/>
-      <dgm:spPr/>
-      <dgm:t>
-        <a:bodyPr/>
-        <a:lstStyle/>
-        <a:p>
-          <a:r>
-            <a:rPr lang="en-US" b="1" dirty="0" smtClean="0"/>
-            <a:t>Work</a:t>
-          </a:r>
-          <a:endParaRPr lang="en-US" b="1" dirty="0"/>
-        </a:p>
-      </dgm:t>
-    </dgm:pt>
-    <dgm:pt modelId="{D30938AD-CB50-4663-9E84-6F16F0A37FB4}" type="parTrans" cxnId="{3122EEEB-4127-4DCB-9752-0B9405C20019}">
-      <dgm:prSet/>
-      <dgm:spPr/>
-      <dgm:t>
-        <a:bodyPr/>
-        <a:lstStyle/>
-        <a:p>
-          <a:endParaRPr lang="en-US"/>
-        </a:p>
-      </dgm:t>
-    </dgm:pt>
-    <dgm:pt modelId="{9627C3FB-94F7-4A67-9DFC-3FCDA0F271C4}" type="sibTrans" cxnId="{3122EEEB-4127-4DCB-9752-0B9405C20019}">
-      <dgm:prSet/>
-      <dgm:spPr/>
-      <dgm:t>
-        <a:bodyPr/>
-        <a:lstStyle/>
-        <a:p>
-          <a:endParaRPr lang="en-US"/>
-        </a:p>
-      </dgm:t>
-    </dgm:pt>
-    <dgm:pt modelId="{1827938A-4461-4C74-83D4-B8E5FE5790F0}">
-      <dgm:prSet phldrT="[Text]"/>
-      <dgm:spPr>
-        <a:solidFill>
-          <a:schemeClr val="accent2"/>
-        </a:solidFill>
-      </dgm:spPr>
-      <dgm:t>
-        <a:bodyPr/>
-        <a:lstStyle/>
-        <a:p>
-          <a:r>
-            <a:rPr lang="en-US" b="1" dirty="0" smtClean="0"/>
-            <a:t>HDL/TB</a:t>
-          </a:r>
-          <a:endParaRPr lang="en-US" b="1" dirty="0"/>
-        </a:p>
-      </dgm:t>
-    </dgm:pt>
-    <dgm:pt modelId="{77A798D0-4E44-4FD7-BD4B-1E07C2A650E4}" type="parTrans" cxnId="{0DA503EE-CD77-416C-93D1-47348DAAAB99}">
-      <dgm:prSet/>
-      <dgm:spPr/>
-      <dgm:t>
-        <a:bodyPr/>
-        <a:lstStyle/>
-        <a:p>
-          <a:endParaRPr lang="en-US"/>
-        </a:p>
-      </dgm:t>
-    </dgm:pt>
-    <dgm:pt modelId="{664A33D9-6050-4D44-93A4-FF169249954C}" type="sibTrans" cxnId="{0DA503EE-CD77-416C-93D1-47348DAAAB99}">
-      <dgm:prSet/>
-      <dgm:spPr/>
-      <dgm:t>
-        <a:bodyPr/>
-        <a:lstStyle/>
-        <a:p>
-          <a:endParaRPr lang="en-US"/>
-        </a:p>
-      </dgm:t>
-    </dgm:pt>
-    <dgm:pt modelId="{DE9A6DA2-48E4-45CD-BDC3-2AC37AB54603}">
-      <dgm:prSet phldrT="[Text]"/>
-      <dgm:spPr>
-        <a:solidFill>
-          <a:schemeClr val="accent2"/>
-        </a:solidFill>
-      </dgm:spPr>
-      <dgm:t>
-        <a:bodyPr/>
-        <a:lstStyle/>
-        <a:p>
-          <a:r>
-            <a:rPr lang="en-US" b="1" dirty="0" smtClean="0"/>
-            <a:t>HLS</a:t>
-          </a:r>
-          <a:endParaRPr lang="en-US" b="1" dirty="0"/>
-        </a:p>
-      </dgm:t>
-    </dgm:pt>
-    <dgm:pt modelId="{4B7A7F81-85AE-4C26-9391-DBA667A0C438}" type="parTrans" cxnId="{F20152F7-AD74-4FF4-A560-53102DC24FE7}">
-      <dgm:prSet/>
-      <dgm:spPr/>
-      <dgm:t>
-        <a:bodyPr/>
-        <a:lstStyle/>
-        <a:p>
-          <a:endParaRPr lang="en-US"/>
-        </a:p>
-      </dgm:t>
-    </dgm:pt>
-    <dgm:pt modelId="{ED2CFA24-9B66-4289-912A-0BEDB12C8AF1}" type="sibTrans" cxnId="{F20152F7-AD74-4FF4-A560-53102DC24FE7}">
-      <dgm:prSet/>
-      <dgm:spPr/>
-      <dgm:t>
-        <a:bodyPr/>
-        <a:lstStyle/>
-        <a:p>
-          <a:endParaRPr lang="en-US"/>
-        </a:p>
-      </dgm:t>
-    </dgm:pt>
-    <dgm:pt modelId="{D2497981-03D9-4665-92EB-9542207EE5A0}">
-      <dgm:prSet phldrT="[Text]"/>
-      <dgm:spPr>
-        <a:solidFill>
-          <a:schemeClr val="accent2"/>
-        </a:solidFill>
-      </dgm:spPr>
-      <dgm:t>
-        <a:bodyPr/>
-        <a:lstStyle/>
-        <a:p>
-          <a:r>
-            <a:rPr lang="en-US" b="1" dirty="0" smtClean="0"/>
-            <a:t>BD</a:t>
-          </a:r>
-          <a:endParaRPr lang="en-US" b="1" dirty="0"/>
-        </a:p>
-      </dgm:t>
-    </dgm:pt>
-    <dgm:pt modelId="{34BD77E1-5A4B-4BC3-9D05-64D928343E3C}" type="parTrans" cxnId="{777C82DB-416B-4194-9B62-EE83F167CBC4}">
-      <dgm:prSet/>
-      <dgm:spPr/>
-      <dgm:t>
-        <a:bodyPr/>
-        <a:lstStyle/>
-        <a:p>
-          <a:endParaRPr lang="en-US"/>
-        </a:p>
-      </dgm:t>
-    </dgm:pt>
-    <dgm:pt modelId="{14498747-DA1E-4409-90D0-BF8A48A3483B}" type="sibTrans" cxnId="{777C82DB-416B-4194-9B62-EE83F167CBC4}">
-      <dgm:prSet/>
-      <dgm:spPr/>
-      <dgm:t>
-        <a:bodyPr/>
-        <a:lstStyle/>
-        <a:p>
-          <a:endParaRPr lang="en-US"/>
-        </a:p>
-      </dgm:t>
-    </dgm:pt>
-    <dgm:pt modelId="{4B29B0E8-CA69-4FEF-9CC5-F439E6D86762}">
-      <dgm:prSet phldrT="[Text]"/>
-      <dgm:spPr>
-        <a:solidFill>
-          <a:schemeClr val="accent2"/>
-        </a:solidFill>
-      </dgm:spPr>
-      <dgm:t>
-        <a:bodyPr/>
-        <a:lstStyle/>
-        <a:p>
-          <a:r>
-            <a:rPr lang="en-US" b="1" dirty="0" smtClean="0"/>
-            <a:t>IP/CIP</a:t>
-          </a:r>
-          <a:endParaRPr lang="en-US" b="1" dirty="0"/>
-        </a:p>
-      </dgm:t>
-    </dgm:pt>
-    <dgm:pt modelId="{BDFA1744-A5B0-4A1F-8C25-CCF5E20A1147}" type="parTrans" cxnId="{85E440B9-DA07-4465-AE76-52DD0C3A99C1}">
-      <dgm:prSet/>
-      <dgm:spPr/>
-      <dgm:t>
-        <a:bodyPr/>
-        <a:lstStyle/>
-        <a:p>
-          <a:endParaRPr lang="en-US"/>
-        </a:p>
-      </dgm:t>
-    </dgm:pt>
-    <dgm:pt modelId="{34FFBDAF-B3C2-4AC7-8C57-86DB83683980}" type="sibTrans" cxnId="{85E440B9-DA07-4465-AE76-52DD0C3A99C1}">
-      <dgm:prSet/>
-      <dgm:spPr/>
-      <dgm:t>
-        <a:bodyPr/>
-        <a:lstStyle/>
-        <a:p>
-          <a:endParaRPr lang="en-US"/>
-        </a:p>
-      </dgm:t>
-    </dgm:pt>
-    <dgm:pt modelId="{FE01D7D5-992C-48F5-94FC-98E66EC1519F}">
-      <dgm:prSet phldrT="[Text]"/>
-      <dgm:spPr>
-        <a:solidFill>
-          <a:schemeClr val="accent2"/>
-        </a:solidFill>
-      </dgm:spPr>
-      <dgm:t>
-        <a:bodyPr/>
-        <a:lstStyle/>
-        <a:p>
-          <a:r>
-            <a:rPr lang="en-US" b="1" dirty="0" smtClean="0"/>
-            <a:t>Scripts</a:t>
-          </a:r>
-          <a:endParaRPr lang="en-US" b="1" dirty="0"/>
-        </a:p>
-      </dgm:t>
-    </dgm:pt>
-    <dgm:pt modelId="{7CA3D873-A3F7-4257-991B-FB6E57BBECE6}" type="parTrans" cxnId="{D777201F-DA12-4FE8-9270-616A7B60F12D}">
-      <dgm:prSet/>
-      <dgm:spPr/>
-      <dgm:t>
-        <a:bodyPr/>
-        <a:lstStyle/>
-        <a:p>
-          <a:endParaRPr lang="en-US"/>
-        </a:p>
-      </dgm:t>
-    </dgm:pt>
-    <dgm:pt modelId="{0777F037-AA3A-4411-9288-81971C482D39}" type="sibTrans" cxnId="{D777201F-DA12-4FE8-9270-616A7B60F12D}">
-      <dgm:prSet/>
-      <dgm:spPr/>
-      <dgm:t>
-        <a:bodyPr/>
-        <a:lstStyle/>
-        <a:p>
-          <a:endParaRPr lang="en-US"/>
-        </a:p>
-      </dgm:t>
-    </dgm:pt>
-    <dgm:pt modelId="{9513878F-857A-47B3-93EC-DC613E0E9FCF}">
-      <dgm:prSet phldrT="[Text]"/>
-      <dgm:spPr>
-        <a:solidFill>
-          <a:schemeClr val="accent2"/>
-        </a:solidFill>
-      </dgm:spPr>
-      <dgm:t>
-        <a:bodyPr/>
-        <a:lstStyle/>
-        <a:p>
-          <a:r>
-            <a:rPr lang="en-US" b="1" dirty="0" smtClean="0"/>
-            <a:t>XDC</a:t>
-          </a:r>
-          <a:endParaRPr lang="en-US" b="1" dirty="0"/>
-        </a:p>
-      </dgm:t>
-    </dgm:pt>
-    <dgm:pt modelId="{5678BD54-44B6-4A5A-8BCB-8972579DD724}" type="parTrans" cxnId="{FAAE448F-B6A3-435E-813B-AF9639248698}">
-      <dgm:prSet/>
-      <dgm:spPr/>
-      <dgm:t>
-        <a:bodyPr/>
-        <a:lstStyle/>
-        <a:p>
-          <a:endParaRPr lang="en-US"/>
-        </a:p>
-      </dgm:t>
-    </dgm:pt>
-    <dgm:pt modelId="{02A9338B-0022-4C50-880B-76EE9F45B942}" type="sibTrans" cxnId="{FAAE448F-B6A3-435E-813B-AF9639248698}">
-      <dgm:prSet/>
-      <dgm:spPr/>
-      <dgm:t>
-        <a:bodyPr/>
-        <a:lstStyle/>
-        <a:p>
-          <a:endParaRPr lang="en-US"/>
-        </a:p>
-      </dgm:t>
-    </dgm:pt>
-    <dgm:pt modelId="{B1890DBD-9269-4E39-A5D8-D46B74618176}">
-      <dgm:prSet phldrT="[Text]"/>
-      <dgm:spPr>
-        <a:solidFill>
-          <a:schemeClr val="accent2"/>
-        </a:solidFill>
-      </dgm:spPr>
-      <dgm:t>
-        <a:bodyPr/>
-        <a:lstStyle/>
-        <a:p>
-          <a:r>
-            <a:rPr lang="en-US" b="1" dirty="0" smtClean="0"/>
-            <a:t>DSP</a:t>
-          </a:r>
-          <a:endParaRPr lang="en-US" b="1" dirty="0"/>
-        </a:p>
-      </dgm:t>
-    </dgm:pt>
-    <dgm:pt modelId="{0ECAC1D1-5B85-45A5-91F8-C84078419220}" type="parTrans" cxnId="{31FDCAE1-C80B-496F-9053-7EECFB5CF6CB}">
-      <dgm:prSet/>
-      <dgm:spPr/>
-      <dgm:t>
-        <a:bodyPr/>
-        <a:lstStyle/>
-        <a:p>
-          <a:endParaRPr lang="en-US"/>
-        </a:p>
-      </dgm:t>
-    </dgm:pt>
-    <dgm:pt modelId="{7A44B534-D55B-4604-9962-304129CFF442}" type="sibTrans" cxnId="{31FDCAE1-C80B-496F-9053-7EECFB5CF6CB}">
-      <dgm:prSet/>
-      <dgm:spPr/>
-      <dgm:t>
-        <a:bodyPr/>
-        <a:lstStyle/>
-        <a:p>
-          <a:endParaRPr lang="en-US"/>
-        </a:p>
-      </dgm:t>
-    </dgm:pt>
-    <dgm:pt modelId="{DAD55322-597F-4ED1-9260-8B14AA1999AE}" type="pres">
-      <dgm:prSet presAssocID="{574DF99C-4176-499A-B61F-775D3A99A96C}" presName="hierChild1" presStyleCnt="0">
-        <dgm:presLayoutVars>
-          <dgm:orgChart val="1"/>
-          <dgm:chPref val="1"/>
-          <dgm:dir/>
-          <dgm:animOne val="branch"/>
-          <dgm:animLvl val="lvl"/>
-          <dgm:resizeHandles/>
-        </dgm:presLayoutVars>
-      </dgm:prSet>
-      <dgm:spPr/>
-      <dgm:t>
-        <a:bodyPr/>
-        <a:lstStyle/>
-        <a:p>
-          <a:endParaRPr lang="en-US"/>
-        </a:p>
-      </dgm:t>
-    </dgm:pt>
-    <dgm:pt modelId="{E0714F84-9967-4121-BCEC-81F104297DC6}" type="pres">
-      <dgm:prSet presAssocID="{3BFC2D99-54F2-4F56-ABDC-4D2D1E5A4444}" presName="hierRoot1" presStyleCnt="0">
-        <dgm:presLayoutVars>
-          <dgm:hierBranch val="init"/>
-        </dgm:presLayoutVars>
-      </dgm:prSet>
-      <dgm:spPr/>
-    </dgm:pt>
-    <dgm:pt modelId="{30F32C6A-6D24-4DAD-9562-6DE784464E67}" type="pres">
-      <dgm:prSet presAssocID="{3BFC2D99-54F2-4F56-ABDC-4D2D1E5A4444}" presName="rootComposite1" presStyleCnt="0"/>
-      <dgm:spPr/>
-    </dgm:pt>
-    <dgm:pt modelId="{371D36C4-2300-450B-9352-555F87D138B9}" type="pres">
-      <dgm:prSet presAssocID="{3BFC2D99-54F2-4F56-ABDC-4D2D1E5A4444}" presName="rootText1" presStyleLbl="node0" presStyleIdx="0" presStyleCnt="1">
-        <dgm:presLayoutVars>
-          <dgm:chPref val="3"/>
-        </dgm:presLayoutVars>
-      </dgm:prSet>
-      <dgm:spPr/>
-      <dgm:t>
-        <a:bodyPr/>
-        <a:lstStyle/>
-        <a:p>
-          <a:endParaRPr lang="en-US"/>
-        </a:p>
-      </dgm:t>
-    </dgm:pt>
-    <dgm:pt modelId="{028CE1DB-957C-41E7-B9E1-6D9A42F8FB0E}" type="pres">
-      <dgm:prSet presAssocID="{3BFC2D99-54F2-4F56-ABDC-4D2D1E5A4444}" presName="rootConnector1" presStyleLbl="node1" presStyleIdx="0" presStyleCnt="0"/>
-      <dgm:spPr/>
-      <dgm:t>
-        <a:bodyPr/>
-        <a:lstStyle/>
-        <a:p>
-          <a:endParaRPr lang="en-US"/>
-        </a:p>
-      </dgm:t>
-    </dgm:pt>
-    <dgm:pt modelId="{5AD44D2D-4D05-461A-9D73-D8F2EDF0E371}" type="pres">
-      <dgm:prSet presAssocID="{3BFC2D99-54F2-4F56-ABDC-4D2D1E5A4444}" presName="hierChild2" presStyleCnt="0"/>
-      <dgm:spPr/>
-    </dgm:pt>
-    <dgm:pt modelId="{158B7BDB-81BA-421C-8439-08A0B5F689FE}" type="pres">
-      <dgm:prSet presAssocID="{D30938AD-CB50-4663-9E84-6F16F0A37FB4}" presName="Name37" presStyleLbl="parChTrans1D2" presStyleIdx="0" presStyleCnt="8"/>
-      <dgm:spPr/>
-      <dgm:t>
-        <a:bodyPr/>
-        <a:lstStyle/>
-        <a:p>
-          <a:endParaRPr lang="en-US"/>
-        </a:p>
-      </dgm:t>
-    </dgm:pt>
-    <dgm:pt modelId="{BF0736E9-E263-44A3-9B19-47190CFBA602}" type="pres">
-      <dgm:prSet presAssocID="{6272F718-0281-4B8E-96CA-9336D1DC1410}" presName="hierRoot2" presStyleCnt="0">
-        <dgm:presLayoutVars>
-          <dgm:hierBranch val="init"/>
-        </dgm:presLayoutVars>
-      </dgm:prSet>
-      <dgm:spPr/>
-    </dgm:pt>
-    <dgm:pt modelId="{099A4C0E-CBCE-4312-B044-C624115E1611}" type="pres">
-      <dgm:prSet presAssocID="{6272F718-0281-4B8E-96CA-9336D1DC1410}" presName="rootComposite" presStyleCnt="0"/>
-      <dgm:spPr/>
-    </dgm:pt>
-    <dgm:pt modelId="{92E7D021-B009-4371-BFE2-14E1AD2DC69F}" type="pres">
-      <dgm:prSet presAssocID="{6272F718-0281-4B8E-96CA-9336D1DC1410}" presName="rootText" presStyleLbl="node2" presStyleIdx="0" presStyleCnt="8">
-        <dgm:presLayoutVars>
-          <dgm:chPref val="3"/>
-        </dgm:presLayoutVars>
-      </dgm:prSet>
-      <dgm:spPr/>
-      <dgm:t>
-        <a:bodyPr/>
-        <a:lstStyle/>
-        <a:p>
-          <a:endParaRPr lang="en-US"/>
-        </a:p>
-      </dgm:t>
-    </dgm:pt>
-    <dgm:pt modelId="{7385A498-D524-4331-903E-550C4195C356}" type="pres">
-      <dgm:prSet presAssocID="{6272F718-0281-4B8E-96CA-9336D1DC1410}" presName="rootConnector" presStyleLbl="node2" presStyleIdx="0" presStyleCnt="8"/>
-      <dgm:spPr/>
-      <dgm:t>
-        <a:bodyPr/>
-        <a:lstStyle/>
-        <a:p>
-          <a:endParaRPr lang="en-US"/>
-        </a:p>
-      </dgm:t>
-    </dgm:pt>
-    <dgm:pt modelId="{603BA146-A534-495B-8B54-FAD14995DD35}" type="pres">
-      <dgm:prSet presAssocID="{6272F718-0281-4B8E-96CA-9336D1DC1410}" presName="hierChild4" presStyleCnt="0"/>
-      <dgm:spPr/>
-    </dgm:pt>
-    <dgm:pt modelId="{830F2C37-9701-40FE-BD14-59E6CEFCCC03}" type="pres">
-      <dgm:prSet presAssocID="{6272F718-0281-4B8E-96CA-9336D1DC1410}" presName="hierChild5" presStyleCnt="0"/>
-      <dgm:spPr/>
-    </dgm:pt>
-    <dgm:pt modelId="{D314536C-ACC2-4590-BE51-4E143107E4A8}" type="pres">
-      <dgm:prSet presAssocID="{7CA3D873-A3F7-4257-991B-FB6E57BBECE6}" presName="Name37" presStyleLbl="parChTrans1D2" presStyleIdx="1" presStyleCnt="8"/>
-      <dgm:spPr/>
-      <dgm:t>
-        <a:bodyPr/>
-        <a:lstStyle/>
-        <a:p>
-          <a:endParaRPr lang="en-US"/>
-        </a:p>
-      </dgm:t>
-    </dgm:pt>
-    <dgm:pt modelId="{35C8BEA7-D12A-4A5E-9292-56F043596D0F}" type="pres">
-      <dgm:prSet presAssocID="{FE01D7D5-992C-48F5-94FC-98E66EC1519F}" presName="hierRoot2" presStyleCnt="0">
-        <dgm:presLayoutVars>
-          <dgm:hierBranch val="init"/>
-        </dgm:presLayoutVars>
-      </dgm:prSet>
-      <dgm:spPr/>
-    </dgm:pt>
-    <dgm:pt modelId="{CD5DC4B3-226A-472D-8AAF-A18FE39D32E3}" type="pres">
-      <dgm:prSet presAssocID="{FE01D7D5-992C-48F5-94FC-98E66EC1519F}" presName="rootComposite" presStyleCnt="0"/>
-      <dgm:spPr/>
-    </dgm:pt>
-    <dgm:pt modelId="{FE129309-50B7-46C3-8306-87B07F2F963E}" type="pres">
-      <dgm:prSet presAssocID="{FE01D7D5-992C-48F5-94FC-98E66EC1519F}" presName="rootText" presStyleLbl="node2" presStyleIdx="1" presStyleCnt="8">
-        <dgm:presLayoutVars>
-          <dgm:chPref val="3"/>
-        </dgm:presLayoutVars>
-      </dgm:prSet>
-      <dgm:spPr/>
-      <dgm:t>
-        <a:bodyPr/>
-        <a:lstStyle/>
-        <a:p>
-          <a:endParaRPr lang="en-US"/>
-        </a:p>
-      </dgm:t>
-    </dgm:pt>
-    <dgm:pt modelId="{7C4E71F4-A14B-4814-8EAE-3BFDAB039162}" type="pres">
-      <dgm:prSet presAssocID="{FE01D7D5-992C-48F5-94FC-98E66EC1519F}" presName="rootConnector" presStyleLbl="node2" presStyleIdx="1" presStyleCnt="8"/>
-      <dgm:spPr/>
-      <dgm:t>
-        <a:bodyPr/>
-        <a:lstStyle/>
-        <a:p>
-          <a:endParaRPr lang="en-US"/>
-        </a:p>
-      </dgm:t>
-    </dgm:pt>
-    <dgm:pt modelId="{74D5B64C-64F1-4C25-BDF7-0D4455003B9E}" type="pres">
-      <dgm:prSet presAssocID="{FE01D7D5-992C-48F5-94FC-98E66EC1519F}" presName="hierChild4" presStyleCnt="0"/>
-      <dgm:spPr/>
-    </dgm:pt>
-    <dgm:pt modelId="{592C2228-A8CD-467E-99AB-BE3ED1DF4F98}" type="pres">
-      <dgm:prSet presAssocID="{FE01D7D5-992C-48F5-94FC-98E66EC1519F}" presName="hierChild5" presStyleCnt="0"/>
-      <dgm:spPr/>
-    </dgm:pt>
-    <dgm:pt modelId="{5CF26A62-4DAE-4DF6-AC2D-AA50C348D246}" type="pres">
-      <dgm:prSet presAssocID="{77A798D0-4E44-4FD7-BD4B-1E07C2A650E4}" presName="Name37" presStyleLbl="parChTrans1D2" presStyleIdx="2" presStyleCnt="8"/>
-      <dgm:spPr/>
-      <dgm:t>
-        <a:bodyPr/>
-        <a:lstStyle/>
-        <a:p>
-          <a:endParaRPr lang="en-US"/>
-        </a:p>
-      </dgm:t>
-    </dgm:pt>
-    <dgm:pt modelId="{C706CEF6-25A6-464C-81EB-1A9D32839C73}" type="pres">
-      <dgm:prSet presAssocID="{1827938A-4461-4C74-83D4-B8E5FE5790F0}" presName="hierRoot2" presStyleCnt="0">
-        <dgm:presLayoutVars>
-          <dgm:hierBranch val="init"/>
-        </dgm:presLayoutVars>
-      </dgm:prSet>
-      <dgm:spPr/>
-    </dgm:pt>
-    <dgm:pt modelId="{904D0BA0-61E3-4075-B06E-FCFF06ABCC43}" type="pres">
-      <dgm:prSet presAssocID="{1827938A-4461-4C74-83D4-B8E5FE5790F0}" presName="rootComposite" presStyleCnt="0"/>
-      <dgm:spPr/>
-    </dgm:pt>
-    <dgm:pt modelId="{0A9458DE-CEF8-4FA3-98D0-60929B6EE9C8}" type="pres">
-      <dgm:prSet presAssocID="{1827938A-4461-4C74-83D4-B8E5FE5790F0}" presName="rootText" presStyleLbl="node2" presStyleIdx="2" presStyleCnt="8">
-        <dgm:presLayoutVars>
-          <dgm:chPref val="3"/>
-        </dgm:presLayoutVars>
-      </dgm:prSet>
-      <dgm:spPr/>
-      <dgm:t>
-        <a:bodyPr/>
-        <a:lstStyle/>
-        <a:p>
-          <a:endParaRPr lang="en-US"/>
-        </a:p>
-      </dgm:t>
-    </dgm:pt>
-    <dgm:pt modelId="{ABBD46AD-BFA1-4A69-A78E-3C6498564907}" type="pres">
-      <dgm:prSet presAssocID="{1827938A-4461-4C74-83D4-B8E5FE5790F0}" presName="rootConnector" presStyleLbl="node2" presStyleIdx="2" presStyleCnt="8"/>
-      <dgm:spPr/>
-      <dgm:t>
-        <a:bodyPr/>
-        <a:lstStyle/>
-        <a:p>
-          <a:endParaRPr lang="en-US"/>
-        </a:p>
-      </dgm:t>
-    </dgm:pt>
-    <dgm:pt modelId="{4B67ABFD-B399-4B88-8CAB-D49359CE5A76}" type="pres">
-      <dgm:prSet presAssocID="{1827938A-4461-4C74-83D4-B8E5FE5790F0}" presName="hierChild4" presStyleCnt="0"/>
-      <dgm:spPr/>
-    </dgm:pt>
-    <dgm:pt modelId="{21297B36-CF14-40DE-8EF2-8060EBE6653A}" type="pres">
-      <dgm:prSet presAssocID="{1827938A-4461-4C74-83D4-B8E5FE5790F0}" presName="hierChild5" presStyleCnt="0"/>
-      <dgm:spPr/>
-    </dgm:pt>
-    <dgm:pt modelId="{40C180D0-1B00-442F-8BA1-A2996109948C}" type="pres">
-      <dgm:prSet presAssocID="{5678BD54-44B6-4A5A-8BCB-8972579DD724}" presName="Name37" presStyleLbl="parChTrans1D2" presStyleIdx="3" presStyleCnt="8"/>
-      <dgm:spPr/>
-      <dgm:t>
-        <a:bodyPr/>
-        <a:lstStyle/>
-        <a:p>
-          <a:endParaRPr lang="en-US"/>
-        </a:p>
-      </dgm:t>
-    </dgm:pt>
-    <dgm:pt modelId="{D385AE9E-5A9B-45AC-A020-0510D5A9FE54}" type="pres">
-      <dgm:prSet presAssocID="{9513878F-857A-47B3-93EC-DC613E0E9FCF}" presName="hierRoot2" presStyleCnt="0">
-        <dgm:presLayoutVars>
-          <dgm:hierBranch val="init"/>
-        </dgm:presLayoutVars>
-      </dgm:prSet>
-      <dgm:spPr/>
-    </dgm:pt>
-    <dgm:pt modelId="{20A244A1-E6EC-4AA4-B6B8-707A23F911C0}" type="pres">
-      <dgm:prSet presAssocID="{9513878F-857A-47B3-93EC-DC613E0E9FCF}" presName="rootComposite" presStyleCnt="0"/>
-      <dgm:spPr/>
-    </dgm:pt>
-    <dgm:pt modelId="{943019AC-F290-4309-8BBB-DD8C32D2005A}" type="pres">
-      <dgm:prSet presAssocID="{9513878F-857A-47B3-93EC-DC613E0E9FCF}" presName="rootText" presStyleLbl="node2" presStyleIdx="3" presStyleCnt="8">
-        <dgm:presLayoutVars>
-          <dgm:chPref val="3"/>
-        </dgm:presLayoutVars>
-      </dgm:prSet>
-      <dgm:spPr/>
-      <dgm:t>
-        <a:bodyPr/>
-        <a:lstStyle/>
-        <a:p>
-          <a:endParaRPr lang="en-US"/>
-        </a:p>
-      </dgm:t>
-    </dgm:pt>
-    <dgm:pt modelId="{B50E2733-0437-4C6E-BD17-21329A79757A}" type="pres">
-      <dgm:prSet presAssocID="{9513878F-857A-47B3-93EC-DC613E0E9FCF}" presName="rootConnector" presStyleLbl="node2" presStyleIdx="3" presStyleCnt="8"/>
-      <dgm:spPr/>
-      <dgm:t>
-        <a:bodyPr/>
-        <a:lstStyle/>
-        <a:p>
-          <a:endParaRPr lang="en-US"/>
-        </a:p>
-      </dgm:t>
-    </dgm:pt>
-    <dgm:pt modelId="{36543A45-72D6-4A05-B131-93F0543B5220}" type="pres">
-      <dgm:prSet presAssocID="{9513878F-857A-47B3-93EC-DC613E0E9FCF}" presName="hierChild4" presStyleCnt="0"/>
-      <dgm:spPr/>
-    </dgm:pt>
-    <dgm:pt modelId="{F1359BF4-B00D-41DB-9E50-A5479922CD6A}" type="pres">
-      <dgm:prSet presAssocID="{9513878F-857A-47B3-93EC-DC613E0E9FCF}" presName="hierChild5" presStyleCnt="0"/>
-      <dgm:spPr/>
-    </dgm:pt>
-    <dgm:pt modelId="{09C1E1B6-0086-4404-B701-5CD9335F3B16}" type="pres">
-      <dgm:prSet presAssocID="{BDFA1744-A5B0-4A1F-8C25-CCF5E20A1147}" presName="Name37" presStyleLbl="parChTrans1D2" presStyleIdx="4" presStyleCnt="8"/>
-      <dgm:spPr/>
-      <dgm:t>
-        <a:bodyPr/>
-        <a:lstStyle/>
-        <a:p>
-          <a:endParaRPr lang="en-US"/>
-        </a:p>
-      </dgm:t>
-    </dgm:pt>
-    <dgm:pt modelId="{EE569D92-5FB6-4D5F-898F-E3B930BC9FE3}" type="pres">
-      <dgm:prSet presAssocID="{4B29B0E8-CA69-4FEF-9CC5-F439E6D86762}" presName="hierRoot2" presStyleCnt="0">
-        <dgm:presLayoutVars>
-          <dgm:hierBranch val="init"/>
-        </dgm:presLayoutVars>
-      </dgm:prSet>
-      <dgm:spPr/>
-    </dgm:pt>
-    <dgm:pt modelId="{0E395110-DEB9-4E21-9A99-39B52D9575A2}" type="pres">
-      <dgm:prSet presAssocID="{4B29B0E8-CA69-4FEF-9CC5-F439E6D86762}" presName="rootComposite" presStyleCnt="0"/>
-      <dgm:spPr/>
-    </dgm:pt>
-    <dgm:pt modelId="{B2626B9F-2EF4-4FE5-9E4C-A8129BA31E89}" type="pres">
-      <dgm:prSet presAssocID="{4B29B0E8-CA69-4FEF-9CC5-F439E6D86762}" presName="rootText" presStyleLbl="node2" presStyleIdx="4" presStyleCnt="8">
-        <dgm:presLayoutVars>
-          <dgm:chPref val="3"/>
-        </dgm:presLayoutVars>
-      </dgm:prSet>
-      <dgm:spPr/>
-      <dgm:t>
-        <a:bodyPr/>
-        <a:lstStyle/>
-        <a:p>
-          <a:endParaRPr lang="en-US"/>
-        </a:p>
-      </dgm:t>
-    </dgm:pt>
-    <dgm:pt modelId="{3149285B-610F-4810-A59A-580527F6F166}" type="pres">
-      <dgm:prSet presAssocID="{4B29B0E8-CA69-4FEF-9CC5-F439E6D86762}" presName="rootConnector" presStyleLbl="node2" presStyleIdx="4" presStyleCnt="8"/>
-      <dgm:spPr/>
-      <dgm:t>
-        <a:bodyPr/>
-        <a:lstStyle/>
-        <a:p>
-          <a:endParaRPr lang="en-US"/>
-        </a:p>
-      </dgm:t>
-    </dgm:pt>
-    <dgm:pt modelId="{86603D32-0B22-4E35-A2C8-4ED0BF4D0598}" type="pres">
-      <dgm:prSet presAssocID="{4B29B0E8-CA69-4FEF-9CC5-F439E6D86762}" presName="hierChild4" presStyleCnt="0"/>
-      <dgm:spPr/>
-    </dgm:pt>
-    <dgm:pt modelId="{EFD3EF8C-9833-472B-A08F-E16DE52B4BAE}" type="pres">
-      <dgm:prSet presAssocID="{4B29B0E8-CA69-4FEF-9CC5-F439E6D86762}" presName="hierChild5" presStyleCnt="0"/>
-      <dgm:spPr/>
-    </dgm:pt>
-    <dgm:pt modelId="{F330C14F-5E51-45A3-8BBA-FD6B3CA8B4D5}" type="pres">
-      <dgm:prSet presAssocID="{4B7A7F81-85AE-4C26-9391-DBA667A0C438}" presName="Name37" presStyleLbl="parChTrans1D2" presStyleIdx="5" presStyleCnt="8"/>
-      <dgm:spPr/>
-      <dgm:t>
-        <a:bodyPr/>
-        <a:lstStyle/>
-        <a:p>
-          <a:endParaRPr lang="en-US"/>
-        </a:p>
-      </dgm:t>
-    </dgm:pt>
-    <dgm:pt modelId="{2FE4A458-1D21-47FB-B204-6F1428D51226}" type="pres">
-      <dgm:prSet presAssocID="{DE9A6DA2-48E4-45CD-BDC3-2AC37AB54603}" presName="hierRoot2" presStyleCnt="0">
-        <dgm:presLayoutVars>
-          <dgm:hierBranch val="init"/>
-        </dgm:presLayoutVars>
-      </dgm:prSet>
-      <dgm:spPr/>
-    </dgm:pt>
-    <dgm:pt modelId="{47813E2B-0A82-4C13-8545-701048CEC5E4}" type="pres">
-      <dgm:prSet presAssocID="{DE9A6DA2-48E4-45CD-BDC3-2AC37AB54603}" presName="rootComposite" presStyleCnt="0"/>
-      <dgm:spPr/>
-    </dgm:pt>
-    <dgm:pt modelId="{99D6D0B4-FDC2-45F6-BF79-D664AA31EB5C}" type="pres">
-      <dgm:prSet presAssocID="{DE9A6DA2-48E4-45CD-BDC3-2AC37AB54603}" presName="rootText" presStyleLbl="node2" presStyleIdx="5" presStyleCnt="8">
-        <dgm:presLayoutVars>
-          <dgm:chPref val="3"/>
-        </dgm:presLayoutVars>
-      </dgm:prSet>
-      <dgm:spPr/>
-      <dgm:t>
-        <a:bodyPr/>
-        <a:lstStyle/>
-        <a:p>
-          <a:endParaRPr lang="en-US"/>
-        </a:p>
-      </dgm:t>
-    </dgm:pt>
-    <dgm:pt modelId="{6DB1CD38-5A46-40A5-A321-A083EFD0A09A}" type="pres">
-      <dgm:prSet presAssocID="{DE9A6DA2-48E4-45CD-BDC3-2AC37AB54603}" presName="rootConnector" presStyleLbl="node2" presStyleIdx="5" presStyleCnt="8"/>
-      <dgm:spPr/>
-      <dgm:t>
-        <a:bodyPr/>
-        <a:lstStyle/>
-        <a:p>
-          <a:endParaRPr lang="en-US"/>
-        </a:p>
-      </dgm:t>
-    </dgm:pt>
-    <dgm:pt modelId="{35D1AF46-BD2E-4D47-BF3F-9EBEC13C6D21}" type="pres">
-      <dgm:prSet presAssocID="{DE9A6DA2-48E4-45CD-BDC3-2AC37AB54603}" presName="hierChild4" presStyleCnt="0"/>
-      <dgm:spPr/>
-    </dgm:pt>
-    <dgm:pt modelId="{18A08E0D-580F-4831-8763-2629C97FC19B}" type="pres">
-      <dgm:prSet presAssocID="{DE9A6DA2-48E4-45CD-BDC3-2AC37AB54603}" presName="hierChild5" presStyleCnt="0"/>
-      <dgm:spPr/>
-    </dgm:pt>
-    <dgm:pt modelId="{2F72FC64-6020-484E-A27C-11BC33001E45}" type="pres">
-      <dgm:prSet presAssocID="{34BD77E1-5A4B-4BC3-9D05-64D928343E3C}" presName="Name37" presStyleLbl="parChTrans1D2" presStyleIdx="6" presStyleCnt="8"/>
-      <dgm:spPr/>
-      <dgm:t>
-        <a:bodyPr/>
-        <a:lstStyle/>
-        <a:p>
-          <a:endParaRPr lang="en-US"/>
-        </a:p>
-      </dgm:t>
-    </dgm:pt>
-    <dgm:pt modelId="{D00FB8F9-D88D-4CAD-B100-AFCAFD61C1F1}" type="pres">
-      <dgm:prSet presAssocID="{D2497981-03D9-4665-92EB-9542207EE5A0}" presName="hierRoot2" presStyleCnt="0">
-        <dgm:presLayoutVars>
-          <dgm:hierBranch val="init"/>
-        </dgm:presLayoutVars>
-      </dgm:prSet>
-      <dgm:spPr/>
-    </dgm:pt>
-    <dgm:pt modelId="{72683538-2F8C-4AF1-8CF3-42C9682F27D4}" type="pres">
-      <dgm:prSet presAssocID="{D2497981-03D9-4665-92EB-9542207EE5A0}" presName="rootComposite" presStyleCnt="0"/>
-      <dgm:spPr/>
-    </dgm:pt>
-    <dgm:pt modelId="{4BE55D9B-F2BE-40E0-988E-BDE8EB2B357A}" type="pres">
-      <dgm:prSet presAssocID="{D2497981-03D9-4665-92EB-9542207EE5A0}" presName="rootText" presStyleLbl="node2" presStyleIdx="6" presStyleCnt="8">
-        <dgm:presLayoutVars>
-          <dgm:chPref val="3"/>
-        </dgm:presLayoutVars>
-      </dgm:prSet>
-      <dgm:spPr/>
-      <dgm:t>
-        <a:bodyPr/>
-        <a:lstStyle/>
-        <a:p>
-          <a:endParaRPr lang="en-US"/>
-        </a:p>
-      </dgm:t>
-    </dgm:pt>
-    <dgm:pt modelId="{F1B092C9-6C05-4366-9E77-097203F742F5}" type="pres">
-      <dgm:prSet presAssocID="{D2497981-03D9-4665-92EB-9542207EE5A0}" presName="rootConnector" presStyleLbl="node2" presStyleIdx="6" presStyleCnt="8"/>
-      <dgm:spPr/>
-      <dgm:t>
-        <a:bodyPr/>
-        <a:lstStyle/>
-        <a:p>
-          <a:endParaRPr lang="en-US"/>
-        </a:p>
-      </dgm:t>
-    </dgm:pt>
-    <dgm:pt modelId="{2A6937BF-DABA-422F-AEBB-C9414D19D3D8}" type="pres">
-      <dgm:prSet presAssocID="{D2497981-03D9-4665-92EB-9542207EE5A0}" presName="hierChild4" presStyleCnt="0"/>
-      <dgm:spPr/>
-    </dgm:pt>
-    <dgm:pt modelId="{DB7FA8E2-50E5-49D6-BCFE-7858F69B0CBA}" type="pres">
-      <dgm:prSet presAssocID="{D2497981-03D9-4665-92EB-9542207EE5A0}" presName="hierChild5" presStyleCnt="0"/>
-      <dgm:spPr/>
-    </dgm:pt>
-    <dgm:pt modelId="{2935292A-D4D0-48F8-812D-C13E18495739}" type="pres">
-      <dgm:prSet presAssocID="{0ECAC1D1-5B85-45A5-91F8-C84078419220}" presName="Name37" presStyleLbl="parChTrans1D2" presStyleIdx="7" presStyleCnt="8"/>
-      <dgm:spPr/>
-      <dgm:t>
-        <a:bodyPr/>
-        <a:lstStyle/>
-        <a:p>
-          <a:endParaRPr lang="en-US"/>
-        </a:p>
-      </dgm:t>
-    </dgm:pt>
-    <dgm:pt modelId="{0117CEF3-B35B-4544-BAB2-CA7CF3B5ED61}" type="pres">
-      <dgm:prSet presAssocID="{B1890DBD-9269-4E39-A5D8-D46B74618176}" presName="hierRoot2" presStyleCnt="0">
-        <dgm:presLayoutVars>
-          <dgm:hierBranch val="init"/>
-        </dgm:presLayoutVars>
-      </dgm:prSet>
-      <dgm:spPr/>
-    </dgm:pt>
-    <dgm:pt modelId="{A9F2AFA2-1C48-4C90-8463-E0637245F5A0}" type="pres">
-      <dgm:prSet presAssocID="{B1890DBD-9269-4E39-A5D8-D46B74618176}" presName="rootComposite" presStyleCnt="0"/>
-      <dgm:spPr/>
-    </dgm:pt>
-    <dgm:pt modelId="{7336B81B-55F5-4E76-89A4-BBBEAB58EA72}" type="pres">
-      <dgm:prSet presAssocID="{B1890DBD-9269-4E39-A5D8-D46B74618176}" presName="rootText" presStyleLbl="node2" presStyleIdx="7" presStyleCnt="8">
-        <dgm:presLayoutVars>
-          <dgm:chPref val="3"/>
-        </dgm:presLayoutVars>
-      </dgm:prSet>
-      <dgm:spPr/>
-      <dgm:t>
-        <a:bodyPr/>
-        <a:lstStyle/>
-        <a:p>
-          <a:endParaRPr lang="en-US"/>
-        </a:p>
-      </dgm:t>
-    </dgm:pt>
-    <dgm:pt modelId="{719E8FA9-5EE4-4E9F-83A1-D76E75B8FD51}" type="pres">
-      <dgm:prSet presAssocID="{B1890DBD-9269-4E39-A5D8-D46B74618176}" presName="rootConnector" presStyleLbl="node2" presStyleIdx="7" presStyleCnt="8"/>
-      <dgm:spPr/>
-      <dgm:t>
-        <a:bodyPr/>
-        <a:lstStyle/>
-        <a:p>
-          <a:endParaRPr lang="en-US"/>
-        </a:p>
-      </dgm:t>
-    </dgm:pt>
-    <dgm:pt modelId="{DB8F3D63-C2C8-438E-B954-ABFADCF68BA1}" type="pres">
-      <dgm:prSet presAssocID="{B1890DBD-9269-4E39-A5D8-D46B74618176}" presName="hierChild4" presStyleCnt="0"/>
-      <dgm:spPr/>
-    </dgm:pt>
-    <dgm:pt modelId="{1B249E0D-569B-4A2B-86B8-20180F546CD1}" type="pres">
-      <dgm:prSet presAssocID="{B1890DBD-9269-4E39-A5D8-D46B74618176}" presName="hierChild5" presStyleCnt="0"/>
-      <dgm:spPr/>
-    </dgm:pt>
-    <dgm:pt modelId="{0B93220A-6D0F-48DC-BDED-171EE219649F}" type="pres">
-      <dgm:prSet presAssocID="{3BFC2D99-54F2-4F56-ABDC-4D2D1E5A4444}" presName="hierChild3" presStyleCnt="0"/>
-      <dgm:spPr/>
-    </dgm:pt>
-  </dgm:ptLst>
-  <dgm:cxnLst>
-    <dgm:cxn modelId="{0B34FAB4-66AC-4F42-ABBB-B0ECCBD7988A}" type="presOf" srcId="{5678BD54-44B6-4A5A-8BCB-8972579DD724}" destId="{40C180D0-1B00-442F-8BA1-A2996109948C}" srcOrd="0" destOrd="0" presId="urn:microsoft.com/office/officeart/2005/8/layout/orgChart1"/>
-    <dgm:cxn modelId="{D1850642-49E6-4581-99A7-2EAF81A89420}" type="presOf" srcId="{FE01D7D5-992C-48F5-94FC-98E66EC1519F}" destId="{FE129309-50B7-46C3-8306-87B07F2F963E}" srcOrd="0" destOrd="0" presId="urn:microsoft.com/office/officeart/2005/8/layout/orgChart1"/>
-    <dgm:cxn modelId="{D777201F-DA12-4FE8-9270-616A7B60F12D}" srcId="{3BFC2D99-54F2-4F56-ABDC-4D2D1E5A4444}" destId="{FE01D7D5-992C-48F5-94FC-98E66EC1519F}" srcOrd="1" destOrd="0" parTransId="{7CA3D873-A3F7-4257-991B-FB6E57BBECE6}" sibTransId="{0777F037-AA3A-4411-9288-81971C482D39}"/>
-    <dgm:cxn modelId="{8A62B7EF-D4F5-4377-8F21-940A3C875771}" type="presOf" srcId="{D2497981-03D9-4665-92EB-9542207EE5A0}" destId="{F1B092C9-6C05-4366-9E77-097203F742F5}" srcOrd="1" destOrd="0" presId="urn:microsoft.com/office/officeart/2005/8/layout/orgChart1"/>
-    <dgm:cxn modelId="{02B28F56-AD86-4D13-A38C-5401B7A01404}" type="presOf" srcId="{9513878F-857A-47B3-93EC-DC613E0E9FCF}" destId="{B50E2733-0437-4C6E-BD17-21329A79757A}" srcOrd="1" destOrd="0" presId="urn:microsoft.com/office/officeart/2005/8/layout/orgChart1"/>
-    <dgm:cxn modelId="{95FBA299-2563-472B-B5FA-B2EF6C44224C}" type="presOf" srcId="{574DF99C-4176-499A-B61F-775D3A99A96C}" destId="{DAD55322-597F-4ED1-9260-8B14AA1999AE}" srcOrd="0" destOrd="0" presId="urn:microsoft.com/office/officeart/2005/8/layout/orgChart1"/>
-    <dgm:cxn modelId="{FAAE448F-B6A3-435E-813B-AF9639248698}" srcId="{3BFC2D99-54F2-4F56-ABDC-4D2D1E5A4444}" destId="{9513878F-857A-47B3-93EC-DC613E0E9FCF}" srcOrd="3" destOrd="0" parTransId="{5678BD54-44B6-4A5A-8BCB-8972579DD724}" sibTransId="{02A9338B-0022-4C50-880B-76EE9F45B942}"/>
-    <dgm:cxn modelId="{0F50F45F-7F0C-41A0-9D59-6E5AC23A1267}" type="presOf" srcId="{0ECAC1D1-5B85-45A5-91F8-C84078419220}" destId="{2935292A-D4D0-48F8-812D-C13E18495739}" srcOrd="0" destOrd="0" presId="urn:microsoft.com/office/officeart/2005/8/layout/orgChart1"/>
-    <dgm:cxn modelId="{F20152F7-AD74-4FF4-A560-53102DC24FE7}" srcId="{3BFC2D99-54F2-4F56-ABDC-4D2D1E5A4444}" destId="{DE9A6DA2-48E4-45CD-BDC3-2AC37AB54603}" srcOrd="5" destOrd="0" parTransId="{4B7A7F81-85AE-4C26-9391-DBA667A0C438}" sibTransId="{ED2CFA24-9B66-4289-912A-0BEDB12C8AF1}"/>
-    <dgm:cxn modelId="{9395EA0F-6AB4-4A9C-A2F8-393242C0D60F}" type="presOf" srcId="{FE01D7D5-992C-48F5-94FC-98E66EC1519F}" destId="{7C4E71F4-A14B-4814-8EAE-3BFDAB039162}" srcOrd="1" destOrd="0" presId="urn:microsoft.com/office/officeart/2005/8/layout/orgChart1"/>
-    <dgm:cxn modelId="{BB25C608-079C-4928-A943-DE945636AD4E}" type="presOf" srcId="{6272F718-0281-4B8E-96CA-9336D1DC1410}" destId="{92E7D021-B009-4371-BFE2-14E1AD2DC69F}" srcOrd="0" destOrd="0" presId="urn:microsoft.com/office/officeart/2005/8/layout/orgChart1"/>
-    <dgm:cxn modelId="{363B4672-5808-468D-B82F-E599E6FE7C42}" type="presOf" srcId="{B1890DBD-9269-4E39-A5D8-D46B74618176}" destId="{719E8FA9-5EE4-4E9F-83A1-D76E75B8FD51}" srcOrd="1" destOrd="0" presId="urn:microsoft.com/office/officeart/2005/8/layout/orgChart1"/>
-    <dgm:cxn modelId="{AAB9FDE5-E752-464B-A09D-664C120C9132}" srcId="{574DF99C-4176-499A-B61F-775D3A99A96C}" destId="{3BFC2D99-54F2-4F56-ABDC-4D2D1E5A4444}" srcOrd="0" destOrd="0" parTransId="{A8AD49DD-D239-4CA8-88D0-271653106B2D}" sibTransId="{B9E47118-F99A-4F45-996D-372EC8F72170}"/>
-    <dgm:cxn modelId="{12E3F6C7-5155-415A-AF29-D71775AD305F}" type="presOf" srcId="{9513878F-857A-47B3-93EC-DC613E0E9FCF}" destId="{943019AC-F290-4309-8BBB-DD8C32D2005A}" srcOrd="0" destOrd="0" presId="urn:microsoft.com/office/officeart/2005/8/layout/orgChart1"/>
-    <dgm:cxn modelId="{CDCF7CCC-CB40-4CFF-8576-2A39C281ED6F}" type="presOf" srcId="{BDFA1744-A5B0-4A1F-8C25-CCF5E20A1147}" destId="{09C1E1B6-0086-4404-B701-5CD9335F3B16}" srcOrd="0" destOrd="0" presId="urn:microsoft.com/office/officeart/2005/8/layout/orgChart1"/>
-    <dgm:cxn modelId="{E01BC4BE-503C-4F4C-8CAC-8497F6479EE1}" type="presOf" srcId="{4B29B0E8-CA69-4FEF-9CC5-F439E6D86762}" destId="{B2626B9F-2EF4-4FE5-9E4C-A8129BA31E89}" srcOrd="0" destOrd="0" presId="urn:microsoft.com/office/officeart/2005/8/layout/orgChart1"/>
-    <dgm:cxn modelId="{67037BF6-3F0B-4AF6-B135-E0A53A368541}" type="presOf" srcId="{3BFC2D99-54F2-4F56-ABDC-4D2D1E5A4444}" destId="{028CE1DB-957C-41E7-B9E1-6D9A42F8FB0E}" srcOrd="1" destOrd="0" presId="urn:microsoft.com/office/officeart/2005/8/layout/orgChart1"/>
-    <dgm:cxn modelId="{31FDCAE1-C80B-496F-9053-7EECFB5CF6CB}" srcId="{3BFC2D99-54F2-4F56-ABDC-4D2D1E5A4444}" destId="{B1890DBD-9269-4E39-A5D8-D46B74618176}" srcOrd="7" destOrd="0" parTransId="{0ECAC1D1-5B85-45A5-91F8-C84078419220}" sibTransId="{7A44B534-D55B-4604-9962-304129CFF442}"/>
-    <dgm:cxn modelId="{7797E1E2-80B1-4D90-B51F-79005747FF93}" type="presOf" srcId="{D2497981-03D9-4665-92EB-9542207EE5A0}" destId="{4BE55D9B-F2BE-40E0-988E-BDE8EB2B357A}" srcOrd="0" destOrd="0" presId="urn:microsoft.com/office/officeart/2005/8/layout/orgChart1"/>
-    <dgm:cxn modelId="{907B8CBA-8658-437C-9B77-E4CF10975435}" type="presOf" srcId="{B1890DBD-9269-4E39-A5D8-D46B74618176}" destId="{7336B81B-55F5-4E76-89A4-BBBEAB58EA72}" srcOrd="0" destOrd="0" presId="urn:microsoft.com/office/officeart/2005/8/layout/orgChart1"/>
-    <dgm:cxn modelId="{F2E47E2C-7119-4D01-8E6E-0D2859F6118E}" type="presOf" srcId="{4B7A7F81-85AE-4C26-9391-DBA667A0C438}" destId="{F330C14F-5E51-45A3-8BBA-FD6B3CA8B4D5}" srcOrd="0" destOrd="0" presId="urn:microsoft.com/office/officeart/2005/8/layout/orgChart1"/>
-    <dgm:cxn modelId="{27766E1F-417D-48B7-AF8E-2F073CD2F87A}" type="presOf" srcId="{1827938A-4461-4C74-83D4-B8E5FE5790F0}" destId="{0A9458DE-CEF8-4FA3-98D0-60929B6EE9C8}" srcOrd="0" destOrd="0" presId="urn:microsoft.com/office/officeart/2005/8/layout/orgChart1"/>
-    <dgm:cxn modelId="{751D2698-5C63-4115-9C01-3FF4AC32BC15}" type="presOf" srcId="{6272F718-0281-4B8E-96CA-9336D1DC1410}" destId="{7385A498-D524-4331-903E-550C4195C356}" srcOrd="1" destOrd="0" presId="urn:microsoft.com/office/officeart/2005/8/layout/orgChart1"/>
-    <dgm:cxn modelId="{11638A5E-A087-4E5D-8098-5B2777B24D55}" type="presOf" srcId="{DE9A6DA2-48E4-45CD-BDC3-2AC37AB54603}" destId="{99D6D0B4-FDC2-45F6-BF79-D664AA31EB5C}" srcOrd="0" destOrd="0" presId="urn:microsoft.com/office/officeart/2005/8/layout/orgChart1"/>
-    <dgm:cxn modelId="{B8E3641D-73AF-4A55-9B5A-2BAEBA8B7FDA}" type="presOf" srcId="{3BFC2D99-54F2-4F56-ABDC-4D2D1E5A4444}" destId="{371D36C4-2300-450B-9352-555F87D138B9}" srcOrd="0" destOrd="0" presId="urn:microsoft.com/office/officeart/2005/8/layout/orgChart1"/>
-    <dgm:cxn modelId="{3122EEEB-4127-4DCB-9752-0B9405C20019}" srcId="{3BFC2D99-54F2-4F56-ABDC-4D2D1E5A4444}" destId="{6272F718-0281-4B8E-96CA-9336D1DC1410}" srcOrd="0" destOrd="0" parTransId="{D30938AD-CB50-4663-9E84-6F16F0A37FB4}" sibTransId="{9627C3FB-94F7-4A67-9DFC-3FCDA0F271C4}"/>
-    <dgm:cxn modelId="{85E440B9-DA07-4465-AE76-52DD0C3A99C1}" srcId="{3BFC2D99-54F2-4F56-ABDC-4D2D1E5A4444}" destId="{4B29B0E8-CA69-4FEF-9CC5-F439E6D86762}" srcOrd="4" destOrd="0" parTransId="{BDFA1744-A5B0-4A1F-8C25-CCF5E20A1147}" sibTransId="{34FFBDAF-B3C2-4AC7-8C57-86DB83683980}"/>
-    <dgm:cxn modelId="{C3D486E9-3767-41AB-9546-0E6C0FCB728C}" type="presOf" srcId="{34BD77E1-5A4B-4BC3-9D05-64D928343E3C}" destId="{2F72FC64-6020-484E-A27C-11BC33001E45}" srcOrd="0" destOrd="0" presId="urn:microsoft.com/office/officeart/2005/8/layout/orgChart1"/>
-    <dgm:cxn modelId="{2F724169-7DF5-4D3C-99A2-1F6992DCD61E}" type="presOf" srcId="{77A798D0-4E44-4FD7-BD4B-1E07C2A650E4}" destId="{5CF26A62-4DAE-4DF6-AC2D-AA50C348D246}" srcOrd="0" destOrd="0" presId="urn:microsoft.com/office/officeart/2005/8/layout/orgChart1"/>
-    <dgm:cxn modelId="{3A538685-C9C6-47B3-B9FD-FC88FC27540A}" type="presOf" srcId="{7CA3D873-A3F7-4257-991B-FB6E57BBECE6}" destId="{D314536C-ACC2-4590-BE51-4E143107E4A8}" srcOrd="0" destOrd="0" presId="urn:microsoft.com/office/officeart/2005/8/layout/orgChart1"/>
-    <dgm:cxn modelId="{AB8A283D-FF56-4D10-908A-608D8D9A723D}" type="presOf" srcId="{1827938A-4461-4C74-83D4-B8E5FE5790F0}" destId="{ABBD46AD-BFA1-4A69-A78E-3C6498564907}" srcOrd="1" destOrd="0" presId="urn:microsoft.com/office/officeart/2005/8/layout/orgChart1"/>
-    <dgm:cxn modelId="{0DA503EE-CD77-416C-93D1-47348DAAAB99}" srcId="{3BFC2D99-54F2-4F56-ABDC-4D2D1E5A4444}" destId="{1827938A-4461-4C74-83D4-B8E5FE5790F0}" srcOrd="2" destOrd="0" parTransId="{77A798D0-4E44-4FD7-BD4B-1E07C2A650E4}" sibTransId="{664A33D9-6050-4D44-93A4-FF169249954C}"/>
-    <dgm:cxn modelId="{5F578B08-5BDF-4A68-933A-2E709FA6A036}" type="presOf" srcId="{4B29B0E8-CA69-4FEF-9CC5-F439E6D86762}" destId="{3149285B-610F-4810-A59A-580527F6F166}" srcOrd="1" destOrd="0" presId="urn:microsoft.com/office/officeart/2005/8/layout/orgChart1"/>
-    <dgm:cxn modelId="{1682DCFE-E4DC-4F13-9B3B-2C859D05996C}" type="presOf" srcId="{DE9A6DA2-48E4-45CD-BDC3-2AC37AB54603}" destId="{6DB1CD38-5A46-40A5-A321-A083EFD0A09A}" srcOrd="1" destOrd="0" presId="urn:microsoft.com/office/officeart/2005/8/layout/orgChart1"/>
-    <dgm:cxn modelId="{4E6EBD5E-C682-4F9A-87A0-CC8B0B5E7D1A}" type="presOf" srcId="{D30938AD-CB50-4663-9E84-6F16F0A37FB4}" destId="{158B7BDB-81BA-421C-8439-08A0B5F689FE}" srcOrd="0" destOrd="0" presId="urn:microsoft.com/office/officeart/2005/8/layout/orgChart1"/>
-    <dgm:cxn modelId="{777C82DB-416B-4194-9B62-EE83F167CBC4}" srcId="{3BFC2D99-54F2-4F56-ABDC-4D2D1E5A4444}" destId="{D2497981-03D9-4665-92EB-9542207EE5A0}" srcOrd="6" destOrd="0" parTransId="{34BD77E1-5A4B-4BC3-9D05-64D928343E3C}" sibTransId="{14498747-DA1E-4409-90D0-BF8A48A3483B}"/>
-    <dgm:cxn modelId="{B345F79A-9DB1-430E-B8E0-29F45059A92E}" type="presParOf" srcId="{DAD55322-597F-4ED1-9260-8B14AA1999AE}" destId="{E0714F84-9967-4121-BCEC-81F104297DC6}" srcOrd="0" destOrd="0" presId="urn:microsoft.com/office/officeart/2005/8/layout/orgChart1"/>
-    <dgm:cxn modelId="{F9B67F74-76B1-4201-B808-825BEDFFA484}" type="presParOf" srcId="{E0714F84-9967-4121-BCEC-81F104297DC6}" destId="{30F32C6A-6D24-4DAD-9562-6DE784464E67}" srcOrd="0" destOrd="0" presId="urn:microsoft.com/office/officeart/2005/8/layout/orgChart1"/>
-    <dgm:cxn modelId="{7553BB09-166D-4D52-A622-1E3E954C5D14}" type="presParOf" srcId="{30F32C6A-6D24-4DAD-9562-6DE784464E67}" destId="{371D36C4-2300-450B-9352-555F87D138B9}" srcOrd="0" destOrd="0" presId="urn:microsoft.com/office/officeart/2005/8/layout/orgChart1"/>
-    <dgm:cxn modelId="{C121ED6D-BA2D-4937-B1B1-FF1B37B7C68F}" type="presParOf" srcId="{30F32C6A-6D24-4DAD-9562-6DE784464E67}" destId="{028CE1DB-957C-41E7-B9E1-6D9A42F8FB0E}" srcOrd="1" destOrd="0" presId="urn:microsoft.com/office/officeart/2005/8/layout/orgChart1"/>
-    <dgm:cxn modelId="{4FAA42AD-AAC8-41DE-9FF6-7AEBB4D4F29C}" type="presParOf" srcId="{E0714F84-9967-4121-BCEC-81F104297DC6}" destId="{5AD44D2D-4D05-461A-9D73-D8F2EDF0E371}" srcOrd="1" destOrd="0" presId="urn:microsoft.com/office/officeart/2005/8/layout/orgChart1"/>
-    <dgm:cxn modelId="{F3BF7C5D-4103-44D9-BCC8-E6B757543BB4}" type="presParOf" srcId="{5AD44D2D-4D05-461A-9D73-D8F2EDF0E371}" destId="{158B7BDB-81BA-421C-8439-08A0B5F689FE}" srcOrd="0" destOrd="0" presId="urn:microsoft.com/office/officeart/2005/8/layout/orgChart1"/>
-    <dgm:cxn modelId="{744E0D16-E27B-42DB-87EE-38E77B8FE531}" type="presParOf" srcId="{5AD44D2D-4D05-461A-9D73-D8F2EDF0E371}" destId="{BF0736E9-E263-44A3-9B19-47190CFBA602}" srcOrd="1" destOrd="0" presId="urn:microsoft.com/office/officeart/2005/8/layout/orgChart1"/>
-    <dgm:cxn modelId="{81ED671B-7C56-49D0-8E16-58BE42CC3614}" type="presParOf" srcId="{BF0736E9-E263-44A3-9B19-47190CFBA602}" destId="{099A4C0E-CBCE-4312-B044-C624115E1611}" srcOrd="0" destOrd="0" presId="urn:microsoft.com/office/officeart/2005/8/layout/orgChart1"/>
-    <dgm:cxn modelId="{934715CC-5DCF-4B8F-B052-49B2E75FE90E}" type="presParOf" srcId="{099A4C0E-CBCE-4312-B044-C624115E1611}" destId="{92E7D021-B009-4371-BFE2-14E1AD2DC69F}" srcOrd="0" destOrd="0" presId="urn:microsoft.com/office/officeart/2005/8/layout/orgChart1"/>
-    <dgm:cxn modelId="{5A930060-32AA-4605-8934-DD4D99BAE302}" type="presParOf" srcId="{099A4C0E-CBCE-4312-B044-C624115E1611}" destId="{7385A498-D524-4331-903E-550C4195C356}" srcOrd="1" destOrd="0" presId="urn:microsoft.com/office/officeart/2005/8/layout/orgChart1"/>
-    <dgm:cxn modelId="{34152735-4DF8-41AA-97FE-1AA4E00712D5}" type="presParOf" srcId="{BF0736E9-E263-44A3-9B19-47190CFBA602}" destId="{603BA146-A534-495B-8B54-FAD14995DD35}" srcOrd="1" destOrd="0" presId="urn:microsoft.com/office/officeart/2005/8/layout/orgChart1"/>
-    <dgm:cxn modelId="{45FA7AC4-B7EA-412F-8EB1-E44FE1B6C722}" type="presParOf" srcId="{BF0736E9-E263-44A3-9B19-47190CFBA602}" destId="{830F2C37-9701-40FE-BD14-59E6CEFCCC03}" srcOrd="2" destOrd="0" presId="urn:microsoft.com/office/officeart/2005/8/layout/orgChart1"/>
-    <dgm:cxn modelId="{2518EA9E-6DF2-4755-97D4-24F361366128}" type="presParOf" srcId="{5AD44D2D-4D05-461A-9D73-D8F2EDF0E371}" destId="{D314536C-ACC2-4590-BE51-4E143107E4A8}" srcOrd="2" destOrd="0" presId="urn:microsoft.com/office/officeart/2005/8/layout/orgChart1"/>
-    <dgm:cxn modelId="{B039B604-CC4A-4627-9430-B8E46FB9FC97}" type="presParOf" srcId="{5AD44D2D-4D05-461A-9D73-D8F2EDF0E371}" destId="{35C8BEA7-D12A-4A5E-9292-56F043596D0F}" srcOrd="3" destOrd="0" presId="urn:microsoft.com/office/officeart/2005/8/layout/orgChart1"/>
-    <dgm:cxn modelId="{8E50BC57-618E-4710-BC60-E759A7E82097}" type="presParOf" srcId="{35C8BEA7-D12A-4A5E-9292-56F043596D0F}" destId="{CD5DC4B3-226A-472D-8AAF-A18FE39D32E3}" srcOrd="0" destOrd="0" presId="urn:microsoft.com/office/officeart/2005/8/layout/orgChart1"/>
-    <dgm:cxn modelId="{5C003B15-FF39-4E26-8CC8-FA55334F33F0}" type="presParOf" srcId="{CD5DC4B3-226A-472D-8AAF-A18FE39D32E3}" destId="{FE129309-50B7-46C3-8306-87B07F2F963E}" srcOrd="0" destOrd="0" presId="urn:microsoft.com/office/officeart/2005/8/layout/orgChart1"/>
-    <dgm:cxn modelId="{8BB79458-4C10-47E3-A051-731DA97F3EC0}" type="presParOf" srcId="{CD5DC4B3-226A-472D-8AAF-A18FE39D32E3}" destId="{7C4E71F4-A14B-4814-8EAE-3BFDAB039162}" srcOrd="1" destOrd="0" presId="urn:microsoft.com/office/officeart/2005/8/layout/orgChart1"/>
-    <dgm:cxn modelId="{C3DF9F68-E7CF-407B-96A4-93ED67729811}" type="presParOf" srcId="{35C8BEA7-D12A-4A5E-9292-56F043596D0F}" destId="{74D5B64C-64F1-4C25-BDF7-0D4455003B9E}" srcOrd="1" destOrd="0" presId="urn:microsoft.com/office/officeart/2005/8/layout/orgChart1"/>
-    <dgm:cxn modelId="{13004F6F-B39B-4E54-95D9-1B137AC0780B}" type="presParOf" srcId="{35C8BEA7-D12A-4A5E-9292-56F043596D0F}" destId="{592C2228-A8CD-467E-99AB-BE3ED1DF4F98}" srcOrd="2" destOrd="0" presId="urn:microsoft.com/office/officeart/2005/8/layout/orgChart1"/>
-    <dgm:cxn modelId="{37DE1F1D-9CE3-49AD-A09E-92B76DAAC1D3}" type="presParOf" srcId="{5AD44D2D-4D05-461A-9D73-D8F2EDF0E371}" destId="{5CF26A62-4DAE-4DF6-AC2D-AA50C348D246}" srcOrd="4" destOrd="0" presId="urn:microsoft.com/office/officeart/2005/8/layout/orgChart1"/>
-    <dgm:cxn modelId="{7BCE9D40-D0EE-4D06-982B-35A893F4880F}" type="presParOf" srcId="{5AD44D2D-4D05-461A-9D73-D8F2EDF0E371}" destId="{C706CEF6-25A6-464C-81EB-1A9D32839C73}" srcOrd="5" destOrd="0" presId="urn:microsoft.com/office/officeart/2005/8/layout/orgChart1"/>
-    <dgm:cxn modelId="{77D0EB56-5E97-40AD-8FFF-87B5B76FF91E}" type="presParOf" srcId="{C706CEF6-25A6-464C-81EB-1A9D32839C73}" destId="{904D0BA0-61E3-4075-B06E-FCFF06ABCC43}" srcOrd="0" destOrd="0" presId="urn:microsoft.com/office/officeart/2005/8/layout/orgChart1"/>
-    <dgm:cxn modelId="{3B459C08-A408-45F9-A9DE-43444F11A6BE}" type="presParOf" srcId="{904D0BA0-61E3-4075-B06E-FCFF06ABCC43}" destId="{0A9458DE-CEF8-4FA3-98D0-60929B6EE9C8}" srcOrd="0" destOrd="0" presId="urn:microsoft.com/office/officeart/2005/8/layout/orgChart1"/>
-    <dgm:cxn modelId="{E4FB8369-52F3-4F88-8944-25486BC5EA8F}" type="presParOf" srcId="{904D0BA0-61E3-4075-B06E-FCFF06ABCC43}" destId="{ABBD46AD-BFA1-4A69-A78E-3C6498564907}" srcOrd="1" destOrd="0" presId="urn:microsoft.com/office/officeart/2005/8/layout/orgChart1"/>
-    <dgm:cxn modelId="{C9A91917-AA80-4813-A0EB-E77AB8A4E1A2}" type="presParOf" srcId="{C706CEF6-25A6-464C-81EB-1A9D32839C73}" destId="{4B67ABFD-B399-4B88-8CAB-D49359CE5A76}" srcOrd="1" destOrd="0" presId="urn:microsoft.com/office/officeart/2005/8/layout/orgChart1"/>
-    <dgm:cxn modelId="{95F2031C-EA1E-47E1-B1E6-B5CF7B41C196}" type="presParOf" srcId="{C706CEF6-25A6-464C-81EB-1A9D32839C73}" destId="{21297B36-CF14-40DE-8EF2-8060EBE6653A}" srcOrd="2" destOrd="0" presId="urn:microsoft.com/office/officeart/2005/8/layout/orgChart1"/>
-    <dgm:cxn modelId="{92AABA12-A0C8-4496-A80A-E52626777B0D}" type="presParOf" srcId="{5AD44D2D-4D05-461A-9D73-D8F2EDF0E371}" destId="{40C180D0-1B00-442F-8BA1-A2996109948C}" srcOrd="6" destOrd="0" presId="urn:microsoft.com/office/officeart/2005/8/layout/orgChart1"/>
-    <dgm:cxn modelId="{ED0BD380-59CC-408F-AC24-46F0E68D0532}" type="presParOf" srcId="{5AD44D2D-4D05-461A-9D73-D8F2EDF0E371}" destId="{D385AE9E-5A9B-45AC-A020-0510D5A9FE54}" srcOrd="7" destOrd="0" presId="urn:microsoft.com/office/officeart/2005/8/layout/orgChart1"/>
-    <dgm:cxn modelId="{98EA3B5B-C724-4FCF-B4E9-E3E98EE0315F}" type="presParOf" srcId="{D385AE9E-5A9B-45AC-A020-0510D5A9FE54}" destId="{20A244A1-E6EC-4AA4-B6B8-707A23F911C0}" srcOrd="0" destOrd="0" presId="urn:microsoft.com/office/officeart/2005/8/layout/orgChart1"/>
-    <dgm:cxn modelId="{6052CFF3-B37C-4B08-813F-D1447316AFA1}" type="presParOf" srcId="{20A244A1-E6EC-4AA4-B6B8-707A23F911C0}" destId="{943019AC-F290-4309-8BBB-DD8C32D2005A}" srcOrd="0" destOrd="0" presId="urn:microsoft.com/office/officeart/2005/8/layout/orgChart1"/>
-    <dgm:cxn modelId="{E3B0206B-FEA8-4576-8B1A-91D5FCA68ED4}" type="presParOf" srcId="{20A244A1-E6EC-4AA4-B6B8-707A23F911C0}" destId="{B50E2733-0437-4C6E-BD17-21329A79757A}" srcOrd="1" destOrd="0" presId="urn:microsoft.com/office/officeart/2005/8/layout/orgChart1"/>
-    <dgm:cxn modelId="{E0C74F4F-F879-4D0E-9A52-3C9EC0D4FF14}" type="presParOf" srcId="{D385AE9E-5A9B-45AC-A020-0510D5A9FE54}" destId="{36543A45-72D6-4A05-B131-93F0543B5220}" srcOrd="1" destOrd="0" presId="urn:microsoft.com/office/officeart/2005/8/layout/orgChart1"/>
-    <dgm:cxn modelId="{24E3EC0A-B47F-4BBC-AD1A-AAB473DA08A8}" type="presParOf" srcId="{D385AE9E-5A9B-45AC-A020-0510D5A9FE54}" destId="{F1359BF4-B00D-41DB-9E50-A5479922CD6A}" srcOrd="2" destOrd="0" presId="urn:microsoft.com/office/officeart/2005/8/layout/orgChart1"/>
-    <dgm:cxn modelId="{57F05E8C-2B98-4295-A292-DAA436A2D87D}" type="presParOf" srcId="{5AD44D2D-4D05-461A-9D73-D8F2EDF0E371}" destId="{09C1E1B6-0086-4404-B701-5CD9335F3B16}" srcOrd="8" destOrd="0" presId="urn:microsoft.com/office/officeart/2005/8/layout/orgChart1"/>
-    <dgm:cxn modelId="{1521F206-91E0-425C-AC8E-5F47725C3ED1}" type="presParOf" srcId="{5AD44D2D-4D05-461A-9D73-D8F2EDF0E371}" destId="{EE569D92-5FB6-4D5F-898F-E3B930BC9FE3}" srcOrd="9" destOrd="0" presId="urn:microsoft.com/office/officeart/2005/8/layout/orgChart1"/>
-    <dgm:cxn modelId="{F752B3BF-7A91-4C7D-BDE6-9F7B0F8591A7}" type="presParOf" srcId="{EE569D92-5FB6-4D5F-898F-E3B930BC9FE3}" destId="{0E395110-DEB9-4E21-9A99-39B52D9575A2}" srcOrd="0" destOrd="0" presId="urn:microsoft.com/office/officeart/2005/8/layout/orgChart1"/>
-    <dgm:cxn modelId="{1E149C26-0384-41C7-A2B0-D10D5FC31350}" type="presParOf" srcId="{0E395110-DEB9-4E21-9A99-39B52D9575A2}" destId="{B2626B9F-2EF4-4FE5-9E4C-A8129BA31E89}" srcOrd="0" destOrd="0" presId="urn:microsoft.com/office/officeart/2005/8/layout/orgChart1"/>
-    <dgm:cxn modelId="{BC481F7C-A7C8-4E2A-955E-DC714F2DEB78}" type="presParOf" srcId="{0E395110-DEB9-4E21-9A99-39B52D9575A2}" destId="{3149285B-610F-4810-A59A-580527F6F166}" srcOrd="1" destOrd="0" presId="urn:microsoft.com/office/officeart/2005/8/layout/orgChart1"/>
-    <dgm:cxn modelId="{ADD51CA2-2AB0-4C18-A075-6DF30763AE8D}" type="presParOf" srcId="{EE569D92-5FB6-4D5F-898F-E3B930BC9FE3}" destId="{86603D32-0B22-4E35-A2C8-4ED0BF4D0598}" srcOrd="1" destOrd="0" presId="urn:microsoft.com/office/officeart/2005/8/layout/orgChart1"/>
-    <dgm:cxn modelId="{409DC17A-4893-4C7C-A2DB-EC9ED1E3A057}" type="presParOf" srcId="{EE569D92-5FB6-4D5F-898F-E3B930BC9FE3}" destId="{EFD3EF8C-9833-472B-A08F-E16DE52B4BAE}" srcOrd="2" destOrd="0" presId="urn:microsoft.com/office/officeart/2005/8/layout/orgChart1"/>
-    <dgm:cxn modelId="{7E895D28-5152-4920-AF50-4593F5D11419}" type="presParOf" srcId="{5AD44D2D-4D05-461A-9D73-D8F2EDF0E371}" destId="{F330C14F-5E51-45A3-8BBA-FD6B3CA8B4D5}" srcOrd="10" destOrd="0" presId="urn:microsoft.com/office/officeart/2005/8/layout/orgChart1"/>
-    <dgm:cxn modelId="{75B900A8-1D0D-4DA3-9FD0-8ACC9AE971A3}" type="presParOf" srcId="{5AD44D2D-4D05-461A-9D73-D8F2EDF0E371}" destId="{2FE4A458-1D21-47FB-B204-6F1428D51226}" srcOrd="11" destOrd="0" presId="urn:microsoft.com/office/officeart/2005/8/layout/orgChart1"/>
-    <dgm:cxn modelId="{E5E5EA47-644A-497A-BE7C-4BF2F3F905BE}" type="presParOf" srcId="{2FE4A458-1D21-47FB-B204-6F1428D51226}" destId="{47813E2B-0A82-4C13-8545-701048CEC5E4}" srcOrd="0" destOrd="0" presId="urn:microsoft.com/office/officeart/2005/8/layout/orgChart1"/>
-    <dgm:cxn modelId="{2330D9F2-76ED-4B79-8FFB-F33A2E42D8E5}" type="presParOf" srcId="{47813E2B-0A82-4C13-8545-701048CEC5E4}" destId="{99D6D0B4-FDC2-45F6-BF79-D664AA31EB5C}" srcOrd="0" destOrd="0" presId="urn:microsoft.com/office/officeart/2005/8/layout/orgChart1"/>
-    <dgm:cxn modelId="{C5BC7477-A208-4A6C-8203-5E726D918539}" type="presParOf" srcId="{47813E2B-0A82-4C13-8545-701048CEC5E4}" destId="{6DB1CD38-5A46-40A5-A321-A083EFD0A09A}" srcOrd="1" destOrd="0" presId="urn:microsoft.com/office/officeart/2005/8/layout/orgChart1"/>
-    <dgm:cxn modelId="{1BF2ECC1-696C-499B-97BD-6440BA313ACB}" type="presParOf" srcId="{2FE4A458-1D21-47FB-B204-6F1428D51226}" destId="{35D1AF46-BD2E-4D47-BF3F-9EBEC13C6D21}" srcOrd="1" destOrd="0" presId="urn:microsoft.com/office/officeart/2005/8/layout/orgChart1"/>
-    <dgm:cxn modelId="{29A7DFA5-04C8-4B44-955A-A02C55E284DF}" type="presParOf" srcId="{2FE4A458-1D21-47FB-B204-6F1428D51226}" destId="{18A08E0D-580F-4831-8763-2629C97FC19B}" srcOrd="2" destOrd="0" presId="urn:microsoft.com/office/officeart/2005/8/layout/orgChart1"/>
-    <dgm:cxn modelId="{029A871B-6523-4971-81D7-3708B206E6B9}" type="presParOf" srcId="{5AD44D2D-4D05-461A-9D73-D8F2EDF0E371}" destId="{2F72FC64-6020-484E-A27C-11BC33001E45}" srcOrd="12" destOrd="0" presId="urn:microsoft.com/office/officeart/2005/8/layout/orgChart1"/>
-    <dgm:cxn modelId="{2AFF3695-AEB8-4C9A-8F49-73EF89C93BC3}" type="presParOf" srcId="{5AD44D2D-4D05-461A-9D73-D8F2EDF0E371}" destId="{D00FB8F9-D88D-4CAD-B100-AFCAFD61C1F1}" srcOrd="13" destOrd="0" presId="urn:microsoft.com/office/officeart/2005/8/layout/orgChart1"/>
-    <dgm:cxn modelId="{035724C9-AE18-4E53-93CF-3BC99BA3D269}" type="presParOf" srcId="{D00FB8F9-D88D-4CAD-B100-AFCAFD61C1F1}" destId="{72683538-2F8C-4AF1-8CF3-42C9682F27D4}" srcOrd="0" destOrd="0" presId="urn:microsoft.com/office/officeart/2005/8/layout/orgChart1"/>
-    <dgm:cxn modelId="{BD983465-D329-4EA9-AD66-8C113C8846A9}" type="presParOf" srcId="{72683538-2F8C-4AF1-8CF3-42C9682F27D4}" destId="{4BE55D9B-F2BE-40E0-988E-BDE8EB2B357A}" srcOrd="0" destOrd="0" presId="urn:microsoft.com/office/officeart/2005/8/layout/orgChart1"/>
-    <dgm:cxn modelId="{FC4E24A0-64B3-4C25-AD4A-F13F7D551205}" type="presParOf" srcId="{72683538-2F8C-4AF1-8CF3-42C9682F27D4}" destId="{F1B092C9-6C05-4366-9E77-097203F742F5}" srcOrd="1" destOrd="0" presId="urn:microsoft.com/office/officeart/2005/8/layout/orgChart1"/>
-    <dgm:cxn modelId="{D0FE814E-C25B-4E96-8763-1A560AB4573D}" type="presParOf" srcId="{D00FB8F9-D88D-4CAD-B100-AFCAFD61C1F1}" destId="{2A6937BF-DABA-422F-AEBB-C9414D19D3D8}" srcOrd="1" destOrd="0" presId="urn:microsoft.com/office/officeart/2005/8/layout/orgChart1"/>
-    <dgm:cxn modelId="{CC85BF38-4CF3-45C2-9968-FD6D9EAEE191}" type="presParOf" srcId="{D00FB8F9-D88D-4CAD-B100-AFCAFD61C1F1}" destId="{DB7FA8E2-50E5-49D6-BCFE-7858F69B0CBA}" srcOrd="2" destOrd="0" presId="urn:microsoft.com/office/officeart/2005/8/layout/orgChart1"/>
-    <dgm:cxn modelId="{F447D96A-D45A-49AC-BC05-A8551B155FF8}" type="presParOf" srcId="{5AD44D2D-4D05-461A-9D73-D8F2EDF0E371}" destId="{2935292A-D4D0-48F8-812D-C13E18495739}" srcOrd="14" destOrd="0" presId="urn:microsoft.com/office/officeart/2005/8/layout/orgChart1"/>
-    <dgm:cxn modelId="{A9A0C8C1-DDAF-4EB8-A3A6-C684B63F9658}" type="presParOf" srcId="{5AD44D2D-4D05-461A-9D73-D8F2EDF0E371}" destId="{0117CEF3-B35B-4544-BAB2-CA7CF3B5ED61}" srcOrd="15" destOrd="0" presId="urn:microsoft.com/office/officeart/2005/8/layout/orgChart1"/>
-    <dgm:cxn modelId="{462FA71E-9D74-47C4-B7AC-FCC126617258}" type="presParOf" srcId="{0117CEF3-B35B-4544-BAB2-CA7CF3B5ED61}" destId="{A9F2AFA2-1C48-4C90-8463-E0637245F5A0}" srcOrd="0" destOrd="0" presId="urn:microsoft.com/office/officeart/2005/8/layout/orgChart1"/>
-    <dgm:cxn modelId="{9BF7F78E-CC02-48E2-B7E7-897FB1893092}" type="presParOf" srcId="{A9F2AFA2-1C48-4C90-8463-E0637245F5A0}" destId="{7336B81B-55F5-4E76-89A4-BBBEAB58EA72}" srcOrd="0" destOrd="0" presId="urn:microsoft.com/office/officeart/2005/8/layout/orgChart1"/>
-    <dgm:cxn modelId="{AC6FC92D-F3D5-4CB1-A5A4-9AC21A0066F3}" type="presParOf" srcId="{A9F2AFA2-1C48-4C90-8463-E0637245F5A0}" destId="{719E8FA9-5EE4-4E9F-83A1-D76E75B8FD51}" srcOrd="1" destOrd="0" presId="urn:microsoft.com/office/officeart/2005/8/layout/orgChart1"/>
-    <dgm:cxn modelId="{619D1D17-E278-444B-9C45-437C4FE46CFA}" type="presParOf" srcId="{0117CEF3-B35B-4544-BAB2-CA7CF3B5ED61}" destId="{DB8F3D63-C2C8-438E-B954-ABFADCF68BA1}" srcOrd="1" destOrd="0" presId="urn:microsoft.com/office/officeart/2005/8/layout/orgChart1"/>
-    <dgm:cxn modelId="{D931BB2B-D9A0-43D9-B4F8-7CF2D5B78232}" type="presParOf" srcId="{0117CEF3-B35B-4544-BAB2-CA7CF3B5ED61}" destId="{1B249E0D-569B-4A2B-86B8-20180F546CD1}" srcOrd="2" destOrd="0" presId="urn:microsoft.com/office/officeart/2005/8/layout/orgChart1"/>
-    <dgm:cxn modelId="{57E0796D-327A-42CA-9F3F-99B92ADA66B6}" type="presParOf" srcId="{E0714F84-9967-4121-BCEC-81F104297DC6}" destId="{0B93220A-6D0F-48DC-BDED-171EE219649F}" srcOrd="2" destOrd="0" presId="urn:microsoft.com/office/officeart/2005/8/layout/orgChart1"/>
-  </dgm:cxnLst>
-  <dgm:bg/>
-  <dgm:whole/>
-  <dgm:extLst>
-    <a:ext uri="http://schemas.microsoft.com/office/drawing/2008/diagram">
-      <dsp:dataModelExt xmlns:dsp="http://schemas.microsoft.com/office/drawing/2008/diagram" relId="rId7" minVer="http://schemas.openxmlformats.org/drawingml/2006/diagram"/>
-    </a:ext>
-  </dgm:extLst>
-</dgm:dataModel>
-</file>
-
 <file path=ppt/diagrams/drawing1.xml><?xml version="1.0" encoding="utf-8"?>
 <dsp:drawing xmlns:dgm="http://schemas.openxmlformats.org/drawingml/2006/diagram" xmlns:dsp="http://schemas.microsoft.com/office/drawing/2008/diagram" xmlns:a="http://schemas.openxmlformats.org/drawingml/2006/main">
   <dsp:spTree>
@@ -4263,18 +2497,686 @@
       <dsp:cNvGrpSpPr/>
     </dsp:nvGrpSpPr>
     <dsp:grpSpPr/>
-  </dsp:spTree>
-</dsp:drawing>
-</file>
-
-<file path=ppt/diagrams/drawing2.xml><?xml version="1.0" encoding="utf-8"?>
-<dsp:drawing xmlns:dgm="http://schemas.openxmlformats.org/drawingml/2006/diagram" xmlns:dsp="http://schemas.microsoft.com/office/drawing/2008/diagram" xmlns:a="http://schemas.openxmlformats.org/drawingml/2006/main">
-  <dsp:spTree>
-    <dsp:nvGrpSpPr>
-      <dsp:cNvPr id="0" name=""/>
-      <dsp:cNvGrpSpPr/>
-    </dsp:nvGrpSpPr>
-    <dsp:grpSpPr/>
+    <dsp:sp modelId="{F0B4302C-D685-4A20-9D41-95B65B193458}">
+      <dsp:nvSpPr>
+        <dsp:cNvPr id="0" name=""/>
+        <dsp:cNvSpPr/>
+      </dsp:nvSpPr>
+      <dsp:spPr>
+        <a:xfrm>
+          <a:off x="993823" y="2612"/>
+          <a:ext cx="1856264" cy="928132"/>
+        </a:xfrm>
+        <a:prstGeom prst="roundRect">
+          <a:avLst>
+            <a:gd name="adj" fmla="val 10000"/>
+          </a:avLst>
+        </a:prstGeom>
+        <a:solidFill>
+          <a:schemeClr val="accent1">
+            <a:hueOff val="0"/>
+            <a:satOff val="0"/>
+            <a:lumOff val="0"/>
+            <a:alphaOff val="0"/>
+          </a:schemeClr>
+        </a:solidFill>
+        <a:ln w="25400" cap="flat" cmpd="sng" algn="ctr">
+          <a:solidFill>
+            <a:schemeClr val="lt1">
+              <a:hueOff val="0"/>
+              <a:satOff val="0"/>
+              <a:lumOff val="0"/>
+              <a:alphaOff val="0"/>
+            </a:schemeClr>
+          </a:solidFill>
+          <a:prstDash val="solid"/>
+        </a:ln>
+        <a:effectLst/>
+      </dsp:spPr>
+      <dsp:style>
+        <a:lnRef idx="2">
+          <a:scrgbClr r="0" g="0" b="0"/>
+        </a:lnRef>
+        <a:fillRef idx="1">
+          <a:scrgbClr r="0" g="0" b="0"/>
+        </a:fillRef>
+        <a:effectRef idx="0">
+          <a:scrgbClr r="0" g="0" b="0"/>
+        </a:effectRef>
+        <a:fontRef idx="minor">
+          <a:schemeClr val="lt1"/>
+        </a:fontRef>
+      </dsp:style>
+      <dsp:txBody>
+        <a:bodyPr spcFirstLastPara="0" vert="horz" wrap="square" lIns="43815" tIns="29210" rIns="43815" bIns="29210" numCol="1" spcCol="1270" anchor="ctr" anchorCtr="0">
+          <a:noAutofit/>
+        </a:bodyPr>
+        <a:lstStyle/>
+        <a:p>
+          <a:pPr lvl="0" algn="ctr" defTabSz="1022350">
+            <a:lnSpc>
+              <a:spcPct val="90000"/>
+            </a:lnSpc>
+            <a:spcBef>
+              <a:spcPct val="0"/>
+            </a:spcBef>
+            <a:spcAft>
+              <a:spcPct val="35000"/>
+            </a:spcAft>
+          </a:pPr>
+          <a:r>
+            <a:rPr lang="en-US" sz="2300" kern="1200" dirty="0" smtClean="0"/>
+            <a:t>project_1.xpr</a:t>
+          </a:r>
+          <a:endParaRPr lang="en-US" sz="2300" kern="1200" dirty="0"/>
+        </a:p>
+      </dsp:txBody>
+      <dsp:txXfrm>
+        <a:off x="1021007" y="29796"/>
+        <a:ext cx="1801896" cy="873764"/>
+      </dsp:txXfrm>
+    </dsp:sp>
+    <dsp:sp modelId="{3EBE1A95-4BA2-4B24-90BA-39F529FBCE76}">
+      <dsp:nvSpPr>
+        <dsp:cNvPr id="0" name=""/>
+        <dsp:cNvSpPr/>
+      </dsp:nvSpPr>
+      <dsp:spPr>
+        <a:xfrm>
+          <a:off x="1179450" y="930744"/>
+          <a:ext cx="185626" cy="696099"/>
+        </a:xfrm>
+        <a:custGeom>
+          <a:avLst/>
+          <a:gdLst/>
+          <a:ahLst/>
+          <a:cxnLst/>
+          <a:rect l="0" t="0" r="0" b="0"/>
+          <a:pathLst>
+            <a:path>
+              <a:moveTo>
+                <a:pt x="0" y="0"/>
+              </a:moveTo>
+              <a:lnTo>
+                <a:pt x="0" y="696099"/>
+              </a:lnTo>
+              <a:lnTo>
+                <a:pt x="185626" y="696099"/>
+              </a:lnTo>
+            </a:path>
+          </a:pathLst>
+        </a:custGeom>
+        <a:noFill/>
+        <a:ln w="25400" cap="flat" cmpd="sng" algn="ctr">
+          <a:solidFill>
+            <a:schemeClr val="accent1">
+              <a:shade val="60000"/>
+              <a:hueOff val="0"/>
+              <a:satOff val="0"/>
+              <a:lumOff val="0"/>
+              <a:alphaOff val="0"/>
+            </a:schemeClr>
+          </a:solidFill>
+          <a:prstDash val="solid"/>
+        </a:ln>
+        <a:effectLst/>
+      </dsp:spPr>
+      <dsp:style>
+        <a:lnRef idx="2">
+          <a:scrgbClr r="0" g="0" b="0"/>
+        </a:lnRef>
+        <a:fillRef idx="0">
+          <a:scrgbClr r="0" g="0" b="0"/>
+        </a:fillRef>
+        <a:effectRef idx="0">
+          <a:scrgbClr r="0" g="0" b="0"/>
+        </a:effectRef>
+        <a:fontRef idx="minor"/>
+      </dsp:style>
+    </dsp:sp>
+    <dsp:sp modelId="{BA53C1C9-72CF-4011-9C2E-965115138EE8}">
+      <dsp:nvSpPr>
+        <dsp:cNvPr id="0" name=""/>
+        <dsp:cNvSpPr/>
+      </dsp:nvSpPr>
+      <dsp:spPr>
+        <a:xfrm>
+          <a:off x="1365076" y="1162777"/>
+          <a:ext cx="1485011" cy="928132"/>
+        </a:xfrm>
+        <a:prstGeom prst="roundRect">
+          <a:avLst>
+            <a:gd name="adj" fmla="val 10000"/>
+          </a:avLst>
+        </a:prstGeom>
+        <a:solidFill>
+          <a:schemeClr val="lt1">
+            <a:alpha val="90000"/>
+            <a:hueOff val="0"/>
+            <a:satOff val="0"/>
+            <a:lumOff val="0"/>
+            <a:alphaOff val="0"/>
+          </a:schemeClr>
+        </a:solidFill>
+        <a:ln w="25400" cap="flat" cmpd="sng" algn="ctr">
+          <a:solidFill>
+            <a:schemeClr val="accent1">
+              <a:hueOff val="0"/>
+              <a:satOff val="0"/>
+              <a:lumOff val="0"/>
+              <a:alphaOff val="0"/>
+            </a:schemeClr>
+          </a:solidFill>
+          <a:prstDash val="solid"/>
+        </a:ln>
+        <a:effectLst/>
+      </dsp:spPr>
+      <dsp:style>
+        <a:lnRef idx="2">
+          <a:scrgbClr r="0" g="0" b="0"/>
+        </a:lnRef>
+        <a:fillRef idx="1">
+          <a:scrgbClr r="0" g="0" b="0"/>
+        </a:fillRef>
+        <a:effectRef idx="0">
+          <a:scrgbClr r="0" g="0" b="0"/>
+        </a:effectRef>
+        <a:fontRef idx="minor"/>
+      </dsp:style>
+      <dsp:txBody>
+        <a:bodyPr spcFirstLastPara="0" vert="horz" wrap="square" lIns="28575" tIns="19050" rIns="28575" bIns="19050" numCol="1" spcCol="1270" anchor="t" anchorCtr="0">
+          <a:noAutofit/>
+        </a:bodyPr>
+        <a:lstStyle/>
+        <a:p>
+          <a:pPr lvl="0" algn="l" defTabSz="666750">
+            <a:lnSpc>
+              <a:spcPct val="90000"/>
+            </a:lnSpc>
+            <a:spcBef>
+              <a:spcPct val="0"/>
+            </a:spcBef>
+            <a:spcAft>
+              <a:spcPct val="35000"/>
+            </a:spcAft>
+          </a:pPr>
+          <a:r>
+            <a:rPr lang="en-US" sz="1500" kern="1200" dirty="0" smtClean="0"/>
+            <a:t>project_1.srcs</a:t>
+          </a:r>
+          <a:endParaRPr lang="en-US" sz="1500" kern="1200" dirty="0"/>
+        </a:p>
+        <a:p>
+          <a:pPr marL="114300" lvl="1" indent="-114300" algn="l" defTabSz="533400">
+            <a:lnSpc>
+              <a:spcPct val="90000"/>
+            </a:lnSpc>
+            <a:spcBef>
+              <a:spcPct val="0"/>
+            </a:spcBef>
+            <a:spcAft>
+              <a:spcPct val="15000"/>
+            </a:spcAft>
+            <a:buChar char="••"/>
+          </a:pPr>
+          <a:r>
+            <a:rPr lang="en-US" sz="1200" kern="1200" dirty="0" smtClean="0"/>
+            <a:t>constrs_1</a:t>
+          </a:r>
+          <a:endParaRPr lang="en-US" sz="1200" kern="1200" dirty="0"/>
+        </a:p>
+        <a:p>
+          <a:pPr marL="114300" lvl="1" indent="-114300" algn="l" defTabSz="533400">
+            <a:lnSpc>
+              <a:spcPct val="90000"/>
+            </a:lnSpc>
+            <a:spcBef>
+              <a:spcPct val="0"/>
+            </a:spcBef>
+            <a:spcAft>
+              <a:spcPct val="15000"/>
+            </a:spcAft>
+            <a:buChar char="••"/>
+          </a:pPr>
+          <a:r>
+            <a:rPr lang="en-US" sz="1200" kern="1200" dirty="0" smtClean="0"/>
+            <a:t>sources_1</a:t>
+          </a:r>
+          <a:endParaRPr lang="en-US" sz="1200" kern="1200" dirty="0"/>
+        </a:p>
+        <a:p>
+          <a:pPr marL="114300" lvl="1" indent="-114300" algn="l" defTabSz="533400">
+            <a:lnSpc>
+              <a:spcPct val="90000"/>
+            </a:lnSpc>
+            <a:spcBef>
+              <a:spcPct val="0"/>
+            </a:spcBef>
+            <a:spcAft>
+              <a:spcPct val="15000"/>
+            </a:spcAft>
+            <a:buChar char="••"/>
+          </a:pPr>
+          <a:r>
+            <a:rPr lang="en-US" sz="1200" kern="1200" dirty="0" smtClean="0"/>
+            <a:t>sim_1</a:t>
+          </a:r>
+          <a:endParaRPr lang="en-US" sz="1200" kern="1200" dirty="0"/>
+        </a:p>
+      </dsp:txBody>
+      <dsp:txXfrm>
+        <a:off x="1392260" y="1189961"/>
+        <a:ext cx="1430643" cy="873764"/>
+      </dsp:txXfrm>
+    </dsp:sp>
+    <dsp:sp modelId="{25CF5C9A-20BD-4977-9BD0-7A4F774EC6C9}">
+      <dsp:nvSpPr>
+        <dsp:cNvPr id="0" name=""/>
+        <dsp:cNvSpPr/>
+      </dsp:nvSpPr>
+      <dsp:spPr>
+        <a:xfrm>
+          <a:off x="1179450" y="930744"/>
+          <a:ext cx="185626" cy="1856264"/>
+        </a:xfrm>
+        <a:custGeom>
+          <a:avLst/>
+          <a:gdLst/>
+          <a:ahLst/>
+          <a:cxnLst/>
+          <a:rect l="0" t="0" r="0" b="0"/>
+          <a:pathLst>
+            <a:path>
+              <a:moveTo>
+                <a:pt x="0" y="0"/>
+              </a:moveTo>
+              <a:lnTo>
+                <a:pt x="0" y="1856264"/>
+              </a:lnTo>
+              <a:lnTo>
+                <a:pt x="185626" y="1856264"/>
+              </a:lnTo>
+            </a:path>
+          </a:pathLst>
+        </a:custGeom>
+        <a:noFill/>
+        <a:ln w="25400" cap="flat" cmpd="sng" algn="ctr">
+          <a:solidFill>
+            <a:schemeClr val="accent1">
+              <a:shade val="60000"/>
+              <a:hueOff val="0"/>
+              <a:satOff val="0"/>
+              <a:lumOff val="0"/>
+              <a:alphaOff val="0"/>
+            </a:schemeClr>
+          </a:solidFill>
+          <a:prstDash val="solid"/>
+        </a:ln>
+        <a:effectLst/>
+      </dsp:spPr>
+      <dsp:style>
+        <a:lnRef idx="2">
+          <a:scrgbClr r="0" g="0" b="0"/>
+        </a:lnRef>
+        <a:fillRef idx="0">
+          <a:scrgbClr r="0" g="0" b="0"/>
+        </a:fillRef>
+        <a:effectRef idx="0">
+          <a:scrgbClr r="0" g="0" b="0"/>
+        </a:effectRef>
+        <a:fontRef idx="minor"/>
+      </dsp:style>
+    </dsp:sp>
+    <dsp:sp modelId="{6B6D62D3-3CFD-452A-8975-747C0D5CA19D}">
+      <dsp:nvSpPr>
+        <dsp:cNvPr id="0" name=""/>
+        <dsp:cNvSpPr/>
+      </dsp:nvSpPr>
+      <dsp:spPr>
+        <a:xfrm>
+          <a:off x="1365076" y="2322942"/>
+          <a:ext cx="1485011" cy="928132"/>
+        </a:xfrm>
+        <a:prstGeom prst="roundRect">
+          <a:avLst>
+            <a:gd name="adj" fmla="val 10000"/>
+          </a:avLst>
+        </a:prstGeom>
+        <a:solidFill>
+          <a:schemeClr val="lt1">
+            <a:alpha val="90000"/>
+            <a:hueOff val="0"/>
+            <a:satOff val="0"/>
+            <a:lumOff val="0"/>
+            <a:alphaOff val="0"/>
+          </a:schemeClr>
+        </a:solidFill>
+        <a:ln w="25400" cap="flat" cmpd="sng" algn="ctr">
+          <a:solidFill>
+            <a:schemeClr val="accent1">
+              <a:hueOff val="0"/>
+              <a:satOff val="0"/>
+              <a:lumOff val="0"/>
+              <a:alphaOff val="0"/>
+            </a:schemeClr>
+          </a:solidFill>
+          <a:prstDash val="solid"/>
+        </a:ln>
+        <a:effectLst/>
+      </dsp:spPr>
+      <dsp:style>
+        <a:lnRef idx="2">
+          <a:scrgbClr r="0" g="0" b="0"/>
+        </a:lnRef>
+        <a:fillRef idx="1">
+          <a:scrgbClr r="0" g="0" b="0"/>
+        </a:fillRef>
+        <a:effectRef idx="0">
+          <a:scrgbClr r="0" g="0" b="0"/>
+        </a:effectRef>
+        <a:fontRef idx="minor"/>
+      </dsp:style>
+      <dsp:txBody>
+        <a:bodyPr spcFirstLastPara="0" vert="horz" wrap="square" lIns="28575" tIns="19050" rIns="28575" bIns="19050" numCol="1" spcCol="1270" anchor="ctr" anchorCtr="0">
+          <a:noAutofit/>
+        </a:bodyPr>
+        <a:lstStyle/>
+        <a:p>
+          <a:pPr lvl="0" algn="ctr" defTabSz="666750">
+            <a:lnSpc>
+              <a:spcPct val="90000"/>
+            </a:lnSpc>
+            <a:spcBef>
+              <a:spcPct val="0"/>
+            </a:spcBef>
+            <a:spcAft>
+              <a:spcPct val="35000"/>
+            </a:spcAft>
+          </a:pPr>
+          <a:r>
+            <a:rPr lang="en-US" sz="1500" kern="1200" dirty="0" smtClean="0"/>
+            <a:t>project_1.data</a:t>
+          </a:r>
+          <a:endParaRPr lang="en-US" sz="1500" kern="1200" dirty="0"/>
+        </a:p>
+      </dsp:txBody>
+      <dsp:txXfrm>
+        <a:off x="1392260" y="2350126"/>
+        <a:ext cx="1430643" cy="873764"/>
+      </dsp:txXfrm>
+    </dsp:sp>
+    <dsp:sp modelId="{C762C766-8B21-4D41-8BB8-B6CFEAC57841}">
+      <dsp:nvSpPr>
+        <dsp:cNvPr id="0" name=""/>
+        <dsp:cNvSpPr/>
+      </dsp:nvSpPr>
+      <dsp:spPr>
+        <a:xfrm>
+          <a:off x="1179450" y="930744"/>
+          <a:ext cx="185626" cy="3016429"/>
+        </a:xfrm>
+        <a:custGeom>
+          <a:avLst/>
+          <a:gdLst/>
+          <a:ahLst/>
+          <a:cxnLst/>
+          <a:rect l="0" t="0" r="0" b="0"/>
+          <a:pathLst>
+            <a:path>
+              <a:moveTo>
+                <a:pt x="0" y="0"/>
+              </a:moveTo>
+              <a:lnTo>
+                <a:pt x="0" y="3016429"/>
+              </a:lnTo>
+              <a:lnTo>
+                <a:pt x="185626" y="3016429"/>
+              </a:lnTo>
+            </a:path>
+          </a:pathLst>
+        </a:custGeom>
+        <a:noFill/>
+        <a:ln w="25400" cap="flat" cmpd="sng" algn="ctr">
+          <a:solidFill>
+            <a:schemeClr val="accent1">
+              <a:shade val="60000"/>
+              <a:hueOff val="0"/>
+              <a:satOff val="0"/>
+              <a:lumOff val="0"/>
+              <a:alphaOff val="0"/>
+            </a:schemeClr>
+          </a:solidFill>
+          <a:prstDash val="solid"/>
+        </a:ln>
+        <a:effectLst/>
+      </dsp:spPr>
+      <dsp:style>
+        <a:lnRef idx="2">
+          <a:scrgbClr r="0" g="0" b="0"/>
+        </a:lnRef>
+        <a:fillRef idx="0">
+          <a:scrgbClr r="0" g="0" b="0"/>
+        </a:fillRef>
+        <a:effectRef idx="0">
+          <a:scrgbClr r="0" g="0" b="0"/>
+        </a:effectRef>
+        <a:fontRef idx="minor"/>
+      </dsp:style>
+    </dsp:sp>
+    <dsp:sp modelId="{03A383A5-B769-428D-BF7D-3FB4F7A6EEB3}">
+      <dsp:nvSpPr>
+        <dsp:cNvPr id="0" name=""/>
+        <dsp:cNvSpPr/>
+      </dsp:nvSpPr>
+      <dsp:spPr>
+        <a:xfrm>
+          <a:off x="1365076" y="3483107"/>
+          <a:ext cx="1485011" cy="928132"/>
+        </a:xfrm>
+        <a:prstGeom prst="roundRect">
+          <a:avLst>
+            <a:gd name="adj" fmla="val 10000"/>
+          </a:avLst>
+        </a:prstGeom>
+        <a:solidFill>
+          <a:schemeClr val="lt1">
+            <a:alpha val="90000"/>
+            <a:hueOff val="0"/>
+            <a:satOff val="0"/>
+            <a:lumOff val="0"/>
+            <a:alphaOff val="0"/>
+          </a:schemeClr>
+        </a:solidFill>
+        <a:ln w="25400" cap="flat" cmpd="sng" algn="ctr">
+          <a:solidFill>
+            <a:schemeClr val="accent1">
+              <a:hueOff val="0"/>
+              <a:satOff val="0"/>
+              <a:lumOff val="0"/>
+              <a:alphaOff val="0"/>
+            </a:schemeClr>
+          </a:solidFill>
+          <a:prstDash val="solid"/>
+        </a:ln>
+        <a:effectLst/>
+      </dsp:spPr>
+      <dsp:style>
+        <a:lnRef idx="2">
+          <a:scrgbClr r="0" g="0" b="0"/>
+        </a:lnRef>
+        <a:fillRef idx="1">
+          <a:scrgbClr r="0" g="0" b="0"/>
+        </a:fillRef>
+        <a:effectRef idx="0">
+          <a:scrgbClr r="0" g="0" b="0"/>
+        </a:effectRef>
+        <a:fontRef idx="minor"/>
+      </dsp:style>
+      <dsp:txBody>
+        <a:bodyPr spcFirstLastPara="0" vert="horz" wrap="square" lIns="28575" tIns="19050" rIns="28575" bIns="19050" numCol="1" spcCol="1270" anchor="ctr" anchorCtr="0">
+          <a:noAutofit/>
+        </a:bodyPr>
+        <a:lstStyle/>
+        <a:p>
+          <a:pPr lvl="0" algn="ctr" defTabSz="666750">
+            <a:lnSpc>
+              <a:spcPct val="90000"/>
+            </a:lnSpc>
+            <a:spcBef>
+              <a:spcPct val="0"/>
+            </a:spcBef>
+            <a:spcAft>
+              <a:spcPct val="35000"/>
+            </a:spcAft>
+          </a:pPr>
+          <a:r>
+            <a:rPr lang="en-US" sz="1500" kern="1200" smtClean="0"/>
+            <a:t>project_1.cache</a:t>
+          </a:r>
+          <a:endParaRPr lang="en-US" sz="1500" kern="1200" dirty="0"/>
+        </a:p>
+      </dsp:txBody>
+      <dsp:txXfrm>
+        <a:off x="1392260" y="3510291"/>
+        <a:ext cx="1430643" cy="873764"/>
+      </dsp:txXfrm>
+    </dsp:sp>
+    <dsp:sp modelId="{51C1A5F7-538A-4C85-96A3-2DAF0EBFDB7F}">
+      <dsp:nvSpPr>
+        <dsp:cNvPr id="0" name=""/>
+        <dsp:cNvSpPr/>
+      </dsp:nvSpPr>
+      <dsp:spPr>
+        <a:xfrm>
+          <a:off x="1179450" y="930744"/>
+          <a:ext cx="185626" cy="4176594"/>
+        </a:xfrm>
+        <a:custGeom>
+          <a:avLst/>
+          <a:gdLst/>
+          <a:ahLst/>
+          <a:cxnLst/>
+          <a:rect l="0" t="0" r="0" b="0"/>
+          <a:pathLst>
+            <a:path>
+              <a:moveTo>
+                <a:pt x="0" y="0"/>
+              </a:moveTo>
+              <a:lnTo>
+                <a:pt x="0" y="4176594"/>
+              </a:lnTo>
+              <a:lnTo>
+                <a:pt x="185626" y="4176594"/>
+              </a:lnTo>
+            </a:path>
+          </a:pathLst>
+        </a:custGeom>
+        <a:noFill/>
+        <a:ln w="25400" cap="flat" cmpd="sng" algn="ctr">
+          <a:solidFill>
+            <a:schemeClr val="accent1">
+              <a:shade val="60000"/>
+              <a:hueOff val="0"/>
+              <a:satOff val="0"/>
+              <a:lumOff val="0"/>
+              <a:alphaOff val="0"/>
+            </a:schemeClr>
+          </a:solidFill>
+          <a:prstDash val="solid"/>
+        </a:ln>
+        <a:effectLst/>
+      </dsp:spPr>
+      <dsp:style>
+        <a:lnRef idx="2">
+          <a:scrgbClr r="0" g="0" b="0"/>
+        </a:lnRef>
+        <a:fillRef idx="0">
+          <a:scrgbClr r="0" g="0" b="0"/>
+        </a:fillRef>
+        <a:effectRef idx="0">
+          <a:scrgbClr r="0" g="0" b="0"/>
+        </a:effectRef>
+        <a:fontRef idx="minor"/>
+      </dsp:style>
+    </dsp:sp>
+    <dsp:sp modelId="{03B3F701-9536-4AEA-BF48-5D647EE112C2}">
+      <dsp:nvSpPr>
+        <dsp:cNvPr id="0" name=""/>
+        <dsp:cNvSpPr/>
+      </dsp:nvSpPr>
+      <dsp:spPr>
+        <a:xfrm>
+          <a:off x="1365076" y="4643272"/>
+          <a:ext cx="1485011" cy="928132"/>
+        </a:xfrm>
+        <a:prstGeom prst="roundRect">
+          <a:avLst>
+            <a:gd name="adj" fmla="val 10000"/>
+          </a:avLst>
+        </a:prstGeom>
+        <a:solidFill>
+          <a:schemeClr val="lt1">
+            <a:alpha val="90000"/>
+            <a:hueOff val="0"/>
+            <a:satOff val="0"/>
+            <a:lumOff val="0"/>
+            <a:alphaOff val="0"/>
+          </a:schemeClr>
+        </a:solidFill>
+        <a:ln w="25400" cap="flat" cmpd="sng" algn="ctr">
+          <a:solidFill>
+            <a:schemeClr val="accent1">
+              <a:hueOff val="0"/>
+              <a:satOff val="0"/>
+              <a:lumOff val="0"/>
+              <a:alphaOff val="0"/>
+            </a:schemeClr>
+          </a:solidFill>
+          <a:prstDash val="solid"/>
+        </a:ln>
+        <a:effectLst/>
+      </dsp:spPr>
+      <dsp:style>
+        <a:lnRef idx="2">
+          <a:scrgbClr r="0" g="0" b="0"/>
+        </a:lnRef>
+        <a:fillRef idx="1">
+          <a:scrgbClr r="0" g="0" b="0"/>
+        </a:fillRef>
+        <a:effectRef idx="0">
+          <a:scrgbClr r="0" g="0" b="0"/>
+        </a:effectRef>
+        <a:fontRef idx="minor"/>
+      </dsp:style>
+      <dsp:txBody>
+        <a:bodyPr spcFirstLastPara="0" vert="horz" wrap="square" lIns="28575" tIns="19050" rIns="28575" bIns="19050" numCol="1" spcCol="1270" anchor="ctr" anchorCtr="0">
+          <a:noAutofit/>
+        </a:bodyPr>
+        <a:lstStyle/>
+        <a:p>
+          <a:pPr lvl="0" algn="ctr" defTabSz="666750">
+            <a:lnSpc>
+              <a:spcPct val="90000"/>
+            </a:lnSpc>
+            <a:spcBef>
+              <a:spcPct val="0"/>
+            </a:spcBef>
+            <a:spcAft>
+              <a:spcPct val="35000"/>
+            </a:spcAft>
+          </a:pPr>
+          <a:r>
+            <a:rPr lang="en-US" sz="1500" kern="1200" dirty="0" smtClean="0"/>
+            <a:t>project_1.runs</a:t>
+          </a:r>
+          <a:endParaRPr lang="en-US" sz="1500" kern="1200" dirty="0"/>
+        </a:p>
+      </dsp:txBody>
+      <dsp:txXfrm>
+        <a:off x="1392260" y="4670456"/>
+        <a:ext cx="1430643" cy="873764"/>
+      </dsp:txXfrm>
+    </dsp:sp>
   </dsp:spTree>
 </dsp:drawing>
 </file>
@@ -4571,2187 +3473,7 @@
 </dgm:layoutDef>
 </file>
 
-<file path=ppt/diagrams/layout2.xml><?xml version="1.0" encoding="utf-8"?>
-<dgm:layoutDef xmlns:dgm="http://schemas.openxmlformats.org/drawingml/2006/diagram" xmlns:a="http://schemas.openxmlformats.org/drawingml/2006/main" uniqueId="urn:microsoft.com/office/officeart/2005/8/layout/orgChart1">
-  <dgm:title val=""/>
-  <dgm:desc val=""/>
-  <dgm:catLst>
-    <dgm:cat type="hierarchy" pri="1000"/>
-    <dgm:cat type="convert" pri="6000"/>
-  </dgm:catLst>
-  <dgm:sampData>
-    <dgm:dataModel>
-      <dgm:ptLst>
-        <dgm:pt modelId="0" type="doc"/>
-        <dgm:pt modelId="1">
-          <dgm:prSet phldr="1"/>
-        </dgm:pt>
-        <dgm:pt modelId="2" type="asst">
-          <dgm:prSet phldr="1"/>
-        </dgm:pt>
-        <dgm:pt modelId="3">
-          <dgm:prSet phldr="1"/>
-        </dgm:pt>
-        <dgm:pt modelId="4">
-          <dgm:prSet phldr="1"/>
-        </dgm:pt>
-        <dgm:pt modelId="5">
-          <dgm:prSet phldr="1"/>
-        </dgm:pt>
-      </dgm:ptLst>
-      <dgm:cxnLst>
-        <dgm:cxn modelId="5" srcId="0" destId="1" srcOrd="0" destOrd="0"/>
-        <dgm:cxn modelId="6" srcId="1" destId="2" srcOrd="0" destOrd="0"/>
-        <dgm:cxn modelId="7" srcId="1" destId="3" srcOrd="1" destOrd="0"/>
-        <dgm:cxn modelId="8" srcId="1" destId="4" srcOrd="2" destOrd="0"/>
-        <dgm:cxn modelId="9" srcId="1" destId="5" srcOrd="3" destOrd="0"/>
-      </dgm:cxnLst>
-      <dgm:bg/>
-      <dgm:whole/>
-    </dgm:dataModel>
-  </dgm:sampData>
-  <dgm:styleData>
-    <dgm:dataModel>
-      <dgm:ptLst>
-        <dgm:pt modelId="0" type="doc"/>
-        <dgm:pt modelId="1"/>
-        <dgm:pt modelId="12"/>
-        <dgm:pt modelId="13"/>
-      </dgm:ptLst>
-      <dgm:cxnLst>
-        <dgm:cxn modelId="2" srcId="0" destId="1" srcOrd="0" destOrd="0"/>
-        <dgm:cxn modelId="16" srcId="1" destId="12" srcOrd="1" destOrd="0"/>
-        <dgm:cxn modelId="17" srcId="1" destId="13" srcOrd="2" destOrd="0"/>
-      </dgm:cxnLst>
-      <dgm:bg/>
-      <dgm:whole/>
-    </dgm:dataModel>
-  </dgm:styleData>
-  <dgm:clrData>
-    <dgm:dataModel>
-      <dgm:ptLst>
-        <dgm:pt modelId="0" type="doc"/>
-        <dgm:pt modelId="1"/>
-        <dgm:pt modelId="11" type="asst"/>
-        <dgm:pt modelId="12"/>
-        <dgm:pt modelId="13"/>
-        <dgm:pt modelId="14"/>
-      </dgm:ptLst>
-      <dgm:cxnLst>
-        <dgm:cxn modelId="2" srcId="0" destId="1" srcOrd="0" destOrd="0"/>
-        <dgm:cxn modelId="15" srcId="1" destId="11" srcOrd="0" destOrd="0"/>
-        <dgm:cxn modelId="16" srcId="1" destId="12" srcOrd="1" destOrd="0"/>
-        <dgm:cxn modelId="17" srcId="1" destId="13" srcOrd="2" destOrd="0"/>
-        <dgm:cxn modelId="18" srcId="1" destId="14" srcOrd="2" destOrd="0"/>
-      </dgm:cxnLst>
-      <dgm:bg/>
-      <dgm:whole/>
-    </dgm:dataModel>
-  </dgm:clrData>
-  <dgm:layoutNode name="hierChild1">
-    <dgm:varLst>
-      <dgm:orgChart val="1"/>
-      <dgm:chPref val="1"/>
-      <dgm:dir/>
-      <dgm:animOne val="branch"/>
-      <dgm:animLvl val="lvl"/>
-      <dgm:resizeHandles/>
-    </dgm:varLst>
-    <dgm:choose name="Name0">
-      <dgm:if name="Name1" func="var" arg="dir" op="equ" val="norm">
-        <dgm:alg type="hierChild">
-          <dgm:param type="linDir" val="fromL"/>
-        </dgm:alg>
-      </dgm:if>
-      <dgm:else name="Name2">
-        <dgm:alg type="hierChild">
-          <dgm:param type="linDir" val="fromR"/>
-        </dgm:alg>
-      </dgm:else>
-    </dgm:choose>
-    <dgm:shape xmlns:r="http://schemas.openxmlformats.org/officeDocument/2006/relationships" r:blip="">
-      <dgm:adjLst/>
-    </dgm:shape>
-    <dgm:presOf/>
-    <dgm:constrLst>
-      <dgm:constr type="w" for="des" forName="rootComposite1" refType="w" fact="10"/>
-      <dgm:constr type="h" for="des" forName="rootComposite1" refType="w" refFor="des" refForName="rootComposite1" fact="0.5"/>
-      <dgm:constr type="w" for="des" forName="rootComposite" refType="w" fact="10"/>
-      <dgm:constr type="h" for="des" forName="rootComposite" refType="w" refFor="des" refForName="rootComposite1" fact="0.5"/>
-      <dgm:constr type="w" for="des" forName="rootComposite3" refType="w" fact="10"/>
-      <dgm:constr type="h" for="des" forName="rootComposite3" refType="w" refFor="des" refForName="rootComposite1" fact="0.5"/>
-      <dgm:constr type="primFontSz" for="des" ptType="node" op="equ"/>
-      <dgm:constr type="sp" for="des" op="equ"/>
-      <dgm:constr type="sp" for="des" forName="hierRoot1" refType="w" refFor="des" refForName="rootComposite1" fact="0.21"/>
-      <dgm:constr type="sp" for="des" forName="hierRoot2" refType="sp" refFor="des" refForName="hierRoot1"/>
-      <dgm:constr type="sp" for="des" forName="hierRoot3" refType="sp" refFor="des" refForName="hierRoot1"/>
-      <dgm:constr type="sibSp" refType="w" refFor="des" refForName="rootComposite1" fact="0.21"/>
-      <dgm:constr type="sibSp" for="des" forName="hierChild2" refType="sibSp"/>
-      <dgm:constr type="sibSp" for="des" forName="hierChild3" refType="sibSp"/>
-      <dgm:constr type="sibSp" for="des" forName="hierChild4" refType="sibSp"/>
-      <dgm:constr type="sibSp" for="des" forName="hierChild5" refType="sibSp"/>
-      <dgm:constr type="sibSp" for="des" forName="hierChild6" refType="sibSp"/>
-      <dgm:constr type="sibSp" for="des" forName="hierChild7" refType="sibSp"/>
-      <dgm:constr type="secSibSp" refType="w" refFor="des" refForName="rootComposite1" fact="0.21"/>
-      <dgm:constr type="secSibSp" for="des" forName="hierChild2" refType="secSibSp"/>
-      <dgm:constr type="secSibSp" for="des" forName="hierChild3" refType="secSibSp"/>
-      <dgm:constr type="secSibSp" for="des" forName="hierChild4" refType="secSibSp"/>
-      <dgm:constr type="secSibSp" for="des" forName="hierChild5" refType="secSibSp"/>
-      <dgm:constr type="secSibSp" for="des" forName="hierChild6" refType="secSibSp"/>
-      <dgm:constr type="secSibSp" for="des" forName="hierChild7" refType="secSibSp"/>
-    </dgm:constrLst>
-    <dgm:ruleLst/>
-    <dgm:forEach name="Name3" axis="ch">
-      <dgm:forEach name="Name4" axis="self" ptType="node">
-        <dgm:layoutNode name="hierRoot1">
-          <dgm:varLst>
-            <dgm:hierBranch val="init"/>
-          </dgm:varLst>
-          <dgm:choose name="Name5">
-            <dgm:if name="Name6" func="var" arg="hierBranch" op="equ" val="l">
-              <dgm:choose name="Name7">
-                <dgm:if name="Name8" axis="ch" ptType="asst" func="cnt" op="gte" val="1">
-                  <dgm:alg type="hierRoot">
-                    <dgm:param type="hierAlign" val="tR"/>
-                  </dgm:alg>
-                  <dgm:constrLst>
-                    <dgm:constr type="alignOff" val="0.65"/>
-                  </dgm:constrLst>
-                </dgm:if>
-                <dgm:else name="Name9">
-                  <dgm:alg type="hierRoot">
-                    <dgm:param type="hierAlign" val="tR"/>
-                  </dgm:alg>
-                  <dgm:constrLst>
-                    <dgm:constr type="alignOff" val="0.25"/>
-                  </dgm:constrLst>
-                </dgm:else>
-              </dgm:choose>
-            </dgm:if>
-            <dgm:if name="Name10" func="var" arg="hierBranch" op="equ" val="r">
-              <dgm:choose name="Name11">
-                <dgm:if name="Name12" axis="ch" ptType="asst" func="cnt" op="gte" val="1">
-                  <dgm:alg type="hierRoot">
-                    <dgm:param type="hierAlign" val="tL"/>
-                  </dgm:alg>
-                  <dgm:constrLst>
-                    <dgm:constr type="alignOff" val="0.65"/>
-                  </dgm:constrLst>
-                </dgm:if>
-                <dgm:else name="Name13">
-                  <dgm:alg type="hierRoot">
-                    <dgm:param type="hierAlign" val="tL"/>
-                  </dgm:alg>
-                  <dgm:constrLst>
-                    <dgm:constr type="alignOff" val="0.25"/>
-                  </dgm:constrLst>
-                </dgm:else>
-              </dgm:choose>
-            </dgm:if>
-            <dgm:if name="Name14" func="var" arg="hierBranch" op="equ" val="hang">
-              <dgm:alg type="hierRoot"/>
-              <dgm:constrLst>
-                <dgm:constr type="alignOff" val="0.65"/>
-              </dgm:constrLst>
-            </dgm:if>
-            <dgm:else name="Name15">
-              <dgm:alg type="hierRoot"/>
-              <dgm:constrLst>
-                <dgm:constr type="alignOff"/>
-                <dgm:constr type="bendDist" for="des" ptType="parTrans" refType="sp" fact="0.5"/>
-              </dgm:constrLst>
-            </dgm:else>
-          </dgm:choose>
-          <dgm:shape xmlns:r="http://schemas.openxmlformats.org/officeDocument/2006/relationships" r:blip="">
-            <dgm:adjLst/>
-          </dgm:shape>
-          <dgm:presOf/>
-          <dgm:ruleLst/>
-          <dgm:layoutNode name="rootComposite1">
-            <dgm:alg type="composite"/>
-            <dgm:shape xmlns:r="http://schemas.openxmlformats.org/officeDocument/2006/relationships" r:blip="">
-              <dgm:adjLst/>
-            </dgm:shape>
-            <dgm:presOf axis="self" ptType="node" cnt="1"/>
-            <dgm:choose name="Name16">
-              <dgm:if name="Name17" func="var" arg="hierBranch" op="equ" val="init">
-                <dgm:constrLst>
-                  <dgm:constr type="l" for="ch" forName="rootText1"/>
-                  <dgm:constr type="t" for="ch" forName="rootText1"/>
-                  <dgm:constr type="w" for="ch" forName="rootText1" refType="w"/>
-                  <dgm:constr type="h" for="ch" forName="rootText1" refType="h"/>
-                  <dgm:constr type="l" for="ch" forName="rootConnector1"/>
-                  <dgm:constr type="t" for="ch" forName="rootConnector1"/>
-                  <dgm:constr type="w" for="ch" forName="rootConnector1" refType="w" refFor="ch" refForName="rootText1" fact="0.2"/>
-                  <dgm:constr type="h" for="ch" forName="rootConnector1" refType="h" refFor="ch" refForName="rootText1"/>
-                </dgm:constrLst>
-              </dgm:if>
-              <dgm:if name="Name18" func="var" arg="hierBranch" op="equ" val="l">
-                <dgm:constrLst>
-                  <dgm:constr type="l" for="ch" forName="rootText1"/>
-                  <dgm:constr type="t" for="ch" forName="rootText1"/>
-                  <dgm:constr type="w" for="ch" forName="rootText1" refType="w"/>
-                  <dgm:constr type="h" for="ch" forName="rootText1" refType="h"/>
-                  <dgm:constr type="r" for="ch" forName="rootConnector1" refType="w"/>
-                  <dgm:constr type="t" for="ch" forName="rootConnector1"/>
-                  <dgm:constr type="w" for="ch" forName="rootConnector1" refType="w" refFor="ch" refForName="rootText1" fact="0.2"/>
-                  <dgm:constr type="h" for="ch" forName="rootConnector1" refType="h" refFor="ch" refForName="rootText1"/>
-                </dgm:constrLst>
-              </dgm:if>
-              <dgm:if name="Name19" func="var" arg="hierBranch" op="equ" val="r">
-                <dgm:constrLst>
-                  <dgm:constr type="l" for="ch" forName="rootText1"/>
-                  <dgm:constr type="t" for="ch" forName="rootText1"/>
-                  <dgm:constr type="w" for="ch" forName="rootText1" refType="w"/>
-                  <dgm:constr type="h" for="ch" forName="rootText1" refType="h"/>
-                  <dgm:constr type="l" for="ch" forName="rootConnector1"/>
-                  <dgm:constr type="t" for="ch" forName="rootConnector1"/>
-                  <dgm:constr type="w" for="ch" forName="rootConnector1" refType="w" refFor="ch" refForName="rootText1" fact="0.2"/>
-                  <dgm:constr type="h" for="ch" forName="rootConnector1" refType="h" refFor="ch" refForName="rootText1"/>
-                </dgm:constrLst>
-              </dgm:if>
-              <dgm:else name="Name20">
-                <dgm:constrLst>
-                  <dgm:constr type="l" for="ch" forName="rootText1"/>
-                  <dgm:constr type="t" for="ch" forName="rootText1"/>
-                  <dgm:constr type="w" for="ch" forName="rootText1" refType="w"/>
-                  <dgm:constr type="h" for="ch" forName="rootText1" refType="h"/>
-                  <dgm:constr type="r" for="ch" forName="rootConnector1" refType="w"/>
-                  <dgm:constr type="t" for="ch" forName="rootConnector1"/>
-                  <dgm:constr type="w" for="ch" forName="rootConnector1" refType="w" refFor="ch" refForName="rootText1" fact="0.2"/>
-                  <dgm:constr type="h" for="ch" forName="rootConnector1" refType="h" refFor="ch" refForName="rootText1"/>
-                </dgm:constrLst>
-              </dgm:else>
-            </dgm:choose>
-            <dgm:ruleLst/>
-            <dgm:layoutNode name="rootText1" styleLbl="node0">
-              <dgm:varLst>
-                <dgm:chPref val="3"/>
-              </dgm:varLst>
-              <dgm:alg type="tx"/>
-              <dgm:shape xmlns:r="http://schemas.openxmlformats.org/officeDocument/2006/relationships" type="rect" r:blip="">
-                <dgm:adjLst/>
-              </dgm:shape>
-              <dgm:presOf axis="self" ptType="node" cnt="1"/>
-              <dgm:constrLst>
-                <dgm:constr type="primFontSz" val="65"/>
-                <dgm:constr type="lMarg" refType="primFontSz" fact="0.05"/>
-                <dgm:constr type="rMarg" refType="primFontSz" fact="0.05"/>
-                <dgm:constr type="tMarg" refType="primFontSz" fact="0.05"/>
-                <dgm:constr type="bMarg" refType="primFontSz" fact="0.05"/>
-              </dgm:constrLst>
-              <dgm:ruleLst>
-                <dgm:rule type="primFontSz" val="5" fact="NaN" max="NaN"/>
-              </dgm:ruleLst>
-            </dgm:layoutNode>
-            <dgm:layoutNode name="rootConnector1" moveWith="rootText1">
-              <dgm:alg type="sp"/>
-              <dgm:shape xmlns:r="http://schemas.openxmlformats.org/officeDocument/2006/relationships" type="rect" r:blip="" hideGeom="1">
-                <dgm:adjLst/>
-              </dgm:shape>
-              <dgm:presOf axis="self" ptType="node" cnt="1"/>
-              <dgm:constrLst/>
-              <dgm:ruleLst/>
-            </dgm:layoutNode>
-          </dgm:layoutNode>
-          <dgm:layoutNode name="hierChild2">
-            <dgm:choose name="Name21">
-              <dgm:if name="Name22" func="var" arg="hierBranch" op="equ" val="l">
-                <dgm:alg type="hierChild">
-                  <dgm:param type="chAlign" val="r"/>
-                  <dgm:param type="linDir" val="fromT"/>
-                </dgm:alg>
-              </dgm:if>
-              <dgm:if name="Name23" func="var" arg="hierBranch" op="equ" val="r">
-                <dgm:alg type="hierChild">
-                  <dgm:param type="chAlign" val="l"/>
-                  <dgm:param type="linDir" val="fromT"/>
-                </dgm:alg>
-              </dgm:if>
-              <dgm:if name="Name24" func="var" arg="hierBranch" op="equ" val="hang">
-                <dgm:choose name="Name25">
-                  <dgm:if name="Name26" func="var" arg="dir" op="equ" val="norm">
-                    <dgm:alg type="hierChild">
-                      <dgm:param type="chAlign" val="l"/>
-                      <dgm:param type="linDir" val="fromL"/>
-                      <dgm:param type="secChAlign" val="t"/>
-                      <dgm:param type="secLinDir" val="fromT"/>
-                    </dgm:alg>
-                  </dgm:if>
-                  <dgm:else name="Name27">
-                    <dgm:alg type="hierChild">
-                      <dgm:param type="chAlign" val="l"/>
-                      <dgm:param type="linDir" val="fromR"/>
-                      <dgm:param type="secChAlign" val="t"/>
-                      <dgm:param type="secLinDir" val="fromT"/>
-                    </dgm:alg>
-                  </dgm:else>
-                </dgm:choose>
-              </dgm:if>
-              <dgm:else name="Name28">
-                <dgm:choose name="Name29">
-                  <dgm:if name="Name30" func="var" arg="dir" op="equ" val="norm">
-                    <dgm:alg type="hierChild"/>
-                  </dgm:if>
-                  <dgm:else name="Name31">
-                    <dgm:alg type="hierChild">
-                      <dgm:param type="linDir" val="fromR"/>
-                    </dgm:alg>
-                  </dgm:else>
-                </dgm:choose>
-              </dgm:else>
-            </dgm:choose>
-            <dgm:shape xmlns:r="http://schemas.openxmlformats.org/officeDocument/2006/relationships" r:blip="">
-              <dgm:adjLst/>
-            </dgm:shape>
-            <dgm:presOf/>
-            <dgm:constrLst/>
-            <dgm:ruleLst/>
-            <dgm:forEach name="rep2a" axis="ch" ptType="nonAsst">
-              <dgm:forEach name="Name32" axis="precedSib" ptType="parTrans" st="-1" cnt="1">
-                <dgm:choose name="Name33">
-                  <dgm:if name="Name34" func="var" arg="hierBranch" op="equ" val="std">
-                    <dgm:layoutNode name="Name35">
-                      <dgm:alg type="conn">
-                        <dgm:param type="connRout" val="bend"/>
-                        <dgm:param type="dim" val="1D"/>
-                        <dgm:param type="endSty" val="noArr"/>
-                        <dgm:param type="begPts" val="bCtr"/>
-                        <dgm:param type="endPts" val="tCtr"/>
-                        <dgm:param type="bendPt" val="end"/>
-                      </dgm:alg>
-                      <dgm:shape xmlns:r="http://schemas.openxmlformats.org/officeDocument/2006/relationships" type="conn" r:blip="" zOrderOff="-99999">
-                        <dgm:adjLst/>
-                      </dgm:shape>
-                      <dgm:presOf axis="self"/>
-                      <dgm:constrLst>
-                        <dgm:constr type="begPad"/>
-                        <dgm:constr type="endPad"/>
-                      </dgm:constrLst>
-                      <dgm:ruleLst/>
-                    </dgm:layoutNode>
-                  </dgm:if>
-                  <dgm:if name="Name36" func="var" arg="hierBranch" op="equ" val="init">
-                    <dgm:layoutNode name="Name37">
-                      <dgm:choose name="Name38">
-                        <dgm:if name="Name39" axis="self" func="depth" op="lte" val="2">
-                          <dgm:alg type="conn">
-                            <dgm:param type="connRout" val="bend"/>
-                            <dgm:param type="dim" val="1D"/>
-                            <dgm:param type="endSty" val="noArr"/>
-                            <dgm:param type="begPts" val="bCtr"/>
-                            <dgm:param type="endPts" val="tCtr"/>
-                            <dgm:param type="bendPt" val="end"/>
-                          </dgm:alg>
-                        </dgm:if>
-                        <dgm:else name="Name40">
-                          <dgm:choose name="Name41">
-                            <dgm:if name="Name42" axis="par des" func="maxDepth" op="lte" val="1">
-                              <dgm:choose name="Name43">
-                                <dgm:if name="Name44" axis="par ch" ptType="node asst" func="cnt" op="gte" val="1">
-                                  <dgm:alg type="conn">
-                                    <dgm:param type="connRout" val="bend"/>
-                                    <dgm:param type="dim" val="1D"/>
-                                    <dgm:param type="endSty" val="noArr"/>
-                                    <dgm:param type="begPts" val="bCtr"/>
-                                    <dgm:param type="endPts" val="midL midR"/>
-                                  </dgm:alg>
-                                </dgm:if>
-                                <dgm:else name="Name45">
-                                  <dgm:alg type="conn">
-                                    <dgm:param type="connRout" val="bend"/>
-                                    <dgm:param type="dim" val="1D"/>
-                                    <dgm:param type="endSty" val="noArr"/>
-                                    <dgm:param type="begPts" val="bCtr"/>
-                                    <dgm:param type="endPts" val="midL midR"/>
-                                    <dgm:param type="srcNode" val="rootConnector"/>
-                                  </dgm:alg>
-                                </dgm:else>
-                              </dgm:choose>
-                            </dgm:if>
-                            <dgm:else name="Name46">
-                              <dgm:alg type="conn">
-                                <dgm:param type="connRout" val="bend"/>
-                                <dgm:param type="dim" val="1D"/>
-                                <dgm:param type="endSty" val="noArr"/>
-                                <dgm:param type="begPts" val="bCtr"/>
-                                <dgm:param type="endPts" val="tCtr"/>
-                                <dgm:param type="bendPt" val="end"/>
-                              </dgm:alg>
-                            </dgm:else>
-                          </dgm:choose>
-                        </dgm:else>
-                      </dgm:choose>
-                      <dgm:shape xmlns:r="http://schemas.openxmlformats.org/officeDocument/2006/relationships" type="conn" r:blip="" zOrderOff="-99999">
-                        <dgm:adjLst/>
-                      </dgm:shape>
-                      <dgm:presOf axis="self"/>
-                      <dgm:constrLst>
-                        <dgm:constr type="begPad"/>
-                        <dgm:constr type="endPad"/>
-                      </dgm:constrLst>
-                      <dgm:ruleLst/>
-                    </dgm:layoutNode>
-                  </dgm:if>
-                  <dgm:if name="Name47" func="var" arg="hierBranch" op="equ" val="hang">
-                    <dgm:layoutNode name="Name48">
-                      <dgm:alg type="conn">
-                        <dgm:param type="connRout" val="bend"/>
-                        <dgm:param type="dim" val="1D"/>
-                        <dgm:param type="endSty" val="noArr"/>
-                        <dgm:param type="begPts" val="bCtr"/>
-                        <dgm:param type="endPts" val="midL midR"/>
-                      </dgm:alg>
-                      <dgm:shape xmlns:r="http://schemas.openxmlformats.org/officeDocument/2006/relationships" type="conn" r:blip="" zOrderOff="-99999">
-                        <dgm:adjLst/>
-                      </dgm:shape>
-                      <dgm:presOf axis="self"/>
-                      <dgm:constrLst>
-                        <dgm:constr type="begPad"/>
-                        <dgm:constr type="endPad"/>
-                      </dgm:constrLst>
-                      <dgm:ruleLst/>
-                    </dgm:layoutNode>
-                  </dgm:if>
-                  <dgm:else name="Name49">
-                    <dgm:layoutNode name="Name50">
-                      <dgm:choose name="Name51">
-                        <dgm:if name="Name52" axis="self" func="depth" op="lte" val="2">
-                          <dgm:choose name="Name53">
-                            <dgm:if name="Name54" axis="par ch" ptType="node asst" func="cnt" op="gte" val="1">
-                              <dgm:alg type="conn">
-                                <dgm:param type="connRout" val="bend"/>
-                                <dgm:param type="dim" val="1D"/>
-                                <dgm:param type="endSty" val="noArr"/>
-                                <dgm:param type="begPts" val="bCtr"/>
-                                <dgm:param type="endPts" val="midL midR"/>
-                              </dgm:alg>
-                            </dgm:if>
-                            <dgm:else name="Name55">
-                              <dgm:alg type="conn">
-                                <dgm:param type="connRout" val="bend"/>
-                                <dgm:param type="dim" val="1D"/>
-                                <dgm:param type="endSty" val="noArr"/>
-                                <dgm:param type="begPts" val="bCtr"/>
-                                <dgm:param type="endPts" val="midL midR"/>
-                                <dgm:param type="srcNode" val="rootConnector1"/>
-                              </dgm:alg>
-                            </dgm:else>
-                          </dgm:choose>
-                        </dgm:if>
-                        <dgm:else name="Name56">
-                          <dgm:choose name="Name57">
-                            <dgm:if name="Name58" axis="par ch" ptType="node asst" func="cnt" op="gte" val="1">
-                              <dgm:alg type="conn">
-                                <dgm:param type="connRout" val="bend"/>
-                                <dgm:param type="dim" val="1D"/>
-                                <dgm:param type="endSty" val="noArr"/>
-                                <dgm:param type="begPts" val="bCtr"/>
-                                <dgm:param type="endPts" val="midL midR"/>
-                              </dgm:alg>
-                            </dgm:if>
-                            <dgm:else name="Name59">
-                              <dgm:alg type="conn">
-                                <dgm:param type="connRout" val="bend"/>
-                                <dgm:param type="dim" val="1D"/>
-                                <dgm:param type="endSty" val="noArr"/>
-                                <dgm:param type="begPts" val="bCtr"/>
-                                <dgm:param type="endPts" val="midL midR"/>
-                                <dgm:param type="srcNode" val="rootConnector"/>
-                              </dgm:alg>
-                            </dgm:else>
-                          </dgm:choose>
-                        </dgm:else>
-                      </dgm:choose>
-                      <dgm:shape xmlns:r="http://schemas.openxmlformats.org/officeDocument/2006/relationships" type="conn" r:blip="" zOrderOff="-99999">
-                        <dgm:adjLst/>
-                      </dgm:shape>
-                      <dgm:presOf axis="self"/>
-                      <dgm:constrLst>
-                        <dgm:constr type="begPad"/>
-                        <dgm:constr type="endPad"/>
-                      </dgm:constrLst>
-                      <dgm:ruleLst/>
-                    </dgm:layoutNode>
-                  </dgm:else>
-                </dgm:choose>
-              </dgm:forEach>
-              <dgm:layoutNode name="hierRoot2">
-                <dgm:varLst>
-                  <dgm:hierBranch val="init"/>
-                </dgm:varLst>
-                <dgm:choose name="Name60">
-                  <dgm:if name="Name61" func="var" arg="hierBranch" op="equ" val="l">
-                    <dgm:choose name="Name62">
-                      <dgm:if name="Name63" axis="ch" ptType="asst" func="cnt" op="gte" val="1">
-                        <dgm:alg type="hierRoot">
-                          <dgm:param type="hierAlign" val="tR"/>
-                        </dgm:alg>
-                        <dgm:shape xmlns:r="http://schemas.openxmlformats.org/officeDocument/2006/relationships" r:blip="">
-                          <dgm:adjLst/>
-                        </dgm:shape>
-                        <dgm:presOf/>
-                        <dgm:constrLst>
-                          <dgm:constr type="alignOff" val="0.65"/>
-                        </dgm:constrLst>
-                      </dgm:if>
-                      <dgm:else name="Name64">
-                        <dgm:alg type="hierRoot">
-                          <dgm:param type="hierAlign" val="tR"/>
-                        </dgm:alg>
-                        <dgm:shape xmlns:r="http://schemas.openxmlformats.org/officeDocument/2006/relationships" r:blip="">
-                          <dgm:adjLst/>
-                        </dgm:shape>
-                        <dgm:presOf/>
-                        <dgm:constrLst>
-                          <dgm:constr type="alignOff" val="0.25"/>
-                        </dgm:constrLst>
-                      </dgm:else>
-                    </dgm:choose>
-                  </dgm:if>
-                  <dgm:if name="Name65" func="var" arg="hierBranch" op="equ" val="r">
-                    <dgm:choose name="Name66">
-                      <dgm:if name="Name67" axis="ch" ptType="asst" func="cnt" op="gte" val="1">
-                        <dgm:alg type="hierRoot">
-                          <dgm:param type="hierAlign" val="tL"/>
-                        </dgm:alg>
-                        <dgm:shape xmlns:r="http://schemas.openxmlformats.org/officeDocument/2006/relationships" r:blip="">
-                          <dgm:adjLst/>
-                        </dgm:shape>
-                        <dgm:presOf/>
-                        <dgm:constrLst>
-                          <dgm:constr type="alignOff" val="0.65"/>
-                        </dgm:constrLst>
-                      </dgm:if>
-                      <dgm:else name="Name68">
-                        <dgm:alg type="hierRoot">
-                          <dgm:param type="hierAlign" val="tL"/>
-                        </dgm:alg>
-                        <dgm:shape xmlns:r="http://schemas.openxmlformats.org/officeDocument/2006/relationships" r:blip="">
-                          <dgm:adjLst/>
-                        </dgm:shape>
-                        <dgm:presOf/>
-                        <dgm:constrLst>
-                          <dgm:constr type="alignOff" val="0.25"/>
-                        </dgm:constrLst>
-                      </dgm:else>
-                    </dgm:choose>
-                  </dgm:if>
-                  <dgm:if name="Name69" func="var" arg="hierBranch" op="equ" val="std">
-                    <dgm:alg type="hierRoot"/>
-                    <dgm:shape xmlns:r="http://schemas.openxmlformats.org/officeDocument/2006/relationships" r:blip="">
-                      <dgm:adjLst/>
-                    </dgm:shape>
-                    <dgm:presOf/>
-                    <dgm:constrLst>
-                      <dgm:constr type="alignOff"/>
-                      <dgm:constr type="bendDist" for="des" ptType="parTrans" refType="sp" fact="0.5"/>
-                    </dgm:constrLst>
-                  </dgm:if>
-                  <dgm:if name="Name70" func="var" arg="hierBranch" op="equ" val="init">
-                    <dgm:choose name="Name71">
-                      <dgm:if name="Name72" axis="des" func="maxDepth" op="lte" val="1">
-                        <dgm:choose name="Name73">
-                          <dgm:if name="Name74" axis="ch" ptType="asst" func="cnt" op="gte" val="1">
-                            <dgm:alg type="hierRoot">
-                              <dgm:param type="hierAlign" val="tL"/>
-                            </dgm:alg>
-                            <dgm:shape xmlns:r="http://schemas.openxmlformats.org/officeDocument/2006/relationships" r:blip="">
-                              <dgm:adjLst/>
-                            </dgm:shape>
-                            <dgm:presOf/>
-                            <dgm:constrLst>
-                              <dgm:constr type="alignOff" val="0.65"/>
-                            </dgm:constrLst>
-                          </dgm:if>
-                          <dgm:else name="Name75">
-                            <dgm:alg type="hierRoot">
-                              <dgm:param type="hierAlign" val="tL"/>
-                            </dgm:alg>
-                            <dgm:shape xmlns:r="http://schemas.openxmlformats.org/officeDocument/2006/relationships" r:blip="">
-                              <dgm:adjLst/>
-                            </dgm:shape>
-                            <dgm:presOf/>
-                            <dgm:constrLst>
-                              <dgm:constr type="alignOff" val="0.25"/>
-                            </dgm:constrLst>
-                          </dgm:else>
-                        </dgm:choose>
-                      </dgm:if>
-                      <dgm:else name="Name76">
-                        <dgm:alg type="hierRoot"/>
-                        <dgm:shape xmlns:r="http://schemas.openxmlformats.org/officeDocument/2006/relationships" r:blip="">
-                          <dgm:adjLst/>
-                        </dgm:shape>
-                        <dgm:presOf/>
-                        <dgm:constrLst>
-                          <dgm:constr type="alignOff"/>
-                          <dgm:constr type="bendDist" for="des" ptType="parTrans" refType="sp" fact="0.5"/>
-                        </dgm:constrLst>
-                      </dgm:else>
-                    </dgm:choose>
-                  </dgm:if>
-                  <dgm:else name="Name77">
-                    <dgm:alg type="hierRoot"/>
-                    <dgm:shape xmlns:r="http://schemas.openxmlformats.org/officeDocument/2006/relationships" r:blip="">
-                      <dgm:adjLst/>
-                    </dgm:shape>
-                    <dgm:presOf/>
-                    <dgm:constrLst>
-                      <dgm:constr type="alignOff" val="0.65"/>
-                    </dgm:constrLst>
-                  </dgm:else>
-                </dgm:choose>
-                <dgm:ruleLst/>
-                <dgm:layoutNode name="rootComposite">
-                  <dgm:alg type="composite"/>
-                  <dgm:shape xmlns:r="http://schemas.openxmlformats.org/officeDocument/2006/relationships" r:blip="">
-                    <dgm:adjLst/>
-                  </dgm:shape>
-                  <dgm:presOf axis="self" ptType="node" cnt="1"/>
-                  <dgm:choose name="Name78">
-                    <dgm:if name="Name79" func="var" arg="hierBranch" op="equ" val="init">
-                      <dgm:constrLst>
-                        <dgm:constr type="l" for="ch" forName="rootText"/>
-                        <dgm:constr type="t" for="ch" forName="rootText"/>
-                        <dgm:constr type="w" for="ch" forName="rootText" refType="w"/>
-                        <dgm:constr type="h" for="ch" forName="rootText" refType="h"/>
-                        <dgm:constr type="l" for="ch" forName="rootConnector"/>
-                        <dgm:constr type="t" for="ch" forName="rootConnector"/>
-                        <dgm:constr type="w" for="ch" forName="rootConnector" refType="w" refFor="ch" refForName="rootText" fact="0.2"/>
-                        <dgm:constr type="h" for="ch" forName="rootConnector" refType="h" refFor="ch" refForName="rootText"/>
-                      </dgm:constrLst>
-                    </dgm:if>
-                    <dgm:if name="Name80" func="var" arg="hierBranch" op="equ" val="l">
-                      <dgm:constrLst>
-                        <dgm:constr type="l" for="ch" forName="rootText"/>
-                        <dgm:constr type="t" for="ch" forName="rootText"/>
-                        <dgm:constr type="w" for="ch" forName="rootText" refType="w"/>
-                        <dgm:constr type="h" for="ch" forName="rootText" refType="h"/>
-                        <dgm:constr type="r" for="ch" forName="rootConnector" refType="w"/>
-                        <dgm:constr type="t" for="ch" forName="rootConnector"/>
-                        <dgm:constr type="w" for="ch" forName="rootConnector" refType="w" refFor="ch" refForName="rootText" fact="0.2"/>
-                        <dgm:constr type="h" for="ch" forName="rootConnector" refType="h" refFor="ch" refForName="rootText"/>
-                      </dgm:constrLst>
-                    </dgm:if>
-                    <dgm:if name="Name81" func="var" arg="hierBranch" op="equ" val="r">
-                      <dgm:constrLst>
-                        <dgm:constr type="l" for="ch" forName="rootText"/>
-                        <dgm:constr type="t" for="ch" forName="rootText"/>
-                        <dgm:constr type="w" for="ch" forName="rootText" refType="w"/>
-                        <dgm:constr type="h" for="ch" forName="rootText" refType="h"/>
-                        <dgm:constr type="l" for="ch" forName="rootConnector"/>
-                        <dgm:constr type="t" for="ch" forName="rootConnector"/>
-                        <dgm:constr type="w" for="ch" forName="rootConnector" refType="w" refFor="ch" refForName="rootText" fact="0.2"/>
-                        <dgm:constr type="h" for="ch" forName="rootConnector" refType="h" refFor="ch" refForName="rootText"/>
-                      </dgm:constrLst>
-                    </dgm:if>
-                    <dgm:else name="Name82">
-                      <dgm:constrLst>
-                        <dgm:constr type="l" for="ch" forName="rootText"/>
-                        <dgm:constr type="t" for="ch" forName="rootText"/>
-                        <dgm:constr type="w" for="ch" forName="rootText" refType="w"/>
-                        <dgm:constr type="h" for="ch" forName="rootText" refType="h"/>
-                        <dgm:constr type="r" for="ch" forName="rootConnector" refType="w"/>
-                        <dgm:constr type="t" for="ch" forName="rootConnector"/>
-                        <dgm:constr type="w" for="ch" forName="rootConnector" refType="w" refFor="ch" refForName="rootText" fact="0.2"/>
-                        <dgm:constr type="h" for="ch" forName="rootConnector" refType="h" refFor="ch" refForName="rootText"/>
-                      </dgm:constrLst>
-                    </dgm:else>
-                  </dgm:choose>
-                  <dgm:ruleLst/>
-                  <dgm:layoutNode name="rootText">
-                    <dgm:varLst>
-                      <dgm:chPref val="3"/>
-                    </dgm:varLst>
-                    <dgm:alg type="tx"/>
-                    <dgm:shape xmlns:r="http://schemas.openxmlformats.org/officeDocument/2006/relationships" type="rect" r:blip="">
-                      <dgm:adjLst/>
-                    </dgm:shape>
-                    <dgm:presOf axis="self" ptType="node" cnt="1"/>
-                    <dgm:constrLst>
-                      <dgm:constr type="primFontSz" val="65"/>
-                      <dgm:constr type="lMarg" refType="primFontSz" fact="0.05"/>
-                      <dgm:constr type="rMarg" refType="primFontSz" fact="0.05"/>
-                      <dgm:constr type="tMarg" refType="primFontSz" fact="0.05"/>
-                      <dgm:constr type="bMarg" refType="primFontSz" fact="0.05"/>
-                    </dgm:constrLst>
-                    <dgm:ruleLst>
-                      <dgm:rule type="primFontSz" val="5" fact="NaN" max="NaN"/>
-                    </dgm:ruleLst>
-                  </dgm:layoutNode>
-                  <dgm:layoutNode name="rootConnector" moveWith="rootText">
-                    <dgm:alg type="sp"/>
-                    <dgm:shape xmlns:r="http://schemas.openxmlformats.org/officeDocument/2006/relationships" type="rect" r:blip="" hideGeom="1">
-                      <dgm:adjLst/>
-                    </dgm:shape>
-                    <dgm:presOf axis="self" ptType="node" cnt="1"/>
-                    <dgm:constrLst/>
-                    <dgm:ruleLst/>
-                  </dgm:layoutNode>
-                </dgm:layoutNode>
-                <dgm:layoutNode name="hierChild4">
-                  <dgm:choose name="Name83">
-                    <dgm:if name="Name84" func="var" arg="hierBranch" op="equ" val="l">
-                      <dgm:alg type="hierChild">
-                        <dgm:param type="chAlign" val="r"/>
-                        <dgm:param type="linDir" val="fromT"/>
-                      </dgm:alg>
-                    </dgm:if>
-                    <dgm:if name="Name85" func="var" arg="hierBranch" op="equ" val="r">
-                      <dgm:alg type="hierChild">
-                        <dgm:param type="chAlign" val="l"/>
-                        <dgm:param type="linDir" val="fromT"/>
-                      </dgm:alg>
-                    </dgm:if>
-                    <dgm:if name="Name86" func="var" arg="hierBranch" op="equ" val="hang">
-                      <dgm:choose name="Name87">
-                        <dgm:if name="Name88" func="var" arg="dir" op="equ" val="norm">
-                          <dgm:alg type="hierChild">
-                            <dgm:param type="chAlign" val="l"/>
-                            <dgm:param type="linDir" val="fromL"/>
-                            <dgm:param type="secChAlign" val="t"/>
-                            <dgm:param type="secLinDir" val="fromT"/>
-                          </dgm:alg>
-                        </dgm:if>
-                        <dgm:else name="Name89">
-                          <dgm:alg type="hierChild">
-                            <dgm:param type="chAlign" val="l"/>
-                            <dgm:param type="linDir" val="fromR"/>
-                            <dgm:param type="secChAlign" val="t"/>
-                            <dgm:param type="secLinDir" val="fromT"/>
-                          </dgm:alg>
-                        </dgm:else>
-                      </dgm:choose>
-                    </dgm:if>
-                    <dgm:if name="Name90" func="var" arg="hierBranch" op="equ" val="std">
-                      <dgm:choose name="Name91">
-                        <dgm:if name="Name92" func="var" arg="dir" op="equ" val="norm">
-                          <dgm:alg type="hierChild"/>
-                        </dgm:if>
-                        <dgm:else name="Name93">
-                          <dgm:alg type="hierChild">
-                            <dgm:param type="linDir" val="fromR"/>
-                          </dgm:alg>
-                        </dgm:else>
-                      </dgm:choose>
-                    </dgm:if>
-                    <dgm:if name="Name94" func="var" arg="hierBranch" op="equ" val="init">
-                      <dgm:choose name="Name95">
-                        <dgm:if name="Name96" axis="des" func="maxDepth" op="lte" val="1">
-                          <dgm:alg type="hierChild">
-                            <dgm:param type="chAlign" val="l"/>
-                            <dgm:param type="linDir" val="fromT"/>
-                          </dgm:alg>
-                        </dgm:if>
-                        <dgm:else name="Name97">
-                          <dgm:choose name="Name98">
-                            <dgm:if name="Name99" func="var" arg="dir" op="equ" val="norm">
-                              <dgm:alg type="hierChild"/>
-                            </dgm:if>
-                            <dgm:else name="Name100">
-                              <dgm:alg type="hierChild">
-                                <dgm:param type="linDir" val="fromR"/>
-                              </dgm:alg>
-                            </dgm:else>
-                          </dgm:choose>
-                        </dgm:else>
-                      </dgm:choose>
-                    </dgm:if>
-                    <dgm:else name="Name101"/>
-                  </dgm:choose>
-                  <dgm:shape xmlns:r="http://schemas.openxmlformats.org/officeDocument/2006/relationships" r:blip="">
-                    <dgm:adjLst/>
-                  </dgm:shape>
-                  <dgm:presOf/>
-                  <dgm:constrLst/>
-                  <dgm:ruleLst/>
-                  <dgm:forEach name="Name102" ref="rep2a"/>
-                </dgm:layoutNode>
-                <dgm:layoutNode name="hierChild5">
-                  <dgm:choose name="Name103">
-                    <dgm:if name="Name104" func="var" arg="dir" op="equ" val="norm">
-                      <dgm:alg type="hierChild">
-                        <dgm:param type="chAlign" val="l"/>
-                        <dgm:param type="linDir" val="fromL"/>
-                        <dgm:param type="secChAlign" val="t"/>
-                        <dgm:param type="secLinDir" val="fromT"/>
-                      </dgm:alg>
-                    </dgm:if>
-                    <dgm:else name="Name105">
-                      <dgm:alg type="hierChild">
-                        <dgm:param type="chAlign" val="l"/>
-                        <dgm:param type="linDir" val="fromR"/>
-                        <dgm:param type="secChAlign" val="t"/>
-                        <dgm:param type="secLinDir" val="fromT"/>
-                      </dgm:alg>
-                    </dgm:else>
-                  </dgm:choose>
-                  <dgm:shape xmlns:r="http://schemas.openxmlformats.org/officeDocument/2006/relationships" r:blip="">
-                    <dgm:adjLst/>
-                  </dgm:shape>
-                  <dgm:presOf/>
-                  <dgm:constrLst/>
-                  <dgm:ruleLst/>
-                  <dgm:forEach name="Name106" ref="rep2b"/>
-                </dgm:layoutNode>
-              </dgm:layoutNode>
-            </dgm:forEach>
-          </dgm:layoutNode>
-          <dgm:layoutNode name="hierChild3">
-            <dgm:choose name="Name107">
-              <dgm:if name="Name108" func="var" arg="dir" op="equ" val="norm">
-                <dgm:alg type="hierChild">
-                  <dgm:param type="chAlign" val="l"/>
-                  <dgm:param type="linDir" val="fromL"/>
-                  <dgm:param type="secChAlign" val="t"/>
-                  <dgm:param type="secLinDir" val="fromT"/>
-                </dgm:alg>
-              </dgm:if>
-              <dgm:else name="Name109">
-                <dgm:alg type="hierChild">
-                  <dgm:param type="chAlign" val="l"/>
-                  <dgm:param type="linDir" val="fromR"/>
-                  <dgm:param type="secChAlign" val="t"/>
-                  <dgm:param type="secLinDir" val="fromT"/>
-                </dgm:alg>
-              </dgm:else>
-            </dgm:choose>
-            <dgm:shape xmlns:r="http://schemas.openxmlformats.org/officeDocument/2006/relationships" r:blip="">
-              <dgm:adjLst/>
-            </dgm:shape>
-            <dgm:presOf/>
-            <dgm:constrLst/>
-            <dgm:ruleLst/>
-            <dgm:forEach name="rep2b" axis="ch" ptType="asst">
-              <dgm:forEach name="Name110" axis="precedSib" ptType="parTrans" st="-1" cnt="1">
-                <dgm:layoutNode name="Name111">
-                  <dgm:alg type="conn">
-                    <dgm:param type="connRout" val="bend"/>
-                    <dgm:param type="dim" val="1D"/>
-                    <dgm:param type="endSty" val="noArr"/>
-                    <dgm:param type="begPts" val="bCtr"/>
-                    <dgm:param type="endPts" val="midL midR"/>
-                  </dgm:alg>
-                  <dgm:shape xmlns:r="http://schemas.openxmlformats.org/officeDocument/2006/relationships" type="conn" r:blip="" zOrderOff="-99999">
-                    <dgm:adjLst/>
-                  </dgm:shape>
-                  <dgm:presOf axis="self"/>
-                  <dgm:constrLst>
-                    <dgm:constr type="begPad"/>
-                    <dgm:constr type="endPad"/>
-                  </dgm:constrLst>
-                  <dgm:ruleLst/>
-                </dgm:layoutNode>
-              </dgm:forEach>
-              <dgm:layoutNode name="hierRoot3">
-                <dgm:varLst>
-                  <dgm:hierBranch val="init"/>
-                </dgm:varLst>
-                <dgm:choose name="Name112">
-                  <dgm:if name="Name113" func="var" arg="hierBranch" op="equ" val="l">
-                    <dgm:alg type="hierRoot">
-                      <dgm:param type="hierAlign" val="tR"/>
-                    </dgm:alg>
-                    <dgm:shape xmlns:r="http://schemas.openxmlformats.org/officeDocument/2006/relationships" r:blip="">
-                      <dgm:adjLst/>
-                    </dgm:shape>
-                    <dgm:presOf/>
-                    <dgm:constrLst>
-                      <dgm:constr type="alignOff" val="0.65"/>
-                    </dgm:constrLst>
-                  </dgm:if>
-                  <dgm:if name="Name114" func="var" arg="hierBranch" op="equ" val="r">
-                    <dgm:alg type="hierRoot">
-                      <dgm:param type="hierAlign" val="tL"/>
-                    </dgm:alg>
-                    <dgm:shape xmlns:r="http://schemas.openxmlformats.org/officeDocument/2006/relationships" r:blip="">
-                      <dgm:adjLst/>
-                    </dgm:shape>
-                    <dgm:presOf/>
-                    <dgm:constrLst>
-                      <dgm:constr type="alignOff" val="0.65"/>
-                    </dgm:constrLst>
-                  </dgm:if>
-                  <dgm:if name="Name115" func="var" arg="hierBranch" op="equ" val="hang">
-                    <dgm:alg type="hierRoot"/>
-                    <dgm:shape xmlns:r="http://schemas.openxmlformats.org/officeDocument/2006/relationships" r:blip="">
-                      <dgm:adjLst/>
-                    </dgm:shape>
-                    <dgm:presOf/>
-                    <dgm:constrLst>
-                      <dgm:constr type="alignOff" val="0.65"/>
-                    </dgm:constrLst>
-                  </dgm:if>
-                  <dgm:if name="Name116" func="var" arg="hierBranch" op="equ" val="std">
-                    <dgm:alg type="hierRoot"/>
-                    <dgm:shape xmlns:r="http://schemas.openxmlformats.org/officeDocument/2006/relationships" r:blip="">
-                      <dgm:adjLst/>
-                    </dgm:shape>
-                    <dgm:presOf/>
-                    <dgm:constrLst>
-                      <dgm:constr type="alignOff"/>
-                      <dgm:constr type="bendDist" for="des" ptType="parTrans" refType="sp" fact="0.5"/>
-                    </dgm:constrLst>
-                  </dgm:if>
-                  <dgm:if name="Name117" func="var" arg="hierBranch" op="equ" val="init">
-                    <dgm:choose name="Name118">
-                      <dgm:if name="Name119" axis="des" func="maxDepth" op="lte" val="1">
-                        <dgm:alg type="hierRoot">
-                          <dgm:param type="hierAlign" val="tL"/>
-                        </dgm:alg>
-                        <dgm:shape xmlns:r="http://schemas.openxmlformats.org/officeDocument/2006/relationships" r:blip="">
-                          <dgm:adjLst/>
-                        </dgm:shape>
-                        <dgm:presOf/>
-                        <dgm:constrLst>
-                          <dgm:constr type="alignOff" val="0.65"/>
-                        </dgm:constrLst>
-                      </dgm:if>
-                      <dgm:else name="Name120">
-                        <dgm:alg type="hierRoot"/>
-                        <dgm:shape xmlns:r="http://schemas.openxmlformats.org/officeDocument/2006/relationships" r:blip="">
-                          <dgm:adjLst/>
-                        </dgm:shape>
-                        <dgm:presOf/>
-                        <dgm:constrLst>
-                          <dgm:constr type="alignOff"/>
-                          <dgm:constr type="bendDist" for="des" ptType="parTrans" refType="sp" fact="0.5"/>
-                        </dgm:constrLst>
-                      </dgm:else>
-                    </dgm:choose>
-                  </dgm:if>
-                  <dgm:else name="Name121"/>
-                </dgm:choose>
-                <dgm:ruleLst/>
-                <dgm:layoutNode name="rootComposite3">
-                  <dgm:alg type="composite"/>
-                  <dgm:shape xmlns:r="http://schemas.openxmlformats.org/officeDocument/2006/relationships" r:blip="">
-                    <dgm:adjLst/>
-                  </dgm:shape>
-                  <dgm:presOf axis="self" ptType="node" cnt="1"/>
-                  <dgm:choose name="Name122">
-                    <dgm:if name="Name123" func="var" arg="hierBranch" op="equ" val="init">
-                      <dgm:constrLst>
-                        <dgm:constr type="l" for="ch" forName="rootText3"/>
-                        <dgm:constr type="t" for="ch" forName="rootText3"/>
-                        <dgm:constr type="w" for="ch" forName="rootText3" refType="w"/>
-                        <dgm:constr type="h" for="ch" forName="rootText3" refType="h"/>
-                        <dgm:constr type="l" for="ch" forName="rootConnector3"/>
-                        <dgm:constr type="t" for="ch" forName="rootConnector3"/>
-                        <dgm:constr type="w" for="ch" forName="rootConnector3" refType="w" refFor="ch" refForName="rootText3" fact="0.2"/>
-                        <dgm:constr type="h" for="ch" forName="rootConnector3" refType="h" refFor="ch" refForName="rootText3"/>
-                      </dgm:constrLst>
-                    </dgm:if>
-                    <dgm:if name="Name124" func="var" arg="hierBranch" op="equ" val="l">
-                      <dgm:constrLst>
-                        <dgm:constr type="l" for="ch" forName="rootText3"/>
-                        <dgm:constr type="t" for="ch" forName="rootText3"/>
-                        <dgm:constr type="w" for="ch" forName="rootText3" refType="w"/>
-                        <dgm:constr type="h" for="ch" forName="rootText3" refType="h"/>
-                        <dgm:constr type="r" for="ch" forName="rootConnector3" refType="w"/>
-                        <dgm:constr type="t" for="ch" forName="rootConnector3"/>
-                        <dgm:constr type="w" for="ch" forName="rootConnector3" refType="w" refFor="ch" refForName="rootText3" fact="0.2"/>
-                        <dgm:constr type="h" for="ch" forName="rootConnector3" refType="h" refFor="ch" refForName="rootText3"/>
-                      </dgm:constrLst>
-                    </dgm:if>
-                    <dgm:if name="Name125" func="var" arg="hierBranch" op="equ" val="r">
-                      <dgm:constrLst>
-                        <dgm:constr type="l" for="ch" forName="rootText3"/>
-                        <dgm:constr type="t" for="ch" forName="rootText3"/>
-                        <dgm:constr type="w" for="ch" forName="rootText3" refType="w"/>
-                        <dgm:constr type="h" for="ch" forName="rootText3" refType="h"/>
-                        <dgm:constr type="l" for="ch" forName="rootConnector3"/>
-                        <dgm:constr type="t" for="ch" forName="rootConnector3"/>
-                        <dgm:constr type="w" for="ch" forName="rootConnector3" refType="w" refFor="ch" refForName="rootText3" fact="0.2"/>
-                        <dgm:constr type="h" for="ch" forName="rootConnector3" refType="h" refFor="ch" refForName="rootText3"/>
-                      </dgm:constrLst>
-                    </dgm:if>
-                    <dgm:else name="Name126">
-                      <dgm:constrLst>
-                        <dgm:constr type="l" for="ch" forName="rootText3"/>
-                        <dgm:constr type="t" for="ch" forName="rootText3"/>
-                        <dgm:constr type="w" for="ch" forName="rootText3" refType="w"/>
-                        <dgm:constr type="h" for="ch" forName="rootText3" refType="h"/>
-                        <dgm:constr type="r" for="ch" forName="rootConnector3" refType="w"/>
-                        <dgm:constr type="t" for="ch" forName="rootConnector3"/>
-                        <dgm:constr type="w" for="ch" forName="rootConnector3" refType="w" refFor="ch" refForName="rootText3" fact="0.2"/>
-                        <dgm:constr type="h" for="ch" forName="rootConnector3" refType="h" refFor="ch" refForName="rootText3"/>
-                      </dgm:constrLst>
-                    </dgm:else>
-                  </dgm:choose>
-                  <dgm:ruleLst/>
-                  <dgm:layoutNode name="rootText3">
-                    <dgm:varLst>
-                      <dgm:chPref val="3"/>
-                    </dgm:varLst>
-                    <dgm:alg type="tx"/>
-                    <dgm:shape xmlns:r="http://schemas.openxmlformats.org/officeDocument/2006/relationships" type="rect" r:blip="">
-                      <dgm:adjLst/>
-                    </dgm:shape>
-                    <dgm:presOf axis="self" ptType="node" cnt="1"/>
-                    <dgm:constrLst>
-                      <dgm:constr type="primFontSz" val="65"/>
-                      <dgm:constr type="lMarg" refType="primFontSz" fact="0.05"/>
-                      <dgm:constr type="rMarg" refType="primFontSz" fact="0.05"/>
-                      <dgm:constr type="tMarg" refType="primFontSz" fact="0.05"/>
-                      <dgm:constr type="bMarg" refType="primFontSz" fact="0.05"/>
-                    </dgm:constrLst>
-                    <dgm:ruleLst>
-                      <dgm:rule type="primFontSz" val="5" fact="NaN" max="NaN"/>
-                    </dgm:ruleLst>
-                  </dgm:layoutNode>
-                  <dgm:layoutNode name="rootConnector3" moveWith="rootText1">
-                    <dgm:alg type="sp"/>
-                    <dgm:shape xmlns:r="http://schemas.openxmlformats.org/officeDocument/2006/relationships" type="rect" r:blip="" hideGeom="1">
-                      <dgm:adjLst/>
-                    </dgm:shape>
-                    <dgm:presOf axis="self" ptType="node" cnt="1"/>
-                    <dgm:constrLst/>
-                    <dgm:ruleLst/>
-                  </dgm:layoutNode>
-                </dgm:layoutNode>
-                <dgm:layoutNode name="hierChild6">
-                  <dgm:choose name="Name127">
-                    <dgm:if name="Name128" func="var" arg="hierBranch" op="equ" val="l">
-                      <dgm:alg type="hierChild">
-                        <dgm:param type="chAlign" val="r"/>
-                        <dgm:param type="linDir" val="fromT"/>
-                      </dgm:alg>
-                    </dgm:if>
-                    <dgm:if name="Name129" func="var" arg="hierBranch" op="equ" val="r">
-                      <dgm:alg type="hierChild">
-                        <dgm:param type="chAlign" val="l"/>
-                        <dgm:param type="linDir" val="fromT"/>
-                      </dgm:alg>
-                    </dgm:if>
-                    <dgm:if name="Name130" func="var" arg="hierBranch" op="equ" val="hang">
-                      <dgm:choose name="Name131">
-                        <dgm:if name="Name132" func="var" arg="dir" op="equ" val="norm">
-                          <dgm:alg type="hierChild">
-                            <dgm:param type="chAlign" val="l"/>
-                            <dgm:param type="linDir" val="fromL"/>
-                            <dgm:param type="secChAlign" val="t"/>
-                            <dgm:param type="secLinDir" val="fromT"/>
-                          </dgm:alg>
-                        </dgm:if>
-                        <dgm:else name="Name133">
-                          <dgm:alg type="hierChild">
-                            <dgm:param type="chAlign" val="l"/>
-                            <dgm:param type="linDir" val="fromR"/>
-                            <dgm:param type="secChAlign" val="t"/>
-                            <dgm:param type="secLinDir" val="fromT"/>
-                          </dgm:alg>
-                        </dgm:else>
-                      </dgm:choose>
-                    </dgm:if>
-                    <dgm:if name="Name134" func="var" arg="hierBranch" op="equ" val="std">
-                      <dgm:choose name="Name135">
-                        <dgm:if name="Name136" func="var" arg="dir" op="equ" val="norm">
-                          <dgm:alg type="hierChild"/>
-                        </dgm:if>
-                        <dgm:else name="Name137">
-                          <dgm:alg type="hierChild">
-                            <dgm:param type="linDir" val="fromR"/>
-                          </dgm:alg>
-                        </dgm:else>
-                      </dgm:choose>
-                    </dgm:if>
-                    <dgm:if name="Name138" func="var" arg="hierBranch" op="equ" val="init">
-                      <dgm:choose name="Name139">
-                        <dgm:if name="Name140" axis="des" func="maxDepth" op="lte" val="1">
-                          <dgm:alg type="hierChild">
-                            <dgm:param type="chAlign" val="l"/>
-                            <dgm:param type="linDir" val="fromT"/>
-                          </dgm:alg>
-                        </dgm:if>
-                        <dgm:else name="Name141">
-                          <dgm:alg type="hierChild"/>
-                        </dgm:else>
-                      </dgm:choose>
-                    </dgm:if>
-                    <dgm:else name="Name142"/>
-                  </dgm:choose>
-                  <dgm:shape xmlns:r="http://schemas.openxmlformats.org/officeDocument/2006/relationships" r:blip="">
-                    <dgm:adjLst/>
-                  </dgm:shape>
-                  <dgm:presOf/>
-                  <dgm:constrLst/>
-                  <dgm:ruleLst/>
-                  <dgm:forEach name="Name143" ref="rep2a"/>
-                </dgm:layoutNode>
-                <dgm:layoutNode name="hierChild7">
-                  <dgm:choose name="Name144">
-                    <dgm:if name="Name145" func="var" arg="dir" op="equ" val="norm">
-                      <dgm:alg type="hierChild">
-                        <dgm:param type="chAlign" val="l"/>
-                        <dgm:param type="linDir" val="fromL"/>
-                        <dgm:param type="secChAlign" val="t"/>
-                        <dgm:param type="secLinDir" val="fromT"/>
-                      </dgm:alg>
-                    </dgm:if>
-                    <dgm:else name="Name146">
-                      <dgm:alg type="hierChild">
-                        <dgm:param type="chAlign" val="l"/>
-                        <dgm:param type="linDir" val="fromR"/>
-                        <dgm:param type="secChAlign" val="t"/>
-                        <dgm:param type="secLinDir" val="fromT"/>
-                      </dgm:alg>
-                    </dgm:else>
-                  </dgm:choose>
-                  <dgm:shape xmlns:r="http://schemas.openxmlformats.org/officeDocument/2006/relationships" r:blip="">
-                    <dgm:adjLst/>
-                  </dgm:shape>
-                  <dgm:presOf/>
-                  <dgm:constrLst/>
-                  <dgm:ruleLst/>
-                  <dgm:forEach name="Name147" ref="rep2b"/>
-                </dgm:layoutNode>
-              </dgm:layoutNode>
-            </dgm:forEach>
-          </dgm:layoutNode>
-        </dgm:layoutNode>
-      </dgm:forEach>
-    </dgm:forEach>
-  </dgm:layoutNode>
-</dgm:layoutDef>
-</file>
-
 <file path=ppt/diagrams/quickStyle1.xml><?xml version="1.0" encoding="utf-8"?>
-<dgm:styleDef xmlns:dgm="http://schemas.openxmlformats.org/drawingml/2006/diagram" xmlns:a="http://schemas.openxmlformats.org/drawingml/2006/main" uniqueId="urn:microsoft.com/office/officeart/2005/8/quickstyle/simple1">
-  <dgm:title val=""/>
-  <dgm:desc val=""/>
-  <dgm:catLst>
-    <dgm:cat type="simple" pri="10100"/>
-  </dgm:catLst>
-  <dgm:scene3d>
-    <a:camera prst="orthographicFront"/>
-    <a:lightRig rig="threePt" dir="t"/>
-  </dgm:scene3d>
-  <dgm:styleLbl name="node0">
-    <dgm:scene3d>
-      <a:camera prst="orthographicFront"/>
-      <a:lightRig rig="threePt" dir="t"/>
-    </dgm:scene3d>
-    <dgm:sp3d/>
-    <dgm:txPr/>
-    <dgm:style>
-      <a:lnRef idx="2">
-        <a:scrgbClr r="0" g="0" b="0"/>
-      </a:lnRef>
-      <a:fillRef idx="1">
-        <a:scrgbClr r="0" g="0" b="0"/>
-      </a:fillRef>
-      <a:effectRef idx="0">
-        <a:scrgbClr r="0" g="0" b="0"/>
-      </a:effectRef>
-      <a:fontRef idx="minor">
-        <a:schemeClr val="lt1"/>
-      </a:fontRef>
-    </dgm:style>
-  </dgm:styleLbl>
-  <dgm:styleLbl name="lnNode1">
-    <dgm:scene3d>
-      <a:camera prst="orthographicFront"/>
-      <a:lightRig rig="threePt" dir="t"/>
-    </dgm:scene3d>
-    <dgm:sp3d/>
-    <dgm:txPr/>
-    <dgm:style>
-      <a:lnRef idx="2">
-        <a:scrgbClr r="0" g="0" b="0"/>
-      </a:lnRef>
-      <a:fillRef idx="1">
-        <a:scrgbClr r="0" g="0" b="0"/>
-      </a:fillRef>
-      <a:effectRef idx="0">
-        <a:scrgbClr r="0" g="0" b="0"/>
-      </a:effectRef>
-      <a:fontRef idx="minor">
-        <a:schemeClr val="lt1"/>
-      </a:fontRef>
-    </dgm:style>
-  </dgm:styleLbl>
-  <dgm:styleLbl name="vennNode1">
-    <dgm:scene3d>
-      <a:camera prst="orthographicFront"/>
-      <a:lightRig rig="threePt" dir="t"/>
-    </dgm:scene3d>
-    <dgm:sp3d/>
-    <dgm:txPr/>
-    <dgm:style>
-      <a:lnRef idx="2">
-        <a:scrgbClr r="0" g="0" b="0"/>
-      </a:lnRef>
-      <a:fillRef idx="1">
-        <a:scrgbClr r="0" g="0" b="0"/>
-      </a:fillRef>
-      <a:effectRef idx="0">
-        <a:scrgbClr r="0" g="0" b="0"/>
-      </a:effectRef>
-      <a:fontRef idx="minor">
-        <a:schemeClr val="tx1"/>
-      </a:fontRef>
-    </dgm:style>
-  </dgm:styleLbl>
-  <dgm:styleLbl name="alignNode1">
-    <dgm:scene3d>
-      <a:camera prst="orthographicFront"/>
-      <a:lightRig rig="threePt" dir="t"/>
-    </dgm:scene3d>
-    <dgm:sp3d/>
-    <dgm:txPr/>
-    <dgm:style>
-      <a:lnRef idx="2">
-        <a:scrgbClr r="0" g="0" b="0"/>
-      </a:lnRef>
-      <a:fillRef idx="1">
-        <a:scrgbClr r="0" g="0" b="0"/>
-      </a:fillRef>
-      <a:effectRef idx="0">
-        <a:scrgbClr r="0" g="0" b="0"/>
-      </a:effectRef>
-      <a:fontRef idx="minor">
-        <a:schemeClr val="lt1"/>
-      </a:fontRef>
-    </dgm:style>
-  </dgm:styleLbl>
-  <dgm:styleLbl name="node1">
-    <dgm:scene3d>
-      <a:camera prst="orthographicFront"/>
-      <a:lightRig rig="threePt" dir="t"/>
-    </dgm:scene3d>
-    <dgm:sp3d/>
-    <dgm:txPr/>
-    <dgm:style>
-      <a:lnRef idx="2">
-        <a:scrgbClr r="0" g="0" b="0"/>
-      </a:lnRef>
-      <a:fillRef idx="1">
-        <a:scrgbClr r="0" g="0" b="0"/>
-      </a:fillRef>
-      <a:effectRef idx="0">
-        <a:scrgbClr r="0" g="0" b="0"/>
-      </a:effectRef>
-      <a:fontRef idx="minor">
-        <a:schemeClr val="lt1"/>
-      </a:fontRef>
-    </dgm:style>
-  </dgm:styleLbl>
-  <dgm:styleLbl name="node2">
-    <dgm:scene3d>
-      <a:camera prst="orthographicFront"/>
-      <a:lightRig rig="threePt" dir="t"/>
-    </dgm:scene3d>
-    <dgm:sp3d/>
-    <dgm:txPr/>
-    <dgm:style>
-      <a:lnRef idx="2">
-        <a:scrgbClr r="0" g="0" b="0"/>
-      </a:lnRef>
-      <a:fillRef idx="1">
-        <a:scrgbClr r="0" g="0" b="0"/>
-      </a:fillRef>
-      <a:effectRef idx="0">
-        <a:scrgbClr r="0" g="0" b="0"/>
-      </a:effectRef>
-      <a:fontRef idx="minor">
-        <a:schemeClr val="lt1"/>
-      </a:fontRef>
-    </dgm:style>
-  </dgm:styleLbl>
-  <dgm:styleLbl name="node3">
-    <dgm:scene3d>
-      <a:camera prst="orthographicFront"/>
-      <a:lightRig rig="threePt" dir="t"/>
-    </dgm:scene3d>
-    <dgm:sp3d/>
-    <dgm:txPr/>
-    <dgm:style>
-      <a:lnRef idx="2">
-        <a:scrgbClr r="0" g="0" b="0"/>
-      </a:lnRef>
-      <a:fillRef idx="1">
-        <a:scrgbClr r="0" g="0" b="0"/>
-      </a:fillRef>
-      <a:effectRef idx="0">
-        <a:scrgbClr r="0" g="0" b="0"/>
-      </a:effectRef>
-      <a:fontRef idx="minor">
-        <a:schemeClr val="lt1"/>
-      </a:fontRef>
-    </dgm:style>
-  </dgm:styleLbl>
-  <dgm:styleLbl name="node4">
-    <dgm:scene3d>
-      <a:camera prst="orthographicFront"/>
-      <a:lightRig rig="threePt" dir="t"/>
-    </dgm:scene3d>
-    <dgm:sp3d/>
-    <dgm:txPr/>
-    <dgm:style>
-      <a:lnRef idx="2">
-        <a:scrgbClr r="0" g="0" b="0"/>
-      </a:lnRef>
-      <a:fillRef idx="1">
-        <a:scrgbClr r="0" g="0" b="0"/>
-      </a:fillRef>
-      <a:effectRef idx="0">
-        <a:scrgbClr r="0" g="0" b="0"/>
-      </a:effectRef>
-      <a:fontRef idx="minor">
-        <a:schemeClr val="lt1"/>
-      </a:fontRef>
-    </dgm:style>
-  </dgm:styleLbl>
-  <dgm:styleLbl name="fgImgPlace1">
-    <dgm:scene3d>
-      <a:camera prst="orthographicFront"/>
-      <a:lightRig rig="threePt" dir="t"/>
-    </dgm:scene3d>
-    <dgm:sp3d/>
-    <dgm:txPr/>
-    <dgm:style>
-      <a:lnRef idx="2">
-        <a:scrgbClr r="0" g="0" b="0"/>
-      </a:lnRef>
-      <a:fillRef idx="1">
-        <a:scrgbClr r="0" g="0" b="0"/>
-      </a:fillRef>
-      <a:effectRef idx="0">
-        <a:scrgbClr r="0" g="0" b="0"/>
-      </a:effectRef>
-      <a:fontRef idx="minor"/>
-    </dgm:style>
-  </dgm:styleLbl>
-  <dgm:styleLbl name="alignImgPlace1">
-    <dgm:scene3d>
-      <a:camera prst="orthographicFront"/>
-      <a:lightRig rig="threePt" dir="t"/>
-    </dgm:scene3d>
-    <dgm:sp3d/>
-    <dgm:txPr/>
-    <dgm:style>
-      <a:lnRef idx="2">
-        <a:scrgbClr r="0" g="0" b="0"/>
-      </a:lnRef>
-      <a:fillRef idx="1">
-        <a:scrgbClr r="0" g="0" b="0"/>
-      </a:fillRef>
-      <a:effectRef idx="0">
-        <a:scrgbClr r="0" g="0" b="0"/>
-      </a:effectRef>
-      <a:fontRef idx="minor"/>
-    </dgm:style>
-  </dgm:styleLbl>
-  <dgm:styleLbl name="bgImgPlace1">
-    <dgm:scene3d>
-      <a:camera prst="orthographicFront"/>
-      <a:lightRig rig="threePt" dir="t"/>
-    </dgm:scene3d>
-    <dgm:sp3d/>
-    <dgm:txPr/>
-    <dgm:style>
-      <a:lnRef idx="2">
-        <a:scrgbClr r="0" g="0" b="0"/>
-      </a:lnRef>
-      <a:fillRef idx="1">
-        <a:scrgbClr r="0" g="0" b="0"/>
-      </a:fillRef>
-      <a:effectRef idx="0">
-        <a:scrgbClr r="0" g="0" b="0"/>
-      </a:effectRef>
-      <a:fontRef idx="minor"/>
-    </dgm:style>
-  </dgm:styleLbl>
-  <dgm:styleLbl name="sibTrans2D1">
-    <dgm:scene3d>
-      <a:camera prst="orthographicFront"/>
-      <a:lightRig rig="threePt" dir="t"/>
-    </dgm:scene3d>
-    <dgm:sp3d/>
-    <dgm:txPr/>
-    <dgm:style>
-      <a:lnRef idx="0">
-        <a:scrgbClr r="0" g="0" b="0"/>
-      </a:lnRef>
-      <a:fillRef idx="1">
-        <a:scrgbClr r="0" g="0" b="0"/>
-      </a:fillRef>
-      <a:effectRef idx="0">
-        <a:scrgbClr r="0" g="0" b="0"/>
-      </a:effectRef>
-      <a:fontRef idx="minor">
-        <a:schemeClr val="lt1"/>
-      </a:fontRef>
-    </dgm:style>
-  </dgm:styleLbl>
-  <dgm:styleLbl name="fgSibTrans2D1">
-    <dgm:scene3d>
-      <a:camera prst="orthographicFront"/>
-      <a:lightRig rig="threePt" dir="t"/>
-    </dgm:scene3d>
-    <dgm:sp3d/>
-    <dgm:txPr/>
-    <dgm:style>
-      <a:lnRef idx="0">
-        <a:scrgbClr r="0" g="0" b="0"/>
-      </a:lnRef>
-      <a:fillRef idx="1">
-        <a:scrgbClr r="0" g="0" b="0"/>
-      </a:fillRef>
-      <a:effectRef idx="0">
-        <a:scrgbClr r="0" g="0" b="0"/>
-      </a:effectRef>
-      <a:fontRef idx="minor">
-        <a:schemeClr val="lt1"/>
-      </a:fontRef>
-    </dgm:style>
-  </dgm:styleLbl>
-  <dgm:styleLbl name="bgSibTrans2D1">
-    <dgm:scene3d>
-      <a:camera prst="orthographicFront"/>
-      <a:lightRig rig="threePt" dir="t"/>
-    </dgm:scene3d>
-    <dgm:sp3d/>
-    <dgm:txPr/>
-    <dgm:style>
-      <a:lnRef idx="0">
-        <a:scrgbClr r="0" g="0" b="0"/>
-      </a:lnRef>
-      <a:fillRef idx="1">
-        <a:scrgbClr r="0" g="0" b="0"/>
-      </a:fillRef>
-      <a:effectRef idx="0">
-        <a:scrgbClr r="0" g="0" b="0"/>
-      </a:effectRef>
-      <a:fontRef idx="minor">
-        <a:schemeClr val="lt1"/>
-      </a:fontRef>
-    </dgm:style>
-  </dgm:styleLbl>
-  <dgm:styleLbl name="sibTrans1D1">
-    <dgm:scene3d>
-      <a:camera prst="orthographicFront"/>
-      <a:lightRig rig="threePt" dir="t"/>
-    </dgm:scene3d>
-    <dgm:sp3d/>
-    <dgm:txPr/>
-    <dgm:style>
-      <a:lnRef idx="1">
-        <a:scrgbClr r="0" g="0" b="0"/>
-      </a:lnRef>
-      <a:fillRef idx="0">
-        <a:scrgbClr r="0" g="0" b="0"/>
-      </a:fillRef>
-      <a:effectRef idx="0">
-        <a:scrgbClr r="0" g="0" b="0"/>
-      </a:effectRef>
-      <a:fontRef idx="minor"/>
-    </dgm:style>
-  </dgm:styleLbl>
-  <dgm:styleLbl name="callout">
-    <dgm:scene3d>
-      <a:camera prst="orthographicFront"/>
-      <a:lightRig rig="threePt" dir="t"/>
-    </dgm:scene3d>
-    <dgm:sp3d/>
-    <dgm:txPr/>
-    <dgm:style>
-      <a:lnRef idx="2">
-        <a:scrgbClr r="0" g="0" b="0"/>
-      </a:lnRef>
-      <a:fillRef idx="1">
-        <a:scrgbClr r="0" g="0" b="0"/>
-      </a:fillRef>
-      <a:effectRef idx="0">
-        <a:scrgbClr r="0" g="0" b="0"/>
-      </a:effectRef>
-      <a:fontRef idx="minor"/>
-    </dgm:style>
-  </dgm:styleLbl>
-  <dgm:styleLbl name="asst0">
-    <dgm:scene3d>
-      <a:camera prst="orthographicFront"/>
-      <a:lightRig rig="threePt" dir="t"/>
-    </dgm:scene3d>
-    <dgm:sp3d/>
-    <dgm:txPr/>
-    <dgm:style>
-      <a:lnRef idx="2">
-        <a:scrgbClr r="0" g="0" b="0"/>
-      </a:lnRef>
-      <a:fillRef idx="1">
-        <a:scrgbClr r="0" g="0" b="0"/>
-      </a:fillRef>
-      <a:effectRef idx="0">
-        <a:scrgbClr r="0" g="0" b="0"/>
-      </a:effectRef>
-      <a:fontRef idx="minor">
-        <a:schemeClr val="lt1"/>
-      </a:fontRef>
-    </dgm:style>
-  </dgm:styleLbl>
-  <dgm:styleLbl name="asst1">
-    <dgm:scene3d>
-      <a:camera prst="orthographicFront"/>
-      <a:lightRig rig="threePt" dir="t"/>
-    </dgm:scene3d>
-    <dgm:sp3d/>
-    <dgm:txPr/>
-    <dgm:style>
-      <a:lnRef idx="2">
-        <a:scrgbClr r="0" g="0" b="0"/>
-      </a:lnRef>
-      <a:fillRef idx="1">
-        <a:scrgbClr r="0" g="0" b="0"/>
-      </a:fillRef>
-      <a:effectRef idx="0">
-        <a:scrgbClr r="0" g="0" b="0"/>
-      </a:effectRef>
-      <a:fontRef idx="minor">
-        <a:schemeClr val="lt1"/>
-      </a:fontRef>
-    </dgm:style>
-  </dgm:styleLbl>
-  <dgm:styleLbl name="asst2">
-    <dgm:scene3d>
-      <a:camera prst="orthographicFront"/>
-      <a:lightRig rig="threePt" dir="t"/>
-    </dgm:scene3d>
-    <dgm:sp3d/>
-    <dgm:txPr/>
-    <dgm:style>
-      <a:lnRef idx="2">
-        <a:scrgbClr r="0" g="0" b="0"/>
-      </a:lnRef>
-      <a:fillRef idx="1">
-        <a:scrgbClr r="0" g="0" b="0"/>
-      </a:fillRef>
-      <a:effectRef idx="0">
-        <a:scrgbClr r="0" g="0" b="0"/>
-      </a:effectRef>
-      <a:fontRef idx="minor">
-        <a:schemeClr val="lt1"/>
-      </a:fontRef>
-    </dgm:style>
-  </dgm:styleLbl>
-  <dgm:styleLbl name="asst3">
-    <dgm:scene3d>
-      <a:camera prst="orthographicFront"/>
-      <a:lightRig rig="threePt" dir="t"/>
-    </dgm:scene3d>
-    <dgm:sp3d/>
-    <dgm:txPr/>
-    <dgm:style>
-      <a:lnRef idx="2">
-        <a:scrgbClr r="0" g="0" b="0"/>
-      </a:lnRef>
-      <a:fillRef idx="1">
-        <a:scrgbClr r="0" g="0" b="0"/>
-      </a:fillRef>
-      <a:effectRef idx="0">
-        <a:scrgbClr r="0" g="0" b="0"/>
-      </a:effectRef>
-      <a:fontRef idx="minor">
-        <a:schemeClr val="lt1"/>
-      </a:fontRef>
-    </dgm:style>
-  </dgm:styleLbl>
-  <dgm:styleLbl name="asst4">
-    <dgm:scene3d>
-      <a:camera prst="orthographicFront"/>
-      <a:lightRig rig="threePt" dir="t"/>
-    </dgm:scene3d>
-    <dgm:sp3d/>
-    <dgm:txPr/>
-    <dgm:style>
-      <a:lnRef idx="2">
-        <a:scrgbClr r="0" g="0" b="0"/>
-      </a:lnRef>
-      <a:fillRef idx="1">
-        <a:scrgbClr r="0" g="0" b="0"/>
-      </a:fillRef>
-      <a:effectRef idx="0">
-        <a:scrgbClr r="0" g="0" b="0"/>
-      </a:effectRef>
-      <a:fontRef idx="minor">
-        <a:schemeClr val="lt1"/>
-      </a:fontRef>
-    </dgm:style>
-  </dgm:styleLbl>
-  <dgm:styleLbl name="parChTrans2D1">
-    <dgm:scene3d>
-      <a:camera prst="orthographicFront"/>
-      <a:lightRig rig="threePt" dir="t"/>
-    </dgm:scene3d>
-    <dgm:sp3d/>
-    <dgm:txPr/>
-    <dgm:style>
-      <a:lnRef idx="2">
-        <a:scrgbClr r="0" g="0" b="0"/>
-      </a:lnRef>
-      <a:fillRef idx="1">
-        <a:scrgbClr r="0" g="0" b="0"/>
-      </a:fillRef>
-      <a:effectRef idx="0">
-        <a:scrgbClr r="0" g="0" b="0"/>
-      </a:effectRef>
-      <a:fontRef idx="minor">
-        <a:schemeClr val="lt1"/>
-      </a:fontRef>
-    </dgm:style>
-  </dgm:styleLbl>
-  <dgm:styleLbl name="parChTrans2D2">
-    <dgm:scene3d>
-      <a:camera prst="orthographicFront"/>
-      <a:lightRig rig="threePt" dir="t"/>
-    </dgm:scene3d>
-    <dgm:sp3d/>
-    <dgm:txPr/>
-    <dgm:style>
-      <a:lnRef idx="2">
-        <a:scrgbClr r="0" g="0" b="0"/>
-      </a:lnRef>
-      <a:fillRef idx="1">
-        <a:scrgbClr r="0" g="0" b="0"/>
-      </a:fillRef>
-      <a:effectRef idx="0">
-        <a:scrgbClr r="0" g="0" b="0"/>
-      </a:effectRef>
-      <a:fontRef idx="minor">
-        <a:schemeClr val="lt1"/>
-      </a:fontRef>
-    </dgm:style>
-  </dgm:styleLbl>
-  <dgm:styleLbl name="parChTrans2D3">
-    <dgm:scene3d>
-      <a:camera prst="orthographicFront"/>
-      <a:lightRig rig="threePt" dir="t"/>
-    </dgm:scene3d>
-    <dgm:sp3d/>
-    <dgm:txPr/>
-    <dgm:style>
-      <a:lnRef idx="2">
-        <a:scrgbClr r="0" g="0" b="0"/>
-      </a:lnRef>
-      <a:fillRef idx="1">
-        <a:scrgbClr r="0" g="0" b="0"/>
-      </a:fillRef>
-      <a:effectRef idx="0">
-        <a:scrgbClr r="0" g="0" b="0"/>
-      </a:effectRef>
-      <a:fontRef idx="minor">
-        <a:schemeClr val="lt1"/>
-      </a:fontRef>
-    </dgm:style>
-  </dgm:styleLbl>
-  <dgm:styleLbl name="parChTrans2D4">
-    <dgm:scene3d>
-      <a:camera prst="orthographicFront"/>
-      <a:lightRig rig="threePt" dir="t"/>
-    </dgm:scene3d>
-    <dgm:sp3d/>
-    <dgm:txPr/>
-    <dgm:style>
-      <a:lnRef idx="2">
-        <a:scrgbClr r="0" g="0" b="0"/>
-      </a:lnRef>
-      <a:fillRef idx="1">
-        <a:scrgbClr r="0" g="0" b="0"/>
-      </a:fillRef>
-      <a:effectRef idx="0">
-        <a:scrgbClr r="0" g="0" b="0"/>
-      </a:effectRef>
-      <a:fontRef idx="minor">
-        <a:schemeClr val="lt1"/>
-      </a:fontRef>
-    </dgm:style>
-  </dgm:styleLbl>
-  <dgm:styleLbl name="parChTrans1D1">
-    <dgm:scene3d>
-      <a:camera prst="orthographicFront"/>
-      <a:lightRig rig="threePt" dir="t"/>
-    </dgm:scene3d>
-    <dgm:sp3d/>
-    <dgm:txPr/>
-    <dgm:style>
-      <a:lnRef idx="2">
-        <a:scrgbClr r="0" g="0" b="0"/>
-      </a:lnRef>
-      <a:fillRef idx="0">
-        <a:scrgbClr r="0" g="0" b="0"/>
-      </a:fillRef>
-      <a:effectRef idx="0">
-        <a:scrgbClr r="0" g="0" b="0"/>
-      </a:effectRef>
-      <a:fontRef idx="minor"/>
-    </dgm:style>
-  </dgm:styleLbl>
-  <dgm:styleLbl name="parChTrans1D2">
-    <dgm:scene3d>
-      <a:camera prst="orthographicFront"/>
-      <a:lightRig rig="threePt" dir="t"/>
-    </dgm:scene3d>
-    <dgm:sp3d/>
-    <dgm:txPr/>
-    <dgm:style>
-      <a:lnRef idx="2">
-        <a:scrgbClr r="0" g="0" b="0"/>
-      </a:lnRef>
-      <a:fillRef idx="0">
-        <a:scrgbClr r="0" g="0" b="0"/>
-      </a:fillRef>
-      <a:effectRef idx="0">
-        <a:scrgbClr r="0" g="0" b="0"/>
-      </a:effectRef>
-      <a:fontRef idx="minor"/>
-    </dgm:style>
-  </dgm:styleLbl>
-  <dgm:styleLbl name="parChTrans1D3">
-    <dgm:scene3d>
-      <a:camera prst="orthographicFront"/>
-      <a:lightRig rig="threePt" dir="t"/>
-    </dgm:scene3d>
-    <dgm:sp3d/>
-    <dgm:txPr/>
-    <dgm:style>
-      <a:lnRef idx="2">
-        <a:scrgbClr r="0" g="0" b="0"/>
-      </a:lnRef>
-      <a:fillRef idx="0">
-        <a:scrgbClr r="0" g="0" b="0"/>
-      </a:fillRef>
-      <a:effectRef idx="0">
-        <a:scrgbClr r="0" g="0" b="0"/>
-      </a:effectRef>
-      <a:fontRef idx="minor"/>
-    </dgm:style>
-  </dgm:styleLbl>
-  <dgm:styleLbl name="parChTrans1D4">
-    <dgm:scene3d>
-      <a:camera prst="orthographicFront"/>
-      <a:lightRig rig="threePt" dir="t"/>
-    </dgm:scene3d>
-    <dgm:sp3d/>
-    <dgm:txPr/>
-    <dgm:style>
-      <a:lnRef idx="2">
-        <a:scrgbClr r="0" g="0" b="0"/>
-      </a:lnRef>
-      <a:fillRef idx="0">
-        <a:scrgbClr r="0" g="0" b="0"/>
-      </a:fillRef>
-      <a:effectRef idx="0">
-        <a:scrgbClr r="0" g="0" b="0"/>
-      </a:effectRef>
-      <a:fontRef idx="minor"/>
-    </dgm:style>
-  </dgm:styleLbl>
-  <dgm:styleLbl name="fgAcc1">
-    <dgm:scene3d>
-      <a:camera prst="orthographicFront"/>
-      <a:lightRig rig="threePt" dir="t"/>
-    </dgm:scene3d>
-    <dgm:sp3d/>
-    <dgm:txPr/>
-    <dgm:style>
-      <a:lnRef idx="2">
-        <a:scrgbClr r="0" g="0" b="0"/>
-      </a:lnRef>
-      <a:fillRef idx="1">
-        <a:scrgbClr r="0" g="0" b="0"/>
-      </a:fillRef>
-      <a:effectRef idx="0">
-        <a:scrgbClr r="0" g="0" b="0"/>
-      </a:effectRef>
-      <a:fontRef idx="minor"/>
-    </dgm:style>
-  </dgm:styleLbl>
-  <dgm:styleLbl name="conFgAcc1">
-    <dgm:scene3d>
-      <a:camera prst="orthographicFront"/>
-      <a:lightRig rig="threePt" dir="t"/>
-    </dgm:scene3d>
-    <dgm:sp3d/>
-    <dgm:txPr/>
-    <dgm:style>
-      <a:lnRef idx="2">
-        <a:scrgbClr r="0" g="0" b="0"/>
-      </a:lnRef>
-      <a:fillRef idx="1">
-        <a:scrgbClr r="0" g="0" b="0"/>
-      </a:fillRef>
-      <a:effectRef idx="0">
-        <a:scrgbClr r="0" g="0" b="0"/>
-      </a:effectRef>
-      <a:fontRef idx="minor"/>
-    </dgm:style>
-  </dgm:styleLbl>
-  <dgm:styleLbl name="alignAcc1">
-    <dgm:scene3d>
-      <a:camera prst="orthographicFront"/>
-      <a:lightRig rig="threePt" dir="t"/>
-    </dgm:scene3d>
-    <dgm:sp3d/>
-    <dgm:txPr/>
-    <dgm:style>
-      <a:lnRef idx="2">
-        <a:scrgbClr r="0" g="0" b="0"/>
-      </a:lnRef>
-      <a:fillRef idx="1">
-        <a:scrgbClr r="0" g="0" b="0"/>
-      </a:fillRef>
-      <a:effectRef idx="0">
-        <a:scrgbClr r="0" g="0" b="0"/>
-      </a:effectRef>
-      <a:fontRef idx="minor"/>
-    </dgm:style>
-  </dgm:styleLbl>
-  <dgm:styleLbl name="trAlignAcc1">
-    <dgm:scene3d>
-      <a:camera prst="orthographicFront"/>
-      <a:lightRig rig="threePt" dir="t"/>
-    </dgm:scene3d>
-    <dgm:sp3d/>
-    <dgm:txPr/>
-    <dgm:style>
-      <a:lnRef idx="1">
-        <a:scrgbClr r="0" g="0" b="0"/>
-      </a:lnRef>
-      <a:fillRef idx="1">
-        <a:scrgbClr r="0" g="0" b="0"/>
-      </a:fillRef>
-      <a:effectRef idx="0">
-        <a:scrgbClr r="0" g="0" b="0"/>
-      </a:effectRef>
-      <a:fontRef idx="minor"/>
-    </dgm:style>
-  </dgm:styleLbl>
-  <dgm:styleLbl name="bgAcc1">
-    <dgm:scene3d>
-      <a:camera prst="orthographicFront"/>
-      <a:lightRig rig="threePt" dir="t"/>
-    </dgm:scene3d>
-    <dgm:sp3d/>
-    <dgm:txPr/>
-    <dgm:style>
-      <a:lnRef idx="2">
-        <a:scrgbClr r="0" g="0" b="0"/>
-      </a:lnRef>
-      <a:fillRef idx="1">
-        <a:scrgbClr r="0" g="0" b="0"/>
-      </a:fillRef>
-      <a:effectRef idx="0">
-        <a:scrgbClr r="0" g="0" b="0"/>
-      </a:effectRef>
-      <a:fontRef idx="minor"/>
-    </dgm:style>
-  </dgm:styleLbl>
-  <dgm:styleLbl name="solidFgAcc1">
-    <dgm:scene3d>
-      <a:camera prst="orthographicFront"/>
-      <a:lightRig rig="threePt" dir="t"/>
-    </dgm:scene3d>
-    <dgm:sp3d/>
-    <dgm:txPr/>
-    <dgm:style>
-      <a:lnRef idx="2">
-        <a:scrgbClr r="0" g="0" b="0"/>
-      </a:lnRef>
-      <a:fillRef idx="1">
-        <a:scrgbClr r="0" g="0" b="0"/>
-      </a:fillRef>
-      <a:effectRef idx="0">
-        <a:scrgbClr r="0" g="0" b="0"/>
-      </a:effectRef>
-      <a:fontRef idx="minor"/>
-    </dgm:style>
-  </dgm:styleLbl>
-  <dgm:styleLbl name="solidAlignAcc1">
-    <dgm:scene3d>
-      <a:camera prst="orthographicFront"/>
-      <a:lightRig rig="threePt" dir="t"/>
-    </dgm:scene3d>
-    <dgm:sp3d/>
-    <dgm:txPr/>
-    <dgm:style>
-      <a:lnRef idx="2">
-        <a:scrgbClr r="0" g="0" b="0"/>
-      </a:lnRef>
-      <a:fillRef idx="1">
-        <a:scrgbClr r="0" g="0" b="0"/>
-      </a:fillRef>
-      <a:effectRef idx="0">
-        <a:scrgbClr r="0" g="0" b="0"/>
-      </a:effectRef>
-      <a:fontRef idx="minor"/>
-    </dgm:style>
-  </dgm:styleLbl>
-  <dgm:styleLbl name="solidBgAcc1">
-    <dgm:scene3d>
-      <a:camera prst="orthographicFront"/>
-      <a:lightRig rig="threePt" dir="t"/>
-    </dgm:scene3d>
-    <dgm:sp3d/>
-    <dgm:txPr/>
-    <dgm:style>
-      <a:lnRef idx="2">
-        <a:scrgbClr r="0" g="0" b="0"/>
-      </a:lnRef>
-      <a:fillRef idx="1">
-        <a:scrgbClr r="0" g="0" b="0"/>
-      </a:fillRef>
-      <a:effectRef idx="0">
-        <a:scrgbClr r="0" g="0" b="0"/>
-      </a:effectRef>
-      <a:fontRef idx="minor"/>
-    </dgm:style>
-  </dgm:styleLbl>
-  <dgm:styleLbl name="fgAccFollowNode1">
-    <dgm:scene3d>
-      <a:camera prst="orthographicFront"/>
-      <a:lightRig rig="threePt" dir="t"/>
-    </dgm:scene3d>
-    <dgm:sp3d/>
-    <dgm:txPr/>
-    <dgm:style>
-      <a:lnRef idx="2">
-        <a:scrgbClr r="0" g="0" b="0"/>
-      </a:lnRef>
-      <a:fillRef idx="1">
-        <a:scrgbClr r="0" g="0" b="0"/>
-      </a:fillRef>
-      <a:effectRef idx="0">
-        <a:scrgbClr r="0" g="0" b="0"/>
-      </a:effectRef>
-      <a:fontRef idx="minor"/>
-    </dgm:style>
-  </dgm:styleLbl>
-  <dgm:styleLbl name="alignAccFollowNode1">
-    <dgm:scene3d>
-      <a:camera prst="orthographicFront"/>
-      <a:lightRig rig="threePt" dir="t"/>
-    </dgm:scene3d>
-    <dgm:sp3d/>
-    <dgm:txPr/>
-    <dgm:style>
-      <a:lnRef idx="2">
-        <a:scrgbClr r="0" g="0" b="0"/>
-      </a:lnRef>
-      <a:fillRef idx="1">
-        <a:scrgbClr r="0" g="0" b="0"/>
-      </a:fillRef>
-      <a:effectRef idx="0">
-        <a:scrgbClr r="0" g="0" b="0"/>
-      </a:effectRef>
-      <a:fontRef idx="minor"/>
-    </dgm:style>
-  </dgm:styleLbl>
-  <dgm:styleLbl name="bgAccFollowNode1">
-    <dgm:scene3d>
-      <a:camera prst="orthographicFront"/>
-      <a:lightRig rig="threePt" dir="t"/>
-    </dgm:scene3d>
-    <dgm:sp3d/>
-    <dgm:txPr/>
-    <dgm:style>
-      <a:lnRef idx="2">
-        <a:scrgbClr r="0" g="0" b="0"/>
-      </a:lnRef>
-      <a:fillRef idx="1">
-        <a:scrgbClr r="0" g="0" b="0"/>
-      </a:fillRef>
-      <a:effectRef idx="0">
-        <a:scrgbClr r="0" g="0" b="0"/>
-      </a:effectRef>
-      <a:fontRef idx="minor"/>
-    </dgm:style>
-  </dgm:styleLbl>
-  <dgm:styleLbl name="fgAcc0">
-    <dgm:scene3d>
-      <a:camera prst="orthographicFront"/>
-      <a:lightRig rig="threePt" dir="t"/>
-    </dgm:scene3d>
-    <dgm:sp3d/>
-    <dgm:txPr/>
-    <dgm:style>
-      <a:lnRef idx="2">
-        <a:scrgbClr r="0" g="0" b="0"/>
-      </a:lnRef>
-      <a:fillRef idx="1">
-        <a:scrgbClr r="0" g="0" b="0"/>
-      </a:fillRef>
-      <a:effectRef idx="0">
-        <a:scrgbClr r="0" g="0" b="0"/>
-      </a:effectRef>
-      <a:fontRef idx="minor"/>
-    </dgm:style>
-  </dgm:styleLbl>
-  <dgm:styleLbl name="fgAcc2">
-    <dgm:scene3d>
-      <a:camera prst="orthographicFront"/>
-      <a:lightRig rig="threePt" dir="t"/>
-    </dgm:scene3d>
-    <dgm:sp3d/>
-    <dgm:txPr/>
-    <dgm:style>
-      <a:lnRef idx="2">
-        <a:scrgbClr r="0" g="0" b="0"/>
-      </a:lnRef>
-      <a:fillRef idx="1">
-        <a:scrgbClr r="0" g="0" b="0"/>
-      </a:fillRef>
-      <a:effectRef idx="0">
-        <a:scrgbClr r="0" g="0" b="0"/>
-      </a:effectRef>
-      <a:fontRef idx="minor"/>
-    </dgm:style>
-  </dgm:styleLbl>
-  <dgm:styleLbl name="fgAcc3">
-    <dgm:scene3d>
-      <a:camera prst="orthographicFront"/>
-      <a:lightRig rig="threePt" dir="t"/>
-    </dgm:scene3d>
-    <dgm:sp3d/>
-    <dgm:txPr/>
-    <dgm:style>
-      <a:lnRef idx="2">
-        <a:scrgbClr r="0" g="0" b="0"/>
-      </a:lnRef>
-      <a:fillRef idx="1">
-        <a:scrgbClr r="0" g="0" b="0"/>
-      </a:fillRef>
-      <a:effectRef idx="0">
-        <a:scrgbClr r="0" g="0" b="0"/>
-      </a:effectRef>
-      <a:fontRef idx="minor"/>
-    </dgm:style>
-  </dgm:styleLbl>
-  <dgm:styleLbl name="fgAcc4">
-    <dgm:scene3d>
-      <a:camera prst="orthographicFront"/>
-      <a:lightRig rig="threePt" dir="t"/>
-    </dgm:scene3d>
-    <dgm:sp3d/>
-    <dgm:txPr/>
-    <dgm:style>
-      <a:lnRef idx="2">
-        <a:scrgbClr r="0" g="0" b="0"/>
-      </a:lnRef>
-      <a:fillRef idx="1">
-        <a:scrgbClr r="0" g="0" b="0"/>
-      </a:fillRef>
-      <a:effectRef idx="0">
-        <a:scrgbClr r="0" g="0" b="0"/>
-      </a:effectRef>
-      <a:fontRef idx="minor"/>
-    </dgm:style>
-  </dgm:styleLbl>
-  <dgm:styleLbl name="bgShp">
-    <dgm:scene3d>
-      <a:camera prst="orthographicFront"/>
-      <a:lightRig rig="threePt" dir="t"/>
-    </dgm:scene3d>
-    <dgm:sp3d/>
-    <dgm:txPr/>
-    <dgm:style>
-      <a:lnRef idx="0">
-        <a:scrgbClr r="0" g="0" b="0"/>
-      </a:lnRef>
-      <a:fillRef idx="1">
-        <a:scrgbClr r="0" g="0" b="0"/>
-      </a:fillRef>
-      <a:effectRef idx="0">
-        <a:scrgbClr r="0" g="0" b="0"/>
-      </a:effectRef>
-      <a:fontRef idx="minor"/>
-    </dgm:style>
-  </dgm:styleLbl>
-  <dgm:styleLbl name="dkBgShp">
-    <dgm:scene3d>
-      <a:camera prst="orthographicFront"/>
-      <a:lightRig rig="threePt" dir="t"/>
-    </dgm:scene3d>
-    <dgm:sp3d/>
-    <dgm:txPr/>
-    <dgm:style>
-      <a:lnRef idx="0">
-        <a:scrgbClr r="0" g="0" b="0"/>
-      </a:lnRef>
-      <a:fillRef idx="1">
-        <a:scrgbClr r="0" g="0" b="0"/>
-      </a:fillRef>
-      <a:effectRef idx="0">
-        <a:scrgbClr r="0" g="0" b="0"/>
-      </a:effectRef>
-      <a:fontRef idx="minor"/>
-    </dgm:style>
-  </dgm:styleLbl>
-  <dgm:styleLbl name="trBgShp">
-    <dgm:scene3d>
-      <a:camera prst="orthographicFront"/>
-      <a:lightRig rig="threePt" dir="t"/>
-    </dgm:scene3d>
-    <dgm:sp3d/>
-    <dgm:txPr/>
-    <dgm:style>
-      <a:lnRef idx="0">
-        <a:scrgbClr r="0" g="0" b="0"/>
-      </a:lnRef>
-      <a:fillRef idx="1">
-        <a:scrgbClr r="0" g="0" b="0"/>
-      </a:fillRef>
-      <a:effectRef idx="0">
-        <a:scrgbClr r="0" g="0" b="0"/>
-      </a:effectRef>
-      <a:fontRef idx="minor"/>
-    </dgm:style>
-  </dgm:styleLbl>
-  <dgm:styleLbl name="fgShp">
-    <dgm:scene3d>
-      <a:camera prst="orthographicFront"/>
-      <a:lightRig rig="threePt" dir="t"/>
-    </dgm:scene3d>
-    <dgm:sp3d/>
-    <dgm:txPr/>
-    <dgm:style>
-      <a:lnRef idx="2">
-        <a:scrgbClr r="0" g="0" b="0"/>
-      </a:lnRef>
-      <a:fillRef idx="1">
-        <a:scrgbClr r="0" g="0" b="0"/>
-      </a:fillRef>
-      <a:effectRef idx="0">
-        <a:scrgbClr r="0" g="0" b="0"/>
-      </a:effectRef>
-      <a:fontRef idx="minor"/>
-    </dgm:style>
-  </dgm:styleLbl>
-  <dgm:styleLbl name="revTx">
-    <dgm:scene3d>
-      <a:camera prst="orthographicFront"/>
-      <a:lightRig rig="threePt" dir="t"/>
-    </dgm:scene3d>
-    <dgm:sp3d/>
-    <dgm:txPr/>
-    <dgm:style>
-      <a:lnRef idx="0">
-        <a:scrgbClr r="0" g="0" b="0"/>
-      </a:lnRef>
-      <a:fillRef idx="0">
-        <a:scrgbClr r="0" g="0" b="0"/>
-      </a:fillRef>
-      <a:effectRef idx="0">
-        <a:scrgbClr r="0" g="0" b="0"/>
-      </a:effectRef>
-      <a:fontRef idx="minor"/>
-    </dgm:style>
-  </dgm:styleLbl>
-</dgm:styleDef>
-</file>
-
-<file path=ppt/diagrams/quickStyle2.xml><?xml version="1.0" encoding="utf-8"?>
 <dgm:styleDef xmlns:dgm="http://schemas.openxmlformats.org/drawingml/2006/diagram" xmlns:a="http://schemas.openxmlformats.org/drawingml/2006/main" uniqueId="urn:microsoft.com/office/officeart/2005/8/quickstyle/simple1">
   <dgm:title val=""/>
   <dgm:desc val=""/>
@@ -7868,7 +4590,7 @@
             <a:fld id="{3603A3DC-285A-48EF-A6A9-13284B292DDB}" type="datetimeFigureOut">
               <a:rPr lang="en-US" smtClean="0"/>
               <a:pPr/>
-              <a:t>6/2/2015</a:t>
+              <a:t>6/30/2015</a:t>
             </a:fld>
             <a:endParaRPr lang="en-US" dirty="0"/>
           </a:p>
@@ -8400,44 +5122,16 @@
           <a:p>
             <a:r>
               <a:rPr lang="en-US" dirty="0" smtClean="0"/>
-              <a:t>The parallelization benefit comes from following the recommended methodology</a:t>
-            </a:r>
-            <a:r>
-              <a:rPr lang="en-US" baseline="0" dirty="0" smtClean="0"/>
-              <a:t> for revision control.  This methodology focuses on dependency management, leverages bottom up design and allows the launching of OOC runs in parallel.  There will be no runtime required to update things that don’t need to be updated.</a:t>
-            </a:r>
-            <a:endParaRPr lang="en-US" dirty="0"/>
-          </a:p>
-        </p:txBody>
-      </p:sp>
-      <p:sp>
-        <p:nvSpPr>
-          <p:cNvPr id="4" name="Slide Number Placeholder 3"/>
-          <p:cNvSpPr>
-            <a:spLocks noGrp="1"/>
-          </p:cNvSpPr>
-          <p:nvPr>
-            <p:ph type="sldNum" sz="quarter" idx="10"/>
-          </p:nvPr>
-        </p:nvSpPr>
-        <p:spPr>
-          <a:xfrm>
-            <a:off x="3970938" y="8829967"/>
-            <a:ext cx="3037840" cy="464820"/>
-          </a:xfrm>
-          <a:prstGeom prst="rect">
-            <a:avLst/>
-          </a:prstGeom>
-        </p:spPr>
-        <p:txBody>
-          <a:bodyPr/>
-          <a:lstStyle/>
-          <a:p>
-            <a:fld id="{76F0A2C8-C80D-4FA6-9395-33B607B809E4}" type="slidenum">
-              <a:rPr lang="en-US" smtClean="0"/>
-              <a:pPr/>
-              <a:t>3</a:t>
-            </a:fld>
+              <a:t>In this presentation we will cover methodology recommendations for using </a:t>
+            </a:r>
+            <a:r>
+              <a:rPr lang="en-US" dirty="0" err="1" smtClean="0"/>
+              <a:t>Vivado</a:t>
+            </a:r>
+            <a:r>
+              <a:rPr lang="en-US" dirty="0" smtClean="0"/>
+              <a:t> with revision control tools.  You will get some specific information about how to work efficiently with revision control tools and have the opportunity to set up a project and work with some of the basic tasks.</a:t>
+            </a:r>
             <a:endParaRPr lang="en-US" dirty="0"/>
           </a:p>
         </p:txBody>
@@ -8445,7 +5139,7 @@
     </p:spTree>
     <p:extLst>
       <p:ext uri="{BB962C8B-B14F-4D97-AF65-F5344CB8AC3E}">
-        <p14:creationId xmlns:p14="http://schemas.microsoft.com/office/powerpoint/2010/main" val="1494080339"/>
+        <p14:creationId xmlns:p14="http://schemas.microsoft.com/office/powerpoint/2010/main" val="746935166"/>
       </p:ext>
     </p:extLst>
   </p:cSld>
@@ -8499,6 +5193,72 @@
           <a:bodyPr/>
           <a:lstStyle/>
           <a:p>
+            <a:r>
+              <a:rPr lang="en-US" dirty="0" smtClean="0"/>
+              <a:t>Going down</a:t>
+            </a:r>
+            <a:r>
+              <a:rPr lang="en-US" baseline="0" dirty="0" smtClean="0"/>
+              <a:t> one level of abstraction deeper, this is how it would look with the recommended flow that allows maximum flexibility.</a:t>
+            </a:r>
+          </a:p>
+          <a:p>
+            <a:endParaRPr lang="en-US" baseline="0" dirty="0" smtClean="0"/>
+          </a:p>
+          <a:p>
+            <a:r>
+              <a:rPr lang="en-US" baseline="0" dirty="0" smtClean="0"/>
+              <a:t>The primary recommendation is to use TCL otherwise use the XPR.  Make sure to test the XPR to make sure data is not missed and to check relative paths</a:t>
+            </a:r>
+            <a:r>
+              <a:rPr lang="en-US" baseline="0" dirty="0" smtClean="0"/>
+              <a:t>.</a:t>
+            </a:r>
+          </a:p>
+          <a:p>
+            <a:endParaRPr lang="en-US" dirty="0"/>
+          </a:p>
+          <a:p>
+            <a:r>
+              <a:rPr lang="en-US" dirty="0" smtClean="0"/>
+              <a:t>We recommend checkin</a:t>
+            </a:r>
+            <a:r>
+              <a:rPr lang="en-US" dirty="0" smtClean="0"/>
+              <a:t>g in the entire directory structure for IP, BD, etc.  Trying to filter or limit the files will very likely corrupt the data and get you into trouble.</a:t>
+            </a:r>
+            <a:endParaRPr lang="en-US" dirty="0"/>
+          </a:p>
+        </p:txBody>
+      </p:sp>
+      <p:sp>
+        <p:nvSpPr>
+          <p:cNvPr id="4" name="Slide Number Placeholder 3"/>
+          <p:cNvSpPr>
+            <a:spLocks noGrp="1"/>
+          </p:cNvSpPr>
+          <p:nvPr>
+            <p:ph type="sldNum" sz="quarter" idx="10"/>
+          </p:nvPr>
+        </p:nvSpPr>
+        <p:spPr>
+          <a:xfrm>
+            <a:off x="3970938" y="8829967"/>
+            <a:ext cx="3037840" cy="464820"/>
+          </a:xfrm>
+          <a:prstGeom prst="rect">
+            <a:avLst/>
+          </a:prstGeom>
+        </p:spPr>
+        <p:txBody>
+          <a:bodyPr/>
+          <a:lstStyle/>
+          <a:p>
+            <a:fld id="{76F0A2C8-C80D-4FA6-9395-33B607B809E4}" type="slidenum">
+              <a:rPr lang="en-US" smtClean="0"/>
+              <a:pPr/>
+              <a:t>10</a:t>
+            </a:fld>
             <a:endParaRPr lang="en-US" dirty="0"/>
           </a:p>
         </p:txBody>
@@ -8506,7 +5266,7 @@
     </p:spTree>
     <p:extLst>
       <p:ext uri="{BB962C8B-B14F-4D97-AF65-F5344CB8AC3E}">
-        <p14:creationId xmlns:p14="http://schemas.microsoft.com/office/powerpoint/2010/main" val="2239137800"/>
+        <p14:creationId xmlns:p14="http://schemas.microsoft.com/office/powerpoint/2010/main" val="3490956274"/>
       </p:ext>
     </p:extLst>
   </p:cSld>
@@ -8562,38 +5322,12 @@
           <a:p>
             <a:r>
               <a:rPr lang="en-US" dirty="0" smtClean="0"/>
-              <a:t>Diff/merge tools from revision control</a:t>
-            </a:r>
-          </a:p>
-          <a:p>
-            <a:pPr lvl="1"/>
-            <a:r>
-              <a:rPr lang="en-US" dirty="0" smtClean="0"/>
-              <a:t>Scripts to recursively check in/out directories</a:t>
-            </a:r>
-          </a:p>
-          <a:p>
-            <a:pPr lvl="1"/>
-            <a:r>
-              <a:rPr lang="en-US" dirty="0" smtClean="0"/>
-              <a:t>Diff versions and staged changes</a:t>
-            </a:r>
-          </a:p>
-          <a:p>
-            <a:pPr lvl="1"/>
-            <a:r>
-              <a:rPr lang="en-US" dirty="0" smtClean="0"/>
-              <a:t>Report changes between versions</a:t>
-            </a:r>
-          </a:p>
-          <a:p>
-            <a:pPr lvl="1"/>
-            <a:r>
-              <a:rPr lang="en-US" dirty="0" smtClean="0"/>
-              <a:t>Back out and revert committed changes</a:t>
-            </a:r>
-          </a:p>
-          <a:p>
+              <a:t>Manage any</a:t>
+            </a:r>
+            <a:r>
+              <a:rPr lang="en-US" baseline="0" dirty="0" smtClean="0"/>
+              <a:t> handoff files.</a:t>
+            </a:r>
             <a:endParaRPr lang="en-US" dirty="0"/>
           </a:p>
         </p:txBody>
@@ -8601,7 +5335,7 @@
     </p:spTree>
     <p:extLst>
       <p:ext uri="{BB962C8B-B14F-4D97-AF65-F5344CB8AC3E}">
-        <p14:creationId xmlns:p14="http://schemas.microsoft.com/office/powerpoint/2010/main" val="429919711"/>
+        <p14:creationId xmlns:p14="http://schemas.microsoft.com/office/powerpoint/2010/main" val="1329042634"/>
       </p:ext>
     </p:extLst>
   </p:cSld>
@@ -8655,38 +5389,105 @@
           <a:bodyPr/>
           <a:lstStyle/>
           <a:p>
-            <a:endParaRPr lang="en-US"/>
-          </a:p>
-        </p:txBody>
-      </p:sp>
-      <p:sp>
-        <p:nvSpPr>
-          <p:cNvPr id="4" name="Slide Number Placeholder 3"/>
-          <p:cNvSpPr>
-            <a:spLocks noGrp="1"/>
-          </p:cNvSpPr>
-          <p:nvPr>
-            <p:ph type="sldNum" sz="quarter" idx="10"/>
-          </p:nvPr>
-        </p:nvSpPr>
-        <p:spPr>
-          <a:xfrm>
-            <a:off x="3970938" y="8829967"/>
-            <a:ext cx="3037840" cy="464820"/>
-          </a:xfrm>
-          <a:prstGeom prst="rect">
-            <a:avLst/>
-          </a:prstGeom>
-        </p:spPr>
-        <p:txBody>
-          <a:bodyPr/>
-          <a:lstStyle/>
-          <a:p>
-            <a:fld id="{76F0A2C8-C80D-4FA6-9395-33B607B809E4}" type="slidenum">
-              <a:rPr lang="en-US" smtClean="0"/>
-              <a:pPr/>
-              <a:t>17</a:t>
-            </a:fld>
+            <a:r>
+              <a:rPr lang="en-US" dirty="0" smtClean="0"/>
+              <a:t>If you must try to check in minimum data and recreat</a:t>
+            </a:r>
+            <a:r>
+              <a:rPr lang="en-US" dirty="0" smtClean="0"/>
+              <a:t>e everything – you will need something to create the project (either the </a:t>
+            </a:r>
+            <a:r>
+              <a:rPr lang="en-US" dirty="0" err="1" smtClean="0"/>
+              <a:t>xpr</a:t>
+            </a:r>
+            <a:r>
+              <a:rPr lang="en-US" dirty="0" smtClean="0"/>
+              <a:t> file </a:t>
+            </a:r>
+            <a:r>
+              <a:rPr lang="en-US" dirty="0" err="1" smtClean="0"/>
+              <a:t>itseld</a:t>
+            </a:r>
+            <a:r>
+              <a:rPr lang="en-US" dirty="0" smtClean="0"/>
+              <a:t> or a </a:t>
+            </a:r>
+            <a:r>
+              <a:rPr lang="en-US" dirty="0" err="1" smtClean="0"/>
+              <a:t>Tcl</a:t>
+            </a:r>
+            <a:r>
+              <a:rPr lang="en-US" dirty="0" smtClean="0"/>
+              <a:t> script to create the project).  You will need the primary sources such as HDL files, constraints.  And you will need the minimum files to recreate the IP which is the .xci file by itself.  For IPI, you will need just the .</a:t>
+            </a:r>
+            <a:r>
+              <a:rPr lang="en-US" dirty="0" err="1" smtClean="0"/>
+              <a:t>bd</a:t>
+            </a:r>
+            <a:r>
+              <a:rPr lang="en-US" dirty="0" smtClean="0"/>
+              <a:t> file.  </a:t>
+            </a:r>
+          </a:p>
+          <a:p>
+            <a:endParaRPr lang="en-US" dirty="0"/>
+          </a:p>
+          <a:p>
+            <a:r>
+              <a:rPr lang="en-US" dirty="0" smtClean="0"/>
+              <a:t>Note that </a:t>
+            </a:r>
+            <a:r>
+              <a:rPr lang="en-US" dirty="0" err="1" smtClean="0"/>
+              <a:t>vivado</a:t>
+            </a:r>
+            <a:r>
+              <a:rPr lang="en-US" dirty="0" smtClean="0"/>
+              <a:t> needs write permission to create the content you didn’t check in to revision control – and it will try to do that in the same location as the xci/</a:t>
+            </a:r>
+            <a:r>
+              <a:rPr lang="en-US" dirty="0" err="1" smtClean="0"/>
+              <a:t>bd</a:t>
+            </a:r>
+            <a:r>
+              <a:rPr lang="en-US" dirty="0" smtClean="0"/>
+              <a:t> file.  So if you elect minimum files, and check in only the xci/</a:t>
+            </a:r>
+            <a:r>
+              <a:rPr lang="en-US" dirty="0" err="1" smtClean="0"/>
+              <a:t>bd</a:t>
+            </a:r>
+            <a:r>
+              <a:rPr lang="en-US" dirty="0" smtClean="0"/>
+              <a:t> files your script for creating the top level project should copy them into the project – where they can be generated without running into issues with permission inside the repository.</a:t>
+            </a:r>
+            <a:endParaRPr lang="en-US" dirty="0" smtClean="0"/>
+          </a:p>
+          <a:p>
+            <a:endParaRPr lang="en-US" dirty="0"/>
+          </a:p>
+          <a:p>
+            <a:r>
+              <a:rPr lang="en-US" dirty="0" smtClean="0"/>
+              <a:t>Note </a:t>
+            </a:r>
+            <a:r>
+              <a:rPr lang="en-US" dirty="0" smtClean="0"/>
+              <a:t>that some IP have side files – Block</a:t>
+            </a:r>
+            <a:r>
+              <a:rPr lang="en-US" baseline="0" dirty="0" smtClean="0"/>
+              <a:t> Memory Generator, </a:t>
+            </a:r>
+            <a:r>
+              <a:rPr lang="en-US" baseline="0" dirty="0" err="1" smtClean="0"/>
+              <a:t>SysMon</a:t>
+            </a:r>
+            <a:r>
+              <a:rPr lang="en-US" baseline="0" dirty="0" smtClean="0"/>
+              <a:t> and FIR Compiler, for example.</a:t>
+            </a:r>
             <a:endParaRPr lang="en-US" dirty="0"/>
           </a:p>
         </p:txBody>
@@ -8694,7 +5495,7 @@
     </p:spTree>
     <p:extLst>
       <p:ext uri="{BB962C8B-B14F-4D97-AF65-F5344CB8AC3E}">
-        <p14:creationId xmlns:p14="http://schemas.microsoft.com/office/powerpoint/2010/main" val="405363335"/>
+        <p14:creationId xmlns:p14="http://schemas.microsoft.com/office/powerpoint/2010/main" val="3201055803"/>
       </p:ext>
     </p:extLst>
   </p:cSld>
@@ -8750,44 +5551,42 @@
           <a:p>
             <a:r>
               <a:rPr lang="en-US" dirty="0" smtClean="0"/>
-              <a:t>You must do the pre-work before attempting</a:t>
-            </a:r>
-            <a:r>
-              <a:rPr lang="en-US" baseline="0" dirty="0" smtClean="0"/>
-              <a:t> this lab.</a:t>
-            </a:r>
+              <a:t>Similar concepts with HLS source and custom packaged IP, and System Generator custom IP.</a:t>
+            </a:r>
+          </a:p>
+          <a:p>
             <a:endParaRPr lang="en-US" dirty="0"/>
           </a:p>
-        </p:txBody>
-      </p:sp>
-      <p:sp>
-        <p:nvSpPr>
-          <p:cNvPr id="4" name="Slide Number Placeholder 3"/>
-          <p:cNvSpPr>
-            <a:spLocks noGrp="1"/>
-          </p:cNvSpPr>
-          <p:nvPr>
-            <p:ph type="sldNum" sz="quarter" idx="10"/>
-          </p:nvPr>
-        </p:nvSpPr>
-        <p:spPr>
-          <a:xfrm>
-            <a:off x="3970938" y="8829967"/>
-            <a:ext cx="3037840" cy="464820"/>
-          </a:xfrm>
-          <a:prstGeom prst="rect">
-            <a:avLst/>
-          </a:prstGeom>
-        </p:spPr>
-        <p:txBody>
-          <a:bodyPr/>
-          <a:lstStyle/>
-          <a:p>
-            <a:fld id="{76F0A2C8-C80D-4FA6-9395-33B607B809E4}" type="slidenum">
-              <a:rPr lang="en-US" smtClean="0"/>
-              <a:pPr/>
-              <a:t>23</a:t>
-            </a:fld>
+          <a:p>
+            <a:r>
+              <a:rPr lang="en-US" dirty="0" smtClean="0"/>
+              <a:t>Scripts and other documentation collateral should also be managed in rev. ctrl.</a:t>
+            </a:r>
+          </a:p>
+          <a:p>
+            <a:endParaRPr lang="en-US" dirty="0"/>
+          </a:p>
+          <a:p>
+            <a:r>
+              <a:rPr lang="en-US" dirty="0" smtClean="0"/>
+              <a:t>For SDK the handoff is typically the .</a:t>
+            </a:r>
+            <a:r>
+              <a:rPr lang="en-US" dirty="0" err="1" smtClean="0"/>
+              <a:t>hdf</a:t>
+            </a:r>
+            <a:r>
+              <a:rPr lang="en-US" dirty="0" smtClean="0"/>
+              <a:t> file which is generated from </a:t>
+            </a:r>
+            <a:r>
+              <a:rPr lang="en-US" dirty="0" err="1" smtClean="0"/>
+              <a:t>Vivado</a:t>
+            </a:r>
+            <a:r>
+              <a:rPr lang="en-US" dirty="0" smtClean="0"/>
+              <a:t>.  It, too should be checked into revision control.</a:t>
+            </a:r>
             <a:endParaRPr lang="en-US" dirty="0"/>
           </a:p>
         </p:txBody>
@@ -8795,7 +5594,7 @@
     </p:spTree>
     <p:extLst>
       <p:ext uri="{BB962C8B-B14F-4D97-AF65-F5344CB8AC3E}">
-        <p14:creationId xmlns:p14="http://schemas.microsoft.com/office/powerpoint/2010/main" val="2657048700"/>
+        <p14:creationId xmlns:p14="http://schemas.microsoft.com/office/powerpoint/2010/main" val="4043528001"/>
       </p:ext>
     </p:extLst>
   </p:cSld>
@@ -8851,44 +5650,42 @@
           <a:p>
             <a:r>
               <a:rPr lang="en-US" dirty="0" smtClean="0"/>
-              <a:t>The provided</a:t>
-            </a:r>
-            <a:r>
-              <a:rPr lang="en-US" baseline="0" dirty="0" smtClean="0"/>
-              <a:t> solution contains both approaches.  The TCL script contains a switch to control which revision control approach is desired.</a:t>
-            </a:r>
+              <a:t>Quick quiz.</a:t>
+            </a:r>
+          </a:p>
+          <a:p>
             <a:endParaRPr lang="en-US" dirty="0"/>
           </a:p>
-        </p:txBody>
-      </p:sp>
-      <p:sp>
-        <p:nvSpPr>
-          <p:cNvPr id="4" name="Slide Number Placeholder 3"/>
-          <p:cNvSpPr>
-            <a:spLocks noGrp="1"/>
-          </p:cNvSpPr>
-          <p:nvPr>
-            <p:ph type="sldNum" sz="quarter" idx="10"/>
-          </p:nvPr>
-        </p:nvSpPr>
-        <p:spPr>
-          <a:xfrm>
-            <a:off x="3970938" y="8829967"/>
-            <a:ext cx="3037840" cy="464820"/>
-          </a:xfrm>
-          <a:prstGeom prst="rect">
-            <a:avLst/>
-          </a:prstGeom>
-        </p:spPr>
-        <p:txBody>
-          <a:bodyPr/>
-          <a:lstStyle/>
-          <a:p>
-            <a:fld id="{76F0A2C8-C80D-4FA6-9395-33B607B809E4}" type="slidenum">
-              <a:rPr lang="en-US" smtClean="0"/>
-              <a:pPr/>
-              <a:t>30</a:t>
-            </a:fld>
+          <a:p>
+            <a:r>
+              <a:rPr lang="en-US" dirty="0" smtClean="0"/>
+              <a:t>A:  don’t ever check in project directories</a:t>
+            </a:r>
+          </a:p>
+          <a:p>
+            <a:endParaRPr lang="en-US" dirty="0"/>
+          </a:p>
+          <a:p>
+            <a:r>
+              <a:rPr lang="en-US" dirty="0" smtClean="0"/>
+              <a:t>A:  We recommend the max. </a:t>
+            </a:r>
+            <a:r>
+              <a:rPr lang="en-US" dirty="0" err="1" smtClean="0"/>
+              <a:t>flexilibity</a:t>
+            </a:r>
+            <a:r>
+              <a:rPr lang="en-US" dirty="0" smtClean="0"/>
+              <a:t> approach because it insulates you from being forced to upgrade IP versions with </a:t>
+            </a:r>
+            <a:r>
+              <a:rPr lang="en-US" dirty="0" err="1" smtClean="0"/>
+              <a:t>Vivado</a:t>
+            </a:r>
+            <a:r>
+              <a:rPr lang="en-US" dirty="0" smtClean="0"/>
+              <a:t> versions and saves considerable runtime for compiles.  It allows you to validate a configuration of IP and ensure there are no functional changes due to upgrades.</a:t>
+            </a:r>
             <a:endParaRPr lang="en-US" dirty="0"/>
           </a:p>
         </p:txBody>
@@ -8896,7 +5693,7 @@
     </p:spTree>
     <p:extLst>
       <p:ext uri="{BB962C8B-B14F-4D97-AF65-F5344CB8AC3E}">
-        <p14:creationId xmlns:p14="http://schemas.microsoft.com/office/powerpoint/2010/main" val="3820821156"/>
+        <p14:creationId xmlns:p14="http://schemas.microsoft.com/office/powerpoint/2010/main" val="2239137800"/>
       </p:ext>
     </p:extLst>
   </p:cSld>
@@ -8950,6 +5747,40 @@
           <a:bodyPr/>
           <a:lstStyle/>
           <a:p>
+            <a:r>
+              <a:rPr lang="en-US" dirty="0" smtClean="0"/>
+              <a:t>Diff/merge tools from revision control</a:t>
+            </a:r>
+          </a:p>
+          <a:p>
+            <a:pPr lvl="1"/>
+            <a:r>
+              <a:rPr lang="en-US" dirty="0" smtClean="0"/>
+              <a:t>Scripts to recursively check in/out directories</a:t>
+            </a:r>
+          </a:p>
+          <a:p>
+            <a:pPr lvl="1"/>
+            <a:r>
+              <a:rPr lang="en-US" dirty="0" smtClean="0"/>
+              <a:t>Diff versions and staged changes</a:t>
+            </a:r>
+          </a:p>
+          <a:p>
+            <a:pPr lvl="1"/>
+            <a:r>
+              <a:rPr lang="en-US" dirty="0" smtClean="0"/>
+              <a:t>Report changes between versions</a:t>
+            </a:r>
+          </a:p>
+          <a:p>
+            <a:pPr lvl="1"/>
+            <a:r>
+              <a:rPr lang="en-US" dirty="0" smtClean="0"/>
+              <a:t>Back out and revert committed changes</a:t>
+            </a:r>
+          </a:p>
+          <a:p>
             <a:endParaRPr lang="en-US" dirty="0"/>
           </a:p>
         </p:txBody>
@@ -8957,7 +5788,396 @@
     </p:spTree>
     <p:extLst>
       <p:ext uri="{BB962C8B-B14F-4D97-AF65-F5344CB8AC3E}">
-        <p14:creationId xmlns:p14="http://schemas.microsoft.com/office/powerpoint/2010/main" val="3532898053"/>
+        <p14:creationId xmlns:p14="http://schemas.microsoft.com/office/powerpoint/2010/main" val="429919711"/>
+      </p:ext>
+    </p:extLst>
+  </p:cSld>
+  <p:clrMapOvr>
+    <a:masterClrMapping/>
+  </p:clrMapOvr>
+</p:notes>
+</file>
+
+<file path=ppt/notesSlides/notesSlide16.xml><?xml version="1.0" encoding="utf-8"?>
+<p:notes xmlns:a="http://schemas.openxmlformats.org/drawingml/2006/main" xmlns:r="http://schemas.openxmlformats.org/officeDocument/2006/relationships" xmlns:p="http://schemas.openxmlformats.org/presentationml/2006/main">
+  <p:cSld>
+    <p:spTree>
+      <p:nvGrpSpPr>
+        <p:cNvPr id="1" name=""/>
+        <p:cNvGrpSpPr/>
+        <p:nvPr/>
+      </p:nvGrpSpPr>
+      <p:grpSpPr>
+        <a:xfrm>
+          <a:off x="0" y="0"/>
+          <a:ext cx="0" cy="0"/>
+          <a:chOff x="0" y="0"/>
+          <a:chExt cx="0" cy="0"/>
+        </a:xfrm>
+      </p:grpSpPr>
+      <p:sp>
+        <p:nvSpPr>
+          <p:cNvPr id="2" name="Slide Image Placeholder 1"/>
+          <p:cNvSpPr>
+            <a:spLocks noGrp="1" noRot="1" noChangeAspect="1"/>
+          </p:cNvSpPr>
+          <p:nvPr>
+            <p:ph type="sldImg"/>
+          </p:nvPr>
+        </p:nvSpPr>
+        <p:spPr/>
+      </p:sp>
+      <p:sp>
+        <p:nvSpPr>
+          <p:cNvPr id="3" name="Notes Placeholder 2"/>
+          <p:cNvSpPr>
+            <a:spLocks noGrp="1"/>
+          </p:cNvSpPr>
+          <p:nvPr>
+            <p:ph type="body" idx="1"/>
+          </p:nvPr>
+        </p:nvSpPr>
+        <p:spPr/>
+        <p:txBody>
+          <a:bodyPr/>
+          <a:lstStyle/>
+          <a:p>
+            <a:r>
+              <a:rPr lang="en-US" dirty="0" smtClean="0"/>
+              <a:t>Next we have a short “primer” on </a:t>
+            </a:r>
+            <a:r>
+              <a:rPr lang="en-US" dirty="0" err="1" smtClean="0"/>
+              <a:t>Git</a:t>
+            </a:r>
+            <a:r>
+              <a:rPr lang="en-US" dirty="0" smtClean="0"/>
+              <a:t> and Make – to give you an overview of common tools used in conjunction with revision control.</a:t>
+            </a:r>
+          </a:p>
+          <a:p>
+            <a:endParaRPr lang="en-US" dirty="0"/>
+          </a:p>
+          <a:p>
+            <a:r>
+              <a:rPr lang="en-US" dirty="0" err="1" smtClean="0"/>
+              <a:t>Git</a:t>
+            </a:r>
+            <a:r>
+              <a:rPr lang="en-US" dirty="0" smtClean="0"/>
+              <a:t> is a popular open source revision control system developed by Linus Torvalds (famous for Linux).  It’s very fast and efficient.</a:t>
+            </a:r>
+          </a:p>
+          <a:p>
+            <a:endParaRPr lang="en-US" dirty="0"/>
+          </a:p>
+          <a:p>
+            <a:r>
+              <a:rPr lang="en-US" dirty="0" smtClean="0"/>
+              <a:t>Make is another open source utility that controls complex builds based on dependencies of files.  It looks at time stamps of input sources and if they are later than output files it calls the step and re-runs all or a portion of the tool flow.  It is very popular in software development environments.</a:t>
+            </a:r>
+            <a:endParaRPr lang="en-US" dirty="0"/>
+          </a:p>
+        </p:txBody>
+      </p:sp>
+    </p:spTree>
+    <p:extLst>
+      <p:ext uri="{BB962C8B-B14F-4D97-AF65-F5344CB8AC3E}">
+        <p14:creationId xmlns:p14="http://schemas.microsoft.com/office/powerpoint/2010/main" val="1157852396"/>
+      </p:ext>
+    </p:extLst>
+  </p:cSld>
+  <p:clrMapOvr>
+    <a:masterClrMapping/>
+  </p:clrMapOvr>
+</p:notes>
+</file>
+
+<file path=ppt/notesSlides/notesSlide17.xml><?xml version="1.0" encoding="utf-8"?>
+<p:notes xmlns:a="http://schemas.openxmlformats.org/drawingml/2006/main" xmlns:r="http://schemas.openxmlformats.org/officeDocument/2006/relationships" xmlns:p="http://schemas.openxmlformats.org/presentationml/2006/main">
+  <p:cSld>
+    <p:spTree>
+      <p:nvGrpSpPr>
+        <p:cNvPr id="1" name=""/>
+        <p:cNvGrpSpPr/>
+        <p:nvPr/>
+      </p:nvGrpSpPr>
+      <p:grpSpPr>
+        <a:xfrm>
+          <a:off x="0" y="0"/>
+          <a:ext cx="0" cy="0"/>
+          <a:chOff x="0" y="0"/>
+          <a:chExt cx="0" cy="0"/>
+        </a:xfrm>
+      </p:grpSpPr>
+      <p:sp>
+        <p:nvSpPr>
+          <p:cNvPr id="2" name="Slide Image Placeholder 1"/>
+          <p:cNvSpPr>
+            <a:spLocks noGrp="1" noRot="1" noChangeAspect="1"/>
+          </p:cNvSpPr>
+          <p:nvPr>
+            <p:ph type="sldImg"/>
+          </p:nvPr>
+        </p:nvSpPr>
+        <p:spPr/>
+      </p:sp>
+      <p:sp>
+        <p:nvSpPr>
+          <p:cNvPr id="3" name="Notes Placeholder 2"/>
+          <p:cNvSpPr>
+            <a:spLocks noGrp="1"/>
+          </p:cNvSpPr>
+          <p:nvPr>
+            <p:ph type="body" idx="1"/>
+          </p:nvPr>
+        </p:nvSpPr>
+        <p:spPr/>
+        <p:txBody>
+          <a:bodyPr/>
+          <a:lstStyle/>
+          <a:p>
+            <a:r>
+              <a:rPr lang="en-US" dirty="0" smtClean="0"/>
+              <a:t>This picture describes the life cycle of files in the </a:t>
+            </a:r>
+            <a:r>
+              <a:rPr lang="en-US" dirty="0" err="1" smtClean="0"/>
+              <a:t>Git</a:t>
+            </a:r>
+            <a:r>
+              <a:rPr lang="en-US" dirty="0" smtClean="0"/>
+              <a:t> revision control nomenclature.  Other tools have very similar concepts – we introduce these so we have a common set of terms.</a:t>
+            </a:r>
+          </a:p>
+          <a:p>
+            <a:endParaRPr lang="en-US" dirty="0"/>
+          </a:p>
+          <a:p>
+            <a:r>
+              <a:rPr lang="en-US" dirty="0" smtClean="0"/>
+              <a:t>You have files that are either tracked or untracked.  Untracked files can be added to a configuration file so tha</a:t>
+            </a:r>
+            <a:r>
+              <a:rPr lang="en-US" dirty="0" smtClean="0"/>
+              <a:t>t the tools do not constantly report changes to these files.</a:t>
+            </a:r>
+          </a:p>
+          <a:p>
+            <a:endParaRPr lang="en-US" dirty="0"/>
+          </a:p>
+          <a:p>
+            <a:r>
+              <a:rPr lang="en-US" dirty="0" smtClean="0"/>
+              <a:t>Within tracked files you have levels of unmodified, modified, staged and the master </a:t>
+            </a:r>
+            <a:r>
+              <a:rPr lang="en-US" dirty="0" err="1" smtClean="0"/>
+              <a:t>git</a:t>
+            </a:r>
+            <a:r>
+              <a:rPr lang="en-US" dirty="0" smtClean="0"/>
+              <a:t> repository.  You checkout files from the master repository to a local staging area and optionally edit and modify them.  You typically collect these edits and test them together till you get to the point of a milestone or feature where you want to stage them – or group them in your local sandbox and test them.  Committing is the process of pushing these changes up to the master </a:t>
+            </a:r>
+            <a:r>
+              <a:rPr lang="en-US" dirty="0" err="1" smtClean="0"/>
+              <a:t>git</a:t>
+            </a:r>
+            <a:r>
+              <a:rPr lang="en-US" dirty="0" smtClean="0"/>
+              <a:t> repository – ostensibly where the changes will propagate out to other users.</a:t>
+            </a:r>
+          </a:p>
+          <a:p>
+            <a:endParaRPr lang="en-US" dirty="0"/>
+          </a:p>
+          <a:p>
+            <a:r>
+              <a:rPr lang="en-US" dirty="0" smtClean="0"/>
+              <a:t>You can always revert or back out changes at these commit levels or even on individual file edits if you need to </a:t>
+            </a:r>
+            <a:r>
+              <a:rPr lang="en-US" dirty="0" err="1" smtClean="0"/>
+              <a:t>to</a:t>
+            </a:r>
+            <a:r>
+              <a:rPr lang="en-US" dirty="0" smtClean="0"/>
+              <a:t> fix problems that get introduced.</a:t>
+            </a:r>
+            <a:endParaRPr lang="en-US" dirty="0"/>
+          </a:p>
+        </p:txBody>
+      </p:sp>
+      <p:sp>
+        <p:nvSpPr>
+          <p:cNvPr id="4" name="Slide Number Placeholder 3"/>
+          <p:cNvSpPr>
+            <a:spLocks noGrp="1"/>
+          </p:cNvSpPr>
+          <p:nvPr>
+            <p:ph type="sldNum" sz="quarter" idx="10"/>
+          </p:nvPr>
+        </p:nvSpPr>
+        <p:spPr>
+          <a:xfrm>
+            <a:off x="3970938" y="8829967"/>
+            <a:ext cx="3037840" cy="464820"/>
+          </a:xfrm>
+          <a:prstGeom prst="rect">
+            <a:avLst/>
+          </a:prstGeom>
+        </p:spPr>
+        <p:txBody>
+          <a:bodyPr/>
+          <a:lstStyle/>
+          <a:p>
+            <a:fld id="{76F0A2C8-C80D-4FA6-9395-33B607B809E4}" type="slidenum">
+              <a:rPr lang="en-US" smtClean="0"/>
+              <a:pPr/>
+              <a:t>17</a:t>
+            </a:fld>
+            <a:endParaRPr lang="en-US" dirty="0"/>
+          </a:p>
+        </p:txBody>
+      </p:sp>
+    </p:spTree>
+    <p:extLst>
+      <p:ext uri="{BB962C8B-B14F-4D97-AF65-F5344CB8AC3E}">
+        <p14:creationId xmlns:p14="http://schemas.microsoft.com/office/powerpoint/2010/main" val="405363335"/>
+      </p:ext>
+    </p:extLst>
+  </p:cSld>
+  <p:clrMapOvr>
+    <a:masterClrMapping/>
+  </p:clrMapOvr>
+</p:notes>
+</file>
+
+<file path=ppt/notesSlides/notesSlide18.xml><?xml version="1.0" encoding="utf-8"?>
+<p:notes xmlns:a="http://schemas.openxmlformats.org/drawingml/2006/main" xmlns:r="http://schemas.openxmlformats.org/officeDocument/2006/relationships" xmlns:p="http://schemas.openxmlformats.org/presentationml/2006/main">
+  <p:cSld>
+    <p:spTree>
+      <p:nvGrpSpPr>
+        <p:cNvPr id="1" name=""/>
+        <p:cNvGrpSpPr/>
+        <p:nvPr/>
+      </p:nvGrpSpPr>
+      <p:grpSpPr>
+        <a:xfrm>
+          <a:off x="0" y="0"/>
+          <a:ext cx="0" cy="0"/>
+          <a:chOff x="0" y="0"/>
+          <a:chExt cx="0" cy="0"/>
+        </a:xfrm>
+      </p:grpSpPr>
+      <p:sp>
+        <p:nvSpPr>
+          <p:cNvPr id="2" name="Slide Image Placeholder 1"/>
+          <p:cNvSpPr>
+            <a:spLocks noGrp="1" noRot="1" noChangeAspect="1"/>
+          </p:cNvSpPr>
+          <p:nvPr>
+            <p:ph type="sldImg"/>
+          </p:nvPr>
+        </p:nvSpPr>
+        <p:spPr/>
+      </p:sp>
+      <p:sp>
+        <p:nvSpPr>
+          <p:cNvPr id="3" name="Notes Placeholder 2"/>
+          <p:cNvSpPr>
+            <a:spLocks noGrp="1"/>
+          </p:cNvSpPr>
+          <p:nvPr>
+            <p:ph type="body" idx="1"/>
+          </p:nvPr>
+        </p:nvSpPr>
+        <p:spPr/>
+        <p:txBody>
+          <a:bodyPr/>
+          <a:lstStyle/>
+          <a:p>
+            <a:r>
+              <a:rPr lang="en-US" dirty="0" smtClean="0"/>
+              <a:t>Here are the most common commands in </a:t>
+            </a:r>
+            <a:r>
+              <a:rPr lang="en-US" dirty="0" err="1" smtClean="0"/>
+              <a:t>git</a:t>
+            </a:r>
+            <a:r>
+              <a:rPr lang="en-US" dirty="0" smtClean="0"/>
+              <a:t>.  These are well documented in wikis and tutorials on the web.</a:t>
+            </a:r>
+            <a:endParaRPr lang="en-US" dirty="0"/>
+          </a:p>
+        </p:txBody>
+      </p:sp>
+    </p:spTree>
+    <p:extLst>
+      <p:ext uri="{BB962C8B-B14F-4D97-AF65-F5344CB8AC3E}">
+        <p14:creationId xmlns:p14="http://schemas.microsoft.com/office/powerpoint/2010/main" val="1904302123"/>
+      </p:ext>
+    </p:extLst>
+  </p:cSld>
+  <p:clrMapOvr>
+    <a:masterClrMapping/>
+  </p:clrMapOvr>
+</p:notes>
+</file>
+
+<file path=ppt/notesSlides/notesSlide19.xml><?xml version="1.0" encoding="utf-8"?>
+<p:notes xmlns:a="http://schemas.openxmlformats.org/drawingml/2006/main" xmlns:r="http://schemas.openxmlformats.org/officeDocument/2006/relationships" xmlns:p="http://schemas.openxmlformats.org/presentationml/2006/main">
+  <p:cSld>
+    <p:spTree>
+      <p:nvGrpSpPr>
+        <p:cNvPr id="1" name=""/>
+        <p:cNvGrpSpPr/>
+        <p:nvPr/>
+      </p:nvGrpSpPr>
+      <p:grpSpPr>
+        <a:xfrm>
+          <a:off x="0" y="0"/>
+          <a:ext cx="0" cy="0"/>
+          <a:chOff x="0" y="0"/>
+          <a:chExt cx="0" cy="0"/>
+        </a:xfrm>
+      </p:grpSpPr>
+      <p:sp>
+        <p:nvSpPr>
+          <p:cNvPr id="2" name="Slide Image Placeholder 1"/>
+          <p:cNvSpPr>
+            <a:spLocks noGrp="1" noRot="1" noChangeAspect="1"/>
+          </p:cNvSpPr>
+          <p:nvPr>
+            <p:ph type="sldImg"/>
+          </p:nvPr>
+        </p:nvSpPr>
+        <p:spPr/>
+      </p:sp>
+      <p:sp>
+        <p:nvSpPr>
+          <p:cNvPr id="3" name="Notes Placeholder 2"/>
+          <p:cNvSpPr>
+            <a:spLocks noGrp="1"/>
+          </p:cNvSpPr>
+          <p:nvPr>
+            <p:ph type="body" idx="1"/>
+          </p:nvPr>
+        </p:nvSpPr>
+        <p:spPr/>
+        <p:txBody>
+          <a:bodyPr/>
+          <a:lstStyle/>
+          <a:p>
+            <a:endParaRPr lang="en-US"/>
+          </a:p>
+        </p:txBody>
+      </p:sp>
+    </p:spTree>
+    <p:extLst>
+      <p:ext uri="{BB962C8B-B14F-4D97-AF65-F5344CB8AC3E}">
+        <p14:creationId xmlns:p14="http://schemas.microsoft.com/office/powerpoint/2010/main" val="456378631"/>
       </p:ext>
     </p:extLst>
   </p:cSld>
@@ -9013,11 +6233,424 @@
           <a:p>
             <a:r>
               <a:rPr lang="en-US" dirty="0" smtClean="0"/>
-              <a:t>Here</a:t>
+              <a:t>First there will be a brief review of what revision control methodology is important and why customers should be using it.</a:t>
+            </a:r>
+          </a:p>
+          <a:p>
+            <a:endParaRPr lang="en-US" dirty="0"/>
+          </a:p>
+          <a:p>
+            <a:r>
+              <a:rPr lang="en-US" dirty="0" smtClean="0"/>
+              <a:t>Then we will cover specifics of how to set up a </a:t>
+            </a:r>
+            <a:r>
+              <a:rPr lang="en-US" dirty="0" err="1" smtClean="0"/>
+              <a:t>Vivado</a:t>
+            </a:r>
+            <a:r>
+              <a:rPr lang="en-US" dirty="0" smtClean="0"/>
+              <a:t> project and what source files to manage within revision control.</a:t>
+            </a:r>
+          </a:p>
+          <a:p>
+            <a:endParaRPr lang="en-US" dirty="0"/>
+          </a:p>
+          <a:p>
+            <a:r>
+              <a:rPr lang="en-US" dirty="0" smtClean="0"/>
+              <a:t>Next we have a lab that will walk you through the process of setting up a project using </a:t>
+            </a:r>
+            <a:r>
+              <a:rPr lang="en-US" dirty="0" err="1" smtClean="0"/>
+              <a:t>Git</a:t>
+            </a:r>
+            <a:r>
+              <a:rPr lang="en-US" dirty="0" smtClean="0"/>
+              <a:t> as the revision control tool and a tool called “Make” to determine dependencies and control the flow of the build process to compile to a bit file.</a:t>
+            </a:r>
+          </a:p>
+          <a:p>
+            <a:endParaRPr lang="en-US" dirty="0"/>
+          </a:p>
+          <a:p>
+            <a:r>
+              <a:rPr lang="en-US" dirty="0" smtClean="0"/>
+              <a:t>Finally we’ll summarize and discuss next steps.</a:t>
+            </a:r>
+            <a:endParaRPr lang="en-US" dirty="0"/>
+          </a:p>
+        </p:txBody>
+      </p:sp>
+    </p:spTree>
+    <p:extLst>
+      <p:ext uri="{BB962C8B-B14F-4D97-AF65-F5344CB8AC3E}">
+        <p14:creationId xmlns:p14="http://schemas.microsoft.com/office/powerpoint/2010/main" val="1431072794"/>
+      </p:ext>
+    </p:extLst>
+  </p:cSld>
+  <p:clrMapOvr>
+    <a:masterClrMapping/>
+  </p:clrMapOvr>
+</p:notes>
+</file>
+
+<file path=ppt/notesSlides/notesSlide20.xml><?xml version="1.0" encoding="utf-8"?>
+<p:notes xmlns:a="http://schemas.openxmlformats.org/drawingml/2006/main" xmlns:r="http://schemas.openxmlformats.org/officeDocument/2006/relationships" xmlns:p="http://schemas.openxmlformats.org/presentationml/2006/main">
+  <p:cSld>
+    <p:spTree>
+      <p:nvGrpSpPr>
+        <p:cNvPr id="1" name=""/>
+        <p:cNvGrpSpPr/>
+        <p:nvPr/>
+      </p:nvGrpSpPr>
+      <p:grpSpPr>
+        <a:xfrm>
+          <a:off x="0" y="0"/>
+          <a:ext cx="0" cy="0"/>
+          <a:chOff x="0" y="0"/>
+          <a:chExt cx="0" cy="0"/>
+        </a:xfrm>
+      </p:grpSpPr>
+      <p:sp>
+        <p:nvSpPr>
+          <p:cNvPr id="2" name="Slide Image Placeholder 1"/>
+          <p:cNvSpPr>
+            <a:spLocks noGrp="1" noRot="1" noChangeAspect="1"/>
+          </p:cNvSpPr>
+          <p:nvPr>
+            <p:ph type="sldImg"/>
+          </p:nvPr>
+        </p:nvSpPr>
+        <p:spPr/>
+      </p:sp>
+      <p:sp>
+        <p:nvSpPr>
+          <p:cNvPr id="3" name="Notes Placeholder 2"/>
+          <p:cNvSpPr>
+            <a:spLocks noGrp="1"/>
+          </p:cNvSpPr>
+          <p:nvPr>
+            <p:ph type="body" idx="1"/>
+          </p:nvPr>
+        </p:nvSpPr>
+        <p:spPr/>
+        <p:txBody>
+          <a:bodyPr/>
+          <a:lstStyle/>
+          <a:p>
+            <a:r>
+              <a:rPr lang="en-US" dirty="0" smtClean="0"/>
+              <a:t>If you’ve never used Make – </a:t>
+            </a:r>
+            <a:r>
+              <a:rPr lang="en-US" dirty="0" err="1" smtClean="0"/>
+              <a:t>heres</a:t>
+            </a:r>
+            <a:r>
+              <a:rPr lang="en-US" dirty="0" smtClean="0"/>
+              <a:t> a brief tutorial on what it is and how it works.  There are also many tutorials on the web.  </a:t>
+            </a:r>
+          </a:p>
+          <a:p>
+            <a:endParaRPr lang="en-US" dirty="0"/>
+          </a:p>
+          <a:p>
+            <a:r>
+              <a:rPr lang="en-US" dirty="0" smtClean="0"/>
+              <a:t>Make reads in a </a:t>
+            </a:r>
+            <a:r>
+              <a:rPr lang="en-US" dirty="0" err="1" smtClean="0"/>
+              <a:t>makefile</a:t>
+            </a:r>
+            <a:r>
+              <a:rPr lang="en-US" dirty="0" smtClean="0"/>
+              <a:t> which describes commands to execute (a target) which typically produces a file (or files) that indicate the step is complete.  It also describes the input dependencies that the target depends upon.  You write a target name then a colon and then list the dependencies one by one.  Next line starts with a tab and then the command that is to be issued if the step is to be run.  You can also run multiple commands – each one on a separate line starting with a tab.  A blank line ends the target.</a:t>
+            </a:r>
+          </a:p>
+          <a:p>
+            <a:endParaRPr lang="en-US" dirty="0"/>
+          </a:p>
+          <a:p>
+            <a:r>
+              <a:rPr lang="en-US" dirty="0" smtClean="0"/>
+              <a:t>Make figures out the order of operations when targets depend on output products (files) from other targets.  So you build very complex compilation scripts – but only execute necessary steps when files change rather than rerunning everything all the time.</a:t>
+            </a:r>
+          </a:p>
+          <a:p>
+            <a:endParaRPr lang="en-US" dirty="0" smtClean="0"/>
+          </a:p>
+          <a:p>
+            <a:r>
+              <a:rPr lang="en-US" dirty="0" smtClean="0"/>
+              <a:t>The most common mistake is to forget about the necessary tab characters in editing files.</a:t>
+            </a:r>
+            <a:endParaRPr lang="en-US" dirty="0"/>
+          </a:p>
+        </p:txBody>
+      </p:sp>
+    </p:spTree>
+    <p:extLst>
+      <p:ext uri="{BB962C8B-B14F-4D97-AF65-F5344CB8AC3E}">
+        <p14:creationId xmlns:p14="http://schemas.microsoft.com/office/powerpoint/2010/main" val="398997112"/>
+      </p:ext>
+    </p:extLst>
+  </p:cSld>
+  <p:clrMapOvr>
+    <a:masterClrMapping/>
+  </p:clrMapOvr>
+</p:notes>
+</file>
+
+<file path=ppt/notesSlides/notesSlide21.xml><?xml version="1.0" encoding="utf-8"?>
+<p:notes xmlns:a="http://schemas.openxmlformats.org/drawingml/2006/main" xmlns:r="http://schemas.openxmlformats.org/officeDocument/2006/relationships" xmlns:p="http://schemas.openxmlformats.org/presentationml/2006/main">
+  <p:cSld>
+    <p:spTree>
+      <p:nvGrpSpPr>
+        <p:cNvPr id="1" name=""/>
+        <p:cNvGrpSpPr/>
+        <p:nvPr/>
+      </p:nvGrpSpPr>
+      <p:grpSpPr>
+        <a:xfrm>
+          <a:off x="0" y="0"/>
+          <a:ext cx="0" cy="0"/>
+          <a:chOff x="0" y="0"/>
+          <a:chExt cx="0" cy="0"/>
+        </a:xfrm>
+      </p:grpSpPr>
+      <p:sp>
+        <p:nvSpPr>
+          <p:cNvPr id="2" name="Slide Image Placeholder 1"/>
+          <p:cNvSpPr>
+            <a:spLocks noGrp="1" noRot="1" noChangeAspect="1"/>
+          </p:cNvSpPr>
+          <p:nvPr>
+            <p:ph type="sldImg"/>
+          </p:nvPr>
+        </p:nvSpPr>
+        <p:spPr/>
+      </p:sp>
+      <p:sp>
+        <p:nvSpPr>
+          <p:cNvPr id="3" name="Notes Placeholder 2"/>
+          <p:cNvSpPr>
+            <a:spLocks noGrp="1"/>
+          </p:cNvSpPr>
+          <p:nvPr>
+            <p:ph type="body" idx="1"/>
+          </p:nvPr>
+        </p:nvSpPr>
+        <p:spPr/>
+        <p:txBody>
+          <a:bodyPr/>
+          <a:lstStyle/>
+          <a:p>
+            <a:r>
+              <a:rPr lang="en-US" dirty="0" smtClean="0"/>
+              <a:t>You can write very elaborate make files if you want – but you should start basic.  There are a few common conventions – not required but so common you will see them everywhere.  When you call “make” from a command line – it looks for a file named “</a:t>
+            </a:r>
+            <a:r>
+              <a:rPr lang="en-US" dirty="0" err="1" smtClean="0"/>
+              <a:t>Makefile</a:t>
+            </a:r>
+            <a:r>
+              <a:rPr lang="en-US" dirty="0" smtClean="0"/>
+              <a:t>” in the current directory and executes it.  Typically you call it with an argument – the target you wish to have evaluated and run.  If you don’t provide an argument it will run the first target.</a:t>
+            </a:r>
+          </a:p>
+          <a:p>
+            <a:endParaRPr lang="en-US" dirty="0"/>
+          </a:p>
+          <a:p>
+            <a:r>
+              <a:rPr lang="en-US" dirty="0" smtClean="0"/>
+              <a:t>By convention the first target is usually one called “all” which basically rolls all the steps up to build everything you want.  Targets can be “phony” which means there isn’t really a file on disk to compare.</a:t>
+            </a:r>
+          </a:p>
+          <a:p>
+            <a:endParaRPr lang="en-US" dirty="0"/>
+          </a:p>
+          <a:p>
+            <a:r>
+              <a:rPr lang="en-US" dirty="0" smtClean="0"/>
+              <a:t>Another common target is a “clean” target which deletes everything in the current directory so you are starting from a clean location with no files left around as artefacts that could corrupt the tools.</a:t>
+            </a:r>
+          </a:p>
+          <a:p>
+            <a:endParaRPr lang="en-US" dirty="0"/>
+          </a:p>
+          <a:p>
+            <a:r>
+              <a:rPr lang="en-US" dirty="0" smtClean="0"/>
+              <a:t>You can name your </a:t>
+            </a:r>
+            <a:r>
+              <a:rPr lang="en-US" dirty="0" err="1" smtClean="0"/>
+              <a:t>Makefiles</a:t>
+            </a:r>
+            <a:r>
+              <a:rPr lang="en-US" dirty="0" smtClean="0"/>
+              <a:t> whatever you want – but these items are very typical.</a:t>
+            </a:r>
+            <a:endParaRPr lang="en-US" dirty="0"/>
+          </a:p>
+        </p:txBody>
+      </p:sp>
+    </p:spTree>
+    <p:extLst>
+      <p:ext uri="{BB962C8B-B14F-4D97-AF65-F5344CB8AC3E}">
+        <p14:creationId xmlns:p14="http://schemas.microsoft.com/office/powerpoint/2010/main" val="3196278746"/>
+      </p:ext>
+    </p:extLst>
+  </p:cSld>
+  <p:clrMapOvr>
+    <a:masterClrMapping/>
+  </p:clrMapOvr>
+</p:notes>
+</file>
+
+<file path=ppt/notesSlides/notesSlide22.xml><?xml version="1.0" encoding="utf-8"?>
+<p:notes xmlns:a="http://schemas.openxmlformats.org/drawingml/2006/main" xmlns:r="http://schemas.openxmlformats.org/officeDocument/2006/relationships" xmlns:p="http://schemas.openxmlformats.org/presentationml/2006/main">
+  <p:cSld>
+    <p:spTree>
+      <p:nvGrpSpPr>
+        <p:cNvPr id="1" name=""/>
+        <p:cNvGrpSpPr/>
+        <p:nvPr/>
+      </p:nvGrpSpPr>
+      <p:grpSpPr>
+        <a:xfrm>
+          <a:off x="0" y="0"/>
+          <a:ext cx="0" cy="0"/>
+          <a:chOff x="0" y="0"/>
+          <a:chExt cx="0" cy="0"/>
+        </a:xfrm>
+      </p:grpSpPr>
+      <p:sp>
+        <p:nvSpPr>
+          <p:cNvPr id="2" name="Slide Image Placeholder 1"/>
+          <p:cNvSpPr>
+            <a:spLocks noGrp="1" noRot="1" noChangeAspect="1"/>
+          </p:cNvSpPr>
+          <p:nvPr>
+            <p:ph type="sldImg"/>
+          </p:nvPr>
+        </p:nvSpPr>
+        <p:spPr/>
+      </p:sp>
+      <p:sp>
+        <p:nvSpPr>
+          <p:cNvPr id="3" name="Notes Placeholder 2"/>
+          <p:cNvSpPr>
+            <a:spLocks noGrp="1"/>
+          </p:cNvSpPr>
+          <p:nvPr>
+            <p:ph type="body" idx="1"/>
+          </p:nvPr>
+        </p:nvSpPr>
+        <p:spPr/>
+        <p:txBody>
+          <a:bodyPr/>
+          <a:lstStyle/>
+          <a:p>
+            <a:endParaRPr lang="en-US"/>
+          </a:p>
+        </p:txBody>
+      </p:sp>
+    </p:spTree>
+    <p:extLst>
+      <p:ext uri="{BB962C8B-B14F-4D97-AF65-F5344CB8AC3E}">
+        <p14:creationId xmlns:p14="http://schemas.microsoft.com/office/powerpoint/2010/main" val="451127285"/>
+      </p:ext>
+    </p:extLst>
+  </p:cSld>
+  <p:clrMapOvr>
+    <a:masterClrMapping/>
+  </p:clrMapOvr>
+</p:notes>
+</file>
+
+<file path=ppt/notesSlides/notesSlide23.xml><?xml version="1.0" encoding="utf-8"?>
+<p:notes xmlns:a="http://schemas.openxmlformats.org/drawingml/2006/main" xmlns:r="http://schemas.openxmlformats.org/officeDocument/2006/relationships" xmlns:p="http://schemas.openxmlformats.org/presentationml/2006/main">
+  <p:cSld>
+    <p:spTree>
+      <p:nvGrpSpPr>
+        <p:cNvPr id="1" name=""/>
+        <p:cNvGrpSpPr/>
+        <p:nvPr/>
+      </p:nvGrpSpPr>
+      <p:grpSpPr>
+        <a:xfrm>
+          <a:off x="0" y="0"/>
+          <a:ext cx="0" cy="0"/>
+          <a:chOff x="0" y="0"/>
+          <a:chExt cx="0" cy="0"/>
+        </a:xfrm>
+      </p:grpSpPr>
+      <p:sp>
+        <p:nvSpPr>
+          <p:cNvPr id="2" name="Slide Image Placeholder 1"/>
+          <p:cNvSpPr>
+            <a:spLocks noGrp="1" noRot="1" noChangeAspect="1"/>
+          </p:cNvSpPr>
+          <p:nvPr>
+            <p:ph type="sldImg"/>
+          </p:nvPr>
+        </p:nvSpPr>
+        <p:spPr/>
+      </p:sp>
+      <p:sp>
+        <p:nvSpPr>
+          <p:cNvPr id="3" name="Notes Placeholder 2"/>
+          <p:cNvSpPr>
+            <a:spLocks noGrp="1"/>
+          </p:cNvSpPr>
+          <p:nvPr>
+            <p:ph type="body" idx="1"/>
+          </p:nvPr>
+        </p:nvSpPr>
+        <p:spPr/>
+        <p:txBody>
+          <a:bodyPr/>
+          <a:lstStyle/>
+          <a:p>
+            <a:r>
+              <a:rPr lang="en-US" dirty="0" smtClean="0"/>
+              <a:t>You </a:t>
+            </a:r>
+            <a:r>
+              <a:rPr lang="en-US" dirty="0" smtClean="0"/>
+              <a:t>should</a:t>
+            </a:r>
+            <a:r>
+              <a:rPr lang="en-US" dirty="0" smtClean="0"/>
+              <a:t> </a:t>
+            </a:r>
+            <a:r>
+              <a:rPr lang="en-US" dirty="0" smtClean="0"/>
+              <a:t>do the pre-work before attempting</a:t>
             </a:r>
             <a:r>
               <a:rPr lang="en-US" baseline="0" dirty="0" smtClean="0"/>
-              <a:t> are 12 examples of revision control systems.  This is not a comprehensive list.</a:t>
+              <a:t> this </a:t>
+            </a:r>
+            <a:r>
+              <a:rPr lang="en-US" baseline="0" dirty="0" smtClean="0"/>
+              <a:t>lab.  </a:t>
+            </a:r>
+            <a:r>
+              <a:rPr lang="en-US" dirty="0" smtClean="0"/>
+              <a:t>If you have not done the pre-work – go to the pre-work lab first to go over </a:t>
+            </a:r>
+            <a:r>
+              <a:rPr lang="en-US" dirty="0" err="1" smtClean="0"/>
+              <a:t>git</a:t>
+            </a:r>
+            <a:r>
+              <a:rPr lang="en-US" dirty="0" smtClean="0"/>
+              <a:t> and make –then come back to this lab.</a:t>
             </a:r>
             <a:endParaRPr lang="en-US" dirty="0"/>
           </a:p>
@@ -9049,7 +6682,7 @@
             <a:fld id="{76F0A2C8-C80D-4FA6-9395-33B607B809E4}" type="slidenum">
               <a:rPr lang="en-US" smtClean="0"/>
               <a:pPr/>
-              <a:t>4</a:t>
+              <a:t>23</a:t>
             </a:fld>
             <a:endParaRPr lang="en-US" dirty="0"/>
           </a:p>
@@ -9058,7 +6691,373 @@
     </p:spTree>
     <p:extLst>
       <p:ext uri="{BB962C8B-B14F-4D97-AF65-F5344CB8AC3E}">
-        <p14:creationId xmlns:p14="http://schemas.microsoft.com/office/powerpoint/2010/main" val="3050671224"/>
+        <p14:creationId xmlns:p14="http://schemas.microsoft.com/office/powerpoint/2010/main" val="2657048700"/>
+      </p:ext>
+    </p:extLst>
+  </p:cSld>
+  <p:clrMapOvr>
+    <a:masterClrMapping/>
+  </p:clrMapOvr>
+</p:notes>
+</file>
+
+<file path=ppt/notesSlides/notesSlide24.xml><?xml version="1.0" encoding="utf-8"?>
+<p:notes xmlns:a="http://schemas.openxmlformats.org/drawingml/2006/main" xmlns:r="http://schemas.openxmlformats.org/officeDocument/2006/relationships" xmlns:p="http://schemas.openxmlformats.org/presentationml/2006/main">
+  <p:cSld>
+    <p:spTree>
+      <p:nvGrpSpPr>
+        <p:cNvPr id="1" name=""/>
+        <p:cNvGrpSpPr/>
+        <p:nvPr/>
+      </p:nvGrpSpPr>
+      <p:grpSpPr>
+        <a:xfrm>
+          <a:off x="0" y="0"/>
+          <a:ext cx="0" cy="0"/>
+          <a:chOff x="0" y="0"/>
+          <a:chExt cx="0" cy="0"/>
+        </a:xfrm>
+      </p:grpSpPr>
+      <p:sp>
+        <p:nvSpPr>
+          <p:cNvPr id="2" name="Slide Image Placeholder 1"/>
+          <p:cNvSpPr>
+            <a:spLocks noGrp="1" noRot="1" noChangeAspect="1"/>
+          </p:cNvSpPr>
+          <p:nvPr>
+            <p:ph type="sldImg"/>
+          </p:nvPr>
+        </p:nvSpPr>
+        <p:spPr/>
+      </p:sp>
+      <p:sp>
+        <p:nvSpPr>
+          <p:cNvPr id="3" name="Notes Placeholder 2"/>
+          <p:cNvSpPr>
+            <a:spLocks noGrp="1"/>
+          </p:cNvSpPr>
+          <p:nvPr>
+            <p:ph type="body" idx="1"/>
+          </p:nvPr>
+        </p:nvSpPr>
+        <p:spPr/>
+        <p:txBody>
+          <a:bodyPr/>
+          <a:lstStyle/>
+          <a:p>
+            <a:endParaRPr lang="en-US"/>
+          </a:p>
+        </p:txBody>
+      </p:sp>
+    </p:spTree>
+    <p:extLst>
+      <p:ext uri="{BB962C8B-B14F-4D97-AF65-F5344CB8AC3E}">
+        <p14:creationId xmlns:p14="http://schemas.microsoft.com/office/powerpoint/2010/main" val="3521013738"/>
+      </p:ext>
+    </p:extLst>
+  </p:cSld>
+  <p:clrMapOvr>
+    <a:masterClrMapping/>
+  </p:clrMapOvr>
+</p:notes>
+</file>
+
+<file path=ppt/notesSlides/notesSlide25.xml><?xml version="1.0" encoding="utf-8"?>
+<p:notes xmlns:a="http://schemas.openxmlformats.org/drawingml/2006/main" xmlns:r="http://schemas.openxmlformats.org/officeDocument/2006/relationships" xmlns:p="http://schemas.openxmlformats.org/presentationml/2006/main">
+  <p:cSld>
+    <p:spTree>
+      <p:nvGrpSpPr>
+        <p:cNvPr id="1" name=""/>
+        <p:cNvGrpSpPr/>
+        <p:nvPr/>
+      </p:nvGrpSpPr>
+      <p:grpSpPr>
+        <a:xfrm>
+          <a:off x="0" y="0"/>
+          <a:ext cx="0" cy="0"/>
+          <a:chOff x="0" y="0"/>
+          <a:chExt cx="0" cy="0"/>
+        </a:xfrm>
+      </p:grpSpPr>
+      <p:sp>
+        <p:nvSpPr>
+          <p:cNvPr id="2" name="Slide Image Placeholder 1"/>
+          <p:cNvSpPr>
+            <a:spLocks noGrp="1" noRot="1" noChangeAspect="1"/>
+          </p:cNvSpPr>
+          <p:nvPr>
+            <p:ph type="sldImg"/>
+          </p:nvPr>
+        </p:nvSpPr>
+        <p:spPr/>
+      </p:sp>
+      <p:sp>
+        <p:nvSpPr>
+          <p:cNvPr id="3" name="Notes Placeholder 2"/>
+          <p:cNvSpPr>
+            <a:spLocks noGrp="1"/>
+          </p:cNvSpPr>
+          <p:nvPr>
+            <p:ph type="body" idx="1"/>
+          </p:nvPr>
+        </p:nvSpPr>
+        <p:spPr/>
+        <p:txBody>
+          <a:bodyPr/>
+          <a:lstStyle/>
+          <a:p>
+            <a:endParaRPr lang="en-US"/>
+          </a:p>
+        </p:txBody>
+      </p:sp>
+    </p:spTree>
+    <p:extLst>
+      <p:ext uri="{BB962C8B-B14F-4D97-AF65-F5344CB8AC3E}">
+        <p14:creationId xmlns:p14="http://schemas.microsoft.com/office/powerpoint/2010/main" val="757801409"/>
+      </p:ext>
+    </p:extLst>
+  </p:cSld>
+  <p:clrMapOvr>
+    <a:masterClrMapping/>
+  </p:clrMapOvr>
+</p:notes>
+</file>
+
+<file path=ppt/notesSlides/notesSlide26.xml><?xml version="1.0" encoding="utf-8"?>
+<p:notes xmlns:a="http://schemas.openxmlformats.org/drawingml/2006/main" xmlns:r="http://schemas.openxmlformats.org/officeDocument/2006/relationships" xmlns:p="http://schemas.openxmlformats.org/presentationml/2006/main">
+  <p:cSld>
+    <p:spTree>
+      <p:nvGrpSpPr>
+        <p:cNvPr id="1" name=""/>
+        <p:cNvGrpSpPr/>
+        <p:nvPr/>
+      </p:nvGrpSpPr>
+      <p:grpSpPr>
+        <a:xfrm>
+          <a:off x="0" y="0"/>
+          <a:ext cx="0" cy="0"/>
+          <a:chOff x="0" y="0"/>
+          <a:chExt cx="0" cy="0"/>
+        </a:xfrm>
+      </p:grpSpPr>
+      <p:sp>
+        <p:nvSpPr>
+          <p:cNvPr id="2" name="Slide Image Placeholder 1"/>
+          <p:cNvSpPr>
+            <a:spLocks noGrp="1" noRot="1" noChangeAspect="1"/>
+          </p:cNvSpPr>
+          <p:nvPr>
+            <p:ph type="sldImg"/>
+          </p:nvPr>
+        </p:nvSpPr>
+        <p:spPr/>
+      </p:sp>
+      <p:sp>
+        <p:nvSpPr>
+          <p:cNvPr id="3" name="Notes Placeholder 2"/>
+          <p:cNvSpPr>
+            <a:spLocks noGrp="1"/>
+          </p:cNvSpPr>
+          <p:nvPr>
+            <p:ph type="body" idx="1"/>
+          </p:nvPr>
+        </p:nvSpPr>
+        <p:spPr/>
+        <p:txBody>
+          <a:bodyPr/>
+          <a:lstStyle/>
+          <a:p>
+            <a:endParaRPr lang="en-US"/>
+          </a:p>
+        </p:txBody>
+      </p:sp>
+    </p:spTree>
+    <p:extLst>
+      <p:ext uri="{BB962C8B-B14F-4D97-AF65-F5344CB8AC3E}">
+        <p14:creationId xmlns:p14="http://schemas.microsoft.com/office/powerpoint/2010/main" val="2569039906"/>
+      </p:ext>
+    </p:extLst>
+  </p:cSld>
+  <p:clrMapOvr>
+    <a:masterClrMapping/>
+  </p:clrMapOvr>
+</p:notes>
+</file>
+
+<file path=ppt/notesSlides/notesSlide27.xml><?xml version="1.0" encoding="utf-8"?>
+<p:notes xmlns:a="http://schemas.openxmlformats.org/drawingml/2006/main" xmlns:r="http://schemas.openxmlformats.org/officeDocument/2006/relationships" xmlns:p="http://schemas.openxmlformats.org/presentationml/2006/main">
+  <p:cSld>
+    <p:spTree>
+      <p:nvGrpSpPr>
+        <p:cNvPr id="1" name=""/>
+        <p:cNvGrpSpPr/>
+        <p:nvPr/>
+      </p:nvGrpSpPr>
+      <p:grpSpPr>
+        <a:xfrm>
+          <a:off x="0" y="0"/>
+          <a:ext cx="0" cy="0"/>
+          <a:chOff x="0" y="0"/>
+          <a:chExt cx="0" cy="0"/>
+        </a:xfrm>
+      </p:grpSpPr>
+      <p:sp>
+        <p:nvSpPr>
+          <p:cNvPr id="2" name="Slide Image Placeholder 1"/>
+          <p:cNvSpPr>
+            <a:spLocks noGrp="1" noRot="1" noChangeAspect="1"/>
+          </p:cNvSpPr>
+          <p:nvPr>
+            <p:ph type="sldImg"/>
+          </p:nvPr>
+        </p:nvSpPr>
+        <p:spPr/>
+      </p:sp>
+      <p:sp>
+        <p:nvSpPr>
+          <p:cNvPr id="3" name="Notes Placeholder 2"/>
+          <p:cNvSpPr>
+            <a:spLocks noGrp="1"/>
+          </p:cNvSpPr>
+          <p:nvPr>
+            <p:ph type="body" idx="1"/>
+          </p:nvPr>
+        </p:nvSpPr>
+        <p:spPr/>
+        <p:txBody>
+          <a:bodyPr/>
+          <a:lstStyle/>
+          <a:p>
+            <a:endParaRPr lang="en-US"/>
+          </a:p>
+        </p:txBody>
+      </p:sp>
+    </p:spTree>
+    <p:extLst>
+      <p:ext uri="{BB962C8B-B14F-4D97-AF65-F5344CB8AC3E}">
+        <p14:creationId xmlns:p14="http://schemas.microsoft.com/office/powerpoint/2010/main" val="2320712513"/>
+      </p:ext>
+    </p:extLst>
+  </p:cSld>
+  <p:clrMapOvr>
+    <a:masterClrMapping/>
+  </p:clrMapOvr>
+</p:notes>
+</file>
+
+<file path=ppt/notesSlides/notesSlide28.xml><?xml version="1.0" encoding="utf-8"?>
+<p:notes xmlns:a="http://schemas.openxmlformats.org/drawingml/2006/main" xmlns:r="http://schemas.openxmlformats.org/officeDocument/2006/relationships" xmlns:p="http://schemas.openxmlformats.org/presentationml/2006/main">
+  <p:cSld>
+    <p:spTree>
+      <p:nvGrpSpPr>
+        <p:cNvPr id="1" name=""/>
+        <p:cNvGrpSpPr/>
+        <p:nvPr/>
+      </p:nvGrpSpPr>
+      <p:grpSpPr>
+        <a:xfrm>
+          <a:off x="0" y="0"/>
+          <a:ext cx="0" cy="0"/>
+          <a:chOff x="0" y="0"/>
+          <a:chExt cx="0" cy="0"/>
+        </a:xfrm>
+      </p:grpSpPr>
+      <p:sp>
+        <p:nvSpPr>
+          <p:cNvPr id="2" name="Slide Image Placeholder 1"/>
+          <p:cNvSpPr>
+            <a:spLocks noGrp="1" noRot="1" noChangeAspect="1"/>
+          </p:cNvSpPr>
+          <p:nvPr>
+            <p:ph type="sldImg"/>
+          </p:nvPr>
+        </p:nvSpPr>
+        <p:spPr/>
+      </p:sp>
+      <p:sp>
+        <p:nvSpPr>
+          <p:cNvPr id="3" name="Notes Placeholder 2"/>
+          <p:cNvSpPr>
+            <a:spLocks noGrp="1"/>
+          </p:cNvSpPr>
+          <p:nvPr>
+            <p:ph type="body" idx="1"/>
+          </p:nvPr>
+        </p:nvSpPr>
+        <p:spPr/>
+        <p:txBody>
+          <a:bodyPr/>
+          <a:lstStyle/>
+          <a:p>
+            <a:endParaRPr lang="en-US"/>
+          </a:p>
+        </p:txBody>
+      </p:sp>
+    </p:spTree>
+    <p:extLst>
+      <p:ext uri="{BB962C8B-B14F-4D97-AF65-F5344CB8AC3E}">
+        <p14:creationId xmlns:p14="http://schemas.microsoft.com/office/powerpoint/2010/main" val="2744341004"/>
+      </p:ext>
+    </p:extLst>
+  </p:cSld>
+  <p:clrMapOvr>
+    <a:masterClrMapping/>
+  </p:clrMapOvr>
+</p:notes>
+</file>
+
+<file path=ppt/notesSlides/notesSlide29.xml><?xml version="1.0" encoding="utf-8"?>
+<p:notes xmlns:a="http://schemas.openxmlformats.org/drawingml/2006/main" xmlns:r="http://schemas.openxmlformats.org/officeDocument/2006/relationships" xmlns:p="http://schemas.openxmlformats.org/presentationml/2006/main">
+  <p:cSld>
+    <p:spTree>
+      <p:nvGrpSpPr>
+        <p:cNvPr id="1" name=""/>
+        <p:cNvGrpSpPr/>
+        <p:nvPr/>
+      </p:nvGrpSpPr>
+      <p:grpSpPr>
+        <a:xfrm>
+          <a:off x="0" y="0"/>
+          <a:ext cx="0" cy="0"/>
+          <a:chOff x="0" y="0"/>
+          <a:chExt cx="0" cy="0"/>
+        </a:xfrm>
+      </p:grpSpPr>
+      <p:sp>
+        <p:nvSpPr>
+          <p:cNvPr id="2" name="Slide Image Placeholder 1"/>
+          <p:cNvSpPr>
+            <a:spLocks noGrp="1" noRot="1" noChangeAspect="1"/>
+          </p:cNvSpPr>
+          <p:nvPr>
+            <p:ph type="sldImg"/>
+          </p:nvPr>
+        </p:nvSpPr>
+        <p:spPr/>
+      </p:sp>
+      <p:sp>
+        <p:nvSpPr>
+          <p:cNvPr id="3" name="Notes Placeholder 2"/>
+          <p:cNvSpPr>
+            <a:spLocks noGrp="1"/>
+          </p:cNvSpPr>
+          <p:nvPr>
+            <p:ph type="body" idx="1"/>
+          </p:nvPr>
+        </p:nvSpPr>
+        <p:spPr/>
+        <p:txBody>
+          <a:bodyPr/>
+          <a:lstStyle/>
+          <a:p>
+            <a:endParaRPr lang="en-US"/>
+          </a:p>
+        </p:txBody>
+      </p:sp>
+    </p:spTree>
+    <p:extLst>
+      <p:ext uri="{BB962C8B-B14F-4D97-AF65-F5344CB8AC3E}">
+        <p14:creationId xmlns:p14="http://schemas.microsoft.com/office/powerpoint/2010/main" val="2598499016"/>
       </p:ext>
     </p:extLst>
   </p:cSld>
@@ -9114,28 +7113,20 @@
           <a:p>
             <a:r>
               <a:rPr lang="en-US" dirty="0" smtClean="0"/>
-              <a:t>It is clear that Vivado can’t be integrated</a:t>
+              <a:t>Most FPGA developers use some form of revision control.  These tools provide backup methodology that is far more rich than simply having saved copies of files.  You define milestones and have the ability to revert and recover to these known good states of the design files and all changes to the files are logged and controlled.</a:t>
+            </a:r>
+          </a:p>
+          <a:p>
+            <a:endParaRPr lang="en-US" dirty="0"/>
+          </a:p>
+          <a:p>
+            <a:r>
+              <a:rPr lang="en-US" dirty="0" smtClean="0"/>
+              <a:t>The parallelization benefit comes from following the recommended methodology</a:t>
             </a:r>
             <a:r>
               <a:rPr lang="en-US" baseline="0" dirty="0" smtClean="0"/>
-              <a:t> with all of the revision control systems that customers may want to use.  Therefore, Xilinx has a philosophy for Vivado Design Suite to make it as easy as possible for the customer to use Vivado with the revision control system of their choice.</a:t>
-            </a:r>
-          </a:p>
-          <a:p>
-            <a:endParaRPr lang="en-US" baseline="0" dirty="0" smtClean="0"/>
-          </a:p>
-          <a:p>
-            <a:r>
-              <a:rPr lang="en-US" baseline="0" dirty="0" smtClean="0"/>
-              <a:t>Note that sources files are ASCII – even for data files.  COE, BMM, </a:t>
-            </a:r>
-            <a:r>
-              <a:rPr lang="en-US" baseline="0" dirty="0" err="1" smtClean="0"/>
-              <a:t>etc</a:t>
-            </a:r>
-            <a:r>
-              <a:rPr lang="en-US" baseline="0" dirty="0" smtClean="0"/>
-              <a:t> are all ASCII.</a:t>
+              <a:t> for revision control.  This methodology focuses on dependency management, leverages bottom up design and allows the launching of OOC runs in parallel.  There will be no runtime required to update things that don’t need to be updated.</a:t>
             </a:r>
             <a:endParaRPr lang="en-US" dirty="0"/>
           </a:p>
@@ -9167,7 +7158,7 @@
             <a:fld id="{76F0A2C8-C80D-4FA6-9395-33B607B809E4}" type="slidenum">
               <a:rPr lang="en-US" smtClean="0"/>
               <a:pPr/>
-              <a:t>5</a:t>
+              <a:t>3</a:t>
             </a:fld>
             <a:endParaRPr lang="en-US" dirty="0"/>
           </a:p>
@@ -9176,7 +7167,433 @@
     </p:spTree>
     <p:extLst>
       <p:ext uri="{BB962C8B-B14F-4D97-AF65-F5344CB8AC3E}">
-        <p14:creationId xmlns:p14="http://schemas.microsoft.com/office/powerpoint/2010/main" val="3275911407"/>
+        <p14:creationId xmlns:p14="http://schemas.microsoft.com/office/powerpoint/2010/main" val="1494080339"/>
+      </p:ext>
+    </p:extLst>
+  </p:cSld>
+  <p:clrMapOvr>
+    <a:masterClrMapping/>
+  </p:clrMapOvr>
+</p:notes>
+</file>
+
+<file path=ppt/notesSlides/notesSlide30.xml><?xml version="1.0" encoding="utf-8"?>
+<p:notes xmlns:a="http://schemas.openxmlformats.org/drawingml/2006/main" xmlns:r="http://schemas.openxmlformats.org/officeDocument/2006/relationships" xmlns:p="http://schemas.openxmlformats.org/presentationml/2006/main">
+  <p:cSld>
+    <p:spTree>
+      <p:nvGrpSpPr>
+        <p:cNvPr id="1" name=""/>
+        <p:cNvGrpSpPr/>
+        <p:nvPr/>
+      </p:nvGrpSpPr>
+      <p:grpSpPr>
+        <a:xfrm>
+          <a:off x="0" y="0"/>
+          <a:ext cx="0" cy="0"/>
+          <a:chOff x="0" y="0"/>
+          <a:chExt cx="0" cy="0"/>
+        </a:xfrm>
+      </p:grpSpPr>
+      <p:sp>
+        <p:nvSpPr>
+          <p:cNvPr id="2" name="Slide Image Placeholder 1"/>
+          <p:cNvSpPr>
+            <a:spLocks noGrp="1" noRot="1" noChangeAspect="1"/>
+          </p:cNvSpPr>
+          <p:nvPr>
+            <p:ph type="sldImg"/>
+          </p:nvPr>
+        </p:nvSpPr>
+        <p:spPr/>
+      </p:sp>
+      <p:sp>
+        <p:nvSpPr>
+          <p:cNvPr id="3" name="Notes Placeholder 2"/>
+          <p:cNvSpPr>
+            <a:spLocks noGrp="1"/>
+          </p:cNvSpPr>
+          <p:nvPr>
+            <p:ph type="body" idx="1"/>
+          </p:nvPr>
+        </p:nvSpPr>
+        <p:spPr/>
+        <p:txBody>
+          <a:bodyPr/>
+          <a:lstStyle/>
+          <a:p>
+            <a:r>
+              <a:rPr lang="en-US" dirty="0" smtClean="0"/>
+              <a:t>The provided</a:t>
+            </a:r>
+            <a:r>
+              <a:rPr lang="en-US" baseline="0" dirty="0" smtClean="0"/>
+              <a:t> solution contains both approaches.  The TCL script contains a switch to control which revision control approach is desired</a:t>
+            </a:r>
+            <a:r>
+              <a:rPr lang="en-US" baseline="0" dirty="0" smtClean="0"/>
+              <a:t>.  It is controlled by</a:t>
+            </a:r>
+            <a:r>
+              <a:rPr lang="en-US" dirty="0" smtClean="0"/>
+              <a:t> an environment variable set in the </a:t>
+            </a:r>
+            <a:r>
+              <a:rPr lang="en-US" dirty="0" err="1" smtClean="0"/>
+              <a:t>Makefile</a:t>
+            </a:r>
+            <a:r>
+              <a:rPr lang="en-US" dirty="0" smtClean="0"/>
+              <a:t> called “</a:t>
+            </a:r>
+            <a:r>
+              <a:rPr lang="en-US" dirty="0" err="1" smtClean="0"/>
+              <a:t>reusegolden</a:t>
+            </a:r>
+            <a:r>
+              <a:rPr lang="en-US" dirty="0" smtClean="0"/>
+              <a:t>”  When set to true it reuses the </a:t>
+            </a:r>
+            <a:r>
+              <a:rPr lang="en-US" dirty="0" err="1" smtClean="0"/>
+              <a:t>ip</a:t>
+            </a:r>
+            <a:r>
+              <a:rPr lang="en-US" dirty="0" smtClean="0"/>
+              <a:t> </a:t>
+            </a:r>
+            <a:r>
+              <a:rPr lang="en-US" dirty="0" err="1" smtClean="0"/>
+              <a:t>etc</a:t>
+            </a:r>
+            <a:r>
+              <a:rPr lang="en-US" dirty="0" smtClean="0"/>
+              <a:t> checked into th</a:t>
+            </a:r>
+            <a:r>
+              <a:rPr lang="en-US" dirty="0" smtClean="0"/>
+              <a:t>e golden </a:t>
+            </a:r>
+            <a:r>
+              <a:rPr lang="en-US" dirty="0" err="1" smtClean="0"/>
+              <a:t>git</a:t>
+            </a:r>
+            <a:r>
+              <a:rPr lang="en-US" dirty="0" smtClean="0"/>
+              <a:t> repo – this matches the primary recommendation and the maximum </a:t>
+            </a:r>
+            <a:r>
+              <a:rPr lang="en-US" dirty="0" err="1" smtClean="0"/>
+              <a:t>flexilbility</a:t>
+            </a:r>
+            <a:r>
+              <a:rPr lang="en-US" dirty="0" smtClean="0"/>
+              <a:t> use case.  Change it to false  and everything will be regenerated locally based on </a:t>
+            </a:r>
+            <a:r>
+              <a:rPr lang="en-US" dirty="0" err="1" smtClean="0"/>
+              <a:t>Tcl</a:t>
+            </a:r>
+            <a:r>
+              <a:rPr lang="en-US" dirty="0" smtClean="0"/>
+              <a:t> scripts.  This is the minimum file use case.</a:t>
+            </a:r>
+          </a:p>
+          <a:p>
+            <a:endParaRPr lang="en-US" dirty="0"/>
+          </a:p>
+          <a:p>
+            <a:r>
+              <a:rPr lang="en-US" dirty="0" smtClean="0"/>
+              <a:t>You can iterate through this by editing files and calling make.  When you are happy with a collection of changes you commit them and push into the repository.</a:t>
+            </a:r>
+            <a:endParaRPr lang="en-US" dirty="0"/>
+          </a:p>
+        </p:txBody>
+      </p:sp>
+      <p:sp>
+        <p:nvSpPr>
+          <p:cNvPr id="4" name="Slide Number Placeholder 3"/>
+          <p:cNvSpPr>
+            <a:spLocks noGrp="1"/>
+          </p:cNvSpPr>
+          <p:nvPr>
+            <p:ph type="sldNum" sz="quarter" idx="10"/>
+          </p:nvPr>
+        </p:nvSpPr>
+        <p:spPr>
+          <a:xfrm>
+            <a:off x="3970938" y="8829967"/>
+            <a:ext cx="3037840" cy="464820"/>
+          </a:xfrm>
+          <a:prstGeom prst="rect">
+            <a:avLst/>
+          </a:prstGeom>
+        </p:spPr>
+        <p:txBody>
+          <a:bodyPr/>
+          <a:lstStyle/>
+          <a:p>
+            <a:fld id="{76F0A2C8-C80D-4FA6-9395-33B607B809E4}" type="slidenum">
+              <a:rPr lang="en-US" smtClean="0"/>
+              <a:pPr/>
+              <a:t>30</a:t>
+            </a:fld>
+            <a:endParaRPr lang="en-US" dirty="0"/>
+          </a:p>
+        </p:txBody>
+      </p:sp>
+    </p:spTree>
+    <p:extLst>
+      <p:ext uri="{BB962C8B-B14F-4D97-AF65-F5344CB8AC3E}">
+        <p14:creationId xmlns:p14="http://schemas.microsoft.com/office/powerpoint/2010/main" val="3820821156"/>
+      </p:ext>
+    </p:extLst>
+  </p:cSld>
+  <p:clrMapOvr>
+    <a:masterClrMapping/>
+  </p:clrMapOvr>
+</p:notes>
+</file>
+
+<file path=ppt/notesSlides/notesSlide31.xml><?xml version="1.0" encoding="utf-8"?>
+<p:notes xmlns:a="http://schemas.openxmlformats.org/drawingml/2006/main" xmlns:r="http://schemas.openxmlformats.org/officeDocument/2006/relationships" xmlns:p="http://schemas.openxmlformats.org/presentationml/2006/main">
+  <p:cSld>
+    <p:spTree>
+      <p:nvGrpSpPr>
+        <p:cNvPr id="1" name=""/>
+        <p:cNvGrpSpPr/>
+        <p:nvPr/>
+      </p:nvGrpSpPr>
+      <p:grpSpPr>
+        <a:xfrm>
+          <a:off x="0" y="0"/>
+          <a:ext cx="0" cy="0"/>
+          <a:chOff x="0" y="0"/>
+          <a:chExt cx="0" cy="0"/>
+        </a:xfrm>
+      </p:grpSpPr>
+      <p:sp>
+        <p:nvSpPr>
+          <p:cNvPr id="2" name="Slide Image Placeholder 1"/>
+          <p:cNvSpPr>
+            <a:spLocks noGrp="1" noRot="1" noChangeAspect="1"/>
+          </p:cNvSpPr>
+          <p:nvPr>
+            <p:ph type="sldImg"/>
+          </p:nvPr>
+        </p:nvSpPr>
+        <p:spPr/>
+      </p:sp>
+      <p:sp>
+        <p:nvSpPr>
+          <p:cNvPr id="3" name="Notes Placeholder 2"/>
+          <p:cNvSpPr>
+            <a:spLocks noGrp="1"/>
+          </p:cNvSpPr>
+          <p:nvPr>
+            <p:ph type="body" idx="1"/>
+          </p:nvPr>
+        </p:nvSpPr>
+        <p:spPr/>
+        <p:txBody>
+          <a:bodyPr/>
+          <a:lstStyle/>
+          <a:p>
+            <a:r>
+              <a:rPr lang="en-US" dirty="0" smtClean="0"/>
+              <a:t>Today we gave you an overview of the Xilinx revision control best practices.  We provide 2 approaches;  one that offers maximum flexibility and best compile times.  The second minimizes the number of files.</a:t>
+            </a:r>
+          </a:p>
+          <a:p>
+            <a:endParaRPr lang="en-US" dirty="0"/>
+          </a:p>
+          <a:p>
+            <a:r>
+              <a:rPr lang="en-US" dirty="0" smtClean="0"/>
+              <a:t>The most important part of the recommendation is to avoid the management of project directories with active projects.  There are many intermediate files and </a:t>
+            </a:r>
+            <a:r>
+              <a:rPr lang="en-US" dirty="0" err="1" smtClean="0"/>
+              <a:t>Vivado</a:t>
+            </a:r>
+            <a:r>
+              <a:rPr lang="en-US" dirty="0" smtClean="0"/>
+              <a:t> needs to have control of them.  Better to set up the project with remote sources that reside outside the project – this allows you to view and manage changes to your sources without sifting through diff logs of thousands and thousands of files.</a:t>
+            </a:r>
+          </a:p>
+          <a:p>
+            <a:endParaRPr lang="en-US" dirty="0"/>
+          </a:p>
+          <a:p>
+            <a:r>
+              <a:rPr lang="en-US" dirty="0" smtClean="0"/>
+              <a:t>We provided a lab with an example project showing </a:t>
+            </a:r>
+            <a:r>
+              <a:rPr lang="en-US" dirty="0" err="1" smtClean="0"/>
+              <a:t>commong</a:t>
+            </a:r>
+            <a:r>
+              <a:rPr lang="en-US" dirty="0" smtClean="0"/>
+              <a:t> setup and workflow using </a:t>
+            </a:r>
+            <a:r>
+              <a:rPr lang="en-US" dirty="0" err="1" smtClean="0"/>
+              <a:t>git</a:t>
+            </a:r>
+            <a:r>
+              <a:rPr lang="en-US" dirty="0" smtClean="0"/>
+              <a:t> and make.  These concepts are directly applicable to other revision control systems.</a:t>
+            </a:r>
+            <a:endParaRPr lang="en-US" dirty="0"/>
+          </a:p>
+          <a:p>
+            <a:endParaRPr lang="en-US" dirty="0" smtClean="0"/>
+          </a:p>
+          <a:p>
+            <a:r>
+              <a:rPr lang="en-US" dirty="0" smtClean="0"/>
+              <a:t>Coming soon is a chapter in the Ultrafast Design Methodology Guide (UG949) giving more details on these topics and this tutorial is the lunch and learn.</a:t>
+            </a:r>
+          </a:p>
+          <a:p>
+            <a:endParaRPr lang="en-US" dirty="0"/>
+          </a:p>
+          <a:p>
+            <a:r>
+              <a:rPr lang="en-US" dirty="0" smtClean="0"/>
+              <a:t>Good luck!</a:t>
+            </a:r>
+            <a:endParaRPr lang="en-US" dirty="0"/>
+          </a:p>
+        </p:txBody>
+      </p:sp>
+    </p:spTree>
+    <p:extLst>
+      <p:ext uri="{BB962C8B-B14F-4D97-AF65-F5344CB8AC3E}">
+        <p14:creationId xmlns:p14="http://schemas.microsoft.com/office/powerpoint/2010/main" val="3615966861"/>
+      </p:ext>
+    </p:extLst>
+  </p:cSld>
+  <p:clrMapOvr>
+    <a:masterClrMapping/>
+  </p:clrMapOvr>
+</p:notes>
+</file>
+
+<file path=ppt/notesSlides/notesSlide32.xml><?xml version="1.0" encoding="utf-8"?>
+<p:notes xmlns:a="http://schemas.openxmlformats.org/drawingml/2006/main" xmlns:r="http://schemas.openxmlformats.org/officeDocument/2006/relationships" xmlns:p="http://schemas.openxmlformats.org/presentationml/2006/main">
+  <p:cSld>
+    <p:spTree>
+      <p:nvGrpSpPr>
+        <p:cNvPr id="1" name=""/>
+        <p:cNvGrpSpPr/>
+        <p:nvPr/>
+      </p:nvGrpSpPr>
+      <p:grpSpPr>
+        <a:xfrm>
+          <a:off x="0" y="0"/>
+          <a:ext cx="0" cy="0"/>
+          <a:chOff x="0" y="0"/>
+          <a:chExt cx="0" cy="0"/>
+        </a:xfrm>
+      </p:grpSpPr>
+      <p:sp>
+        <p:nvSpPr>
+          <p:cNvPr id="2" name="Slide Image Placeholder 1"/>
+          <p:cNvSpPr>
+            <a:spLocks noGrp="1" noRot="1" noChangeAspect="1"/>
+          </p:cNvSpPr>
+          <p:nvPr>
+            <p:ph type="sldImg"/>
+          </p:nvPr>
+        </p:nvSpPr>
+        <p:spPr/>
+      </p:sp>
+      <p:sp>
+        <p:nvSpPr>
+          <p:cNvPr id="3" name="Notes Placeholder 2"/>
+          <p:cNvSpPr>
+            <a:spLocks noGrp="1"/>
+          </p:cNvSpPr>
+          <p:nvPr>
+            <p:ph type="body" idx="1"/>
+          </p:nvPr>
+        </p:nvSpPr>
+        <p:spPr/>
+        <p:txBody>
+          <a:bodyPr/>
+          <a:lstStyle/>
+          <a:p>
+            <a:endParaRPr lang="en-US"/>
+          </a:p>
+        </p:txBody>
+      </p:sp>
+    </p:spTree>
+    <p:extLst>
+      <p:ext uri="{BB962C8B-B14F-4D97-AF65-F5344CB8AC3E}">
+        <p14:creationId xmlns:p14="http://schemas.microsoft.com/office/powerpoint/2010/main" val="2207936591"/>
+      </p:ext>
+    </p:extLst>
+  </p:cSld>
+  <p:clrMapOvr>
+    <a:masterClrMapping/>
+  </p:clrMapOvr>
+</p:notes>
+</file>
+
+<file path=ppt/notesSlides/notesSlide33.xml><?xml version="1.0" encoding="utf-8"?>
+<p:notes xmlns:a="http://schemas.openxmlformats.org/drawingml/2006/main" xmlns:r="http://schemas.openxmlformats.org/officeDocument/2006/relationships" xmlns:p="http://schemas.openxmlformats.org/presentationml/2006/main">
+  <p:cSld>
+    <p:spTree>
+      <p:nvGrpSpPr>
+        <p:cNvPr id="1" name=""/>
+        <p:cNvGrpSpPr/>
+        <p:nvPr/>
+      </p:nvGrpSpPr>
+      <p:grpSpPr>
+        <a:xfrm>
+          <a:off x="0" y="0"/>
+          <a:ext cx="0" cy="0"/>
+          <a:chOff x="0" y="0"/>
+          <a:chExt cx="0" cy="0"/>
+        </a:xfrm>
+      </p:grpSpPr>
+      <p:sp>
+        <p:nvSpPr>
+          <p:cNvPr id="2" name="Slide Image Placeholder 1"/>
+          <p:cNvSpPr>
+            <a:spLocks noGrp="1" noRot="1" noChangeAspect="1"/>
+          </p:cNvSpPr>
+          <p:nvPr>
+            <p:ph type="sldImg"/>
+          </p:nvPr>
+        </p:nvSpPr>
+        <p:spPr/>
+      </p:sp>
+      <p:sp>
+        <p:nvSpPr>
+          <p:cNvPr id="3" name="Notes Placeholder 2"/>
+          <p:cNvSpPr>
+            <a:spLocks noGrp="1"/>
+          </p:cNvSpPr>
+          <p:nvPr>
+            <p:ph type="body" idx="1"/>
+          </p:nvPr>
+        </p:nvSpPr>
+        <p:spPr/>
+        <p:txBody>
+          <a:bodyPr/>
+          <a:lstStyle/>
+          <a:p>
+            <a:endParaRPr lang="en-US"/>
+          </a:p>
+        </p:txBody>
+      </p:sp>
+    </p:spTree>
+    <p:extLst>
+      <p:ext uri="{BB962C8B-B14F-4D97-AF65-F5344CB8AC3E}">
+        <p14:creationId xmlns:p14="http://schemas.microsoft.com/office/powerpoint/2010/main" val="458446659"/>
       </p:ext>
     </p:extLst>
   </p:cSld>
@@ -9230,6 +7647,46 @@
           <a:bodyPr/>
           <a:lstStyle/>
           <a:p>
+            <a:r>
+              <a:rPr lang="en-US" dirty="0" smtClean="0"/>
+              <a:t>Here</a:t>
+            </a:r>
+            <a:r>
+              <a:rPr lang="en-US" baseline="0" dirty="0" smtClean="0"/>
+              <a:t> are 12 examples of revision control systems.  This is not a comprehensive list.  There is no single tool that represents a majority of our customer flows.  Which one(s) do you use?</a:t>
+            </a:r>
+            <a:endParaRPr lang="en-US" dirty="0"/>
+          </a:p>
+        </p:txBody>
+      </p:sp>
+      <p:sp>
+        <p:nvSpPr>
+          <p:cNvPr id="4" name="Slide Number Placeholder 3"/>
+          <p:cNvSpPr>
+            <a:spLocks noGrp="1"/>
+          </p:cNvSpPr>
+          <p:nvPr>
+            <p:ph type="sldNum" sz="quarter" idx="10"/>
+          </p:nvPr>
+        </p:nvSpPr>
+        <p:spPr>
+          <a:xfrm>
+            <a:off x="3970938" y="8829967"/>
+            <a:ext cx="3037840" cy="464820"/>
+          </a:xfrm>
+          <a:prstGeom prst="rect">
+            <a:avLst/>
+          </a:prstGeom>
+        </p:spPr>
+        <p:txBody>
+          <a:bodyPr/>
+          <a:lstStyle/>
+          <a:p>
+            <a:fld id="{76F0A2C8-C80D-4FA6-9395-33B607B809E4}" type="slidenum">
+              <a:rPr lang="en-US" smtClean="0"/>
+              <a:pPr/>
+              <a:t>4</a:t>
+            </a:fld>
             <a:endParaRPr lang="en-US" dirty="0"/>
           </a:p>
         </p:txBody>
@@ -9237,7 +7694,7 @@
     </p:spTree>
     <p:extLst>
       <p:ext uri="{BB962C8B-B14F-4D97-AF65-F5344CB8AC3E}">
-        <p14:creationId xmlns:p14="http://schemas.microsoft.com/office/powerpoint/2010/main" val="1617098102"/>
+        <p14:creationId xmlns:p14="http://schemas.microsoft.com/office/powerpoint/2010/main" val="3050671224"/>
       </p:ext>
     </p:extLst>
   </p:cSld>
@@ -9293,11 +7750,49 @@
           <a:p>
             <a:r>
               <a:rPr lang="en-US" dirty="0" smtClean="0"/>
-              <a:t>From a high level, this</a:t>
+              <a:t>It is clear that Vivado can’t be integrated</a:t>
             </a:r>
             <a:r>
               <a:rPr lang="en-US" baseline="0" dirty="0" smtClean="0"/>
-              <a:t> is how it would look.  Only the items inside the gold clouds are managed by the revision control system.</a:t>
+              <a:t> with all of the revision control systems that customers may want to use.  Therefore, Xilinx has a philosophy for Vivado Design Suite to make it as easy as possible for the customer to use Vivado with the revision control system of their choice.</a:t>
+            </a:r>
+          </a:p>
+          <a:p>
+            <a:endParaRPr lang="en-US" baseline="0" dirty="0" smtClean="0"/>
+          </a:p>
+          <a:p>
+            <a:r>
+              <a:rPr lang="en-US" baseline="0" dirty="0" smtClean="0"/>
+              <a:t>Note that sources files are ASCII – even for data files.  COE, BMM, </a:t>
+            </a:r>
+            <a:r>
+              <a:rPr lang="en-US" baseline="0" dirty="0" err="1" smtClean="0"/>
+              <a:t>etc</a:t>
+            </a:r>
+            <a:r>
+              <a:rPr lang="en-US" baseline="0" dirty="0" smtClean="0"/>
+              <a:t> are all ASCII</a:t>
+            </a:r>
+            <a:r>
+              <a:rPr lang="en-US" baseline="0" dirty="0" smtClean="0"/>
+              <a:t>.</a:t>
+            </a:r>
+          </a:p>
+          <a:p>
+            <a:endParaRPr lang="en-US" dirty="0"/>
+          </a:p>
+          <a:p>
+            <a:r>
+              <a:rPr lang="en-US" dirty="0" smtClean="0"/>
+              <a:t>Also note that there are quite a few binary files (bit files and others such as </a:t>
+            </a:r>
+            <a:r>
+              <a:rPr lang="en-US" dirty="0" err="1" smtClean="0"/>
+              <a:t>dcp</a:t>
+            </a:r>
+            <a:r>
+              <a:rPr lang="en-US" dirty="0" smtClean="0"/>
+              <a:t>).  We do this when there is a clear advantage or engineering reason to do so.  Often the reason is performance – a binary file is faster and more efficient to open and process data from than parsing ASCII.</a:t>
             </a:r>
             <a:endParaRPr lang="en-US" dirty="0"/>
           </a:p>
@@ -9329,7 +7824,7 @@
             <a:fld id="{76F0A2C8-C80D-4FA6-9395-33B607B809E4}" type="slidenum">
               <a:rPr lang="en-US" smtClean="0"/>
               <a:pPr/>
-              <a:t>9</a:t>
+              <a:t>5</a:t>
             </a:fld>
             <a:endParaRPr lang="en-US" dirty="0"/>
           </a:p>
@@ -9338,7 +7833,7 @@
     </p:spTree>
     <p:extLst>
       <p:ext uri="{BB962C8B-B14F-4D97-AF65-F5344CB8AC3E}">
-        <p14:creationId xmlns:p14="http://schemas.microsoft.com/office/powerpoint/2010/main" val="2457635776"/>
+        <p14:creationId xmlns:p14="http://schemas.microsoft.com/office/powerpoint/2010/main" val="3275911407"/>
       </p:ext>
     </p:extLst>
   </p:cSld>
@@ -9375,7 +7870,12 @@
             <p:ph type="sldImg"/>
           </p:nvPr>
         </p:nvSpPr>
-        <p:spPr/>
+        <p:spPr>
+          <a:xfrm>
+            <a:off x="2897188" y="0"/>
+            <a:ext cx="3511550" cy="2633663"/>
+          </a:xfrm>
+        </p:spPr>
       </p:sp>
       <p:sp>
         <p:nvSpPr>
@@ -9387,60 +7887,128 @@
             <p:ph type="body" idx="1"/>
           </p:nvPr>
         </p:nvSpPr>
-        <p:spPr/>
-        <p:txBody>
-          <a:bodyPr/>
-          <a:lstStyle/>
-          <a:p>
-            <a:r>
-              <a:rPr lang="en-US" dirty="0" smtClean="0"/>
-              <a:t>Going down</a:t>
-            </a:r>
-            <a:r>
-              <a:rPr lang="en-US" baseline="0" dirty="0" smtClean="0"/>
-              <a:t> one level of abstraction deeper, this is how it would look with the recommended flow that allows maximum flexibility.</a:t>
-            </a:r>
-          </a:p>
-          <a:p>
-            <a:endParaRPr lang="en-US" baseline="0" dirty="0" smtClean="0"/>
-          </a:p>
-          <a:p>
-            <a:r>
-              <a:rPr lang="en-US" baseline="0" dirty="0" smtClean="0"/>
-              <a:t>The primary recommendation is to use TCL otherwise use the XPR.  Make sure to test the XPR to make sure data is not missed and to check relative paths.</a:t>
-            </a:r>
-            <a:endParaRPr lang="en-US" dirty="0"/>
-          </a:p>
-        </p:txBody>
-      </p:sp>
-      <p:sp>
-        <p:nvSpPr>
-          <p:cNvPr id="4" name="Slide Number Placeholder 3"/>
-          <p:cNvSpPr>
-            <a:spLocks noGrp="1"/>
-          </p:cNvSpPr>
-          <p:nvPr>
-            <p:ph type="sldNum" sz="quarter" idx="10"/>
-          </p:nvPr>
-        </p:nvSpPr>
         <p:spPr>
           <a:xfrm>
-            <a:off x="3970938" y="8829967"/>
-            <a:ext cx="3037840" cy="464820"/>
+            <a:off x="930998" y="2813538"/>
+            <a:ext cx="7443933" cy="3679429"/>
           </a:xfrm>
-          <a:prstGeom prst="rect">
-            <a:avLst/>
-          </a:prstGeom>
         </p:spPr>
         <p:txBody>
           <a:bodyPr/>
           <a:lstStyle/>
           <a:p>
-            <a:fld id="{76F0A2C8-C80D-4FA6-9395-33B607B809E4}" type="slidenum">
-              <a:rPr lang="en-US" smtClean="0"/>
-              <a:pPr/>
-              <a:t>10</a:t>
-            </a:fld>
+            <a:r>
+              <a:rPr lang="en-US" dirty="0" smtClean="0"/>
+              <a:t>Here are some recent changes to </a:t>
+            </a:r>
+            <a:r>
+              <a:rPr lang="en-US" dirty="0" err="1" smtClean="0"/>
+              <a:t>Vivado</a:t>
+            </a:r>
+            <a:r>
+              <a:rPr lang="en-US" dirty="0" smtClean="0"/>
+              <a:t> that were instituted to improve the experience with working with revision control tools.  For example in 2015.1 you can now choose to check in just the block diagram file (.</a:t>
+            </a:r>
+            <a:r>
+              <a:rPr lang="en-US" dirty="0" err="1" smtClean="0"/>
+              <a:t>bd</a:t>
+            </a:r>
+            <a:r>
+              <a:rPr lang="en-US" dirty="0" smtClean="0"/>
+              <a:t>) by itself and </a:t>
+            </a:r>
+            <a:r>
+              <a:rPr lang="en-US" dirty="0" err="1" smtClean="0"/>
+              <a:t>Vivado</a:t>
+            </a:r>
+            <a:r>
+              <a:rPr lang="en-US" dirty="0" smtClean="0"/>
+              <a:t> will recreate the design faithfully from the </a:t>
+            </a:r>
+            <a:r>
+              <a:rPr lang="en-US" dirty="0" err="1" smtClean="0"/>
+              <a:t>bd</a:t>
+            </a:r>
+            <a:r>
+              <a:rPr lang="en-US" dirty="0" smtClean="0"/>
+              <a:t> file.  However, if you choose not to check in all the </a:t>
+            </a:r>
+            <a:r>
+              <a:rPr lang="en-US" dirty="0" err="1" smtClean="0"/>
+              <a:t>bd</a:t>
+            </a:r>
+            <a:r>
+              <a:rPr lang="en-US" dirty="0" smtClean="0"/>
+              <a:t> files as is recommended (we will cover this later) this </a:t>
+            </a:r>
+            <a:r>
+              <a:rPr lang="en-US" dirty="0" err="1" smtClean="0"/>
+              <a:t>bd</a:t>
+            </a:r>
+            <a:r>
+              <a:rPr lang="en-US" dirty="0" smtClean="0"/>
+              <a:t> file must be copied locally in to the project so all the files can be regenerated.</a:t>
+            </a:r>
+          </a:p>
+          <a:p>
+            <a:endParaRPr lang="en-US" dirty="0"/>
+          </a:p>
+          <a:p>
+            <a:r>
+              <a:rPr lang="en-US" dirty="0" smtClean="0"/>
+              <a:t>We’ve </a:t>
+            </a:r>
+            <a:r>
+              <a:rPr lang="en-US" dirty="0" err="1" smtClean="0"/>
+              <a:t>workd</a:t>
+            </a:r>
+            <a:r>
+              <a:rPr lang="en-US" dirty="0" smtClean="0"/>
+              <a:t> to drastically reduce the overall number of files in </a:t>
+            </a:r>
+            <a:r>
+              <a:rPr lang="en-US" dirty="0" err="1" smtClean="0"/>
+              <a:t>Vivado</a:t>
+            </a:r>
+            <a:r>
+              <a:rPr lang="en-US" dirty="0" smtClean="0"/>
+              <a:t> IP.  On average the number of files has been reduced by 2/3rds.  </a:t>
+            </a:r>
+          </a:p>
+          <a:p>
+            <a:endParaRPr lang="en-US" dirty="0"/>
+          </a:p>
+          <a:p>
+            <a:r>
+              <a:rPr lang="en-US" dirty="0" smtClean="0"/>
+              <a:t>We’ve also increased out testing and prioritization of revision control related issues.</a:t>
+            </a:r>
+          </a:p>
+          <a:p>
+            <a:endParaRPr lang="en-US" dirty="0"/>
+          </a:p>
+          <a:p>
+            <a:r>
+              <a:rPr lang="en-US" dirty="0" smtClean="0"/>
+              <a:t>We have improved documentation, with a chapter focusing on rev. ctrl. Methodology in the ultrafast </a:t>
+            </a:r>
+            <a:r>
+              <a:rPr lang="en-US" dirty="0" smtClean="0"/>
+              <a:t>design methodology </a:t>
+            </a:r>
+            <a:r>
+              <a:rPr lang="en-US" dirty="0" smtClean="0"/>
+              <a:t>guide.  We are updating the quick take videos and this lunch and learn tutorial will be made publically available as a tutorial for everyone.</a:t>
+            </a:r>
+          </a:p>
+          <a:p>
+            <a:endParaRPr lang="en-US" dirty="0"/>
+          </a:p>
+          <a:p>
+            <a:r>
+              <a:rPr lang="en-US" dirty="0" smtClean="0"/>
+              <a:t>In 2015.3, we will be rolling additional benefits with a project called “core container” that is effectively a zip archive of all the files in an IP so there will be a single self-contained file that needs to be managed with all needed sources inside.  We will be further working to reduce file counts by providing common IP RTL libraries in a central location chosen by the use to enable pre-compilation and reduction of redundant files across IP and with multiply instantiated IP.</a:t>
+            </a:r>
             <a:endParaRPr lang="en-US" dirty="0"/>
           </a:p>
         </p:txBody>
@@ -9448,7 +8016,7 @@
     </p:spTree>
     <p:extLst>
       <p:ext uri="{BB962C8B-B14F-4D97-AF65-F5344CB8AC3E}">
-        <p14:creationId xmlns:p14="http://schemas.microsoft.com/office/powerpoint/2010/main" val="3490956274"/>
+        <p14:creationId xmlns:p14="http://schemas.microsoft.com/office/powerpoint/2010/main" val="1617098102"/>
       </p:ext>
     </p:extLst>
   </p:cSld>
@@ -9504,11 +8072,64 @@
           <a:p>
             <a:r>
               <a:rPr lang="en-US" dirty="0" smtClean="0"/>
-              <a:t>Manage any</a:t>
-            </a:r>
-            <a:r>
-              <a:rPr lang="en-US" baseline="0" dirty="0" smtClean="0"/>
-              <a:t> handoff files.</a:t>
+              <a:t>Generally speaking there are 2 types of use cases that designers are concerned about.  I’ll call these two strategies:  1) a Maximum flexibility and 2) minimum file strategies.  Xilinx primary recommendation is described in the green box, and we advocate users to follow this approach which provides significant compile-time advantages and maximum “insulation” from being forced to upgrade IP when switching versions of </a:t>
+            </a:r>
+            <a:r>
+              <a:rPr lang="en-US" dirty="0" err="1" smtClean="0"/>
+              <a:t>Vivado</a:t>
+            </a:r>
+            <a:r>
+              <a:rPr lang="en-US" dirty="0" smtClean="0"/>
+              <a:t>.  The key part of this is to generate IP, IPI subsystems, HLS fully and check them all into revision control and they will be used by </a:t>
+            </a:r>
+            <a:r>
+              <a:rPr lang="en-US" dirty="0" err="1" smtClean="0"/>
+              <a:t>Vivado</a:t>
+            </a:r>
+            <a:r>
+              <a:rPr lang="en-US" dirty="0" smtClean="0"/>
+              <a:t> unchanged – even in later versions of </a:t>
+            </a:r>
+            <a:r>
+              <a:rPr lang="en-US" dirty="0" err="1" smtClean="0"/>
+              <a:t>Vivado</a:t>
+            </a:r>
+            <a:r>
+              <a:rPr lang="en-US" dirty="0" smtClean="0"/>
+              <a:t> for P&amp;R.</a:t>
+            </a:r>
+          </a:p>
+          <a:p>
+            <a:endParaRPr lang="en-US" dirty="0"/>
+          </a:p>
+          <a:p>
+            <a:r>
+              <a:rPr lang="en-US" dirty="0" smtClean="0"/>
+              <a:t>Some customers want to check in and manage an absolute minimum number of files necessary to recreate the design faithfully.  That is a viable strategy – they just need to be aware that to do a full compilation they will have to regenerate all the IP and </a:t>
+            </a:r>
+            <a:r>
+              <a:rPr lang="en-US" dirty="0" err="1" smtClean="0"/>
+              <a:t>subystems</a:t>
+            </a:r>
+            <a:r>
+              <a:rPr lang="en-US" dirty="0" smtClean="0"/>
+              <a:t> which will take additional time.  Furthermore, if they hit an issue or wish to take advantage of  feature in a newer version of </a:t>
+            </a:r>
+            <a:r>
+              <a:rPr lang="en-US" dirty="0" err="1" smtClean="0"/>
+              <a:t>Vivado</a:t>
+            </a:r>
+            <a:r>
+              <a:rPr lang="en-US" dirty="0" smtClean="0"/>
+              <a:t> they will be forced to upgrade the IP to the version supported by the </a:t>
+            </a:r>
+            <a:r>
+              <a:rPr lang="en-US" dirty="0" err="1" smtClean="0"/>
+              <a:t>Vivado</a:t>
+            </a:r>
+            <a:r>
+              <a:rPr lang="en-US" dirty="0" smtClean="0"/>
+              <a:t> version.  This can be a major complication and substantial verification burden.</a:t>
             </a:r>
             <a:endParaRPr lang="en-US" dirty="0"/>
           </a:p>
@@ -9517,7 +8138,7 @@
     </p:spTree>
     <p:extLst>
       <p:ext uri="{BB962C8B-B14F-4D97-AF65-F5344CB8AC3E}">
-        <p14:creationId xmlns:p14="http://schemas.microsoft.com/office/powerpoint/2010/main" val="1329042634"/>
+        <p14:creationId xmlns:p14="http://schemas.microsoft.com/office/powerpoint/2010/main" val="1789617486"/>
       </p:ext>
     </p:extLst>
   </p:cSld>
@@ -9554,7 +8175,12 @@
             <p:ph type="sldImg"/>
           </p:nvPr>
         </p:nvSpPr>
-        <p:spPr/>
+        <p:spPr>
+          <a:xfrm>
+            <a:off x="2897188" y="142875"/>
+            <a:ext cx="3511550" cy="2633663"/>
+          </a:xfrm>
+        </p:spPr>
       </p:sp>
       <p:sp>
         <p:nvSpPr>
@@ -9566,35 +8192,60 @@
             <p:ph type="body" idx="1"/>
           </p:nvPr>
         </p:nvSpPr>
-        <p:spPr/>
+        <p:spPr>
+          <a:xfrm>
+            <a:off x="930996" y="2918121"/>
+            <a:ext cx="7443933" cy="3730773"/>
+          </a:xfrm>
+        </p:spPr>
         <p:txBody>
           <a:bodyPr/>
           <a:lstStyle/>
           <a:p>
             <a:r>
               <a:rPr lang="en-US" dirty="0" smtClean="0"/>
-              <a:t>Note that some IP have side files – Block</a:t>
-            </a:r>
-            <a:r>
-              <a:rPr lang="en-US" baseline="0" dirty="0" smtClean="0"/>
-              <a:t> Memory Generator, </a:t>
-            </a:r>
-            <a:r>
-              <a:rPr lang="en-US" baseline="0" dirty="0" err="1" smtClean="0"/>
-              <a:t>SysMon</a:t>
-            </a:r>
-            <a:r>
-              <a:rPr lang="en-US" baseline="0" dirty="0" smtClean="0"/>
-              <a:t> and FIR Compiler, for example.</a:t>
-            </a:r>
+              <a:t>There are many viable ways or setting up a project directory structure.  We want to provide an example that closely matches what many successful customers create to compile projects with revision control.  For revision control the most important thing to mention is that whenever possible you should manage source types “remotely” which means they are not imported into the project directory structure.  You should not place projects under revision control – treat them like intermediate “working” files and keep all your sources outside of the project.</a:t>
+            </a:r>
+          </a:p>
+          <a:p>
             <a:endParaRPr lang="en-US" dirty="0"/>
+          </a:p>
+          <a:p>
+            <a:r>
+              <a:rPr lang="en-US" dirty="0" smtClean="0"/>
+              <a:t>So the directory structure has 2 types of folders:  those that are under revision control and those that are not.  We will call this a “work” directory and it is where you will build projects.  Think of it as a local “sandbox” to play in where you can validate work prior to committing it to the actual check-in location.</a:t>
+            </a:r>
+          </a:p>
+          <a:p>
+            <a:endParaRPr lang="en-US" dirty="0"/>
+          </a:p>
+          <a:p>
+            <a:r>
+              <a:rPr lang="en-US" dirty="0" smtClean="0"/>
+              <a:t>You need to set up a project (using scripts or interactively with the GUI) in the working directory (outside rev ctrl) and utilize remote sources (make sure </a:t>
+            </a:r>
+            <a:r>
+              <a:rPr lang="en-US" dirty="0" smtClean="0"/>
+              <a:t>to deselect the “import into project” option in the GUI).  The remote sources can point to the golden or master version of the repository or you can have an intermediate checkout version called a “staging area” where you will hold all your individual commitments prior to pushing them to all other users in the master or “golden” repository.  </a:t>
+            </a:r>
+            <a:endParaRPr lang="en-US" dirty="0"/>
+          </a:p>
+          <a:p>
+            <a:endParaRPr lang="en-US" dirty="0"/>
+          </a:p>
+          <a:p>
+            <a:r>
+              <a:rPr lang="en-US" dirty="0" smtClean="0"/>
+              <a:t>Typically you will have a folder for each type of source in the revision control area to hold:  IP, IPI BDs, HLS, Scripts, Constraints, HDL sources etc…</a:t>
+            </a:r>
+            <a:endParaRPr lang="en-US" dirty="0" smtClean="0"/>
           </a:p>
         </p:txBody>
       </p:sp>
     </p:spTree>
     <p:extLst>
       <p:ext uri="{BB962C8B-B14F-4D97-AF65-F5344CB8AC3E}">
-        <p14:creationId xmlns:p14="http://schemas.microsoft.com/office/powerpoint/2010/main" val="3201055803"/>
+        <p14:creationId xmlns:p14="http://schemas.microsoft.com/office/powerpoint/2010/main" val="4262791632"/>
       </p:ext>
     </p:extLst>
   </p:cSld>
@@ -9648,6 +8299,131 @@
           <a:bodyPr/>
           <a:lstStyle/>
           <a:p>
+            <a:r>
+              <a:rPr lang="en-US" dirty="0" smtClean="0"/>
+              <a:t>From a high level, this</a:t>
+            </a:r>
+            <a:r>
+              <a:rPr lang="en-US" baseline="0" dirty="0" smtClean="0"/>
+              <a:t> is how it would look.  Only the items inside the gold clouds are managed by the revision control system</a:t>
+            </a:r>
+            <a:r>
+              <a:rPr lang="en-US" baseline="0" dirty="0" smtClean="0"/>
+              <a:t>.  The </a:t>
+            </a:r>
+            <a:r>
+              <a:rPr lang="en-US" baseline="0" dirty="0" err="1" smtClean="0"/>
+              <a:t>xpr</a:t>
+            </a:r>
+            <a:r>
+              <a:rPr lang="en-US" baseline="0" dirty="0" smtClean="0"/>
+              <a:t> file itself is optional – you could also choose to have a </a:t>
+            </a:r>
+            <a:r>
+              <a:rPr lang="en-US" baseline="0" dirty="0" err="1" smtClean="0"/>
+              <a:t>Tcl</a:t>
+            </a:r>
+            <a:r>
+              <a:rPr lang="en-US" baseline="0" dirty="0" smtClean="0"/>
+              <a:t> script which will recreate the project.  Note, that the files under the project directory structure are never</a:t>
+            </a:r>
+            <a:r>
+              <a:rPr lang="en-US" dirty="0" smtClean="0"/>
+              <a:t> under revision control.</a:t>
+            </a:r>
+          </a:p>
+          <a:p>
+            <a:endParaRPr lang="en-US" dirty="0"/>
+          </a:p>
+          <a:p>
+            <a:r>
+              <a:rPr lang="en-US" dirty="0" smtClean="0"/>
+              <a:t>If you choose to revision control the .</a:t>
+            </a:r>
+            <a:r>
+              <a:rPr lang="en-US" dirty="0" err="1" smtClean="0"/>
+              <a:t>xpr</a:t>
+            </a:r>
+            <a:r>
+              <a:rPr lang="en-US" dirty="0" smtClean="0"/>
+              <a:t> file instead of a script to create the project (</a:t>
+            </a:r>
+            <a:r>
+              <a:rPr lang="en-US" dirty="0" err="1" smtClean="0"/>
+              <a:t>Tcl</a:t>
+            </a:r>
+            <a:r>
+              <a:rPr lang="en-US" dirty="0" smtClean="0"/>
+              <a:t> script is primary recommendation) you need to understand that </a:t>
+            </a:r>
+            <a:r>
+              <a:rPr lang="en-US" dirty="0" err="1" smtClean="0"/>
+              <a:t>vivado</a:t>
+            </a:r>
+            <a:r>
+              <a:rPr lang="en-US" dirty="0" smtClean="0"/>
+              <a:t> will try to recreate the project in the location of the </a:t>
+            </a:r>
+            <a:r>
+              <a:rPr lang="en-US" dirty="0" err="1" smtClean="0"/>
+              <a:t>xpr</a:t>
+            </a:r>
+            <a:r>
+              <a:rPr lang="en-US" dirty="0" smtClean="0"/>
+              <a:t>.  So </a:t>
+            </a:r>
+            <a:r>
+              <a:rPr lang="en-US" dirty="0" smtClean="0"/>
+              <a:t>you must have write permission in the directory – </a:t>
+            </a:r>
+            <a:r>
+              <a:rPr lang="en-US" dirty="0" err="1" smtClean="0"/>
+              <a:t>Vivado</a:t>
+            </a:r>
+            <a:r>
+              <a:rPr lang="en-US" dirty="0" smtClean="0"/>
+              <a:t> will try to recreate the project.  It’s best if you copy the </a:t>
+            </a:r>
+            <a:r>
+              <a:rPr lang="en-US" dirty="0" err="1" smtClean="0"/>
+              <a:t>xpr</a:t>
+            </a:r>
+            <a:r>
+              <a:rPr lang="en-US" dirty="0" smtClean="0"/>
+              <a:t> to the work directory (not under rev ctrl) to avoid the tendency to put projects under revision control.</a:t>
+            </a:r>
+            <a:endParaRPr lang="en-US" dirty="0"/>
+          </a:p>
+        </p:txBody>
+      </p:sp>
+      <p:sp>
+        <p:nvSpPr>
+          <p:cNvPr id="4" name="Slide Number Placeholder 3"/>
+          <p:cNvSpPr>
+            <a:spLocks noGrp="1"/>
+          </p:cNvSpPr>
+          <p:nvPr>
+            <p:ph type="sldNum" sz="quarter" idx="10"/>
+          </p:nvPr>
+        </p:nvSpPr>
+        <p:spPr>
+          <a:xfrm>
+            <a:off x="3970938" y="8829967"/>
+            <a:ext cx="3037840" cy="464820"/>
+          </a:xfrm>
+          <a:prstGeom prst="rect">
+            <a:avLst/>
+          </a:prstGeom>
+        </p:spPr>
+        <p:txBody>
+          <a:bodyPr/>
+          <a:lstStyle/>
+          <a:p>
+            <a:fld id="{76F0A2C8-C80D-4FA6-9395-33B607B809E4}" type="slidenum">
+              <a:rPr lang="en-US" smtClean="0"/>
+              <a:pPr/>
+              <a:t>9</a:t>
+            </a:fld>
             <a:endParaRPr lang="en-US" dirty="0"/>
           </a:p>
         </p:txBody>
@@ -9655,7 +8431,7 @@
     </p:spTree>
     <p:extLst>
       <p:ext uri="{BB962C8B-B14F-4D97-AF65-F5344CB8AC3E}">
-        <p14:creationId xmlns:p14="http://schemas.microsoft.com/office/powerpoint/2010/main" val="4043528001"/>
+        <p14:creationId xmlns:p14="http://schemas.microsoft.com/office/powerpoint/2010/main" val="2457635776"/>
       </p:ext>
     </p:extLst>
   </p:cSld>
@@ -13423,7 +12199,27 @@
           <a:p>
             <a:r>
               <a:rPr lang="en-US" sz="1800" dirty="0"/>
-              <a:t>If using projects, manage just the .</a:t>
+              <a:t>If using projects, manage </a:t>
+            </a:r>
+            <a:r>
+              <a:rPr lang="en-US" sz="1800" dirty="0" smtClean="0"/>
+              <a:t>a </a:t>
+            </a:r>
+            <a:r>
+              <a:rPr lang="en-US" sz="1800" dirty="0" err="1" smtClean="0"/>
+              <a:t>Tcl</a:t>
+            </a:r>
+            <a:r>
+              <a:rPr lang="en-US" sz="1800" dirty="0" smtClean="0"/>
+              <a:t> script or </a:t>
+            </a:r>
+            <a:r>
+              <a:rPr lang="en-US" sz="1800" dirty="0" smtClean="0"/>
+              <a:t>just </a:t>
+            </a:r>
+            <a:r>
+              <a:rPr lang="en-US" sz="1800" dirty="0"/>
+              <a:t>the .</a:t>
             </a:r>
             <a:r>
               <a:rPr lang="en-US" sz="1800" dirty="0" err="1"/>
@@ -13431,16 +12227,13 @@
             </a:r>
             <a:r>
               <a:rPr lang="en-US" sz="1800" dirty="0"/>
-              <a:t> file or the </a:t>
-            </a:r>
-            <a:r>
-              <a:rPr lang="en-US" sz="1800" dirty="0" err="1"/>
-              <a:t>Tcl</a:t>
-            </a:r>
-            <a:r>
-              <a:rPr lang="en-US" sz="1800" dirty="0"/>
-              <a:t> recreate script</a:t>
-            </a:r>
+              <a:t> </a:t>
+            </a:r>
+            <a:r>
+              <a:rPr lang="en-US" sz="1800" dirty="0" smtClean="0"/>
+              <a:t>file</a:t>
+            </a:r>
+            <a:endParaRPr lang="en-US" sz="1800" dirty="0"/>
           </a:p>
           <a:p>
             <a:pPr lvl="1"/>
@@ -13454,8 +12247,13 @@
             </a:r>
             <a:r>
               <a:rPr lang="en-US" sz="1600" dirty="0"/>
-              <a:t> command to create a script to re-create the project</a:t>
-            </a:r>
+              <a:t> command to create a script to re-create the </a:t>
+            </a:r>
+            <a:r>
+              <a:rPr lang="en-US" sz="1600" dirty="0" smtClean="0"/>
+              <a:t>project or write a simple script manually</a:t>
+            </a:r>
+            <a:endParaRPr lang="en-US" sz="1600" dirty="0"/>
           </a:p>
           <a:p>
             <a:pPr lvl="1"/>
@@ -18645,7 +17443,7 @@
           <p:nvPr/>
         </p:nvPicPr>
         <p:blipFill rotWithShape="1">
-          <a:blip r:embed="rId2">
+          <a:blip r:embed="rId3">
             <a:extLst>
               <a:ext uri="{28A0092B-C50C-407E-A947-70E740481C1C}">
                 <a14:useLocalDpi xmlns:a14="http://schemas.microsoft.com/office/drawing/2010/main" val="0"/>
@@ -19193,7 +17991,7 @@
             </a:pPr>
             <a:r>
               <a:rPr lang="en-US" dirty="0">
-                <a:hlinkClick r:id="rId2"/>
+                <a:hlinkClick r:id="rId3"/>
               </a:rPr>
               <a:t>http://www.gnu.org/software/make/manual/html_node/index.html</a:t>
             </a:r>
@@ -25073,1803 +23871,6 @@
   <p:transition>
     <p:fade/>
   </p:transition>
-  <p:timing>
-    <p:tnLst>
-      <p:par>
-        <p:cTn id="1" dur="indefinite" restart="never" nodeType="tmRoot"/>
-      </p:par>
-    </p:tnLst>
-  </p:timing>
-</p:sld>
-</file>
-
-<file path=ppt/slides/slide34.xml><?xml version="1.0" encoding="utf-8"?>
-<p:sld xmlns:a="http://schemas.openxmlformats.org/drawingml/2006/main" xmlns:r="http://schemas.openxmlformats.org/officeDocument/2006/relationships" xmlns:p="http://schemas.openxmlformats.org/presentationml/2006/main">
-  <p:cSld>
-    <p:spTree>
-      <p:nvGrpSpPr>
-        <p:cNvPr id="1" name=""/>
-        <p:cNvGrpSpPr/>
-        <p:nvPr/>
-      </p:nvGrpSpPr>
-      <p:grpSpPr>
-        <a:xfrm>
-          <a:off x="0" y="0"/>
-          <a:ext cx="0" cy="0"/>
-          <a:chOff x="0" y="0"/>
-          <a:chExt cx="0" cy="0"/>
-        </a:xfrm>
-      </p:grpSpPr>
-      <p:sp>
-        <p:nvSpPr>
-          <p:cNvPr id="9" name="Title 6"/>
-          <p:cNvSpPr txBox="1">
-            <a:spLocks/>
-          </p:cNvSpPr>
-          <p:nvPr/>
-        </p:nvSpPr>
-        <p:spPr>
-          <a:xfrm>
-            <a:off x="425114" y="3539041"/>
-            <a:ext cx="8718885" cy="636098"/>
-          </a:xfrm>
-          <a:prstGeom prst="rect">
-            <a:avLst/>
-          </a:prstGeom>
-        </p:spPr>
-        <p:txBody>
-          <a:bodyPr/>
-          <a:lstStyle>
-            <a:lvl1pPr algn="l" rtl="0" eaLnBrk="1" fontAlgn="base" hangingPunct="1">
-              <a:lnSpc>
-                <a:spcPct val="98000"/>
-              </a:lnSpc>
-              <a:spcBef>
-                <a:spcPct val="0"/>
-              </a:spcBef>
-              <a:spcAft>
-                <a:spcPct val="0"/>
-              </a:spcAft>
-              <a:defRPr lang="en-US" sz="3200" b="0" baseline="0" dirty="0" smtClean="0">
-                <a:solidFill>
-                  <a:schemeClr val="tx1">
-                    <a:lumMod val="75000"/>
-                    <a:lumOff val="25000"/>
-                  </a:schemeClr>
-                </a:solidFill>
-                <a:latin typeface="Calibri" panose="020F0502020204030204" pitchFamily="34" charset="0"/>
-                <a:ea typeface="+mj-ea"/>
-                <a:cs typeface="Calibri" panose="020F0502020204030204" pitchFamily="34" charset="0"/>
-              </a:defRPr>
-            </a:lvl1pPr>
-            <a:lvl2pPr algn="l" rtl="0" eaLnBrk="1" fontAlgn="base" hangingPunct="1">
-              <a:lnSpc>
-                <a:spcPct val="115000"/>
-              </a:lnSpc>
-              <a:spcBef>
-                <a:spcPct val="0"/>
-              </a:spcBef>
-              <a:spcAft>
-                <a:spcPct val="0"/>
-              </a:spcAft>
-              <a:defRPr sz="2800" b="1">
-                <a:solidFill>
-                  <a:schemeClr val="bg1"/>
-                </a:solidFill>
-                <a:latin typeface="Arial" charset="0"/>
-              </a:defRPr>
-            </a:lvl2pPr>
-            <a:lvl3pPr algn="l" rtl="0" eaLnBrk="1" fontAlgn="base" hangingPunct="1">
-              <a:lnSpc>
-                <a:spcPct val="115000"/>
-              </a:lnSpc>
-              <a:spcBef>
-                <a:spcPct val="0"/>
-              </a:spcBef>
-              <a:spcAft>
-                <a:spcPct val="0"/>
-              </a:spcAft>
-              <a:defRPr sz="2800" b="1">
-                <a:solidFill>
-                  <a:schemeClr val="bg1"/>
-                </a:solidFill>
-                <a:latin typeface="Arial" charset="0"/>
-              </a:defRPr>
-            </a:lvl3pPr>
-            <a:lvl4pPr algn="l" rtl="0" eaLnBrk="1" fontAlgn="base" hangingPunct="1">
-              <a:lnSpc>
-                <a:spcPct val="115000"/>
-              </a:lnSpc>
-              <a:spcBef>
-                <a:spcPct val="0"/>
-              </a:spcBef>
-              <a:spcAft>
-                <a:spcPct val="0"/>
-              </a:spcAft>
-              <a:defRPr sz="2800" b="1">
-                <a:solidFill>
-                  <a:schemeClr val="bg1"/>
-                </a:solidFill>
-                <a:latin typeface="Arial" charset="0"/>
-              </a:defRPr>
-            </a:lvl4pPr>
-            <a:lvl5pPr algn="l" rtl="0" eaLnBrk="1" fontAlgn="base" hangingPunct="1">
-              <a:lnSpc>
-                <a:spcPct val="115000"/>
-              </a:lnSpc>
-              <a:spcBef>
-                <a:spcPct val="0"/>
-              </a:spcBef>
-              <a:spcAft>
-                <a:spcPct val="0"/>
-              </a:spcAft>
-              <a:defRPr sz="2800" b="1">
-                <a:solidFill>
-                  <a:schemeClr val="bg1"/>
-                </a:solidFill>
-                <a:latin typeface="Arial" charset="0"/>
-              </a:defRPr>
-            </a:lvl5pPr>
-            <a:lvl6pPr marL="457200" algn="l" rtl="0" eaLnBrk="1" fontAlgn="base" hangingPunct="1">
-              <a:lnSpc>
-                <a:spcPct val="115000"/>
-              </a:lnSpc>
-              <a:spcBef>
-                <a:spcPct val="0"/>
-              </a:spcBef>
-              <a:spcAft>
-                <a:spcPct val="0"/>
-              </a:spcAft>
-              <a:defRPr sz="2800" b="1">
-                <a:solidFill>
-                  <a:schemeClr val="bg1"/>
-                </a:solidFill>
-                <a:latin typeface="Arial" charset="0"/>
-              </a:defRPr>
-            </a:lvl6pPr>
-            <a:lvl7pPr marL="914400" algn="l" rtl="0" eaLnBrk="1" fontAlgn="base" hangingPunct="1">
-              <a:lnSpc>
-                <a:spcPct val="115000"/>
-              </a:lnSpc>
-              <a:spcBef>
-                <a:spcPct val="0"/>
-              </a:spcBef>
-              <a:spcAft>
-                <a:spcPct val="0"/>
-              </a:spcAft>
-              <a:defRPr sz="2800" b="1">
-                <a:solidFill>
-                  <a:schemeClr val="bg1"/>
-                </a:solidFill>
-                <a:latin typeface="Arial" charset="0"/>
-              </a:defRPr>
-            </a:lvl7pPr>
-            <a:lvl8pPr marL="1371600" algn="l" rtl="0" eaLnBrk="1" fontAlgn="base" hangingPunct="1">
-              <a:lnSpc>
-                <a:spcPct val="115000"/>
-              </a:lnSpc>
-              <a:spcBef>
-                <a:spcPct val="0"/>
-              </a:spcBef>
-              <a:spcAft>
-                <a:spcPct val="0"/>
-              </a:spcAft>
-              <a:defRPr sz="2800" b="1">
-                <a:solidFill>
-                  <a:schemeClr val="bg1"/>
-                </a:solidFill>
-                <a:latin typeface="Arial" charset="0"/>
-              </a:defRPr>
-            </a:lvl8pPr>
-            <a:lvl9pPr marL="1828800" algn="l" rtl="0" eaLnBrk="1" fontAlgn="base" hangingPunct="1">
-              <a:lnSpc>
-                <a:spcPct val="115000"/>
-              </a:lnSpc>
-              <a:spcBef>
-                <a:spcPct val="0"/>
-              </a:spcBef>
-              <a:spcAft>
-                <a:spcPct val="0"/>
-              </a:spcAft>
-              <a:defRPr sz="2800" b="1">
-                <a:solidFill>
-                  <a:schemeClr val="bg1"/>
-                </a:solidFill>
-                <a:latin typeface="Arial" charset="0"/>
-              </a:defRPr>
-            </a:lvl9pPr>
-          </a:lstStyle>
-          <a:p>
-            <a:r>
-              <a:rPr lang="en-US" sz="4000" kern="0" dirty="0" smtClean="0">
-                <a:solidFill>
-                  <a:srgbClr val="FFFFFF"/>
-                </a:solidFill>
-                <a:effectLst>
-                  <a:outerShdw blurRad="38100" dist="38100" dir="2700000" algn="tl">
-                    <a:srgbClr val="000000">
-                      <a:alpha val="43137"/>
-                    </a:srgbClr>
-                  </a:outerShdw>
-                </a:effectLst>
-              </a:rPr>
-              <a:t>Backup</a:t>
-            </a:r>
-            <a:endParaRPr sz="4000" kern="0" dirty="0" smtClean="0">
-              <a:solidFill>
-                <a:srgbClr val="FFFFFF"/>
-              </a:solidFill>
-              <a:effectLst>
-                <a:outerShdw blurRad="38100" dist="38100" dir="2700000" algn="tl">
-                  <a:srgbClr val="000000">
-                    <a:alpha val="43137"/>
-                  </a:srgbClr>
-                </a:outerShdw>
-              </a:effectLst>
-            </a:endParaRPr>
-          </a:p>
-        </p:txBody>
-      </p:sp>
-    </p:spTree>
-    <p:extLst>
-      <p:ext uri="{BB962C8B-B14F-4D97-AF65-F5344CB8AC3E}">
-        <p14:creationId xmlns:p14="http://schemas.microsoft.com/office/powerpoint/2010/main" val="863462002"/>
-      </p:ext>
-    </p:extLst>
-  </p:cSld>
-  <p:clrMapOvr>
-    <a:masterClrMapping/>
-  </p:clrMapOvr>
-  <p:transition>
-    <p:fade/>
-  </p:transition>
-  <p:timing>
-    <p:tnLst>
-      <p:par>
-        <p:cTn id="1" dur="indefinite" restart="never" nodeType="tmRoot"/>
-      </p:par>
-    </p:tnLst>
-  </p:timing>
-</p:sld>
-</file>
-
-<file path=ppt/slides/slide35.xml><?xml version="1.0" encoding="utf-8"?>
-<p:sld xmlns:a="http://schemas.openxmlformats.org/drawingml/2006/main" xmlns:r="http://schemas.openxmlformats.org/officeDocument/2006/relationships" xmlns:p="http://schemas.openxmlformats.org/presentationml/2006/main">
-  <p:cSld>
-    <p:spTree>
-      <p:nvGrpSpPr>
-        <p:cNvPr id="1" name=""/>
-        <p:cNvGrpSpPr/>
-        <p:nvPr/>
-      </p:nvGrpSpPr>
-      <p:grpSpPr>
-        <a:xfrm>
-          <a:off x="0" y="0"/>
-          <a:ext cx="0" cy="0"/>
-          <a:chOff x="0" y="0"/>
-          <a:chExt cx="0" cy="0"/>
-        </a:xfrm>
-      </p:grpSpPr>
-      <p:graphicFrame>
-        <p:nvGraphicFramePr>
-          <p:cNvPr id="4" name="Content Placeholder 3"/>
-          <p:cNvGraphicFramePr>
-            <a:graphicFrameLocks noGrp="1"/>
-          </p:cNvGraphicFramePr>
-          <p:nvPr>
-            <p:ph idx="1"/>
-            <p:extLst/>
-          </p:nvPr>
-        </p:nvGraphicFramePr>
-        <p:xfrm>
-          <a:off x="109728" y="877824"/>
-          <a:ext cx="8863584" cy="2133600"/>
-        </p:xfrm>
-        <a:graphic>
-          <a:graphicData uri="http://schemas.openxmlformats.org/drawingml/2006/diagram">
-            <dgm:relIds xmlns:dgm="http://schemas.openxmlformats.org/drawingml/2006/diagram" xmlns:r="http://schemas.openxmlformats.org/officeDocument/2006/relationships" r:dm="rId3" r:lo="rId4" r:qs="rId5" r:cs="rId6"/>
-          </a:graphicData>
-        </a:graphic>
-      </p:graphicFrame>
-      <p:sp>
-        <p:nvSpPr>
-          <p:cNvPr id="3" name="Title 2"/>
-          <p:cNvSpPr>
-            <a:spLocks noGrp="1"/>
-          </p:cNvSpPr>
-          <p:nvPr>
-            <p:ph type="title"/>
-          </p:nvPr>
-        </p:nvSpPr>
-        <p:spPr/>
-        <p:txBody>
-          <a:bodyPr/>
-          <a:lstStyle/>
-          <a:p>
-            <a:r>
-              <a:rPr lang="en-US" dirty="0" smtClean="0"/>
-              <a:t>Recommended</a:t>
-            </a:r>
-            <a:r>
-              <a:rPr lang="en-US" baseline="0" dirty="0" smtClean="0"/>
-              <a:t> directory structure</a:t>
-            </a:r>
-            <a:endParaRPr lang="en-US" dirty="0"/>
-          </a:p>
-        </p:txBody>
-      </p:sp>
-      <p:sp>
-        <p:nvSpPr>
-          <p:cNvPr id="5" name="Rounded Rectangle 4"/>
-          <p:cNvSpPr/>
-          <p:nvPr/>
-        </p:nvSpPr>
-        <p:spPr bwMode="auto">
-          <a:xfrm>
-            <a:off x="48768" y="1243584"/>
-            <a:ext cx="9034272" cy="1499616"/>
-          </a:xfrm>
-          <a:prstGeom prst="roundRect">
-            <a:avLst/>
-          </a:prstGeom>
-          <a:noFill/>
-          <a:ln w="76200" cap="flat" cmpd="sng" algn="ctr">
-            <a:solidFill>
-              <a:schemeClr val="tx2"/>
-            </a:solidFill>
-            <a:prstDash val="solid"/>
-            <a:round/>
-            <a:headEnd type="none" w="med" len="med"/>
-            <a:tailEnd type="none" w="med" len="med"/>
-          </a:ln>
-          <a:effectLst/>
-        </p:spPr>
-        <p:txBody>
-          <a:bodyPr vert="horz" wrap="square" lIns="91440" tIns="45720" rIns="91440" bIns="45720" numCol="1" rtlCol="0" anchor="ctr" anchorCtr="0" compatLnSpc="1">
-            <a:prstTxWarp prst="textNoShape">
-              <a:avLst/>
-            </a:prstTxWarp>
-            <a:noAutofit/>
-          </a:bodyPr>
-          <a:lstStyle/>
-          <a:p>
-            <a:pPr algn="ctr"/>
-            <a:endParaRPr lang="en-US" dirty="0" smtClean="0">
-              <a:solidFill>
-                <a:srgbClr val="000000"/>
-              </a:solidFill>
-            </a:endParaRPr>
-          </a:p>
-        </p:txBody>
-      </p:sp>
-      <p:sp>
-        <p:nvSpPr>
-          <p:cNvPr id="6" name="Text Placeholder 5"/>
-          <p:cNvSpPr>
-            <a:spLocks noGrp="1"/>
-          </p:cNvSpPr>
-          <p:nvPr>
-            <p:ph type="body" idx="4294967295"/>
-          </p:nvPr>
-        </p:nvSpPr>
-        <p:spPr>
-          <a:xfrm>
-            <a:off x="457200" y="3302255"/>
-            <a:ext cx="8225554" cy="3171698"/>
-          </a:xfrm>
-        </p:spPr>
-        <p:txBody>
-          <a:bodyPr/>
-          <a:lstStyle/>
-          <a:p>
-            <a:r>
-              <a:rPr lang="en-US" dirty="0" smtClean="0"/>
-              <a:t>All Sources are under revision control (dark red)</a:t>
-            </a:r>
-          </a:p>
-          <a:p>
-            <a:pPr lvl="1"/>
-            <a:r>
-              <a:rPr lang="en-US" dirty="0" smtClean="0"/>
-              <a:t>Can be local disk space, or remote/shared location</a:t>
-            </a:r>
-          </a:p>
-          <a:p>
-            <a:pPr lvl="1"/>
-            <a:r>
-              <a:rPr lang="en-US" dirty="0" smtClean="0"/>
-              <a:t>Read only or writeable depending on rev. control tool</a:t>
-            </a:r>
-          </a:p>
-          <a:p>
-            <a:pPr lvl="1"/>
-            <a:endParaRPr lang="en-US" dirty="0" smtClean="0"/>
-          </a:p>
-          <a:p>
-            <a:r>
-              <a:rPr lang="en-US" dirty="0" smtClean="0"/>
-              <a:t>Working directory is “ignored” – not under revision control (blue)</a:t>
-            </a:r>
-          </a:p>
-          <a:p>
-            <a:pPr lvl="1"/>
-            <a:r>
-              <a:rPr lang="en-US" dirty="0" smtClean="0"/>
-              <a:t>You will create all your projects here – and reference remote sources (../)</a:t>
-            </a:r>
-          </a:p>
-          <a:p>
-            <a:pPr lvl="1"/>
-            <a:r>
-              <a:rPr lang="en-US" dirty="0" smtClean="0"/>
-              <a:t>Build “Bottom Up” – copy intermediate deliverables for IP into rev ctrl</a:t>
-            </a:r>
-            <a:endParaRPr lang="en-US" dirty="0"/>
-          </a:p>
-        </p:txBody>
-      </p:sp>
-      <p:sp>
-        <p:nvSpPr>
-          <p:cNvPr id="7" name="Slide Number Placeholder 2"/>
-          <p:cNvSpPr>
-            <a:spLocks noGrp="1"/>
-          </p:cNvSpPr>
-          <p:nvPr>
-            <p:ph type="sldNum" sz="quarter" idx="10"/>
-          </p:nvPr>
-        </p:nvSpPr>
-        <p:spPr>
-          <a:xfrm>
-            <a:off x="457200" y="6577013"/>
-            <a:ext cx="838200" cy="244475"/>
-          </a:xfrm>
-        </p:spPr>
-        <p:txBody>
-          <a:bodyPr/>
-          <a:lstStyle/>
-          <a:p>
-            <a:pPr>
-              <a:defRPr/>
-            </a:pPr>
-            <a:r>
-              <a:rPr dirty="0">
-                <a:solidFill>
-                  <a:srgbClr val="000000"/>
-                </a:solidFill>
-              </a:rPr>
-              <a:t>Page </a:t>
-            </a:r>
-            <a:r>
-              <a:rPr dirty="0" smtClean="0">
-                <a:solidFill>
-                  <a:srgbClr val="000000"/>
-                </a:solidFill>
-              </a:rPr>
-              <a:t>35</a:t>
-            </a:r>
-            <a:endParaRPr dirty="0">
-              <a:solidFill>
-                <a:srgbClr val="000000"/>
-              </a:solidFill>
-            </a:endParaRPr>
-          </a:p>
-        </p:txBody>
-      </p:sp>
-    </p:spTree>
-    <p:extLst>
-      <p:ext uri="{BB962C8B-B14F-4D97-AF65-F5344CB8AC3E}">
-        <p14:creationId xmlns:p14="http://schemas.microsoft.com/office/powerpoint/2010/main" val="1586772691"/>
-      </p:ext>
-    </p:extLst>
-  </p:cSld>
-  <p:clrMapOvr>
-    <a:masterClrMapping/>
-  </p:clrMapOvr>
-  <p:timing>
-    <p:tnLst>
-      <p:par>
-        <p:cTn id="1" dur="indefinite" restart="never" nodeType="tmRoot"/>
-      </p:par>
-    </p:tnLst>
-  </p:timing>
-</p:sld>
-</file>
-
-<file path=ppt/slides/slide36.xml><?xml version="1.0" encoding="utf-8"?>
-<p:sld xmlns:a="http://schemas.openxmlformats.org/drawingml/2006/main" xmlns:r="http://schemas.openxmlformats.org/officeDocument/2006/relationships" xmlns:p="http://schemas.openxmlformats.org/presentationml/2006/main">
-  <p:cSld>
-    <p:spTree>
-      <p:nvGrpSpPr>
-        <p:cNvPr id="1" name=""/>
-        <p:cNvGrpSpPr/>
-        <p:nvPr/>
-      </p:nvGrpSpPr>
-      <p:grpSpPr>
-        <a:xfrm>
-          <a:off x="0" y="0"/>
-          <a:ext cx="0" cy="0"/>
-          <a:chOff x="0" y="0"/>
-          <a:chExt cx="0" cy="0"/>
-        </a:xfrm>
-      </p:grpSpPr>
-      <p:sp>
-        <p:nvSpPr>
-          <p:cNvPr id="2" name="Content Placeholder 1"/>
-          <p:cNvSpPr>
-            <a:spLocks noGrp="1"/>
-          </p:cNvSpPr>
-          <p:nvPr>
-            <p:ph idx="1"/>
-          </p:nvPr>
-        </p:nvSpPr>
-        <p:spPr>
-          <a:xfrm>
-            <a:off x="243840" y="1205230"/>
-            <a:ext cx="5027333" cy="4268337"/>
-          </a:xfrm>
-        </p:spPr>
-        <p:txBody>
-          <a:bodyPr/>
-          <a:lstStyle/>
-          <a:p>
-            <a:r>
-              <a:rPr lang="en-US" sz="1800" dirty="0" smtClean="0"/>
-              <a:t>Use Standalone Manage IP</a:t>
-            </a:r>
-          </a:p>
-          <a:p>
-            <a:pPr lvl="1"/>
-            <a:r>
-              <a:rPr lang="en-US" sz="1600" dirty="0" smtClean="0"/>
-              <a:t>Put the IP outside the project to be checked into revision control</a:t>
-            </a:r>
-          </a:p>
-          <a:p>
-            <a:pPr lvl="1"/>
-            <a:r>
-              <a:rPr lang="en-US" sz="1600" dirty="0" smtClean="0"/>
-              <a:t>Choose a directory – normally at same level as working project</a:t>
-            </a:r>
-          </a:p>
-          <a:p>
-            <a:pPr lvl="1"/>
-            <a:endParaRPr lang="en-US" sz="1600" dirty="0" smtClean="0"/>
-          </a:p>
-          <a:p>
-            <a:r>
-              <a:rPr lang="en-US" sz="1800" dirty="0" smtClean="0"/>
-              <a:t>Check in the directory next to the </a:t>
-            </a:r>
-            <a:r>
-              <a:rPr lang="en-US" sz="1800" dirty="0" err="1" smtClean="0"/>
-              <a:t>managed_ip_project</a:t>
-            </a:r>
-            <a:r>
-              <a:rPr lang="en-US" sz="1800" dirty="0" smtClean="0"/>
-              <a:t> folder</a:t>
-            </a:r>
-          </a:p>
-          <a:p>
-            <a:pPr lvl="1"/>
-            <a:r>
-              <a:rPr lang="en-US" sz="1600" dirty="0" smtClean="0"/>
-              <a:t>And everything below it (.xci, .</a:t>
-            </a:r>
-            <a:r>
-              <a:rPr lang="en-US" sz="1600" dirty="0" err="1" smtClean="0"/>
-              <a:t>dcp</a:t>
-            </a:r>
-            <a:r>
-              <a:rPr lang="en-US" sz="1600" dirty="0" smtClean="0"/>
-              <a:t>, .</a:t>
-            </a:r>
-            <a:r>
-              <a:rPr lang="en-US" sz="1600" dirty="0" err="1" smtClean="0"/>
-              <a:t>veo</a:t>
-            </a:r>
-            <a:r>
-              <a:rPr lang="en-US" sz="1600" dirty="0" smtClean="0"/>
-              <a:t>, . Xml)</a:t>
-            </a:r>
-          </a:p>
-          <a:p>
-            <a:pPr lvl="1"/>
-            <a:r>
-              <a:rPr lang="en-US" sz="1600" dirty="0" smtClean="0"/>
-              <a:t>all subdirectories</a:t>
-            </a:r>
-          </a:p>
-          <a:p>
-            <a:pPr lvl="1"/>
-            <a:endParaRPr lang="en-US" sz="1600" dirty="0"/>
-          </a:p>
-          <a:p>
-            <a:r>
-              <a:rPr lang="en-US" sz="1800" dirty="0" smtClean="0"/>
-              <a:t>Instantiate - </a:t>
-            </a:r>
-            <a:r>
-              <a:rPr lang="en-US" sz="1800" dirty="0"/>
-              <a:t>A</a:t>
-            </a:r>
-            <a:r>
-              <a:rPr lang="en-US" sz="1800" dirty="0" smtClean="0"/>
-              <a:t>dding .xci as remote source</a:t>
-            </a:r>
-          </a:p>
-          <a:p>
-            <a:pPr lvl="1"/>
-            <a:r>
-              <a:rPr lang="en-US" sz="1600" dirty="0" smtClean="0"/>
-              <a:t>Make sure “copy into project” option is not selected</a:t>
-            </a:r>
-          </a:p>
-          <a:p>
-            <a:pPr lvl="1"/>
-            <a:r>
-              <a:rPr lang="en-US" sz="1600" dirty="0" smtClean="0"/>
-              <a:t>Must be fully generated, preferably w/ </a:t>
-            </a:r>
-            <a:r>
-              <a:rPr lang="en-US" sz="1600" dirty="0" err="1" smtClean="0"/>
-              <a:t>dcp</a:t>
-            </a:r>
-            <a:endParaRPr lang="en-US" sz="1600" dirty="0"/>
-          </a:p>
-        </p:txBody>
-      </p:sp>
-      <p:sp>
-        <p:nvSpPr>
-          <p:cNvPr id="3" name="Title 2"/>
-          <p:cNvSpPr>
-            <a:spLocks noGrp="1"/>
-          </p:cNvSpPr>
-          <p:nvPr>
-            <p:ph type="title"/>
-          </p:nvPr>
-        </p:nvSpPr>
-        <p:spPr/>
-        <p:txBody>
-          <a:bodyPr/>
-          <a:lstStyle/>
-          <a:p>
-            <a:r>
-              <a:rPr lang="en-US" dirty="0" smtClean="0"/>
-              <a:t>IP under revision</a:t>
-            </a:r>
-            <a:r>
-              <a:rPr lang="en-US" baseline="0" dirty="0" smtClean="0"/>
-              <a:t> control</a:t>
-            </a:r>
-            <a:endParaRPr lang="en-US" dirty="0"/>
-          </a:p>
-        </p:txBody>
-      </p:sp>
-      <p:pic>
-        <p:nvPicPr>
-          <p:cNvPr id="5" name="Picture 4"/>
-          <p:cNvPicPr>
-            <a:picLocks noChangeAspect="1"/>
-          </p:cNvPicPr>
-          <p:nvPr/>
-        </p:nvPicPr>
-        <p:blipFill>
-          <a:blip r:embed="rId2">
-            <a:extLst>
-              <a:ext uri="{28A0092B-C50C-407E-A947-70E740481C1C}">
-                <a14:useLocalDpi xmlns:a14="http://schemas.microsoft.com/office/drawing/2010/main" val="0"/>
-              </a:ext>
-            </a:extLst>
-          </a:blip>
-          <a:stretch>
-            <a:fillRect/>
-          </a:stretch>
-        </p:blipFill>
-        <p:spPr>
-          <a:xfrm>
-            <a:off x="5308073" y="294520"/>
-            <a:ext cx="3788757" cy="2067681"/>
-          </a:xfrm>
-          <a:prstGeom prst="rect">
-            <a:avLst/>
-          </a:prstGeom>
-        </p:spPr>
-      </p:pic>
-      <p:pic>
-        <p:nvPicPr>
-          <p:cNvPr id="6" name="Picture 5"/>
-          <p:cNvPicPr>
-            <a:picLocks noChangeAspect="1"/>
-          </p:cNvPicPr>
-          <p:nvPr/>
-        </p:nvPicPr>
-        <p:blipFill>
-          <a:blip r:embed="rId3">
-            <a:extLst>
-              <a:ext uri="{28A0092B-C50C-407E-A947-70E740481C1C}">
-                <a14:useLocalDpi xmlns:a14="http://schemas.microsoft.com/office/drawing/2010/main" val="0"/>
-              </a:ext>
-            </a:extLst>
-          </a:blip>
-          <a:stretch>
-            <a:fillRect/>
-          </a:stretch>
-        </p:blipFill>
-        <p:spPr>
-          <a:xfrm>
-            <a:off x="5308073" y="2420597"/>
-            <a:ext cx="3835927" cy="4129494"/>
-          </a:xfrm>
-          <a:prstGeom prst="rect">
-            <a:avLst/>
-          </a:prstGeom>
-        </p:spPr>
-      </p:pic>
-      <p:sp>
-        <p:nvSpPr>
-          <p:cNvPr id="7" name="Rounded Rectangle 6"/>
-          <p:cNvSpPr/>
-          <p:nvPr/>
-        </p:nvSpPr>
-        <p:spPr bwMode="auto">
-          <a:xfrm>
-            <a:off x="5498530" y="857172"/>
-            <a:ext cx="1436913" cy="298580"/>
-          </a:xfrm>
-          <a:prstGeom prst="roundRect">
-            <a:avLst/>
-          </a:prstGeom>
-          <a:noFill/>
-          <a:ln w="76200" cap="flat" cmpd="sng" algn="ctr">
-            <a:solidFill>
-              <a:schemeClr val="bg2"/>
-            </a:solidFill>
-            <a:prstDash val="solid"/>
-            <a:round/>
-            <a:headEnd type="none" w="med" len="med"/>
-            <a:tailEnd type="none" w="med" len="med"/>
-          </a:ln>
-          <a:effectLst/>
-        </p:spPr>
-        <p:txBody>
-          <a:bodyPr vert="horz" wrap="square" lIns="91440" tIns="45720" rIns="91440" bIns="45720" numCol="1" rtlCol="0" anchor="ctr" anchorCtr="0" compatLnSpc="1">
-            <a:prstTxWarp prst="textNoShape">
-              <a:avLst/>
-            </a:prstTxWarp>
-            <a:noAutofit/>
-          </a:bodyPr>
-          <a:lstStyle/>
-          <a:p>
-            <a:pPr algn="ctr"/>
-            <a:endParaRPr lang="en-US" dirty="0" smtClean="0">
-              <a:solidFill>
-                <a:srgbClr val="000000"/>
-              </a:solidFill>
-            </a:endParaRPr>
-          </a:p>
-        </p:txBody>
-      </p:sp>
-      <p:sp>
-        <p:nvSpPr>
-          <p:cNvPr id="9" name="Rounded Rectangle 8"/>
-          <p:cNvSpPr/>
-          <p:nvPr/>
-        </p:nvSpPr>
-        <p:spPr bwMode="auto">
-          <a:xfrm>
-            <a:off x="5484533" y="4406226"/>
-            <a:ext cx="1436913" cy="298580"/>
-          </a:xfrm>
-          <a:prstGeom prst="roundRect">
-            <a:avLst/>
-          </a:prstGeom>
-          <a:noFill/>
-          <a:ln w="76200" cap="flat" cmpd="sng" algn="ctr">
-            <a:solidFill>
-              <a:schemeClr val="bg2"/>
-            </a:solidFill>
-            <a:prstDash val="solid"/>
-            <a:round/>
-            <a:headEnd type="none" w="med" len="med"/>
-            <a:tailEnd type="none" w="med" len="med"/>
-          </a:ln>
-          <a:effectLst/>
-        </p:spPr>
-        <p:txBody>
-          <a:bodyPr vert="horz" wrap="square" lIns="91440" tIns="45720" rIns="91440" bIns="45720" numCol="1" rtlCol="0" anchor="ctr" anchorCtr="0" compatLnSpc="1">
-            <a:prstTxWarp prst="textNoShape">
-              <a:avLst/>
-            </a:prstTxWarp>
-            <a:noAutofit/>
-          </a:bodyPr>
-          <a:lstStyle/>
-          <a:p>
-            <a:pPr algn="ctr"/>
-            <a:endParaRPr lang="en-US" dirty="0" smtClean="0">
-              <a:solidFill>
-                <a:srgbClr val="000000"/>
-              </a:solidFill>
-            </a:endParaRPr>
-          </a:p>
-        </p:txBody>
-      </p:sp>
-      <p:sp>
-        <p:nvSpPr>
-          <p:cNvPr id="8" name="Slide Number Placeholder 2"/>
-          <p:cNvSpPr>
-            <a:spLocks noGrp="1"/>
-          </p:cNvSpPr>
-          <p:nvPr>
-            <p:ph type="sldNum" sz="quarter" idx="10"/>
-          </p:nvPr>
-        </p:nvSpPr>
-        <p:spPr>
-          <a:xfrm>
-            <a:off x="457200" y="6577013"/>
-            <a:ext cx="838200" cy="244475"/>
-          </a:xfrm>
-        </p:spPr>
-        <p:txBody>
-          <a:bodyPr/>
-          <a:lstStyle/>
-          <a:p>
-            <a:pPr>
-              <a:defRPr/>
-            </a:pPr>
-            <a:r>
-              <a:rPr dirty="0">
-                <a:solidFill>
-                  <a:srgbClr val="000000"/>
-                </a:solidFill>
-              </a:rPr>
-              <a:t>Page </a:t>
-            </a:r>
-            <a:r>
-              <a:rPr dirty="0" smtClean="0">
-                <a:solidFill>
-                  <a:srgbClr val="000000"/>
-                </a:solidFill>
-              </a:rPr>
-              <a:t>36</a:t>
-            </a:r>
-            <a:endParaRPr dirty="0">
-              <a:solidFill>
-                <a:srgbClr val="000000"/>
-              </a:solidFill>
-            </a:endParaRPr>
-          </a:p>
-        </p:txBody>
-      </p:sp>
-    </p:spTree>
-    <p:extLst>
-      <p:ext uri="{BB962C8B-B14F-4D97-AF65-F5344CB8AC3E}">
-        <p14:creationId xmlns:p14="http://schemas.microsoft.com/office/powerpoint/2010/main" val="2879974212"/>
-      </p:ext>
-    </p:extLst>
-  </p:cSld>
-  <p:clrMapOvr>
-    <a:masterClrMapping/>
-  </p:clrMapOvr>
-  <p:timing>
-    <p:tnLst>
-      <p:par>
-        <p:cTn id="1" dur="indefinite" restart="never" nodeType="tmRoot"/>
-      </p:par>
-    </p:tnLst>
-  </p:timing>
-</p:sld>
-</file>
-
-<file path=ppt/slides/slide37.xml><?xml version="1.0" encoding="utf-8"?>
-<p:sld xmlns:a="http://schemas.openxmlformats.org/drawingml/2006/main" xmlns:r="http://schemas.openxmlformats.org/officeDocument/2006/relationships" xmlns:p="http://schemas.openxmlformats.org/presentationml/2006/main">
-  <p:cSld>
-    <p:spTree>
-      <p:nvGrpSpPr>
-        <p:cNvPr id="1" name=""/>
-        <p:cNvGrpSpPr/>
-        <p:nvPr/>
-      </p:nvGrpSpPr>
-      <p:grpSpPr>
-        <a:xfrm>
-          <a:off x="0" y="0"/>
-          <a:ext cx="0" cy="0"/>
-          <a:chOff x="0" y="0"/>
-          <a:chExt cx="0" cy="0"/>
-        </a:xfrm>
-      </p:grpSpPr>
-      <p:sp>
-        <p:nvSpPr>
-          <p:cNvPr id="2" name="Content Placeholder 1"/>
-          <p:cNvSpPr>
-            <a:spLocks noGrp="1"/>
-          </p:cNvSpPr>
-          <p:nvPr>
-            <p:ph idx="1"/>
-          </p:nvPr>
-        </p:nvSpPr>
-        <p:spPr>
-          <a:xfrm>
-            <a:off x="457200" y="1327150"/>
-            <a:ext cx="6152796" cy="4268337"/>
-          </a:xfrm>
-        </p:spPr>
-        <p:txBody>
-          <a:bodyPr/>
-          <a:lstStyle/>
-          <a:p>
-            <a:r>
-              <a:rPr lang="en-US" dirty="0" smtClean="0"/>
-              <a:t>Create the block diagram in a remote directory</a:t>
-            </a:r>
-          </a:p>
-          <a:p>
-            <a:pPr lvl="1"/>
-            <a:r>
-              <a:rPr lang="en-US" dirty="0" smtClean="0"/>
-              <a:t>Just like IP, and make sure it is fully generated</a:t>
-            </a:r>
-          </a:p>
-          <a:p>
-            <a:pPr lvl="1"/>
-            <a:r>
-              <a:rPr lang="en-US" dirty="0" smtClean="0"/>
-              <a:t>Iterate until happy w/ BD</a:t>
-            </a:r>
-          </a:p>
-          <a:p>
-            <a:pPr lvl="1"/>
-            <a:endParaRPr lang="en-US" dirty="0" smtClean="0"/>
-          </a:p>
-          <a:p>
-            <a:r>
-              <a:rPr lang="en-US" dirty="0" smtClean="0"/>
-              <a:t>Check in entire directory</a:t>
-            </a:r>
-          </a:p>
-          <a:p>
-            <a:pPr lvl="1"/>
-            <a:r>
-              <a:rPr lang="en-US" dirty="0" smtClean="0"/>
-              <a:t>And all subdirectories</a:t>
-            </a:r>
-          </a:p>
-          <a:p>
-            <a:pPr lvl="1"/>
-            <a:endParaRPr lang="en-US" dirty="0" smtClean="0"/>
-          </a:p>
-          <a:p>
-            <a:r>
-              <a:rPr lang="en-US" dirty="0" smtClean="0"/>
-              <a:t>Add .</a:t>
-            </a:r>
-            <a:r>
-              <a:rPr lang="en-US" dirty="0" err="1" smtClean="0"/>
-              <a:t>bd</a:t>
-            </a:r>
-            <a:r>
-              <a:rPr lang="en-US" dirty="0" smtClean="0"/>
-              <a:t> as a remote source in top project</a:t>
-            </a:r>
-          </a:p>
-          <a:p>
-            <a:pPr lvl="1"/>
-            <a:r>
-              <a:rPr lang="en-US" dirty="0" smtClean="0"/>
-              <a:t>Read only is fine for implementation</a:t>
-            </a:r>
-          </a:p>
-          <a:p>
-            <a:pPr lvl="1"/>
-            <a:r>
-              <a:rPr lang="en-US" dirty="0" smtClean="0"/>
-              <a:t>Must be fully generated</a:t>
-            </a:r>
-            <a:endParaRPr lang="en-US" dirty="0"/>
-          </a:p>
-        </p:txBody>
-      </p:sp>
-      <p:sp>
-        <p:nvSpPr>
-          <p:cNvPr id="3" name="Title 2"/>
-          <p:cNvSpPr>
-            <a:spLocks noGrp="1"/>
-          </p:cNvSpPr>
-          <p:nvPr>
-            <p:ph type="title"/>
-          </p:nvPr>
-        </p:nvSpPr>
-        <p:spPr/>
-        <p:txBody>
-          <a:bodyPr/>
-          <a:lstStyle/>
-          <a:p>
-            <a:r>
-              <a:rPr lang="en-US" dirty="0" smtClean="0"/>
-              <a:t>IP</a:t>
-            </a:r>
-            <a:r>
-              <a:rPr lang="en-US" baseline="0" dirty="0" smtClean="0"/>
-              <a:t> Integrator under revision control</a:t>
-            </a:r>
-            <a:endParaRPr lang="en-US" dirty="0"/>
-          </a:p>
-        </p:txBody>
-      </p:sp>
-      <p:pic>
-        <p:nvPicPr>
-          <p:cNvPr id="4" name="Picture 3"/>
-          <p:cNvPicPr>
-            <a:picLocks noChangeAspect="1"/>
-          </p:cNvPicPr>
-          <p:nvPr/>
-        </p:nvPicPr>
-        <p:blipFill>
-          <a:blip r:embed="rId2">
-            <a:extLst>
-              <a:ext uri="{28A0092B-C50C-407E-A947-70E740481C1C}">
-                <a14:useLocalDpi xmlns:a14="http://schemas.microsoft.com/office/drawing/2010/main" val="0"/>
-              </a:ext>
-            </a:extLst>
-          </a:blip>
-          <a:stretch>
-            <a:fillRect/>
-          </a:stretch>
-        </p:blipFill>
-        <p:spPr>
-          <a:xfrm>
-            <a:off x="6609996" y="802664"/>
-            <a:ext cx="2534004" cy="2248214"/>
-          </a:xfrm>
-          <a:prstGeom prst="rect">
-            <a:avLst/>
-          </a:prstGeom>
-        </p:spPr>
-      </p:pic>
-      <p:sp>
-        <p:nvSpPr>
-          <p:cNvPr id="5" name="Rounded Rectangle 4"/>
-          <p:cNvSpPr/>
-          <p:nvPr/>
-        </p:nvSpPr>
-        <p:spPr bwMode="auto">
-          <a:xfrm>
-            <a:off x="6542722" y="2006081"/>
-            <a:ext cx="1436913" cy="298580"/>
-          </a:xfrm>
-          <a:prstGeom prst="roundRect">
-            <a:avLst/>
-          </a:prstGeom>
-          <a:noFill/>
-          <a:ln w="76200" cap="flat" cmpd="sng" algn="ctr">
-            <a:solidFill>
-              <a:schemeClr val="bg2"/>
-            </a:solidFill>
-            <a:prstDash val="solid"/>
-            <a:round/>
-            <a:headEnd type="none" w="med" len="med"/>
-            <a:tailEnd type="none" w="med" len="med"/>
-          </a:ln>
-          <a:effectLst/>
-        </p:spPr>
-        <p:txBody>
-          <a:bodyPr vert="horz" wrap="square" lIns="91440" tIns="45720" rIns="91440" bIns="45720" numCol="1" rtlCol="0" anchor="ctr" anchorCtr="0" compatLnSpc="1">
-            <a:prstTxWarp prst="textNoShape">
-              <a:avLst/>
-            </a:prstTxWarp>
-            <a:noAutofit/>
-          </a:bodyPr>
-          <a:lstStyle/>
-          <a:p>
-            <a:pPr algn="ctr"/>
-            <a:endParaRPr lang="en-US" dirty="0" smtClean="0">
-              <a:solidFill>
-                <a:srgbClr val="000000"/>
-              </a:solidFill>
-            </a:endParaRPr>
-          </a:p>
-        </p:txBody>
-      </p:sp>
-      <p:sp>
-        <p:nvSpPr>
-          <p:cNvPr id="6" name="Slide Number Placeholder 2"/>
-          <p:cNvSpPr>
-            <a:spLocks noGrp="1"/>
-          </p:cNvSpPr>
-          <p:nvPr>
-            <p:ph type="sldNum" sz="quarter" idx="10"/>
-          </p:nvPr>
-        </p:nvSpPr>
-        <p:spPr>
-          <a:xfrm>
-            <a:off x="457200" y="6577013"/>
-            <a:ext cx="838200" cy="244475"/>
-          </a:xfrm>
-        </p:spPr>
-        <p:txBody>
-          <a:bodyPr/>
-          <a:lstStyle/>
-          <a:p>
-            <a:pPr>
-              <a:defRPr/>
-            </a:pPr>
-            <a:r>
-              <a:rPr dirty="0">
-                <a:solidFill>
-                  <a:srgbClr val="000000"/>
-                </a:solidFill>
-              </a:rPr>
-              <a:t>Page </a:t>
-            </a:r>
-            <a:r>
-              <a:rPr dirty="0" smtClean="0">
-                <a:solidFill>
-                  <a:srgbClr val="000000"/>
-                </a:solidFill>
-              </a:rPr>
-              <a:t>37</a:t>
-            </a:r>
-            <a:endParaRPr dirty="0">
-              <a:solidFill>
-                <a:srgbClr val="000000"/>
-              </a:solidFill>
-            </a:endParaRPr>
-          </a:p>
-        </p:txBody>
-      </p:sp>
-    </p:spTree>
-    <p:extLst>
-      <p:ext uri="{BB962C8B-B14F-4D97-AF65-F5344CB8AC3E}">
-        <p14:creationId xmlns:p14="http://schemas.microsoft.com/office/powerpoint/2010/main" val="2788252931"/>
-      </p:ext>
-    </p:extLst>
-  </p:cSld>
-  <p:clrMapOvr>
-    <a:masterClrMapping/>
-  </p:clrMapOvr>
-  <p:timing>
-    <p:tnLst>
-      <p:par>
-        <p:cTn id="1" dur="indefinite" restart="never" nodeType="tmRoot"/>
-      </p:par>
-    </p:tnLst>
-  </p:timing>
-</p:sld>
-</file>
-
-<file path=ppt/slides/slide38.xml><?xml version="1.0" encoding="utf-8"?>
-<p:sld xmlns:a="http://schemas.openxmlformats.org/drawingml/2006/main" xmlns:r="http://schemas.openxmlformats.org/officeDocument/2006/relationships" xmlns:p="http://schemas.openxmlformats.org/presentationml/2006/main">
-  <p:cSld>
-    <p:spTree>
-      <p:nvGrpSpPr>
-        <p:cNvPr id="1" name=""/>
-        <p:cNvGrpSpPr/>
-        <p:nvPr/>
-      </p:nvGrpSpPr>
-      <p:grpSpPr>
-        <a:xfrm>
-          <a:off x="0" y="0"/>
-          <a:ext cx="0" cy="0"/>
-          <a:chOff x="0" y="0"/>
-          <a:chExt cx="0" cy="0"/>
-        </a:xfrm>
-      </p:grpSpPr>
-      <p:sp>
-        <p:nvSpPr>
-          <p:cNvPr id="2" name="Content Placeholder 1"/>
-          <p:cNvSpPr>
-            <a:spLocks noGrp="1"/>
-          </p:cNvSpPr>
-          <p:nvPr>
-            <p:ph idx="1"/>
-          </p:nvPr>
-        </p:nvSpPr>
-        <p:spPr/>
-        <p:txBody>
-          <a:bodyPr/>
-          <a:lstStyle/>
-          <a:p>
-            <a:r>
-              <a:rPr lang="en-US" dirty="0" smtClean="0"/>
-              <a:t>Build</a:t>
-            </a:r>
-            <a:r>
-              <a:rPr lang="en-US" baseline="0" dirty="0" smtClean="0"/>
-              <a:t> a small “managed </a:t>
-            </a:r>
-            <a:r>
-              <a:rPr lang="en-US" baseline="0" dirty="0" err="1" smtClean="0"/>
-              <a:t>ip</a:t>
-            </a:r>
-            <a:r>
-              <a:rPr lang="en-US" baseline="0" dirty="0" smtClean="0"/>
-              <a:t>” project for IP</a:t>
-            </a:r>
-          </a:p>
-          <a:p>
-            <a:r>
-              <a:rPr lang="en-US" baseline="0" dirty="0" smtClean="0"/>
-              <a:t>Package it up to a directory</a:t>
-            </a:r>
-          </a:p>
-          <a:p>
-            <a:pPr lvl="1"/>
-            <a:r>
-              <a:rPr lang="en-US" dirty="0" smtClean="0"/>
-              <a:t>Creates component.xml</a:t>
-            </a:r>
-            <a:r>
-              <a:rPr lang="en-US" baseline="0" dirty="0" smtClean="0"/>
-              <a:t> and </a:t>
-            </a:r>
-            <a:r>
-              <a:rPr lang="en-US" baseline="0" dirty="0" err="1" smtClean="0"/>
-              <a:t>xgui</a:t>
-            </a:r>
-            <a:r>
-              <a:rPr lang="en-US" baseline="0" dirty="0" smtClean="0"/>
-              <a:t> </a:t>
-            </a:r>
-            <a:r>
-              <a:rPr lang="en-US" baseline="0" dirty="0" err="1" smtClean="0"/>
-              <a:t>dirs</a:t>
-            </a:r>
-            <a:endParaRPr lang="en-US" baseline="0" dirty="0" smtClean="0"/>
-          </a:p>
-          <a:p>
-            <a:pPr lvl="1"/>
-            <a:r>
-              <a:rPr lang="en-US" dirty="0" smtClean="0"/>
-              <a:t>Revision control this directory</a:t>
-            </a:r>
-          </a:p>
-          <a:p>
-            <a:pPr lvl="0"/>
-            <a:r>
-              <a:rPr lang="en-US" dirty="0" smtClean="0"/>
-              <a:t>To edit/update from an instantiated project:</a:t>
-            </a:r>
-          </a:p>
-          <a:p>
-            <a:pPr lvl="1"/>
-            <a:r>
-              <a:rPr lang="en-US" dirty="0" smtClean="0"/>
-              <a:t>From within IPI BD select IP, choose Edit in IP Packager</a:t>
-            </a:r>
-          </a:p>
-          <a:p>
-            <a:pPr lvl="1"/>
-            <a:r>
-              <a:rPr lang="en-US" dirty="0" smtClean="0"/>
-              <a:t>Creates a small temp directory and allows</a:t>
-            </a:r>
-            <a:r>
-              <a:rPr lang="en-US" baseline="0" dirty="0" smtClean="0"/>
-              <a:t> RTL edits and re-packaging</a:t>
-            </a:r>
-          </a:p>
-          <a:p>
-            <a:pPr lvl="1"/>
-            <a:r>
-              <a:rPr lang="en-US" baseline="0" dirty="0" smtClean="0"/>
-              <a:t>Make sure you up revision each time</a:t>
-            </a:r>
-          </a:p>
-          <a:p>
-            <a:pPr lvl="1"/>
-            <a:r>
-              <a:rPr lang="en-US" baseline="0" dirty="0" err="1" smtClean="0"/>
-              <a:t>Report_ip_status</a:t>
-            </a:r>
-            <a:r>
-              <a:rPr lang="en-US" baseline="0" dirty="0" smtClean="0"/>
-              <a:t> and upgrading should work like Xilinx IP</a:t>
-            </a:r>
-            <a:endParaRPr lang="en-US" dirty="0" smtClean="0"/>
-          </a:p>
-        </p:txBody>
-      </p:sp>
-      <p:sp>
-        <p:nvSpPr>
-          <p:cNvPr id="3" name="Title 2"/>
-          <p:cNvSpPr>
-            <a:spLocks noGrp="1"/>
-          </p:cNvSpPr>
-          <p:nvPr>
-            <p:ph type="title"/>
-          </p:nvPr>
-        </p:nvSpPr>
-        <p:spPr/>
-        <p:txBody>
-          <a:bodyPr/>
-          <a:lstStyle/>
-          <a:p>
-            <a:r>
-              <a:rPr lang="en-US" dirty="0" smtClean="0"/>
-              <a:t>Custom IP with IP Integrator</a:t>
-            </a:r>
-            <a:endParaRPr lang="en-US" dirty="0"/>
-          </a:p>
-        </p:txBody>
-      </p:sp>
-      <p:sp>
-        <p:nvSpPr>
-          <p:cNvPr id="4" name="Rounded Rectangle 3"/>
-          <p:cNvSpPr/>
-          <p:nvPr/>
-        </p:nvSpPr>
-        <p:spPr bwMode="auto">
-          <a:xfrm>
-            <a:off x="633984" y="4059936"/>
-            <a:ext cx="4230624" cy="316992"/>
-          </a:xfrm>
-          <a:prstGeom prst="roundRect">
-            <a:avLst/>
-          </a:prstGeom>
-          <a:noFill/>
-          <a:ln w="76200" cap="flat" cmpd="sng" algn="ctr">
-            <a:solidFill>
-              <a:schemeClr val="bg2"/>
-            </a:solidFill>
-            <a:prstDash val="solid"/>
-            <a:round/>
-            <a:headEnd type="none" w="med" len="med"/>
-            <a:tailEnd type="none" w="med" len="med"/>
-          </a:ln>
-          <a:effectLst/>
-        </p:spPr>
-        <p:txBody>
-          <a:bodyPr vert="horz" wrap="square" lIns="91440" tIns="45720" rIns="91440" bIns="45720" numCol="1" rtlCol="0" anchor="ctr" anchorCtr="0" compatLnSpc="1">
-            <a:prstTxWarp prst="textNoShape">
-              <a:avLst/>
-            </a:prstTxWarp>
-            <a:noAutofit/>
-          </a:bodyPr>
-          <a:lstStyle/>
-          <a:p>
-            <a:pPr algn="ctr"/>
-            <a:endParaRPr lang="en-US" dirty="0" smtClean="0">
-              <a:solidFill>
-                <a:srgbClr val="000000"/>
-              </a:solidFill>
-            </a:endParaRPr>
-          </a:p>
-        </p:txBody>
-      </p:sp>
-      <p:sp>
-        <p:nvSpPr>
-          <p:cNvPr id="5" name="TextBox 4"/>
-          <p:cNvSpPr txBox="1"/>
-          <p:nvPr/>
-        </p:nvSpPr>
-        <p:spPr bwMode="auto">
-          <a:xfrm>
-            <a:off x="7168896" y="5632704"/>
-            <a:ext cx="1487425" cy="404663"/>
-          </a:xfrm>
-          <a:prstGeom prst="rect">
-            <a:avLst/>
-          </a:prstGeom>
-          <a:noFill/>
-          <a:ln w="38100">
-            <a:solidFill>
-              <a:schemeClr val="bg2"/>
-            </a:solidFill>
-            <a:miter lim="800000"/>
-            <a:headEnd/>
-            <a:tailEnd/>
-          </a:ln>
-        </p:spPr>
-        <p:txBody>
-          <a:bodyPr vert="horz" wrap="square" lIns="0" tIns="45720" rIns="91440" bIns="45720" numCol="1" rtlCol="0" anchor="t" anchorCtr="0" compatLnSpc="1">
-            <a:prstTxWarp prst="textNoShape">
-              <a:avLst/>
-            </a:prstTxWarp>
-            <a:spAutoFit/>
-          </a:bodyPr>
-          <a:lstStyle/>
-          <a:p>
-            <a:pPr marL="228600" marR="0" indent="-228600" algn="r" defTabSz="914400" rtl="0" eaLnBrk="0" fontAlgn="base" latinLnBrk="0" hangingPunct="0">
-              <a:lnSpc>
-                <a:spcPct val="110000"/>
-              </a:lnSpc>
-              <a:spcBef>
-                <a:spcPct val="20000"/>
-              </a:spcBef>
-              <a:spcAft>
-                <a:spcPct val="0"/>
-              </a:spcAft>
-              <a:buClr>
-                <a:schemeClr val="tx2"/>
-              </a:buClr>
-              <a:buSzPct val="88000"/>
-              <a:tabLst/>
-            </a:pPr>
-            <a:r>
-              <a:rPr kumimoji="0" lang="en-US" sz="2000" b="1" i="0" u="none" strike="noStrike" kern="0" cap="none" spc="0" normalizeH="0" baseline="0" noProof="0" dirty="0" smtClean="0">
-                <a:ln>
-                  <a:noFill/>
-                </a:ln>
-                <a:solidFill>
-                  <a:srgbClr val="FF0000"/>
-                </a:solidFill>
-                <a:effectLst/>
-                <a:uLnTx/>
-                <a:uFillTx/>
-                <a:latin typeface="+mn-lt"/>
-                <a:ea typeface="+mn-ea"/>
-                <a:cs typeface="+mn-cs"/>
-              </a:rPr>
-              <a:t>Important!</a:t>
-            </a:r>
-          </a:p>
-        </p:txBody>
-      </p:sp>
-      <p:sp>
-        <p:nvSpPr>
-          <p:cNvPr id="6" name="Slide Number Placeholder 2"/>
-          <p:cNvSpPr>
-            <a:spLocks noGrp="1"/>
-          </p:cNvSpPr>
-          <p:nvPr>
-            <p:ph type="sldNum" sz="quarter" idx="10"/>
-          </p:nvPr>
-        </p:nvSpPr>
-        <p:spPr>
-          <a:xfrm>
-            <a:off x="457200" y="6577013"/>
-            <a:ext cx="838200" cy="244475"/>
-          </a:xfrm>
-        </p:spPr>
-        <p:txBody>
-          <a:bodyPr/>
-          <a:lstStyle/>
-          <a:p>
-            <a:pPr>
-              <a:defRPr/>
-            </a:pPr>
-            <a:r>
-              <a:rPr dirty="0">
-                <a:solidFill>
-                  <a:srgbClr val="000000"/>
-                </a:solidFill>
-              </a:rPr>
-              <a:t>Page </a:t>
-            </a:r>
-            <a:r>
-              <a:rPr dirty="0" smtClean="0">
-                <a:solidFill>
-                  <a:srgbClr val="000000"/>
-                </a:solidFill>
-              </a:rPr>
-              <a:t>38</a:t>
-            </a:r>
-            <a:endParaRPr dirty="0">
-              <a:solidFill>
-                <a:srgbClr val="000000"/>
-              </a:solidFill>
-            </a:endParaRPr>
-          </a:p>
-        </p:txBody>
-      </p:sp>
-    </p:spTree>
-    <p:extLst>
-      <p:ext uri="{BB962C8B-B14F-4D97-AF65-F5344CB8AC3E}">
-        <p14:creationId xmlns:p14="http://schemas.microsoft.com/office/powerpoint/2010/main" val="2920121908"/>
-      </p:ext>
-    </p:extLst>
-  </p:cSld>
-  <p:clrMapOvr>
-    <a:masterClrMapping/>
-  </p:clrMapOvr>
-  <p:timing>
-    <p:tnLst>
-      <p:par>
-        <p:cTn id="1" dur="indefinite" restart="never" nodeType="tmRoot"/>
-      </p:par>
-    </p:tnLst>
-  </p:timing>
-</p:sld>
-</file>
-
-<file path=ppt/slides/slide39.xml><?xml version="1.0" encoding="utf-8"?>
-<p:sld xmlns:a="http://schemas.openxmlformats.org/drawingml/2006/main" xmlns:r="http://schemas.openxmlformats.org/officeDocument/2006/relationships" xmlns:p="http://schemas.openxmlformats.org/presentationml/2006/main">
-  <p:cSld>
-    <p:spTree>
-      <p:nvGrpSpPr>
-        <p:cNvPr id="1" name=""/>
-        <p:cNvGrpSpPr/>
-        <p:nvPr/>
-      </p:nvGrpSpPr>
-      <p:grpSpPr>
-        <a:xfrm>
-          <a:off x="0" y="0"/>
-          <a:ext cx="0" cy="0"/>
-          <a:chOff x="0" y="0"/>
-          <a:chExt cx="0" cy="0"/>
-        </a:xfrm>
-      </p:grpSpPr>
-      <p:sp>
-        <p:nvSpPr>
-          <p:cNvPr id="2" name="Content Placeholder 1"/>
-          <p:cNvSpPr>
-            <a:spLocks noGrp="1"/>
-          </p:cNvSpPr>
-          <p:nvPr>
-            <p:ph idx="1"/>
-          </p:nvPr>
-        </p:nvSpPr>
-        <p:spPr>
-          <a:xfrm>
-            <a:off x="364599" y="1327150"/>
-            <a:ext cx="6047775" cy="4268337"/>
-          </a:xfrm>
-        </p:spPr>
-        <p:txBody>
-          <a:bodyPr/>
-          <a:lstStyle/>
-          <a:p>
-            <a:r>
-              <a:rPr lang="en-US" dirty="0" smtClean="0"/>
-              <a:t>Build System Generator “Standalone”</a:t>
-            </a:r>
-          </a:p>
-          <a:p>
-            <a:pPr lvl="1"/>
-            <a:r>
-              <a:rPr lang="en-US" dirty="0" smtClean="0"/>
-              <a:t>vs “composite” integration mode with </a:t>
-            </a:r>
-            <a:r>
-              <a:rPr lang="en-US" dirty="0" err="1" smtClean="0"/>
-              <a:t>Vivado</a:t>
-            </a:r>
-            <a:endParaRPr lang="en-US" dirty="0" smtClean="0"/>
-          </a:p>
-          <a:p>
-            <a:pPr lvl="1"/>
-            <a:r>
-              <a:rPr lang="en-US" dirty="0" smtClean="0"/>
-              <a:t>Package </a:t>
-            </a:r>
-            <a:r>
-              <a:rPr lang="en-US" dirty="0" err="1" smtClean="0"/>
-              <a:t>SysGen</a:t>
-            </a:r>
-            <a:r>
-              <a:rPr lang="en-US" smtClean="0"/>
-              <a:t> Block </a:t>
-            </a:r>
-            <a:r>
-              <a:rPr lang="en-US" dirty="0" smtClean="0"/>
-              <a:t>like any other custom IP </a:t>
-            </a:r>
-          </a:p>
-          <a:p>
-            <a:pPr lvl="1"/>
-            <a:r>
-              <a:rPr lang="en-US" dirty="0" smtClean="0"/>
-              <a:t>IP repo used in IPI or Managed IP project for RTL</a:t>
-            </a:r>
-          </a:p>
-          <a:p>
-            <a:pPr lvl="1"/>
-            <a:r>
-              <a:rPr lang="en-US" dirty="0" smtClean="0"/>
-              <a:t>Make sure it is fully generated (RTL) with DCP (OOC)</a:t>
-            </a:r>
-          </a:p>
-          <a:p>
-            <a:pPr lvl="1"/>
-            <a:endParaRPr lang="en-US" dirty="0" smtClean="0"/>
-          </a:p>
-          <a:p>
-            <a:r>
-              <a:rPr lang="en-US" dirty="0" smtClean="0"/>
-              <a:t>Check it into revision control, like IP</a:t>
-            </a:r>
-          </a:p>
-          <a:p>
-            <a:pPr lvl="1"/>
-            <a:r>
-              <a:rPr lang="en-US" dirty="0" smtClean="0"/>
-              <a:t>Entire directory, including all </a:t>
-            </a:r>
-            <a:r>
-              <a:rPr lang="en-US" dirty="0" err="1" smtClean="0"/>
-              <a:t>subdirs</a:t>
-            </a:r>
-            <a:endParaRPr lang="en-US" dirty="0" smtClean="0"/>
-          </a:p>
-          <a:p>
-            <a:pPr lvl="1"/>
-            <a:endParaRPr lang="en-US" dirty="0" smtClean="0"/>
-          </a:p>
-          <a:p>
-            <a:r>
-              <a:rPr lang="en-US" dirty="0" smtClean="0"/>
-              <a:t>Add .xci to top project as a remote source</a:t>
-            </a:r>
-          </a:p>
-          <a:p>
-            <a:pPr lvl="1"/>
-            <a:r>
-              <a:rPr lang="en-US" dirty="0" err="1"/>
-              <a:t>a</a:t>
-            </a:r>
-            <a:r>
-              <a:rPr lang="en-US" dirty="0" err="1" smtClean="0"/>
-              <a:t>dd_sources</a:t>
-            </a:r>
-            <a:r>
-              <a:rPr lang="en-US" dirty="0" smtClean="0"/>
-              <a:t> </a:t>
-            </a:r>
-            <a:r>
-              <a:rPr lang="en-US" dirty="0" err="1" smtClean="0"/>
-              <a:t>Tcl</a:t>
-            </a:r>
-            <a:r>
-              <a:rPr lang="en-US" dirty="0" smtClean="0"/>
-              <a:t> command, relative file path</a:t>
-            </a:r>
-            <a:endParaRPr lang="en-US" dirty="0"/>
-          </a:p>
-        </p:txBody>
-      </p:sp>
-      <p:sp>
-        <p:nvSpPr>
-          <p:cNvPr id="3" name="Title 2"/>
-          <p:cNvSpPr>
-            <a:spLocks noGrp="1"/>
-          </p:cNvSpPr>
-          <p:nvPr>
-            <p:ph type="title"/>
-          </p:nvPr>
-        </p:nvSpPr>
-        <p:spPr/>
-        <p:txBody>
-          <a:bodyPr/>
-          <a:lstStyle/>
-          <a:p>
-            <a:r>
-              <a:rPr lang="en-US" dirty="0" smtClean="0"/>
-              <a:t>System Generator under revision control</a:t>
-            </a:r>
-            <a:endParaRPr lang="en-US" dirty="0"/>
-          </a:p>
-        </p:txBody>
-      </p:sp>
-      <p:pic>
-        <p:nvPicPr>
-          <p:cNvPr id="8" name="Picture 7"/>
-          <p:cNvPicPr>
-            <a:picLocks noChangeAspect="1"/>
-          </p:cNvPicPr>
-          <p:nvPr/>
-        </p:nvPicPr>
-        <p:blipFill>
-          <a:blip r:embed="rId2">
-            <a:extLst>
-              <a:ext uri="{28A0092B-C50C-407E-A947-70E740481C1C}">
-                <a14:useLocalDpi xmlns:a14="http://schemas.microsoft.com/office/drawing/2010/main" val="0"/>
-              </a:ext>
-            </a:extLst>
-          </a:blip>
-          <a:stretch>
-            <a:fillRect/>
-          </a:stretch>
-        </p:blipFill>
-        <p:spPr>
-          <a:xfrm>
-            <a:off x="6524259" y="1112469"/>
-            <a:ext cx="2619741" cy="3515216"/>
-          </a:xfrm>
-          <a:prstGeom prst="rect">
-            <a:avLst/>
-          </a:prstGeom>
-        </p:spPr>
-      </p:pic>
-      <p:sp>
-        <p:nvSpPr>
-          <p:cNvPr id="5" name="Rounded Rectangle 4"/>
-          <p:cNvSpPr/>
-          <p:nvPr/>
-        </p:nvSpPr>
-        <p:spPr bwMode="auto">
-          <a:xfrm>
-            <a:off x="6524259" y="3128826"/>
-            <a:ext cx="1436913" cy="298580"/>
-          </a:xfrm>
-          <a:prstGeom prst="roundRect">
-            <a:avLst/>
-          </a:prstGeom>
-          <a:noFill/>
-          <a:ln w="76200" cap="flat" cmpd="sng" algn="ctr">
-            <a:solidFill>
-              <a:schemeClr val="bg2"/>
-            </a:solidFill>
-            <a:prstDash val="solid"/>
-            <a:round/>
-            <a:headEnd type="none" w="med" len="med"/>
-            <a:tailEnd type="none" w="med" len="med"/>
-          </a:ln>
-          <a:effectLst/>
-        </p:spPr>
-        <p:txBody>
-          <a:bodyPr vert="horz" wrap="square" lIns="91440" tIns="45720" rIns="91440" bIns="45720" numCol="1" rtlCol="0" anchor="ctr" anchorCtr="0" compatLnSpc="1">
-            <a:prstTxWarp prst="textNoShape">
-              <a:avLst/>
-            </a:prstTxWarp>
-            <a:noAutofit/>
-          </a:bodyPr>
-          <a:lstStyle/>
-          <a:p>
-            <a:pPr algn="ctr"/>
-            <a:endParaRPr lang="en-US" dirty="0" smtClean="0">
-              <a:solidFill>
-                <a:srgbClr val="000000"/>
-              </a:solidFill>
-            </a:endParaRPr>
-          </a:p>
-        </p:txBody>
-      </p:sp>
-      <p:sp>
-        <p:nvSpPr>
-          <p:cNvPr id="9" name="Slide Number Placeholder 2"/>
-          <p:cNvSpPr>
-            <a:spLocks noGrp="1"/>
-          </p:cNvSpPr>
-          <p:nvPr>
-            <p:ph type="sldNum" sz="quarter" idx="10"/>
-          </p:nvPr>
-        </p:nvSpPr>
-        <p:spPr>
-          <a:xfrm>
-            <a:off x="457200" y="6577013"/>
-            <a:ext cx="838200" cy="244475"/>
-          </a:xfrm>
-        </p:spPr>
-        <p:txBody>
-          <a:bodyPr/>
-          <a:lstStyle/>
-          <a:p>
-            <a:pPr>
-              <a:defRPr/>
-            </a:pPr>
-            <a:r>
-              <a:rPr dirty="0">
-                <a:solidFill>
-                  <a:srgbClr val="000000"/>
-                </a:solidFill>
-              </a:rPr>
-              <a:t>Page </a:t>
-            </a:r>
-            <a:r>
-              <a:rPr dirty="0" smtClean="0">
-                <a:solidFill>
-                  <a:srgbClr val="000000"/>
-                </a:solidFill>
-              </a:rPr>
-              <a:t>39</a:t>
-            </a:r>
-            <a:endParaRPr dirty="0">
-              <a:solidFill>
-                <a:srgbClr val="000000"/>
-              </a:solidFill>
-            </a:endParaRPr>
-          </a:p>
-        </p:txBody>
-      </p:sp>
-    </p:spTree>
-    <p:extLst>
-      <p:ext uri="{BB962C8B-B14F-4D97-AF65-F5344CB8AC3E}">
-        <p14:creationId xmlns:p14="http://schemas.microsoft.com/office/powerpoint/2010/main" val="3128218916"/>
-      </p:ext>
-    </p:extLst>
-  </p:cSld>
-  <p:clrMapOvr>
-    <a:masterClrMapping/>
-  </p:clrMapOvr>
   <p:timing>
     <p:tnLst>
       <p:par>
@@ -28427,7 +25428,7 @@
         </p:xfrm>
         <a:graphic>
           <a:graphicData uri="http://schemas.openxmlformats.org/drawingml/2006/chart">
-            <c:chart xmlns:c="http://schemas.openxmlformats.org/drawingml/2006/chart" xmlns:r="http://schemas.openxmlformats.org/officeDocument/2006/relationships" r:id="rId2"/>
+            <c:chart xmlns:c="http://schemas.openxmlformats.org/drawingml/2006/chart" xmlns:r="http://schemas.openxmlformats.org/officeDocument/2006/relationships" r:id="rId3"/>
           </a:graphicData>
         </a:graphic>
       </p:graphicFrame>
@@ -29050,7 +26051,7 @@
           <p:nvPr/>
         </p:nvPicPr>
         <p:blipFill>
-          <a:blip r:embed="rId2">
+          <a:blip r:embed="rId3">
             <a:extLst>
               <a:ext uri="{28A0092B-C50C-407E-A947-70E740481C1C}">
                 <a14:useLocalDpi xmlns:a14="http://schemas.microsoft.com/office/drawing/2010/main" val="0"/>
@@ -29080,7 +26081,7 @@
           <p:nvPr/>
         </p:nvPicPr>
         <p:blipFill>
-          <a:blip r:embed="rId3">
+          <a:blip r:embed="rId4">
             <a:extLst>
               <a:ext uri="{28A0092B-C50C-407E-A947-70E740481C1C}">
                 <a14:useLocalDpi xmlns:a14="http://schemas.microsoft.com/office/drawing/2010/main" val="0"/>
@@ -29279,7 +26280,7 @@
             <p:nvPr/>
           </p:nvPicPr>
           <p:blipFill>
-            <a:blip r:embed="rId4">
+            <a:blip r:embed="rId5">
               <a:extLst>
                 <a:ext uri="{28A0092B-C50C-407E-A947-70E740481C1C}">
                   <a14:useLocalDpi xmlns:a14="http://schemas.microsoft.com/office/drawing/2010/main" val="0"/>
@@ -29354,7 +26355,7 @@
           <p:nvPr/>
         </p:nvPicPr>
         <p:blipFill>
-          <a:blip r:embed="rId5">
+          <a:blip r:embed="rId6">
             <a:extLst>
               <a:ext uri="{28A0092B-C50C-407E-A947-70E740481C1C}">
                 <a14:useLocalDpi xmlns:a14="http://schemas.microsoft.com/office/drawing/2010/main" val="0"/>
@@ -31309,13 +28310,13 @@
 <file path=customXml/itemProps3.xml><?xml version="1.0" encoding="utf-8"?>
 <ds:datastoreItem xmlns:ds="http://schemas.openxmlformats.org/officeDocument/2006/customXml" ds:itemID="{0A886E37-D8EC-4D3B-9AA4-97C26A5CAE7C}">
   <ds:schemaRefs>
+    <ds:schemaRef ds:uri="http://purl.org/dc/dcmitype/"/>
+    <ds:schemaRef ds:uri="http://schemas.openxmlformats.org/package/2006/metadata/core-properties"/>
+    <ds:schemaRef ds:uri="http://purl.org/dc/elements/1.1/"/>
+    <ds:schemaRef ds:uri="http://schemas.microsoft.com/office/infopath/2007/PartnerControls"/>
+    <ds:schemaRef ds:uri="http://schemas.microsoft.com/office/2006/documentManagement/types"/>
     <ds:schemaRef ds:uri="http://schemas.microsoft.com/office/2006/metadata/properties"/>
-    <ds:schemaRef ds:uri="http://purl.org/dc/elements/1.1/"/>
     <ds:schemaRef ds:uri="http://www.w3.org/XML/1998/namespace"/>
-    <ds:schemaRef ds:uri="http://schemas.microsoft.com/office/2006/documentManagement/types"/>
-    <ds:schemaRef ds:uri="http://purl.org/dc/dcmitype/"/>
-    <ds:schemaRef ds:uri="http://schemas.microsoft.com/office/infopath/2007/PartnerControls"/>
-    <ds:schemaRef ds:uri="http://schemas.openxmlformats.org/package/2006/metadata/core-properties"/>
     <ds:schemaRef ds:uri="http://purl.org/dc/terms/"/>
   </ds:schemaRefs>
 </ds:datastoreItem>

--- a/doc/versionControl.pptx
+++ b/doc/versionControl.pptx
@@ -386,11 +386,11 @@
         </c:dLbls>
         <c:bubbleScale val="100"/>
         <c:showNegBubbles val="0"/>
-        <c:axId val="481357528"/>
-        <c:axId val="262568192"/>
+        <c:axId val="239319016"/>
+        <c:axId val="239319408"/>
       </c:bubbleChart>
       <c:valAx>
-        <c:axId val="481357528"/>
+        <c:axId val="239319016"/>
         <c:scaling>
           <c:orientation val="minMax"/>
         </c:scaling>
@@ -499,12 +499,12 @@
             <a:endParaRPr lang="en-US"/>
           </a:p>
         </c:txPr>
-        <c:crossAx val="262568192"/>
+        <c:crossAx val="239319408"/>
         <c:crosses val="autoZero"/>
         <c:crossBetween val="midCat"/>
       </c:valAx>
       <c:valAx>
-        <c:axId val="262568192"/>
+        <c:axId val="239319408"/>
         <c:scaling>
           <c:orientation val="minMax"/>
         </c:scaling>
@@ -613,7 +613,7 @@
             <a:endParaRPr lang="en-US"/>
           </a:p>
         </c:txPr>
-        <c:crossAx val="481357528"/>
+        <c:crossAx val="239319016"/>
         <c:crosses val="autoZero"/>
         <c:crossBetween val="midCat"/>
       </c:valAx>
@@ -4590,7 +4590,7 @@
             <a:fld id="{3603A3DC-285A-48EF-A6A9-13284B292DDB}" type="datetimeFigureOut">
               <a:rPr lang="en-US" smtClean="0"/>
               <a:pPr/>
-              <a:t>6/30/2015</a:t>
+              <a:t>7/2/2015</a:t>
             </a:fld>
             <a:endParaRPr lang="en-US" dirty="0"/>
           </a:p>
@@ -5208,11 +5208,7 @@
           <a:p>
             <a:r>
               <a:rPr lang="en-US" baseline="0" dirty="0" smtClean="0"/>
-              <a:t>The primary recommendation is to use TCL otherwise use the XPR.  Make sure to test the XPR to make sure data is not missed and to check relative paths</a:t>
-            </a:r>
-            <a:r>
-              <a:rPr lang="en-US" baseline="0" dirty="0" smtClean="0"/>
-              <a:t>.</a:t>
+              <a:t>The primary recommendation is to use TCL otherwise use the XPR.  Make sure to test the XPR to make sure data is not missed and to check relative paths.</a:t>
             </a:r>
           </a:p>
           <a:p>
@@ -5221,11 +5217,7 @@
           <a:p>
             <a:r>
               <a:rPr lang="en-US" dirty="0" smtClean="0"/>
-              <a:t>We recommend checkin</a:t>
-            </a:r>
-            <a:r>
-              <a:rPr lang="en-US" dirty="0" smtClean="0"/>
-              <a:t>g in the entire directory structure for IP, BD, etc.  Trying to filter or limit the files will very likely corrupt the data and get you into trouble.</a:t>
+              <a:t>We recommend checking in the entire directory structure for IP, BD, etc.  Trying to filter or limit the files will very likely corrupt the data and get you into trouble.</a:t>
             </a:r>
             <a:endParaRPr lang="en-US" dirty="0"/>
           </a:p>
@@ -5391,11 +5383,7 @@
           <a:p>
             <a:r>
               <a:rPr lang="en-US" dirty="0" smtClean="0"/>
-              <a:t>If you must try to check in minimum data and recreat</a:t>
-            </a:r>
-            <a:r>
-              <a:rPr lang="en-US" dirty="0" smtClean="0"/>
-              <a:t>e everything – you will need something to create the project (either the </a:t>
+              <a:t>If you must try to check in minimum data and recreate everything – you will need something to create the project (either the </a:t>
             </a:r>
             <a:r>
               <a:rPr lang="en-US" dirty="0" err="1" smtClean="0"/>
@@ -5406,12 +5394,12 @@
               <a:t> file </a:t>
             </a:r>
             <a:r>
-              <a:rPr lang="en-US" dirty="0" err="1" smtClean="0"/>
-              <a:t>itseld</a:t>
-            </a:r>
-            <a:r>
-              <a:rPr lang="en-US" dirty="0" smtClean="0"/>
-              <a:t> or a </a:t>
+              <a:rPr lang="en-US" dirty="0" smtClean="0"/>
+              <a:t>itself </a:t>
+            </a:r>
+            <a:r>
+              <a:rPr lang="en-US" dirty="0" smtClean="0"/>
+              <a:t>or a </a:t>
             </a:r>
             <a:r>
               <a:rPr lang="en-US" dirty="0" err="1" smtClean="0"/>
@@ -5439,12 +5427,20 @@
               <a:t>Note that </a:t>
             </a:r>
             <a:r>
+              <a:rPr lang="en-US" dirty="0" err="1"/>
+              <a:t>V</a:t>
+            </a:r>
+            <a:r>
               <a:rPr lang="en-US" dirty="0" err="1" smtClean="0"/>
-              <a:t>vivado</a:t>
-            </a:r>
-            <a:r>
-              <a:rPr lang="en-US" dirty="0" smtClean="0"/>
-              <a:t> needs write permission to create the content you didn’t check in to revision control – and it will try to do that in the same location as the xci/</a:t>
+              <a:t>ivado</a:t>
+            </a:r>
+            <a:r>
+              <a:rPr lang="en-US" dirty="0" smtClean="0"/>
+              <a:t> </a:t>
+            </a:r>
+            <a:r>
+              <a:rPr lang="en-US" dirty="0" smtClean="0"/>
+              <a:t>needs write permission to create the content you didn’t check in to revision control – and it will try to do that in the same location as the xci/</a:t>
             </a:r>
             <a:r>
               <a:rPr lang="en-US" dirty="0" err="1" smtClean="0"/>
@@ -5462,7 +5458,6 @@
               <a:rPr lang="en-US" dirty="0" smtClean="0"/>
               <a:t> files your script for creating the top level project should copy them into the project – where they can be generated without running into issues with permission inside the repository.</a:t>
             </a:r>
-            <a:endParaRPr lang="en-US" dirty="0" smtClean="0"/>
           </a:p>
           <a:p>
             <a:endParaRPr lang="en-US" dirty="0"/>
@@ -5470,11 +5465,7 @@
           <a:p>
             <a:r>
               <a:rPr lang="en-US" dirty="0" smtClean="0"/>
-              <a:t>Note </a:t>
-            </a:r>
-            <a:r>
-              <a:rPr lang="en-US" dirty="0" smtClean="0"/>
-              <a:t>that some IP have side files – Block</a:t>
+              <a:t>Note that some IP have side files – Block</a:t>
             </a:r>
             <a:r>
               <a:rPr lang="en-US" baseline="0" dirty="0" smtClean="0"/>
@@ -5560,8 +5551,21 @@
           <a:p>
             <a:r>
               <a:rPr lang="en-US" dirty="0" smtClean="0"/>
-              <a:t>Scripts and other documentation collateral should also be managed in rev. ctrl.</a:t>
-            </a:r>
+              <a:t>Scripts and other documentation collateral should also be managed in </a:t>
+            </a:r>
+            <a:r>
+              <a:rPr lang="en-US" dirty="0" smtClean="0"/>
+              <a:t>rev</a:t>
+            </a:r>
+            <a:r>
+              <a:rPr lang="en-US" dirty="0" smtClean="0"/>
+              <a:t>ision control</a:t>
+            </a:r>
+            <a:r>
+              <a:rPr lang="en-US" dirty="0" smtClean="0"/>
+              <a:t>.</a:t>
+            </a:r>
+            <a:endParaRPr lang="en-US" dirty="0" smtClean="0"/>
           </a:p>
           <a:p>
             <a:endParaRPr lang="en-US" dirty="0"/>
@@ -5668,15 +5672,15 @@
           <a:p>
             <a:r>
               <a:rPr lang="en-US" dirty="0" smtClean="0"/>
-              <a:t>A:  We recommend the max. </a:t>
-            </a:r>
-            <a:r>
-              <a:rPr lang="en-US" dirty="0" err="1" smtClean="0"/>
-              <a:t>flexilibity</a:t>
-            </a:r>
-            <a:r>
-              <a:rPr lang="en-US" dirty="0" smtClean="0"/>
-              <a:t> approach because it insulates you from being forced to upgrade IP versions with </a:t>
+              <a:t>A:  We recommend the </a:t>
+            </a:r>
+            <a:r>
+              <a:rPr lang="en-US" dirty="0" smtClean="0"/>
+              <a:t>maximum flexibility </a:t>
+            </a:r>
+            <a:r>
+              <a:rPr lang="en-US" dirty="0" smtClean="0"/>
+              <a:t>approach because it insulates you from being forced to upgrade IP versions with </a:t>
             </a:r>
             <a:r>
               <a:rPr lang="en-US" dirty="0" err="1" smtClean="0"/>
@@ -5956,11 +5960,7 @@
           <a:p>
             <a:r>
               <a:rPr lang="en-US" dirty="0" smtClean="0"/>
-              <a:t>You have files that are either tracked or untracked.  Untracked files can be added to a configuration file so tha</a:t>
-            </a:r>
-            <a:r>
-              <a:rPr lang="en-US" dirty="0" smtClean="0"/>
-              <a:t>t the tools do not constantly report changes to these files.</a:t>
+              <a:t>You have files that are either tracked or untracked.  Untracked files can be added to a configuration file so that the tools do not constantly report changes to these files.</a:t>
             </a:r>
           </a:p>
           <a:p>
@@ -5994,15 +5994,15 @@
           <a:p>
             <a:r>
               <a:rPr lang="en-US" dirty="0" smtClean="0"/>
-              <a:t>You can always revert or back out changes at these commit levels or even on individual file edits if you need to </a:t>
-            </a:r>
-            <a:r>
-              <a:rPr lang="en-US" dirty="0" err="1" smtClean="0"/>
-              <a:t>to</a:t>
-            </a:r>
-            <a:r>
-              <a:rPr lang="en-US" dirty="0" smtClean="0"/>
-              <a:t> fix problems that get introduced.</a:t>
+              <a:t>You can always revert or back out changes at these commit levels or even on individual file edits if you need </a:t>
+            </a:r>
+            <a:r>
+              <a:rPr lang="en-US" dirty="0" smtClean="0"/>
+              <a:t>to </a:t>
+            </a:r>
+            <a:r>
+              <a:rPr lang="en-US" dirty="0" smtClean="0"/>
+              <a:t>fix problems that get introduced.</a:t>
             </a:r>
             <a:endParaRPr lang="en-US" dirty="0"/>
           </a:p>
@@ -6233,7 +6233,15 @@
           <a:p>
             <a:r>
               <a:rPr lang="en-US" dirty="0" smtClean="0"/>
-              <a:t>First there will be a brief review of what revision control methodology is important and why customers should be using it.</a:t>
+              <a:t>First there will be a brief review of </a:t>
+            </a:r>
+            <a:r>
+              <a:rPr lang="en-US" dirty="0" smtClean="0"/>
+              <a:t>why </a:t>
+            </a:r>
+            <a:r>
+              <a:rPr lang="en-US" dirty="0" smtClean="0"/>
+              <a:t>revision control methodology is important and why customers should be using it.</a:t>
             </a:r>
           </a:p>
           <a:p>
@@ -6267,8 +6275,21 @@
             </a:r>
             <a:r>
               <a:rPr lang="en-US" dirty="0" smtClean="0"/>
-              <a:t> as the revision control tool and a tool called “Make” to determine dependencies and control the flow of the build process to compile to a bit file.</a:t>
-            </a:r>
+              <a:t> as the revision control tool and a tool called “Make” to determine dependencies and control the flow of the build process to compile to a bit file</a:t>
+            </a:r>
+            <a:r>
+              <a:rPr lang="en-US" dirty="0" smtClean="0"/>
+              <a:t>.  </a:t>
+            </a:r>
+            <a:r>
+              <a:rPr lang="en-US" dirty="0" err="1" smtClean="0"/>
+              <a:t>Git</a:t>
+            </a:r>
+            <a:r>
+              <a:rPr lang="en-US" dirty="0" smtClean="0"/>
+              <a:t> is chosen here as a popular option, but the concepts translate and are applicable to any revision control tool.</a:t>
+            </a:r>
+            <a:endParaRPr lang="en-US" dirty="0" smtClean="0"/>
           </a:p>
           <a:p>
             <a:endParaRPr lang="en-US" dirty="0"/>
@@ -6344,12 +6365,12 @@
               <a:t>If you’ve never used Make – </a:t>
             </a:r>
             <a:r>
-              <a:rPr lang="en-US" dirty="0" err="1" smtClean="0"/>
-              <a:t>heres</a:t>
-            </a:r>
-            <a:r>
-              <a:rPr lang="en-US" dirty="0" smtClean="0"/>
-              <a:t> a brief tutorial on what it is and how it works.  There are also many tutorials on the web.  </a:t>
+              <a:rPr lang="en-US" dirty="0" smtClean="0"/>
+              <a:t>here is </a:t>
+            </a:r>
+            <a:r>
+              <a:rPr lang="en-US" dirty="0" smtClean="0"/>
+              <a:t>a brief tutorial on what it is and how it works.  There are also many tutorials on the web.  </a:t>
             </a:r>
           </a:p>
           <a:p>
@@ -6375,7 +6396,15 @@
           <a:p>
             <a:r>
               <a:rPr lang="en-US" dirty="0" smtClean="0"/>
-              <a:t>Make figures out the order of operations when targets depend on output products (files) from other targets.  So you build very complex compilation scripts – but only execute necessary steps when files change rather than rerunning everything all the time.</a:t>
+              <a:t>Make figures out the order of operations when targets depend on output products (files) from other targets.  So </a:t>
+            </a:r>
+            <a:r>
+              <a:rPr lang="en-US" dirty="0" smtClean="0"/>
+              <a:t>you can </a:t>
+            </a:r>
+            <a:r>
+              <a:rPr lang="en-US" dirty="0" smtClean="0"/>
+              <a:t>build very complex compilation scripts – but only execute necessary steps when files change rather than rerunning everything all the time.</a:t>
             </a:r>
           </a:p>
           <a:p>
@@ -6618,27 +6647,11 @@
           <a:p>
             <a:r>
               <a:rPr lang="en-US" dirty="0" smtClean="0"/>
-              <a:t>You </a:t>
-            </a:r>
-            <a:r>
-              <a:rPr lang="en-US" dirty="0" smtClean="0"/>
-              <a:t>should</a:t>
-            </a:r>
-            <a:r>
-              <a:rPr lang="en-US" dirty="0" smtClean="0"/>
-              <a:t> </a:t>
-            </a:r>
-            <a:r>
-              <a:rPr lang="en-US" dirty="0" smtClean="0"/>
-              <a:t>do the pre-work before attempting</a:t>
+              <a:t>You should do the pre-work before attempting</a:t>
             </a:r>
             <a:r>
               <a:rPr lang="en-US" baseline="0" dirty="0" smtClean="0"/>
-              <a:t> this </a:t>
-            </a:r>
-            <a:r>
-              <a:rPr lang="en-US" baseline="0" dirty="0" smtClean="0"/>
-              <a:t>lab.  </a:t>
+              <a:t> this lab.  </a:t>
             </a:r>
             <a:r>
               <a:rPr lang="en-US" dirty="0" smtClean="0"/>
@@ -7227,11 +7240,7 @@
             </a:r>
             <a:r>
               <a:rPr lang="en-US" baseline="0" dirty="0" smtClean="0"/>
-              <a:t> solution contains both approaches.  The TCL script contains a switch to control which revision control approach is desired</a:t>
-            </a:r>
-            <a:r>
-              <a:rPr lang="en-US" baseline="0" dirty="0" smtClean="0"/>
-              <a:t>.  It is controlled by</a:t>
+              <a:t> solution contains both approaches.  The TCL script contains a switch to control which revision control approach is desired.  It is controlled by</a:t>
             </a:r>
             <a:r>
               <a:rPr lang="en-US" dirty="0" smtClean="0"/>
@@ -7267,11 +7276,7 @@
             </a:r>
             <a:r>
               <a:rPr lang="en-US" dirty="0" smtClean="0"/>
-              <a:t> checked into th</a:t>
-            </a:r>
-            <a:r>
-              <a:rPr lang="en-US" dirty="0" smtClean="0"/>
-              <a:t>e golden </a:t>
+              <a:t> checked into the golden </a:t>
             </a:r>
             <a:r>
               <a:rPr lang="en-US" dirty="0" err="1" smtClean="0"/>
@@ -7282,12 +7287,12 @@
               <a:t> repo – this matches the primary recommendation and the maximum </a:t>
             </a:r>
             <a:r>
-              <a:rPr lang="en-US" dirty="0" err="1" smtClean="0"/>
-              <a:t>flexilbility</a:t>
-            </a:r>
-            <a:r>
-              <a:rPr lang="en-US" dirty="0" smtClean="0"/>
-              <a:t> use case.  Change it to false  and everything will be regenerated locally based on </a:t>
+              <a:rPr lang="en-US" dirty="0" smtClean="0"/>
+              <a:t>flexibility </a:t>
+            </a:r>
+            <a:r>
+              <a:rPr lang="en-US" dirty="0" smtClean="0"/>
+              <a:t>use case.  Change it to false  and everything will be regenerated locally based on </a:t>
             </a:r>
             <a:r>
               <a:rPr lang="en-US" dirty="0" err="1" smtClean="0"/>
@@ -7430,12 +7435,12 @@
               <a:t>We provided a lab with an example project showing </a:t>
             </a:r>
             <a:r>
-              <a:rPr lang="en-US" dirty="0" err="1" smtClean="0"/>
-              <a:t>commong</a:t>
-            </a:r>
-            <a:r>
-              <a:rPr lang="en-US" dirty="0" smtClean="0"/>
-              <a:t> setup and workflow using </a:t>
+              <a:rPr lang="en-US" dirty="0" smtClean="0"/>
+              <a:t>common </a:t>
+            </a:r>
+            <a:r>
+              <a:rPr lang="en-US" dirty="0" smtClean="0"/>
+              <a:t>setup and workflow using </a:t>
             </a:r>
             <a:r>
               <a:rPr lang="en-US" dirty="0" err="1" smtClean="0"/>
@@ -7453,8 +7458,25 @@
           <a:p>
             <a:r>
               <a:rPr lang="en-US" dirty="0" smtClean="0"/>
-              <a:t>Coming soon is a chapter in the Ultrafast Design Methodology Guide (UG949) giving more details on these topics and this tutorial is the lunch and learn.</a:t>
-            </a:r>
+              <a:t>Chapter 2 </a:t>
+            </a:r>
+            <a:r>
+              <a:rPr lang="en-US" dirty="0" smtClean="0"/>
+              <a:t>in the Ultrafast Design Methodology Guide (UG949) </a:t>
+            </a:r>
+            <a:r>
+              <a:rPr lang="en-US" dirty="0" smtClean="0"/>
+              <a:t>has recently been published giving </a:t>
+            </a:r>
+            <a:r>
+              <a:rPr lang="en-US" dirty="0" smtClean="0"/>
+              <a:t>more details on these </a:t>
+            </a:r>
+            <a:r>
+              <a:rPr lang="en-US" dirty="0" smtClean="0"/>
+              <a:t>topics.</a:t>
+            </a:r>
+            <a:endParaRPr lang="en-US" dirty="0" smtClean="0"/>
           </a:p>
           <a:p>
             <a:endParaRPr lang="en-US" dirty="0"/>
@@ -7771,11 +7793,7 @@
             </a:r>
             <a:r>
               <a:rPr lang="en-US" baseline="0" dirty="0" smtClean="0"/>
-              <a:t> are all ASCII</a:t>
-            </a:r>
-            <a:r>
-              <a:rPr lang="en-US" baseline="0" dirty="0" smtClean="0"/>
-              <a:t>.</a:t>
+              <a:t> are all ASCII.</a:t>
             </a:r>
           </a:p>
           <a:p>
@@ -7959,12 +7977,12 @@
               <a:t>We’ve </a:t>
             </a:r>
             <a:r>
-              <a:rPr lang="en-US" dirty="0" err="1" smtClean="0"/>
-              <a:t>workd</a:t>
-            </a:r>
-            <a:r>
-              <a:rPr lang="en-US" dirty="0" smtClean="0"/>
-              <a:t> to drastically reduce the overall number of files in </a:t>
+              <a:rPr lang="en-US" dirty="0" smtClean="0"/>
+              <a:t>worked </a:t>
+            </a:r>
+            <a:r>
+              <a:rPr lang="en-US" dirty="0" smtClean="0"/>
+              <a:t>to drastically reduce the overall number of files in </a:t>
             </a:r>
             <a:r>
               <a:rPr lang="en-US" dirty="0" err="1" smtClean="0"/>
@@ -7972,7 +7990,23 @@
             </a:r>
             <a:r>
               <a:rPr lang="en-US" dirty="0" smtClean="0"/>
-              <a:t> IP.  On average the number of files has been reduced by 2/3rds.  </a:t>
+              <a:t> IP.  On average the number of files has been reduced by </a:t>
+            </a:r>
+            <a:r>
+              <a:rPr lang="en-US" dirty="0" smtClean="0"/>
+              <a:t>2/3.  We’ve </a:t>
+            </a:r>
+            <a:r>
+              <a:rPr lang="en-US" dirty="0" smtClean="0"/>
+              <a:t>also increased </a:t>
+            </a:r>
+            <a:r>
+              <a:rPr lang="en-US" dirty="0" smtClean="0"/>
+              <a:t>our </a:t>
+            </a:r>
+            <a:r>
+              <a:rPr lang="en-US" dirty="0" smtClean="0"/>
+              <a:t>testing and prioritization of revision control related issues.</a:t>
             </a:r>
           </a:p>
           <a:p>
@@ -7981,8 +8015,25 @@
           <a:p>
             <a:r>
               <a:rPr lang="en-US" dirty="0" smtClean="0"/>
-              <a:t>We’ve also increased out testing and prioritization of revision control related issues.</a:t>
-            </a:r>
+              <a:t>We have improved documentation, with a chapter focusing on rev. ctrl. Methodology in the ultrafast design methodology guide.  We </a:t>
+            </a:r>
+            <a:r>
+              <a:rPr lang="en-US" dirty="0" smtClean="0"/>
+              <a:t>have updated </a:t>
+            </a:r>
+            <a:r>
+              <a:rPr lang="en-US" dirty="0" smtClean="0"/>
+              <a:t>the </a:t>
+            </a:r>
+            <a:r>
+              <a:rPr lang="en-US" dirty="0" smtClean="0"/>
+              <a:t>quick take </a:t>
+            </a:r>
+            <a:r>
+              <a:rPr lang="en-US" dirty="0" smtClean="0"/>
+              <a:t>video which provides a good overview of our methodology recommendations.</a:t>
+            </a:r>
+            <a:endParaRPr lang="en-US" dirty="0" smtClean="0"/>
           </a:p>
           <a:p>
             <a:endParaRPr lang="en-US" dirty="0"/>
@@ -7990,24 +8041,19 @@
           <a:p>
             <a:r>
               <a:rPr lang="en-US" dirty="0" smtClean="0"/>
-              <a:t>We have improved documentation, with a chapter focusing on rev. ctrl. Methodology in the ultrafast </a:t>
-            </a:r>
-            <a:r>
-              <a:rPr lang="en-US" dirty="0" smtClean="0"/>
-              <a:t>design methodology </a:t>
-            </a:r>
-            <a:r>
-              <a:rPr lang="en-US" dirty="0" smtClean="0"/>
-              <a:t>guide.  We are updating the quick take videos and this lunch and learn tutorial will be made publically available as a tutorial for everyone.</a:t>
-            </a:r>
-          </a:p>
-          <a:p>
-            <a:endParaRPr lang="en-US" dirty="0"/>
-          </a:p>
-          <a:p>
-            <a:r>
-              <a:rPr lang="en-US" dirty="0" smtClean="0"/>
-              <a:t>In 2015.3, we will be rolling additional benefits with a project called “core container” that is effectively a zip archive of all the files in an IP so there will be a single self-contained file that needs to be managed with all needed sources inside.  We will be further working to reduce file counts by providing common IP RTL libraries in a central location chosen by the use to enable pre-compilation and reduction of redundant files across IP and with multiply instantiated IP.</a:t>
+              <a:t>In 2015.3, we will </a:t>
+            </a:r>
+            <a:r>
+              <a:rPr lang="en-US" dirty="0" smtClean="0"/>
+              <a:t>have additional benefits</a:t>
+            </a:r>
+            <a:r>
+              <a:rPr lang="en-US" dirty="0" smtClean="0"/>
+              <a:t> </a:t>
+            </a:r>
+            <a:r>
+              <a:rPr lang="en-US" dirty="0" smtClean="0"/>
+              <a:t>with a project called “core container” that is effectively a zip archive of all the files in an IP so there will be a single self-contained file that needs to be managed with all needed sources inside.  We will be further working to reduce file counts by providing common IP RTL libraries in a central location chosen by the use to enable pre-compilation and reduction of redundant files across IP and with multiply instantiated IP.</a:t>
             </a:r>
             <a:endParaRPr lang="en-US" dirty="0"/>
           </a:p>
@@ -8222,11 +8268,7 @@
           <a:p>
             <a:r>
               <a:rPr lang="en-US" dirty="0" smtClean="0"/>
-              <a:t>You need to set up a project (using scripts or interactively with the GUI) in the working directory (outside rev ctrl) and utilize remote sources (make sure </a:t>
-            </a:r>
-            <a:r>
-              <a:rPr lang="en-US" dirty="0" smtClean="0"/>
-              <a:t>to deselect the “import into project” option in the GUI).  The remote sources can point to the golden or master version of the repository or you can have an intermediate checkout version called a “staging area” where you will hold all your individual commitments prior to pushing them to all other users in the master or “golden” repository.  </a:t>
+              <a:t>You need to set up a project (using scripts or interactively with the GUI) in the working directory (outside rev ctrl) and utilize remote sources (make sure to deselect the “import into project” option in the GUI).  The remote sources can point to the golden or master version of the repository or you can have an intermediate checkout version called a “staging area” where you will hold all your individual commitments prior to pushing them to all other users in the master or “golden” repository.  </a:t>
             </a:r>
             <a:endParaRPr lang="en-US" dirty="0"/>
           </a:p>
@@ -8238,7 +8280,6 @@
               <a:rPr lang="en-US" dirty="0" smtClean="0"/>
               <a:t>Typically you will have a folder for each type of source in the revision control area to hold:  IP, IPI BDs, HLS, Scripts, Constraints, HDL sources etc…</a:t>
             </a:r>
-            <a:endParaRPr lang="en-US" dirty="0" smtClean="0"/>
           </a:p>
         </p:txBody>
       </p:sp>
@@ -8305,11 +8346,7 @@
             </a:r>
             <a:r>
               <a:rPr lang="en-US" baseline="0" dirty="0" smtClean="0"/>
-              <a:t> is how it would look.  Only the items inside the gold clouds are managed by the revision control system</a:t>
-            </a:r>
-            <a:r>
-              <a:rPr lang="en-US" baseline="0" dirty="0" smtClean="0"/>
-              <a:t>.  The </a:t>
+              <a:t> is how it would look.  Only the items inside the gold clouds are managed by the revision control system.  The </a:t>
             </a:r>
             <a:r>
               <a:rPr lang="en-US" baseline="0" dirty="0" err="1" smtClean="0"/>
@@ -8357,12 +8394,20 @@
               <a:t> script is primary recommendation) you need to understand that </a:t>
             </a:r>
             <a:r>
+              <a:rPr lang="en-US" dirty="0" err="1"/>
+              <a:t>V</a:t>
+            </a:r>
+            <a:r>
               <a:rPr lang="en-US" dirty="0" err="1" smtClean="0"/>
-              <a:t>vivado</a:t>
-            </a:r>
-            <a:r>
-              <a:rPr lang="en-US" dirty="0" smtClean="0"/>
-              <a:t> will try to recreate the project in the location of the </a:t>
+              <a:t>ivado</a:t>
+            </a:r>
+            <a:r>
+              <a:rPr lang="en-US" dirty="0" smtClean="0"/>
+              <a:t> </a:t>
+            </a:r>
+            <a:r>
+              <a:rPr lang="en-US" dirty="0" smtClean="0"/>
+              <a:t>will try to recreate the project in the location of the </a:t>
             </a:r>
             <a:r>
               <a:rPr lang="en-US" dirty="0" err="1" smtClean="0"/>
@@ -8370,11 +8415,11 @@
             </a:r>
             <a:r>
               <a:rPr lang="en-US" dirty="0" smtClean="0"/>
-              <a:t>.  So </a:t>
-            </a:r>
-            <a:r>
-              <a:rPr lang="en-US" dirty="0" smtClean="0"/>
-              <a:t>you must have write permission in the directory – </a:t>
+              <a:t>.  So you must have write permission in the directory </a:t>
+            </a:r>
+            <a:r>
+              <a:rPr lang="en-US" dirty="0" smtClean="0"/>
+              <a:t>where </a:t>
             </a:r>
             <a:r>
               <a:rPr lang="en-US" dirty="0" err="1" smtClean="0"/>
@@ -8382,7 +8427,11 @@
             </a:r>
             <a:r>
               <a:rPr lang="en-US" dirty="0" smtClean="0"/>
-              <a:t> will try to recreate the project.  It’s best if you copy the </a:t>
+              <a:t> </a:t>
+            </a:r>
+            <a:r>
+              <a:rPr lang="en-US" dirty="0" smtClean="0"/>
+              <a:t>will try to recreate the project.  It’s best if you copy the </a:t>
             </a:r>
             <a:r>
               <a:rPr lang="en-US" dirty="0" err="1" smtClean="0"/>
@@ -10683,7 +10732,19 @@
                 </a:solidFill>
                 <a:effectLst/>
               </a:rPr>
-              <a:t>June 2015</a:t>
+              <a:t>July </a:t>
+            </a:r>
+            <a:r>
+              <a:rPr lang="en-US" sz="2800" b="0" kern="0" dirty="0" smtClean="0">
+                <a:solidFill>
+                  <a:srgbClr val="000000">
+                    <a:lumMod val="75000"/>
+                    <a:lumOff val="25000"/>
+                  </a:srgbClr>
+                </a:solidFill>
+                <a:effectLst/>
+              </a:rPr>
+              <a:t>2015</a:t>
             </a:r>
             <a:endParaRPr sz="2000" b="0" kern="0" dirty="0">
               <a:solidFill>
@@ -12211,11 +12272,7 @@
             </a:r>
             <a:r>
               <a:rPr lang="en-US" sz="1800" dirty="0" smtClean="0"/>
-              <a:t> script or </a:t>
-            </a:r>
-            <a:r>
-              <a:rPr lang="en-US" sz="1800" dirty="0" smtClean="0"/>
-              <a:t>just </a:t>
+              <a:t> script or just </a:t>
             </a:r>
             <a:r>
               <a:rPr lang="en-US" sz="1800" dirty="0"/>
@@ -22793,14 +22850,31 @@
           <a:p>
             <a:r>
               <a:rPr lang="en-US" dirty="0" smtClean="0"/>
-              <a:t>Available documentation / materials coming soon!</a:t>
-            </a:r>
-          </a:p>
-          <a:p>
-            <a:pPr lvl="1"/>
-            <a:r>
-              <a:rPr lang="en-US" dirty="0" smtClean="0"/>
-              <a:t>Chapter 2 in UG949, Quick Take Video, Lunch and Learn</a:t>
+              <a:t>Available </a:t>
+            </a:r>
+            <a:r>
+              <a:rPr lang="en-US" dirty="0" smtClean="0"/>
+              <a:t>Now:  </a:t>
+            </a:r>
+            <a:r>
+              <a:rPr lang="en-US" dirty="0" smtClean="0"/>
+              <a:t>Chapter </a:t>
+            </a:r>
+            <a:r>
+              <a:rPr lang="en-US" dirty="0" smtClean="0"/>
+              <a:t>2 in </a:t>
+            </a:r>
+            <a:r>
+              <a:rPr lang="en-US" dirty="0" smtClean="0"/>
+              <a:t>UG949</a:t>
+            </a:r>
+            <a:r>
+              <a:rPr lang="en-US" dirty="0"/>
+              <a:t> C</a:t>
+            </a:r>
+            <a:r>
+              <a:rPr lang="en-US" dirty="0" smtClean="0"/>
+              <a:t>overs Revision Control</a:t>
             </a:r>
             <a:endParaRPr lang="en-US" dirty="0"/>
           </a:p>
@@ -23301,37 +23375,6 @@
                                           <p:spTgt spid="2">
                                             <p:txEl>
                                               <p:pRg st="8" end="8"/>
-                                            </p:txEl>
-                                          </p:spTgt>
-                                        </p:tgtEl>
-                                        <p:attrNameLst>
-                                          <p:attrName>style.visibility</p:attrName>
-                                        </p:attrNameLst>
-                                      </p:cBhvr>
-                                      <p:to>
-                                        <p:strVal val="visible"/>
-                                      </p:to>
-                                    </p:set>
-                                  </p:childTnLst>
-                                </p:cTn>
-                              </p:par>
-                              <p:par>
-                                <p:cTn id="25" presetID="1" presetClass="entr" presetSubtype="0" fill="hold" nodeType="withEffect">
-                                  <p:stCondLst>
-                                    <p:cond delay="0"/>
-                                  </p:stCondLst>
-                                  <p:childTnLst>
-                                    <p:set>
-                                      <p:cBhvr>
-                                        <p:cTn id="26" dur="1" fill="hold">
-                                          <p:stCondLst>
-                                            <p:cond delay="0"/>
-                                          </p:stCondLst>
-                                        </p:cTn>
-                                        <p:tgtEl>
-                                          <p:spTgt spid="2">
-                                            <p:txEl>
-                                              <p:pRg st="9" end="9"/>
                                             </p:txEl>
                                           </p:spTgt>
                                         </p:tgtEl>
@@ -25217,7 +25260,11 @@
           <a:p>
             <a:r>
               <a:rPr lang="en-US" dirty="0" smtClean="0"/>
-              <a:t>Updates to Chapter 2 in the </a:t>
+              <a:t>Updated Chapter </a:t>
+            </a:r>
+            <a:r>
+              <a:rPr lang="en-US" dirty="0" smtClean="0"/>
+              <a:t>2 in the </a:t>
             </a:r>
             <a:r>
               <a:rPr lang="en-US" dirty="0" err="1" smtClean="0"/>
@@ -25225,20 +25272,42 @@
             </a:r>
             <a:r>
               <a:rPr lang="en-US" dirty="0" smtClean="0"/>
-              <a:t> DMG coming June 8th!</a:t>
-            </a:r>
-          </a:p>
-          <a:p>
-            <a:r>
-              <a:rPr lang="en-US" dirty="0" smtClean="0"/>
-              <a:t>Updated Revision Control Quick Take Video coming soon!</a:t>
-            </a:r>
-          </a:p>
-          <a:p>
-            <a:r>
-              <a:rPr lang="en-US" dirty="0" smtClean="0"/>
-              <a:t>New Lunch and Learn coming soon!</a:t>
-            </a:r>
+              <a:t> DMG </a:t>
+            </a:r>
+            <a:r>
+              <a:rPr lang="en-US" dirty="0" smtClean="0"/>
+              <a:t>delivered</a:t>
+            </a:r>
+            <a:r>
+              <a:rPr lang="en-US" dirty="0" smtClean="0"/>
+              <a:t> </a:t>
+            </a:r>
+            <a:r>
+              <a:rPr lang="en-US" dirty="0" smtClean="0"/>
+              <a:t>June 8th</a:t>
+            </a:r>
+            <a:r>
+              <a:rPr lang="en-US" dirty="0" smtClean="0"/>
+              <a:t>!</a:t>
+            </a:r>
+          </a:p>
+          <a:p>
+            <a:endParaRPr lang="en-US" dirty="0" smtClean="0"/>
+          </a:p>
+          <a:p>
+            <a:r>
+              <a:rPr lang="en-US" dirty="0" smtClean="0"/>
+              <a:t>Updated Revision Control Quick Take Video </a:t>
+            </a:r>
+            <a:r>
+              <a:rPr lang="en-US" dirty="0" smtClean="0"/>
+              <a:t>now live</a:t>
+            </a:r>
+            <a:r>
+              <a:rPr lang="en-US" dirty="0" smtClean="0"/>
+              <a:t>!</a:t>
+            </a:r>
+            <a:endParaRPr lang="en-US" dirty="0" smtClean="0"/>
           </a:p>
           <a:p>
             <a:pPr marL="0" indent="0">
@@ -28155,6 +28224,21 @@
 </file>
 
 <file path=customXml/item1.xml><?xml version="1.0" encoding="utf-8"?>
+<p:properties xmlns:p="http://schemas.microsoft.com/office/2006/metadata/properties" xmlns:xsi="http://www.w3.org/2001/XMLSchema-instance" xmlns:pc="http://schemas.microsoft.com/office/infopath/2007/PartnerControls">
+  <documentManagement/>
+</p:properties>
+</file>
+
+<file path=customXml/item2.xml><?xml version="1.0" encoding="utf-8"?>
+<?mso-contentType ?>
+<FormTemplates xmlns="http://schemas.microsoft.com/sharepoint/v3/contenttype/forms">
+  <Display>DocumentLibraryForm</Display>
+  <Edit>DocumentLibraryForm</Edit>
+  <New>DocumentLibraryForm</New>
+</FormTemplates>
+</file>
+
+<file path=customXml/item3.xml><?xml version="1.0" encoding="utf-8"?>
 <ct:contentTypeSchema xmlns:ct="http://schemas.microsoft.com/office/2006/metadata/contentType" xmlns:ma="http://schemas.microsoft.com/office/2006/metadata/properties/metaAttributes" ct:_="" ma:_="" ma:contentTypeName="Document" ma:contentTypeID="0x010100865745BEB8D7C34BA25656CA096E1348" ma:contentTypeVersion="0" ma:contentTypeDescription="Create a new document." ma:contentTypeScope="" ma:versionID="f10c673594dd0a262808b1d3dc428089">
   <xsd:schema xmlns:xsd="http://www.w3.org/2001/XMLSchema" xmlns:xs="http://www.w3.org/2001/XMLSchema" xmlns:p="http://schemas.microsoft.com/office/2006/metadata/properties" targetNamespace="http://schemas.microsoft.com/office/2006/metadata/properties" ma:root="true" ma:fieldsID="c64490b4aec6201516c3a874156f37b2">
     <xsd:element name="properties">
@@ -28268,22 +28352,30 @@
 </ct:contentTypeSchema>
 </file>
 
-<file path=customXml/item2.xml><?xml version="1.0" encoding="utf-8"?>
-<?mso-contentType ?>
-<FormTemplates xmlns="http://schemas.microsoft.com/sharepoint/v3/contenttype/forms">
-  <Display>DocumentLibraryForm</Display>
-  <Edit>DocumentLibraryForm</Edit>
-  <New>DocumentLibraryForm</New>
-</FormTemplates>
+<file path=customXml/itemProps1.xml><?xml version="1.0" encoding="utf-8"?>
+<ds:datastoreItem xmlns:ds="http://schemas.openxmlformats.org/officeDocument/2006/customXml" ds:itemID="{0A886E37-D8EC-4D3B-9AA4-97C26A5CAE7C}">
+  <ds:schemaRefs>
+    <ds:schemaRef ds:uri="http://purl.org/dc/dcmitype/"/>
+    <ds:schemaRef ds:uri="http://schemas.openxmlformats.org/package/2006/metadata/core-properties"/>
+    <ds:schemaRef ds:uri="http://purl.org/dc/elements/1.1/"/>
+    <ds:schemaRef ds:uri="http://schemas.microsoft.com/office/infopath/2007/PartnerControls"/>
+    <ds:schemaRef ds:uri="http://schemas.microsoft.com/office/2006/documentManagement/types"/>
+    <ds:schemaRef ds:uri="http://schemas.microsoft.com/office/2006/metadata/properties"/>
+    <ds:schemaRef ds:uri="http://www.w3.org/XML/1998/namespace"/>
+    <ds:schemaRef ds:uri="http://purl.org/dc/terms/"/>
+  </ds:schemaRefs>
+</ds:datastoreItem>
 </file>
 
-<file path=customXml/item3.xml><?xml version="1.0" encoding="utf-8"?>
-<p:properties xmlns:p="http://schemas.microsoft.com/office/2006/metadata/properties" xmlns:xsi="http://www.w3.org/2001/XMLSchema-instance" xmlns:pc="http://schemas.microsoft.com/office/infopath/2007/PartnerControls">
-  <documentManagement/>
-</p:properties>
+<file path=customXml/itemProps2.xml><?xml version="1.0" encoding="utf-8"?>
+<ds:datastoreItem xmlns:ds="http://schemas.openxmlformats.org/officeDocument/2006/customXml" ds:itemID="{30EBFC54-C7AE-455C-9271-6C115E2357AC}">
+  <ds:schemaRefs>
+    <ds:schemaRef ds:uri="http://schemas.microsoft.com/sharepoint/v3/contenttype/forms"/>
+  </ds:schemaRefs>
+</ds:datastoreItem>
 </file>
 
-<file path=customXml/itemProps1.xml><?xml version="1.0" encoding="utf-8"?>
+<file path=customXml/itemProps3.xml><?xml version="1.0" encoding="utf-8"?>
 <ds:datastoreItem xmlns:ds="http://schemas.openxmlformats.org/officeDocument/2006/customXml" ds:itemID="{E57AF8F8-8EA4-4505-925A-F0F079C7B96D}">
   <ds:schemaRefs>
     <ds:schemaRef ds:uri="http://schemas.microsoft.com/office/2006/metadata/contentType"/>
@@ -28297,27 +28389,4 @@
     <ds:schemaRef ds:uri="http://schemas.microsoft.com/office/infopath/2007/PartnerControls"/>
   </ds:schemaRefs>
 </ds:datastoreItem>
-</file>
-
-<file path=customXml/itemProps2.xml><?xml version="1.0" encoding="utf-8"?>
-<ds:datastoreItem xmlns:ds="http://schemas.openxmlformats.org/officeDocument/2006/customXml" ds:itemID="{30EBFC54-C7AE-455C-9271-6C115E2357AC}">
-  <ds:schemaRefs>
-    <ds:schemaRef ds:uri="http://schemas.microsoft.com/sharepoint/v3/contenttype/forms"/>
-  </ds:schemaRefs>
-</ds:datastoreItem>
-</file>
-
-<file path=customXml/itemProps3.xml><?xml version="1.0" encoding="utf-8"?>
-<ds:datastoreItem xmlns:ds="http://schemas.openxmlformats.org/officeDocument/2006/customXml" ds:itemID="{0A886E37-D8EC-4D3B-9AA4-97C26A5CAE7C}">
-  <ds:schemaRefs>
-    <ds:schemaRef ds:uri="http://purl.org/dc/dcmitype/"/>
-    <ds:schemaRef ds:uri="http://schemas.openxmlformats.org/package/2006/metadata/core-properties"/>
-    <ds:schemaRef ds:uri="http://purl.org/dc/elements/1.1/"/>
-    <ds:schemaRef ds:uri="http://schemas.microsoft.com/office/infopath/2007/PartnerControls"/>
-    <ds:schemaRef ds:uri="http://schemas.microsoft.com/office/2006/documentManagement/types"/>
-    <ds:schemaRef ds:uri="http://schemas.microsoft.com/office/2006/metadata/properties"/>
-    <ds:schemaRef ds:uri="http://www.w3.org/XML/1998/namespace"/>
-    <ds:schemaRef ds:uri="http://purl.org/dc/terms/"/>
-  </ds:schemaRefs>
-</ds:datastoreItem>
 </file>
--- a/doc/versionControl.pptx
+++ b/doc/versionControl.pptx
@@ -5,10 +5,10 @@
     <p:sldMasterId id="2147483951" r:id="rId4"/>
   </p:sldMasterIdLst>
   <p:notesMasterIdLst>
-    <p:notesMasterId r:id="rId38"/>
+    <p:notesMasterId r:id="rId39"/>
   </p:notesMasterIdLst>
   <p:handoutMasterIdLst>
-    <p:handoutMasterId r:id="rId39"/>
+    <p:handoutMasterId r:id="rId40"/>
   </p:handoutMasterIdLst>
   <p:sldIdLst>
     <p:sldId id="1015" r:id="rId5"/>
@@ -26,24 +26,25 @@
     <p:sldId id="1038" r:id="rId17"/>
     <p:sldId id="1039" r:id="rId18"/>
     <p:sldId id="1040" r:id="rId19"/>
-    <p:sldId id="1082" r:id="rId20"/>
-    <p:sldId id="1042" r:id="rId21"/>
-    <p:sldId id="1043" r:id="rId22"/>
-    <p:sldId id="1044" r:id="rId23"/>
-    <p:sldId id="1045" r:id="rId24"/>
-    <p:sldId id="1046" r:id="rId25"/>
-    <p:sldId id="1067" r:id="rId26"/>
-    <p:sldId id="1048" r:id="rId27"/>
-    <p:sldId id="1068" r:id="rId28"/>
-    <p:sldId id="1069" r:id="rId29"/>
-    <p:sldId id="1070" r:id="rId30"/>
-    <p:sldId id="1071" r:id="rId31"/>
-    <p:sldId id="1072" r:id="rId32"/>
-    <p:sldId id="1073" r:id="rId33"/>
-    <p:sldId id="1055" r:id="rId34"/>
-    <p:sldId id="1056" r:id="rId35"/>
-    <p:sldId id="1074" r:id="rId36"/>
-    <p:sldId id="1076" r:id="rId37"/>
+    <p:sldId id="1083" r:id="rId20"/>
+    <p:sldId id="1082" r:id="rId21"/>
+    <p:sldId id="1042" r:id="rId22"/>
+    <p:sldId id="1043" r:id="rId23"/>
+    <p:sldId id="1044" r:id="rId24"/>
+    <p:sldId id="1045" r:id="rId25"/>
+    <p:sldId id="1046" r:id="rId26"/>
+    <p:sldId id="1067" r:id="rId27"/>
+    <p:sldId id="1048" r:id="rId28"/>
+    <p:sldId id="1068" r:id="rId29"/>
+    <p:sldId id="1069" r:id="rId30"/>
+    <p:sldId id="1070" r:id="rId31"/>
+    <p:sldId id="1071" r:id="rId32"/>
+    <p:sldId id="1072" r:id="rId33"/>
+    <p:sldId id="1073" r:id="rId34"/>
+    <p:sldId id="1055" r:id="rId35"/>
+    <p:sldId id="1056" r:id="rId36"/>
+    <p:sldId id="1074" r:id="rId37"/>
+    <p:sldId id="1076" r:id="rId38"/>
   </p:sldIdLst>
   <p:sldSz cx="9144000" cy="6858000" type="screen4x3"/>
   <p:notesSz cx="9305925" cy="7019925"/>
@@ -386,11 +387,11 @@
         </c:dLbls>
         <c:bubbleScale val="100"/>
         <c:showNegBubbles val="0"/>
-        <c:axId val="239319016"/>
-        <c:axId val="239319408"/>
+        <c:axId val="612392544"/>
+        <c:axId val="612392936"/>
       </c:bubbleChart>
       <c:valAx>
-        <c:axId val="239319016"/>
+        <c:axId val="612392544"/>
         <c:scaling>
           <c:orientation val="minMax"/>
         </c:scaling>
@@ -499,12 +500,12 @@
             <a:endParaRPr lang="en-US"/>
           </a:p>
         </c:txPr>
-        <c:crossAx val="239319408"/>
+        <c:crossAx val="612392936"/>
         <c:crosses val="autoZero"/>
         <c:crossBetween val="midCat"/>
       </c:valAx>
       <c:valAx>
-        <c:axId val="239319408"/>
+        <c:axId val="612392936"/>
         <c:scaling>
           <c:orientation val="minMax"/>
         </c:scaling>
@@ -613,7 +614,7 @@
             <a:endParaRPr lang="en-US"/>
           </a:p>
         </c:txPr>
-        <c:crossAx val="239319016"/>
+        <c:crossAx val="612392544"/>
         <c:crosses val="autoZero"/>
         <c:crossBetween val="midCat"/>
       </c:valAx>
@@ -4590,7 +4591,7 @@
             <a:fld id="{3603A3DC-285A-48EF-A6A9-13284B292DDB}" type="datetimeFigureOut">
               <a:rPr lang="en-US" smtClean="0"/>
               <a:pPr/>
-              <a:t>7/2/2015</a:t>
+              <a:t>2/16/2017</a:t>
             </a:fld>
             <a:endParaRPr lang="en-US" dirty="0"/>
           </a:p>
@@ -5391,15 +5392,7 @@
             </a:r>
             <a:r>
               <a:rPr lang="en-US" dirty="0" smtClean="0"/>
-              <a:t> file </a:t>
-            </a:r>
-            <a:r>
-              <a:rPr lang="en-US" dirty="0" smtClean="0"/>
-              <a:t>itself </a:t>
-            </a:r>
-            <a:r>
-              <a:rPr lang="en-US" dirty="0" smtClean="0"/>
-              <a:t>or a </a:t>
+              <a:t> file itself or a </a:t>
             </a:r>
             <a:r>
               <a:rPr lang="en-US" dirty="0" err="1" smtClean="0"/>
@@ -5436,11 +5429,7 @@
             </a:r>
             <a:r>
               <a:rPr lang="en-US" dirty="0" smtClean="0"/>
-              <a:t> </a:t>
-            </a:r>
-            <a:r>
-              <a:rPr lang="en-US" dirty="0" smtClean="0"/>
-              <a:t>needs write permission to create the content you didn’t check in to revision control – and it will try to do that in the same location as the xci/</a:t>
+              <a:t> needs write permission to create the content you didn’t check in to revision control – and it will try to do that in the same location as the xci/</a:t>
             </a:r>
             <a:r>
               <a:rPr lang="en-US" dirty="0" err="1" smtClean="0"/>
@@ -5551,21 +5540,8 @@
           <a:p>
             <a:r>
               <a:rPr lang="en-US" dirty="0" smtClean="0"/>
-              <a:t>Scripts and other documentation collateral should also be managed in </a:t>
-            </a:r>
-            <a:r>
-              <a:rPr lang="en-US" dirty="0" smtClean="0"/>
-              <a:t>rev</a:t>
-            </a:r>
-            <a:r>
-              <a:rPr lang="en-US" dirty="0" smtClean="0"/>
-              <a:t>ision control</a:t>
-            </a:r>
-            <a:r>
-              <a:rPr lang="en-US" dirty="0" smtClean="0"/>
-              <a:t>.</a:t>
-            </a:r>
-            <a:endParaRPr lang="en-US" dirty="0" smtClean="0"/>
+              <a:t>Scripts and other documentation collateral should also be managed in revision control.</a:t>
+            </a:r>
           </a:p>
           <a:p>
             <a:endParaRPr lang="en-US" dirty="0"/>
@@ -5672,15 +5648,7 @@
           <a:p>
             <a:r>
               <a:rPr lang="en-US" dirty="0" smtClean="0"/>
-              <a:t>A:  We recommend the </a:t>
-            </a:r>
-            <a:r>
-              <a:rPr lang="en-US" dirty="0" smtClean="0"/>
-              <a:t>maximum flexibility </a:t>
-            </a:r>
-            <a:r>
-              <a:rPr lang="en-US" dirty="0" smtClean="0"/>
-              <a:t>approach because it insulates you from being forced to upgrade IP versions with </a:t>
+              <a:t>A:  We recommend the maximum flexibility approach because it insulates you from being forced to upgrade IP versions with </a:t>
             </a:r>
             <a:r>
               <a:rPr lang="en-US" dirty="0" err="1" smtClean="0"/>
@@ -5848,38 +5816,38 @@
           <a:p>
             <a:r>
               <a:rPr lang="en-US" dirty="0" smtClean="0"/>
-              <a:t>Next we have a short “primer” on </a:t>
-            </a:r>
-            <a:r>
-              <a:rPr lang="en-US" dirty="0" err="1" smtClean="0"/>
-              <a:t>Git</a:t>
-            </a:r>
-            <a:r>
-              <a:rPr lang="en-US" dirty="0" smtClean="0"/>
-              <a:t> and Make – to give you an overview of common tools used in conjunction with revision control.</a:t>
-            </a:r>
-          </a:p>
-          <a:p>
-            <a:endParaRPr lang="en-US" dirty="0"/>
-          </a:p>
-          <a:p>
-            <a:r>
-              <a:rPr lang="en-US" dirty="0" err="1" smtClean="0"/>
-              <a:t>Git</a:t>
-            </a:r>
-            <a:r>
-              <a:rPr lang="en-US" dirty="0" smtClean="0"/>
-              <a:t> is a popular open source revision control system developed by Linus Torvalds (famous for Linux).  It’s very fast and efficient.</a:t>
-            </a:r>
-          </a:p>
-          <a:p>
-            <a:endParaRPr lang="en-US" dirty="0"/>
-          </a:p>
-          <a:p>
-            <a:r>
-              <a:rPr lang="en-US" dirty="0" smtClean="0"/>
-              <a:t>Make is another open source utility that controls complex builds based on dependencies of files.  It looks at time stamps of input sources and if they are later than output files it calls the step and re-runs all or a portion of the tool flow.  It is very popular in software development environments.</a:t>
-            </a:r>
+              <a:t>Diff/merge tools from revision control</a:t>
+            </a:r>
+          </a:p>
+          <a:p>
+            <a:pPr lvl="1"/>
+            <a:r>
+              <a:rPr lang="en-US" dirty="0" smtClean="0"/>
+              <a:t>Scripts to recursively check in/out directories</a:t>
+            </a:r>
+          </a:p>
+          <a:p>
+            <a:pPr lvl="1"/>
+            <a:r>
+              <a:rPr lang="en-US" dirty="0" smtClean="0"/>
+              <a:t>Diff versions and staged changes</a:t>
+            </a:r>
+          </a:p>
+          <a:p>
+            <a:pPr lvl="1"/>
+            <a:r>
+              <a:rPr lang="en-US" dirty="0" smtClean="0"/>
+              <a:t>Report changes between versions</a:t>
+            </a:r>
+          </a:p>
+          <a:p>
+            <a:pPr lvl="1"/>
+            <a:r>
+              <a:rPr lang="en-US" dirty="0" smtClean="0"/>
+              <a:t>Back out and revert committed changes</a:t>
+            </a:r>
+          </a:p>
+          <a:p>
             <a:endParaRPr lang="en-US" dirty="0"/>
           </a:p>
         </p:txBody>
@@ -5887,7 +5855,7 @@
     </p:spTree>
     <p:extLst>
       <p:ext uri="{BB962C8B-B14F-4D97-AF65-F5344CB8AC3E}">
-        <p14:creationId xmlns:p14="http://schemas.microsoft.com/office/powerpoint/2010/main" val="1157852396"/>
+        <p14:creationId xmlns:p14="http://schemas.microsoft.com/office/powerpoint/2010/main" val="4194932910"/>
       </p:ext>
     </p:extLst>
   </p:cSld>
@@ -5943,7 +5911,7 @@
           <a:p>
             <a:r>
               <a:rPr lang="en-US" dirty="0" smtClean="0"/>
-              <a:t>This picture describes the life cycle of files in the </a:t>
+              <a:t>Next we have a short “primer” on </a:t>
             </a:r>
             <a:r>
               <a:rPr lang="en-US" dirty="0" err="1" smtClean="0"/>
@@ -5951,7 +5919,7 @@
             </a:r>
             <a:r>
               <a:rPr lang="en-US" dirty="0" smtClean="0"/>
-              <a:t> revision control nomenclature.  Other tools have very similar concepts – we introduce these so we have a common set of terms.</a:t>
+              <a:t> and Make – to give you an overview of common tools used in conjunction with revision control.</a:t>
             </a:r>
           </a:p>
           <a:p>
@@ -5959,8 +5927,12 @@
           </a:p>
           <a:p>
             <a:r>
-              <a:rPr lang="en-US" dirty="0" smtClean="0"/>
-              <a:t>You have files that are either tracked or untracked.  Untracked files can be added to a configuration file so that the tools do not constantly report changes to these files.</a:t>
+              <a:rPr lang="en-US" dirty="0" err="1" smtClean="0"/>
+              <a:t>Git</a:t>
+            </a:r>
+            <a:r>
+              <a:rPr lang="en-US" dirty="0" smtClean="0"/>
+              <a:t> is a popular open source revision control system developed by Linus Torvalds (famous for Linux).  It’s very fast and efficient.</a:t>
             </a:r>
           </a:p>
           <a:p>
@@ -5969,73 +5941,8 @@
           <a:p>
             <a:r>
               <a:rPr lang="en-US" dirty="0" smtClean="0"/>
-              <a:t>Within tracked files you have levels of unmodified, modified, staged and the master </a:t>
-            </a:r>
-            <a:r>
-              <a:rPr lang="en-US" dirty="0" err="1" smtClean="0"/>
-              <a:t>git</a:t>
-            </a:r>
-            <a:r>
-              <a:rPr lang="en-US" dirty="0" smtClean="0"/>
-              <a:t> repository.  You checkout files from the master repository to a local staging area and optionally edit and modify them.  You typically collect these edits and test them together till you get to the point of a milestone or feature where you want to stage them – or group them in your local sandbox and test them.  Committing is the process of pushing these changes up to the master </a:t>
-            </a:r>
-            <a:r>
-              <a:rPr lang="en-US" dirty="0" err="1" smtClean="0"/>
-              <a:t>git</a:t>
-            </a:r>
-            <a:r>
-              <a:rPr lang="en-US" dirty="0" smtClean="0"/>
-              <a:t> repository – ostensibly where the changes will propagate out to other users.</a:t>
-            </a:r>
-          </a:p>
-          <a:p>
-            <a:endParaRPr lang="en-US" dirty="0"/>
-          </a:p>
-          <a:p>
-            <a:r>
-              <a:rPr lang="en-US" dirty="0" smtClean="0"/>
-              <a:t>You can always revert or back out changes at these commit levels or even on individual file edits if you need </a:t>
-            </a:r>
-            <a:r>
-              <a:rPr lang="en-US" dirty="0" smtClean="0"/>
-              <a:t>to </a:t>
-            </a:r>
-            <a:r>
-              <a:rPr lang="en-US" dirty="0" smtClean="0"/>
-              <a:t>fix problems that get introduced.</a:t>
-            </a:r>
-            <a:endParaRPr lang="en-US" dirty="0"/>
-          </a:p>
-        </p:txBody>
-      </p:sp>
-      <p:sp>
-        <p:nvSpPr>
-          <p:cNvPr id="4" name="Slide Number Placeholder 3"/>
-          <p:cNvSpPr>
-            <a:spLocks noGrp="1"/>
-          </p:cNvSpPr>
-          <p:nvPr>
-            <p:ph type="sldNum" sz="quarter" idx="10"/>
-          </p:nvPr>
-        </p:nvSpPr>
-        <p:spPr>
-          <a:xfrm>
-            <a:off x="3970938" y="8829967"/>
-            <a:ext cx="3037840" cy="464820"/>
-          </a:xfrm>
-          <a:prstGeom prst="rect">
-            <a:avLst/>
-          </a:prstGeom>
-        </p:spPr>
-        <p:txBody>
-          <a:bodyPr/>
-          <a:lstStyle/>
-          <a:p>
-            <a:fld id="{76F0A2C8-C80D-4FA6-9395-33B607B809E4}" type="slidenum">
-              <a:rPr lang="en-US" smtClean="0"/>
-              <a:pPr/>
-              <a:t>17</a:t>
-            </a:fld>
+              <a:t>Make is another open source utility that controls complex builds based on dependencies of files.  It looks at time stamps of input sources and if they are later than output files it calls the step and re-runs all or a portion of the tool flow.  It is very popular in software development environments.</a:t>
+            </a:r>
             <a:endParaRPr lang="en-US" dirty="0"/>
           </a:p>
         </p:txBody>
@@ -6043,7 +5950,7 @@
     </p:spTree>
     <p:extLst>
       <p:ext uri="{BB962C8B-B14F-4D97-AF65-F5344CB8AC3E}">
-        <p14:creationId xmlns:p14="http://schemas.microsoft.com/office/powerpoint/2010/main" val="405363335"/>
+        <p14:creationId xmlns:p14="http://schemas.microsoft.com/office/powerpoint/2010/main" val="1157852396"/>
       </p:ext>
     </p:extLst>
   </p:cSld>
@@ -6099,7 +6006,33 @@
           <a:p>
             <a:r>
               <a:rPr lang="en-US" dirty="0" smtClean="0"/>
-              <a:t>Here are the most common commands in </a:t>
+              <a:t>This picture describes the life cycle of files in the </a:t>
+            </a:r>
+            <a:r>
+              <a:rPr lang="en-US" dirty="0" err="1" smtClean="0"/>
+              <a:t>Git</a:t>
+            </a:r>
+            <a:r>
+              <a:rPr lang="en-US" dirty="0" smtClean="0"/>
+              <a:t> revision control nomenclature.  Other tools have very similar concepts – we introduce these so we have a common set of terms.</a:t>
+            </a:r>
+          </a:p>
+          <a:p>
+            <a:endParaRPr lang="en-US" dirty="0"/>
+          </a:p>
+          <a:p>
+            <a:r>
+              <a:rPr lang="en-US" dirty="0" smtClean="0"/>
+              <a:t>You have files that are either tracked or untracked.  Untracked files can be added to a configuration file so that the tools do not constantly report changes to these files.</a:t>
+            </a:r>
+          </a:p>
+          <a:p>
+            <a:endParaRPr lang="en-US" dirty="0"/>
+          </a:p>
+          <a:p>
+            <a:r>
+              <a:rPr lang="en-US" dirty="0" smtClean="0"/>
+              <a:t>Within tracked files you have levels of unmodified, modified, staged and the master </a:t>
             </a:r>
             <a:r>
               <a:rPr lang="en-US" dirty="0" err="1" smtClean="0"/>
@@ -6107,8 +6040,57 @@
             </a:r>
             <a:r>
               <a:rPr lang="en-US" dirty="0" smtClean="0"/>
-              <a:t>.  These are well documented in wikis and tutorials on the web.</a:t>
-            </a:r>
+              <a:t> repository.  You checkout files from the master repository to a local staging area and optionally edit and modify them.  You typically collect these edits and test them together till you get to the point of a milestone or feature where you want to stage them – or group them in your local sandbox and test them.  Committing is the process of pushing these changes up to the master </a:t>
+            </a:r>
+            <a:r>
+              <a:rPr lang="en-US" dirty="0" err="1" smtClean="0"/>
+              <a:t>git</a:t>
+            </a:r>
+            <a:r>
+              <a:rPr lang="en-US" dirty="0" smtClean="0"/>
+              <a:t> repository – ostensibly where the changes will propagate out to other users.</a:t>
+            </a:r>
+          </a:p>
+          <a:p>
+            <a:endParaRPr lang="en-US" dirty="0"/>
+          </a:p>
+          <a:p>
+            <a:r>
+              <a:rPr lang="en-US" dirty="0" smtClean="0"/>
+              <a:t>You can always revert or back out changes at these commit levels or even on individual file edits if you need to fix problems that get introduced.</a:t>
+            </a:r>
+            <a:endParaRPr lang="en-US" dirty="0"/>
+          </a:p>
+        </p:txBody>
+      </p:sp>
+      <p:sp>
+        <p:nvSpPr>
+          <p:cNvPr id="4" name="Slide Number Placeholder 3"/>
+          <p:cNvSpPr>
+            <a:spLocks noGrp="1"/>
+          </p:cNvSpPr>
+          <p:nvPr>
+            <p:ph type="sldNum" sz="quarter" idx="10"/>
+          </p:nvPr>
+        </p:nvSpPr>
+        <p:spPr>
+          <a:xfrm>
+            <a:off x="3970938" y="8829967"/>
+            <a:ext cx="3037840" cy="464820"/>
+          </a:xfrm>
+          <a:prstGeom prst="rect">
+            <a:avLst/>
+          </a:prstGeom>
+        </p:spPr>
+        <p:txBody>
+          <a:bodyPr/>
+          <a:lstStyle/>
+          <a:p>
+            <a:fld id="{76F0A2C8-C80D-4FA6-9395-33B607B809E4}" type="slidenum">
+              <a:rPr lang="en-US" smtClean="0"/>
+              <a:pPr/>
+              <a:t>18</a:t>
+            </a:fld>
             <a:endParaRPr lang="en-US" dirty="0"/>
           </a:p>
         </p:txBody>
@@ -6116,7 +6098,7 @@
     </p:spTree>
     <p:extLst>
       <p:ext uri="{BB962C8B-B14F-4D97-AF65-F5344CB8AC3E}">
-        <p14:creationId xmlns:p14="http://schemas.microsoft.com/office/powerpoint/2010/main" val="1904302123"/>
+        <p14:creationId xmlns:p14="http://schemas.microsoft.com/office/powerpoint/2010/main" val="405363335"/>
       </p:ext>
     </p:extLst>
   </p:cSld>
@@ -6170,14 +6152,26 @@
           <a:bodyPr/>
           <a:lstStyle/>
           <a:p>
-            <a:endParaRPr lang="en-US"/>
+            <a:r>
+              <a:rPr lang="en-US" dirty="0" smtClean="0"/>
+              <a:t>Here are the most common commands in </a:t>
+            </a:r>
+            <a:r>
+              <a:rPr lang="en-US" dirty="0" err="1" smtClean="0"/>
+              <a:t>git</a:t>
+            </a:r>
+            <a:r>
+              <a:rPr lang="en-US" dirty="0" smtClean="0"/>
+              <a:t>.  These are well documented in wikis and tutorials on the web.</a:t>
+            </a:r>
+            <a:endParaRPr lang="en-US" dirty="0"/>
           </a:p>
         </p:txBody>
       </p:sp>
     </p:spTree>
     <p:extLst>
       <p:ext uri="{BB962C8B-B14F-4D97-AF65-F5344CB8AC3E}">
-        <p14:creationId xmlns:p14="http://schemas.microsoft.com/office/powerpoint/2010/main" val="456378631"/>
+        <p14:creationId xmlns:p14="http://schemas.microsoft.com/office/powerpoint/2010/main" val="1904302123"/>
       </p:ext>
     </p:extLst>
   </p:cSld>
@@ -6233,15 +6227,7 @@
           <a:p>
             <a:r>
               <a:rPr lang="en-US" dirty="0" smtClean="0"/>
-              <a:t>First there will be a brief review of </a:t>
-            </a:r>
-            <a:r>
-              <a:rPr lang="en-US" dirty="0" smtClean="0"/>
-              <a:t>why </a:t>
-            </a:r>
-            <a:r>
-              <a:rPr lang="en-US" dirty="0" smtClean="0"/>
-              <a:t>revision control methodology is important and why customers should be using it.</a:t>
+              <a:t>First there will be a brief review of why revision control methodology is important and why customers should be using it.</a:t>
             </a:r>
           </a:p>
           <a:p>
@@ -6275,11 +6261,7 @@
             </a:r>
             <a:r>
               <a:rPr lang="en-US" dirty="0" smtClean="0"/>
-              <a:t> as the revision control tool and a tool called “Make” to determine dependencies and control the flow of the build process to compile to a bit file</a:t>
-            </a:r>
-            <a:r>
-              <a:rPr lang="en-US" dirty="0" smtClean="0"/>
-              <a:t>.  </a:t>
+              <a:t> as the revision control tool and a tool called “Make” to determine dependencies and control the flow of the build process to compile to a bit file.  </a:t>
             </a:r>
             <a:r>
               <a:rPr lang="en-US" dirty="0" err="1" smtClean="0"/>
@@ -6289,7 +6271,6 @@
               <a:rPr lang="en-US" dirty="0" smtClean="0"/>
               <a:t> is chosen here as a popular option, but the concepts translate and are applicable to any revision control tool.</a:t>
             </a:r>
-            <a:endParaRPr lang="en-US" dirty="0" smtClean="0"/>
           </a:p>
           <a:p>
             <a:endParaRPr lang="en-US" dirty="0"/>
@@ -6360,69 +6341,14 @@
           <a:bodyPr/>
           <a:lstStyle/>
           <a:p>
-            <a:r>
-              <a:rPr lang="en-US" dirty="0" smtClean="0"/>
-              <a:t>If you’ve never used Make – </a:t>
-            </a:r>
-            <a:r>
-              <a:rPr lang="en-US" dirty="0" smtClean="0"/>
-              <a:t>here is </a:t>
-            </a:r>
-            <a:r>
-              <a:rPr lang="en-US" dirty="0" smtClean="0"/>
-              <a:t>a brief tutorial on what it is and how it works.  There are also many tutorials on the web.  </a:t>
-            </a:r>
-          </a:p>
-          <a:p>
-            <a:endParaRPr lang="en-US" dirty="0"/>
-          </a:p>
-          <a:p>
-            <a:r>
-              <a:rPr lang="en-US" dirty="0" smtClean="0"/>
-              <a:t>Make reads in a </a:t>
-            </a:r>
-            <a:r>
-              <a:rPr lang="en-US" dirty="0" err="1" smtClean="0"/>
-              <a:t>makefile</a:t>
-            </a:r>
-            <a:r>
-              <a:rPr lang="en-US" dirty="0" smtClean="0"/>
-              <a:t> which describes commands to execute (a target) which typically produces a file (or files) that indicate the step is complete.  It also describes the input dependencies that the target depends upon.  You write a target name then a colon and then list the dependencies one by one.  Next line starts with a tab and then the command that is to be issued if the step is to be run.  You can also run multiple commands – each one on a separate line starting with a tab.  A blank line ends the target.</a:t>
-            </a:r>
-          </a:p>
-          <a:p>
-            <a:endParaRPr lang="en-US" dirty="0"/>
-          </a:p>
-          <a:p>
-            <a:r>
-              <a:rPr lang="en-US" dirty="0" smtClean="0"/>
-              <a:t>Make figures out the order of operations when targets depend on output products (files) from other targets.  So </a:t>
-            </a:r>
-            <a:r>
-              <a:rPr lang="en-US" dirty="0" smtClean="0"/>
-              <a:t>you can </a:t>
-            </a:r>
-            <a:r>
-              <a:rPr lang="en-US" dirty="0" smtClean="0"/>
-              <a:t>build very complex compilation scripts – but only execute necessary steps when files change rather than rerunning everything all the time.</a:t>
-            </a:r>
-          </a:p>
-          <a:p>
-            <a:endParaRPr lang="en-US" dirty="0" smtClean="0"/>
-          </a:p>
-          <a:p>
-            <a:r>
-              <a:rPr lang="en-US" dirty="0" smtClean="0"/>
-              <a:t>The most common mistake is to forget about the necessary tab characters in editing files.</a:t>
-            </a:r>
-            <a:endParaRPr lang="en-US" dirty="0"/>
+            <a:endParaRPr lang="en-US"/>
           </a:p>
         </p:txBody>
       </p:sp>
     </p:spTree>
     <p:extLst>
       <p:ext uri="{BB962C8B-B14F-4D97-AF65-F5344CB8AC3E}">
-        <p14:creationId xmlns:p14="http://schemas.microsoft.com/office/powerpoint/2010/main" val="398997112"/>
+        <p14:creationId xmlns:p14="http://schemas.microsoft.com/office/powerpoint/2010/main" val="456378631"/>
       </p:ext>
     </p:extLst>
   </p:cSld>
@@ -6478,15 +6404,24 @@
           <a:p>
             <a:r>
               <a:rPr lang="en-US" dirty="0" smtClean="0"/>
-              <a:t>You can write very elaborate make files if you want – but you should start basic.  There are a few common conventions – not required but so common you will see them everywhere.  When you call “make” from a command line – it looks for a file named “</a:t>
+              <a:t>If you’ve never used Make – here is a brief tutorial on what it is and how it works.  There are also many tutorials on the web.  </a:t>
+            </a:r>
+          </a:p>
+          <a:p>
+            <a:endParaRPr lang="en-US" dirty="0"/>
+          </a:p>
+          <a:p>
+            <a:r>
+              <a:rPr lang="en-US" dirty="0" smtClean="0"/>
+              <a:t>Make reads in a </a:t>
             </a:r>
             <a:r>
               <a:rPr lang="en-US" dirty="0" err="1" smtClean="0"/>
-              <a:t>Makefile</a:t>
-            </a:r>
-            <a:r>
-              <a:rPr lang="en-US" dirty="0" smtClean="0"/>
-              <a:t>” in the current directory and executes it.  Typically you call it with an argument – the target you wish to have evaluated and run.  If you don’t provide an argument it will run the first target.</a:t>
+              <a:t>makefile</a:t>
+            </a:r>
+            <a:r>
+              <a:rPr lang="en-US" dirty="0" smtClean="0"/>
+              <a:t> which describes commands to execute (a target) which typically produces a file (or files) that indicate the step is complete.  It also describes the input dependencies that the target depends upon.  You write a target name then a colon and then list the dependencies one by one.  Next line starts with a tab and then the command that is to be issued if the step is to be run.  You can also run multiple commands – each one on a separate line starting with a tab.  A blank line ends the target.</a:t>
             </a:r>
           </a:p>
           <a:p>
@@ -6495,33 +6430,16 @@
           <a:p>
             <a:r>
               <a:rPr lang="en-US" dirty="0" smtClean="0"/>
-              <a:t>By convention the first target is usually one called “all” which basically rolls all the steps up to build everything you want.  Targets can be “phony” which means there isn’t really a file on disk to compare.</a:t>
-            </a:r>
-          </a:p>
-          <a:p>
-            <a:endParaRPr lang="en-US" dirty="0"/>
-          </a:p>
-          <a:p>
-            <a:r>
-              <a:rPr lang="en-US" dirty="0" smtClean="0"/>
-              <a:t>Another common target is a “clean” target which deletes everything in the current directory so you are starting from a clean location with no files left around as artefacts that could corrupt the tools.</a:t>
-            </a:r>
-          </a:p>
-          <a:p>
-            <a:endParaRPr lang="en-US" dirty="0"/>
-          </a:p>
-          <a:p>
-            <a:r>
-              <a:rPr lang="en-US" dirty="0" smtClean="0"/>
-              <a:t>You can name your </a:t>
-            </a:r>
-            <a:r>
-              <a:rPr lang="en-US" dirty="0" err="1" smtClean="0"/>
-              <a:t>Makefiles</a:t>
-            </a:r>
-            <a:r>
-              <a:rPr lang="en-US" dirty="0" smtClean="0"/>
-              <a:t> whatever you want – but these items are very typical.</a:t>
+              <a:t>Make figures out the order of operations when targets depend on output products (files) from other targets.  So you can build very complex compilation scripts – but only execute necessary steps when files change rather than rerunning everything all the time.</a:t>
+            </a:r>
+          </a:p>
+          <a:p>
+            <a:endParaRPr lang="en-US" dirty="0" smtClean="0"/>
+          </a:p>
+          <a:p>
+            <a:r>
+              <a:rPr lang="en-US" dirty="0" smtClean="0"/>
+              <a:t>The most common mistake is to forget about the necessary tab characters in editing files.</a:t>
             </a:r>
             <a:endParaRPr lang="en-US" dirty="0"/>
           </a:p>
@@ -6530,7 +6448,7 @@
     </p:spTree>
     <p:extLst>
       <p:ext uri="{BB962C8B-B14F-4D97-AF65-F5344CB8AC3E}">
-        <p14:creationId xmlns:p14="http://schemas.microsoft.com/office/powerpoint/2010/main" val="3196278746"/>
+        <p14:creationId xmlns:p14="http://schemas.microsoft.com/office/powerpoint/2010/main" val="398997112"/>
       </p:ext>
     </p:extLst>
   </p:cSld>
@@ -6584,14 +6502,61 @@
           <a:bodyPr/>
           <a:lstStyle/>
           <a:p>
-            <a:endParaRPr lang="en-US"/>
+            <a:r>
+              <a:rPr lang="en-US" dirty="0" smtClean="0"/>
+              <a:t>You can write very elaborate make files if you want – but you should start basic.  There are a few common conventions – not required but so common you will see them everywhere.  When you call “make” from a command line – it looks for a file named “</a:t>
+            </a:r>
+            <a:r>
+              <a:rPr lang="en-US" dirty="0" err="1" smtClean="0"/>
+              <a:t>Makefile</a:t>
+            </a:r>
+            <a:r>
+              <a:rPr lang="en-US" dirty="0" smtClean="0"/>
+              <a:t>” in the current directory and executes it.  Typically you call it with an argument – the target you wish to have evaluated and run.  If you don’t provide an argument it will run the first target.</a:t>
+            </a:r>
+          </a:p>
+          <a:p>
+            <a:endParaRPr lang="en-US" dirty="0"/>
+          </a:p>
+          <a:p>
+            <a:r>
+              <a:rPr lang="en-US" dirty="0" smtClean="0"/>
+              <a:t>By convention the first target is usually one called “all” which basically rolls all the steps up to build everything you want.  Targets can be “phony” which means there isn’t really a file on disk to compare.</a:t>
+            </a:r>
+          </a:p>
+          <a:p>
+            <a:endParaRPr lang="en-US" dirty="0"/>
+          </a:p>
+          <a:p>
+            <a:r>
+              <a:rPr lang="en-US" dirty="0" smtClean="0"/>
+              <a:t>Another common target is a “clean” target which deletes everything in the current directory so you are starting from a clean location with no files left around as artefacts that could corrupt the tools.</a:t>
+            </a:r>
+          </a:p>
+          <a:p>
+            <a:endParaRPr lang="en-US" dirty="0"/>
+          </a:p>
+          <a:p>
+            <a:r>
+              <a:rPr lang="en-US" dirty="0" smtClean="0"/>
+              <a:t>You can name your </a:t>
+            </a:r>
+            <a:r>
+              <a:rPr lang="en-US" dirty="0" err="1" smtClean="0"/>
+              <a:t>Makefiles</a:t>
+            </a:r>
+            <a:r>
+              <a:rPr lang="en-US" dirty="0" smtClean="0"/>
+              <a:t> whatever you want – but these items are very typical.</a:t>
+            </a:r>
+            <a:endParaRPr lang="en-US" dirty="0"/>
           </a:p>
         </p:txBody>
       </p:sp>
     </p:spTree>
     <p:extLst>
       <p:ext uri="{BB962C8B-B14F-4D97-AF65-F5344CB8AC3E}">
-        <p14:creationId xmlns:p14="http://schemas.microsoft.com/office/powerpoint/2010/main" val="451127285"/>
+        <p14:creationId xmlns:p14="http://schemas.microsoft.com/office/powerpoint/2010/main" val="3196278746"/>
       </p:ext>
     </p:extLst>
   </p:cSld>
@@ -6645,66 +6610,14 @@
           <a:bodyPr/>
           <a:lstStyle/>
           <a:p>
-            <a:r>
-              <a:rPr lang="en-US" dirty="0" smtClean="0"/>
-              <a:t>You should do the pre-work before attempting</a:t>
-            </a:r>
-            <a:r>
-              <a:rPr lang="en-US" baseline="0" dirty="0" smtClean="0"/>
-              <a:t> this lab.  </a:t>
-            </a:r>
-            <a:r>
-              <a:rPr lang="en-US" dirty="0" smtClean="0"/>
-              <a:t>If you have not done the pre-work – go to the pre-work lab first to go over </a:t>
-            </a:r>
-            <a:r>
-              <a:rPr lang="en-US" dirty="0" err="1" smtClean="0"/>
-              <a:t>git</a:t>
-            </a:r>
-            <a:r>
-              <a:rPr lang="en-US" dirty="0" smtClean="0"/>
-              <a:t> and make –then come back to this lab.</a:t>
-            </a:r>
-            <a:endParaRPr lang="en-US" dirty="0"/>
-          </a:p>
-        </p:txBody>
-      </p:sp>
-      <p:sp>
-        <p:nvSpPr>
-          <p:cNvPr id="4" name="Slide Number Placeholder 3"/>
-          <p:cNvSpPr>
-            <a:spLocks noGrp="1"/>
-          </p:cNvSpPr>
-          <p:nvPr>
-            <p:ph type="sldNum" sz="quarter" idx="10"/>
-          </p:nvPr>
-        </p:nvSpPr>
-        <p:spPr>
-          <a:xfrm>
-            <a:off x="3970938" y="8829967"/>
-            <a:ext cx="3037840" cy="464820"/>
-          </a:xfrm>
-          <a:prstGeom prst="rect">
-            <a:avLst/>
-          </a:prstGeom>
-        </p:spPr>
-        <p:txBody>
-          <a:bodyPr/>
-          <a:lstStyle/>
-          <a:p>
-            <a:fld id="{76F0A2C8-C80D-4FA6-9395-33B607B809E4}" type="slidenum">
-              <a:rPr lang="en-US" smtClean="0"/>
-              <a:pPr/>
-              <a:t>23</a:t>
-            </a:fld>
-            <a:endParaRPr lang="en-US" dirty="0"/>
+            <a:endParaRPr lang="en-US"/>
           </a:p>
         </p:txBody>
       </p:sp>
     </p:spTree>
     <p:extLst>
       <p:ext uri="{BB962C8B-B14F-4D97-AF65-F5344CB8AC3E}">
-        <p14:creationId xmlns:p14="http://schemas.microsoft.com/office/powerpoint/2010/main" val="2657048700"/>
+        <p14:creationId xmlns:p14="http://schemas.microsoft.com/office/powerpoint/2010/main" val="451127285"/>
       </p:ext>
     </p:extLst>
   </p:cSld>
@@ -6758,14 +6671,66 @@
           <a:bodyPr/>
           <a:lstStyle/>
           <a:p>
-            <a:endParaRPr lang="en-US"/>
+            <a:r>
+              <a:rPr lang="en-US" dirty="0" smtClean="0"/>
+              <a:t>You should do the pre-work before attempting</a:t>
+            </a:r>
+            <a:r>
+              <a:rPr lang="en-US" baseline="0" dirty="0" smtClean="0"/>
+              <a:t> this lab.  </a:t>
+            </a:r>
+            <a:r>
+              <a:rPr lang="en-US" dirty="0" smtClean="0"/>
+              <a:t>If you have not done the pre-work – go to the pre-work lab first to go over </a:t>
+            </a:r>
+            <a:r>
+              <a:rPr lang="en-US" dirty="0" err="1" smtClean="0"/>
+              <a:t>git</a:t>
+            </a:r>
+            <a:r>
+              <a:rPr lang="en-US" dirty="0" smtClean="0"/>
+              <a:t> and make –then come back to this lab.</a:t>
+            </a:r>
+            <a:endParaRPr lang="en-US" dirty="0"/>
+          </a:p>
+        </p:txBody>
+      </p:sp>
+      <p:sp>
+        <p:nvSpPr>
+          <p:cNvPr id="4" name="Slide Number Placeholder 3"/>
+          <p:cNvSpPr>
+            <a:spLocks noGrp="1"/>
+          </p:cNvSpPr>
+          <p:nvPr>
+            <p:ph type="sldNum" sz="quarter" idx="10"/>
+          </p:nvPr>
+        </p:nvSpPr>
+        <p:spPr>
+          <a:xfrm>
+            <a:off x="3970938" y="8829967"/>
+            <a:ext cx="3037840" cy="464820"/>
+          </a:xfrm>
+          <a:prstGeom prst="rect">
+            <a:avLst/>
+          </a:prstGeom>
+        </p:spPr>
+        <p:txBody>
+          <a:bodyPr/>
+          <a:lstStyle/>
+          <a:p>
+            <a:fld id="{76F0A2C8-C80D-4FA6-9395-33B607B809E4}" type="slidenum">
+              <a:rPr lang="en-US" smtClean="0"/>
+              <a:pPr/>
+              <a:t>24</a:t>
+            </a:fld>
+            <a:endParaRPr lang="en-US" dirty="0"/>
           </a:p>
         </p:txBody>
       </p:sp>
     </p:spTree>
     <p:extLst>
       <p:ext uri="{BB962C8B-B14F-4D97-AF65-F5344CB8AC3E}">
-        <p14:creationId xmlns:p14="http://schemas.microsoft.com/office/powerpoint/2010/main" val="3521013738"/>
+        <p14:creationId xmlns:p14="http://schemas.microsoft.com/office/powerpoint/2010/main" val="2657048700"/>
       </p:ext>
     </p:extLst>
   </p:cSld>
@@ -6826,7 +6791,7 @@
     </p:spTree>
     <p:extLst>
       <p:ext uri="{BB962C8B-B14F-4D97-AF65-F5344CB8AC3E}">
-        <p14:creationId xmlns:p14="http://schemas.microsoft.com/office/powerpoint/2010/main" val="757801409"/>
+        <p14:creationId xmlns:p14="http://schemas.microsoft.com/office/powerpoint/2010/main" val="3521013738"/>
       </p:ext>
     </p:extLst>
   </p:cSld>
@@ -6887,7 +6852,7 @@
     </p:spTree>
     <p:extLst>
       <p:ext uri="{BB962C8B-B14F-4D97-AF65-F5344CB8AC3E}">
-        <p14:creationId xmlns:p14="http://schemas.microsoft.com/office/powerpoint/2010/main" val="2569039906"/>
+        <p14:creationId xmlns:p14="http://schemas.microsoft.com/office/powerpoint/2010/main" val="757801409"/>
       </p:ext>
     </p:extLst>
   </p:cSld>
@@ -6948,7 +6913,7 @@
     </p:spTree>
     <p:extLst>
       <p:ext uri="{BB962C8B-B14F-4D97-AF65-F5344CB8AC3E}">
-        <p14:creationId xmlns:p14="http://schemas.microsoft.com/office/powerpoint/2010/main" val="2320712513"/>
+        <p14:creationId xmlns:p14="http://schemas.microsoft.com/office/powerpoint/2010/main" val="2569039906"/>
       </p:ext>
     </p:extLst>
   </p:cSld>
@@ -7009,7 +6974,7 @@
     </p:spTree>
     <p:extLst>
       <p:ext uri="{BB962C8B-B14F-4D97-AF65-F5344CB8AC3E}">
-        <p14:creationId xmlns:p14="http://schemas.microsoft.com/office/powerpoint/2010/main" val="2744341004"/>
+        <p14:creationId xmlns:p14="http://schemas.microsoft.com/office/powerpoint/2010/main" val="2320712513"/>
       </p:ext>
     </p:extLst>
   </p:cSld>
@@ -7070,7 +7035,7 @@
     </p:spTree>
     <p:extLst>
       <p:ext uri="{BB962C8B-B14F-4D97-AF65-F5344CB8AC3E}">
-        <p14:creationId xmlns:p14="http://schemas.microsoft.com/office/powerpoint/2010/main" val="2598499016"/>
+        <p14:creationId xmlns:p14="http://schemas.microsoft.com/office/powerpoint/2010/main" val="2744341004"/>
       </p:ext>
     </p:extLst>
   </p:cSld>
@@ -7234,123 +7199,14 @@
           <a:bodyPr/>
           <a:lstStyle/>
           <a:p>
-            <a:r>
-              <a:rPr lang="en-US" dirty="0" smtClean="0"/>
-              <a:t>The provided</a:t>
-            </a:r>
-            <a:r>
-              <a:rPr lang="en-US" baseline="0" dirty="0" smtClean="0"/>
-              <a:t> solution contains both approaches.  The TCL script contains a switch to control which revision control approach is desired.  It is controlled by</a:t>
-            </a:r>
-            <a:r>
-              <a:rPr lang="en-US" dirty="0" smtClean="0"/>
-              <a:t> an environment variable set in the </a:t>
-            </a:r>
-            <a:r>
-              <a:rPr lang="en-US" dirty="0" err="1" smtClean="0"/>
-              <a:t>Makefile</a:t>
-            </a:r>
-            <a:r>
-              <a:rPr lang="en-US" dirty="0" smtClean="0"/>
-              <a:t> called “</a:t>
-            </a:r>
-            <a:r>
-              <a:rPr lang="en-US" dirty="0" err="1" smtClean="0"/>
-              <a:t>reusegolden</a:t>
-            </a:r>
-            <a:r>
-              <a:rPr lang="en-US" dirty="0" smtClean="0"/>
-              <a:t>”  When set to true it reuses the </a:t>
-            </a:r>
-            <a:r>
-              <a:rPr lang="en-US" dirty="0" err="1" smtClean="0"/>
-              <a:t>ip</a:t>
-            </a:r>
-            <a:r>
-              <a:rPr lang="en-US" dirty="0" smtClean="0"/>
-              <a:t> </a:t>
-            </a:r>
-            <a:r>
-              <a:rPr lang="en-US" dirty="0" err="1" smtClean="0"/>
-              <a:t>etc</a:t>
-            </a:r>
-            <a:r>
-              <a:rPr lang="en-US" dirty="0" smtClean="0"/>
-              <a:t> checked into the golden </a:t>
-            </a:r>
-            <a:r>
-              <a:rPr lang="en-US" dirty="0" err="1" smtClean="0"/>
-              <a:t>git</a:t>
-            </a:r>
-            <a:r>
-              <a:rPr lang="en-US" dirty="0" smtClean="0"/>
-              <a:t> repo – this matches the primary recommendation and the maximum </a:t>
-            </a:r>
-            <a:r>
-              <a:rPr lang="en-US" dirty="0" smtClean="0"/>
-              <a:t>flexibility </a:t>
-            </a:r>
-            <a:r>
-              <a:rPr lang="en-US" dirty="0" smtClean="0"/>
-              <a:t>use case.  Change it to false  and everything will be regenerated locally based on </a:t>
-            </a:r>
-            <a:r>
-              <a:rPr lang="en-US" dirty="0" err="1" smtClean="0"/>
-              <a:t>Tcl</a:t>
-            </a:r>
-            <a:r>
-              <a:rPr lang="en-US" dirty="0" smtClean="0"/>
-              <a:t> scripts.  This is the minimum file use case.</a:t>
-            </a:r>
-          </a:p>
-          <a:p>
-            <a:endParaRPr lang="en-US" dirty="0"/>
-          </a:p>
-          <a:p>
-            <a:r>
-              <a:rPr lang="en-US" dirty="0" smtClean="0"/>
-              <a:t>You can iterate through this by editing files and calling make.  When you are happy with a collection of changes you commit them and push into the repository.</a:t>
-            </a:r>
-            <a:endParaRPr lang="en-US" dirty="0"/>
-          </a:p>
-        </p:txBody>
-      </p:sp>
-      <p:sp>
-        <p:nvSpPr>
-          <p:cNvPr id="4" name="Slide Number Placeholder 3"/>
-          <p:cNvSpPr>
-            <a:spLocks noGrp="1"/>
-          </p:cNvSpPr>
-          <p:nvPr>
-            <p:ph type="sldNum" sz="quarter" idx="10"/>
-          </p:nvPr>
-        </p:nvSpPr>
-        <p:spPr>
-          <a:xfrm>
-            <a:off x="3970938" y="8829967"/>
-            <a:ext cx="3037840" cy="464820"/>
-          </a:xfrm>
-          <a:prstGeom prst="rect">
-            <a:avLst/>
-          </a:prstGeom>
-        </p:spPr>
-        <p:txBody>
-          <a:bodyPr/>
-          <a:lstStyle/>
-          <a:p>
-            <a:fld id="{76F0A2C8-C80D-4FA6-9395-33B607B809E4}" type="slidenum">
-              <a:rPr lang="en-US" smtClean="0"/>
-              <a:pPr/>
-              <a:t>30</a:t>
-            </a:fld>
-            <a:endParaRPr lang="en-US" dirty="0"/>
+            <a:endParaRPr lang="en-US"/>
           </a:p>
         </p:txBody>
       </p:sp>
     </p:spTree>
     <p:extLst>
       <p:ext uri="{BB962C8B-B14F-4D97-AF65-F5344CB8AC3E}">
-        <p14:creationId xmlns:p14="http://schemas.microsoft.com/office/powerpoint/2010/main" val="3820821156"/>
+        <p14:creationId xmlns:p14="http://schemas.microsoft.com/office/powerpoint/2010/main" val="2598499016"/>
       </p:ext>
     </p:extLst>
   </p:cSld>
@@ -7406,41 +7262,47 @@
           <a:p>
             <a:r>
               <a:rPr lang="en-US" dirty="0" smtClean="0"/>
-              <a:t>Today we gave you an overview of the Xilinx revision control best practices.  We provide 2 approaches;  one that offers maximum flexibility and best compile times.  The second minimizes the number of files.</a:t>
-            </a:r>
-          </a:p>
-          <a:p>
-            <a:endParaRPr lang="en-US" dirty="0"/>
-          </a:p>
-          <a:p>
-            <a:r>
-              <a:rPr lang="en-US" dirty="0" smtClean="0"/>
-              <a:t>The most important part of the recommendation is to avoid the management of project directories with active projects.  There are many intermediate files and </a:t>
+              <a:t>The provided</a:t>
+            </a:r>
+            <a:r>
+              <a:rPr lang="en-US" baseline="0" dirty="0" smtClean="0"/>
+              <a:t> solution contains both approaches.  The TCL script contains a switch to control which revision control approach is desired.  It is controlled by</a:t>
+            </a:r>
+            <a:r>
+              <a:rPr lang="en-US" dirty="0" smtClean="0"/>
+              <a:t> an environment variable set in the </a:t>
             </a:r>
             <a:r>
               <a:rPr lang="en-US" dirty="0" err="1" smtClean="0"/>
-              <a:t>Vivado</a:t>
-            </a:r>
-            <a:r>
-              <a:rPr lang="en-US" dirty="0" smtClean="0"/>
-              <a:t> needs to have control of them.  Better to set up the project with remote sources that reside outside the project – this allows you to view and manage changes to your sources without sifting through diff logs of thousands and thousands of files.</a:t>
-            </a:r>
-          </a:p>
-          <a:p>
-            <a:endParaRPr lang="en-US" dirty="0"/>
-          </a:p>
-          <a:p>
-            <a:r>
-              <a:rPr lang="en-US" dirty="0" smtClean="0"/>
-              <a:t>We provided a lab with an example project showing </a:t>
-            </a:r>
-            <a:r>
-              <a:rPr lang="en-US" dirty="0" smtClean="0"/>
-              <a:t>common </a:t>
-            </a:r>
-            <a:r>
-              <a:rPr lang="en-US" dirty="0" smtClean="0"/>
-              <a:t>setup and workflow using </a:t>
+              <a:t>Makefile</a:t>
+            </a:r>
+            <a:r>
+              <a:rPr lang="en-US" dirty="0" smtClean="0"/>
+              <a:t> called “</a:t>
+            </a:r>
+            <a:r>
+              <a:rPr lang="en-US" dirty="0" err="1" smtClean="0"/>
+              <a:t>reusegolden</a:t>
+            </a:r>
+            <a:r>
+              <a:rPr lang="en-US" dirty="0" smtClean="0"/>
+              <a:t>”  When set to true it reuses the </a:t>
+            </a:r>
+            <a:r>
+              <a:rPr lang="en-US" dirty="0" err="1" smtClean="0"/>
+              <a:t>ip</a:t>
+            </a:r>
+            <a:r>
+              <a:rPr lang="en-US" dirty="0" smtClean="0"/>
+              <a:t> </a:t>
+            </a:r>
+            <a:r>
+              <a:rPr lang="en-US" dirty="0" err="1" smtClean="0"/>
+              <a:t>etc</a:t>
+            </a:r>
+            <a:r>
+              <a:rPr lang="en-US" dirty="0" smtClean="0"/>
+              <a:t> checked into the golden </a:t>
             </a:r>
             <a:r>
               <a:rPr lang="en-US" dirty="0" err="1" smtClean="0"/>
@@ -7448,44 +7310,57 @@
             </a:r>
             <a:r>
               <a:rPr lang="en-US" dirty="0" smtClean="0"/>
-              <a:t> and make.  These concepts are directly applicable to other revision control systems.</a:t>
-            </a:r>
+              <a:t> repo – this matches the primary recommendation and the maximum flexibility use case.  Change it to false  and everything will be regenerated locally based on </a:t>
+            </a:r>
+            <a:r>
+              <a:rPr lang="en-US" dirty="0" err="1" smtClean="0"/>
+              <a:t>Tcl</a:t>
+            </a:r>
+            <a:r>
+              <a:rPr lang="en-US" dirty="0" smtClean="0"/>
+              <a:t> scripts.  This is the minimum file use case.</a:t>
+            </a:r>
+          </a:p>
+          <a:p>
             <a:endParaRPr lang="en-US" dirty="0"/>
           </a:p>
           <a:p>
-            <a:endParaRPr lang="en-US" dirty="0" smtClean="0"/>
-          </a:p>
-          <a:p>
-            <a:r>
-              <a:rPr lang="en-US" dirty="0" smtClean="0"/>
-              <a:t>Chapter 2 </a:t>
-            </a:r>
-            <a:r>
-              <a:rPr lang="en-US" dirty="0" smtClean="0"/>
-              <a:t>in the Ultrafast Design Methodology Guide (UG949) </a:t>
-            </a:r>
-            <a:r>
-              <a:rPr lang="en-US" dirty="0" smtClean="0"/>
-              <a:t>has recently been published giving </a:t>
-            </a:r>
-            <a:r>
-              <a:rPr lang="en-US" dirty="0" smtClean="0"/>
-              <a:t>more details on these </a:t>
-            </a:r>
-            <a:r>
-              <a:rPr lang="en-US" dirty="0" smtClean="0"/>
-              <a:t>topics.</a:t>
-            </a:r>
-            <a:endParaRPr lang="en-US" dirty="0" smtClean="0"/>
-          </a:p>
-          <a:p>
+            <a:r>
+              <a:rPr lang="en-US" dirty="0" smtClean="0"/>
+              <a:t>You can iterate through this by editing files and calling make.  When you are happy with a collection of changes you commit them and push into the repository.</a:t>
+            </a:r>
             <a:endParaRPr lang="en-US" dirty="0"/>
           </a:p>
-          <a:p>
-            <a:r>
-              <a:rPr lang="en-US" dirty="0" smtClean="0"/>
-              <a:t>Good luck!</a:t>
-            </a:r>
+        </p:txBody>
+      </p:sp>
+      <p:sp>
+        <p:nvSpPr>
+          <p:cNvPr id="4" name="Slide Number Placeholder 3"/>
+          <p:cNvSpPr>
+            <a:spLocks noGrp="1"/>
+          </p:cNvSpPr>
+          <p:nvPr>
+            <p:ph type="sldNum" sz="quarter" idx="10"/>
+          </p:nvPr>
+        </p:nvSpPr>
+        <p:spPr>
+          <a:xfrm>
+            <a:off x="3970938" y="8829967"/>
+            <a:ext cx="3037840" cy="464820"/>
+          </a:xfrm>
+          <a:prstGeom prst="rect">
+            <a:avLst/>
+          </a:prstGeom>
+        </p:spPr>
+        <p:txBody>
+          <a:bodyPr/>
+          <a:lstStyle/>
+          <a:p>
+            <a:fld id="{76F0A2C8-C80D-4FA6-9395-33B607B809E4}" type="slidenum">
+              <a:rPr lang="en-US" smtClean="0"/>
+              <a:pPr/>
+              <a:t>31</a:t>
+            </a:fld>
             <a:endParaRPr lang="en-US" dirty="0"/>
           </a:p>
         </p:txBody>
@@ -7493,7 +7368,7 @@
     </p:spTree>
     <p:extLst>
       <p:ext uri="{BB962C8B-B14F-4D97-AF65-F5344CB8AC3E}">
-        <p14:creationId xmlns:p14="http://schemas.microsoft.com/office/powerpoint/2010/main" val="3615966861"/>
+        <p14:creationId xmlns:p14="http://schemas.microsoft.com/office/powerpoint/2010/main" val="3820821156"/>
       </p:ext>
     </p:extLst>
   </p:cSld>
@@ -7547,6 +7422,124 @@
           <a:bodyPr/>
           <a:lstStyle/>
           <a:p>
+            <a:r>
+              <a:rPr lang="en-US" dirty="0" smtClean="0"/>
+              <a:t>Today we gave you an overview of the Xilinx revision control best practices.  We provide 2 approaches;  one that offers maximum flexibility and best compile times.  The second minimizes the number of files.</a:t>
+            </a:r>
+          </a:p>
+          <a:p>
+            <a:endParaRPr lang="en-US" dirty="0"/>
+          </a:p>
+          <a:p>
+            <a:r>
+              <a:rPr lang="en-US" dirty="0" smtClean="0"/>
+              <a:t>The most important part of the recommendation is to avoid the management of project directories with active projects.  There are many intermediate files and </a:t>
+            </a:r>
+            <a:r>
+              <a:rPr lang="en-US" dirty="0" err="1" smtClean="0"/>
+              <a:t>Vivado</a:t>
+            </a:r>
+            <a:r>
+              <a:rPr lang="en-US" dirty="0" smtClean="0"/>
+              <a:t> needs to have control of them.  Better to set up the project with remote sources that reside outside the project – this allows you to view and manage changes to your sources without sifting through diff logs of thousands and thousands of files.</a:t>
+            </a:r>
+          </a:p>
+          <a:p>
+            <a:endParaRPr lang="en-US" dirty="0"/>
+          </a:p>
+          <a:p>
+            <a:r>
+              <a:rPr lang="en-US" dirty="0" smtClean="0"/>
+              <a:t>We provided a lab with an example project showing common setup and workflow using </a:t>
+            </a:r>
+            <a:r>
+              <a:rPr lang="en-US" dirty="0" err="1" smtClean="0"/>
+              <a:t>git</a:t>
+            </a:r>
+            <a:r>
+              <a:rPr lang="en-US" dirty="0" smtClean="0"/>
+              <a:t> and make.  These concepts are directly applicable to other revision control systems.</a:t>
+            </a:r>
+            <a:endParaRPr lang="en-US" dirty="0"/>
+          </a:p>
+          <a:p>
+            <a:endParaRPr lang="en-US" dirty="0" smtClean="0"/>
+          </a:p>
+          <a:p>
+            <a:r>
+              <a:rPr lang="en-US" dirty="0" smtClean="0"/>
+              <a:t>Chapter 2 in the Ultrafast Design Methodology Guide (UG949) has recently been published giving more details on these topics.</a:t>
+            </a:r>
+          </a:p>
+          <a:p>
+            <a:endParaRPr lang="en-US" dirty="0"/>
+          </a:p>
+          <a:p>
+            <a:r>
+              <a:rPr lang="en-US" dirty="0" smtClean="0"/>
+              <a:t>Good luck!</a:t>
+            </a:r>
+            <a:endParaRPr lang="en-US" dirty="0"/>
+          </a:p>
+        </p:txBody>
+      </p:sp>
+    </p:spTree>
+    <p:extLst>
+      <p:ext uri="{BB962C8B-B14F-4D97-AF65-F5344CB8AC3E}">
+        <p14:creationId xmlns:p14="http://schemas.microsoft.com/office/powerpoint/2010/main" val="3615966861"/>
+      </p:ext>
+    </p:extLst>
+  </p:cSld>
+  <p:clrMapOvr>
+    <a:masterClrMapping/>
+  </p:clrMapOvr>
+</p:notes>
+</file>
+
+<file path=ppt/notesSlides/notesSlide33.xml><?xml version="1.0" encoding="utf-8"?>
+<p:notes xmlns:a="http://schemas.openxmlformats.org/drawingml/2006/main" xmlns:r="http://schemas.openxmlformats.org/officeDocument/2006/relationships" xmlns:p="http://schemas.openxmlformats.org/presentationml/2006/main">
+  <p:cSld>
+    <p:spTree>
+      <p:nvGrpSpPr>
+        <p:cNvPr id="1" name=""/>
+        <p:cNvGrpSpPr/>
+        <p:nvPr/>
+      </p:nvGrpSpPr>
+      <p:grpSpPr>
+        <a:xfrm>
+          <a:off x="0" y="0"/>
+          <a:ext cx="0" cy="0"/>
+          <a:chOff x="0" y="0"/>
+          <a:chExt cx="0" cy="0"/>
+        </a:xfrm>
+      </p:grpSpPr>
+      <p:sp>
+        <p:nvSpPr>
+          <p:cNvPr id="2" name="Slide Image Placeholder 1"/>
+          <p:cNvSpPr>
+            <a:spLocks noGrp="1" noRot="1" noChangeAspect="1"/>
+          </p:cNvSpPr>
+          <p:nvPr>
+            <p:ph type="sldImg"/>
+          </p:nvPr>
+        </p:nvSpPr>
+        <p:spPr/>
+      </p:sp>
+      <p:sp>
+        <p:nvSpPr>
+          <p:cNvPr id="3" name="Notes Placeholder 2"/>
+          <p:cNvSpPr>
+            <a:spLocks noGrp="1"/>
+          </p:cNvSpPr>
+          <p:nvPr>
+            <p:ph type="body" idx="1"/>
+          </p:nvPr>
+        </p:nvSpPr>
+        <p:spPr/>
+        <p:txBody>
+          <a:bodyPr/>
+          <a:lstStyle/>
+          <a:p>
             <a:endParaRPr lang="en-US"/>
           </a:p>
         </p:txBody>
@@ -7564,7 +7557,7 @@
 </p:notes>
 </file>
 
-<file path=ppt/notesSlides/notesSlide33.xml><?xml version="1.0" encoding="utf-8"?>
+<file path=ppt/notesSlides/notesSlide34.xml><?xml version="1.0" encoding="utf-8"?>
 <p:notes xmlns:a="http://schemas.openxmlformats.org/drawingml/2006/main" xmlns:r="http://schemas.openxmlformats.org/officeDocument/2006/relationships" xmlns:p="http://schemas.openxmlformats.org/presentationml/2006/main">
   <p:cSld>
     <p:spTree>
@@ -7974,15 +7967,7 @@
           <a:p>
             <a:r>
               <a:rPr lang="en-US" dirty="0" smtClean="0"/>
-              <a:t>We’ve </a:t>
-            </a:r>
-            <a:r>
-              <a:rPr lang="en-US" dirty="0" smtClean="0"/>
-              <a:t>worked </a:t>
-            </a:r>
-            <a:r>
-              <a:rPr lang="en-US" dirty="0" smtClean="0"/>
-              <a:t>to drastically reduce the overall number of files in </a:t>
+              <a:t>We’ve worked to drastically reduce the overall number of files in </a:t>
             </a:r>
             <a:r>
               <a:rPr lang="en-US" dirty="0" err="1" smtClean="0"/>
@@ -7990,23 +7975,7 @@
             </a:r>
             <a:r>
               <a:rPr lang="en-US" dirty="0" smtClean="0"/>
-              <a:t> IP.  On average the number of files has been reduced by </a:t>
-            </a:r>
-            <a:r>
-              <a:rPr lang="en-US" dirty="0" smtClean="0"/>
-              <a:t>2/3.  We’ve </a:t>
-            </a:r>
-            <a:r>
-              <a:rPr lang="en-US" dirty="0" smtClean="0"/>
-              <a:t>also increased </a:t>
-            </a:r>
-            <a:r>
-              <a:rPr lang="en-US" dirty="0" smtClean="0"/>
-              <a:t>our </a:t>
-            </a:r>
-            <a:r>
-              <a:rPr lang="en-US" dirty="0" smtClean="0"/>
-              <a:t>testing and prioritization of revision control related issues.</a:t>
+              <a:t> IP.  On average the number of files has been reduced by 2/3.  We’ve also increased our testing and prioritization of revision control related issues.</a:t>
             </a:r>
           </a:p>
           <a:p>
@@ -8015,25 +7984,8 @@
           <a:p>
             <a:r>
               <a:rPr lang="en-US" dirty="0" smtClean="0"/>
-              <a:t>We have improved documentation, with a chapter focusing on rev. ctrl. Methodology in the ultrafast design methodology guide.  We </a:t>
-            </a:r>
-            <a:r>
-              <a:rPr lang="en-US" dirty="0" smtClean="0"/>
-              <a:t>have updated </a:t>
-            </a:r>
-            <a:r>
-              <a:rPr lang="en-US" dirty="0" smtClean="0"/>
-              <a:t>the </a:t>
-            </a:r>
-            <a:r>
-              <a:rPr lang="en-US" dirty="0" smtClean="0"/>
-              <a:t>quick take </a:t>
-            </a:r>
-            <a:r>
-              <a:rPr lang="en-US" dirty="0" smtClean="0"/>
-              <a:t>video which provides a good overview of our methodology recommendations.</a:t>
-            </a:r>
-            <a:endParaRPr lang="en-US" dirty="0" smtClean="0"/>
+              <a:t>We have improved documentation, with a chapter focusing on rev. ctrl. Methodology in the ultrafast design methodology guide.  We have updated the quick take video which provides a good overview of our methodology recommendations.</a:t>
+            </a:r>
           </a:p>
           <a:p>
             <a:endParaRPr lang="en-US" dirty="0"/>
@@ -8041,19 +7993,7 @@
           <a:p>
             <a:r>
               <a:rPr lang="en-US" dirty="0" smtClean="0"/>
-              <a:t>In 2015.3, we will </a:t>
-            </a:r>
-            <a:r>
-              <a:rPr lang="en-US" dirty="0" smtClean="0"/>
-              <a:t>have additional benefits</a:t>
-            </a:r>
-            <a:r>
-              <a:rPr lang="en-US" dirty="0" smtClean="0"/>
-              <a:t> </a:t>
-            </a:r>
-            <a:r>
-              <a:rPr lang="en-US" dirty="0" smtClean="0"/>
-              <a:t>with a project called “core container” that is effectively a zip archive of all the files in an IP so there will be a single self-contained file that needs to be managed with all needed sources inside.  We will be further working to reduce file counts by providing common IP RTL libraries in a central location chosen by the use to enable pre-compilation and reduction of redundant files across IP and with multiply instantiated IP.</a:t>
+              <a:t>In 2015.3, we will have additional benefits with a project called “core container” that is effectively a zip archive of all the files in an IP so there will be a single self-contained file that needs to be managed with all needed sources inside.  We will be further working to reduce file counts by providing common IP RTL libraries in a central location chosen by the use to enable pre-compilation and reduction of redundant files across IP and with multiply instantiated IP.</a:t>
             </a:r>
             <a:endParaRPr lang="en-US" dirty="0"/>
           </a:p>
@@ -8403,11 +8343,7 @@
             </a:r>
             <a:r>
               <a:rPr lang="en-US" dirty="0" smtClean="0"/>
-              <a:t> </a:t>
-            </a:r>
-            <a:r>
-              <a:rPr lang="en-US" dirty="0" smtClean="0"/>
-              <a:t>will try to recreate the project in the location of the </a:t>
+              <a:t> will try to recreate the project in the location of the </a:t>
             </a:r>
             <a:r>
               <a:rPr lang="en-US" dirty="0" err="1" smtClean="0"/>
@@ -8415,11 +8351,7 @@
             </a:r>
             <a:r>
               <a:rPr lang="en-US" dirty="0" smtClean="0"/>
-              <a:t>.  So you must have write permission in the directory </a:t>
-            </a:r>
-            <a:r>
-              <a:rPr lang="en-US" dirty="0" smtClean="0"/>
-              <a:t>where </a:t>
+              <a:t>.  So you must have write permission in the directory where </a:t>
             </a:r>
             <a:r>
               <a:rPr lang="en-US" dirty="0" err="1" smtClean="0"/>
@@ -8427,11 +8359,7 @@
             </a:r>
             <a:r>
               <a:rPr lang="en-US" dirty="0" smtClean="0"/>
-              <a:t> </a:t>
-            </a:r>
-            <a:r>
-              <a:rPr lang="en-US" dirty="0" smtClean="0"/>
-              <a:t>will try to recreate the project.  It’s best if you copy the </a:t>
+              <a:t> will try to recreate the project.  It’s best if you copy the </a:t>
             </a:r>
             <a:r>
               <a:rPr lang="en-US" dirty="0" err="1" smtClean="0"/>
@@ -10732,7 +10660,7 @@
                 </a:solidFill>
                 <a:effectLst/>
               </a:rPr>
-              <a:t>July </a:t>
+              <a:t>February</a:t>
             </a:r>
             <a:r>
               <a:rPr lang="en-US" sz="2800" b="0" kern="0" dirty="0" smtClean="0">
@@ -10744,7 +10672,7 @@
                 </a:solidFill>
                 <a:effectLst/>
               </a:rPr>
-              <a:t>2015</a:t>
+              <a:t> 2017</a:t>
             </a:r>
             <a:endParaRPr sz="2000" b="0" kern="0" dirty="0">
               <a:solidFill>
@@ -14496,6 +14424,250 @@
       </p:grpSpPr>
       <p:sp>
         <p:nvSpPr>
+          <p:cNvPr id="2" name="Content Placeholder 1"/>
+          <p:cNvSpPr>
+            <a:spLocks noGrp="1"/>
+          </p:cNvSpPr>
+          <p:nvPr>
+            <p:ph idx="1"/>
+          </p:nvPr>
+        </p:nvSpPr>
+        <p:spPr>
+          <a:xfrm>
+            <a:off x="280416" y="1217222"/>
+            <a:ext cx="8863584" cy="5359791"/>
+          </a:xfrm>
+        </p:spPr>
+        <p:txBody>
+          <a:bodyPr/>
+          <a:lstStyle/>
+          <a:p>
+            <a:r>
+              <a:rPr lang="en-US" dirty="0" smtClean="0"/>
+              <a:t>Team Design – Multiple Designers Modifying Block Diagram</a:t>
+            </a:r>
+          </a:p>
+          <a:p>
+            <a:pPr lvl="1"/>
+            <a:r>
+              <a:rPr lang="en-US" dirty="0" smtClean="0"/>
+              <a:t>Review changes in a graphical change log to see before/after changes</a:t>
+            </a:r>
+            <a:endParaRPr lang="en-US" dirty="0"/>
+          </a:p>
+          <a:p>
+            <a:pPr lvl="1"/>
+            <a:r>
+              <a:rPr lang="en-US" dirty="0" smtClean="0"/>
+              <a:t>2017.1 will bring much smaller </a:t>
+            </a:r>
+            <a:r>
+              <a:rPr lang="en-US" dirty="0" err="1" smtClean="0"/>
+              <a:t>bd</a:t>
+            </a:r>
+            <a:r>
+              <a:rPr lang="en-US" dirty="0" smtClean="0"/>
+              <a:t> </a:t>
+            </a:r>
+            <a:r>
+              <a:rPr lang="en-US" dirty="0" err="1" smtClean="0"/>
+              <a:t>tcl</a:t>
+            </a:r>
+            <a:r>
+              <a:rPr lang="en-US" dirty="0" smtClean="0"/>
+              <a:t> to make this easier</a:t>
+            </a:r>
+          </a:p>
+          <a:p>
+            <a:pPr lvl="1"/>
+            <a:endParaRPr lang="en-US" dirty="0" smtClean="0"/>
+          </a:p>
+          <a:p>
+            <a:r>
+              <a:rPr lang="en-US" dirty="0" smtClean="0"/>
+              <a:t>Share procs from </a:t>
+            </a:r>
+            <a:r>
+              <a:rPr lang="en-US" dirty="0" err="1" smtClean="0"/>
+              <a:t>write_bd_tcl</a:t>
+            </a:r>
+            <a:endParaRPr lang="en-US" dirty="0" smtClean="0"/>
+          </a:p>
+          <a:p>
+            <a:pPr lvl="1"/>
+            <a:r>
+              <a:rPr lang="en-US" dirty="0" smtClean="0"/>
+              <a:t>User hierarchy wrap </a:t>
+            </a:r>
+            <a:r>
+              <a:rPr lang="en-US" dirty="0" err="1" smtClean="0"/>
+              <a:t>abour</a:t>
+            </a:r>
+            <a:r>
+              <a:rPr lang="en-US" dirty="0" smtClean="0"/>
+              <a:t> a block you wish to share</a:t>
+            </a:r>
+            <a:endParaRPr lang="en-US" dirty="0"/>
+          </a:p>
+          <a:p>
+            <a:pPr lvl="1"/>
+            <a:r>
+              <a:rPr lang="en-US" dirty="0" err="1" smtClean="0"/>
+              <a:t>Write_bd_tcl</a:t>
+            </a:r>
+            <a:r>
+              <a:rPr lang="en-US" dirty="0"/>
+              <a:t> </a:t>
+            </a:r>
+            <a:r>
+              <a:rPr lang="en-US" dirty="0" smtClean="0"/>
+              <a:t>and comment out few commands to create project</a:t>
+            </a:r>
+          </a:p>
+          <a:p>
+            <a:pPr lvl="1"/>
+            <a:r>
+              <a:rPr lang="en-US" dirty="0" smtClean="0"/>
+              <a:t>In project creation scripts, source the </a:t>
+            </a:r>
+            <a:r>
+              <a:rPr lang="en-US" dirty="0" err="1" smtClean="0"/>
+              <a:t>tcl</a:t>
+            </a:r>
+            <a:r>
+              <a:rPr lang="en-US" dirty="0" smtClean="0"/>
+              <a:t> above that defines the procs</a:t>
+            </a:r>
+          </a:p>
+          <a:p>
+            <a:pPr lvl="1"/>
+            <a:r>
+              <a:rPr lang="en-US" dirty="0" smtClean="0"/>
+              <a:t>Call the user hierarchy recreation proc (</a:t>
+            </a:r>
+            <a:r>
+              <a:rPr lang="en-US" dirty="0" err="1" smtClean="0"/>
+              <a:t>write_bd_tcl</a:t>
+            </a:r>
+            <a:r>
+              <a:rPr lang="en-US" dirty="0" smtClean="0"/>
+              <a:t> creates 1 proc per hierarchy)</a:t>
+            </a:r>
+          </a:p>
+        </p:txBody>
+      </p:sp>
+      <p:sp>
+        <p:nvSpPr>
+          <p:cNvPr id="3" name="Title 2"/>
+          <p:cNvSpPr>
+            <a:spLocks noGrp="1"/>
+          </p:cNvSpPr>
+          <p:nvPr>
+            <p:ph type="title"/>
+          </p:nvPr>
+        </p:nvSpPr>
+        <p:spPr/>
+        <p:txBody>
+          <a:bodyPr/>
+          <a:lstStyle/>
+          <a:p>
+            <a:r>
+              <a:rPr lang="en-US" dirty="0" smtClean="0"/>
+              <a:t>Best practices for revision control</a:t>
+            </a:r>
+            <a:endParaRPr lang="en-US" dirty="0"/>
+          </a:p>
+        </p:txBody>
+      </p:sp>
+      <p:sp>
+        <p:nvSpPr>
+          <p:cNvPr id="4" name="Slide Number Placeholder 2"/>
+          <p:cNvSpPr>
+            <a:spLocks noGrp="1"/>
+          </p:cNvSpPr>
+          <p:nvPr>
+            <p:ph type="sldNum" sz="quarter" idx="10"/>
+          </p:nvPr>
+        </p:nvSpPr>
+        <p:spPr>
+          <a:xfrm>
+            <a:off x="457200" y="6577013"/>
+            <a:ext cx="838200" cy="244475"/>
+          </a:xfrm>
+        </p:spPr>
+        <p:txBody>
+          <a:bodyPr/>
+          <a:lstStyle/>
+          <a:p>
+            <a:pPr>
+              <a:defRPr/>
+            </a:pPr>
+            <a:r>
+              <a:rPr dirty="0">
+                <a:solidFill>
+                  <a:srgbClr val="000000"/>
+                </a:solidFill>
+              </a:rPr>
+              <a:t>Page </a:t>
+            </a:r>
+            <a:fld id="{060BD193-E118-4B16-863C-C8C12C675E3E}" type="slidenum">
+              <a:rPr>
+                <a:solidFill>
+                  <a:srgbClr val="000000"/>
+                </a:solidFill>
+              </a:rPr>
+              <a:pPr>
+                <a:defRPr/>
+              </a:pPr>
+              <a:t>16</a:t>
+            </a:fld>
+            <a:endParaRPr dirty="0">
+              <a:solidFill>
+                <a:srgbClr val="000000"/>
+              </a:solidFill>
+            </a:endParaRPr>
+          </a:p>
+        </p:txBody>
+      </p:sp>
+    </p:spTree>
+    <p:extLst>
+      <p:ext uri="{BB962C8B-B14F-4D97-AF65-F5344CB8AC3E}">
+        <p14:creationId xmlns:p14="http://schemas.microsoft.com/office/powerpoint/2010/main" val="3259595977"/>
+      </p:ext>
+    </p:extLst>
+  </p:cSld>
+  <p:clrMapOvr>
+    <a:masterClrMapping/>
+  </p:clrMapOvr>
+  <p:timing>
+    <p:tnLst>
+      <p:par>
+        <p:cTn id="1" dur="indefinite" restart="never" nodeType="tmRoot"/>
+      </p:par>
+    </p:tnLst>
+  </p:timing>
+</p:sld>
+</file>
+
+<file path=ppt/slides/slide17.xml><?xml version="1.0" encoding="utf-8"?>
+<p:sld xmlns:a="http://schemas.openxmlformats.org/drawingml/2006/main" xmlns:r="http://schemas.openxmlformats.org/officeDocument/2006/relationships" xmlns:p="http://schemas.openxmlformats.org/presentationml/2006/main">
+  <p:cSld>
+    <p:spTree>
+      <p:nvGrpSpPr>
+        <p:cNvPr id="1" name=""/>
+        <p:cNvGrpSpPr/>
+        <p:nvPr/>
+      </p:nvGrpSpPr>
+      <p:grpSpPr>
+        <a:xfrm>
+          <a:off x="0" y="0"/>
+          <a:ext cx="0" cy="0"/>
+          <a:chOff x="0" y="0"/>
+          <a:chExt cx="0" cy="0"/>
+        </a:xfrm>
+      </p:grpSpPr>
+      <p:sp>
+        <p:nvSpPr>
           <p:cNvPr id="9" name="Title 6"/>
           <p:cNvSpPr txBox="1">
             <a:spLocks/>
@@ -14742,7 +14914,7 @@
 </p:sld>
 </file>
 
-<file path=ppt/slides/slide17.xml><?xml version="1.0" encoding="utf-8"?>
+<file path=ppt/slides/slide18.xml><?xml version="1.0" encoding="utf-8"?>
 <p:sld xmlns:a="http://schemas.openxmlformats.org/drawingml/2006/main" xmlns:r="http://schemas.openxmlformats.org/officeDocument/2006/relationships" xmlns:p="http://schemas.openxmlformats.org/presentationml/2006/main">
   <p:cSld>
     <p:spTree>
@@ -16122,7 +16294,7 @@
 </p:sld>
 </file>
 
-<file path=ppt/slides/slide18.xml><?xml version="1.0" encoding="utf-8"?>
+<file path=ppt/slides/slide19.xml><?xml version="1.0" encoding="utf-8"?>
 <p:sld xmlns:a="http://schemas.openxmlformats.org/drawingml/2006/main" xmlns:r="http://schemas.openxmlformats.org/officeDocument/2006/relationships" xmlns:p="http://schemas.openxmlformats.org/presentationml/2006/main">
   <p:cSld>
     <p:spTree>
@@ -16808,656 +16980,6 @@
     <p:extLst>
       <p:ext uri="{BB962C8B-B14F-4D97-AF65-F5344CB8AC3E}">
         <p14:creationId xmlns:p14="http://schemas.microsoft.com/office/powerpoint/2010/main" val="1876144"/>
-      </p:ext>
-    </p:extLst>
-  </p:cSld>
-  <p:clrMapOvr>
-    <a:masterClrMapping/>
-  </p:clrMapOvr>
-  <p:timing>
-    <p:tnLst>
-      <p:par>
-        <p:cTn id="1" dur="indefinite" restart="never" nodeType="tmRoot"/>
-      </p:par>
-    </p:tnLst>
-  </p:timing>
-</p:sld>
-</file>
-
-<file path=ppt/slides/slide19.xml><?xml version="1.0" encoding="utf-8"?>
-<p:sld xmlns:a="http://schemas.openxmlformats.org/drawingml/2006/main" xmlns:r="http://schemas.openxmlformats.org/officeDocument/2006/relationships" xmlns:p="http://schemas.openxmlformats.org/presentationml/2006/main">
-  <p:cSld>
-    <p:spTree>
-      <p:nvGrpSpPr>
-        <p:cNvPr id="1" name=""/>
-        <p:cNvGrpSpPr/>
-        <p:nvPr/>
-      </p:nvGrpSpPr>
-      <p:grpSpPr>
-        <a:xfrm>
-          <a:off x="0" y="0"/>
-          <a:ext cx="0" cy="0"/>
-          <a:chOff x="0" y="0"/>
-          <a:chExt cx="0" cy="0"/>
-        </a:xfrm>
-      </p:grpSpPr>
-      <p:sp>
-        <p:nvSpPr>
-          <p:cNvPr id="2" name="Content Placeholder 1"/>
-          <p:cNvSpPr>
-            <a:spLocks noGrp="1"/>
-          </p:cNvSpPr>
-          <p:nvPr>
-            <p:ph idx="1"/>
-          </p:nvPr>
-        </p:nvSpPr>
-        <p:spPr/>
-        <p:txBody>
-          <a:bodyPr/>
-          <a:lstStyle/>
-          <a:p>
-            <a:pPr lvl="0"/>
-            <a:r>
-              <a:rPr lang="en-US" dirty="0" smtClean="0"/>
-              <a:t>Staging</a:t>
-            </a:r>
-          </a:p>
-          <a:p>
-            <a:pPr lvl="1"/>
-            <a:r>
-              <a:rPr lang="en-US" dirty="0" smtClean="0"/>
-              <a:t>Query</a:t>
-            </a:r>
-            <a:endParaRPr lang="en-US" dirty="0"/>
-          </a:p>
-          <a:p>
-            <a:pPr marL="288925" lvl="1" indent="0">
-              <a:buNone/>
-            </a:pPr>
-            <a:endParaRPr lang="en-US" dirty="0"/>
-          </a:p>
-          <a:p>
-            <a:pPr lvl="1"/>
-            <a:r>
-              <a:rPr lang="en-US" dirty="0" smtClean="0"/>
-              <a:t>Discard any local changes and revert to last commit</a:t>
-            </a:r>
-            <a:endParaRPr lang="en-US" dirty="0"/>
-          </a:p>
-          <a:p>
-            <a:pPr marL="288925" lvl="1" indent="0">
-              <a:buNone/>
-            </a:pPr>
-            <a:endParaRPr lang="en-US" dirty="0" smtClean="0"/>
-          </a:p>
-          <a:p>
-            <a:pPr lvl="1"/>
-            <a:r>
-              <a:rPr lang="en-US" dirty="0" smtClean="0"/>
-              <a:t>Report differences between staged and last commit</a:t>
-            </a:r>
-          </a:p>
-          <a:p>
-            <a:pPr marL="288925" lvl="1" indent="0">
-              <a:buNone/>
-            </a:pPr>
-            <a:endParaRPr lang="en-US" dirty="0" smtClean="0"/>
-          </a:p>
-          <a:p>
-            <a:pPr lvl="1"/>
-            <a:r>
-              <a:rPr lang="en-US" dirty="0" smtClean="0"/>
-              <a:t>Removing files from version tracking</a:t>
-            </a:r>
-          </a:p>
-          <a:p>
-            <a:pPr lvl="1"/>
-            <a:endParaRPr lang="en-US" dirty="0" smtClean="0"/>
-          </a:p>
-          <a:p>
-            <a:pPr lvl="1"/>
-            <a:r>
-              <a:rPr lang="en-US" dirty="0" smtClean="0"/>
-              <a:t>Ignore tracking (add files to ignore to .</a:t>
-            </a:r>
-            <a:r>
-              <a:rPr lang="en-US" dirty="0" err="1" smtClean="0"/>
-              <a:t>gitignore</a:t>
-            </a:r>
-            <a:r>
-              <a:rPr lang="en-US" dirty="0" smtClean="0"/>
-              <a:t>)</a:t>
-            </a:r>
-          </a:p>
-          <a:p>
-            <a:pPr marL="288925" lvl="1" indent="0">
-              <a:buNone/>
-            </a:pPr>
-            <a:endParaRPr lang="en-US" dirty="0"/>
-          </a:p>
-          <a:p>
-            <a:pPr marL="288925" lvl="1" indent="0">
-              <a:buNone/>
-            </a:pPr>
-            <a:endParaRPr lang="en-US" dirty="0" smtClean="0"/>
-          </a:p>
-          <a:p>
-            <a:r>
-              <a:rPr lang="en-US" dirty="0" smtClean="0"/>
-              <a:t>Branching and Merging</a:t>
-            </a:r>
-          </a:p>
-          <a:p>
-            <a:pPr lvl="1"/>
-            <a:r>
-              <a:rPr lang="en-US" dirty="0" smtClean="0"/>
-              <a:t>Advanced workflows possible – following software design models</a:t>
-            </a:r>
-          </a:p>
-        </p:txBody>
-      </p:sp>
-      <p:sp>
-        <p:nvSpPr>
-          <p:cNvPr id="3" name="Title 2"/>
-          <p:cNvSpPr>
-            <a:spLocks noGrp="1"/>
-          </p:cNvSpPr>
-          <p:nvPr>
-            <p:ph type="title"/>
-          </p:nvPr>
-        </p:nvSpPr>
-        <p:spPr/>
-        <p:txBody>
-          <a:bodyPr/>
-          <a:lstStyle/>
-          <a:p>
-            <a:r>
-              <a:rPr lang="en-US" dirty="0" smtClean="0"/>
-              <a:t>Working with source</a:t>
-            </a:r>
-            <a:r>
-              <a:rPr lang="en-US" baseline="0" dirty="0" smtClean="0"/>
-              <a:t> </a:t>
-            </a:r>
-            <a:r>
-              <a:rPr lang="en-US" dirty="0" smtClean="0"/>
-              <a:t>files in </a:t>
-            </a:r>
-            <a:r>
-              <a:rPr lang="en-US" dirty="0" err="1" smtClean="0"/>
-              <a:t>Git</a:t>
-            </a:r>
-            <a:endParaRPr lang="en-US" sz="2000" dirty="0"/>
-          </a:p>
-        </p:txBody>
-      </p:sp>
-      <p:sp>
-        <p:nvSpPr>
-          <p:cNvPr id="4" name="TextBox 3"/>
-          <p:cNvSpPr txBox="1"/>
-          <p:nvPr/>
-        </p:nvSpPr>
-        <p:spPr bwMode="auto">
-          <a:xfrm>
-            <a:off x="1215320" y="2088551"/>
-            <a:ext cx="1307939" cy="342145"/>
-          </a:xfrm>
-          <a:prstGeom prst="rect">
-            <a:avLst/>
-          </a:prstGeom>
-          <a:noFill/>
-          <a:ln w="9525">
-            <a:solidFill>
-              <a:schemeClr val="tx2"/>
-            </a:solidFill>
-            <a:miter lim="800000"/>
-            <a:headEnd/>
-            <a:tailEnd/>
-          </a:ln>
-        </p:spPr>
-        <p:txBody>
-          <a:bodyPr vert="horz" wrap="square" lIns="0" tIns="45720" rIns="91440" bIns="45720" numCol="1" rtlCol="0" anchor="t" anchorCtr="0" compatLnSpc="1">
-            <a:prstTxWarp prst="textNoShape">
-              <a:avLst/>
-            </a:prstTxWarp>
-            <a:spAutoFit/>
-          </a:bodyPr>
-          <a:lstStyle/>
-          <a:p>
-            <a:pPr marL="228600" marR="0" indent="-228600" algn="l" defTabSz="914400" rtl="0" eaLnBrk="0" fontAlgn="base" latinLnBrk="0" hangingPunct="0">
-              <a:lnSpc>
-                <a:spcPct val="110000"/>
-              </a:lnSpc>
-              <a:spcBef>
-                <a:spcPct val="20000"/>
-              </a:spcBef>
-              <a:spcAft>
-                <a:spcPct val="0"/>
-              </a:spcAft>
-              <a:buClr>
-                <a:schemeClr val="tx2"/>
-              </a:buClr>
-              <a:buSzPct val="88000"/>
-              <a:tabLst/>
-            </a:pPr>
-            <a:r>
-              <a:rPr lang="en-US" sz="1600" b="1" kern="0" dirty="0" err="1" smtClean="0">
-                <a:solidFill>
-                  <a:schemeClr val="accent4"/>
-                </a:solidFill>
-              </a:rPr>
-              <a:t>git</a:t>
-            </a:r>
-            <a:r>
-              <a:rPr lang="en-US" sz="1600" b="1" kern="0" dirty="0" smtClean="0">
-                <a:solidFill>
-                  <a:schemeClr val="accent4"/>
-                </a:solidFill>
-              </a:rPr>
-              <a:t> status</a:t>
-            </a:r>
-            <a:endParaRPr kumimoji="0" lang="en-US" sz="1600" b="1" i="0" u="none" strike="noStrike" kern="0" cap="none" spc="0" normalizeH="0" baseline="0" noProof="0" dirty="0" err="1" smtClean="0">
-              <a:ln>
-                <a:noFill/>
-              </a:ln>
-              <a:solidFill>
-                <a:schemeClr val="accent4"/>
-              </a:solidFill>
-              <a:effectLst/>
-              <a:uLnTx/>
-              <a:uFillTx/>
-            </a:endParaRPr>
-          </a:p>
-        </p:txBody>
-      </p:sp>
-      <p:sp>
-        <p:nvSpPr>
-          <p:cNvPr id="5" name="TextBox 4"/>
-          <p:cNvSpPr txBox="1"/>
-          <p:nvPr/>
-        </p:nvSpPr>
-        <p:spPr bwMode="auto">
-          <a:xfrm>
-            <a:off x="1228820" y="2807526"/>
-            <a:ext cx="1918142" cy="363176"/>
-          </a:xfrm>
-          <a:prstGeom prst="rect">
-            <a:avLst/>
-          </a:prstGeom>
-          <a:noFill/>
-          <a:ln w="9525">
-            <a:solidFill>
-              <a:schemeClr val="tx2"/>
-            </a:solidFill>
-            <a:miter lim="800000"/>
-            <a:headEnd/>
-            <a:tailEnd/>
-          </a:ln>
-        </p:spPr>
-        <p:txBody>
-          <a:bodyPr vert="horz" wrap="square" lIns="0" tIns="45720" rIns="91440" bIns="45720" numCol="1" rtlCol="0" anchor="t" anchorCtr="0" compatLnSpc="1">
-            <a:prstTxWarp prst="textNoShape">
-              <a:avLst/>
-            </a:prstTxWarp>
-            <a:spAutoFit/>
-          </a:bodyPr>
-          <a:lstStyle/>
-          <a:p>
-            <a:pPr marL="228600" marR="0" indent="-228600" algn="l" defTabSz="914400" rtl="0" eaLnBrk="0" fontAlgn="base" latinLnBrk="0" hangingPunct="0">
-              <a:lnSpc>
-                <a:spcPct val="110000"/>
-              </a:lnSpc>
-              <a:spcBef>
-                <a:spcPct val="20000"/>
-              </a:spcBef>
-              <a:spcAft>
-                <a:spcPct val="0"/>
-              </a:spcAft>
-              <a:buClr>
-                <a:schemeClr val="tx2"/>
-              </a:buClr>
-              <a:buSzPct val="88000"/>
-              <a:tabLst/>
-            </a:pPr>
-            <a:r>
-              <a:rPr lang="en-US" sz="1600" b="1" kern="0" dirty="0" err="1" smtClean="0">
-                <a:solidFill>
-                  <a:schemeClr val="accent4"/>
-                </a:solidFill>
-              </a:rPr>
-              <a:t>git</a:t>
-            </a:r>
-            <a:r>
-              <a:rPr lang="en-US" sz="1600" b="1" kern="0" dirty="0" smtClean="0">
-                <a:solidFill>
-                  <a:schemeClr val="accent4"/>
-                </a:solidFill>
-              </a:rPr>
-              <a:t> checkout</a:t>
-            </a:r>
-          </a:p>
-        </p:txBody>
-      </p:sp>
-      <p:sp>
-        <p:nvSpPr>
-          <p:cNvPr id="6" name="TextBox 5"/>
-          <p:cNvSpPr txBox="1"/>
-          <p:nvPr/>
-        </p:nvSpPr>
-        <p:spPr bwMode="auto">
-          <a:xfrm>
-            <a:off x="1228820" y="3518751"/>
-            <a:ext cx="1835014" cy="363176"/>
-          </a:xfrm>
-          <a:prstGeom prst="rect">
-            <a:avLst/>
-          </a:prstGeom>
-          <a:noFill/>
-          <a:ln w="9525">
-            <a:solidFill>
-              <a:schemeClr val="tx2"/>
-            </a:solidFill>
-            <a:miter lim="800000"/>
-            <a:headEnd/>
-            <a:tailEnd/>
-          </a:ln>
-        </p:spPr>
-        <p:txBody>
-          <a:bodyPr vert="horz" wrap="square" lIns="0" tIns="45720" rIns="91440" bIns="45720" numCol="1" rtlCol="0" anchor="t" anchorCtr="0" compatLnSpc="1">
-            <a:prstTxWarp prst="textNoShape">
-              <a:avLst/>
-            </a:prstTxWarp>
-            <a:spAutoFit/>
-          </a:bodyPr>
-          <a:lstStyle/>
-          <a:p>
-            <a:pPr marL="228600" marR="0" indent="-228600" algn="l" defTabSz="914400" rtl="0" eaLnBrk="0" fontAlgn="base" latinLnBrk="0" hangingPunct="0">
-              <a:lnSpc>
-                <a:spcPct val="110000"/>
-              </a:lnSpc>
-              <a:spcBef>
-                <a:spcPct val="20000"/>
-              </a:spcBef>
-              <a:spcAft>
-                <a:spcPct val="0"/>
-              </a:spcAft>
-              <a:buClr>
-                <a:schemeClr val="tx2"/>
-              </a:buClr>
-              <a:buSzPct val="88000"/>
-              <a:tabLst/>
-            </a:pPr>
-            <a:r>
-              <a:rPr lang="en-US" sz="1600" b="1" kern="0" dirty="0" err="1" smtClean="0">
-                <a:solidFill>
-                  <a:schemeClr val="accent4"/>
-                </a:solidFill>
-              </a:rPr>
-              <a:t>git</a:t>
-            </a:r>
-            <a:r>
-              <a:rPr lang="en-US" sz="1600" b="1" kern="0" dirty="0" smtClean="0">
-                <a:solidFill>
-                  <a:schemeClr val="accent4"/>
-                </a:solidFill>
-              </a:rPr>
-              <a:t> diff</a:t>
-            </a:r>
-            <a:endParaRPr kumimoji="0" lang="en-US" sz="1600" b="1" i="0" u="none" strike="noStrike" kern="0" cap="none" spc="0" normalizeH="0" baseline="0" noProof="0" dirty="0" err="1" smtClean="0">
-              <a:ln>
-                <a:noFill/>
-              </a:ln>
-              <a:solidFill>
-                <a:schemeClr val="accent4"/>
-              </a:solidFill>
-              <a:effectLst/>
-              <a:uLnTx/>
-              <a:uFillTx/>
-            </a:endParaRPr>
-          </a:p>
-        </p:txBody>
-      </p:sp>
-      <p:sp>
-        <p:nvSpPr>
-          <p:cNvPr id="7" name="TextBox 6"/>
-          <p:cNvSpPr txBox="1"/>
-          <p:nvPr/>
-        </p:nvSpPr>
-        <p:spPr bwMode="auto">
-          <a:xfrm>
-            <a:off x="1242320" y="4240001"/>
-            <a:ext cx="4963614" cy="342145"/>
-          </a:xfrm>
-          <a:prstGeom prst="rect">
-            <a:avLst/>
-          </a:prstGeom>
-          <a:noFill/>
-          <a:ln w="9525">
-            <a:solidFill>
-              <a:schemeClr val="tx2"/>
-            </a:solidFill>
-            <a:miter lim="800000"/>
-            <a:headEnd/>
-            <a:tailEnd/>
-          </a:ln>
-        </p:spPr>
-        <p:txBody>
-          <a:bodyPr vert="horz" wrap="square" lIns="0" tIns="45720" rIns="91440" bIns="45720" numCol="1" rtlCol="0" anchor="t" anchorCtr="0" compatLnSpc="1">
-            <a:prstTxWarp prst="textNoShape">
-              <a:avLst/>
-            </a:prstTxWarp>
-            <a:spAutoFit/>
-          </a:bodyPr>
-          <a:lstStyle/>
-          <a:p>
-            <a:pPr marL="228600" marR="0" indent="-228600" algn="l" defTabSz="914400" rtl="0" eaLnBrk="0" fontAlgn="base" latinLnBrk="0" hangingPunct="0">
-              <a:lnSpc>
-                <a:spcPct val="110000"/>
-              </a:lnSpc>
-              <a:spcBef>
-                <a:spcPct val="20000"/>
-              </a:spcBef>
-              <a:spcAft>
-                <a:spcPct val="0"/>
-              </a:spcAft>
-              <a:buClr>
-                <a:schemeClr val="tx2"/>
-              </a:buClr>
-              <a:buSzPct val="88000"/>
-              <a:tabLst/>
-            </a:pPr>
-            <a:r>
-              <a:rPr lang="en-US" sz="1600" b="1" kern="0" dirty="0" err="1" smtClean="0">
-                <a:solidFill>
-                  <a:schemeClr val="accent4"/>
-                </a:solidFill>
-              </a:rPr>
-              <a:t>git</a:t>
-            </a:r>
-            <a:r>
-              <a:rPr lang="en-US" sz="1600" b="1" kern="0" dirty="0" smtClean="0">
-                <a:solidFill>
-                  <a:schemeClr val="accent4"/>
-                </a:solidFill>
-              </a:rPr>
-              <a:t> </a:t>
-            </a:r>
-            <a:r>
-              <a:rPr lang="en-US" sz="1600" b="1" kern="0" dirty="0" err="1" smtClean="0">
-                <a:solidFill>
-                  <a:schemeClr val="accent4"/>
-                </a:solidFill>
-              </a:rPr>
-              <a:t>rm</a:t>
-            </a:r>
-            <a:r>
-              <a:rPr lang="en-US" sz="1600" b="1" kern="0" dirty="0" smtClean="0">
-                <a:solidFill>
-                  <a:schemeClr val="accent4"/>
-                </a:solidFill>
-              </a:rPr>
-              <a:t> </a:t>
-            </a:r>
-            <a:r>
-              <a:rPr lang="en-US" sz="1600" b="1" kern="0" dirty="0" err="1" smtClean="0">
-                <a:solidFill>
-                  <a:schemeClr val="accent4"/>
-                </a:solidFill>
-              </a:rPr>
-              <a:t>foo.tcl</a:t>
-            </a:r>
-            <a:endParaRPr kumimoji="0" lang="en-US" sz="1600" b="1" i="0" u="none" strike="noStrike" kern="0" cap="none" spc="0" normalizeH="0" baseline="0" noProof="0" dirty="0" err="1" smtClean="0">
-              <a:ln>
-                <a:noFill/>
-              </a:ln>
-              <a:solidFill>
-                <a:schemeClr val="accent4"/>
-              </a:solidFill>
-              <a:effectLst/>
-              <a:uLnTx/>
-              <a:uFillTx/>
-            </a:endParaRPr>
-          </a:p>
-        </p:txBody>
-      </p:sp>
-      <p:sp>
-        <p:nvSpPr>
-          <p:cNvPr id="8" name="TextBox 7"/>
-          <p:cNvSpPr txBox="1"/>
-          <p:nvPr/>
-        </p:nvSpPr>
-        <p:spPr bwMode="auto">
-          <a:xfrm>
-            <a:off x="1226845" y="4906151"/>
-            <a:ext cx="1835014" cy="342145"/>
-          </a:xfrm>
-          <a:prstGeom prst="rect">
-            <a:avLst/>
-          </a:prstGeom>
-          <a:noFill/>
-          <a:ln w="9525">
-            <a:solidFill>
-              <a:schemeClr val="tx2"/>
-            </a:solidFill>
-            <a:miter lim="800000"/>
-            <a:headEnd/>
-            <a:tailEnd/>
-          </a:ln>
-        </p:spPr>
-        <p:txBody>
-          <a:bodyPr vert="horz" wrap="square" lIns="0" tIns="45720" rIns="91440" bIns="45720" numCol="1" rtlCol="0" anchor="t" anchorCtr="0" compatLnSpc="1">
-            <a:prstTxWarp prst="textNoShape">
-              <a:avLst/>
-            </a:prstTxWarp>
-            <a:spAutoFit/>
-          </a:bodyPr>
-          <a:lstStyle/>
-          <a:p>
-            <a:pPr marL="228600" marR="0" indent="-228600" algn="l" defTabSz="914400" rtl="0" eaLnBrk="0" fontAlgn="base" latinLnBrk="0" hangingPunct="0">
-              <a:lnSpc>
-                <a:spcPct val="110000"/>
-              </a:lnSpc>
-              <a:spcBef>
-                <a:spcPct val="20000"/>
-              </a:spcBef>
-              <a:spcAft>
-                <a:spcPct val="0"/>
-              </a:spcAft>
-              <a:buClr>
-                <a:schemeClr val="tx2"/>
-              </a:buClr>
-              <a:buSzPct val="88000"/>
-              <a:tabLst/>
-            </a:pPr>
-            <a:r>
-              <a:rPr lang="en-US" sz="1600" b="1" kern="0" dirty="0">
-                <a:solidFill>
-                  <a:schemeClr val="accent4"/>
-                </a:solidFill>
-              </a:rPr>
-              <a:t>c</a:t>
-            </a:r>
-            <a:r>
-              <a:rPr lang="en-US" sz="1600" b="1" kern="0" noProof="0" dirty="0" smtClean="0">
-                <a:solidFill>
-                  <a:schemeClr val="accent4"/>
-                </a:solidFill>
-              </a:rPr>
-              <a:t>at .</a:t>
-            </a:r>
-            <a:r>
-              <a:rPr lang="en-US" sz="1600" b="1" kern="0" noProof="0" dirty="0" err="1" smtClean="0">
-                <a:solidFill>
-                  <a:schemeClr val="accent4"/>
-                </a:solidFill>
-              </a:rPr>
-              <a:t>gitignore</a:t>
-            </a:r>
-            <a:endParaRPr kumimoji="0" lang="en-US" sz="1600" b="1" i="0" u="none" strike="noStrike" kern="0" cap="none" spc="0" normalizeH="0" baseline="0" noProof="0" dirty="0" smtClean="0">
-              <a:ln>
-                <a:noFill/>
-              </a:ln>
-              <a:solidFill>
-                <a:schemeClr val="accent4"/>
-              </a:solidFill>
-              <a:effectLst/>
-              <a:uLnTx/>
-              <a:uFillTx/>
-            </a:endParaRPr>
-          </a:p>
-        </p:txBody>
-      </p:sp>
-      <p:sp>
-        <p:nvSpPr>
-          <p:cNvPr id="9" name="Slide Number Placeholder 2"/>
-          <p:cNvSpPr>
-            <a:spLocks noGrp="1"/>
-          </p:cNvSpPr>
-          <p:nvPr>
-            <p:ph type="sldNum" sz="quarter" idx="10"/>
-          </p:nvPr>
-        </p:nvSpPr>
-        <p:spPr>
-          <a:xfrm>
-            <a:off x="457200" y="6577013"/>
-            <a:ext cx="838200" cy="244475"/>
-          </a:xfrm>
-        </p:spPr>
-        <p:txBody>
-          <a:bodyPr/>
-          <a:lstStyle/>
-          <a:p>
-            <a:pPr>
-              <a:defRPr/>
-            </a:pPr>
-            <a:r>
-              <a:rPr dirty="0">
-                <a:solidFill>
-                  <a:srgbClr val="000000"/>
-                </a:solidFill>
-              </a:rPr>
-              <a:t>Page </a:t>
-            </a:r>
-            <a:r>
-              <a:rPr dirty="0" smtClean="0">
-                <a:solidFill>
-                  <a:srgbClr val="000000"/>
-                </a:solidFill>
-              </a:rPr>
-              <a:t>19</a:t>
-            </a:r>
-            <a:endParaRPr dirty="0">
-              <a:solidFill>
-                <a:srgbClr val="000000"/>
-              </a:solidFill>
-            </a:endParaRPr>
-          </a:p>
-        </p:txBody>
-      </p:sp>
-    </p:spTree>
-    <p:extLst>
-      <p:ext uri="{BB962C8B-B14F-4D97-AF65-F5344CB8AC3E}">
-        <p14:creationId xmlns:p14="http://schemas.microsoft.com/office/powerpoint/2010/main" val="2519998928"/>
       </p:ext>
     </p:extLst>
   </p:cSld>
@@ -17901,6 +17423,656 @@
 </file>
 
 <file path=ppt/slides/slide20.xml><?xml version="1.0" encoding="utf-8"?>
+<p:sld xmlns:a="http://schemas.openxmlformats.org/drawingml/2006/main" xmlns:r="http://schemas.openxmlformats.org/officeDocument/2006/relationships" xmlns:p="http://schemas.openxmlformats.org/presentationml/2006/main">
+  <p:cSld>
+    <p:spTree>
+      <p:nvGrpSpPr>
+        <p:cNvPr id="1" name=""/>
+        <p:cNvGrpSpPr/>
+        <p:nvPr/>
+      </p:nvGrpSpPr>
+      <p:grpSpPr>
+        <a:xfrm>
+          <a:off x="0" y="0"/>
+          <a:ext cx="0" cy="0"/>
+          <a:chOff x="0" y="0"/>
+          <a:chExt cx="0" cy="0"/>
+        </a:xfrm>
+      </p:grpSpPr>
+      <p:sp>
+        <p:nvSpPr>
+          <p:cNvPr id="2" name="Content Placeholder 1"/>
+          <p:cNvSpPr>
+            <a:spLocks noGrp="1"/>
+          </p:cNvSpPr>
+          <p:nvPr>
+            <p:ph idx="1"/>
+          </p:nvPr>
+        </p:nvSpPr>
+        <p:spPr/>
+        <p:txBody>
+          <a:bodyPr/>
+          <a:lstStyle/>
+          <a:p>
+            <a:pPr lvl="0"/>
+            <a:r>
+              <a:rPr lang="en-US" dirty="0" smtClean="0"/>
+              <a:t>Staging</a:t>
+            </a:r>
+          </a:p>
+          <a:p>
+            <a:pPr lvl="1"/>
+            <a:r>
+              <a:rPr lang="en-US" dirty="0" smtClean="0"/>
+              <a:t>Query</a:t>
+            </a:r>
+            <a:endParaRPr lang="en-US" dirty="0"/>
+          </a:p>
+          <a:p>
+            <a:pPr marL="288925" lvl="1" indent="0">
+              <a:buNone/>
+            </a:pPr>
+            <a:endParaRPr lang="en-US" dirty="0"/>
+          </a:p>
+          <a:p>
+            <a:pPr lvl="1"/>
+            <a:r>
+              <a:rPr lang="en-US" dirty="0" smtClean="0"/>
+              <a:t>Discard any local changes and revert to last commit</a:t>
+            </a:r>
+            <a:endParaRPr lang="en-US" dirty="0"/>
+          </a:p>
+          <a:p>
+            <a:pPr marL="288925" lvl="1" indent="0">
+              <a:buNone/>
+            </a:pPr>
+            <a:endParaRPr lang="en-US" dirty="0" smtClean="0"/>
+          </a:p>
+          <a:p>
+            <a:pPr lvl="1"/>
+            <a:r>
+              <a:rPr lang="en-US" dirty="0" smtClean="0"/>
+              <a:t>Report differences between staged and last commit</a:t>
+            </a:r>
+          </a:p>
+          <a:p>
+            <a:pPr marL="288925" lvl="1" indent="0">
+              <a:buNone/>
+            </a:pPr>
+            <a:endParaRPr lang="en-US" dirty="0" smtClean="0"/>
+          </a:p>
+          <a:p>
+            <a:pPr lvl="1"/>
+            <a:r>
+              <a:rPr lang="en-US" dirty="0" smtClean="0"/>
+              <a:t>Removing files from version tracking</a:t>
+            </a:r>
+          </a:p>
+          <a:p>
+            <a:pPr lvl="1"/>
+            <a:endParaRPr lang="en-US" dirty="0" smtClean="0"/>
+          </a:p>
+          <a:p>
+            <a:pPr lvl="1"/>
+            <a:r>
+              <a:rPr lang="en-US" dirty="0" smtClean="0"/>
+              <a:t>Ignore tracking (add files to ignore to .</a:t>
+            </a:r>
+            <a:r>
+              <a:rPr lang="en-US" dirty="0" err="1" smtClean="0"/>
+              <a:t>gitignore</a:t>
+            </a:r>
+            <a:r>
+              <a:rPr lang="en-US" dirty="0" smtClean="0"/>
+              <a:t>)</a:t>
+            </a:r>
+          </a:p>
+          <a:p>
+            <a:pPr marL="288925" lvl="1" indent="0">
+              <a:buNone/>
+            </a:pPr>
+            <a:endParaRPr lang="en-US" dirty="0"/>
+          </a:p>
+          <a:p>
+            <a:pPr marL="288925" lvl="1" indent="0">
+              <a:buNone/>
+            </a:pPr>
+            <a:endParaRPr lang="en-US" dirty="0" smtClean="0"/>
+          </a:p>
+          <a:p>
+            <a:r>
+              <a:rPr lang="en-US" dirty="0" smtClean="0"/>
+              <a:t>Branching and Merging</a:t>
+            </a:r>
+          </a:p>
+          <a:p>
+            <a:pPr lvl="1"/>
+            <a:r>
+              <a:rPr lang="en-US" dirty="0" smtClean="0"/>
+              <a:t>Advanced workflows possible – following software design models</a:t>
+            </a:r>
+          </a:p>
+        </p:txBody>
+      </p:sp>
+      <p:sp>
+        <p:nvSpPr>
+          <p:cNvPr id="3" name="Title 2"/>
+          <p:cNvSpPr>
+            <a:spLocks noGrp="1"/>
+          </p:cNvSpPr>
+          <p:nvPr>
+            <p:ph type="title"/>
+          </p:nvPr>
+        </p:nvSpPr>
+        <p:spPr/>
+        <p:txBody>
+          <a:bodyPr/>
+          <a:lstStyle/>
+          <a:p>
+            <a:r>
+              <a:rPr lang="en-US" dirty="0" smtClean="0"/>
+              <a:t>Working with source</a:t>
+            </a:r>
+            <a:r>
+              <a:rPr lang="en-US" baseline="0" dirty="0" smtClean="0"/>
+              <a:t> </a:t>
+            </a:r>
+            <a:r>
+              <a:rPr lang="en-US" dirty="0" smtClean="0"/>
+              <a:t>files in </a:t>
+            </a:r>
+            <a:r>
+              <a:rPr lang="en-US" dirty="0" err="1" smtClean="0"/>
+              <a:t>Git</a:t>
+            </a:r>
+            <a:endParaRPr lang="en-US" sz="2000" dirty="0"/>
+          </a:p>
+        </p:txBody>
+      </p:sp>
+      <p:sp>
+        <p:nvSpPr>
+          <p:cNvPr id="4" name="TextBox 3"/>
+          <p:cNvSpPr txBox="1"/>
+          <p:nvPr/>
+        </p:nvSpPr>
+        <p:spPr bwMode="auto">
+          <a:xfrm>
+            <a:off x="1215320" y="2088551"/>
+            <a:ext cx="1307939" cy="342145"/>
+          </a:xfrm>
+          <a:prstGeom prst="rect">
+            <a:avLst/>
+          </a:prstGeom>
+          <a:noFill/>
+          <a:ln w="9525">
+            <a:solidFill>
+              <a:schemeClr val="tx2"/>
+            </a:solidFill>
+            <a:miter lim="800000"/>
+            <a:headEnd/>
+            <a:tailEnd/>
+          </a:ln>
+        </p:spPr>
+        <p:txBody>
+          <a:bodyPr vert="horz" wrap="square" lIns="0" tIns="45720" rIns="91440" bIns="45720" numCol="1" rtlCol="0" anchor="t" anchorCtr="0" compatLnSpc="1">
+            <a:prstTxWarp prst="textNoShape">
+              <a:avLst/>
+            </a:prstTxWarp>
+            <a:spAutoFit/>
+          </a:bodyPr>
+          <a:lstStyle/>
+          <a:p>
+            <a:pPr marL="228600" marR="0" indent="-228600" algn="l" defTabSz="914400" rtl="0" eaLnBrk="0" fontAlgn="base" latinLnBrk="0" hangingPunct="0">
+              <a:lnSpc>
+                <a:spcPct val="110000"/>
+              </a:lnSpc>
+              <a:spcBef>
+                <a:spcPct val="20000"/>
+              </a:spcBef>
+              <a:spcAft>
+                <a:spcPct val="0"/>
+              </a:spcAft>
+              <a:buClr>
+                <a:schemeClr val="tx2"/>
+              </a:buClr>
+              <a:buSzPct val="88000"/>
+              <a:tabLst/>
+            </a:pPr>
+            <a:r>
+              <a:rPr lang="en-US" sz="1600" b="1" kern="0" dirty="0" err="1" smtClean="0">
+                <a:solidFill>
+                  <a:schemeClr val="accent4"/>
+                </a:solidFill>
+              </a:rPr>
+              <a:t>git</a:t>
+            </a:r>
+            <a:r>
+              <a:rPr lang="en-US" sz="1600" b="1" kern="0" dirty="0" smtClean="0">
+                <a:solidFill>
+                  <a:schemeClr val="accent4"/>
+                </a:solidFill>
+              </a:rPr>
+              <a:t> status</a:t>
+            </a:r>
+            <a:endParaRPr kumimoji="0" lang="en-US" sz="1600" b="1" i="0" u="none" strike="noStrike" kern="0" cap="none" spc="0" normalizeH="0" baseline="0" noProof="0" dirty="0" err="1" smtClean="0">
+              <a:ln>
+                <a:noFill/>
+              </a:ln>
+              <a:solidFill>
+                <a:schemeClr val="accent4"/>
+              </a:solidFill>
+              <a:effectLst/>
+              <a:uLnTx/>
+              <a:uFillTx/>
+            </a:endParaRPr>
+          </a:p>
+        </p:txBody>
+      </p:sp>
+      <p:sp>
+        <p:nvSpPr>
+          <p:cNvPr id="5" name="TextBox 4"/>
+          <p:cNvSpPr txBox="1"/>
+          <p:nvPr/>
+        </p:nvSpPr>
+        <p:spPr bwMode="auto">
+          <a:xfrm>
+            <a:off x="1228820" y="2807526"/>
+            <a:ext cx="1918142" cy="363176"/>
+          </a:xfrm>
+          <a:prstGeom prst="rect">
+            <a:avLst/>
+          </a:prstGeom>
+          <a:noFill/>
+          <a:ln w="9525">
+            <a:solidFill>
+              <a:schemeClr val="tx2"/>
+            </a:solidFill>
+            <a:miter lim="800000"/>
+            <a:headEnd/>
+            <a:tailEnd/>
+          </a:ln>
+        </p:spPr>
+        <p:txBody>
+          <a:bodyPr vert="horz" wrap="square" lIns="0" tIns="45720" rIns="91440" bIns="45720" numCol="1" rtlCol="0" anchor="t" anchorCtr="0" compatLnSpc="1">
+            <a:prstTxWarp prst="textNoShape">
+              <a:avLst/>
+            </a:prstTxWarp>
+            <a:spAutoFit/>
+          </a:bodyPr>
+          <a:lstStyle/>
+          <a:p>
+            <a:pPr marL="228600" marR="0" indent="-228600" algn="l" defTabSz="914400" rtl="0" eaLnBrk="0" fontAlgn="base" latinLnBrk="0" hangingPunct="0">
+              <a:lnSpc>
+                <a:spcPct val="110000"/>
+              </a:lnSpc>
+              <a:spcBef>
+                <a:spcPct val="20000"/>
+              </a:spcBef>
+              <a:spcAft>
+                <a:spcPct val="0"/>
+              </a:spcAft>
+              <a:buClr>
+                <a:schemeClr val="tx2"/>
+              </a:buClr>
+              <a:buSzPct val="88000"/>
+              <a:tabLst/>
+            </a:pPr>
+            <a:r>
+              <a:rPr lang="en-US" sz="1600" b="1" kern="0" dirty="0" err="1" smtClean="0">
+                <a:solidFill>
+                  <a:schemeClr val="accent4"/>
+                </a:solidFill>
+              </a:rPr>
+              <a:t>git</a:t>
+            </a:r>
+            <a:r>
+              <a:rPr lang="en-US" sz="1600" b="1" kern="0" dirty="0" smtClean="0">
+                <a:solidFill>
+                  <a:schemeClr val="accent4"/>
+                </a:solidFill>
+              </a:rPr>
+              <a:t> checkout</a:t>
+            </a:r>
+          </a:p>
+        </p:txBody>
+      </p:sp>
+      <p:sp>
+        <p:nvSpPr>
+          <p:cNvPr id="6" name="TextBox 5"/>
+          <p:cNvSpPr txBox="1"/>
+          <p:nvPr/>
+        </p:nvSpPr>
+        <p:spPr bwMode="auto">
+          <a:xfrm>
+            <a:off x="1228820" y="3518751"/>
+            <a:ext cx="1835014" cy="363176"/>
+          </a:xfrm>
+          <a:prstGeom prst="rect">
+            <a:avLst/>
+          </a:prstGeom>
+          <a:noFill/>
+          <a:ln w="9525">
+            <a:solidFill>
+              <a:schemeClr val="tx2"/>
+            </a:solidFill>
+            <a:miter lim="800000"/>
+            <a:headEnd/>
+            <a:tailEnd/>
+          </a:ln>
+        </p:spPr>
+        <p:txBody>
+          <a:bodyPr vert="horz" wrap="square" lIns="0" tIns="45720" rIns="91440" bIns="45720" numCol="1" rtlCol="0" anchor="t" anchorCtr="0" compatLnSpc="1">
+            <a:prstTxWarp prst="textNoShape">
+              <a:avLst/>
+            </a:prstTxWarp>
+            <a:spAutoFit/>
+          </a:bodyPr>
+          <a:lstStyle/>
+          <a:p>
+            <a:pPr marL="228600" marR="0" indent="-228600" algn="l" defTabSz="914400" rtl="0" eaLnBrk="0" fontAlgn="base" latinLnBrk="0" hangingPunct="0">
+              <a:lnSpc>
+                <a:spcPct val="110000"/>
+              </a:lnSpc>
+              <a:spcBef>
+                <a:spcPct val="20000"/>
+              </a:spcBef>
+              <a:spcAft>
+                <a:spcPct val="0"/>
+              </a:spcAft>
+              <a:buClr>
+                <a:schemeClr val="tx2"/>
+              </a:buClr>
+              <a:buSzPct val="88000"/>
+              <a:tabLst/>
+            </a:pPr>
+            <a:r>
+              <a:rPr lang="en-US" sz="1600" b="1" kern="0" dirty="0" err="1" smtClean="0">
+                <a:solidFill>
+                  <a:schemeClr val="accent4"/>
+                </a:solidFill>
+              </a:rPr>
+              <a:t>git</a:t>
+            </a:r>
+            <a:r>
+              <a:rPr lang="en-US" sz="1600" b="1" kern="0" dirty="0" smtClean="0">
+                <a:solidFill>
+                  <a:schemeClr val="accent4"/>
+                </a:solidFill>
+              </a:rPr>
+              <a:t> diff</a:t>
+            </a:r>
+            <a:endParaRPr kumimoji="0" lang="en-US" sz="1600" b="1" i="0" u="none" strike="noStrike" kern="0" cap="none" spc="0" normalizeH="0" baseline="0" noProof="0" dirty="0" err="1" smtClean="0">
+              <a:ln>
+                <a:noFill/>
+              </a:ln>
+              <a:solidFill>
+                <a:schemeClr val="accent4"/>
+              </a:solidFill>
+              <a:effectLst/>
+              <a:uLnTx/>
+              <a:uFillTx/>
+            </a:endParaRPr>
+          </a:p>
+        </p:txBody>
+      </p:sp>
+      <p:sp>
+        <p:nvSpPr>
+          <p:cNvPr id="7" name="TextBox 6"/>
+          <p:cNvSpPr txBox="1"/>
+          <p:nvPr/>
+        </p:nvSpPr>
+        <p:spPr bwMode="auto">
+          <a:xfrm>
+            <a:off x="1242320" y="4240001"/>
+            <a:ext cx="4963614" cy="342145"/>
+          </a:xfrm>
+          <a:prstGeom prst="rect">
+            <a:avLst/>
+          </a:prstGeom>
+          <a:noFill/>
+          <a:ln w="9525">
+            <a:solidFill>
+              <a:schemeClr val="tx2"/>
+            </a:solidFill>
+            <a:miter lim="800000"/>
+            <a:headEnd/>
+            <a:tailEnd/>
+          </a:ln>
+        </p:spPr>
+        <p:txBody>
+          <a:bodyPr vert="horz" wrap="square" lIns="0" tIns="45720" rIns="91440" bIns="45720" numCol="1" rtlCol="0" anchor="t" anchorCtr="0" compatLnSpc="1">
+            <a:prstTxWarp prst="textNoShape">
+              <a:avLst/>
+            </a:prstTxWarp>
+            <a:spAutoFit/>
+          </a:bodyPr>
+          <a:lstStyle/>
+          <a:p>
+            <a:pPr marL="228600" marR="0" indent="-228600" algn="l" defTabSz="914400" rtl="0" eaLnBrk="0" fontAlgn="base" latinLnBrk="0" hangingPunct="0">
+              <a:lnSpc>
+                <a:spcPct val="110000"/>
+              </a:lnSpc>
+              <a:spcBef>
+                <a:spcPct val="20000"/>
+              </a:spcBef>
+              <a:spcAft>
+                <a:spcPct val="0"/>
+              </a:spcAft>
+              <a:buClr>
+                <a:schemeClr val="tx2"/>
+              </a:buClr>
+              <a:buSzPct val="88000"/>
+              <a:tabLst/>
+            </a:pPr>
+            <a:r>
+              <a:rPr lang="en-US" sz="1600" b="1" kern="0" dirty="0" err="1" smtClean="0">
+                <a:solidFill>
+                  <a:schemeClr val="accent4"/>
+                </a:solidFill>
+              </a:rPr>
+              <a:t>git</a:t>
+            </a:r>
+            <a:r>
+              <a:rPr lang="en-US" sz="1600" b="1" kern="0" dirty="0" smtClean="0">
+                <a:solidFill>
+                  <a:schemeClr val="accent4"/>
+                </a:solidFill>
+              </a:rPr>
+              <a:t> </a:t>
+            </a:r>
+            <a:r>
+              <a:rPr lang="en-US" sz="1600" b="1" kern="0" dirty="0" err="1" smtClean="0">
+                <a:solidFill>
+                  <a:schemeClr val="accent4"/>
+                </a:solidFill>
+              </a:rPr>
+              <a:t>rm</a:t>
+            </a:r>
+            <a:r>
+              <a:rPr lang="en-US" sz="1600" b="1" kern="0" dirty="0" smtClean="0">
+                <a:solidFill>
+                  <a:schemeClr val="accent4"/>
+                </a:solidFill>
+              </a:rPr>
+              <a:t> </a:t>
+            </a:r>
+            <a:r>
+              <a:rPr lang="en-US" sz="1600" b="1" kern="0" dirty="0" err="1" smtClean="0">
+                <a:solidFill>
+                  <a:schemeClr val="accent4"/>
+                </a:solidFill>
+              </a:rPr>
+              <a:t>foo.tcl</a:t>
+            </a:r>
+            <a:endParaRPr kumimoji="0" lang="en-US" sz="1600" b="1" i="0" u="none" strike="noStrike" kern="0" cap="none" spc="0" normalizeH="0" baseline="0" noProof="0" dirty="0" err="1" smtClean="0">
+              <a:ln>
+                <a:noFill/>
+              </a:ln>
+              <a:solidFill>
+                <a:schemeClr val="accent4"/>
+              </a:solidFill>
+              <a:effectLst/>
+              <a:uLnTx/>
+              <a:uFillTx/>
+            </a:endParaRPr>
+          </a:p>
+        </p:txBody>
+      </p:sp>
+      <p:sp>
+        <p:nvSpPr>
+          <p:cNvPr id="8" name="TextBox 7"/>
+          <p:cNvSpPr txBox="1"/>
+          <p:nvPr/>
+        </p:nvSpPr>
+        <p:spPr bwMode="auto">
+          <a:xfrm>
+            <a:off x="1226845" y="4906151"/>
+            <a:ext cx="1835014" cy="342145"/>
+          </a:xfrm>
+          <a:prstGeom prst="rect">
+            <a:avLst/>
+          </a:prstGeom>
+          <a:noFill/>
+          <a:ln w="9525">
+            <a:solidFill>
+              <a:schemeClr val="tx2"/>
+            </a:solidFill>
+            <a:miter lim="800000"/>
+            <a:headEnd/>
+            <a:tailEnd/>
+          </a:ln>
+        </p:spPr>
+        <p:txBody>
+          <a:bodyPr vert="horz" wrap="square" lIns="0" tIns="45720" rIns="91440" bIns="45720" numCol="1" rtlCol="0" anchor="t" anchorCtr="0" compatLnSpc="1">
+            <a:prstTxWarp prst="textNoShape">
+              <a:avLst/>
+            </a:prstTxWarp>
+            <a:spAutoFit/>
+          </a:bodyPr>
+          <a:lstStyle/>
+          <a:p>
+            <a:pPr marL="228600" marR="0" indent="-228600" algn="l" defTabSz="914400" rtl="0" eaLnBrk="0" fontAlgn="base" latinLnBrk="0" hangingPunct="0">
+              <a:lnSpc>
+                <a:spcPct val="110000"/>
+              </a:lnSpc>
+              <a:spcBef>
+                <a:spcPct val="20000"/>
+              </a:spcBef>
+              <a:spcAft>
+                <a:spcPct val="0"/>
+              </a:spcAft>
+              <a:buClr>
+                <a:schemeClr val="tx2"/>
+              </a:buClr>
+              <a:buSzPct val="88000"/>
+              <a:tabLst/>
+            </a:pPr>
+            <a:r>
+              <a:rPr lang="en-US" sz="1600" b="1" kern="0" dirty="0">
+                <a:solidFill>
+                  <a:schemeClr val="accent4"/>
+                </a:solidFill>
+              </a:rPr>
+              <a:t>c</a:t>
+            </a:r>
+            <a:r>
+              <a:rPr lang="en-US" sz="1600" b="1" kern="0" noProof="0" dirty="0" smtClean="0">
+                <a:solidFill>
+                  <a:schemeClr val="accent4"/>
+                </a:solidFill>
+              </a:rPr>
+              <a:t>at .</a:t>
+            </a:r>
+            <a:r>
+              <a:rPr lang="en-US" sz="1600" b="1" kern="0" noProof="0" dirty="0" err="1" smtClean="0">
+                <a:solidFill>
+                  <a:schemeClr val="accent4"/>
+                </a:solidFill>
+              </a:rPr>
+              <a:t>gitignore</a:t>
+            </a:r>
+            <a:endParaRPr kumimoji="0" lang="en-US" sz="1600" b="1" i="0" u="none" strike="noStrike" kern="0" cap="none" spc="0" normalizeH="0" baseline="0" noProof="0" dirty="0" smtClean="0">
+              <a:ln>
+                <a:noFill/>
+              </a:ln>
+              <a:solidFill>
+                <a:schemeClr val="accent4"/>
+              </a:solidFill>
+              <a:effectLst/>
+              <a:uLnTx/>
+              <a:uFillTx/>
+            </a:endParaRPr>
+          </a:p>
+        </p:txBody>
+      </p:sp>
+      <p:sp>
+        <p:nvSpPr>
+          <p:cNvPr id="9" name="Slide Number Placeholder 2"/>
+          <p:cNvSpPr>
+            <a:spLocks noGrp="1"/>
+          </p:cNvSpPr>
+          <p:nvPr>
+            <p:ph type="sldNum" sz="quarter" idx="10"/>
+          </p:nvPr>
+        </p:nvSpPr>
+        <p:spPr>
+          <a:xfrm>
+            <a:off x="457200" y="6577013"/>
+            <a:ext cx="838200" cy="244475"/>
+          </a:xfrm>
+        </p:spPr>
+        <p:txBody>
+          <a:bodyPr/>
+          <a:lstStyle/>
+          <a:p>
+            <a:pPr>
+              <a:defRPr/>
+            </a:pPr>
+            <a:r>
+              <a:rPr dirty="0">
+                <a:solidFill>
+                  <a:srgbClr val="000000"/>
+                </a:solidFill>
+              </a:rPr>
+              <a:t>Page </a:t>
+            </a:r>
+            <a:r>
+              <a:rPr dirty="0" smtClean="0">
+                <a:solidFill>
+                  <a:srgbClr val="000000"/>
+                </a:solidFill>
+              </a:rPr>
+              <a:t>19</a:t>
+            </a:r>
+            <a:endParaRPr dirty="0">
+              <a:solidFill>
+                <a:srgbClr val="000000"/>
+              </a:solidFill>
+            </a:endParaRPr>
+          </a:p>
+        </p:txBody>
+      </p:sp>
+    </p:spTree>
+    <p:extLst>
+      <p:ext uri="{BB962C8B-B14F-4D97-AF65-F5344CB8AC3E}">
+        <p14:creationId xmlns:p14="http://schemas.microsoft.com/office/powerpoint/2010/main" val="2519998928"/>
+      </p:ext>
+    </p:extLst>
+  </p:cSld>
+  <p:clrMapOvr>
+    <a:masterClrMapping/>
+  </p:clrMapOvr>
+  <p:timing>
+    <p:tnLst>
+      <p:par>
+        <p:cTn id="1" dur="indefinite" restart="never" nodeType="tmRoot"/>
+      </p:par>
+    </p:tnLst>
+  </p:timing>
+</p:sld>
+</file>
+
+<file path=ppt/slides/slide21.xml><?xml version="1.0" encoding="utf-8"?>
 <p:sld xmlns:a="http://schemas.openxmlformats.org/drawingml/2006/main" xmlns:r="http://schemas.openxmlformats.org/officeDocument/2006/relationships" xmlns:p="http://schemas.openxmlformats.org/presentationml/2006/main">
   <p:cSld>
     <p:spTree>
@@ -18425,7 +18597,7 @@
 </p:sld>
 </file>
 
-<file path=ppt/slides/slide21.xml><?xml version="1.0" encoding="utf-8"?>
+<file path=ppt/slides/slide22.xml><?xml version="1.0" encoding="utf-8"?>
 <p:sld xmlns:a="http://schemas.openxmlformats.org/drawingml/2006/main" xmlns:r="http://schemas.openxmlformats.org/officeDocument/2006/relationships" xmlns:p="http://schemas.openxmlformats.org/presentationml/2006/main">
   <p:cSld>
     <p:spTree>
@@ -18643,7 +18815,7 @@
 </p:sld>
 </file>
 
-<file path=ppt/slides/slide22.xml><?xml version="1.0" encoding="utf-8"?>
+<file path=ppt/slides/slide23.xml><?xml version="1.0" encoding="utf-8"?>
 <p:sld xmlns:a="http://schemas.openxmlformats.org/drawingml/2006/main" xmlns:r="http://schemas.openxmlformats.org/officeDocument/2006/relationships" xmlns:p="http://schemas.openxmlformats.org/presentationml/2006/main">
   <p:cSld>
     <p:spTree>
@@ -19156,7 +19328,7 @@
 </p:sld>
 </file>
 
-<file path=ppt/slides/slide23.xml><?xml version="1.0" encoding="utf-8"?>
+<file path=ppt/slides/slide24.xml><?xml version="1.0" encoding="utf-8"?>
 <p:sld xmlns:a="http://schemas.openxmlformats.org/drawingml/2006/main" xmlns:r="http://schemas.openxmlformats.org/officeDocument/2006/relationships" xmlns:p="http://schemas.openxmlformats.org/presentationml/2006/main">
   <p:cSld>
     <p:spTree>
@@ -19389,7 +19561,7 @@
               <a:pPr>
                 <a:defRPr/>
               </a:pPr>
-              <a:t>23</a:t>
+              <a:t>24</a:t>
             </a:fld>
             <a:endParaRPr dirty="0">
               <a:solidFill>
@@ -19409,499 +19581,6 @@
   <p:clrMapOvr>
     <a:masterClrMapping/>
   </p:clrMapOvr>
-  <p:timing>
-    <p:tnLst>
-      <p:par>
-        <p:cTn id="1" dur="indefinite" restart="never" nodeType="tmRoot"/>
-      </p:par>
-    </p:tnLst>
-  </p:timing>
-</p:sld>
-</file>
-
-<file path=ppt/slides/slide24.xml><?xml version="1.0" encoding="utf-8"?>
-<p:sld xmlns:a="http://schemas.openxmlformats.org/drawingml/2006/main" xmlns:r="http://schemas.openxmlformats.org/officeDocument/2006/relationships" xmlns:p="http://schemas.openxmlformats.org/presentationml/2006/main">
-  <p:cSld>
-    <p:spTree>
-      <p:nvGrpSpPr>
-        <p:cNvPr id="1" name=""/>
-        <p:cNvGrpSpPr/>
-        <p:nvPr/>
-      </p:nvGrpSpPr>
-      <p:grpSpPr>
-        <a:xfrm>
-          <a:off x="0" y="0"/>
-          <a:ext cx="0" cy="0"/>
-          <a:chOff x="0" y="0"/>
-          <a:chExt cx="0" cy="0"/>
-        </a:xfrm>
-      </p:grpSpPr>
-      <p:sp>
-        <p:nvSpPr>
-          <p:cNvPr id="8" name="Rectangle 11"/>
-          <p:cNvSpPr txBox="1">
-            <a:spLocks noChangeArrowheads="1"/>
-          </p:cNvSpPr>
-          <p:nvPr/>
-        </p:nvSpPr>
-        <p:spPr bwMode="auto">
-          <a:xfrm>
-            <a:off x="425115" y="4881655"/>
-            <a:ext cx="6152148" cy="1796235"/>
-          </a:xfrm>
-          <a:prstGeom prst="rect">
-            <a:avLst/>
-          </a:prstGeom>
-          <a:noFill/>
-          <a:ln w="9525">
-            <a:noFill/>
-            <a:miter lim="800000"/>
-            <a:headEnd/>
-            <a:tailEnd/>
-          </a:ln>
-        </p:spPr>
-        <p:txBody>
-          <a:bodyPr vert="horz" wrap="square" lIns="91440" tIns="45720" rIns="91440" bIns="45720" numCol="1" anchor="t" anchorCtr="0" compatLnSpc="1">
-            <a:prstTxWarp prst="textNoShape">
-              <a:avLst/>
-            </a:prstTxWarp>
-          </a:bodyPr>
-          <a:lstStyle>
-            <a:lvl1pPr algn="l" rtl="0" eaLnBrk="1" fontAlgn="base" hangingPunct="1">
-              <a:lnSpc>
-                <a:spcPct val="100000"/>
-              </a:lnSpc>
-              <a:spcBef>
-                <a:spcPct val="0"/>
-              </a:spcBef>
-              <a:spcAft>
-                <a:spcPct val="0"/>
-              </a:spcAft>
-              <a:defRPr lang="en-US" sz="3000" b="1" baseline="0">
-                <a:solidFill>
-                  <a:schemeClr val="bg1"/>
-                </a:solidFill>
-                <a:effectLst>
-                  <a:outerShdw blurRad="38100" dist="38100" dir="2700000" algn="tl">
-                    <a:srgbClr val="000000">
-                      <a:alpha val="43137"/>
-                    </a:srgbClr>
-                  </a:outerShdw>
-                </a:effectLst>
-                <a:latin typeface="Calibri" panose="020F0502020204030204" pitchFamily="34" charset="0"/>
-                <a:ea typeface="+mj-ea"/>
-                <a:cs typeface="Calibri" panose="020F0502020204030204" pitchFamily="34" charset="0"/>
-              </a:defRPr>
-            </a:lvl1pPr>
-            <a:lvl2pPr algn="l" rtl="0" eaLnBrk="1" fontAlgn="base" hangingPunct="1">
-              <a:lnSpc>
-                <a:spcPct val="115000"/>
-              </a:lnSpc>
-              <a:spcBef>
-                <a:spcPct val="0"/>
-              </a:spcBef>
-              <a:spcAft>
-                <a:spcPct val="0"/>
-              </a:spcAft>
-              <a:defRPr sz="2800" b="1">
-                <a:solidFill>
-                  <a:schemeClr val="bg1"/>
-                </a:solidFill>
-                <a:latin typeface="Arial" charset="0"/>
-              </a:defRPr>
-            </a:lvl2pPr>
-            <a:lvl3pPr algn="l" rtl="0" eaLnBrk="1" fontAlgn="base" hangingPunct="1">
-              <a:lnSpc>
-                <a:spcPct val="115000"/>
-              </a:lnSpc>
-              <a:spcBef>
-                <a:spcPct val="0"/>
-              </a:spcBef>
-              <a:spcAft>
-                <a:spcPct val="0"/>
-              </a:spcAft>
-              <a:defRPr sz="2800" b="1">
-                <a:solidFill>
-                  <a:schemeClr val="bg1"/>
-                </a:solidFill>
-                <a:latin typeface="Arial" charset="0"/>
-              </a:defRPr>
-            </a:lvl3pPr>
-            <a:lvl4pPr algn="l" rtl="0" eaLnBrk="1" fontAlgn="base" hangingPunct="1">
-              <a:lnSpc>
-                <a:spcPct val="115000"/>
-              </a:lnSpc>
-              <a:spcBef>
-                <a:spcPct val="0"/>
-              </a:spcBef>
-              <a:spcAft>
-                <a:spcPct val="0"/>
-              </a:spcAft>
-              <a:defRPr sz="2800" b="1">
-                <a:solidFill>
-                  <a:schemeClr val="bg1"/>
-                </a:solidFill>
-                <a:latin typeface="Arial" charset="0"/>
-              </a:defRPr>
-            </a:lvl4pPr>
-            <a:lvl5pPr algn="l" rtl="0" eaLnBrk="1" fontAlgn="base" hangingPunct="1">
-              <a:lnSpc>
-                <a:spcPct val="115000"/>
-              </a:lnSpc>
-              <a:spcBef>
-                <a:spcPct val="0"/>
-              </a:spcBef>
-              <a:spcAft>
-                <a:spcPct val="0"/>
-              </a:spcAft>
-              <a:defRPr sz="2800" b="1">
-                <a:solidFill>
-                  <a:schemeClr val="bg1"/>
-                </a:solidFill>
-                <a:latin typeface="Arial" charset="0"/>
-              </a:defRPr>
-            </a:lvl5pPr>
-            <a:lvl6pPr marL="457200" algn="l" rtl="0" eaLnBrk="1" fontAlgn="base" hangingPunct="1">
-              <a:lnSpc>
-                <a:spcPct val="115000"/>
-              </a:lnSpc>
-              <a:spcBef>
-                <a:spcPct val="0"/>
-              </a:spcBef>
-              <a:spcAft>
-                <a:spcPct val="0"/>
-              </a:spcAft>
-              <a:defRPr sz="2800" b="1">
-                <a:solidFill>
-                  <a:schemeClr val="bg1"/>
-                </a:solidFill>
-                <a:latin typeface="Arial" charset="0"/>
-              </a:defRPr>
-            </a:lvl6pPr>
-            <a:lvl7pPr marL="914400" algn="l" rtl="0" eaLnBrk="1" fontAlgn="base" hangingPunct="1">
-              <a:lnSpc>
-                <a:spcPct val="115000"/>
-              </a:lnSpc>
-              <a:spcBef>
-                <a:spcPct val="0"/>
-              </a:spcBef>
-              <a:spcAft>
-                <a:spcPct val="0"/>
-              </a:spcAft>
-              <a:defRPr sz="2800" b="1">
-                <a:solidFill>
-                  <a:schemeClr val="bg1"/>
-                </a:solidFill>
-                <a:latin typeface="Arial" charset="0"/>
-              </a:defRPr>
-            </a:lvl7pPr>
-            <a:lvl8pPr marL="1371600" algn="l" rtl="0" eaLnBrk="1" fontAlgn="base" hangingPunct="1">
-              <a:lnSpc>
-                <a:spcPct val="115000"/>
-              </a:lnSpc>
-              <a:spcBef>
-                <a:spcPct val="0"/>
-              </a:spcBef>
-              <a:spcAft>
-                <a:spcPct val="0"/>
-              </a:spcAft>
-              <a:defRPr sz="2800" b="1">
-                <a:solidFill>
-                  <a:schemeClr val="bg1"/>
-                </a:solidFill>
-                <a:latin typeface="Arial" charset="0"/>
-              </a:defRPr>
-            </a:lvl8pPr>
-            <a:lvl9pPr marL="1828800" algn="l" rtl="0" eaLnBrk="1" fontAlgn="base" hangingPunct="1">
-              <a:lnSpc>
-                <a:spcPct val="115000"/>
-              </a:lnSpc>
-              <a:spcBef>
-                <a:spcPct val="0"/>
-              </a:spcBef>
-              <a:spcAft>
-                <a:spcPct val="0"/>
-              </a:spcAft>
-              <a:defRPr sz="2800" b="1">
-                <a:solidFill>
-                  <a:schemeClr val="bg1"/>
-                </a:solidFill>
-                <a:latin typeface="Arial" charset="0"/>
-              </a:defRPr>
-            </a:lvl9pPr>
-          </a:lstStyle>
-          <a:p>
-            <a:r>
-              <a:rPr lang="en-US" sz="2800" b="0" kern="0" dirty="0" smtClean="0">
-                <a:solidFill>
-                  <a:srgbClr val="000000">
-                    <a:lumMod val="75000"/>
-                    <a:lumOff val="25000"/>
-                  </a:srgbClr>
-                </a:solidFill>
-                <a:effectLst/>
-              </a:rPr>
-              <a:t>Learn how to set up a very small RTL project and demonstrate project creation with </a:t>
-            </a:r>
-            <a:r>
-              <a:rPr lang="en-US" sz="2800" b="0" kern="0" dirty="0" err="1" smtClean="0">
-                <a:solidFill>
-                  <a:srgbClr val="000000">
-                    <a:lumMod val="75000"/>
-                    <a:lumOff val="25000"/>
-                  </a:srgbClr>
-                </a:solidFill>
-                <a:effectLst/>
-              </a:rPr>
-              <a:t>Tcl</a:t>
-            </a:r>
-            <a:r>
-              <a:rPr lang="en-US" sz="2800" b="0" kern="0" dirty="0" smtClean="0">
-                <a:solidFill>
-                  <a:srgbClr val="000000">
-                    <a:lumMod val="75000"/>
-                    <a:lumOff val="25000"/>
-                  </a:srgbClr>
-                </a:solidFill>
-                <a:effectLst/>
-              </a:rPr>
-              <a:t> scripts, Make and dependencies</a:t>
-            </a:r>
-            <a:endParaRPr sz="2000" b="0" kern="0" dirty="0">
-              <a:solidFill>
-                <a:srgbClr val="000000">
-                  <a:lumMod val="75000"/>
-                  <a:lumOff val="25000"/>
-                </a:srgbClr>
-              </a:solidFill>
-              <a:effectLst/>
-            </a:endParaRPr>
-          </a:p>
-        </p:txBody>
-      </p:sp>
-      <p:sp>
-        <p:nvSpPr>
-          <p:cNvPr id="9" name="Title 6"/>
-          <p:cNvSpPr txBox="1">
-            <a:spLocks/>
-          </p:cNvSpPr>
-          <p:nvPr/>
-        </p:nvSpPr>
-        <p:spPr>
-          <a:xfrm>
-            <a:off x="425114" y="3539041"/>
-            <a:ext cx="8718885" cy="636098"/>
-          </a:xfrm>
-          <a:prstGeom prst="rect">
-            <a:avLst/>
-          </a:prstGeom>
-        </p:spPr>
-        <p:txBody>
-          <a:bodyPr/>
-          <a:lstStyle>
-            <a:lvl1pPr algn="l" rtl="0" eaLnBrk="1" fontAlgn="base" hangingPunct="1">
-              <a:lnSpc>
-                <a:spcPct val="98000"/>
-              </a:lnSpc>
-              <a:spcBef>
-                <a:spcPct val="0"/>
-              </a:spcBef>
-              <a:spcAft>
-                <a:spcPct val="0"/>
-              </a:spcAft>
-              <a:defRPr lang="en-US" sz="3200" b="0" baseline="0" dirty="0" smtClean="0">
-                <a:solidFill>
-                  <a:schemeClr val="tx1">
-                    <a:lumMod val="75000"/>
-                    <a:lumOff val="25000"/>
-                  </a:schemeClr>
-                </a:solidFill>
-                <a:latin typeface="Calibri" panose="020F0502020204030204" pitchFamily="34" charset="0"/>
-                <a:ea typeface="+mj-ea"/>
-                <a:cs typeface="Calibri" panose="020F0502020204030204" pitchFamily="34" charset="0"/>
-              </a:defRPr>
-            </a:lvl1pPr>
-            <a:lvl2pPr algn="l" rtl="0" eaLnBrk="1" fontAlgn="base" hangingPunct="1">
-              <a:lnSpc>
-                <a:spcPct val="115000"/>
-              </a:lnSpc>
-              <a:spcBef>
-                <a:spcPct val="0"/>
-              </a:spcBef>
-              <a:spcAft>
-                <a:spcPct val="0"/>
-              </a:spcAft>
-              <a:defRPr sz="2800" b="1">
-                <a:solidFill>
-                  <a:schemeClr val="bg1"/>
-                </a:solidFill>
-                <a:latin typeface="Arial" charset="0"/>
-              </a:defRPr>
-            </a:lvl2pPr>
-            <a:lvl3pPr algn="l" rtl="0" eaLnBrk="1" fontAlgn="base" hangingPunct="1">
-              <a:lnSpc>
-                <a:spcPct val="115000"/>
-              </a:lnSpc>
-              <a:spcBef>
-                <a:spcPct val="0"/>
-              </a:spcBef>
-              <a:spcAft>
-                <a:spcPct val="0"/>
-              </a:spcAft>
-              <a:defRPr sz="2800" b="1">
-                <a:solidFill>
-                  <a:schemeClr val="bg1"/>
-                </a:solidFill>
-                <a:latin typeface="Arial" charset="0"/>
-              </a:defRPr>
-            </a:lvl3pPr>
-            <a:lvl4pPr algn="l" rtl="0" eaLnBrk="1" fontAlgn="base" hangingPunct="1">
-              <a:lnSpc>
-                <a:spcPct val="115000"/>
-              </a:lnSpc>
-              <a:spcBef>
-                <a:spcPct val="0"/>
-              </a:spcBef>
-              <a:spcAft>
-                <a:spcPct val="0"/>
-              </a:spcAft>
-              <a:defRPr sz="2800" b="1">
-                <a:solidFill>
-                  <a:schemeClr val="bg1"/>
-                </a:solidFill>
-                <a:latin typeface="Arial" charset="0"/>
-              </a:defRPr>
-            </a:lvl4pPr>
-            <a:lvl5pPr algn="l" rtl="0" eaLnBrk="1" fontAlgn="base" hangingPunct="1">
-              <a:lnSpc>
-                <a:spcPct val="115000"/>
-              </a:lnSpc>
-              <a:spcBef>
-                <a:spcPct val="0"/>
-              </a:spcBef>
-              <a:spcAft>
-                <a:spcPct val="0"/>
-              </a:spcAft>
-              <a:defRPr sz="2800" b="1">
-                <a:solidFill>
-                  <a:schemeClr val="bg1"/>
-                </a:solidFill>
-                <a:latin typeface="Arial" charset="0"/>
-              </a:defRPr>
-            </a:lvl5pPr>
-            <a:lvl6pPr marL="457200" algn="l" rtl="0" eaLnBrk="1" fontAlgn="base" hangingPunct="1">
-              <a:lnSpc>
-                <a:spcPct val="115000"/>
-              </a:lnSpc>
-              <a:spcBef>
-                <a:spcPct val="0"/>
-              </a:spcBef>
-              <a:spcAft>
-                <a:spcPct val="0"/>
-              </a:spcAft>
-              <a:defRPr sz="2800" b="1">
-                <a:solidFill>
-                  <a:schemeClr val="bg1"/>
-                </a:solidFill>
-                <a:latin typeface="Arial" charset="0"/>
-              </a:defRPr>
-            </a:lvl6pPr>
-            <a:lvl7pPr marL="914400" algn="l" rtl="0" eaLnBrk="1" fontAlgn="base" hangingPunct="1">
-              <a:lnSpc>
-                <a:spcPct val="115000"/>
-              </a:lnSpc>
-              <a:spcBef>
-                <a:spcPct val="0"/>
-              </a:spcBef>
-              <a:spcAft>
-                <a:spcPct val="0"/>
-              </a:spcAft>
-              <a:defRPr sz="2800" b="1">
-                <a:solidFill>
-                  <a:schemeClr val="bg1"/>
-                </a:solidFill>
-                <a:latin typeface="Arial" charset="0"/>
-              </a:defRPr>
-            </a:lvl7pPr>
-            <a:lvl8pPr marL="1371600" algn="l" rtl="0" eaLnBrk="1" fontAlgn="base" hangingPunct="1">
-              <a:lnSpc>
-                <a:spcPct val="115000"/>
-              </a:lnSpc>
-              <a:spcBef>
-                <a:spcPct val="0"/>
-              </a:spcBef>
-              <a:spcAft>
-                <a:spcPct val="0"/>
-              </a:spcAft>
-              <a:defRPr sz="2800" b="1">
-                <a:solidFill>
-                  <a:schemeClr val="bg1"/>
-                </a:solidFill>
-                <a:latin typeface="Arial" charset="0"/>
-              </a:defRPr>
-            </a:lvl8pPr>
-            <a:lvl9pPr marL="1828800" algn="l" rtl="0" eaLnBrk="1" fontAlgn="base" hangingPunct="1">
-              <a:lnSpc>
-                <a:spcPct val="115000"/>
-              </a:lnSpc>
-              <a:spcBef>
-                <a:spcPct val="0"/>
-              </a:spcBef>
-              <a:spcAft>
-                <a:spcPct val="0"/>
-              </a:spcAft>
-              <a:defRPr sz="2800" b="1">
-                <a:solidFill>
-                  <a:schemeClr val="bg1"/>
-                </a:solidFill>
-                <a:latin typeface="Arial" charset="0"/>
-              </a:defRPr>
-            </a:lvl9pPr>
-          </a:lstStyle>
-          <a:p>
-            <a:r>
-              <a:rPr lang="en-US" sz="4000" kern="0" dirty="0" smtClean="0">
-                <a:solidFill>
-                  <a:srgbClr val="FFFFFF"/>
-                </a:solidFill>
-                <a:effectLst>
-                  <a:outerShdw blurRad="38100" dist="38100" dir="2700000" algn="tl">
-                    <a:srgbClr val="000000">
-                      <a:alpha val="43137"/>
-                    </a:srgbClr>
-                  </a:outerShdw>
-                </a:effectLst>
-              </a:rPr>
-              <a:t>Lab Section 1 – Simple RTL Project</a:t>
-            </a:r>
-            <a:endParaRPr sz="4000" kern="0" dirty="0" smtClean="0">
-              <a:solidFill>
-                <a:srgbClr val="FFFFFF"/>
-              </a:solidFill>
-              <a:effectLst>
-                <a:outerShdw blurRad="38100" dist="38100" dir="2700000" algn="tl">
-                  <a:srgbClr val="000000">
-                    <a:alpha val="43137"/>
-                  </a:srgbClr>
-                </a:outerShdw>
-              </a:effectLst>
-            </a:endParaRPr>
-          </a:p>
-        </p:txBody>
-      </p:sp>
-    </p:spTree>
-    <p:extLst>
-      <p:ext uri="{BB962C8B-B14F-4D97-AF65-F5344CB8AC3E}">
-        <p14:creationId xmlns:p14="http://schemas.microsoft.com/office/powerpoint/2010/main" val="3208882335"/>
-      </p:ext>
-    </p:extLst>
-  </p:cSld>
-  <p:clrMapOvr>
-    <a:masterClrMapping/>
-  </p:clrMapOvr>
-  <p:transition>
-    <p:fade/>
-  </p:transition>
   <p:timing>
     <p:tnLst>
       <p:par>
@@ -20134,7 +19813,31 @@
                 </a:solidFill>
                 <a:effectLst/>
               </a:rPr>
-              <a:t>Learn how to build an IP source using scripts and managed IP projects to be used as a remote source in a project</a:t>
+              <a:t>Learn how to set up a very small RTL project and demonstrate project creation with </a:t>
+            </a:r>
+            <a:r>
+              <a:rPr lang="en-US" sz="2800" b="0" kern="0" dirty="0" err="1" smtClean="0">
+                <a:solidFill>
+                  <a:srgbClr val="000000">
+                    <a:lumMod val="75000"/>
+                    <a:lumOff val="25000"/>
+                  </a:srgbClr>
+                </a:solidFill>
+                <a:effectLst/>
+              </a:rPr>
+              <a:t>Tcl</a:t>
+            </a:r>
+            <a:r>
+              <a:rPr lang="en-US" sz="2800" b="0" kern="0" dirty="0" smtClean="0">
+                <a:solidFill>
+                  <a:srgbClr val="000000">
+                    <a:lumMod val="75000"/>
+                    <a:lumOff val="25000"/>
+                  </a:srgbClr>
+                </a:solidFill>
+                <a:effectLst/>
+              </a:rPr>
+              <a:t> scripts, Make and dependencies</a:t>
             </a:r>
             <a:endParaRPr sz="2000" b="0" kern="0" dirty="0">
               <a:solidFill>
@@ -20341,7 +20044,7 @@
                   </a:outerShdw>
                 </a:effectLst>
               </a:rPr>
-              <a:t>Lab Section 2 – Simple IP Project</a:t>
+              <a:t>Lab Section 1 – Simple RTL Project</a:t>
             </a:r>
             <a:endParaRPr sz="4000" kern="0" dirty="0" smtClean="0">
               <a:solidFill>
@@ -20361,7 +20064,7 @@
     </p:spTree>
     <p:extLst>
       <p:ext uri="{BB962C8B-B14F-4D97-AF65-F5344CB8AC3E}">
-        <p14:creationId xmlns:p14="http://schemas.microsoft.com/office/powerpoint/2010/main" val="2655664151"/>
+        <p14:creationId xmlns:p14="http://schemas.microsoft.com/office/powerpoint/2010/main" val="3208882335"/>
       </p:ext>
     </p:extLst>
   </p:cSld>
@@ -20603,7 +20306,7 @@
                 </a:solidFill>
                 <a:effectLst/>
               </a:rPr>
-              <a:t>Learn how to package HDL as a custom IP for inclusion in IP Integrator</a:t>
+              <a:t>Learn how to build an IP source using scripts and managed IP projects to be used as a remote source in a project</a:t>
             </a:r>
             <a:endParaRPr sz="2000" b="0" kern="0" dirty="0">
               <a:solidFill>
@@ -20810,7 +20513,7 @@
                   </a:outerShdw>
                 </a:effectLst>
               </a:rPr>
-              <a:t>Lab Section 3 – Custom IP</a:t>
+              <a:t>Lab Section 2 – Simple IP Project</a:t>
             </a:r>
             <a:endParaRPr sz="4000" kern="0" dirty="0" smtClean="0">
               <a:solidFill>
@@ -20830,7 +20533,7 @@
     </p:spTree>
     <p:extLst>
       <p:ext uri="{BB962C8B-B14F-4D97-AF65-F5344CB8AC3E}">
-        <p14:creationId xmlns:p14="http://schemas.microsoft.com/office/powerpoint/2010/main" val="3557177810"/>
+        <p14:creationId xmlns:p14="http://schemas.microsoft.com/office/powerpoint/2010/main" val="2655664151"/>
       </p:ext>
     </p:extLst>
   </p:cSld>
@@ -21072,7 +20775,7 @@
                 </a:solidFill>
                 <a:effectLst/>
               </a:rPr>
-              <a:t>Learn how to build from C-based sources using scripts and packaging IP to be used in IP Integrator</a:t>
+              <a:t>Learn how to package HDL as a custom IP for inclusion in IP Integrator</a:t>
             </a:r>
             <a:endParaRPr sz="2000" b="0" kern="0" dirty="0">
               <a:solidFill>
@@ -21279,7 +20982,7 @@
                   </a:outerShdw>
                 </a:effectLst>
               </a:rPr>
-              <a:t>Lab Section 4 – Vivado HLS</a:t>
+              <a:t>Lab Section 3 – Custom IP</a:t>
             </a:r>
             <a:endParaRPr sz="4000" kern="0" dirty="0" smtClean="0">
               <a:solidFill>
@@ -21299,7 +21002,7 @@
     </p:spTree>
     <p:extLst>
       <p:ext uri="{BB962C8B-B14F-4D97-AF65-F5344CB8AC3E}">
-        <p14:creationId xmlns:p14="http://schemas.microsoft.com/office/powerpoint/2010/main" val="3174367133"/>
+        <p14:creationId xmlns:p14="http://schemas.microsoft.com/office/powerpoint/2010/main" val="3557177810"/>
       </p:ext>
     </p:extLst>
   </p:cSld>
@@ -21541,7 +21244,7 @@
                 </a:solidFill>
                 <a:effectLst/>
               </a:rPr>
-              <a:t>Learn how to build a block design in IP Integrator to be used as a remote source</a:t>
+              <a:t>Learn how to build from C-based sources using scripts and packaging IP to be used in IP Integrator</a:t>
             </a:r>
             <a:endParaRPr sz="2000" b="0" kern="0" dirty="0">
               <a:solidFill>
@@ -21748,7 +21451,7 @@
                   </a:outerShdw>
                 </a:effectLst>
               </a:rPr>
-              <a:t>Lab Section 5 – IP Integrator</a:t>
+              <a:t>Lab Section 4 – Vivado HLS</a:t>
             </a:r>
             <a:endParaRPr sz="4000" kern="0" dirty="0" smtClean="0">
               <a:solidFill>
@@ -21768,7 +21471,7 @@
     </p:spTree>
     <p:extLst>
       <p:ext uri="{BB962C8B-B14F-4D97-AF65-F5344CB8AC3E}">
-        <p14:creationId xmlns:p14="http://schemas.microsoft.com/office/powerpoint/2010/main" val="3550842048"/>
+        <p14:creationId xmlns:p14="http://schemas.microsoft.com/office/powerpoint/2010/main" val="3174367133"/>
       </p:ext>
     </p:extLst>
   </p:cSld>
@@ -22010,7 +21713,7 @@
                 </a:solidFill>
                 <a:effectLst/>
               </a:rPr>
-              <a:t>Put it all together with a top level wrapper, including a System Generator IP as a remote source – compile and generate a bit stream</a:t>
+              <a:t>Learn how to build a block design in IP Integrator to be used as a remote source</a:t>
             </a:r>
             <a:endParaRPr sz="2000" b="0" kern="0" dirty="0">
               <a:solidFill>
@@ -22217,7 +21920,7 @@
                   </a:outerShdw>
                 </a:effectLst>
               </a:rPr>
-              <a:t>Lab Section 6 – Top Level Integration</a:t>
+              <a:t>Lab Section 5 – IP Integrator</a:t>
             </a:r>
             <a:endParaRPr sz="4000" kern="0" dirty="0" smtClean="0">
               <a:solidFill>
@@ -22237,7 +21940,7 @@
     </p:spTree>
     <p:extLst>
       <p:ext uri="{BB962C8B-B14F-4D97-AF65-F5344CB8AC3E}">
-        <p14:creationId xmlns:p14="http://schemas.microsoft.com/office/powerpoint/2010/main" val="1234786462"/>
+        <p14:creationId xmlns:p14="http://schemas.microsoft.com/office/powerpoint/2010/main" val="3550842048"/>
       </p:ext>
     </p:extLst>
   </p:cSld>
@@ -22546,6 +22249,475 @@
       </p:grpSpPr>
       <p:sp>
         <p:nvSpPr>
+          <p:cNvPr id="8" name="Rectangle 11"/>
+          <p:cNvSpPr txBox="1">
+            <a:spLocks noChangeArrowheads="1"/>
+          </p:cNvSpPr>
+          <p:nvPr/>
+        </p:nvSpPr>
+        <p:spPr bwMode="auto">
+          <a:xfrm>
+            <a:off x="425115" y="4881655"/>
+            <a:ext cx="6152148" cy="1796235"/>
+          </a:xfrm>
+          <a:prstGeom prst="rect">
+            <a:avLst/>
+          </a:prstGeom>
+          <a:noFill/>
+          <a:ln w="9525">
+            <a:noFill/>
+            <a:miter lim="800000"/>
+            <a:headEnd/>
+            <a:tailEnd/>
+          </a:ln>
+        </p:spPr>
+        <p:txBody>
+          <a:bodyPr vert="horz" wrap="square" lIns="91440" tIns="45720" rIns="91440" bIns="45720" numCol="1" anchor="t" anchorCtr="0" compatLnSpc="1">
+            <a:prstTxWarp prst="textNoShape">
+              <a:avLst/>
+            </a:prstTxWarp>
+          </a:bodyPr>
+          <a:lstStyle>
+            <a:lvl1pPr algn="l" rtl="0" eaLnBrk="1" fontAlgn="base" hangingPunct="1">
+              <a:lnSpc>
+                <a:spcPct val="100000"/>
+              </a:lnSpc>
+              <a:spcBef>
+                <a:spcPct val="0"/>
+              </a:spcBef>
+              <a:spcAft>
+                <a:spcPct val="0"/>
+              </a:spcAft>
+              <a:defRPr lang="en-US" sz="3000" b="1" baseline="0">
+                <a:solidFill>
+                  <a:schemeClr val="bg1"/>
+                </a:solidFill>
+                <a:effectLst>
+                  <a:outerShdw blurRad="38100" dist="38100" dir="2700000" algn="tl">
+                    <a:srgbClr val="000000">
+                      <a:alpha val="43137"/>
+                    </a:srgbClr>
+                  </a:outerShdw>
+                </a:effectLst>
+                <a:latin typeface="Calibri" panose="020F0502020204030204" pitchFamily="34" charset="0"/>
+                <a:ea typeface="+mj-ea"/>
+                <a:cs typeface="Calibri" panose="020F0502020204030204" pitchFamily="34" charset="0"/>
+              </a:defRPr>
+            </a:lvl1pPr>
+            <a:lvl2pPr algn="l" rtl="0" eaLnBrk="1" fontAlgn="base" hangingPunct="1">
+              <a:lnSpc>
+                <a:spcPct val="115000"/>
+              </a:lnSpc>
+              <a:spcBef>
+                <a:spcPct val="0"/>
+              </a:spcBef>
+              <a:spcAft>
+                <a:spcPct val="0"/>
+              </a:spcAft>
+              <a:defRPr sz="2800" b="1">
+                <a:solidFill>
+                  <a:schemeClr val="bg1"/>
+                </a:solidFill>
+                <a:latin typeface="Arial" charset="0"/>
+              </a:defRPr>
+            </a:lvl2pPr>
+            <a:lvl3pPr algn="l" rtl="0" eaLnBrk="1" fontAlgn="base" hangingPunct="1">
+              <a:lnSpc>
+                <a:spcPct val="115000"/>
+              </a:lnSpc>
+              <a:spcBef>
+                <a:spcPct val="0"/>
+              </a:spcBef>
+              <a:spcAft>
+                <a:spcPct val="0"/>
+              </a:spcAft>
+              <a:defRPr sz="2800" b="1">
+                <a:solidFill>
+                  <a:schemeClr val="bg1"/>
+                </a:solidFill>
+                <a:latin typeface="Arial" charset="0"/>
+              </a:defRPr>
+            </a:lvl3pPr>
+            <a:lvl4pPr algn="l" rtl="0" eaLnBrk="1" fontAlgn="base" hangingPunct="1">
+              <a:lnSpc>
+                <a:spcPct val="115000"/>
+              </a:lnSpc>
+              <a:spcBef>
+                <a:spcPct val="0"/>
+              </a:spcBef>
+              <a:spcAft>
+                <a:spcPct val="0"/>
+              </a:spcAft>
+              <a:defRPr sz="2800" b="1">
+                <a:solidFill>
+                  <a:schemeClr val="bg1"/>
+                </a:solidFill>
+                <a:latin typeface="Arial" charset="0"/>
+              </a:defRPr>
+            </a:lvl4pPr>
+            <a:lvl5pPr algn="l" rtl="0" eaLnBrk="1" fontAlgn="base" hangingPunct="1">
+              <a:lnSpc>
+                <a:spcPct val="115000"/>
+              </a:lnSpc>
+              <a:spcBef>
+                <a:spcPct val="0"/>
+              </a:spcBef>
+              <a:spcAft>
+                <a:spcPct val="0"/>
+              </a:spcAft>
+              <a:defRPr sz="2800" b="1">
+                <a:solidFill>
+                  <a:schemeClr val="bg1"/>
+                </a:solidFill>
+                <a:latin typeface="Arial" charset="0"/>
+              </a:defRPr>
+            </a:lvl5pPr>
+            <a:lvl6pPr marL="457200" algn="l" rtl="0" eaLnBrk="1" fontAlgn="base" hangingPunct="1">
+              <a:lnSpc>
+                <a:spcPct val="115000"/>
+              </a:lnSpc>
+              <a:spcBef>
+                <a:spcPct val="0"/>
+              </a:spcBef>
+              <a:spcAft>
+                <a:spcPct val="0"/>
+              </a:spcAft>
+              <a:defRPr sz="2800" b="1">
+                <a:solidFill>
+                  <a:schemeClr val="bg1"/>
+                </a:solidFill>
+                <a:latin typeface="Arial" charset="0"/>
+              </a:defRPr>
+            </a:lvl6pPr>
+            <a:lvl7pPr marL="914400" algn="l" rtl="0" eaLnBrk="1" fontAlgn="base" hangingPunct="1">
+              <a:lnSpc>
+                <a:spcPct val="115000"/>
+              </a:lnSpc>
+              <a:spcBef>
+                <a:spcPct val="0"/>
+              </a:spcBef>
+              <a:spcAft>
+                <a:spcPct val="0"/>
+              </a:spcAft>
+              <a:defRPr sz="2800" b="1">
+                <a:solidFill>
+                  <a:schemeClr val="bg1"/>
+                </a:solidFill>
+                <a:latin typeface="Arial" charset="0"/>
+              </a:defRPr>
+            </a:lvl7pPr>
+            <a:lvl8pPr marL="1371600" algn="l" rtl="0" eaLnBrk="1" fontAlgn="base" hangingPunct="1">
+              <a:lnSpc>
+                <a:spcPct val="115000"/>
+              </a:lnSpc>
+              <a:spcBef>
+                <a:spcPct val="0"/>
+              </a:spcBef>
+              <a:spcAft>
+                <a:spcPct val="0"/>
+              </a:spcAft>
+              <a:defRPr sz="2800" b="1">
+                <a:solidFill>
+                  <a:schemeClr val="bg1"/>
+                </a:solidFill>
+                <a:latin typeface="Arial" charset="0"/>
+              </a:defRPr>
+            </a:lvl8pPr>
+            <a:lvl9pPr marL="1828800" algn="l" rtl="0" eaLnBrk="1" fontAlgn="base" hangingPunct="1">
+              <a:lnSpc>
+                <a:spcPct val="115000"/>
+              </a:lnSpc>
+              <a:spcBef>
+                <a:spcPct val="0"/>
+              </a:spcBef>
+              <a:spcAft>
+                <a:spcPct val="0"/>
+              </a:spcAft>
+              <a:defRPr sz="2800" b="1">
+                <a:solidFill>
+                  <a:schemeClr val="bg1"/>
+                </a:solidFill>
+                <a:latin typeface="Arial" charset="0"/>
+              </a:defRPr>
+            </a:lvl9pPr>
+          </a:lstStyle>
+          <a:p>
+            <a:r>
+              <a:rPr lang="en-US" sz="2800" b="0" kern="0" dirty="0" smtClean="0">
+                <a:solidFill>
+                  <a:srgbClr val="000000">
+                    <a:lumMod val="75000"/>
+                    <a:lumOff val="25000"/>
+                  </a:srgbClr>
+                </a:solidFill>
+                <a:effectLst/>
+              </a:rPr>
+              <a:t>Put it all together with a top level wrapper, including a System Generator IP as a remote source – compile and generate a bit stream</a:t>
+            </a:r>
+            <a:endParaRPr sz="2000" b="0" kern="0" dirty="0">
+              <a:solidFill>
+                <a:srgbClr val="000000">
+                  <a:lumMod val="75000"/>
+                  <a:lumOff val="25000"/>
+                </a:srgbClr>
+              </a:solidFill>
+              <a:effectLst/>
+            </a:endParaRPr>
+          </a:p>
+        </p:txBody>
+      </p:sp>
+      <p:sp>
+        <p:nvSpPr>
+          <p:cNvPr id="9" name="Title 6"/>
+          <p:cNvSpPr txBox="1">
+            <a:spLocks/>
+          </p:cNvSpPr>
+          <p:nvPr/>
+        </p:nvSpPr>
+        <p:spPr>
+          <a:xfrm>
+            <a:off x="425114" y="3539041"/>
+            <a:ext cx="8718885" cy="636098"/>
+          </a:xfrm>
+          <a:prstGeom prst="rect">
+            <a:avLst/>
+          </a:prstGeom>
+        </p:spPr>
+        <p:txBody>
+          <a:bodyPr/>
+          <a:lstStyle>
+            <a:lvl1pPr algn="l" rtl="0" eaLnBrk="1" fontAlgn="base" hangingPunct="1">
+              <a:lnSpc>
+                <a:spcPct val="98000"/>
+              </a:lnSpc>
+              <a:spcBef>
+                <a:spcPct val="0"/>
+              </a:spcBef>
+              <a:spcAft>
+                <a:spcPct val="0"/>
+              </a:spcAft>
+              <a:defRPr lang="en-US" sz="3200" b="0" baseline="0" dirty="0" smtClean="0">
+                <a:solidFill>
+                  <a:schemeClr val="tx1">
+                    <a:lumMod val="75000"/>
+                    <a:lumOff val="25000"/>
+                  </a:schemeClr>
+                </a:solidFill>
+                <a:latin typeface="Calibri" panose="020F0502020204030204" pitchFamily="34" charset="0"/>
+                <a:ea typeface="+mj-ea"/>
+                <a:cs typeface="Calibri" panose="020F0502020204030204" pitchFamily="34" charset="0"/>
+              </a:defRPr>
+            </a:lvl1pPr>
+            <a:lvl2pPr algn="l" rtl="0" eaLnBrk="1" fontAlgn="base" hangingPunct="1">
+              <a:lnSpc>
+                <a:spcPct val="115000"/>
+              </a:lnSpc>
+              <a:spcBef>
+                <a:spcPct val="0"/>
+              </a:spcBef>
+              <a:spcAft>
+                <a:spcPct val="0"/>
+              </a:spcAft>
+              <a:defRPr sz="2800" b="1">
+                <a:solidFill>
+                  <a:schemeClr val="bg1"/>
+                </a:solidFill>
+                <a:latin typeface="Arial" charset="0"/>
+              </a:defRPr>
+            </a:lvl2pPr>
+            <a:lvl3pPr algn="l" rtl="0" eaLnBrk="1" fontAlgn="base" hangingPunct="1">
+              <a:lnSpc>
+                <a:spcPct val="115000"/>
+              </a:lnSpc>
+              <a:spcBef>
+                <a:spcPct val="0"/>
+              </a:spcBef>
+              <a:spcAft>
+                <a:spcPct val="0"/>
+              </a:spcAft>
+              <a:defRPr sz="2800" b="1">
+                <a:solidFill>
+                  <a:schemeClr val="bg1"/>
+                </a:solidFill>
+                <a:latin typeface="Arial" charset="0"/>
+              </a:defRPr>
+            </a:lvl3pPr>
+            <a:lvl4pPr algn="l" rtl="0" eaLnBrk="1" fontAlgn="base" hangingPunct="1">
+              <a:lnSpc>
+                <a:spcPct val="115000"/>
+              </a:lnSpc>
+              <a:spcBef>
+                <a:spcPct val="0"/>
+              </a:spcBef>
+              <a:spcAft>
+                <a:spcPct val="0"/>
+              </a:spcAft>
+              <a:defRPr sz="2800" b="1">
+                <a:solidFill>
+                  <a:schemeClr val="bg1"/>
+                </a:solidFill>
+                <a:latin typeface="Arial" charset="0"/>
+              </a:defRPr>
+            </a:lvl4pPr>
+            <a:lvl5pPr algn="l" rtl="0" eaLnBrk="1" fontAlgn="base" hangingPunct="1">
+              <a:lnSpc>
+                <a:spcPct val="115000"/>
+              </a:lnSpc>
+              <a:spcBef>
+                <a:spcPct val="0"/>
+              </a:spcBef>
+              <a:spcAft>
+                <a:spcPct val="0"/>
+              </a:spcAft>
+              <a:defRPr sz="2800" b="1">
+                <a:solidFill>
+                  <a:schemeClr val="bg1"/>
+                </a:solidFill>
+                <a:latin typeface="Arial" charset="0"/>
+              </a:defRPr>
+            </a:lvl5pPr>
+            <a:lvl6pPr marL="457200" algn="l" rtl="0" eaLnBrk="1" fontAlgn="base" hangingPunct="1">
+              <a:lnSpc>
+                <a:spcPct val="115000"/>
+              </a:lnSpc>
+              <a:spcBef>
+                <a:spcPct val="0"/>
+              </a:spcBef>
+              <a:spcAft>
+                <a:spcPct val="0"/>
+              </a:spcAft>
+              <a:defRPr sz="2800" b="1">
+                <a:solidFill>
+                  <a:schemeClr val="bg1"/>
+                </a:solidFill>
+                <a:latin typeface="Arial" charset="0"/>
+              </a:defRPr>
+            </a:lvl6pPr>
+            <a:lvl7pPr marL="914400" algn="l" rtl="0" eaLnBrk="1" fontAlgn="base" hangingPunct="1">
+              <a:lnSpc>
+                <a:spcPct val="115000"/>
+              </a:lnSpc>
+              <a:spcBef>
+                <a:spcPct val="0"/>
+              </a:spcBef>
+              <a:spcAft>
+                <a:spcPct val="0"/>
+              </a:spcAft>
+              <a:defRPr sz="2800" b="1">
+                <a:solidFill>
+                  <a:schemeClr val="bg1"/>
+                </a:solidFill>
+                <a:latin typeface="Arial" charset="0"/>
+              </a:defRPr>
+            </a:lvl7pPr>
+            <a:lvl8pPr marL="1371600" algn="l" rtl="0" eaLnBrk="1" fontAlgn="base" hangingPunct="1">
+              <a:lnSpc>
+                <a:spcPct val="115000"/>
+              </a:lnSpc>
+              <a:spcBef>
+                <a:spcPct val="0"/>
+              </a:spcBef>
+              <a:spcAft>
+                <a:spcPct val="0"/>
+              </a:spcAft>
+              <a:defRPr sz="2800" b="1">
+                <a:solidFill>
+                  <a:schemeClr val="bg1"/>
+                </a:solidFill>
+                <a:latin typeface="Arial" charset="0"/>
+              </a:defRPr>
+            </a:lvl8pPr>
+            <a:lvl9pPr marL="1828800" algn="l" rtl="0" eaLnBrk="1" fontAlgn="base" hangingPunct="1">
+              <a:lnSpc>
+                <a:spcPct val="115000"/>
+              </a:lnSpc>
+              <a:spcBef>
+                <a:spcPct val="0"/>
+              </a:spcBef>
+              <a:spcAft>
+                <a:spcPct val="0"/>
+              </a:spcAft>
+              <a:defRPr sz="2800" b="1">
+                <a:solidFill>
+                  <a:schemeClr val="bg1"/>
+                </a:solidFill>
+                <a:latin typeface="Arial" charset="0"/>
+              </a:defRPr>
+            </a:lvl9pPr>
+          </a:lstStyle>
+          <a:p>
+            <a:r>
+              <a:rPr lang="en-US" sz="4000" kern="0" dirty="0" smtClean="0">
+                <a:solidFill>
+                  <a:srgbClr val="FFFFFF"/>
+                </a:solidFill>
+                <a:effectLst>
+                  <a:outerShdw blurRad="38100" dist="38100" dir="2700000" algn="tl">
+                    <a:srgbClr val="000000">
+                      <a:alpha val="43137"/>
+                    </a:srgbClr>
+                  </a:outerShdw>
+                </a:effectLst>
+              </a:rPr>
+              <a:t>Lab Section 6 – Top Level Integration</a:t>
+            </a:r>
+            <a:endParaRPr sz="4000" kern="0" dirty="0" smtClean="0">
+              <a:solidFill>
+                <a:srgbClr val="FFFFFF"/>
+              </a:solidFill>
+              <a:effectLst>
+                <a:outerShdw blurRad="38100" dist="38100" dir="2700000" algn="tl">
+                  <a:srgbClr val="000000">
+                    <a:alpha val="43137"/>
+                  </a:srgbClr>
+                </a:outerShdw>
+              </a:effectLst>
+            </a:endParaRPr>
+          </a:p>
+        </p:txBody>
+      </p:sp>
+    </p:spTree>
+    <p:extLst>
+      <p:ext uri="{BB962C8B-B14F-4D97-AF65-F5344CB8AC3E}">
+        <p14:creationId xmlns:p14="http://schemas.microsoft.com/office/powerpoint/2010/main" val="1234786462"/>
+      </p:ext>
+    </p:extLst>
+  </p:cSld>
+  <p:clrMapOvr>
+    <a:masterClrMapping/>
+  </p:clrMapOvr>
+  <p:transition>
+    <p:fade/>
+  </p:transition>
+  <p:timing>
+    <p:tnLst>
+      <p:par>
+        <p:cTn id="1" dur="indefinite" restart="never" nodeType="tmRoot"/>
+      </p:par>
+    </p:tnLst>
+  </p:timing>
+</p:sld>
+</file>
+
+<file path=ppt/slides/slide31.xml><?xml version="1.0" encoding="utf-8"?>
+<p:sld xmlns:a="http://schemas.openxmlformats.org/drawingml/2006/main" xmlns:r="http://schemas.openxmlformats.org/officeDocument/2006/relationships" xmlns:p="http://schemas.openxmlformats.org/presentationml/2006/main">
+  <p:cSld>
+    <p:spTree>
+      <p:nvGrpSpPr>
+        <p:cNvPr id="1" name=""/>
+        <p:cNvGrpSpPr/>
+        <p:nvPr/>
+      </p:nvGrpSpPr>
+      <p:grpSpPr>
+        <a:xfrm>
+          <a:off x="0" y="0"/>
+          <a:ext cx="0" cy="0"/>
+          <a:chOff x="0" y="0"/>
+          <a:chExt cx="0" cy="0"/>
+        </a:xfrm>
+      </p:grpSpPr>
+      <p:sp>
+        <p:nvSpPr>
           <p:cNvPr id="6" name="Rectangle 5"/>
           <p:cNvSpPr/>
           <p:nvPr/>
@@ -22762,7 +22934,7 @@
 </p:sld>
 </file>
 
-<file path=ppt/slides/slide31.xml><?xml version="1.0" encoding="utf-8"?>
+<file path=ppt/slides/slide32.xml><?xml version="1.0" encoding="utf-8"?>
 <p:sld xmlns:a="http://schemas.openxmlformats.org/drawingml/2006/main" xmlns:r="http://schemas.openxmlformats.org/officeDocument/2006/relationships" xmlns:p="http://schemas.openxmlformats.org/presentationml/2006/main">
   <p:cSld>
     <p:spTree>
@@ -22850,23 +23022,7 @@
           <a:p>
             <a:r>
               <a:rPr lang="en-US" dirty="0" smtClean="0"/>
-              <a:t>Available </a:t>
-            </a:r>
-            <a:r>
-              <a:rPr lang="en-US" dirty="0" smtClean="0"/>
-              <a:t>Now:  </a:t>
-            </a:r>
-            <a:r>
-              <a:rPr lang="en-US" dirty="0" smtClean="0"/>
-              <a:t>Chapter </a:t>
-            </a:r>
-            <a:r>
-              <a:rPr lang="en-US" dirty="0" smtClean="0"/>
-              <a:t>2 in </a:t>
-            </a:r>
-            <a:r>
-              <a:rPr lang="en-US" dirty="0" smtClean="0"/>
-              <a:t>UG949</a:t>
+              <a:t>Available Now:  Chapter 2 in UG949</a:t>
             </a:r>
             <a:r>
               <a:rPr lang="en-US" dirty="0"/>
@@ -23424,7 +23580,7 @@
 </p:sld>
 </file>
 
-<file path=ppt/slides/slide32.xml><?xml version="1.0" encoding="utf-8"?>
+<file path=ppt/slides/slide33.xml><?xml version="1.0" encoding="utf-8"?>
 <p:sld xmlns:a="http://schemas.openxmlformats.org/drawingml/2006/main" xmlns:r="http://schemas.openxmlformats.org/officeDocument/2006/relationships" xmlns:p="http://schemas.openxmlformats.org/presentationml/2006/main">
   <p:cSld>
     <p:spTree>
@@ -23674,7 +23830,7 @@
 </p:sld>
 </file>
 
-<file path=ppt/slides/slide33.xml><?xml version="1.0" encoding="utf-8"?>
+<file path=ppt/slides/slide34.xml><?xml version="1.0" encoding="utf-8"?>
 <p:sld xmlns:a="http://schemas.openxmlformats.org/drawingml/2006/main" xmlns:r="http://schemas.openxmlformats.org/officeDocument/2006/relationships" xmlns:p="http://schemas.openxmlformats.org/presentationml/2006/main">
   <p:cSld>
     <p:spTree>
@@ -25221,8 +25377,29 @@
           <a:p>
             <a:r>
               <a:rPr lang="en-US" dirty="0" smtClean="0"/>
-              <a:t>2015.1</a:t>
-            </a:r>
+              <a:t>Revision Control Quick Take Video now live!</a:t>
+            </a:r>
+          </a:p>
+          <a:p>
+            <a:r>
+              <a:rPr lang="en-US" dirty="0" smtClean="0"/>
+              <a:t>Chapter 2 in the </a:t>
+            </a:r>
+            <a:r>
+              <a:rPr lang="en-US" dirty="0" err="1" smtClean="0"/>
+              <a:t>UltraFast</a:t>
+            </a:r>
+            <a:r>
+              <a:rPr lang="en-US" dirty="0" smtClean="0"/>
+              <a:t> DMG delivered!</a:t>
+            </a:r>
+          </a:p>
+          <a:p>
+            <a:r>
+              <a:rPr lang="en-US" dirty="0" smtClean="0"/>
+              <a:t>2015.X</a:t>
+            </a:r>
+            <a:endParaRPr lang="en-US" dirty="0" smtClean="0"/>
           </a:p>
           <a:p>
             <a:pPr lvl="1"/>
@@ -25243,110 +25420,37 @@
             <a:pPr lvl="1"/>
             <a:r>
               <a:rPr lang="en-US" dirty="0" smtClean="0"/>
-              <a:t>Compared to 2014.1 the average number of files per IP is about 1/3</a:t>
-            </a:r>
+              <a:t>Compared to 2014.1 the average number of files per IP is about </a:t>
+            </a:r>
+            <a:r>
+              <a:rPr lang="en-US" dirty="0" smtClean="0"/>
+              <a:t>1/3</a:t>
+            </a:r>
+            <a:endParaRPr lang="en-US" dirty="0" smtClean="0"/>
           </a:p>
           <a:p>
             <a:pPr lvl="1"/>
             <a:r>
               <a:rPr lang="en-US" dirty="0" smtClean="0"/>
-              <a:t>Increased / focused testing around recommended methodology</a:t>
+              <a:t>Introduction of core container – one file per IP</a:t>
             </a:r>
           </a:p>
           <a:p>
             <a:pPr lvl="1"/>
-            <a:endParaRPr lang="en-US" dirty="0" smtClean="0"/>
-          </a:p>
-          <a:p>
-            <a:r>
-              <a:rPr lang="en-US" dirty="0" smtClean="0"/>
-              <a:t>Updated Chapter </a:t>
-            </a:r>
-            <a:r>
-              <a:rPr lang="en-US" dirty="0" smtClean="0"/>
-              <a:t>2 in the </a:t>
-            </a:r>
-            <a:r>
-              <a:rPr lang="en-US" dirty="0" err="1" smtClean="0"/>
-              <a:t>UltraFast</a:t>
-            </a:r>
-            <a:r>
-              <a:rPr lang="en-US" dirty="0" smtClean="0"/>
-              <a:t> DMG </a:t>
-            </a:r>
-            <a:r>
-              <a:rPr lang="en-US" dirty="0" smtClean="0"/>
-              <a:t>delivered</a:t>
-            </a:r>
-            <a:r>
-              <a:rPr lang="en-US" dirty="0" smtClean="0"/>
-              <a:t> </a:t>
-            </a:r>
-            <a:r>
-              <a:rPr lang="en-US" dirty="0" smtClean="0"/>
-              <a:t>June 8th</a:t>
-            </a:r>
-            <a:r>
-              <a:rPr lang="en-US" dirty="0" smtClean="0"/>
-              <a:t>!</a:t>
-            </a:r>
-          </a:p>
-          <a:p>
-            <a:endParaRPr lang="en-US" dirty="0" smtClean="0"/>
-          </a:p>
-          <a:p>
-            <a:r>
-              <a:rPr lang="en-US" dirty="0" smtClean="0"/>
-              <a:t>Updated Revision Control Quick Take Video </a:t>
-            </a:r>
-            <a:r>
-              <a:rPr lang="en-US" dirty="0" smtClean="0"/>
-              <a:t>now live</a:t>
-            </a:r>
-            <a:r>
-              <a:rPr lang="en-US" dirty="0" smtClean="0"/>
-              <a:t>!</a:t>
-            </a:r>
-            <a:endParaRPr lang="en-US" dirty="0" smtClean="0"/>
-          </a:p>
-          <a:p>
-            <a:pPr marL="0" indent="0">
-              <a:buNone/>
-            </a:pPr>
-            <a:endParaRPr lang="en-US" dirty="0" smtClean="0"/>
-          </a:p>
-          <a:p>
-            <a:r>
-              <a:rPr lang="en-US" dirty="0" smtClean="0"/>
-              <a:t>2015.3</a:t>
+            <a:r>
+              <a:rPr lang="en-US" dirty="0" smtClean="0"/>
+              <a:t>Reduction of side files required by IP Integrator</a:t>
             </a:r>
           </a:p>
           <a:p>
             <a:pPr lvl="1"/>
             <a:r>
               <a:rPr lang="en-US" dirty="0" smtClean="0"/>
-              <a:t>Introduction of core container – one file per IP</a:t>
-            </a:r>
-          </a:p>
-          <a:p>
-            <a:pPr lvl="1"/>
-            <a:r>
-              <a:rPr lang="en-US" dirty="0" smtClean="0"/>
-              <a:t>Reduction of side files required by IP Integrator</a:t>
-            </a:r>
-          </a:p>
-          <a:p>
-            <a:pPr lvl="1"/>
-            <a:r>
-              <a:rPr lang="en-US" dirty="0" smtClean="0"/>
-              <a:t>Further reduction in the number of files per IP</a:t>
-            </a:r>
-          </a:p>
-          <a:p>
-            <a:pPr lvl="1"/>
+              <a:t>New </a:t>
+            </a:r>
             <a:r>
               <a:rPr lang="en-US" dirty="0"/>
-              <a:t>New revision control </a:t>
+              <a:t>revision control </a:t>
             </a:r>
             <a:r>
               <a:rPr lang="en-US" dirty="0" smtClean="0"/>
@@ -25355,6 +25459,42 @@
             <a:r>
               <a:rPr lang="en-US" dirty="0" err="1" smtClean="0"/>
               <a:t>DocNav</a:t>
+            </a:r>
+            <a:endParaRPr lang="en-US" dirty="0" smtClean="0"/>
+          </a:p>
+          <a:p>
+            <a:r>
+              <a:rPr lang="en-US" dirty="0" smtClean="0"/>
+              <a:t>2016.X</a:t>
+            </a:r>
+          </a:p>
+          <a:p>
+            <a:pPr lvl="1"/>
+            <a:r>
+              <a:rPr lang="en-US" dirty="0" smtClean="0"/>
+              <a:t>Core container on by default.  Ability to turn off for 3</a:t>
+            </a:r>
+            <a:r>
+              <a:rPr lang="en-US" baseline="30000" dirty="0" smtClean="0"/>
+              <a:t>rd</a:t>
+            </a:r>
+            <a:r>
+              <a:rPr lang="en-US" dirty="0" smtClean="0"/>
+              <a:t> party sim</a:t>
+            </a:r>
+          </a:p>
+          <a:p>
+            <a:pPr lvl="1"/>
+            <a:r>
+              <a:rPr lang="en-US" dirty="0" smtClean="0"/>
+              <a:t>IP caching speeds up compiles</a:t>
+            </a:r>
+          </a:p>
+          <a:p>
+            <a:pPr lvl="1"/>
+            <a:r>
+              <a:rPr lang="en-US" dirty="0" smtClean="0"/>
+              <a:t>Ability to precompile common simulation libraries</a:t>
             </a:r>
             <a:endParaRPr lang="en-US" dirty="0" smtClean="0"/>
           </a:p>
@@ -28224,18 +28364,18 @@
 </file>
 
 <file path=customXml/item1.xml><?xml version="1.0" encoding="utf-8"?>
-<p:properties xmlns:p="http://schemas.microsoft.com/office/2006/metadata/properties" xmlns:xsi="http://www.w3.org/2001/XMLSchema-instance" xmlns:pc="http://schemas.microsoft.com/office/infopath/2007/PartnerControls">
-  <documentManagement/>
-</p:properties>
-</file>
-
-<file path=customXml/item2.xml><?xml version="1.0" encoding="utf-8"?>
 <?mso-contentType ?>
 <FormTemplates xmlns="http://schemas.microsoft.com/sharepoint/v3/contenttype/forms">
   <Display>DocumentLibraryForm</Display>
   <Edit>DocumentLibraryForm</Edit>
   <New>DocumentLibraryForm</New>
 </FormTemplates>
+</file>
+
+<file path=customXml/item2.xml><?xml version="1.0" encoding="utf-8"?>
+<p:properties xmlns:p="http://schemas.microsoft.com/office/2006/metadata/properties" xmlns:xsi="http://www.w3.org/2001/XMLSchema-instance" xmlns:pc="http://schemas.microsoft.com/office/infopath/2007/PartnerControls">
+  <documentManagement/>
+</p:properties>
 </file>
 
 <file path=customXml/item3.xml><?xml version="1.0" encoding="utf-8"?>
@@ -28353,6 +28493,14 @@
 </file>
 
 <file path=customXml/itemProps1.xml><?xml version="1.0" encoding="utf-8"?>
+<ds:datastoreItem xmlns:ds="http://schemas.openxmlformats.org/officeDocument/2006/customXml" ds:itemID="{30EBFC54-C7AE-455C-9271-6C115E2357AC}">
+  <ds:schemaRefs>
+    <ds:schemaRef ds:uri="http://schemas.microsoft.com/sharepoint/v3/contenttype/forms"/>
+  </ds:schemaRefs>
+</ds:datastoreItem>
+</file>
+
+<file path=customXml/itemProps2.xml><?xml version="1.0" encoding="utf-8"?>
 <ds:datastoreItem xmlns:ds="http://schemas.openxmlformats.org/officeDocument/2006/customXml" ds:itemID="{0A886E37-D8EC-4D3B-9AA4-97C26A5CAE7C}">
   <ds:schemaRefs>
     <ds:schemaRef ds:uri="http://purl.org/dc/dcmitype/"/>
@@ -28363,14 +28511,6 @@
     <ds:schemaRef ds:uri="http://schemas.microsoft.com/office/2006/metadata/properties"/>
     <ds:schemaRef ds:uri="http://www.w3.org/XML/1998/namespace"/>
     <ds:schemaRef ds:uri="http://purl.org/dc/terms/"/>
-  </ds:schemaRefs>
-</ds:datastoreItem>
-</file>
-
-<file path=customXml/itemProps2.xml><?xml version="1.0" encoding="utf-8"?>
-<ds:datastoreItem xmlns:ds="http://schemas.openxmlformats.org/officeDocument/2006/customXml" ds:itemID="{30EBFC54-C7AE-455C-9271-6C115E2357AC}">
-  <ds:schemaRefs>
-    <ds:schemaRef ds:uri="http://schemas.microsoft.com/sharepoint/v3/contenttype/forms"/>
   </ds:schemaRefs>
 </ds:datastoreItem>
 </file>

--- a/doc/versionControl.pptx
+++ b/doc/versionControl.pptx
@@ -387,11 +387,11 @@
         </c:dLbls>
         <c:bubbleScale val="100"/>
         <c:showNegBubbles val="0"/>
-        <c:axId val="612392544"/>
-        <c:axId val="612392936"/>
+        <c:axId val="500103528"/>
+        <c:axId val="500103920"/>
       </c:bubbleChart>
       <c:valAx>
-        <c:axId val="612392544"/>
+        <c:axId val="500103528"/>
         <c:scaling>
           <c:orientation val="minMax"/>
         </c:scaling>
@@ -500,12 +500,12 @@
             <a:endParaRPr lang="en-US"/>
           </a:p>
         </c:txPr>
-        <c:crossAx val="612392936"/>
+        <c:crossAx val="500103920"/>
         <c:crosses val="autoZero"/>
         <c:crossBetween val="midCat"/>
       </c:valAx>
       <c:valAx>
-        <c:axId val="612392936"/>
+        <c:axId val="500103920"/>
         <c:scaling>
           <c:orientation val="minMax"/>
         </c:scaling>
@@ -614,7 +614,7 @@
             <a:endParaRPr lang="en-US"/>
           </a:p>
         </c:txPr>
-        <c:crossAx val="612392544"/>
+        <c:crossAx val="500103528"/>
         <c:crosses val="autoZero"/>
         <c:crossBetween val="midCat"/>
       </c:valAx>
@@ -4591,7 +4591,7 @@
             <a:fld id="{3603A3DC-285A-48EF-A6A9-13284B292DDB}" type="datetimeFigureOut">
               <a:rPr lang="en-US" smtClean="0"/>
               <a:pPr/>
-              <a:t>2/16/2017</a:t>
+              <a:t>3/15/2017</a:t>
             </a:fld>
             <a:endParaRPr lang="en-US" dirty="0"/>
           </a:p>
@@ -10660,19 +10660,7 @@
                 </a:solidFill>
                 <a:effectLst/>
               </a:rPr>
-              <a:t>February</a:t>
-            </a:r>
-            <a:r>
-              <a:rPr lang="en-US" sz="2800" b="0" kern="0" dirty="0" smtClean="0">
-                <a:solidFill>
-                  <a:srgbClr val="000000">
-                    <a:lumMod val="75000"/>
-                    <a:lumOff val="25000"/>
-                  </a:srgbClr>
-                </a:solidFill>
-                <a:effectLst/>
-              </a:rPr>
-              <a:t> 2017</a:t>
+              <a:t>February 2017</a:t>
             </a:r>
             <a:endParaRPr sz="2000" b="0" kern="0" dirty="0">
               <a:solidFill>
@@ -12179,7 +12167,7 @@
         <p:spPr>
           <a:xfrm>
             <a:off x="457199" y="1026270"/>
-            <a:ext cx="5654637" cy="5305082"/>
+            <a:ext cx="5836823" cy="5305082"/>
           </a:xfrm>
         </p:spPr>
         <p:txBody>
@@ -12278,8 +12266,39 @@
             </a:r>
             <a:r>
               <a:rPr lang="en-US" sz="1600" dirty="0" smtClean="0"/>
-              <a:t> the IP was created with</a:t>
-            </a:r>
+              <a:t> the IP was created </a:t>
+            </a:r>
+            <a:r>
+              <a:rPr lang="en-US" sz="1600" dirty="0" smtClean="0"/>
+              <a:t>with</a:t>
+            </a:r>
+          </a:p>
+          <a:p>
+            <a:pPr lvl="1"/>
+            <a:r>
+              <a:rPr lang="en-US" sz="1600" dirty="0" smtClean="0"/>
+              <a:t>Do not revision control the </a:t>
+            </a:r>
+            <a:r>
+              <a:rPr lang="en-US" sz="1600" dirty="0" err="1" smtClean="0"/>
+              <a:t>dcp</a:t>
+            </a:r>
+            <a:r>
+              <a:rPr lang="en-US" sz="1600" dirty="0" smtClean="0"/>
+              <a:t> standalone</a:t>
+            </a:r>
+          </a:p>
+          <a:p>
+            <a:pPr lvl="2"/>
+            <a:r>
+              <a:rPr lang="en-US" sz="1400" dirty="0" smtClean="0"/>
+              <a:t>Constraints and memory programming information </a:t>
+            </a:r>
+            <a:r>
+              <a:rPr lang="en-US" sz="1400" dirty="0" smtClean="0"/>
+              <a:t>will not work</a:t>
+            </a:r>
+            <a:endParaRPr lang="en-US" sz="1400" dirty="0" smtClean="0"/>
           </a:p>
           <a:p>
             <a:endParaRPr lang="en-US" sz="1800" dirty="0" smtClean="0"/>
@@ -14434,8 +14453,8 @@
         </p:nvSpPr>
         <p:spPr>
           <a:xfrm>
-            <a:off x="280416" y="1217222"/>
-            <a:ext cx="8863584" cy="5359791"/>
+            <a:off x="280416" y="925023"/>
+            <a:ext cx="8863584" cy="5520717"/>
           </a:xfrm>
         </p:spPr>
         <p:txBody>
@@ -14444,14 +14463,41 @@
           <a:p>
             <a:r>
               <a:rPr lang="en-US" dirty="0" smtClean="0"/>
-              <a:t>Team Design – Multiple Designers Modifying Block Diagram</a:t>
+              <a:t>Team Design – Multiple Designers </a:t>
+            </a:r>
+            <a:r>
+              <a:rPr lang="en-US" dirty="0" smtClean="0"/>
+              <a:t>Modify </a:t>
+            </a:r>
+            <a:r>
+              <a:rPr lang="en-US" dirty="0" smtClean="0"/>
+              <a:t>Block Diagram</a:t>
             </a:r>
           </a:p>
           <a:p>
             <a:pPr lvl="1"/>
             <a:r>
               <a:rPr lang="en-US" dirty="0" smtClean="0"/>
-              <a:t>Review changes in a graphical change log to see before/after changes</a:t>
+              <a:t>Review changes in a graphical change log to see before/after </a:t>
+            </a:r>
+            <a:r>
+              <a:rPr lang="en-US" dirty="0" smtClean="0"/>
+              <a:t>changes</a:t>
+            </a:r>
+          </a:p>
+          <a:p>
+            <a:pPr lvl="2"/>
+            <a:r>
+              <a:rPr lang="en-US" dirty="0" smtClean="0"/>
+              <a:t>GitHub and most revision control tools as well as </a:t>
+            </a:r>
+            <a:r>
+              <a:rPr lang="en-US" dirty="0" err="1" smtClean="0"/>
+              <a:t>linux</a:t>
+            </a:r>
+            <a:r>
+              <a:rPr lang="en-US" dirty="0" smtClean="0"/>
+              <a:t> have tools for this</a:t>
             </a:r>
             <a:endParaRPr lang="en-US" dirty="0"/>
           </a:p>
@@ -14475,11 +14521,12 @@
             </a:r>
             <a:r>
               <a:rPr lang="en-US" dirty="0" smtClean="0"/>
-              <a:t> to make this easier</a:t>
-            </a:r>
-          </a:p>
-          <a:p>
-            <a:pPr lvl="1"/>
+              <a:t> to make this </a:t>
+            </a:r>
+            <a:r>
+              <a:rPr lang="en-US" dirty="0" smtClean="0"/>
+              <a:t>easier</a:t>
+            </a:r>
             <a:endParaRPr lang="en-US" dirty="0" smtClean="0"/>
           </a:p>
           <a:p>
@@ -14500,12 +14547,12 @@
               <a:t>User hierarchy wrap </a:t>
             </a:r>
             <a:r>
-              <a:rPr lang="en-US" dirty="0" err="1" smtClean="0"/>
-              <a:t>abour</a:t>
-            </a:r>
-            <a:r>
-              <a:rPr lang="en-US" dirty="0" smtClean="0"/>
-              <a:t> a block you wish to share</a:t>
+              <a:rPr lang="en-US" dirty="0" smtClean="0"/>
+              <a:t>around </a:t>
+            </a:r>
+            <a:r>
+              <a:rPr lang="en-US" dirty="0" smtClean="0"/>
+              <a:t>a block you wish to share</a:t>
             </a:r>
             <a:endParaRPr lang="en-US" dirty="0"/>
           </a:p>
@@ -14551,8 +14598,71 @@
             </a:r>
             <a:r>
               <a:rPr lang="en-US" dirty="0" smtClean="0"/>
-              <a:t> creates 1 proc per hierarchy)</a:t>
-            </a:r>
+              <a:t> creates 1 proc per hierarchy</a:t>
+            </a:r>
+            <a:r>
+              <a:rPr lang="en-US" dirty="0" smtClean="0"/>
+              <a:t>)</a:t>
+            </a:r>
+            <a:endParaRPr lang="en-US" dirty="0"/>
+          </a:p>
+          <a:p>
+            <a:r>
+              <a:rPr lang="en-US" dirty="0" smtClean="0"/>
+              <a:t>IP</a:t>
+            </a:r>
+          </a:p>
+          <a:p>
+            <a:pPr lvl="1"/>
+            <a:r>
+              <a:rPr lang="en-US" dirty="0" smtClean="0"/>
+              <a:t>Do not extract the RTL or use just the </a:t>
+            </a:r>
+            <a:r>
+              <a:rPr lang="en-US" dirty="0" err="1" smtClean="0"/>
+              <a:t>dcp</a:t>
+            </a:r>
+            <a:r>
+              <a:rPr lang="en-US" dirty="0" smtClean="0"/>
+              <a:t> standalone</a:t>
+            </a:r>
+          </a:p>
+          <a:p>
+            <a:pPr lvl="2"/>
+            <a:r>
+              <a:rPr lang="en-US" dirty="0" smtClean="0"/>
+              <a:t>This breaks memory programming information and loses the original IP constraints</a:t>
+            </a:r>
+          </a:p>
+          <a:p>
+            <a:pPr lvl="2"/>
+            <a:r>
+              <a:rPr lang="en-US" dirty="0" smtClean="0"/>
+              <a:t>Use the xci or xcix – preferably fully generated</a:t>
+            </a:r>
+          </a:p>
+          <a:p>
+            <a:pPr lvl="2"/>
+            <a:r>
+              <a:rPr lang="en-US" dirty="0" smtClean="0"/>
+              <a:t>2017.1 will give critical warnings for standalone </a:t>
+            </a:r>
+            <a:r>
+              <a:rPr lang="en-US" dirty="0" err="1" smtClean="0"/>
+              <a:t>dcps</a:t>
+            </a:r>
+            <a:r>
+              <a:rPr lang="en-US" dirty="0" smtClean="0"/>
+              <a:t> from Xilinx IP</a:t>
+            </a:r>
+          </a:p>
+          <a:p>
+            <a:pPr lvl="1"/>
+            <a:r>
+              <a:rPr lang="en-US" dirty="0" smtClean="0"/>
+              <a:t>Treat the BD as a giant, complex IP – don’t try and manage the pieces </a:t>
+            </a:r>
+            <a:endParaRPr lang="en-US" dirty="0" smtClean="0"/>
           </a:p>
         </p:txBody>
       </p:sp>
@@ -25387,11 +25497,15 @@
             </a:r>
             <a:r>
               <a:rPr lang="en-US" dirty="0" err="1" smtClean="0"/>
-              <a:t>UltraFast</a:t>
-            </a:r>
-            <a:r>
-              <a:rPr lang="en-US" dirty="0" smtClean="0"/>
-              <a:t> DMG delivered!</a:t>
+              <a:t>UltraFAST</a:t>
+            </a:r>
+            <a:r>
+              <a:rPr lang="en-US" dirty="0" smtClean="0"/>
+              <a:t> Methodology Guide </a:t>
+            </a:r>
+            <a:r>
+              <a:rPr lang="en-US" dirty="0" smtClean="0"/>
+              <a:t>delivered!</a:t>
             </a:r>
           </a:p>
           <a:p>
@@ -25399,7 +25513,6 @@
               <a:rPr lang="en-US" dirty="0" smtClean="0"/>
               <a:t>2015.X</a:t>
             </a:r>
-            <a:endParaRPr lang="en-US" dirty="0" smtClean="0"/>
           </a:p>
           <a:p>
             <a:pPr lvl="1"/>
@@ -25420,13 +25533,8 @@
             <a:pPr lvl="1"/>
             <a:r>
               <a:rPr lang="en-US" dirty="0" smtClean="0"/>
-              <a:t>Compared to 2014.1 the average number of files per IP is about </a:t>
-            </a:r>
-            <a:r>
-              <a:rPr lang="en-US" dirty="0" smtClean="0"/>
-              <a:t>1/3</a:t>
-            </a:r>
-            <a:endParaRPr lang="en-US" dirty="0" smtClean="0"/>
+              <a:t>Compared to 2014.1 the average number of files per IP is about 1/3</a:t>
+            </a:r>
           </a:p>
           <a:p>
             <a:pPr lvl="1"/>
@@ -25496,7 +25604,6 @@
               <a:rPr lang="en-US" dirty="0" smtClean="0"/>
               <a:t>Ability to precompile common simulation libraries</a:t>
             </a:r>
-            <a:endParaRPr lang="en-US" dirty="0" smtClean="0"/>
           </a:p>
           <a:p>
             <a:endParaRPr lang="en-US" dirty="0" smtClean="0"/>
@@ -28364,18 +28471,18 @@
 </file>
 
 <file path=customXml/item1.xml><?xml version="1.0" encoding="utf-8"?>
+<p:properties xmlns:p="http://schemas.microsoft.com/office/2006/metadata/properties" xmlns:xsi="http://www.w3.org/2001/XMLSchema-instance" xmlns:pc="http://schemas.microsoft.com/office/infopath/2007/PartnerControls">
+  <documentManagement/>
+</p:properties>
+</file>
+
+<file path=customXml/item2.xml><?xml version="1.0" encoding="utf-8"?>
 <?mso-contentType ?>
 <FormTemplates xmlns="http://schemas.microsoft.com/sharepoint/v3/contenttype/forms">
   <Display>DocumentLibraryForm</Display>
   <Edit>DocumentLibraryForm</Edit>
   <New>DocumentLibraryForm</New>
 </FormTemplates>
-</file>
-
-<file path=customXml/item2.xml><?xml version="1.0" encoding="utf-8"?>
-<p:properties xmlns:p="http://schemas.microsoft.com/office/2006/metadata/properties" xmlns:xsi="http://www.w3.org/2001/XMLSchema-instance" xmlns:pc="http://schemas.microsoft.com/office/infopath/2007/PartnerControls">
-  <documentManagement/>
-</p:properties>
 </file>
 
 <file path=customXml/item3.xml><?xml version="1.0" encoding="utf-8"?>
@@ -28493,14 +28600,6 @@
 </file>
 
 <file path=customXml/itemProps1.xml><?xml version="1.0" encoding="utf-8"?>
-<ds:datastoreItem xmlns:ds="http://schemas.openxmlformats.org/officeDocument/2006/customXml" ds:itemID="{30EBFC54-C7AE-455C-9271-6C115E2357AC}">
-  <ds:schemaRefs>
-    <ds:schemaRef ds:uri="http://schemas.microsoft.com/sharepoint/v3/contenttype/forms"/>
-  </ds:schemaRefs>
-</ds:datastoreItem>
-</file>
-
-<file path=customXml/itemProps2.xml><?xml version="1.0" encoding="utf-8"?>
 <ds:datastoreItem xmlns:ds="http://schemas.openxmlformats.org/officeDocument/2006/customXml" ds:itemID="{0A886E37-D8EC-4D3B-9AA4-97C26A5CAE7C}">
   <ds:schemaRefs>
     <ds:schemaRef ds:uri="http://purl.org/dc/dcmitype/"/>
@@ -28511,6 +28610,14 @@
     <ds:schemaRef ds:uri="http://schemas.microsoft.com/office/2006/metadata/properties"/>
     <ds:schemaRef ds:uri="http://www.w3.org/XML/1998/namespace"/>
     <ds:schemaRef ds:uri="http://purl.org/dc/terms/"/>
+  </ds:schemaRefs>
+</ds:datastoreItem>
+</file>
+
+<file path=customXml/itemProps2.xml><?xml version="1.0" encoding="utf-8"?>
+<ds:datastoreItem xmlns:ds="http://schemas.openxmlformats.org/officeDocument/2006/customXml" ds:itemID="{30EBFC54-C7AE-455C-9271-6C115E2357AC}">
+  <ds:schemaRefs>
+    <ds:schemaRef ds:uri="http://schemas.microsoft.com/sharepoint/v3/contenttype/forms"/>
   </ds:schemaRefs>
 </ds:datastoreItem>
 </file>
